--- a/Forecasting.pptx
+++ b/Forecasting.pptx
@@ -315,6 +315,27 @@
       </a:defRPr>
     </a:lvl9pPr>
   </p:defaultTextStyle>
+  <p:extLst>
+    <p:ext uri="{EFAFB233-063F-42B5-8137-9DF3F51BA10A}">
+      <p15:sldGuideLst xmlns:p15="http://schemas.microsoft.com/office/powerpoint/2012/main">
+        <p15:guide id="1" orient="horz" pos="3400">
+          <p15:clr>
+            <a:srgbClr val="A4A3A4"/>
+          </p15:clr>
+        </p15:guide>
+        <p15:guide id="2" pos="4417">
+          <p15:clr>
+            <a:srgbClr val="A4A3A4"/>
+          </p15:clr>
+        </p15:guide>
+        <p15:guide id="3" pos="182">
+          <p15:clr>
+            <a:srgbClr val="A4A3A4"/>
+          </p15:clr>
+        </p15:guide>
+      </p15:sldGuideLst>
+    </p:ext>
+  </p:extLst>
 </p:presentation>
 </file>
 
@@ -406,7 +427,7 @@
           <a:p>
             <a:fld id="{37C50D7F-5172-434D-9E20-E71FDF806C79}" type="datetimeFigureOut">
               <a:rPr lang="en-GB" smtClean="0"/>
-              <a:t>05/07/2019</a:t>
+              <a:t>18/07/2019</a:t>
             </a:fld>
             <a:endParaRPr lang="en-GB"/>
           </a:p>
@@ -723,15 +744,7 @@
           <a:bodyPr/>
           <a:lstStyle/>
           <a:p>
-            <a:r>
-              <a:rPr lang="en-GB" smtClean="0"/>
-              <a:t>Dimension picture: 11, 8 px from top</a:t>
-            </a:r>
-            <a:r>
-              <a:rPr lang="en-GB" baseline="0" smtClean="0"/>
-              <a:t> left corner</a:t>
-            </a:r>
-            <a:endParaRPr lang="en-GB"/>
+            <a:endParaRPr lang="en-GB" dirty="0"/>
           </a:p>
         </p:txBody>
       </p:sp>
@@ -792,15 +805,7 @@
           <a:bodyPr/>
           <a:lstStyle/>
           <a:p>
-            <a:r>
-              <a:rPr lang="en-GB" smtClean="0"/>
-              <a:t>Dimension picture: 11, 8 px from top</a:t>
-            </a:r>
-            <a:r>
-              <a:rPr lang="en-GB" baseline="0" smtClean="0"/>
-              <a:t> left corner</a:t>
-            </a:r>
-            <a:endParaRPr lang="en-GB"/>
+            <a:endParaRPr lang="en-GB" dirty="0"/>
           </a:p>
         </p:txBody>
       </p:sp>
@@ -861,15 +866,7 @@
           <a:bodyPr/>
           <a:lstStyle/>
           <a:p>
-            <a:r>
-              <a:rPr lang="en-GB" smtClean="0"/>
-              <a:t>Dimension picture: 11, 8 px from top</a:t>
-            </a:r>
-            <a:r>
-              <a:rPr lang="en-GB" baseline="0" smtClean="0"/>
-              <a:t> left corner</a:t>
-            </a:r>
-            <a:endParaRPr lang="en-GB"/>
+            <a:endParaRPr lang="en-GB" dirty="0"/>
           </a:p>
         </p:txBody>
       </p:sp>
@@ -2521,7 +2518,7 @@
           </a:ln>
           <a:extLst>
             <a:ext uri="{C572A759-6A51-4108-AA02-DFA0A04FC94B}">
-              <ma14:wrappingTextBoxFlag xmlns:ma14="http://schemas.microsoft.com/office/mac/drawingml/2011/main" xmlns:a14="http://schemas.microsoft.com/office/drawing/2010/main" xmlns:m="http://schemas.openxmlformats.org/officeDocument/2006/math" xmlns="" val="1"/>
+              <ma14:wrappingTextBoxFlag xmlns="" xmlns:m="http://schemas.openxmlformats.org/officeDocument/2006/math" xmlns:a14="http://schemas.microsoft.com/office/drawing/2010/main" xmlns:ma14="http://schemas.microsoft.com/office/mac/drawingml/2011/main" val="1"/>
             </a:ext>
           </a:extLst>
         </p:spPr>
@@ -2560,7 +2557,7 @@
           </a:ln>
           <a:extLst>
             <a:ext uri="{C572A759-6A51-4108-AA02-DFA0A04FC94B}">
-              <ma14:wrappingTextBoxFlag xmlns:ma14="http://schemas.microsoft.com/office/mac/drawingml/2011/main" xmlns:a14="http://schemas.microsoft.com/office/drawing/2010/main" xmlns:m="http://schemas.openxmlformats.org/officeDocument/2006/math" xmlns="" val="1"/>
+              <ma14:wrappingTextBoxFlag xmlns="" xmlns:m="http://schemas.openxmlformats.org/officeDocument/2006/math" xmlns:a14="http://schemas.microsoft.com/office/drawing/2010/main" xmlns:ma14="http://schemas.microsoft.com/office/mac/drawingml/2011/main" val="1"/>
             </a:ext>
           </a:extLst>
         </p:spPr>
@@ -3552,7 +3549,7 @@
               <a:t>P</a:t>
             </a:r>
             <a:r>
-              <a:rPr kumimoji="0" lang="en-GB" sz="3600" b="0" i="0" u="none" strike="noStrike" cap="none" spc="0" normalizeH="0" baseline="0" smtClean="0">
+              <a:rPr kumimoji="0" lang="en-GB" sz="3600" b="0" i="0" u="none" strike="noStrike" cap="none" spc="0" normalizeH="0" baseline="0">
                 <a:ln>
                   <a:noFill/>
                 </a:ln>
@@ -3568,20 +3565,6 @@
               </a:rPr>
               <a:t>roject</a:t>
             </a:r>
-            <a:endParaRPr kumimoji="0" lang="en-GB" sz="3600" b="0" i="0" u="none" strike="noStrike" cap="none" spc="0" normalizeH="0" baseline="0">
-              <a:ln>
-                <a:noFill/>
-              </a:ln>
-              <a:solidFill>
-                <a:srgbClr val="000000"/>
-              </a:solidFill>
-              <a:effectLst/>
-              <a:uFillTx/>
-              <a:latin typeface="Segoe UI" pitchFamily="34" charset="0"/>
-              <a:ea typeface="Verdana" pitchFamily="34" charset="0"/>
-              <a:cs typeface="Segoe UI" pitchFamily="34" charset="0"/>
-              <a:sym typeface="Source Sans Pro"/>
-            </a:endParaRPr>
           </a:p>
         </p:txBody>
       </p:sp>
@@ -3646,7 +3629,7 @@
               <a:tabLst/>
             </a:pPr>
             <a:r>
-              <a:rPr lang="en-GB" sz="1000" b="0" smtClean="0">
+              <a:rPr lang="en-GB" sz="1000" b="0">
                 <a:solidFill>
                   <a:srgbClr val="000000"/>
                 </a:solidFill>
@@ -3657,7 +3640,7 @@
               <a:t>Excel &gt; Data &gt; </a:t>
             </a:r>
             <a:r>
-              <a:rPr kumimoji="0" lang="en-GB" sz="1000" b="0" i="0" u="none" strike="noStrike" cap="none" spc="0" normalizeH="0" baseline="0" smtClean="0">
+              <a:rPr kumimoji="0" lang="en-GB" sz="1000" b="0" i="0" u="none" strike="noStrike" cap="none" spc="0" normalizeH="0" baseline="0">
                 <a:ln>
                   <a:noFill/>
                 </a:ln>
@@ -3674,7 +3657,7 @@
               <a:t>From Other Sources &gt; </a:t>
             </a:r>
             <a:r>
-              <a:rPr lang="en-GB" sz="1000" b="0" smtClean="0">
+              <a:rPr lang="en-GB" sz="1000" b="0">
                 <a:solidFill>
                   <a:srgbClr val="000000"/>
                 </a:solidFill>
@@ -3682,7 +3665,18 @@
                 <a:ea typeface="Verdana" pitchFamily="34" charset="0"/>
                 <a:cs typeface="Segoe UI" pitchFamily="34" charset="0"/>
               </a:rPr>
-              <a:t>From Analysis Services</a:t>
+              <a:t>From Analysis Services &gt; Server name: </a:t>
+            </a:r>
+            <a:r>
+              <a:rPr lang="en-GB" sz="1000" b="0" i="1" u="sng">
+                <a:solidFill>
+                  <a:srgbClr val="000000"/>
+                </a:solidFill>
+                <a:latin typeface="Segoe UI" pitchFamily="34" charset="0"/>
+                <a:ea typeface="Verdana" pitchFamily="34" charset="0"/>
+                <a:cs typeface="Segoe UI" pitchFamily="34" charset="0"/>
+              </a:rPr>
+              <a:t>SSAS</a:t>
             </a:r>
             <a:r>
               <a:rPr lang="en-GB" sz="1000" b="0">
@@ -3693,43 +3687,10 @@
                 <a:ea typeface="Verdana" pitchFamily="34" charset="0"/>
                 <a:cs typeface="Segoe UI" pitchFamily="34" charset="0"/>
               </a:rPr>
-              <a:t> </a:t>
-            </a:r>
-            <a:r>
-              <a:rPr lang="en-GB" sz="1000" b="0" smtClean="0">
-                <a:solidFill>
-                  <a:srgbClr val="000000"/>
-                </a:solidFill>
-                <a:latin typeface="Segoe UI" pitchFamily="34" charset="0"/>
-                <a:ea typeface="Verdana" pitchFamily="34" charset="0"/>
-                <a:cs typeface="Segoe UI" pitchFamily="34" charset="0"/>
-              </a:rPr>
-              <a:t>&gt; Server name: </a:t>
-            </a:r>
-            <a:r>
-              <a:rPr lang="en-GB" sz="1000" b="0" i="1" u="sng" smtClean="0">
-                <a:solidFill>
-                  <a:srgbClr val="000000"/>
-                </a:solidFill>
-                <a:latin typeface="Segoe UI" pitchFamily="34" charset="0"/>
-                <a:ea typeface="Verdana" pitchFamily="34" charset="0"/>
-                <a:cs typeface="Segoe UI" pitchFamily="34" charset="0"/>
-              </a:rPr>
-              <a:t>SSAS</a:t>
-            </a:r>
-            <a:r>
-              <a:rPr lang="en-GB" sz="1000" b="0" smtClean="0">
-                <a:solidFill>
-                  <a:srgbClr val="000000"/>
-                </a:solidFill>
-                <a:latin typeface="Segoe UI" pitchFamily="34" charset="0"/>
-                <a:ea typeface="Verdana" pitchFamily="34" charset="0"/>
-                <a:cs typeface="Segoe UI" pitchFamily="34" charset="0"/>
-              </a:rPr>
               <a:t> &gt; </a:t>
             </a:r>
             <a:r>
-              <a:rPr lang="en-GB" sz="1000" b="0" i="1" u="sng" smtClean="0">
+              <a:rPr lang="en-GB" sz="1000" b="0" i="1" u="sng">
                 <a:solidFill>
                   <a:srgbClr val="000000"/>
                 </a:solidFill>
@@ -3805,7 +3766,13 @@
                 <a:tableStyleId>{5940675A-B579-460E-94D1-54222C63F5DA}</a:tableStyleId>
               </a:tblPr>
               <a:tblGrid>
-                <a:gridCol w="3825875"/>
+                <a:gridCol w="3825875">
+                  <a:extLst>
+                    <a:ext uri="{9D8B030D-6E8A-4147-A177-3AD203B41FA5}">
+                      <a16:colId xmlns:a16="http://schemas.microsoft.com/office/drawing/2014/main" val="20000"/>
+                    </a:ext>
+                  </a:extLst>
+                </a:gridCol>
               </a:tblGrid>
               <a:tr h="260350">
                 <a:tc>
@@ -3815,7 +3782,7 @@
                     <a:p>
                       <a:pPr algn="l"/>
                       <a:r>
-                        <a:rPr lang="en-GB" sz="1000" b="1" baseline="0" smtClean="0">
+                        <a:rPr lang="en-GB" sz="1000" b="1" baseline="0">
                           <a:solidFill>
                             <a:srgbClr val="000000"/>
                           </a:solidFill>
@@ -3873,6 +3840,11 @@
                     </a:lnBlToTr>
                   </a:tcPr>
                 </a:tc>
+                <a:extLst>
+                  <a:ext uri="{0D108BD9-81ED-4DB2-BD59-A6C34878D82A}">
+                    <a16:rowId xmlns:a16="http://schemas.microsoft.com/office/drawing/2014/main" val="10000"/>
+                  </a:ext>
+                </a:extLst>
               </a:tr>
               <a:tr h="273736">
                 <a:tc>
@@ -3898,7 +3870,7 @@
                         <a:defRPr/>
                       </a:pPr>
                       <a:r>
-                        <a:rPr lang="en-GB" sz="1000" smtClean="0">
+                        <a:rPr lang="en-GB" sz="1000">
                           <a:solidFill>
                             <a:srgbClr val="000000"/>
                           </a:solidFill>
@@ -3908,7 +3880,7 @@
                         <a:t>Push people who are bad at giving clear problem statements, or</a:t>
                       </a:r>
                       <a:r>
-                        <a:rPr lang="en-GB" sz="1000" baseline="0" smtClean="0">
+                        <a:rPr lang="en-GB" sz="1000" baseline="0">
                           <a:solidFill>
                             <a:srgbClr val="000000"/>
                           </a:solidFill>
@@ -3918,7 +3890,7 @@
                         <a:t> </a:t>
                       </a:r>
                       <a:r>
-                        <a:rPr lang="en-GB" sz="1000" smtClean="0">
+                        <a:rPr lang="en-GB" sz="1000">
                           <a:solidFill>
                             <a:srgbClr val="000000"/>
                           </a:solidFill>
@@ -3928,7 +3900,7 @@
                         <a:t>bad at thinking through how complex what they are asking actually is. E.g. if</a:t>
                       </a:r>
                       <a:r>
-                        <a:rPr lang="en-GB" sz="1000" baseline="0" smtClean="0">
+                        <a:rPr lang="en-GB" sz="1000" baseline="0">
                           <a:solidFill>
                             <a:srgbClr val="000000"/>
                           </a:solidFill>
@@ -3937,7 +3909,7 @@
                         </a:rPr>
                         <a:t> predict best price, optimize revenue or profit?</a:t>
                       </a:r>
-                      <a:endParaRPr lang="en-GB" sz="1000" smtClean="0">
+                      <a:endParaRPr lang="en-GB" sz="1000">
                         <a:solidFill>
                           <a:srgbClr val="000000"/>
                         </a:solidFill>
@@ -3985,6 +3957,11 @@
                     </a:lnBlToTr>
                   </a:tcPr>
                 </a:tc>
+                <a:extLst>
+                  <a:ext uri="{0D108BD9-81ED-4DB2-BD59-A6C34878D82A}">
+                    <a16:rowId xmlns:a16="http://schemas.microsoft.com/office/drawing/2014/main" val="10001"/>
+                  </a:ext>
+                </a:extLst>
               </a:tr>
               <a:tr h="260350">
                 <a:tc>
@@ -3994,7 +3971,7 @@
                     <a:p>
                       <a:pPr algn="l"/>
                       <a:r>
-                        <a:rPr lang="en-GB" sz="1000" smtClean="0">
+                        <a:rPr lang="en-GB" sz="1000">
                           <a:solidFill>
                             <a:srgbClr val="000000"/>
                           </a:solidFill>
@@ -4004,7 +3981,7 @@
                         <a:t>Think through whole</a:t>
                       </a:r>
                       <a:r>
-                        <a:rPr lang="en-GB" sz="1000" baseline="0" smtClean="0">
+                        <a:rPr lang="en-GB" sz="1000" baseline="0">
                           <a:solidFill>
                             <a:srgbClr val="000000"/>
                           </a:solidFill>
@@ -4051,6 +4028,11 @@
                     </a:lnBlToTr>
                   </a:tcPr>
                 </a:tc>
+                <a:extLst>
+                  <a:ext uri="{0D108BD9-81ED-4DB2-BD59-A6C34878D82A}">
+                    <a16:rowId xmlns:a16="http://schemas.microsoft.com/office/drawing/2014/main" val="10002"/>
+                  </a:ext>
+                </a:extLst>
               </a:tr>
               <a:tr h="260350">
                 <a:tc>
@@ -4076,7 +4058,7 @@
                         <a:defRPr/>
                       </a:pPr>
                       <a:r>
-                        <a:rPr lang="en-GB" sz="1000" i="0" smtClean="0">
+                        <a:rPr lang="en-GB" sz="1000" i="0">
                           <a:solidFill>
                             <a:srgbClr val="000000"/>
                           </a:solidFill>
@@ -4086,7 +4068,7 @@
                         <a:t>Using best data you have, if</a:t>
                       </a:r>
                       <a:r>
-                        <a:rPr lang="en-GB" sz="1000" i="0" baseline="0" smtClean="0">
+                        <a:rPr lang="en-GB" sz="1000" i="0" baseline="0">
                           <a:solidFill>
                             <a:srgbClr val="000000"/>
                           </a:solidFill>
@@ -4095,7 +4077,7 @@
                         </a:rPr>
                         <a:t> simplest model gives &lt;0.1 quality of fit, no model will give 0.8+</a:t>
                       </a:r>
-                      <a:endParaRPr lang="en-GB" sz="1000" i="0" smtClean="0">
+                      <a:endParaRPr lang="en-GB" sz="1000" i="0">
                         <a:solidFill>
                           <a:srgbClr val="000000"/>
                         </a:solidFill>
@@ -4133,6 +4115,11 @@
                     </a:lnBlToTr>
                   </a:tcPr>
                 </a:tc>
+                <a:extLst>
+                  <a:ext uri="{0D108BD9-81ED-4DB2-BD59-A6C34878D82A}">
+                    <a16:rowId xmlns:a16="http://schemas.microsoft.com/office/drawing/2014/main" val="10003"/>
+                  </a:ext>
+                </a:extLst>
               </a:tr>
               <a:tr h="260350">
                 <a:tc>
@@ -4157,7 +4144,7 @@
                         <a:tabLst/>
                         <a:defRPr/>
                       </a:pPr>
-                      <a:endParaRPr lang="en-GB" sz="1000" i="0" smtClean="0">
+                      <a:endParaRPr lang="en-GB" sz="1000" i="0">
                         <a:solidFill>
                           <a:srgbClr val="000000"/>
                         </a:solidFill>
@@ -4199,6 +4186,11 @@
                     </a:lnBlToTr>
                   </a:tcPr>
                 </a:tc>
+                <a:extLst>
+                  <a:ext uri="{0D108BD9-81ED-4DB2-BD59-A6C34878D82A}">
+                    <a16:rowId xmlns:a16="http://schemas.microsoft.com/office/drawing/2014/main" val="10004"/>
+                  </a:ext>
+                </a:extLst>
               </a:tr>
               <a:tr h="260350">
                 <a:tc>
@@ -4223,7 +4215,7 @@
                         <a:tabLst/>
                         <a:defRPr/>
                       </a:pPr>
-                      <a:endParaRPr lang="en-GB" sz="1000" b="0" i="0" u="none" strike="noStrike" cap="none" spc="0" baseline="0" smtClean="0">
+                      <a:endParaRPr lang="en-GB" sz="1000" b="0" i="0" u="none" strike="noStrike" cap="none" spc="0" baseline="0">
                         <a:ln>
                           <a:noFill/>
                         </a:ln>
@@ -4271,6 +4263,11 @@
                     </a:lnBlToTr>
                   </a:tcPr>
                 </a:tc>
+                <a:extLst>
+                  <a:ext uri="{0D108BD9-81ED-4DB2-BD59-A6C34878D82A}">
+                    <a16:rowId xmlns:a16="http://schemas.microsoft.com/office/drawing/2014/main" val="10005"/>
+                  </a:ext>
+                </a:extLst>
               </a:tr>
               <a:tr h="260350">
                 <a:tc>
@@ -4296,7 +4293,7 @@
                         <a:defRPr/>
                       </a:pPr>
                       <a:r>
-                        <a:rPr lang="en-GB" sz="1000" b="0" i="0" u="none" strike="noStrike" cap="none" spc="0" baseline="0" smtClean="0">
+                        <a:rPr lang="en-GB" sz="1000" b="0" i="0" u="none" strike="noStrike" cap="none" spc="0" baseline="0">
                           <a:ln>
                             <a:noFill/>
                           </a:ln>
@@ -4312,12 +4309,12 @@
                         <a:t>Source: </a:t>
                       </a:r>
                       <a:r>
-                        <a:rPr lang="en-GB" sz="1000" smtClean="0">
+                        <a:rPr lang="en-GB" sz="1000">
                           <a:hlinkClick r:id="rId3"/>
                         </a:rPr>
                         <a:t>https://www.reddit.com/r/datascience/comments/c2xxt4/has_anyone_ever_wasted_months_on_a_project/</a:t>
                       </a:r>
-                      <a:endParaRPr lang="en-GB" sz="1000" b="0" i="0" u="none" strike="noStrike" cap="none" spc="0" baseline="0" smtClean="0">
+                      <a:endParaRPr lang="en-GB" sz="1000" b="0" i="0" u="none" strike="noStrike" cap="none" spc="0" baseline="0">
                         <a:ln>
                           <a:noFill/>
                         </a:ln>
@@ -4367,6 +4364,11 @@
                     </a:lnBlToTr>
                   </a:tcPr>
                 </a:tc>
+                <a:extLst>
+                  <a:ext uri="{0D108BD9-81ED-4DB2-BD59-A6C34878D82A}">
+                    <a16:rowId xmlns:a16="http://schemas.microsoft.com/office/drawing/2014/main" val="10006"/>
+                  </a:ext>
+                </a:extLst>
               </a:tr>
             </a:tbl>
           </a:graphicData>
@@ -4397,7 +4399,13 @@
                 <a:tableStyleId>{5940675A-B579-460E-94D1-54222C63F5DA}</a:tableStyleId>
               </a:tblPr>
               <a:tblGrid>
-                <a:gridCol w="3825875"/>
+                <a:gridCol w="3825875">
+                  <a:extLst>
+                    <a:ext uri="{9D8B030D-6E8A-4147-A177-3AD203B41FA5}">
+                      <a16:colId xmlns:a16="http://schemas.microsoft.com/office/drawing/2014/main" val="20000"/>
+                    </a:ext>
+                  </a:extLst>
+                </a:gridCol>
               </a:tblGrid>
               <a:tr h="260350">
                 <a:tc>
@@ -4407,7 +4415,7 @@
                     <a:p>
                       <a:pPr algn="l"/>
                       <a:r>
-                        <a:rPr lang="en-GB" sz="1000" b="1" baseline="0" smtClean="0">
+                        <a:rPr lang="en-GB" sz="1000" b="1" baseline="0">
                           <a:solidFill>
                             <a:srgbClr val="000000"/>
                           </a:solidFill>
@@ -4465,6 +4473,11 @@
                     </a:lnBlToTr>
                   </a:tcPr>
                 </a:tc>
+                <a:extLst>
+                  <a:ext uri="{0D108BD9-81ED-4DB2-BD59-A6C34878D82A}">
+                    <a16:rowId xmlns:a16="http://schemas.microsoft.com/office/drawing/2014/main" val="10000"/>
+                  </a:ext>
+                </a:extLst>
               </a:tr>
               <a:tr h="273736">
                 <a:tc>
@@ -4490,7 +4503,7 @@
                         <a:defRPr/>
                       </a:pPr>
                       <a:r>
-                        <a:rPr lang="en-GB" sz="1000" i="0" smtClean="0">
+                        <a:rPr lang="en-GB" sz="1000" i="0">
                           <a:solidFill>
                             <a:srgbClr val="000000"/>
                           </a:solidFill>
@@ -4500,7 +4513,7 @@
                         <a:t>State</a:t>
                       </a:r>
                       <a:r>
-                        <a:rPr lang="en-GB" sz="1000" i="0" baseline="0" smtClean="0">
+                        <a:rPr lang="en-GB" sz="1000" i="0" baseline="0">
                           <a:solidFill>
                             <a:srgbClr val="000000"/>
                           </a:solidFill>
@@ -4509,7 +4522,7 @@
                         </a:rPr>
                         <a:t> your assumptions early and often, make sure client really understands the nitty and gritty details. Is result dependent on some conditions that are probably not realistic?</a:t>
                       </a:r>
-                      <a:endParaRPr lang="en-GB" sz="1000" i="0" smtClean="0">
+                      <a:endParaRPr lang="en-GB" sz="1000" i="0">
                         <a:solidFill>
                           <a:srgbClr val="000000"/>
                         </a:solidFill>
@@ -4557,6 +4570,11 @@
                     </a:lnBlToTr>
                   </a:tcPr>
                 </a:tc>
+                <a:extLst>
+                  <a:ext uri="{0D108BD9-81ED-4DB2-BD59-A6C34878D82A}">
+                    <a16:rowId xmlns:a16="http://schemas.microsoft.com/office/drawing/2014/main" val="10001"/>
+                  </a:ext>
+                </a:extLst>
               </a:tr>
               <a:tr h="260350">
                 <a:tc>
@@ -4566,7 +4584,7 @@
                     <a:p>
                       <a:pPr algn="l"/>
                       <a:r>
-                        <a:rPr lang="en-GB" sz="1000" smtClean="0">
+                        <a:rPr lang="en-GB" sz="1000">
                           <a:solidFill>
                             <a:srgbClr val="000000"/>
                           </a:solidFill>
@@ -4576,7 +4594,7 @@
                         <a:t>Ask questions to make sure everyone’s expectations</a:t>
                       </a:r>
                       <a:r>
-                        <a:rPr lang="en-GB" sz="1000" baseline="0" smtClean="0">
+                        <a:rPr lang="en-GB" sz="1000" baseline="0">
                           <a:solidFill>
                             <a:srgbClr val="000000"/>
                           </a:solidFill>
@@ -4623,6 +4641,11 @@
                     </a:lnBlToTr>
                   </a:tcPr>
                 </a:tc>
+                <a:extLst>
+                  <a:ext uri="{0D108BD9-81ED-4DB2-BD59-A6C34878D82A}">
+                    <a16:rowId xmlns:a16="http://schemas.microsoft.com/office/drawing/2014/main" val="10002"/>
+                  </a:ext>
+                </a:extLst>
               </a:tr>
               <a:tr h="260350">
                 <a:tc>
@@ -4669,6 +4692,11 @@
                     </a:lnBlToTr>
                   </a:tcPr>
                 </a:tc>
+                <a:extLst>
+                  <a:ext uri="{0D108BD9-81ED-4DB2-BD59-A6C34878D82A}">
+                    <a16:rowId xmlns:a16="http://schemas.microsoft.com/office/drawing/2014/main" val="10003"/>
+                  </a:ext>
+                </a:extLst>
               </a:tr>
               <a:tr h="260350">
                 <a:tc>
@@ -4693,7 +4721,7 @@
                         <a:tabLst/>
                         <a:defRPr/>
                       </a:pPr>
-                      <a:endParaRPr lang="en-GB" sz="1000" b="0" i="0" u="none" strike="noStrike" cap="none" spc="0" baseline="0" smtClean="0">
+                      <a:endParaRPr lang="en-GB" sz="1000" b="0" i="0" u="none" strike="noStrike" cap="none" spc="0" baseline="0">
                         <a:ln>
                           <a:noFill/>
                         </a:ln>
@@ -4741,6 +4769,11 @@
                     </a:lnBlToTr>
                   </a:tcPr>
                 </a:tc>
+                <a:extLst>
+                  <a:ext uri="{0D108BD9-81ED-4DB2-BD59-A6C34878D82A}">
+                    <a16:rowId xmlns:a16="http://schemas.microsoft.com/office/drawing/2014/main" val="10004"/>
+                  </a:ext>
+                </a:extLst>
               </a:tr>
               <a:tr h="260350">
                 <a:tc>
@@ -4765,7 +4798,7 @@
                         <a:tabLst/>
                         <a:defRPr/>
                       </a:pPr>
-                      <a:endParaRPr lang="en-GB" sz="1000" b="0" i="0" u="none" strike="noStrike" cap="none" spc="0" baseline="0" smtClean="0">
+                      <a:endParaRPr lang="en-GB" sz="1000" b="0" i="0" u="none" strike="noStrike" cap="none" spc="0" baseline="0">
                         <a:ln>
                           <a:noFill/>
                         </a:ln>
@@ -4813,6 +4846,11 @@
                     </a:lnBlToTr>
                   </a:tcPr>
                 </a:tc>
+                <a:extLst>
+                  <a:ext uri="{0D108BD9-81ED-4DB2-BD59-A6C34878D82A}">
+                    <a16:rowId xmlns:a16="http://schemas.microsoft.com/office/drawing/2014/main" val="10005"/>
+                  </a:ext>
+                </a:extLst>
               </a:tr>
               <a:tr h="260350">
                 <a:tc>
@@ -4838,7 +4876,7 @@
                         <a:defRPr/>
                       </a:pPr>
                       <a:r>
-                        <a:rPr lang="en-GB" sz="1000" b="0" i="0" u="none" strike="noStrike" cap="none" spc="0" baseline="0" smtClean="0">
+                        <a:rPr lang="en-GB" sz="1000" b="0" i="0" u="none" strike="noStrike" cap="none" spc="0" baseline="0">
                           <a:ln>
                             <a:noFill/>
                           </a:ln>
@@ -4854,12 +4892,12 @@
                         <a:t>Source: </a:t>
                       </a:r>
                       <a:r>
-                        <a:rPr lang="en-GB" sz="1000" smtClean="0">
+                        <a:rPr lang="en-GB" sz="1000">
                           <a:hlinkClick r:id="rId3"/>
                         </a:rPr>
                         <a:t>https://www.reddit.com/r/datascience/comments/c2xxt4/has_anyone_ever_wasted_months_on_a_project/</a:t>
                       </a:r>
-                      <a:endParaRPr lang="en-GB" sz="1000" b="0" i="0" u="none" strike="noStrike" cap="none" spc="0" baseline="0" smtClean="0">
+                      <a:endParaRPr lang="en-GB" sz="1000" b="0" i="0" u="none" strike="noStrike" cap="none" spc="0" baseline="0">
                         <a:ln>
                           <a:noFill/>
                         </a:ln>
@@ -4909,6 +4947,11 @@
                     </a:lnBlToTr>
                   </a:tcPr>
                 </a:tc>
+                <a:extLst>
+                  <a:ext uri="{0D108BD9-81ED-4DB2-BD59-A6C34878D82A}">
+                    <a16:rowId xmlns:a16="http://schemas.microsoft.com/office/drawing/2014/main" val="10006"/>
+                  </a:ext>
+                </a:extLst>
               </a:tr>
             </a:tbl>
           </a:graphicData>
@@ -4920,13 +4963,6 @@
     <a:masterClrMapping/>
   </p:clrMapOvr>
   <p:transition spd="med"/>
-  <p:timing>
-    <p:tnLst>
-      <p:par>
-        <p:cTn id="1" dur="indefinite" restart="never" nodeType="tmRoot"/>
-      </p:par>
-    </p:tnLst>
-  </p:timing>
 </p:sld>
 </file>
 
@@ -5008,7 +5044,7 @@
               <a:tabLst/>
             </a:pPr>
             <a:r>
-              <a:rPr kumimoji="0" lang="en-GB" sz="3600" b="0" i="0" u="none" strike="noStrike" cap="none" spc="0" normalizeH="0" baseline="0" smtClean="0">
+              <a:rPr kumimoji="0" lang="en-GB" sz="3600" b="0" i="0" u="none" strike="noStrike" cap="none" spc="0" normalizeH="0" baseline="0">
                 <a:ln>
                   <a:noFill/>
                 </a:ln>
@@ -5024,20 +5060,6 @@
               </a:rPr>
               <a:t>Forecasting</a:t>
             </a:r>
-            <a:endParaRPr kumimoji="0" lang="en-GB" sz="3600" b="0" i="0" u="none" strike="noStrike" cap="none" spc="0" normalizeH="0" baseline="0">
-              <a:ln>
-                <a:noFill/>
-              </a:ln>
-              <a:solidFill>
-                <a:srgbClr val="000000"/>
-              </a:solidFill>
-              <a:effectLst/>
-              <a:uFillTx/>
-              <a:latin typeface="Segoe UI" pitchFamily="34" charset="0"/>
-              <a:ea typeface="Verdana" pitchFamily="34" charset="0"/>
-              <a:cs typeface="Segoe UI" pitchFamily="34" charset="0"/>
-              <a:sym typeface="Source Sans Pro"/>
-            </a:endParaRPr>
           </a:p>
         </p:txBody>
       </p:sp>
@@ -5102,7 +5124,7 @@
               <a:tabLst/>
             </a:pPr>
             <a:r>
-              <a:rPr lang="en-GB" sz="1000" b="0" smtClean="0">
+              <a:rPr lang="en-GB" sz="1000" b="0">
                 <a:solidFill>
                   <a:srgbClr val="000000"/>
                 </a:solidFill>
@@ -5113,7 +5135,7 @@
               <a:t>Excel &gt; Data &gt; </a:t>
             </a:r>
             <a:r>
-              <a:rPr kumimoji="0" lang="en-GB" sz="1000" b="0" i="0" u="none" strike="noStrike" cap="none" spc="0" normalizeH="0" baseline="0" smtClean="0">
+              <a:rPr kumimoji="0" lang="en-GB" sz="1000" b="0" i="0" u="none" strike="noStrike" cap="none" spc="0" normalizeH="0" baseline="0">
                 <a:ln>
                   <a:noFill/>
                 </a:ln>
@@ -5130,7 +5152,7 @@
               <a:t>From Other Sources &gt; </a:t>
             </a:r>
             <a:r>
-              <a:rPr lang="en-GB" sz="1000" b="0" smtClean="0">
+              <a:rPr lang="en-GB" sz="1000" b="0">
                 <a:solidFill>
                   <a:srgbClr val="000000"/>
                 </a:solidFill>
@@ -5138,7 +5160,18 @@
                 <a:ea typeface="Verdana" pitchFamily="34" charset="0"/>
                 <a:cs typeface="Segoe UI" pitchFamily="34" charset="0"/>
               </a:rPr>
-              <a:t>From Analysis Services</a:t>
+              <a:t>From Analysis Services &gt; Server name: </a:t>
+            </a:r>
+            <a:r>
+              <a:rPr lang="en-GB" sz="1000" b="0" i="1" u="sng">
+                <a:solidFill>
+                  <a:srgbClr val="000000"/>
+                </a:solidFill>
+                <a:latin typeface="Segoe UI" pitchFamily="34" charset="0"/>
+                <a:ea typeface="Verdana" pitchFamily="34" charset="0"/>
+                <a:cs typeface="Segoe UI" pitchFamily="34" charset="0"/>
+              </a:rPr>
+              <a:t>SSAS</a:t>
             </a:r>
             <a:r>
               <a:rPr lang="en-GB" sz="1000" b="0">
@@ -5149,43 +5182,10 @@
                 <a:ea typeface="Verdana" pitchFamily="34" charset="0"/>
                 <a:cs typeface="Segoe UI" pitchFamily="34" charset="0"/>
               </a:rPr>
-              <a:t> </a:t>
-            </a:r>
-            <a:r>
-              <a:rPr lang="en-GB" sz="1000" b="0" smtClean="0">
-                <a:solidFill>
-                  <a:srgbClr val="000000"/>
-                </a:solidFill>
-                <a:latin typeface="Segoe UI" pitchFamily="34" charset="0"/>
-                <a:ea typeface="Verdana" pitchFamily="34" charset="0"/>
-                <a:cs typeface="Segoe UI" pitchFamily="34" charset="0"/>
-              </a:rPr>
-              <a:t>&gt; Server name: </a:t>
-            </a:r>
-            <a:r>
-              <a:rPr lang="en-GB" sz="1000" b="0" i="1" u="sng" smtClean="0">
-                <a:solidFill>
-                  <a:srgbClr val="000000"/>
-                </a:solidFill>
-                <a:latin typeface="Segoe UI" pitchFamily="34" charset="0"/>
-                <a:ea typeface="Verdana" pitchFamily="34" charset="0"/>
-                <a:cs typeface="Segoe UI" pitchFamily="34" charset="0"/>
-              </a:rPr>
-              <a:t>SSAS</a:t>
-            </a:r>
-            <a:r>
-              <a:rPr lang="en-GB" sz="1000" b="0" smtClean="0">
-                <a:solidFill>
-                  <a:srgbClr val="000000"/>
-                </a:solidFill>
-                <a:latin typeface="Segoe UI" pitchFamily="34" charset="0"/>
-                <a:ea typeface="Verdana" pitchFamily="34" charset="0"/>
-                <a:cs typeface="Segoe UI" pitchFamily="34" charset="0"/>
-              </a:rPr>
               <a:t> &gt; </a:t>
             </a:r>
             <a:r>
-              <a:rPr lang="en-GB" sz="1000" b="0" i="1" u="sng" smtClean="0">
+              <a:rPr lang="en-GB" sz="1000" b="0" i="1" u="sng">
                 <a:solidFill>
                   <a:srgbClr val="000000"/>
                 </a:solidFill>
@@ -5261,7 +5261,13 @@
                 <a:tableStyleId>{5940675A-B579-460E-94D1-54222C63F5DA}</a:tableStyleId>
               </a:tblPr>
               <a:tblGrid>
-                <a:gridCol w="3825875"/>
+                <a:gridCol w="3825875">
+                  <a:extLst>
+                    <a:ext uri="{9D8B030D-6E8A-4147-A177-3AD203B41FA5}">
+                      <a16:colId xmlns:a16="http://schemas.microsoft.com/office/drawing/2014/main" val="20000"/>
+                    </a:ext>
+                  </a:extLst>
+                </a:gridCol>
               </a:tblGrid>
               <a:tr h="260350">
                 <a:tc>
@@ -5271,7 +5277,7 @@
                     <a:p>
                       <a:pPr algn="l"/>
                       <a:r>
-                        <a:rPr lang="en-GB" sz="1000" b="1" baseline="0" smtClean="0">
+                        <a:rPr lang="en-GB" sz="1000" b="1" baseline="0">
                           <a:solidFill>
                             <a:srgbClr val="000000"/>
                           </a:solidFill>
@@ -5329,6 +5335,11 @@
                     </a:lnBlToTr>
                   </a:tcPr>
                 </a:tc>
+                <a:extLst>
+                  <a:ext uri="{0D108BD9-81ED-4DB2-BD59-A6C34878D82A}">
+                    <a16:rowId xmlns:a16="http://schemas.microsoft.com/office/drawing/2014/main" val="10000"/>
+                  </a:ext>
+                </a:extLst>
               </a:tr>
               <a:tr h="260350">
                 <a:tc>
@@ -5354,7 +5365,7 @@
                         <a:defRPr/>
                       </a:pPr>
                       <a:r>
-                        <a:rPr lang="en-GB" sz="1000" b="0" i="0" u="none" strike="noStrike" cap="none" spc="0" baseline="0" smtClean="0">
+                        <a:rPr lang="en-GB" sz="1000" b="0" i="0" u="none" strike="noStrike" cap="none" spc="0" baseline="0">
                           <a:ln>
                             <a:noFill/>
                           </a:ln>
@@ -5412,6 +5423,11 @@
                     </a:lnBlToTr>
                   </a:tcPr>
                 </a:tc>
+                <a:extLst>
+                  <a:ext uri="{0D108BD9-81ED-4DB2-BD59-A6C34878D82A}">
+                    <a16:rowId xmlns:a16="http://schemas.microsoft.com/office/drawing/2014/main" val="10001"/>
+                  </a:ext>
+                </a:extLst>
               </a:tr>
             </a:tbl>
           </a:graphicData>
@@ -5442,7 +5458,13 @@
                 <a:tableStyleId>{5940675A-B579-460E-94D1-54222C63F5DA}</a:tableStyleId>
               </a:tblPr>
               <a:tblGrid>
-                <a:gridCol w="3825875"/>
+                <a:gridCol w="3825875">
+                  <a:extLst>
+                    <a:ext uri="{9D8B030D-6E8A-4147-A177-3AD203B41FA5}">
+                      <a16:colId xmlns:a16="http://schemas.microsoft.com/office/drawing/2014/main" val="20000"/>
+                    </a:ext>
+                  </a:extLst>
+                </a:gridCol>
               </a:tblGrid>
               <a:tr h="260350">
                 <a:tc>
@@ -5452,7 +5474,7 @@
                     <a:p>
                       <a:pPr algn="l"/>
                       <a:r>
-                        <a:rPr lang="en-GB" sz="1000" b="1" baseline="0" smtClean="0">
+                        <a:rPr lang="en-GB" sz="1000" b="1" baseline="0">
                           <a:solidFill>
                             <a:srgbClr val="000000"/>
                           </a:solidFill>
@@ -5510,6 +5532,11 @@
                     </a:lnBlToTr>
                   </a:tcPr>
                 </a:tc>
+                <a:extLst>
+                  <a:ext uri="{0D108BD9-81ED-4DB2-BD59-A6C34878D82A}">
+                    <a16:rowId xmlns:a16="http://schemas.microsoft.com/office/drawing/2014/main" val="10000"/>
+                  </a:ext>
+                </a:extLst>
               </a:tr>
               <a:tr h="273736">
                 <a:tc>
@@ -5535,7 +5562,7 @@
                         <a:defRPr/>
                       </a:pPr>
                       <a:r>
-                        <a:rPr lang="en-GB" sz="1000" smtClean="0">
+                        <a:rPr lang="en-GB" sz="1000">
                           <a:solidFill>
                             <a:srgbClr val="000000"/>
                           </a:solidFill>
@@ -5545,7 +5572,7 @@
                         <a:t>We should not have high expectations for forecast accuracy, and we</a:t>
                       </a:r>
                       <a:r>
-                        <a:rPr lang="en-GB" sz="1000" baseline="0" smtClean="0">
+                        <a:rPr lang="en-GB" sz="1000" baseline="0">
                           <a:solidFill>
                             <a:srgbClr val="000000"/>
                           </a:solidFill>
@@ -5555,7 +5582,7 @@
                         <a:t> </a:t>
                       </a:r>
                       <a:r>
-                        <a:rPr lang="en-GB" sz="1000" smtClean="0">
+                        <a:rPr lang="en-GB" sz="1000">
                           <a:solidFill>
                             <a:srgbClr val="000000"/>
                           </a:solidFill>
@@ -5605,6 +5632,11 @@
                     </a:lnBlToTr>
                   </a:tcPr>
                 </a:tc>
+                <a:extLst>
+                  <a:ext uri="{0D108BD9-81ED-4DB2-BD59-A6C34878D82A}">
+                    <a16:rowId xmlns:a16="http://schemas.microsoft.com/office/drawing/2014/main" val="10001"/>
+                  </a:ext>
+                </a:extLst>
               </a:tr>
               <a:tr h="260350">
                 <a:tc>
@@ -5614,7 +5646,7 @@
                     <a:p>
                       <a:pPr algn="l"/>
                       <a:r>
-                        <a:rPr lang="en-GB" sz="1000" smtClean="0">
+                        <a:rPr lang="en-GB" sz="1000">
                           <a:solidFill>
                             <a:srgbClr val="000000"/>
                           </a:solidFill>
@@ -5624,7 +5656,7 @@
                         <a:t>instead focus on the efficiency</a:t>
                       </a:r>
                       <a:r>
-                        <a:rPr lang="en-GB" sz="1000" baseline="0" smtClean="0">
+                        <a:rPr lang="en-GB" sz="1000" baseline="0">
                           <a:solidFill>
                             <a:srgbClr val="000000"/>
                           </a:solidFill>
@@ -5634,7 +5666,7 @@
                         <a:t> </a:t>
                       </a:r>
                       <a:r>
-                        <a:rPr lang="en-GB" sz="1000" smtClean="0">
+                        <a:rPr lang="en-GB" sz="1000">
                           <a:solidFill>
                             <a:srgbClr val="000000"/>
                           </a:solidFill>
@@ -5644,7 +5676,7 @@
                         <a:t>of our forecasting processes, and seek alternative (nonforecasting) solutions</a:t>
                       </a:r>
                       <a:r>
-                        <a:rPr lang="en-GB" sz="1000" baseline="0" smtClean="0">
+                        <a:rPr lang="en-GB" sz="1000" baseline="0">
                           <a:solidFill>
                             <a:srgbClr val="000000"/>
                           </a:solidFill>
@@ -5654,7 +5686,7 @@
                         <a:t> </a:t>
                       </a:r>
                       <a:r>
-                        <a:rPr lang="en-GB" sz="1000" smtClean="0">
+                        <a:rPr lang="en-GB" sz="1000">
                           <a:solidFill>
                             <a:srgbClr val="000000"/>
                           </a:solidFill>
@@ -5663,13 +5695,6 @@
                         </a:rPr>
                         <a:t>to our underlying business problems.</a:t>
                       </a:r>
-                      <a:endParaRPr lang="en-GB" sz="1000">
-                        <a:solidFill>
-                          <a:srgbClr val="000000"/>
-                        </a:solidFill>
-                        <a:latin typeface="Segoe UI" pitchFamily="34" charset="0"/>
-                        <a:cs typeface="Segoe UI" pitchFamily="34" charset="0"/>
-                      </a:endParaRPr>
                     </a:p>
                   </a:txBody>
                   <a:tcPr>
@@ -5701,6 +5726,11 @@
                     </a:lnBlToTr>
                   </a:tcPr>
                 </a:tc>
+                <a:extLst>
+                  <a:ext uri="{0D108BD9-81ED-4DB2-BD59-A6C34878D82A}">
+                    <a16:rowId xmlns:a16="http://schemas.microsoft.com/office/drawing/2014/main" val="10002"/>
+                  </a:ext>
+                </a:extLst>
               </a:tr>
               <a:tr h="260350">
                 <a:tc>
@@ -5726,7 +5756,7 @@
                         <a:defRPr/>
                       </a:pPr>
                       <a:r>
-                        <a:rPr lang="en-GB" sz="1000" i="0" smtClean="0">
+                        <a:rPr lang="en-GB" sz="1000" i="0">
                           <a:solidFill>
                             <a:srgbClr val="000000"/>
                           </a:solidFill>
@@ -5736,7 +5766,7 @@
                         <a:t>The method of forecast value added</a:t>
                       </a:r>
                       <a:r>
-                        <a:rPr lang="en-GB" sz="1000" i="0" baseline="0" smtClean="0">
+                        <a:rPr lang="en-GB" sz="1000" i="0" baseline="0">
                           <a:solidFill>
                             <a:srgbClr val="000000"/>
                           </a:solidFill>
@@ -5746,7 +5776,7 @@
                         <a:t> </a:t>
                       </a:r>
                       <a:r>
-                        <a:rPr lang="en-GB" sz="1000" i="0" smtClean="0">
+                        <a:rPr lang="en-GB" sz="1000" i="0">
                           <a:solidFill>
                             <a:srgbClr val="000000"/>
                           </a:solidFill>
@@ -5756,7 +5786,7 @@
                         <a:t>(FVA) analysis (discussed in several articles in Chapter 4) can be used to identify</a:t>
                       </a:r>
                       <a:r>
-                        <a:rPr lang="en-GB" sz="1000" i="0" baseline="0" smtClean="0">
+                        <a:rPr lang="en-GB" sz="1000" i="0" baseline="0">
                           <a:solidFill>
                             <a:srgbClr val="000000"/>
                           </a:solidFill>
@@ -5766,7 +5796,7 @@
                         <a:t> </a:t>
                       </a:r>
                       <a:r>
-                        <a:rPr lang="en-GB" sz="1000" i="0" smtClean="0">
+                        <a:rPr lang="en-GB" sz="1000" i="0">
                           <a:solidFill>
                             <a:srgbClr val="000000"/>
                           </a:solidFill>
@@ -5776,7 +5806,7 @@
                         <a:t>and eliminate forecasting process activities that do not improve the forecast (or</a:t>
                       </a:r>
                       <a:r>
-                        <a:rPr lang="en-GB" sz="1000" i="0" baseline="0" smtClean="0">
+                        <a:rPr lang="en-GB" sz="1000" i="0" baseline="0">
                           <a:solidFill>
                             <a:srgbClr val="000000"/>
                           </a:solidFill>
@@ -5786,7 +5816,7 @@
                         <a:t> </a:t>
                       </a:r>
                       <a:r>
-                        <a:rPr lang="en-GB" sz="1000" i="0" smtClean="0">
+                        <a:rPr lang="en-GB" sz="1000" i="0">
                           <a:solidFill>
                             <a:srgbClr val="000000"/>
                           </a:solidFill>
@@ -5826,6 +5856,11 @@
                     </a:lnBlToTr>
                   </a:tcPr>
                 </a:tc>
+                <a:extLst>
+                  <a:ext uri="{0D108BD9-81ED-4DB2-BD59-A6C34878D82A}">
+                    <a16:rowId xmlns:a16="http://schemas.microsoft.com/office/drawing/2014/main" val="10003"/>
+                  </a:ext>
+                </a:extLst>
               </a:tr>
               <a:tr h="260350">
                 <a:tc>
@@ -5850,7 +5885,7 @@
                         <a:tabLst/>
                         <a:defRPr/>
                       </a:pPr>
-                      <a:endParaRPr lang="en-GB" sz="1000" i="0" smtClean="0">
+                      <a:endParaRPr lang="en-GB" sz="1000" i="0">
                         <a:solidFill>
                           <a:srgbClr val="000000"/>
                         </a:solidFill>
@@ -5892,6 +5927,11 @@
                     </a:lnBlToTr>
                   </a:tcPr>
                 </a:tc>
+                <a:extLst>
+                  <a:ext uri="{0D108BD9-81ED-4DB2-BD59-A6C34878D82A}">
+                    <a16:rowId xmlns:a16="http://schemas.microsoft.com/office/drawing/2014/main" val="10004"/>
+                  </a:ext>
+                </a:extLst>
               </a:tr>
               <a:tr h="260350">
                 <a:tc>
@@ -5916,7 +5956,7 @@
                         <a:tabLst/>
                         <a:defRPr/>
                       </a:pPr>
-                      <a:endParaRPr lang="en-GB" sz="1000" b="0" i="0" u="none" strike="noStrike" cap="none" spc="0" baseline="0" smtClean="0">
+                      <a:endParaRPr lang="en-GB" sz="1000" b="0" i="0" u="none" strike="noStrike" cap="none" spc="0" baseline="0">
                         <a:ln>
                           <a:noFill/>
                         </a:ln>
@@ -5964,6 +6004,11 @@
                     </a:lnBlToTr>
                   </a:tcPr>
                 </a:tc>
+                <a:extLst>
+                  <a:ext uri="{0D108BD9-81ED-4DB2-BD59-A6C34878D82A}">
+                    <a16:rowId xmlns:a16="http://schemas.microsoft.com/office/drawing/2014/main" val="10005"/>
+                  </a:ext>
+                </a:extLst>
               </a:tr>
               <a:tr h="260350">
                 <a:tc>
@@ -5989,7 +6034,7 @@
                         <a:defRPr/>
                       </a:pPr>
                       <a:r>
-                        <a:rPr lang="en-GB" sz="1000" b="0" i="0" u="none" strike="noStrike" cap="none" spc="0" baseline="0" smtClean="0">
+                        <a:rPr lang="en-GB" sz="1000" b="0" i="0" u="none" strike="noStrike" cap="none" spc="0" baseline="0">
                           <a:ln>
                             <a:noFill/>
                           </a:ln>
@@ -6005,7 +6050,7 @@
                         <a:t>Source: </a:t>
                       </a:r>
                       <a:r>
-                        <a:rPr lang="en-GB" sz="1000" b="0" i="0" u="none" strike="noStrike" cap="none" spc="0" baseline="0" smtClean="0">
+                        <a:rPr lang="en-GB" sz="1000" b="0" i="0" u="none" strike="noStrike" cap="none" spc="0" baseline="0">
                           <a:ln>
                             <a:noFill/>
                           </a:ln>
@@ -6020,7 +6065,7 @@
                         </a:rPr>
                         <a:t>Business Forecasting p. 3</a:t>
                       </a:r>
-                      <a:endParaRPr lang="en-GB" sz="1000" b="0" i="0" u="none" strike="noStrike" cap="none" spc="0" baseline="0" smtClean="0">
+                      <a:endParaRPr lang="en-GB" sz="1000" b="0" i="0" u="none" strike="noStrike" cap="none" spc="0" baseline="0">
                         <a:ln>
                           <a:noFill/>
                         </a:ln>
@@ -6070,6 +6115,11 @@
                     </a:lnBlToTr>
                   </a:tcPr>
                 </a:tc>
+                <a:extLst>
+                  <a:ext uri="{0D108BD9-81ED-4DB2-BD59-A6C34878D82A}">
+                    <a16:rowId xmlns:a16="http://schemas.microsoft.com/office/drawing/2014/main" val="10006"/>
+                  </a:ext>
+                </a:extLst>
               </a:tr>
             </a:tbl>
           </a:graphicData>
@@ -6100,7 +6150,13 @@
                 <a:tableStyleId>{5940675A-B579-460E-94D1-54222C63F5DA}</a:tableStyleId>
               </a:tblPr>
               <a:tblGrid>
-                <a:gridCol w="3825875"/>
+                <a:gridCol w="3825875">
+                  <a:extLst>
+                    <a:ext uri="{9D8B030D-6E8A-4147-A177-3AD203B41FA5}">
+                      <a16:colId xmlns:a16="http://schemas.microsoft.com/office/drawing/2014/main" val="20000"/>
+                    </a:ext>
+                  </a:extLst>
+                </a:gridCol>
               </a:tblGrid>
               <a:tr h="260350">
                 <a:tc>
@@ -6110,7 +6166,7 @@
                     <a:p>
                       <a:pPr algn="l"/>
                       <a:r>
-                        <a:rPr lang="en-GB" sz="1000" b="1" baseline="0" smtClean="0">
+                        <a:rPr lang="en-GB" sz="1000" b="1" baseline="0">
                           <a:solidFill>
                             <a:srgbClr val="000000"/>
                           </a:solidFill>
@@ -6168,6 +6224,11 @@
                     </a:lnBlToTr>
                   </a:tcPr>
                 </a:tc>
+                <a:extLst>
+                  <a:ext uri="{0D108BD9-81ED-4DB2-BD59-A6C34878D82A}">
+                    <a16:rowId xmlns:a16="http://schemas.microsoft.com/office/drawing/2014/main" val="10000"/>
+                  </a:ext>
+                </a:extLst>
               </a:tr>
               <a:tr h="273736">
                 <a:tc>
@@ -6193,7 +6254,7 @@
                         <a:defRPr/>
                       </a:pPr>
                       <a:r>
-                        <a:rPr lang="en-GB" sz="1000" i="0" smtClean="0">
+                        <a:rPr lang="en-GB" sz="1000" i="0">
                           <a:solidFill>
                             <a:srgbClr val="000000"/>
                           </a:solidFill>
@@ -6203,7 +6264,7 @@
                         <a:t>Communicating uncertainty leads to better decision making! p.</a:t>
                       </a:r>
                       <a:r>
-                        <a:rPr lang="en-GB" sz="1000" i="0" baseline="0" smtClean="0">
+                        <a:rPr lang="en-GB" sz="1000" i="0" baseline="0">
                           <a:solidFill>
                             <a:srgbClr val="000000"/>
                           </a:solidFill>
@@ -6212,7 +6273,7 @@
                         </a:rPr>
                         <a:t> 6 for example.</a:t>
                       </a:r>
-                      <a:endParaRPr lang="en-GB" sz="1000" i="0" smtClean="0">
+                      <a:endParaRPr lang="en-GB" sz="1000" i="0">
                         <a:solidFill>
                           <a:srgbClr val="000000"/>
                         </a:solidFill>
@@ -6264,6 +6325,11 @@
                     </a:lnBlToTr>
                   </a:tcPr>
                 </a:tc>
+                <a:extLst>
+                  <a:ext uri="{0D108BD9-81ED-4DB2-BD59-A6C34878D82A}">
+                    <a16:rowId xmlns:a16="http://schemas.microsoft.com/office/drawing/2014/main" val="10001"/>
+                  </a:ext>
+                </a:extLst>
               </a:tr>
               <a:tr h="273736">
                 <a:tc>
@@ -6289,7 +6355,7 @@
                         <a:defRPr/>
                       </a:pPr>
                       <a:r>
-                        <a:rPr lang="en-GB" sz="1000" b="0" i="0" u="none" strike="noStrike" cap="none" spc="0" baseline="0" smtClean="0">
+                        <a:rPr lang="en-GB" sz="1000" b="0" i="0" u="none" strike="noStrike" cap="none" spc="0" baseline="0">
                           <a:ln>
                             <a:noFill/>
                           </a:ln>
@@ -6343,6 +6409,11 @@
                     </a:lnBlToTr>
                   </a:tcPr>
                 </a:tc>
+                <a:extLst>
+                  <a:ext uri="{0D108BD9-81ED-4DB2-BD59-A6C34878D82A}">
+                    <a16:rowId xmlns:a16="http://schemas.microsoft.com/office/drawing/2014/main" val="10002"/>
+                  </a:ext>
+                </a:extLst>
               </a:tr>
               <a:tr h="260350">
                 <a:tc>
@@ -6368,7 +6439,7 @@
                         <a:defRPr/>
                       </a:pPr>
                       <a:r>
-                        <a:rPr lang="en-GB" sz="1000" smtClean="0">
+                        <a:rPr lang="en-GB" sz="1000">
                           <a:solidFill>
                             <a:srgbClr val="000000"/>
                           </a:solidFill>
@@ -6378,7 +6449,7 @@
                         <a:t>Forecast of 100 </a:t>
                       </a:r>
                       <a:r>
-                        <a:rPr lang="en-GB" sz="1000" baseline="0" smtClean="0">
+                        <a:rPr lang="en-GB" sz="1000" baseline="0">
                           <a:solidFill>
                             <a:srgbClr val="000000"/>
                           </a:solidFill>
@@ -6387,7 +6458,7 @@
                         </a:rPr>
                         <a:t>± 10 may lead to a much different planning decision than a forecast of 100 ± 100. Eg. how much safety stock to hold.</a:t>
                       </a:r>
-                      <a:endParaRPr lang="en-GB" sz="1000" smtClean="0">
+                      <a:endParaRPr lang="en-GB" sz="1000">
                         <a:solidFill>
                           <a:srgbClr val="000000"/>
                         </a:solidFill>
@@ -6425,6 +6496,11 @@
                     </a:lnBlToTr>
                   </a:tcPr>
                 </a:tc>
+                <a:extLst>
+                  <a:ext uri="{0D108BD9-81ED-4DB2-BD59-A6C34878D82A}">
+                    <a16:rowId xmlns:a16="http://schemas.microsoft.com/office/drawing/2014/main" val="10003"/>
+                  </a:ext>
+                </a:extLst>
               </a:tr>
               <a:tr h="260350">
                 <a:tc>
@@ -6450,7 +6526,7 @@
                         <a:defRPr/>
                       </a:pPr>
                       <a:r>
-                        <a:rPr lang="en-GB" sz="1000" i="0" smtClean="0">
+                        <a:rPr lang="en-GB" sz="1000" i="0">
                           <a:solidFill>
                             <a:srgbClr val="000000"/>
                           </a:solidFill>
@@ -6460,7 +6536,7 @@
                         <a:t>Usually</a:t>
                       </a:r>
                       <a:r>
-                        <a:rPr lang="en-GB" sz="1000" i="0" baseline="0" smtClean="0">
+                        <a:rPr lang="en-GB" sz="1000" i="0" baseline="0">
                           <a:solidFill>
                             <a:srgbClr val="000000"/>
                           </a:solidFill>
@@ -6489,7 +6565,7 @@
                         <a:defRPr/>
                       </a:pPr>
                       <a:r>
-                        <a:rPr lang="en-GB" sz="1000" i="0" baseline="0" smtClean="0">
+                        <a:rPr lang="en-GB" sz="1000" i="0" baseline="0">
                           <a:solidFill>
                             <a:srgbClr val="000000"/>
                           </a:solidFill>
@@ -6518,7 +6594,7 @@
                         <a:defRPr/>
                       </a:pPr>
                       <a:r>
-                        <a:rPr lang="en-GB" sz="1000" i="0" baseline="0" smtClean="0">
+                        <a:rPr lang="en-GB" sz="1000" i="0" baseline="0">
                           <a:solidFill>
                             <a:srgbClr val="000000"/>
                           </a:solidFill>
@@ -6527,7 +6603,7 @@
                         </a:rPr>
                         <a:t>    Adv. remedy: Est. probs. of different factors Monte Carlo sim.</a:t>
                       </a:r>
-                      <a:endParaRPr lang="en-GB" sz="1000" i="0" smtClean="0">
+                      <a:endParaRPr lang="en-GB" sz="1000" i="0">
                         <a:solidFill>
                           <a:srgbClr val="000000"/>
                         </a:solidFill>
@@ -6565,6 +6641,11 @@
                     </a:lnBlToTr>
                   </a:tcPr>
                 </a:tc>
+                <a:extLst>
+                  <a:ext uri="{0D108BD9-81ED-4DB2-BD59-A6C34878D82A}">
+                    <a16:rowId xmlns:a16="http://schemas.microsoft.com/office/drawing/2014/main" val="10004"/>
+                  </a:ext>
+                </a:extLst>
               </a:tr>
               <a:tr h="260350">
                 <a:tc>
@@ -6589,7 +6670,7 @@
                         <a:tabLst/>
                         <a:defRPr/>
                       </a:pPr>
-                      <a:endParaRPr lang="en-GB" sz="1000" i="0" smtClean="0">
+                      <a:endParaRPr lang="en-GB" sz="1000" i="0">
                         <a:solidFill>
                           <a:srgbClr val="000000"/>
                         </a:solidFill>
@@ -6631,6 +6712,11 @@
                     </a:lnBlToTr>
                   </a:tcPr>
                 </a:tc>
+                <a:extLst>
+                  <a:ext uri="{0D108BD9-81ED-4DB2-BD59-A6C34878D82A}">
+                    <a16:rowId xmlns:a16="http://schemas.microsoft.com/office/drawing/2014/main" val="10005"/>
+                  </a:ext>
+                </a:extLst>
               </a:tr>
               <a:tr h="260350">
                 <a:tc>
@@ -6655,7 +6741,7 @@
                         <a:tabLst/>
                         <a:defRPr/>
                       </a:pPr>
-                      <a:endParaRPr lang="en-GB" sz="1000" b="0" i="0" u="none" strike="noStrike" cap="none" spc="0" baseline="0" smtClean="0">
+                      <a:endParaRPr lang="en-GB" sz="1000" b="0" i="0" u="none" strike="noStrike" cap="none" spc="0" baseline="0">
                         <a:ln>
                           <a:noFill/>
                         </a:ln>
@@ -6703,6 +6789,11 @@
                     </a:lnBlToTr>
                   </a:tcPr>
                 </a:tc>
+                <a:extLst>
+                  <a:ext uri="{0D108BD9-81ED-4DB2-BD59-A6C34878D82A}">
+                    <a16:rowId xmlns:a16="http://schemas.microsoft.com/office/drawing/2014/main" val="10006"/>
+                  </a:ext>
+                </a:extLst>
               </a:tr>
               <a:tr h="260350">
                 <a:tc>
@@ -6728,7 +6819,7 @@
                         <a:defRPr/>
                       </a:pPr>
                       <a:r>
-                        <a:rPr lang="en-GB" sz="1000" b="0" i="0" u="none" strike="noStrike" cap="none" spc="0" baseline="0" smtClean="0">
+                        <a:rPr lang="en-GB" sz="1000" b="0" i="0" u="none" strike="noStrike" cap="none" spc="0" baseline="0">
                           <a:ln>
                             <a:noFill/>
                           </a:ln>
@@ -6744,7 +6835,7 @@
                         <a:t>Source: </a:t>
                       </a:r>
                       <a:r>
-                        <a:rPr lang="en-GB" sz="1000" b="0" i="0" u="none" strike="noStrike" cap="none" spc="0" baseline="0" smtClean="0">
+                        <a:rPr lang="en-GB" sz="1000" b="0" i="0" u="none" strike="noStrike" cap="none" spc="0" baseline="0">
                           <a:ln>
                             <a:noFill/>
                           </a:ln>
@@ -6759,7 +6850,7 @@
                         </a:rPr>
                         <a:t>Business Forecasting Ch. 1.1</a:t>
                       </a:r>
-                      <a:endParaRPr lang="en-GB" sz="1000" b="0" i="0" u="none" strike="noStrike" cap="none" spc="0" baseline="0" smtClean="0">
+                      <a:endParaRPr lang="en-GB" sz="1000" b="0" i="0" u="none" strike="noStrike" cap="none" spc="0" baseline="0">
                         <a:ln>
                           <a:noFill/>
                         </a:ln>
@@ -6809,6 +6900,11 @@
                     </a:lnBlToTr>
                   </a:tcPr>
                 </a:tc>
+                <a:extLst>
+                  <a:ext uri="{0D108BD9-81ED-4DB2-BD59-A6C34878D82A}">
+                    <a16:rowId xmlns:a16="http://schemas.microsoft.com/office/drawing/2014/main" val="10007"/>
+                  </a:ext>
+                </a:extLst>
               </a:tr>
             </a:tbl>
           </a:graphicData>
@@ -6839,7 +6935,13 @@
                 <a:tableStyleId>{5940675A-B579-460E-94D1-54222C63F5DA}</a:tableStyleId>
               </a:tblPr>
               <a:tblGrid>
-                <a:gridCol w="3825875"/>
+                <a:gridCol w="3825875">
+                  <a:extLst>
+                    <a:ext uri="{9D8B030D-6E8A-4147-A177-3AD203B41FA5}">
+                      <a16:colId xmlns:a16="http://schemas.microsoft.com/office/drawing/2014/main" val="20000"/>
+                    </a:ext>
+                  </a:extLst>
+                </a:gridCol>
               </a:tblGrid>
               <a:tr h="260350">
                 <a:tc>
@@ -6849,7 +6951,7 @@
                     <a:p>
                       <a:pPr algn="l"/>
                       <a:r>
-                        <a:rPr lang="en-GB" sz="1000" b="1" baseline="0" smtClean="0">
+                        <a:rPr lang="en-GB" sz="1000" b="1" baseline="0">
                           <a:solidFill>
                             <a:srgbClr val="000000"/>
                           </a:solidFill>
@@ -6907,6 +7009,11 @@
                     </a:lnBlToTr>
                   </a:tcPr>
                 </a:tc>
+                <a:extLst>
+                  <a:ext uri="{0D108BD9-81ED-4DB2-BD59-A6C34878D82A}">
+                    <a16:rowId xmlns:a16="http://schemas.microsoft.com/office/drawing/2014/main" val="10000"/>
+                  </a:ext>
+                </a:extLst>
               </a:tr>
               <a:tr h="273736">
                 <a:tc>
@@ -6932,7 +7039,7 @@
                         <a:defRPr/>
                       </a:pPr>
                       <a:r>
-                        <a:rPr lang="en-GB" sz="1000" i="0" smtClean="0">
+                        <a:rPr lang="en-GB" sz="1000" i="0">
                           <a:solidFill>
                             <a:srgbClr val="000000"/>
                           </a:solidFill>
@@ -6942,7 +7049,7 @@
                         <a:t>Too</a:t>
                       </a:r>
                       <a:r>
-                        <a:rPr lang="en-GB" sz="1000" i="0" baseline="0" smtClean="0">
+                        <a:rPr lang="en-GB" sz="1000" i="0" baseline="0">
                           <a:solidFill>
                             <a:srgbClr val="000000"/>
                           </a:solidFill>
@@ -6951,7 +7058,7 @@
                         </a:rPr>
                         <a:t> wide uncertainty interval is hard to sell to decision makers, even if it is accurate (eg. 90% pred. interval of 50 to 900 units).</a:t>
                       </a:r>
-                      <a:endParaRPr lang="en-GB" sz="1000" i="0" smtClean="0">
+                      <a:endParaRPr lang="en-GB" sz="1000" i="0">
                         <a:solidFill>
                           <a:srgbClr val="000000"/>
                         </a:solidFill>
@@ -7003,6 +7110,11 @@
                     </a:lnBlToTr>
                   </a:tcPr>
                 </a:tc>
+                <a:extLst>
+                  <a:ext uri="{0D108BD9-81ED-4DB2-BD59-A6C34878D82A}">
+                    <a16:rowId xmlns:a16="http://schemas.microsoft.com/office/drawing/2014/main" val="10001"/>
+                  </a:ext>
+                </a:extLst>
               </a:tr>
               <a:tr h="273736">
                 <a:tc>
@@ -7028,7 +7140,7 @@
                         <a:defRPr/>
                       </a:pPr>
                       <a:r>
-                        <a:rPr lang="en-GB" sz="1000" b="0" i="1" u="none" strike="noStrike" cap="none" spc="0" baseline="0" smtClean="0">
+                        <a:rPr lang="en-GB" sz="1000" b="0" i="1" u="none" strike="noStrike" cap="none" spc="0" baseline="0">
                           <a:ln>
                             <a:noFill/>
                           </a:ln>
@@ -7044,7 +7156,7 @@
                         <a:t>Fan</a:t>
                       </a:r>
                       <a:r>
-                        <a:rPr lang="en-GB" sz="1000" b="0" i="0" u="none" strike="noStrike" cap="none" spc="0" baseline="0" smtClean="0">
+                        <a:rPr lang="en-GB" sz="1000" b="0" i="0" u="none" strike="noStrike" cap="none" spc="0" baseline="0">
                           <a:ln>
                             <a:noFill/>
                           </a:ln>
@@ -7060,7 +7172,7 @@
                         <a:t> and </a:t>
                       </a:r>
                       <a:r>
-                        <a:rPr lang="en-GB" sz="1000" b="0" i="1" u="none" strike="noStrike" cap="none" spc="0" baseline="0" smtClean="0">
+                        <a:rPr lang="en-GB" sz="1000" b="0" i="1" u="none" strike="noStrike" cap="none" spc="0" baseline="0">
                           <a:ln>
                             <a:noFill/>
                           </a:ln>
@@ -7076,7 +7188,7 @@
                         <a:t>density</a:t>
                       </a:r>
                       <a:r>
-                        <a:rPr lang="en-GB" sz="1000" b="0" i="0" u="none" strike="noStrike" cap="none" spc="0" baseline="0" smtClean="0">
+                        <a:rPr lang="en-GB" sz="1000" b="0" i="0" u="none" strike="noStrike" cap="none" spc="0" baseline="0">
                           <a:ln>
                             <a:noFill/>
                           </a:ln>
@@ -7092,7 +7204,7 @@
                         <a:t> </a:t>
                       </a:r>
                       <a:r>
-                        <a:rPr lang="en-GB" sz="1000" b="0" i="1" u="none" strike="noStrike" cap="none" spc="0" baseline="0" smtClean="0">
+                        <a:rPr lang="en-GB" sz="1000" b="0" i="1" u="none" strike="noStrike" cap="none" spc="0" baseline="0">
                           <a:ln>
                             <a:noFill/>
                           </a:ln>
@@ -7108,7 +7220,7 @@
                         <a:t>charts</a:t>
                       </a:r>
                       <a:r>
-                        <a:rPr lang="en-GB" sz="1000" b="0" i="0" u="none" strike="noStrike" cap="none" spc="0" baseline="0" smtClean="0">
+                        <a:rPr lang="en-GB" sz="1000" b="0" i="0" u="none" strike="noStrike" cap="none" spc="0" baseline="0">
                           <a:ln>
                             <a:noFill/>
                           </a:ln>
@@ -7162,6 +7274,11 @@
                     </a:lnBlToTr>
                   </a:tcPr>
                 </a:tc>
+                <a:extLst>
+                  <a:ext uri="{0D108BD9-81ED-4DB2-BD59-A6C34878D82A}">
+                    <a16:rowId xmlns:a16="http://schemas.microsoft.com/office/drawing/2014/main" val="10002"/>
+                  </a:ext>
+                </a:extLst>
               </a:tr>
               <a:tr h="260350">
                 <a:tc>
@@ -7187,7 +7304,7 @@
                         <a:defRPr/>
                       </a:pPr>
                       <a:r>
-                        <a:rPr lang="en-GB" sz="1000" smtClean="0">
+                        <a:rPr lang="en-GB" sz="1000">
                           <a:solidFill>
                             <a:srgbClr val="000000"/>
                           </a:solidFill>
@@ -7197,7 +7314,7 @@
                         <a:t>Increased trust if pred. intervals</a:t>
                       </a:r>
                       <a:r>
-                        <a:rPr lang="en-GB" sz="1000" baseline="0" smtClean="0">
+                        <a:rPr lang="en-GB" sz="1000" baseline="0">
                           <a:solidFill>
                             <a:srgbClr val="000000"/>
                           </a:solidFill>
@@ -7206,7 +7323,7 @@
                         </a:rPr>
                         <a:t> is expressed in everyday language (worst-case), or in scenarios/narratives.</a:t>
                       </a:r>
-                      <a:endParaRPr lang="en-GB" sz="1000" smtClean="0">
+                      <a:endParaRPr lang="en-GB" sz="1000">
                         <a:solidFill>
                           <a:srgbClr val="000000"/>
                         </a:solidFill>
@@ -7244,6 +7361,11 @@
                     </a:lnBlToTr>
                   </a:tcPr>
                 </a:tc>
+                <a:extLst>
+                  <a:ext uri="{0D108BD9-81ED-4DB2-BD59-A6C34878D82A}">
+                    <a16:rowId xmlns:a16="http://schemas.microsoft.com/office/drawing/2014/main" val="10003"/>
+                  </a:ext>
+                </a:extLst>
               </a:tr>
               <a:tr h="260350">
                 <a:tc>
@@ -7268,7 +7390,7 @@
                         <a:tabLst/>
                         <a:defRPr/>
                       </a:pPr>
-                      <a:endParaRPr lang="en-GB" sz="1000" i="0" smtClean="0">
+                      <a:endParaRPr lang="en-GB" sz="1000" i="0">
                         <a:solidFill>
                           <a:srgbClr val="000000"/>
                         </a:solidFill>
@@ -7306,6 +7428,11 @@
                     </a:lnBlToTr>
                   </a:tcPr>
                 </a:tc>
+                <a:extLst>
+                  <a:ext uri="{0D108BD9-81ED-4DB2-BD59-A6C34878D82A}">
+                    <a16:rowId xmlns:a16="http://schemas.microsoft.com/office/drawing/2014/main" val="10004"/>
+                  </a:ext>
+                </a:extLst>
               </a:tr>
               <a:tr h="260350">
                 <a:tc>
@@ -7330,7 +7457,7 @@
                         <a:tabLst/>
                         <a:defRPr/>
                       </a:pPr>
-                      <a:endParaRPr lang="en-GB" sz="1000" i="0" smtClean="0">
+                      <a:endParaRPr lang="en-GB" sz="1000" i="0">
                         <a:solidFill>
                           <a:srgbClr val="000000"/>
                         </a:solidFill>
@@ -7372,6 +7499,11 @@
                     </a:lnBlToTr>
                   </a:tcPr>
                 </a:tc>
+                <a:extLst>
+                  <a:ext uri="{0D108BD9-81ED-4DB2-BD59-A6C34878D82A}">
+                    <a16:rowId xmlns:a16="http://schemas.microsoft.com/office/drawing/2014/main" val="10005"/>
+                  </a:ext>
+                </a:extLst>
               </a:tr>
               <a:tr h="260350">
                 <a:tc>
@@ -7396,7 +7528,7 @@
                         <a:tabLst/>
                         <a:defRPr/>
                       </a:pPr>
-                      <a:endParaRPr lang="en-GB" sz="1000" b="0" i="0" u="none" strike="noStrike" cap="none" spc="0" baseline="0" smtClean="0">
+                      <a:endParaRPr lang="en-GB" sz="1000" b="0" i="0" u="none" strike="noStrike" cap="none" spc="0" baseline="0">
                         <a:ln>
                           <a:noFill/>
                         </a:ln>
@@ -7444,6 +7576,11 @@
                     </a:lnBlToTr>
                   </a:tcPr>
                 </a:tc>
+                <a:extLst>
+                  <a:ext uri="{0D108BD9-81ED-4DB2-BD59-A6C34878D82A}">
+                    <a16:rowId xmlns:a16="http://schemas.microsoft.com/office/drawing/2014/main" val="10006"/>
+                  </a:ext>
+                </a:extLst>
               </a:tr>
               <a:tr h="260350">
                 <a:tc>
@@ -7469,7 +7606,7 @@
                         <a:defRPr/>
                       </a:pPr>
                       <a:r>
-                        <a:rPr lang="en-GB" sz="1000" b="0" i="0" u="none" strike="noStrike" cap="none" spc="0" baseline="0" smtClean="0">
+                        <a:rPr lang="en-GB" sz="1000" b="0" i="0" u="none" strike="noStrike" cap="none" spc="0" baseline="0">
                           <a:ln>
                             <a:noFill/>
                           </a:ln>
@@ -7485,7 +7622,7 @@
                         <a:t>Source: </a:t>
                       </a:r>
                       <a:r>
-                        <a:rPr lang="en-GB" sz="1000" b="0" i="0" u="none" strike="noStrike" cap="none" spc="0" baseline="0" smtClean="0">
+                        <a:rPr lang="en-GB" sz="1000" b="0" i="0" u="none" strike="noStrike" cap="none" spc="0" baseline="0">
                           <a:ln>
                             <a:noFill/>
                           </a:ln>
@@ -7500,7 +7637,7 @@
                         </a:rPr>
                         <a:t>Business Forecasting Ch. 1.1</a:t>
                       </a:r>
-                      <a:endParaRPr lang="en-GB" sz="1000" b="0" i="0" u="none" strike="noStrike" cap="none" spc="0" baseline="0" smtClean="0">
+                      <a:endParaRPr lang="en-GB" sz="1000" b="0" i="0" u="none" strike="noStrike" cap="none" spc="0" baseline="0">
                         <a:ln>
                           <a:noFill/>
                         </a:ln>
@@ -7550,6 +7687,11 @@
                     </a:lnBlToTr>
                   </a:tcPr>
                 </a:tc>
+                <a:extLst>
+                  <a:ext uri="{0D108BD9-81ED-4DB2-BD59-A6C34878D82A}">
+                    <a16:rowId xmlns:a16="http://schemas.microsoft.com/office/drawing/2014/main" val="10007"/>
+                  </a:ext>
+                </a:extLst>
               </a:tr>
             </a:tbl>
           </a:graphicData>
@@ -7580,7 +7722,13 @@
                 <a:tableStyleId>{5940675A-B579-460E-94D1-54222C63F5DA}</a:tableStyleId>
               </a:tblPr>
               <a:tblGrid>
-                <a:gridCol w="3825875"/>
+                <a:gridCol w="3825875">
+                  <a:extLst>
+                    <a:ext uri="{9D8B030D-6E8A-4147-A177-3AD203B41FA5}">
+                      <a16:colId xmlns:a16="http://schemas.microsoft.com/office/drawing/2014/main" val="20000"/>
+                    </a:ext>
+                  </a:extLst>
+                </a:gridCol>
               </a:tblGrid>
               <a:tr h="260350">
                 <a:tc>
@@ -7590,7 +7738,7 @@
                     <a:p>
                       <a:pPr algn="l"/>
                       <a:r>
-                        <a:rPr lang="en-GB" sz="1000" b="1" baseline="0" smtClean="0">
+                        <a:rPr lang="en-GB" sz="1000" b="1" baseline="0">
                           <a:solidFill>
                             <a:srgbClr val="000000"/>
                           </a:solidFill>
@@ -7648,6 +7796,11 @@
                     </a:lnBlToTr>
                   </a:tcPr>
                 </a:tc>
+                <a:extLst>
+                  <a:ext uri="{0D108BD9-81ED-4DB2-BD59-A6C34878D82A}">
+                    <a16:rowId xmlns:a16="http://schemas.microsoft.com/office/drawing/2014/main" val="10000"/>
+                  </a:ext>
+                </a:extLst>
               </a:tr>
               <a:tr h="273736">
                 <a:tc>
@@ -7673,7 +7826,7 @@
                         <a:defRPr/>
                       </a:pPr>
                       <a:r>
-                        <a:rPr lang="en-GB" sz="1000" i="0" smtClean="0">
+                        <a:rPr lang="en-GB" sz="1000" i="0">
                           <a:solidFill>
                             <a:srgbClr val="000000"/>
                           </a:solidFill>
@@ -7683,7 +7836,7 @@
                         <a:t>Range of forecast errors</a:t>
                       </a:r>
                       <a:r>
-                        <a:rPr lang="en-GB" sz="1000" i="0" baseline="0" smtClean="0">
+                        <a:rPr lang="en-GB" sz="1000" i="0" baseline="0">
                           <a:solidFill>
                             <a:srgbClr val="000000"/>
                           </a:solidFill>
@@ -7692,7 +7845,7 @@
                         </a:rPr>
                         <a:t> that are achievable on average in the long run.</a:t>
                       </a:r>
-                      <a:endParaRPr lang="en-GB" sz="1000" i="0" smtClean="0">
+                      <a:endParaRPr lang="en-GB" sz="1000" i="0">
                         <a:solidFill>
                           <a:srgbClr val="000000"/>
                         </a:solidFill>
@@ -7746,6 +7899,11 @@
                     </a:lnBlToTr>
                   </a:tcPr>
                 </a:tc>
+                <a:extLst>
+                  <a:ext uri="{0D108BD9-81ED-4DB2-BD59-A6C34878D82A}">
+                    <a16:rowId xmlns:a16="http://schemas.microsoft.com/office/drawing/2014/main" val="10001"/>
+                  </a:ext>
+                </a:extLst>
               </a:tr>
               <a:tr h="273736">
                 <a:tc>
@@ -7771,7 +7929,7 @@
                         <a:defRPr/>
                       </a:pPr>
                       <a:r>
-                        <a:rPr lang="en-GB" sz="1000" b="0" i="0" u="none" strike="noStrike" cap="none" spc="0" baseline="0" smtClean="0">
+                        <a:rPr lang="en-GB" sz="1000" b="0" i="0" u="none" strike="noStrike" cap="none" spc="0" baseline="0">
                           <a:ln>
                             <a:noFill/>
                           </a:ln>
@@ -7827,6 +7985,11 @@
                     </a:lnBlToTr>
                   </a:tcPr>
                 </a:tc>
+                <a:extLst>
+                  <a:ext uri="{0D108BD9-81ED-4DB2-BD59-A6C34878D82A}">
+                    <a16:rowId xmlns:a16="http://schemas.microsoft.com/office/drawing/2014/main" val="10002"/>
+                  </a:ext>
+                </a:extLst>
               </a:tr>
               <a:tr h="260350">
                 <a:tc>
@@ -7852,7 +8015,7 @@
                         <a:defRPr/>
                       </a:pPr>
                       <a:r>
-                        <a:rPr lang="en-GB" sz="1000" smtClean="0">
+                        <a:rPr lang="en-GB" sz="1000">
                           <a:solidFill>
                             <a:srgbClr val="000000"/>
                           </a:solidFill>
@@ -7862,7 +8025,7 @@
                         <a:t>The upper value of the range represents</a:t>
                       </a:r>
                       <a:r>
-                        <a:rPr lang="en-GB" sz="1000" baseline="0" smtClean="0">
+                        <a:rPr lang="en-GB" sz="1000" baseline="0">
                           <a:solidFill>
                             <a:srgbClr val="000000"/>
                           </a:solidFill>
@@ -7871,7 +8034,7 @@
                         </a:rPr>
                         <a:t> an upper bound based on a very simple forecasting method. Eg. naïve, simple moving average (non-seasonal), or Winter’s exponential smoothing (seasonal data).</a:t>
                       </a:r>
-                      <a:endParaRPr lang="en-GB" sz="1000" smtClean="0">
+                      <a:endParaRPr lang="en-GB" sz="1000">
                         <a:solidFill>
                           <a:srgbClr val="000000"/>
                         </a:solidFill>
@@ -7915,6 +8078,11 @@
                     </a:lnBlToTr>
                   </a:tcPr>
                 </a:tc>
+                <a:extLst>
+                  <a:ext uri="{0D108BD9-81ED-4DB2-BD59-A6C34878D82A}">
+                    <a16:rowId xmlns:a16="http://schemas.microsoft.com/office/drawing/2014/main" val="10003"/>
+                  </a:ext>
+                </a:extLst>
               </a:tr>
               <a:tr h="260350">
                 <a:tc>
@@ -7939,7 +8107,7 @@
                         <a:tabLst/>
                         <a:defRPr/>
                       </a:pPr>
-                      <a:endParaRPr lang="en-GB" sz="1000" i="0" smtClean="0">
+                      <a:endParaRPr lang="en-GB" sz="1000" i="0">
                         <a:solidFill>
                           <a:srgbClr val="000000"/>
                         </a:solidFill>
@@ -7983,6 +8151,11 @@
                     </a:lnBlToTr>
                   </a:tcPr>
                 </a:tc>
+                <a:extLst>
+                  <a:ext uri="{0D108BD9-81ED-4DB2-BD59-A6C34878D82A}">
+                    <a16:rowId xmlns:a16="http://schemas.microsoft.com/office/drawing/2014/main" val="10004"/>
+                  </a:ext>
+                </a:extLst>
               </a:tr>
               <a:tr h="260350">
                 <a:tc>
@@ -8007,7 +8180,7 @@
                         <a:tabLst/>
                         <a:defRPr/>
                       </a:pPr>
-                      <a:endParaRPr lang="en-GB" sz="1000" i="0" smtClean="0">
+                      <a:endParaRPr lang="en-GB" sz="1000" i="0">
                         <a:solidFill>
                           <a:srgbClr val="000000"/>
                         </a:solidFill>
@@ -8055,6 +8228,11 @@
                     </a:lnBlToTr>
                   </a:tcPr>
                 </a:tc>
+                <a:extLst>
+                  <a:ext uri="{0D108BD9-81ED-4DB2-BD59-A6C34878D82A}">
+                    <a16:rowId xmlns:a16="http://schemas.microsoft.com/office/drawing/2014/main" val="10005"/>
+                  </a:ext>
+                </a:extLst>
               </a:tr>
               <a:tr h="260350">
                 <a:tc>
@@ -8079,7 +8257,7 @@
                         <a:tabLst/>
                         <a:defRPr/>
                       </a:pPr>
-                      <a:endParaRPr lang="en-GB" sz="1000" b="0" i="0" u="none" strike="noStrike" cap="none" spc="0" baseline="0" smtClean="0">
+                      <a:endParaRPr lang="en-GB" sz="1000" b="0" i="0" u="none" strike="noStrike" cap="none" spc="0" baseline="0">
                         <a:ln>
                           <a:noFill/>
                         </a:ln>
@@ -8133,6 +8311,11 @@
                     </a:lnBlToTr>
                   </a:tcPr>
                 </a:tc>
+                <a:extLst>
+                  <a:ext uri="{0D108BD9-81ED-4DB2-BD59-A6C34878D82A}">
+                    <a16:rowId xmlns:a16="http://schemas.microsoft.com/office/drawing/2014/main" val="10006"/>
+                  </a:ext>
+                </a:extLst>
               </a:tr>
               <a:tr h="260350">
                 <a:tc>
@@ -8158,7 +8341,7 @@
                         <a:defRPr/>
                       </a:pPr>
                       <a:r>
-                        <a:rPr lang="en-GB" sz="1000" b="0" i="0" u="none" strike="noStrike" cap="none" spc="0" baseline="0" smtClean="0">
+                        <a:rPr lang="en-GB" sz="1000" b="0" i="0" u="none" strike="noStrike" cap="none" spc="0" baseline="0">
                           <a:ln>
                             <a:noFill/>
                           </a:ln>
@@ -8174,7 +8357,7 @@
                         <a:t>Source: </a:t>
                       </a:r>
                       <a:r>
-                        <a:rPr lang="en-GB" sz="1000" b="0" i="0" u="none" strike="noStrike" cap="none" spc="0" baseline="0" smtClean="0">
+                        <a:rPr lang="en-GB" sz="1000" b="0" i="0" u="none" strike="noStrike" cap="none" spc="0" baseline="0">
                           <a:ln>
                             <a:noFill/>
                           </a:ln>
@@ -8189,7 +8372,7 @@
                         </a:rPr>
                         <a:t>Business Forecasting Ch. 1.3</a:t>
                       </a:r>
-                      <a:endParaRPr lang="en-GB" sz="1000" b="0" i="0" u="none" strike="noStrike" cap="none" spc="0" baseline="0" smtClean="0">
+                      <a:endParaRPr lang="en-GB" sz="1000" b="0" i="0" u="none" strike="noStrike" cap="none" spc="0" baseline="0">
                         <a:ln>
                           <a:noFill/>
                         </a:ln>
@@ -8245,6 +8428,11 @@
                     </a:lnBlToTr>
                   </a:tcPr>
                 </a:tc>
+                <a:extLst>
+                  <a:ext uri="{0D108BD9-81ED-4DB2-BD59-A6C34878D82A}">
+                    <a16:rowId xmlns:a16="http://schemas.microsoft.com/office/drawing/2014/main" val="10007"/>
+                  </a:ext>
+                </a:extLst>
               </a:tr>
             </a:tbl>
           </a:graphicData>
@@ -8275,7 +8463,13 @@
                 <a:tableStyleId>{5940675A-B579-460E-94D1-54222C63F5DA}</a:tableStyleId>
               </a:tblPr>
               <a:tblGrid>
-                <a:gridCol w="3825875"/>
+                <a:gridCol w="3825875">
+                  <a:extLst>
+                    <a:ext uri="{9D8B030D-6E8A-4147-A177-3AD203B41FA5}">
+                      <a16:colId xmlns:a16="http://schemas.microsoft.com/office/drawing/2014/main" val="20000"/>
+                    </a:ext>
+                  </a:extLst>
+                </a:gridCol>
               </a:tblGrid>
               <a:tr h="260350">
                 <a:tc>
@@ -8285,7 +8479,7 @@
                     <a:p>
                       <a:pPr algn="l"/>
                       <a:r>
-                        <a:rPr lang="en-GB" sz="1000" b="1" baseline="0" smtClean="0">
+                        <a:rPr lang="en-GB" sz="1000" b="1" baseline="0">
                           <a:solidFill>
                             <a:srgbClr val="000000"/>
                           </a:solidFill>
@@ -8343,6 +8537,11 @@
                     </a:lnBlToTr>
                   </a:tcPr>
                 </a:tc>
+                <a:extLst>
+                  <a:ext uri="{0D108BD9-81ED-4DB2-BD59-A6C34878D82A}">
+                    <a16:rowId xmlns:a16="http://schemas.microsoft.com/office/drawing/2014/main" val="10000"/>
+                  </a:ext>
+                </a:extLst>
               </a:tr>
               <a:tr h="273736">
                 <a:tc>
@@ -8368,7 +8567,7 @@
                         <a:defRPr/>
                       </a:pPr>
                       <a:r>
-                        <a:rPr lang="en-GB" sz="1000" i="0" smtClean="0">
+                        <a:rPr lang="en-GB" sz="1000" i="0">
                           <a:solidFill>
                             <a:srgbClr val="000000"/>
                           </a:solidFill>
@@ -8378,7 +8577,7 @@
                         <a:t>There are extensice empirical evidence</a:t>
                       </a:r>
                       <a:r>
-                        <a:rPr lang="en-GB" sz="1000" i="0" baseline="0" smtClean="0">
+                        <a:rPr lang="en-GB" sz="1000" i="0" baseline="0">
                           <a:solidFill>
                             <a:srgbClr val="000000"/>
                           </a:solidFill>
@@ -8387,7 +8586,7 @@
                         </a:rPr>
                         <a:t> of our inability to predict the future.</a:t>
                       </a:r>
-                      <a:endParaRPr lang="en-GB" sz="1000" i="0" smtClean="0">
+                      <a:endParaRPr lang="en-GB" sz="1000" i="0">
                         <a:solidFill>
                           <a:srgbClr val="000000"/>
                         </a:solidFill>
@@ -8441,6 +8640,11 @@
                     </a:lnBlToTr>
                   </a:tcPr>
                 </a:tc>
+                <a:extLst>
+                  <a:ext uri="{0D108BD9-81ED-4DB2-BD59-A6C34878D82A}">
+                    <a16:rowId xmlns:a16="http://schemas.microsoft.com/office/drawing/2014/main" val="10001"/>
+                  </a:ext>
+                </a:extLst>
               </a:tr>
               <a:tr h="273736">
                 <a:tc>
@@ -8466,7 +8670,7 @@
                         <a:defRPr/>
                       </a:pPr>
                       <a:r>
-                        <a:rPr lang="en-GB" sz="1000" b="0" i="0" u="none" strike="noStrike" cap="none" spc="0" baseline="0" smtClean="0">
+                        <a:rPr lang="en-GB" sz="1000" b="0" i="0" u="none" strike="noStrike" cap="none" spc="0" baseline="0">
                           <a:ln>
                             <a:noFill/>
                           </a:ln>
@@ -8522,6 +8726,11 @@
                     </a:lnBlToTr>
                   </a:tcPr>
                 </a:tc>
+                <a:extLst>
+                  <a:ext uri="{0D108BD9-81ED-4DB2-BD59-A6C34878D82A}">
+                    <a16:rowId xmlns:a16="http://schemas.microsoft.com/office/drawing/2014/main" val="10002"/>
+                  </a:ext>
+                </a:extLst>
               </a:tr>
               <a:tr h="260350">
                 <a:tc>
@@ -8547,37 +8756,17 @@
                         <a:defRPr/>
                       </a:pPr>
                       <a:r>
-                        <a:rPr lang="en-GB" sz="1000" smtClean="0">
+                        <a:rPr lang="en-GB" sz="1000">
                           <a:solidFill>
                             <a:srgbClr val="000000"/>
                           </a:solidFill>
                           <a:latin typeface="Segoe UI" pitchFamily="34" charset="0"/>
                           <a:cs typeface="Segoe UI" pitchFamily="34" charset="0"/>
                         </a:rPr>
-                        <a:t>“Simple” models do not necessarily fit past data well, but predict the future </a:t>
+                        <a:t>“Simple” models do not necessarily fit past data well, but predict the future better than complex or sophisticated</a:t>
                       </a:r>
                       <a:r>
-                        <a:rPr lang="en-GB" sz="1000" smtClean="0">
-                          <a:solidFill>
-                            <a:srgbClr val="000000"/>
-                          </a:solidFill>
-                          <a:latin typeface="Segoe UI" pitchFamily="34" charset="0"/>
-                          <a:cs typeface="Segoe UI" pitchFamily="34" charset="0"/>
-                        </a:rPr>
-                        <a:t>better </a:t>
-                      </a:r>
-                      <a:r>
-                        <a:rPr lang="en-GB" sz="1000" smtClean="0">
-                          <a:solidFill>
-                            <a:srgbClr val="000000"/>
-                          </a:solidFill>
-                          <a:latin typeface="Segoe UI" pitchFamily="34" charset="0"/>
-                          <a:cs typeface="Segoe UI" pitchFamily="34" charset="0"/>
-                        </a:rPr>
-                        <a:t>than complex or sophisticated</a:t>
-                      </a:r>
-                      <a:r>
-                        <a:rPr lang="en-GB" sz="1000" baseline="0" smtClean="0">
+                        <a:rPr lang="en-GB" sz="1000" baseline="0">
                           <a:solidFill>
                             <a:srgbClr val="000000"/>
                           </a:solidFill>
@@ -8586,7 +8775,7 @@
                         </a:rPr>
                         <a:t> statistical models.</a:t>
                       </a:r>
-                      <a:endParaRPr lang="en-GB" sz="1000" smtClean="0">
+                      <a:endParaRPr lang="en-GB" sz="1000">
                         <a:solidFill>
                           <a:srgbClr val="000000"/>
                         </a:solidFill>
@@ -8630,6 +8819,11 @@
                     </a:lnBlToTr>
                   </a:tcPr>
                 </a:tc>
+                <a:extLst>
+                  <a:ext uri="{0D108BD9-81ED-4DB2-BD59-A6C34878D82A}">
+                    <a16:rowId xmlns:a16="http://schemas.microsoft.com/office/drawing/2014/main" val="10003"/>
+                  </a:ext>
+                </a:extLst>
               </a:tr>
               <a:tr h="260350">
                 <a:tc>
@@ -8655,7 +8849,7 @@
                         <a:defRPr/>
                       </a:pPr>
                       <a:r>
-                        <a:rPr lang="en-GB" sz="1000" i="0" smtClean="0">
+                        <a:rPr lang="en-GB" sz="1000" i="0">
                           <a:solidFill>
                             <a:srgbClr val="000000"/>
                           </a:solidFill>
@@ -8665,7 +8859,7 @@
                         <a:t>Ironically, in most domains, judgmental predictions are less accurate than those of statistical</a:t>
                       </a:r>
                       <a:r>
-                        <a:rPr lang="en-GB" sz="1000" i="0" baseline="0" smtClean="0">
+                        <a:rPr lang="en-GB" sz="1000" i="0" baseline="0">
                           <a:solidFill>
                             <a:srgbClr val="000000"/>
                           </a:solidFill>
@@ -8674,7 +8868,7 @@
                         </a:rPr>
                         <a:t> models, as they are influenced by human biases and limitations.</a:t>
                       </a:r>
-                      <a:endParaRPr lang="en-GB" sz="1000" i="0" smtClean="0">
+                      <a:endParaRPr lang="en-GB" sz="1000" i="0">
                         <a:solidFill>
                           <a:srgbClr val="000000"/>
                         </a:solidFill>
@@ -8718,6 +8912,11 @@
                     </a:lnBlToTr>
                   </a:tcPr>
                 </a:tc>
+                <a:extLst>
+                  <a:ext uri="{0D108BD9-81ED-4DB2-BD59-A6C34878D82A}">
+                    <a16:rowId xmlns:a16="http://schemas.microsoft.com/office/drawing/2014/main" val="10004"/>
+                  </a:ext>
+                </a:extLst>
               </a:tr>
               <a:tr h="260350">
                 <a:tc>
@@ -8743,7 +8942,7 @@
                         <a:defRPr/>
                       </a:pPr>
                       <a:r>
-                        <a:rPr lang="en-GB" sz="1000" i="0" smtClean="0">
+                        <a:rPr lang="en-GB" sz="1000" i="0">
                           <a:solidFill>
                             <a:srgbClr val="000000"/>
                           </a:solidFill>
@@ -8753,7 +8952,7 @@
                         <a:t>Paradox</a:t>
                       </a:r>
                       <a:r>
-                        <a:rPr lang="en-GB" sz="1000" i="0" baseline="0" smtClean="0">
+                        <a:rPr lang="en-GB" sz="1000" i="0" baseline="0">
                           <a:solidFill>
                             <a:srgbClr val="000000"/>
                           </a:solidFill>
@@ -8762,7 +8961,7 @@
                         </a:rPr>
                         <a:t> of control, improved benefits if we avoid illusion of control: Choose stocks randomly (index), skip medical periodic checkups, keep flying after terrorist attacks.</a:t>
                       </a:r>
-                      <a:endParaRPr lang="en-GB" sz="1000" i="0" smtClean="0">
+                      <a:endParaRPr lang="en-GB" sz="1000" i="0">
                         <a:solidFill>
                           <a:srgbClr val="000000"/>
                         </a:solidFill>
@@ -8810,6 +9009,11 @@
                     </a:lnBlToTr>
                   </a:tcPr>
                 </a:tc>
+                <a:extLst>
+                  <a:ext uri="{0D108BD9-81ED-4DB2-BD59-A6C34878D82A}">
+                    <a16:rowId xmlns:a16="http://schemas.microsoft.com/office/drawing/2014/main" val="10005"/>
+                  </a:ext>
+                </a:extLst>
               </a:tr>
               <a:tr h="260350">
                 <a:tc>
@@ -8835,7 +9039,7 @@
                         <a:defRPr/>
                       </a:pPr>
                       <a:r>
-                        <a:rPr lang="en-GB" sz="1000" b="0" i="0" u="none" strike="noStrike" cap="none" spc="0" baseline="0" smtClean="0">
+                        <a:rPr lang="en-GB" sz="1000" b="0" i="0" u="none" strike="noStrike" cap="none" spc="0" baseline="0">
                           <a:ln>
                             <a:noFill/>
                           </a:ln>
@@ -8891,6 +9095,11 @@
                     </a:lnBlToTr>
                   </a:tcPr>
                 </a:tc>
+                <a:extLst>
+                  <a:ext uri="{0D108BD9-81ED-4DB2-BD59-A6C34878D82A}">
+                    <a16:rowId xmlns:a16="http://schemas.microsoft.com/office/drawing/2014/main" val="10006"/>
+                  </a:ext>
+                </a:extLst>
               </a:tr>
               <a:tr h="260350">
                 <a:tc>
@@ -8916,7 +9125,7 @@
                         <a:defRPr/>
                       </a:pPr>
                       <a:r>
-                        <a:rPr lang="en-GB" sz="1000" b="0" i="0" u="none" strike="noStrike" cap="none" spc="0" baseline="0" smtClean="0">
+                        <a:rPr lang="en-GB" sz="1000" b="0" i="0" u="none" strike="noStrike" cap="none" spc="0" baseline="0">
                           <a:ln>
                             <a:noFill/>
                           </a:ln>
@@ -8932,7 +9141,7 @@
                         <a:t>Source: </a:t>
                       </a:r>
                       <a:r>
-                        <a:rPr lang="en-GB" sz="1000" b="0" i="0" u="none" strike="noStrike" cap="none" spc="0" baseline="0" smtClean="0">
+                        <a:rPr lang="en-GB" sz="1000" b="0" i="0" u="none" strike="noStrike" cap="none" spc="0" baseline="0">
                           <a:ln>
                             <a:noFill/>
                           </a:ln>
@@ -8948,7 +9157,7 @@
                         <a:t>Makridakis, Taleb. </a:t>
                       </a:r>
                       <a:r>
-                        <a:rPr lang="en-GB" sz="1000" b="0" i="1" u="none" strike="noStrike" cap="none" spc="0" baseline="0" smtClean="0">
+                        <a:rPr lang="en-GB" sz="1000" b="0" i="1" u="none" strike="noStrike" cap="none" spc="0" baseline="0">
                           <a:ln>
                             <a:noFill/>
                           </a:ln>
@@ -8963,7 +9172,7 @@
                         </a:rPr>
                         <a:t>Living in a world of low levels of predictability.</a:t>
                       </a:r>
-                      <a:endParaRPr lang="en-GB" sz="1000" b="0" i="0" u="none" strike="noStrike" cap="none" spc="0" baseline="0" smtClean="0">
+                      <a:endParaRPr lang="en-GB" sz="1000" b="0" i="0" u="none" strike="noStrike" cap="none" spc="0" baseline="0">
                         <a:ln>
                           <a:noFill/>
                         </a:ln>
@@ -9019,6 +9228,857 @@
                     </a:lnBlToTr>
                   </a:tcPr>
                 </a:tc>
+                <a:extLst>
+                  <a:ext uri="{0D108BD9-81ED-4DB2-BD59-A6C34878D82A}">
+                    <a16:rowId xmlns:a16="http://schemas.microsoft.com/office/drawing/2014/main" val="10007"/>
+                  </a:ext>
+                </a:extLst>
+              </a:tr>
+            </a:tbl>
+          </a:graphicData>
+        </a:graphic>
+      </p:graphicFrame>
+      <p:graphicFrame>
+        <p:nvGraphicFramePr>
+          <p:cNvPr id="11" name="Table 10">
+            <a:extLst>
+              <a:ext uri="{FF2B5EF4-FFF2-40B4-BE49-F238E27FC236}">
+                <a16:creationId xmlns:a16="http://schemas.microsoft.com/office/drawing/2014/main" id="{89A0890F-C2A1-4C8E-8FCC-616EEA42A90B}"/>
+              </a:ext>
+            </a:extLst>
+          </p:cNvPr>
+          <p:cNvGraphicFramePr>
+            <a:graphicFrameLocks noGrp="1"/>
+          </p:cNvGraphicFramePr>
+          <p:nvPr>
+            <p:extLst>
+              <p:ext uri="{D42A27DB-BD31-4B8C-83A1-F6EECF244321}">
+                <p14:modId xmlns:p14="http://schemas.microsoft.com/office/powerpoint/2010/main" val="3087410493"/>
+              </p:ext>
+            </p:extLst>
+          </p:nvPr>
+        </p:nvGraphicFramePr>
+        <p:xfrm>
+          <a:off x="4646502" y="1651687"/>
+          <a:ext cx="3546060" cy="1315136"/>
+        </p:xfrm>
+        <a:graphic>
+          <a:graphicData uri="http://schemas.openxmlformats.org/drawingml/2006/table">
+            <a:tbl>
+              <a:tblPr firstRow="1" bandRow="1">
+                <a:tableStyleId>{5940675A-B579-460E-94D1-54222C63F5DA}</a:tableStyleId>
+              </a:tblPr>
+              <a:tblGrid>
+                <a:gridCol w="1333954">
+                  <a:extLst>
+                    <a:ext uri="{9D8B030D-6E8A-4147-A177-3AD203B41FA5}">
+                      <a16:colId xmlns:a16="http://schemas.microsoft.com/office/drawing/2014/main" val="20000"/>
+                    </a:ext>
+                  </a:extLst>
+                </a:gridCol>
+                <a:gridCol w="380538">
+                  <a:extLst>
+                    <a:ext uri="{9D8B030D-6E8A-4147-A177-3AD203B41FA5}">
+                      <a16:colId xmlns:a16="http://schemas.microsoft.com/office/drawing/2014/main" val="20001"/>
+                    </a:ext>
+                  </a:extLst>
+                </a:gridCol>
+                <a:gridCol w="1831568">
+                  <a:extLst>
+                    <a:ext uri="{9D8B030D-6E8A-4147-A177-3AD203B41FA5}">
+                      <a16:colId xmlns:a16="http://schemas.microsoft.com/office/drawing/2014/main" val="20002"/>
+                    </a:ext>
+                  </a:extLst>
+                </a:gridCol>
+              </a:tblGrid>
+              <a:tr h="260350">
+                <a:tc gridSpan="3">
+                  <a:txBody>
+                    <a:bodyPr/>
+                    <a:lstStyle/>
+                    <a:p>
+                      <a:pPr algn="l"/>
+                      <a:r>
+                        <a:rPr lang="en-GB" sz="1000" b="1">
+                          <a:solidFill>
+                            <a:srgbClr val="000000"/>
+                          </a:solidFill>
+                          <a:latin typeface="Segoe UI" pitchFamily="34" charset="0"/>
+                          <a:cs typeface="Segoe UI" pitchFamily="34" charset="0"/>
+                        </a:rPr>
+                        <a:t>What is (not) possible to forecast?</a:t>
+                      </a:r>
+                      <a:endParaRPr lang="en-GB" sz="1000" b="0" baseline="0">
+                        <a:solidFill>
+                          <a:srgbClr val="000000"/>
+                        </a:solidFill>
+                        <a:latin typeface="Segoe UI" pitchFamily="34" charset="0"/>
+                        <a:cs typeface="Segoe UI" pitchFamily="34" charset="0"/>
+                      </a:endParaRPr>
+                    </a:p>
+                  </a:txBody>
+                  <a:tcPr>
+                    <a:lnL w="6350" cap="flat" cmpd="sng" algn="ctr">
+                      <a:solidFill>
+                        <a:srgbClr val="000000"/>
+                      </a:solidFill>
+                      <a:prstDash val="solid"/>
+                      <a:round/>
+                      <a:headEnd type="none" w="med" len="med"/>
+                      <a:tailEnd type="none" w="med" len="med"/>
+                    </a:lnL>
+                    <a:lnR w="6350" cap="flat" cmpd="sng" algn="ctr">
+                      <a:solidFill>
+                        <a:srgbClr val="000000"/>
+                      </a:solidFill>
+                      <a:prstDash val="solid"/>
+                      <a:round/>
+                      <a:headEnd type="none" w="med" len="med"/>
+                      <a:tailEnd type="none" w="med" len="med"/>
+                    </a:lnR>
+                    <a:lnT w="6350" cap="flat" cmpd="sng" algn="ctr">
+                      <a:solidFill>
+                        <a:srgbClr val="000000"/>
+                      </a:solidFill>
+                      <a:prstDash val="solid"/>
+                      <a:round/>
+                      <a:headEnd type="none" w="med" len="med"/>
+                      <a:tailEnd type="none" w="med" len="med"/>
+                    </a:lnT>
+                    <a:lnB w="6350" cap="flat" cmpd="sng" algn="ctr">
+                      <a:solidFill>
+                        <a:srgbClr val="000000"/>
+                      </a:solidFill>
+                      <a:prstDash val="solid"/>
+                      <a:round/>
+                      <a:headEnd type="none" w="med" len="med"/>
+                      <a:tailEnd type="none" w="med" len="med"/>
+                    </a:lnB>
+                    <a:lnTlToBr w="12700" cmpd="sng">
+                      <a:noFill/>
+                      <a:prstDash val="solid"/>
+                    </a:lnTlToBr>
+                    <a:lnBlToTr w="12700" cmpd="sng">
+                      <a:noFill/>
+                      <a:prstDash val="solid"/>
+                    </a:lnBlToTr>
+                  </a:tcPr>
+                </a:tc>
+                <a:tc hMerge="1">
+                  <a:txBody>
+                    <a:bodyPr/>
+                    <a:lstStyle/>
+                    <a:p>
+                      <a:pPr algn="r"/>
+                      <a:endParaRPr lang="en-GB" sz="1000" b="1">
+                        <a:latin typeface="Segoe UI" pitchFamily="34" charset="0"/>
+                        <a:cs typeface="Segoe UI" pitchFamily="34" charset="0"/>
+                      </a:endParaRPr>
+                    </a:p>
+                  </a:txBody>
+                  <a:tcPr/>
+                </a:tc>
+                <a:tc hMerge="1">
+                  <a:txBody>
+                    <a:bodyPr/>
+                    <a:lstStyle/>
+                    <a:p>
+                      <a:pPr algn="l"/>
+                      <a:endParaRPr lang="en-GB" sz="1000" b="1">
+                        <a:latin typeface="Segoe UI" pitchFamily="34" charset="0"/>
+                        <a:cs typeface="Segoe UI" pitchFamily="34" charset="0"/>
+                      </a:endParaRPr>
+                    </a:p>
+                  </a:txBody>
+                  <a:tcPr/>
+                </a:tc>
+                <a:extLst>
+                  <a:ext uri="{0D108BD9-81ED-4DB2-BD59-A6C34878D82A}">
+                    <a16:rowId xmlns:a16="http://schemas.microsoft.com/office/drawing/2014/main" val="10000"/>
+                  </a:ext>
+                </a:extLst>
+              </a:tr>
+              <a:tr h="273736">
+                <a:tc>
+                  <a:txBody>
+                    <a:bodyPr/>
+                    <a:lstStyle/>
+                    <a:p>
+                      <a:pPr marL="0" marR="0" indent="0" algn="l" defTabSz="584200" rtl="0" eaLnBrk="1" fontAlgn="auto" latinLnBrk="0" hangingPunct="1">
+                        <a:lnSpc>
+                          <a:spcPct val="100000"/>
+                        </a:lnSpc>
+                        <a:spcBef>
+                          <a:spcPts val="0"/>
+                        </a:spcBef>
+                        <a:spcAft>
+                          <a:spcPts val="0"/>
+                        </a:spcAft>
+                        <a:buClrTx/>
+                        <a:buSzTx/>
+                        <a:buFontTx/>
+                        <a:buNone/>
+                        <a:tabLst/>
+                        <a:defRPr/>
+                      </a:pPr>
+                      <a:endParaRPr lang="en-GB" sz="1000" i="0">
+                        <a:solidFill>
+                          <a:srgbClr val="000000"/>
+                        </a:solidFill>
+                        <a:latin typeface="Segoe UI" pitchFamily="34" charset="0"/>
+                        <a:cs typeface="Segoe UI" pitchFamily="34" charset="0"/>
+                      </a:endParaRPr>
+                    </a:p>
+                  </a:txBody>
+                  <a:tcPr>
+                    <a:lnL w="6350" cap="flat" cmpd="sng" algn="ctr">
+                      <a:solidFill>
+                        <a:srgbClr val="000000"/>
+                      </a:solidFill>
+                      <a:prstDash val="solid"/>
+                      <a:round/>
+                      <a:headEnd type="none" w="med" len="med"/>
+                      <a:tailEnd type="none" w="med" len="med"/>
+                    </a:lnL>
+                    <a:lnR w="12700" cap="flat" cmpd="sng" algn="ctr">
+                      <a:noFill/>
+                      <a:prstDash val="solid"/>
+                      <a:round/>
+                      <a:headEnd type="none" w="med" len="med"/>
+                      <a:tailEnd type="none" w="med" len="med"/>
+                    </a:lnR>
+                    <a:lnT w="6350" cap="flat" cmpd="sng" algn="ctr">
+                      <a:solidFill>
+                        <a:srgbClr val="000000"/>
+                      </a:solidFill>
+                      <a:prstDash val="solid"/>
+                      <a:round/>
+                      <a:headEnd type="none" w="med" len="med"/>
+                      <a:tailEnd type="none" w="med" len="med"/>
+                    </a:lnT>
+                    <a:lnB w="12700" cmpd="sng">
+                      <a:noFill/>
+                    </a:lnB>
+                    <a:lnTlToBr w="12700" cmpd="sng">
+                      <a:noFill/>
+                      <a:prstDash val="solid"/>
+                    </a:lnTlToBr>
+                    <a:lnBlToTr w="12700" cmpd="sng">
+                      <a:noFill/>
+                      <a:prstDash val="solid"/>
+                    </a:lnBlToTr>
+                  </a:tcPr>
+                </a:tc>
+                <a:tc>
+                  <a:txBody>
+                    <a:bodyPr/>
+                    <a:lstStyle/>
+                    <a:p>
+                      <a:pPr algn="r"/>
+                      <a:endParaRPr lang="en-GB" sz="1000">
+                        <a:solidFill>
+                          <a:srgbClr val="000000"/>
+                        </a:solidFill>
+                        <a:latin typeface="Segoe UI" pitchFamily="34" charset="0"/>
+                        <a:cs typeface="Segoe UI" pitchFamily="34" charset="0"/>
+                      </a:endParaRPr>
+                    </a:p>
+                  </a:txBody>
+                  <a:tcPr>
+                    <a:lnL w="12700" cap="flat" cmpd="sng" algn="ctr">
+                      <a:noFill/>
+                      <a:prstDash val="solid"/>
+                      <a:round/>
+                      <a:headEnd type="none" w="med" len="med"/>
+                      <a:tailEnd type="none" w="med" len="med"/>
+                    </a:lnL>
+                    <a:lnR w="12700" cap="flat" cmpd="sng" algn="ctr">
+                      <a:noFill/>
+                      <a:prstDash val="solid"/>
+                      <a:round/>
+                      <a:headEnd type="none" w="med" len="med"/>
+                      <a:tailEnd type="none" w="med" len="med"/>
+                    </a:lnR>
+                    <a:lnT w="6350" cap="flat" cmpd="sng" algn="ctr">
+                      <a:solidFill>
+                        <a:srgbClr val="000000"/>
+                      </a:solidFill>
+                      <a:prstDash val="solid"/>
+                      <a:round/>
+                      <a:headEnd type="none" w="med" len="med"/>
+                      <a:tailEnd type="none" w="med" len="med"/>
+                    </a:lnT>
+                    <a:lnB w="12700" cmpd="sng">
+                      <a:noFill/>
+                    </a:lnB>
+                    <a:lnTlToBr w="12700" cmpd="sng">
+                      <a:noFill/>
+                      <a:prstDash val="solid"/>
+                    </a:lnTlToBr>
+                    <a:lnBlToTr w="12700" cmpd="sng">
+                      <a:noFill/>
+                      <a:prstDash val="solid"/>
+                    </a:lnBlToTr>
+                  </a:tcPr>
+                </a:tc>
+                <a:tc>
+                  <a:txBody>
+                    <a:bodyPr/>
+                    <a:lstStyle/>
+                    <a:p>
+                      <a:pPr marL="0" marR="0" indent="0" algn="l" defTabSz="584200" rtl="0" eaLnBrk="1" fontAlgn="auto" latinLnBrk="0" hangingPunct="1">
+                        <a:lnSpc>
+                          <a:spcPct val="100000"/>
+                        </a:lnSpc>
+                        <a:spcBef>
+                          <a:spcPts val="0"/>
+                        </a:spcBef>
+                        <a:spcAft>
+                          <a:spcPts val="0"/>
+                        </a:spcAft>
+                        <a:buClrTx/>
+                        <a:buSzTx/>
+                        <a:buFontTx/>
+                        <a:buNone/>
+                        <a:tabLst/>
+                        <a:defRPr/>
+                      </a:pPr>
+                      <a:endParaRPr lang="en-GB" sz="1000" i="1">
+                        <a:solidFill>
+                          <a:srgbClr val="000000"/>
+                        </a:solidFill>
+                        <a:latin typeface="Segoe UI" pitchFamily="34" charset="0"/>
+                        <a:cs typeface="Segoe UI" pitchFamily="34" charset="0"/>
+                      </a:endParaRPr>
+                    </a:p>
+                  </a:txBody>
+                  <a:tcPr>
+                    <a:lnL w="12700" cap="flat" cmpd="sng" algn="ctr">
+                      <a:noFill/>
+                      <a:prstDash val="solid"/>
+                      <a:round/>
+                      <a:headEnd type="none" w="med" len="med"/>
+                      <a:tailEnd type="none" w="med" len="med"/>
+                    </a:lnL>
+                    <a:lnR w="6350" cap="flat" cmpd="sng" algn="ctr">
+                      <a:solidFill>
+                        <a:srgbClr val="000000"/>
+                      </a:solidFill>
+                      <a:prstDash val="solid"/>
+                      <a:round/>
+                      <a:headEnd type="none" w="med" len="med"/>
+                      <a:tailEnd type="none" w="med" len="med"/>
+                    </a:lnR>
+                    <a:lnT w="6350" cap="flat" cmpd="sng" algn="ctr">
+                      <a:solidFill>
+                        <a:srgbClr val="000000"/>
+                      </a:solidFill>
+                      <a:prstDash val="solid"/>
+                      <a:round/>
+                      <a:headEnd type="none" w="med" len="med"/>
+                      <a:tailEnd type="none" w="med" len="med"/>
+                    </a:lnT>
+                    <a:lnB w="12700" cmpd="sng">
+                      <a:noFill/>
+                    </a:lnB>
+                    <a:lnTlToBr w="12700" cmpd="sng">
+                      <a:noFill/>
+                      <a:prstDash val="solid"/>
+                    </a:lnTlToBr>
+                    <a:lnBlToTr w="12700" cmpd="sng">
+                      <a:noFill/>
+                      <a:prstDash val="solid"/>
+                    </a:lnBlToTr>
+                  </a:tcPr>
+                </a:tc>
+                <a:extLst>
+                  <a:ext uri="{0D108BD9-81ED-4DB2-BD59-A6C34878D82A}">
+                    <a16:rowId xmlns:a16="http://schemas.microsoft.com/office/drawing/2014/main" val="10001"/>
+                  </a:ext>
+                </a:extLst>
+              </a:tr>
+              <a:tr h="260350">
+                <a:tc>
+                  <a:txBody>
+                    <a:bodyPr/>
+                    <a:lstStyle/>
+                    <a:p>
+                      <a:pPr algn="l"/>
+                      <a:endParaRPr lang="en-GB" sz="1000">
+                        <a:solidFill>
+                          <a:srgbClr val="000000"/>
+                        </a:solidFill>
+                        <a:latin typeface="Segoe UI" pitchFamily="34" charset="0"/>
+                        <a:cs typeface="Segoe UI" pitchFamily="34" charset="0"/>
+                      </a:endParaRPr>
+                    </a:p>
+                  </a:txBody>
+                  <a:tcPr>
+                    <a:lnL w="6350" cap="flat" cmpd="sng" algn="ctr">
+                      <a:solidFill>
+                        <a:srgbClr val="000000"/>
+                      </a:solidFill>
+                      <a:prstDash val="solid"/>
+                      <a:round/>
+                      <a:headEnd type="none" w="med" len="med"/>
+                      <a:tailEnd type="none" w="med" len="med"/>
+                    </a:lnL>
+                    <a:lnR w="12700" cmpd="sng">
+                      <a:noFill/>
+                    </a:lnR>
+                    <a:lnT w="12700" cmpd="sng">
+                      <a:noFill/>
+                    </a:lnT>
+                    <a:lnB w="12700" cmpd="sng">
+                      <a:noFill/>
+                    </a:lnB>
+                    <a:lnTlToBr w="12700" cmpd="sng">
+                      <a:noFill/>
+                      <a:prstDash val="solid"/>
+                    </a:lnTlToBr>
+                    <a:lnBlToTr w="12700" cmpd="sng">
+                      <a:noFill/>
+                      <a:prstDash val="solid"/>
+                    </a:lnBlToTr>
+                  </a:tcPr>
+                </a:tc>
+                <a:tc>
+                  <a:txBody>
+                    <a:bodyPr/>
+                    <a:lstStyle/>
+                    <a:p>
+                      <a:pPr algn="r"/>
+                      <a:endParaRPr lang="en-GB" sz="1000">
+                        <a:solidFill>
+                          <a:srgbClr val="000000"/>
+                        </a:solidFill>
+                        <a:latin typeface="Segoe UI" pitchFamily="34" charset="0"/>
+                        <a:cs typeface="Segoe UI" pitchFamily="34" charset="0"/>
+                      </a:endParaRPr>
+                    </a:p>
+                  </a:txBody>
+                  <a:tcPr>
+                    <a:lnL w="12700" cmpd="sng">
+                      <a:noFill/>
+                    </a:lnL>
+                    <a:lnR w="12700" cmpd="sng">
+                      <a:noFill/>
+                    </a:lnR>
+                    <a:lnT w="12700" cmpd="sng">
+                      <a:noFill/>
+                    </a:lnT>
+                    <a:lnB w="12700" cmpd="sng">
+                      <a:noFill/>
+                    </a:lnB>
+                    <a:lnTlToBr w="12700" cmpd="sng">
+                      <a:noFill/>
+                      <a:prstDash val="solid"/>
+                    </a:lnTlToBr>
+                    <a:lnBlToTr w="12700" cmpd="sng">
+                      <a:noFill/>
+                      <a:prstDash val="solid"/>
+                    </a:lnBlToTr>
+                  </a:tcPr>
+                </a:tc>
+                <a:tc>
+                  <a:txBody>
+                    <a:bodyPr/>
+                    <a:lstStyle/>
+                    <a:p>
+                      <a:pPr algn="l"/>
+                      <a:endParaRPr lang="en-GB" sz="1000" i="1">
+                        <a:solidFill>
+                          <a:srgbClr val="000000"/>
+                        </a:solidFill>
+                        <a:latin typeface="Segoe UI" pitchFamily="34" charset="0"/>
+                        <a:cs typeface="Segoe UI" pitchFamily="34" charset="0"/>
+                      </a:endParaRPr>
+                    </a:p>
+                  </a:txBody>
+                  <a:tcPr>
+                    <a:lnL w="12700" cmpd="sng">
+                      <a:noFill/>
+                    </a:lnL>
+                    <a:lnR w="6350" cap="flat" cmpd="sng" algn="ctr">
+                      <a:solidFill>
+                        <a:srgbClr val="000000"/>
+                      </a:solidFill>
+                      <a:prstDash val="solid"/>
+                      <a:round/>
+                      <a:headEnd type="none" w="med" len="med"/>
+                      <a:tailEnd type="none" w="med" len="med"/>
+                    </a:lnR>
+                    <a:lnT w="12700" cmpd="sng">
+                      <a:noFill/>
+                    </a:lnT>
+                    <a:lnB w="12700" cmpd="sng">
+                      <a:noFill/>
+                    </a:lnB>
+                    <a:lnTlToBr w="12700" cmpd="sng">
+                      <a:noFill/>
+                      <a:prstDash val="solid"/>
+                    </a:lnTlToBr>
+                    <a:lnBlToTr w="12700" cmpd="sng">
+                      <a:noFill/>
+                      <a:prstDash val="solid"/>
+                    </a:lnBlToTr>
+                  </a:tcPr>
+                </a:tc>
+                <a:extLst>
+                  <a:ext uri="{0D108BD9-81ED-4DB2-BD59-A6C34878D82A}">
+                    <a16:rowId xmlns:a16="http://schemas.microsoft.com/office/drawing/2014/main" val="10002"/>
+                  </a:ext>
+                </a:extLst>
+              </a:tr>
+              <a:tr h="260350">
+                <a:tc>
+                  <a:txBody>
+                    <a:bodyPr/>
+                    <a:lstStyle/>
+                    <a:p>
+                      <a:pPr algn="l"/>
+                      <a:endParaRPr lang="en-GB" sz="1000">
+                        <a:solidFill>
+                          <a:srgbClr val="000000"/>
+                        </a:solidFill>
+                        <a:latin typeface="Segoe UI" pitchFamily="34" charset="0"/>
+                        <a:cs typeface="Segoe UI" pitchFamily="34" charset="0"/>
+                      </a:endParaRPr>
+                    </a:p>
+                  </a:txBody>
+                  <a:tcPr>
+                    <a:lnL w="6350" cap="flat" cmpd="sng" algn="ctr">
+                      <a:solidFill>
+                        <a:srgbClr val="000000"/>
+                      </a:solidFill>
+                      <a:prstDash val="solid"/>
+                      <a:round/>
+                      <a:headEnd type="none" w="med" len="med"/>
+                      <a:tailEnd type="none" w="med" len="med"/>
+                    </a:lnL>
+                    <a:lnR w="12700" cmpd="sng">
+                      <a:noFill/>
+                    </a:lnR>
+                    <a:lnT w="12700" cmpd="sng">
+                      <a:noFill/>
+                    </a:lnT>
+                    <a:lnB w="12700" cmpd="sng">
+                      <a:noFill/>
+                    </a:lnB>
+                    <a:lnTlToBr w="12700" cmpd="sng">
+                      <a:noFill/>
+                      <a:prstDash val="solid"/>
+                    </a:lnTlToBr>
+                    <a:lnBlToTr w="12700" cmpd="sng">
+                      <a:noFill/>
+                      <a:prstDash val="solid"/>
+                    </a:lnBlToTr>
+                  </a:tcPr>
+                </a:tc>
+                <a:tc>
+                  <a:txBody>
+                    <a:bodyPr/>
+                    <a:lstStyle/>
+                    <a:p>
+                      <a:pPr algn="r"/>
+                      <a:endParaRPr lang="en-GB" sz="1000">
+                        <a:solidFill>
+                          <a:srgbClr val="000000"/>
+                        </a:solidFill>
+                        <a:latin typeface="Segoe UI" pitchFamily="34" charset="0"/>
+                        <a:cs typeface="Segoe UI" pitchFamily="34" charset="0"/>
+                      </a:endParaRPr>
+                    </a:p>
+                  </a:txBody>
+                  <a:tcPr>
+                    <a:lnL w="12700" cmpd="sng">
+                      <a:noFill/>
+                    </a:lnL>
+                    <a:lnR w="12700" cmpd="sng">
+                      <a:noFill/>
+                    </a:lnR>
+                    <a:lnT w="12700" cmpd="sng">
+                      <a:noFill/>
+                    </a:lnT>
+                    <a:lnB w="12700" cmpd="sng">
+                      <a:noFill/>
+                    </a:lnB>
+                    <a:lnTlToBr w="12700" cmpd="sng">
+                      <a:noFill/>
+                      <a:prstDash val="solid"/>
+                    </a:lnTlToBr>
+                    <a:lnBlToTr w="12700" cmpd="sng">
+                      <a:noFill/>
+                      <a:prstDash val="solid"/>
+                    </a:lnBlToTr>
+                  </a:tcPr>
+                </a:tc>
+                <a:tc>
+                  <a:txBody>
+                    <a:bodyPr/>
+                    <a:lstStyle/>
+                    <a:p>
+                      <a:pPr algn="l"/>
+                      <a:endParaRPr lang="en-GB" sz="1000">
+                        <a:solidFill>
+                          <a:srgbClr val="000000"/>
+                        </a:solidFill>
+                        <a:latin typeface="Segoe UI" pitchFamily="34" charset="0"/>
+                        <a:cs typeface="Segoe UI" pitchFamily="34" charset="0"/>
+                      </a:endParaRPr>
+                    </a:p>
+                  </a:txBody>
+                  <a:tcPr>
+                    <a:lnL w="12700" cmpd="sng">
+                      <a:noFill/>
+                    </a:lnL>
+                    <a:lnR w="6350" cap="flat" cmpd="sng" algn="ctr">
+                      <a:solidFill>
+                        <a:srgbClr val="000000"/>
+                      </a:solidFill>
+                      <a:prstDash val="solid"/>
+                      <a:round/>
+                      <a:headEnd type="none" w="med" len="med"/>
+                      <a:tailEnd type="none" w="med" len="med"/>
+                    </a:lnR>
+                    <a:lnT w="12700" cmpd="sng">
+                      <a:noFill/>
+                    </a:lnT>
+                    <a:lnB w="12700" cmpd="sng">
+                      <a:noFill/>
+                    </a:lnB>
+                    <a:lnTlToBr w="12700" cmpd="sng">
+                      <a:noFill/>
+                      <a:prstDash val="solid"/>
+                    </a:lnTlToBr>
+                    <a:lnBlToTr w="12700" cmpd="sng">
+                      <a:noFill/>
+                      <a:prstDash val="solid"/>
+                    </a:lnBlToTr>
+                  </a:tcPr>
+                </a:tc>
+                <a:extLst>
+                  <a:ext uri="{0D108BD9-81ED-4DB2-BD59-A6C34878D82A}">
+                    <a16:rowId xmlns:a16="http://schemas.microsoft.com/office/drawing/2014/main" val="10003"/>
+                  </a:ext>
+                </a:extLst>
+              </a:tr>
+              <a:tr h="260350">
+                <a:tc>
+                  <a:txBody>
+                    <a:bodyPr/>
+                    <a:lstStyle/>
+                    <a:p>
+                      <a:pPr marL="0" marR="0" indent="0" algn="l" defTabSz="584200" rtl="0" eaLnBrk="1" fontAlgn="auto" latinLnBrk="0" hangingPunct="1">
+                        <a:lnSpc>
+                          <a:spcPct val="100000"/>
+                        </a:lnSpc>
+                        <a:spcBef>
+                          <a:spcPts val="0"/>
+                        </a:spcBef>
+                        <a:spcAft>
+                          <a:spcPts val="0"/>
+                        </a:spcAft>
+                        <a:buClrTx/>
+                        <a:buSzTx/>
+                        <a:buFontTx/>
+                        <a:buNone/>
+                        <a:tabLst/>
+                        <a:defRPr/>
+                      </a:pPr>
+                      <a:endParaRPr lang="en-GB" sz="1000" b="0" i="0" u="none" strike="noStrike" cap="none" spc="0" baseline="0">
+                        <a:ln>
+                          <a:noFill/>
+                        </a:ln>
+                        <a:solidFill>
+                          <a:srgbClr val="000000"/>
+                        </a:solidFill>
+                        <a:uFillTx/>
+                        <a:latin typeface="Segoe UI" pitchFamily="34" charset="0"/>
+                        <a:ea typeface="+mn-ea"/>
+                        <a:cs typeface="Segoe UI" pitchFamily="34" charset="0"/>
+                        <a:sym typeface="Source Sans Pro"/>
+                      </a:endParaRPr>
+                    </a:p>
+                  </a:txBody>
+                  <a:tcPr>
+                    <a:lnL w="6350" cap="flat" cmpd="sng" algn="ctr">
+                      <a:solidFill>
+                        <a:srgbClr val="000000"/>
+                      </a:solidFill>
+                      <a:prstDash val="solid"/>
+                      <a:round/>
+                      <a:headEnd type="none" w="med" len="med"/>
+                      <a:tailEnd type="none" w="med" len="med"/>
+                    </a:lnL>
+                    <a:lnR w="12700" cmpd="sng">
+                      <a:noFill/>
+                    </a:lnR>
+                    <a:lnT w="12700" cmpd="sng">
+                      <a:noFill/>
+                    </a:lnT>
+                    <a:lnB w="6350" cap="flat" cmpd="sng" algn="ctr">
+                      <a:solidFill>
+                        <a:srgbClr val="000000"/>
+                      </a:solidFill>
+                      <a:prstDash val="solid"/>
+                      <a:round/>
+                      <a:headEnd type="none" w="med" len="med"/>
+                      <a:tailEnd type="none" w="med" len="med"/>
+                    </a:lnB>
+                    <a:lnTlToBr w="12700" cmpd="sng">
+                      <a:noFill/>
+                      <a:prstDash val="solid"/>
+                    </a:lnTlToBr>
+                    <a:lnBlToTr w="12700" cmpd="sng">
+                      <a:noFill/>
+                      <a:prstDash val="solid"/>
+                    </a:lnBlToTr>
+                  </a:tcPr>
+                </a:tc>
+                <a:tc>
+                  <a:txBody>
+                    <a:bodyPr/>
+                    <a:lstStyle/>
+                    <a:p>
+                      <a:pPr marL="0" marR="0" indent="0" algn="r" defTabSz="584200" rtl="0" eaLnBrk="1" fontAlgn="auto" latinLnBrk="0" hangingPunct="1">
+                        <a:lnSpc>
+                          <a:spcPct val="100000"/>
+                        </a:lnSpc>
+                        <a:spcBef>
+                          <a:spcPts val="0"/>
+                        </a:spcBef>
+                        <a:spcAft>
+                          <a:spcPts val="0"/>
+                        </a:spcAft>
+                        <a:buClrTx/>
+                        <a:buSzTx/>
+                        <a:buFontTx/>
+                        <a:buNone/>
+                        <a:tabLst/>
+                        <a:defRPr/>
+                      </a:pPr>
+                      <a:endParaRPr lang="en-GB" sz="1000" b="0" i="0" u="none" strike="noStrike" cap="none" spc="0" baseline="0">
+                        <a:ln>
+                          <a:noFill/>
+                        </a:ln>
+                        <a:solidFill>
+                          <a:srgbClr val="000000"/>
+                        </a:solidFill>
+                        <a:uFillTx/>
+                        <a:latin typeface="Segoe UI" pitchFamily="34" charset="0"/>
+                        <a:ea typeface="+mn-ea"/>
+                        <a:cs typeface="Segoe UI" pitchFamily="34" charset="0"/>
+                        <a:sym typeface="Source Sans Pro"/>
+                      </a:endParaRPr>
+                    </a:p>
+                  </a:txBody>
+                  <a:tcPr>
+                    <a:lnL w="12700" cmpd="sng">
+                      <a:noFill/>
+                    </a:lnL>
+                    <a:lnR w="12700" cmpd="sng">
+                      <a:noFill/>
+                    </a:lnR>
+                    <a:lnT w="12700" cmpd="sng">
+                      <a:noFill/>
+                    </a:lnT>
+                    <a:lnB w="6350" cap="flat" cmpd="sng" algn="ctr">
+                      <a:solidFill>
+                        <a:srgbClr val="000000"/>
+                      </a:solidFill>
+                      <a:prstDash val="solid"/>
+                      <a:round/>
+                      <a:headEnd type="none" w="med" len="med"/>
+                      <a:tailEnd type="none" w="med" len="med"/>
+                    </a:lnB>
+                    <a:lnTlToBr w="12700" cmpd="sng">
+                      <a:noFill/>
+                      <a:prstDash val="solid"/>
+                    </a:lnTlToBr>
+                    <a:lnBlToTr w="12700" cmpd="sng">
+                      <a:noFill/>
+                      <a:prstDash val="solid"/>
+                    </a:lnBlToTr>
+                  </a:tcPr>
+                </a:tc>
+                <a:tc>
+                  <a:txBody>
+                    <a:bodyPr/>
+                    <a:lstStyle/>
+                    <a:p>
+                      <a:pPr marL="0" marR="0" indent="0" algn="l" defTabSz="584200" rtl="0" eaLnBrk="1" fontAlgn="auto" latinLnBrk="0" hangingPunct="1">
+                        <a:lnSpc>
+                          <a:spcPct val="100000"/>
+                        </a:lnSpc>
+                        <a:spcBef>
+                          <a:spcPts val="0"/>
+                        </a:spcBef>
+                        <a:spcAft>
+                          <a:spcPts val="0"/>
+                        </a:spcAft>
+                        <a:buClrTx/>
+                        <a:buSzTx/>
+                        <a:buFontTx/>
+                        <a:buNone/>
+                        <a:tabLst/>
+                        <a:defRPr/>
+                      </a:pPr>
+                      <a:endParaRPr lang="en-GB" sz="1000" b="0" i="0" u="none" strike="noStrike" cap="none" spc="0" baseline="0" dirty="0">
+                        <a:ln>
+                          <a:noFill/>
+                        </a:ln>
+                        <a:solidFill>
+                          <a:srgbClr val="000000"/>
+                        </a:solidFill>
+                        <a:uFillTx/>
+                        <a:latin typeface="Segoe UI" pitchFamily="34" charset="0"/>
+                        <a:ea typeface="+mn-ea"/>
+                        <a:cs typeface="Segoe UI" pitchFamily="34" charset="0"/>
+                        <a:sym typeface="Source Sans Pro"/>
+                      </a:endParaRPr>
+                    </a:p>
+                  </a:txBody>
+                  <a:tcPr>
+                    <a:lnL w="12700" cmpd="sng">
+                      <a:noFill/>
+                    </a:lnL>
+                    <a:lnR w="6350" cap="flat" cmpd="sng" algn="ctr">
+                      <a:solidFill>
+                        <a:srgbClr val="000000"/>
+                      </a:solidFill>
+                      <a:prstDash val="solid"/>
+                      <a:round/>
+                      <a:headEnd type="none" w="med" len="med"/>
+                      <a:tailEnd type="none" w="med" len="med"/>
+                    </a:lnR>
+                    <a:lnT w="12700" cmpd="sng">
+                      <a:noFill/>
+                    </a:lnT>
+                    <a:lnB w="6350" cap="flat" cmpd="sng" algn="ctr">
+                      <a:solidFill>
+                        <a:srgbClr val="000000"/>
+                      </a:solidFill>
+                      <a:prstDash val="solid"/>
+                      <a:round/>
+                      <a:headEnd type="none" w="med" len="med"/>
+                      <a:tailEnd type="none" w="med" len="med"/>
+                    </a:lnB>
+                    <a:lnTlToBr w="12700" cmpd="sng">
+                      <a:noFill/>
+                      <a:prstDash val="solid"/>
+                    </a:lnTlToBr>
+                    <a:lnBlToTr w="12700" cmpd="sng">
+                      <a:noFill/>
+                      <a:prstDash val="solid"/>
+                    </a:lnBlToTr>
+                  </a:tcPr>
+                </a:tc>
+                <a:extLst>
+                  <a:ext uri="{0D108BD9-81ED-4DB2-BD59-A6C34878D82A}">
+                    <a16:rowId xmlns:a16="http://schemas.microsoft.com/office/drawing/2014/main" val="10004"/>
+                  </a:ext>
+                </a:extLst>
               </a:tr>
             </a:tbl>
           </a:graphicData>
@@ -9035,13 +10095,6 @@
     <a:masterClrMapping/>
   </p:clrMapOvr>
   <p:transition spd="med"/>
-  <p:timing>
-    <p:tnLst>
-      <p:par>
-        <p:cTn id="1" dur="indefinite" restart="never" nodeType="tmRoot"/>
-      </p:par>
-    </p:tnLst>
-  </p:timing>
 </p:sld>
 </file>
 
@@ -9123,7 +10176,7 @@
               <a:tabLst/>
             </a:pPr>
             <a:r>
-              <a:rPr kumimoji="0" lang="en-GB" sz="3600" b="0" i="0" u="none" strike="noStrike" cap="none" spc="0" normalizeH="0" baseline="0" smtClean="0">
+              <a:rPr kumimoji="0" lang="en-GB" sz="3600" b="0" i="0" u="none" strike="noStrike" cap="none" spc="0" normalizeH="0" baseline="0">
                 <a:ln>
                   <a:noFill/>
                 </a:ln>
@@ -9139,20 +10192,6 @@
               </a:rPr>
               <a:t>Statistics</a:t>
             </a:r>
-            <a:endParaRPr kumimoji="0" lang="en-GB" sz="3600" b="0" i="0" u="none" strike="noStrike" cap="none" spc="0" normalizeH="0" baseline="0">
-              <a:ln>
-                <a:noFill/>
-              </a:ln>
-              <a:solidFill>
-                <a:srgbClr val="000000"/>
-              </a:solidFill>
-              <a:effectLst/>
-              <a:uFillTx/>
-              <a:latin typeface="Segoe UI" pitchFamily="34" charset="0"/>
-              <a:ea typeface="Verdana" pitchFamily="34" charset="0"/>
-              <a:cs typeface="Segoe UI" pitchFamily="34" charset="0"/>
-              <a:sym typeface="Source Sans Pro"/>
-            </a:endParaRPr>
           </a:p>
         </p:txBody>
       </p:sp>
@@ -9217,7 +10256,7 @@
               <a:tabLst/>
             </a:pPr>
             <a:r>
-              <a:rPr lang="en-GB" sz="1000" b="0" smtClean="0">
+              <a:rPr lang="en-GB" sz="1000" b="0">
                 <a:solidFill>
                   <a:srgbClr val="000000"/>
                 </a:solidFill>
@@ -9228,7 +10267,7 @@
               <a:t>Excel &gt; Data &gt; </a:t>
             </a:r>
             <a:r>
-              <a:rPr kumimoji="0" lang="en-GB" sz="1000" b="0" i="0" u="none" strike="noStrike" cap="none" spc="0" normalizeH="0" baseline="0" smtClean="0">
+              <a:rPr kumimoji="0" lang="en-GB" sz="1000" b="0" i="0" u="none" strike="noStrike" cap="none" spc="0" normalizeH="0" baseline="0">
                 <a:ln>
                   <a:noFill/>
                 </a:ln>
@@ -9245,7 +10284,7 @@
               <a:t>From Other Sources &gt; </a:t>
             </a:r>
             <a:r>
-              <a:rPr lang="en-GB" sz="1000" b="0" smtClean="0">
+              <a:rPr lang="en-GB" sz="1000" b="0">
                 <a:solidFill>
                   <a:srgbClr val="000000"/>
                 </a:solidFill>
@@ -9253,7 +10292,18 @@
                 <a:ea typeface="Verdana" pitchFamily="34" charset="0"/>
                 <a:cs typeface="Segoe UI" pitchFamily="34" charset="0"/>
               </a:rPr>
-              <a:t>From Analysis Services</a:t>
+              <a:t>From Analysis Services &gt; Server name: </a:t>
+            </a:r>
+            <a:r>
+              <a:rPr lang="en-GB" sz="1000" b="0" i="1" u="sng">
+                <a:solidFill>
+                  <a:srgbClr val="000000"/>
+                </a:solidFill>
+                <a:latin typeface="Segoe UI" pitchFamily="34" charset="0"/>
+                <a:ea typeface="Verdana" pitchFamily="34" charset="0"/>
+                <a:cs typeface="Segoe UI" pitchFamily="34" charset="0"/>
+              </a:rPr>
+              <a:t>SSAS</a:t>
             </a:r>
             <a:r>
               <a:rPr lang="en-GB" sz="1000" b="0">
@@ -9264,43 +10314,10 @@
                 <a:ea typeface="Verdana" pitchFamily="34" charset="0"/>
                 <a:cs typeface="Segoe UI" pitchFamily="34" charset="0"/>
               </a:rPr>
-              <a:t> </a:t>
-            </a:r>
-            <a:r>
-              <a:rPr lang="en-GB" sz="1000" b="0" smtClean="0">
-                <a:solidFill>
-                  <a:srgbClr val="000000"/>
-                </a:solidFill>
-                <a:latin typeface="Segoe UI" pitchFamily="34" charset="0"/>
-                <a:ea typeface="Verdana" pitchFamily="34" charset="0"/>
-                <a:cs typeface="Segoe UI" pitchFamily="34" charset="0"/>
-              </a:rPr>
-              <a:t>&gt; Server name: </a:t>
-            </a:r>
-            <a:r>
-              <a:rPr lang="en-GB" sz="1000" b="0" i="1" u="sng" smtClean="0">
-                <a:solidFill>
-                  <a:srgbClr val="000000"/>
-                </a:solidFill>
-                <a:latin typeface="Segoe UI" pitchFamily="34" charset="0"/>
-                <a:ea typeface="Verdana" pitchFamily="34" charset="0"/>
-                <a:cs typeface="Segoe UI" pitchFamily="34" charset="0"/>
-              </a:rPr>
-              <a:t>SSAS</a:t>
-            </a:r>
-            <a:r>
-              <a:rPr lang="en-GB" sz="1000" b="0" smtClean="0">
-                <a:solidFill>
-                  <a:srgbClr val="000000"/>
-                </a:solidFill>
-                <a:latin typeface="Segoe UI" pitchFamily="34" charset="0"/>
-                <a:ea typeface="Verdana" pitchFamily="34" charset="0"/>
-                <a:cs typeface="Segoe UI" pitchFamily="34" charset="0"/>
-              </a:rPr>
               <a:t> &gt; </a:t>
             </a:r>
             <a:r>
-              <a:rPr lang="en-GB" sz="1000" b="0" i="1" u="sng" smtClean="0">
+              <a:rPr lang="en-GB" sz="1000" b="0" i="1" u="sng">
                 <a:solidFill>
                   <a:srgbClr val="000000"/>
                 </a:solidFill>
@@ -9376,7 +10393,13 @@
                 <a:tableStyleId>{5940675A-B579-460E-94D1-54222C63F5DA}</a:tableStyleId>
               </a:tblPr>
               <a:tblGrid>
-                <a:gridCol w="3800476"/>
+                <a:gridCol w="3800476">
+                  <a:extLst>
+                    <a:ext uri="{9D8B030D-6E8A-4147-A177-3AD203B41FA5}">
+                      <a16:colId xmlns:a16="http://schemas.microsoft.com/office/drawing/2014/main" val="20000"/>
+                    </a:ext>
+                  </a:extLst>
+                </a:gridCol>
               </a:tblGrid>
               <a:tr h="260350">
                 <a:tc>
@@ -9386,7 +10409,7 @@
                     <a:p>
                       <a:pPr algn="l"/>
                       <a:r>
-                        <a:rPr lang="en-GB" sz="1000" b="1" smtClean="0">
+                        <a:rPr lang="en-GB" sz="1000" b="1">
                           <a:solidFill>
                             <a:srgbClr val="000000"/>
                           </a:solidFill>
@@ -9395,7 +10418,7 @@
                         </a:rPr>
                         <a:t>Subjects to check if to include</a:t>
                       </a:r>
-                      <a:endParaRPr lang="en-GB" sz="1000" b="0" baseline="0" smtClean="0">
+                      <a:endParaRPr lang="en-GB" sz="1000" b="0" baseline="0">
                         <a:solidFill>
                           <a:srgbClr val="000000"/>
                         </a:solidFill>
@@ -9451,6 +10474,11 @@
                     </a:lnBlToTr>
                   </a:tcPr>
                 </a:tc>
+                <a:extLst>
+                  <a:ext uri="{0D108BD9-81ED-4DB2-BD59-A6C34878D82A}">
+                    <a16:rowId xmlns:a16="http://schemas.microsoft.com/office/drawing/2014/main" val="10000"/>
+                  </a:ext>
+                </a:extLst>
               </a:tr>
               <a:tr h="273736">
                 <a:tc>
@@ -9476,7 +10504,7 @@
                         <a:defRPr/>
                       </a:pPr>
                       <a:r>
-                        <a:rPr lang="en-GB" sz="1000" i="0" smtClean="0">
+                        <a:rPr lang="en-GB" sz="1000" i="0">
                           <a:solidFill>
                             <a:srgbClr val="000000"/>
                           </a:solidFill>
@@ -9526,6 +10554,11 @@
                     </a:lnBlToTr>
                   </a:tcPr>
                 </a:tc>
+                <a:extLst>
+                  <a:ext uri="{0D108BD9-81ED-4DB2-BD59-A6C34878D82A}">
+                    <a16:rowId xmlns:a16="http://schemas.microsoft.com/office/drawing/2014/main" val="10001"/>
+                  </a:ext>
+                </a:extLst>
               </a:tr>
               <a:tr h="260350">
                 <a:tc>
@@ -9535,7 +10568,7 @@
                     <a:p>
                       <a:pPr algn="l"/>
                       <a:r>
-                        <a:rPr lang="en-GB" sz="1000" smtClean="0">
+                        <a:rPr lang="en-GB" sz="1000">
                           <a:solidFill>
                             <a:srgbClr val="000000"/>
                           </a:solidFill>
@@ -9544,13 +10577,6 @@
                         </a:rPr>
                         <a:t>Multivariate analysis</a:t>
                       </a:r>
-                      <a:endParaRPr lang="en-GB" sz="1000">
-                        <a:solidFill>
-                          <a:srgbClr val="000000"/>
-                        </a:solidFill>
-                        <a:latin typeface="Segoe UI" pitchFamily="34" charset="0"/>
-                        <a:cs typeface="Segoe UI" pitchFamily="34" charset="0"/>
-                      </a:endParaRPr>
                     </a:p>
                   </a:txBody>
                   <a:tcPr>
@@ -9582,6 +10608,11 @@
                     </a:lnBlToTr>
                   </a:tcPr>
                 </a:tc>
+                <a:extLst>
+                  <a:ext uri="{0D108BD9-81ED-4DB2-BD59-A6C34878D82A}">
+                    <a16:rowId xmlns:a16="http://schemas.microsoft.com/office/drawing/2014/main" val="10002"/>
+                  </a:ext>
+                </a:extLst>
               </a:tr>
               <a:tr h="260350">
                 <a:tc>
@@ -9591,7 +10622,7 @@
                     <a:p>
                       <a:pPr algn="l"/>
                       <a:r>
-                        <a:rPr lang="en-GB" sz="1000" smtClean="0">
+                        <a:rPr lang="en-GB" sz="1000">
                           <a:solidFill>
                             <a:srgbClr val="000000"/>
                           </a:solidFill>
@@ -9600,13 +10631,6 @@
                         </a:rPr>
                         <a:t>Regression models + assumptions</a:t>
                       </a:r>
-                      <a:endParaRPr lang="en-GB" sz="1000">
-                        <a:solidFill>
-                          <a:srgbClr val="000000"/>
-                        </a:solidFill>
-                        <a:latin typeface="Segoe UI" pitchFamily="34" charset="0"/>
-                        <a:cs typeface="Segoe UI" pitchFamily="34" charset="0"/>
-                      </a:endParaRPr>
                     </a:p>
                   </a:txBody>
                   <a:tcPr>
@@ -9638,6 +10662,11 @@
                     </a:lnBlToTr>
                   </a:tcPr>
                 </a:tc>
+                <a:extLst>
+                  <a:ext uri="{0D108BD9-81ED-4DB2-BD59-A6C34878D82A}">
+                    <a16:rowId xmlns:a16="http://schemas.microsoft.com/office/drawing/2014/main" val="10003"/>
+                  </a:ext>
+                </a:extLst>
               </a:tr>
               <a:tr h="260350">
                 <a:tc>
@@ -9663,7 +10692,7 @@
                         <a:defRPr/>
                       </a:pPr>
                       <a:r>
-                        <a:rPr lang="en-GB" sz="1000" b="0" i="0" u="none" strike="noStrike" cap="none" spc="0" baseline="0" smtClean="0">
+                        <a:rPr lang="en-GB" sz="1000" b="0" i="0" u="none" strike="noStrike" cap="none" spc="0" baseline="0">
                           <a:ln>
                             <a:noFill/>
                           </a:ln>
@@ -9715,6 +10744,11 @@
                     </a:lnBlToTr>
                   </a:tcPr>
                 </a:tc>
+                <a:extLst>
+                  <a:ext uri="{0D108BD9-81ED-4DB2-BD59-A6C34878D82A}">
+                    <a16:rowId xmlns:a16="http://schemas.microsoft.com/office/drawing/2014/main" val="10004"/>
+                  </a:ext>
+                </a:extLst>
               </a:tr>
             </a:tbl>
           </a:graphicData>
@@ -9745,7 +10779,13 @@
                 <a:tableStyleId>{5940675A-B579-460E-94D1-54222C63F5DA}</a:tableStyleId>
               </a:tblPr>
               <a:tblGrid>
-                <a:gridCol w="3825875"/>
+                <a:gridCol w="3825875">
+                  <a:extLst>
+                    <a:ext uri="{9D8B030D-6E8A-4147-A177-3AD203B41FA5}">
+                      <a16:colId xmlns:a16="http://schemas.microsoft.com/office/drawing/2014/main" val="20000"/>
+                    </a:ext>
+                  </a:extLst>
+                </a:gridCol>
               </a:tblGrid>
               <a:tr h="260350">
                 <a:tc>
@@ -9755,14 +10795,34 @@
                     <a:p>
                       <a:pPr algn="l"/>
                       <a:r>
-                        <a:rPr lang="en-GB" sz="1000" b="1" baseline="0" smtClean="0">
+                        <a:rPr lang="en-GB" sz="1000" b="1" baseline="0" dirty="0">
                           <a:solidFill>
                             <a:srgbClr val="000000"/>
                           </a:solidFill>
                           <a:latin typeface="Segoe UI" pitchFamily="34" charset="0"/>
                           <a:cs typeface="Segoe UI" pitchFamily="34" charset="0"/>
                         </a:rPr>
-                        <a:t>Statistical Modeling vs. Machine Learning</a:t>
+                        <a:t>Statistical </a:t>
+                      </a:r>
+                      <a:r>
+                        <a:rPr lang="en-GB" sz="1000" b="1" baseline="0" dirty="0" err="1">
+                          <a:solidFill>
+                            <a:srgbClr val="000000"/>
+                          </a:solidFill>
+                          <a:latin typeface="Segoe UI" pitchFamily="34" charset="0"/>
+                          <a:cs typeface="Segoe UI" pitchFamily="34" charset="0"/>
+                        </a:rPr>
+                        <a:t>Modeling</a:t>
+                      </a:r>
+                      <a:r>
+                        <a:rPr lang="en-GB" sz="1000" b="1" baseline="0" dirty="0">
+                          <a:solidFill>
+                            <a:srgbClr val="000000"/>
+                          </a:solidFill>
+                          <a:latin typeface="Segoe UI" pitchFamily="34" charset="0"/>
+                          <a:cs typeface="Segoe UI" pitchFamily="34" charset="0"/>
+                        </a:rPr>
+                        <a:t> vs. Machine Learning</a:t>
                       </a:r>
                     </a:p>
                   </a:txBody>
@@ -9813,6 +10873,11 @@
                     </a:lnBlToTr>
                   </a:tcPr>
                 </a:tc>
+                <a:extLst>
+                  <a:ext uri="{0D108BD9-81ED-4DB2-BD59-A6C34878D82A}">
+                    <a16:rowId xmlns:a16="http://schemas.microsoft.com/office/drawing/2014/main" val="10000"/>
+                  </a:ext>
+                </a:extLst>
               </a:tr>
               <a:tr h="260350">
                 <a:tc>
@@ -9822,7 +10887,7 @@
                     <a:p>
                       <a:pPr algn="l"/>
                       <a:r>
-                        <a:rPr lang="en-GB" sz="1000" smtClean="0">
+                        <a:rPr lang="en-GB" sz="1000">
                           <a:solidFill>
                             <a:srgbClr val="000000"/>
                           </a:solidFill>
@@ -9832,7 +10897,7 @@
                         <a:t>For example, a linear regression is both a </a:t>
                       </a:r>
                       <a:r>
-                        <a:rPr lang="en-GB" sz="1000" i="1" smtClean="0">
+                        <a:rPr lang="en-GB" sz="1000" i="1">
                           <a:solidFill>
                             <a:srgbClr val="000000"/>
                           </a:solidFill>
@@ -9842,7 +10907,7 @@
                         <a:t>statistical model </a:t>
                       </a:r>
                       <a:r>
-                        <a:rPr lang="en-GB" sz="1000" smtClean="0">
+                        <a:rPr lang="en-GB" sz="1000">
                           <a:solidFill>
                             <a:srgbClr val="000000"/>
                           </a:solidFill>
@@ -9852,7 +10917,7 @@
                         <a:t>and a </a:t>
                       </a:r>
                       <a:r>
-                        <a:rPr lang="en-GB" sz="1000" i="1" smtClean="0">
+                        <a:rPr lang="en-GB" sz="1000" i="1">
                           <a:solidFill>
                             <a:srgbClr val="000000"/>
                           </a:solidFill>
@@ -9862,7 +10927,7 @@
                         <a:t>machine learning </a:t>
                       </a:r>
                       <a:r>
-                        <a:rPr lang="en-GB" sz="1000" smtClean="0">
+                        <a:rPr lang="en-GB" sz="1000">
                           <a:solidFill>
                             <a:srgbClr val="000000"/>
                           </a:solidFill>
@@ -9871,13 +10936,6 @@
                         </a:rPr>
                         <a:t>model.</a:t>
                       </a:r>
-                      <a:endParaRPr lang="en-GB" sz="1000">
-                        <a:solidFill>
-                          <a:srgbClr val="000000"/>
-                        </a:solidFill>
-                        <a:latin typeface="Segoe UI" pitchFamily="34" charset="0"/>
-                        <a:cs typeface="Segoe UI" pitchFamily="34" charset="0"/>
-                      </a:endParaRPr>
                     </a:p>
                   </a:txBody>
                   <a:tcPr>
@@ -9915,6 +10973,11 @@
                     </a:lnBlToTr>
                   </a:tcPr>
                 </a:tc>
+                <a:extLst>
+                  <a:ext uri="{0D108BD9-81ED-4DB2-BD59-A6C34878D82A}">
+                    <a16:rowId xmlns:a16="http://schemas.microsoft.com/office/drawing/2014/main" val="10001"/>
+                  </a:ext>
+                </a:extLst>
               </a:tr>
               <a:tr h="260350">
                 <a:tc>
@@ -9940,7 +11003,7 @@
                         <a:defRPr/>
                       </a:pPr>
                       <a:r>
-                        <a:rPr lang="en-GB" sz="1000" b="0" i="1" u="none" strike="noStrike" cap="none" spc="0" baseline="0" smtClean="0">
+                        <a:rPr lang="en-GB" sz="1000" b="0" i="1" u="none" strike="noStrike" cap="none" spc="0" baseline="0">
                           <a:ln>
                             <a:noFill/>
                           </a:ln>
@@ -9956,7 +11019,7 @@
                         <a:t>Statistical modeling </a:t>
                       </a:r>
                       <a:r>
-                        <a:rPr lang="en-GB" sz="1000" b="0" i="0" u="none" strike="noStrike" cap="none" spc="0" baseline="0" smtClean="0">
+                        <a:rPr lang="en-GB" sz="1000" b="0" i="0" u="none" strike="noStrike" cap="none" spc="0" baseline="0">
                           <a:ln>
                             <a:noFill/>
                           </a:ln>
@@ -10006,6 +11069,11 @@
                     </a:lnBlToTr>
                   </a:tcPr>
                 </a:tc>
+                <a:extLst>
+                  <a:ext uri="{0D108BD9-81ED-4DB2-BD59-A6C34878D82A}">
+                    <a16:rowId xmlns:a16="http://schemas.microsoft.com/office/drawing/2014/main" val="10002"/>
+                  </a:ext>
+                </a:extLst>
               </a:tr>
               <a:tr h="260350">
                 <a:tc>
@@ -10031,7 +11099,7 @@
                         <a:defRPr/>
                       </a:pPr>
                       <a:r>
-                        <a:rPr lang="en-GB" sz="1000" b="0" i="0" u="none" strike="noStrike" cap="none" spc="0" baseline="0" smtClean="0">
+                        <a:rPr lang="en-GB" sz="1000" b="0" i="0" u="none" strike="noStrike" cap="none" spc="0" baseline="0">
                           <a:ln>
                             <a:noFill/>
                           </a:ln>
@@ -10047,7 +11115,7 @@
                         <a:t>There are several types of statistical analyses: </a:t>
                       </a:r>
                       <a:r>
-                        <a:rPr lang="en-GB" sz="1000" b="0" i="1" u="none" strike="noStrike" cap="none" spc="0" baseline="0" smtClean="0">
+                        <a:rPr lang="en-GB" sz="1000" b="0" i="1" u="none" strike="noStrike" cap="none" spc="0" baseline="0">
                           <a:ln>
                             <a:noFill/>
                           </a:ln>
@@ -10063,7 +11131,7 @@
                         <a:t>descriptive</a:t>
                       </a:r>
                       <a:r>
-                        <a:rPr lang="en-GB" sz="1000" b="0" i="0" u="none" strike="noStrike" cap="none" spc="0" baseline="0" smtClean="0">
+                        <a:rPr lang="en-GB" sz="1000" b="0" i="0" u="none" strike="noStrike" cap="none" spc="0" baseline="0">
                           <a:ln>
                             <a:noFill/>
                           </a:ln>
@@ -10079,7 +11147,7 @@
                         <a:t>, </a:t>
                       </a:r>
                       <a:r>
-                        <a:rPr lang="en-GB" sz="1000" b="0" i="1" u="none" strike="noStrike" cap="none" spc="0" baseline="0" smtClean="0">
+                        <a:rPr lang="en-GB" sz="1000" b="0" i="1" u="none" strike="noStrike" cap="none" spc="0" baseline="0">
                           <a:ln>
                             <a:noFill/>
                           </a:ln>
@@ -10095,7 +11163,7 @@
                         <a:t>inferential</a:t>
                       </a:r>
                       <a:r>
-                        <a:rPr lang="en-GB" sz="1000" b="0" i="0" u="none" strike="noStrike" cap="none" spc="0" baseline="0" smtClean="0">
+                        <a:rPr lang="en-GB" sz="1000" b="0" i="0" u="none" strike="noStrike" cap="none" spc="0" baseline="0">
                           <a:ln>
                             <a:noFill/>
                           </a:ln>
@@ -10111,7 +11179,7 @@
                         <a:t>, </a:t>
                       </a:r>
                       <a:r>
-                        <a:rPr lang="en-GB" sz="1000" b="0" i="1" u="none" strike="noStrike" cap="none" spc="0" baseline="0" smtClean="0">
+                        <a:rPr lang="en-GB" sz="1000" b="0" i="1" u="none" strike="noStrike" cap="none" spc="0" baseline="0">
                           <a:ln>
                             <a:noFill/>
                           </a:ln>
@@ -10127,7 +11195,7 @@
                         <a:t>predictive</a:t>
                       </a:r>
                       <a:r>
-                        <a:rPr lang="en-GB" sz="1000" b="0" i="0" u="none" strike="noStrike" cap="none" spc="0" baseline="0" smtClean="0">
+                        <a:rPr lang="en-GB" sz="1000" b="0" i="0" u="none" strike="noStrike" cap="none" spc="0" baseline="0">
                           <a:ln>
                             <a:noFill/>
                           </a:ln>
@@ -10143,7 +11211,7 @@
                         <a:t>, </a:t>
                       </a:r>
                       <a:r>
-                        <a:rPr lang="en-GB" sz="1000" b="0" i="1" u="none" strike="noStrike" cap="none" spc="0" baseline="0" smtClean="0">
+                        <a:rPr lang="en-GB" sz="1000" b="0" i="1" u="none" strike="noStrike" cap="none" spc="0" baseline="0">
                           <a:ln>
                             <a:noFill/>
                           </a:ln>
@@ -10159,7 +11227,7 @@
                         <a:t>exploratory</a:t>
                       </a:r>
                       <a:r>
-                        <a:rPr lang="en-GB" sz="1000" b="0" i="0" u="none" strike="noStrike" cap="none" spc="0" baseline="0" smtClean="0">
+                        <a:rPr lang="en-GB" sz="1000" b="0" i="0" u="none" strike="noStrike" cap="none" spc="0" baseline="0">
                           <a:ln>
                             <a:noFill/>
                           </a:ln>
@@ -10175,7 +11243,7 @@
                         <a:t>, etc. Machine learning would mostly fall within </a:t>
                       </a:r>
                       <a:r>
-                        <a:rPr lang="en-GB" sz="1000" b="0" i="1" u="none" strike="noStrike" cap="none" spc="0" baseline="0" smtClean="0">
+                        <a:rPr lang="en-GB" sz="1000" b="0" i="1" u="none" strike="noStrike" cap="none" spc="0" baseline="0">
                           <a:ln>
                             <a:noFill/>
                           </a:ln>
@@ -10191,7 +11259,7 @@
                         <a:t>predictive analysis</a:t>
                       </a:r>
                       <a:r>
-                        <a:rPr lang="en-GB" sz="1000" b="0" i="0" u="none" strike="noStrike" cap="none" spc="0" baseline="0" smtClean="0">
+                        <a:rPr lang="en-GB" sz="1000" b="0" i="0" u="none" strike="noStrike" cap="none" spc="0" baseline="0">
                           <a:ln>
                             <a:noFill/>
                           </a:ln>
@@ -10207,7 +11275,7 @@
                         <a:t>, and most of it doesn't allow you to make </a:t>
                       </a:r>
                       <a:r>
-                        <a:rPr lang="en-GB" sz="1000" b="0" i="1" u="none" strike="noStrike" cap="none" spc="0" baseline="0" smtClean="0">
+                        <a:rPr lang="en-GB" sz="1000" b="0" i="1" u="none" strike="noStrike" cap="none" spc="0" baseline="0">
                           <a:ln>
                             <a:noFill/>
                           </a:ln>
@@ -10223,7 +11291,7 @@
                         <a:t>inferential</a:t>
                       </a:r>
                       <a:r>
-                        <a:rPr lang="en-GB" sz="1000" b="0" i="0" u="none" strike="noStrike" cap="none" spc="0" baseline="0" smtClean="0">
+                        <a:rPr lang="en-GB" sz="1000" b="0" i="0" u="none" strike="noStrike" cap="none" spc="0" baseline="0">
                           <a:ln>
                             <a:noFill/>
                           </a:ln>
@@ -10273,6 +11341,11 @@
                     </a:lnBlToTr>
                   </a:tcPr>
                 </a:tc>
+                <a:extLst>
+                  <a:ext uri="{0D108BD9-81ED-4DB2-BD59-A6C34878D82A}">
+                    <a16:rowId xmlns:a16="http://schemas.microsoft.com/office/drawing/2014/main" val="10003"/>
+                  </a:ext>
+                </a:extLst>
               </a:tr>
               <a:tr h="260350">
                 <a:tc>
@@ -10298,7 +11371,7 @@
                         <a:defRPr/>
                       </a:pPr>
                       <a:r>
-                        <a:rPr lang="en-GB" sz="1000" b="0" i="0" u="none" strike="noStrike" cap="none" spc="0" baseline="0" smtClean="0">
+                        <a:rPr lang="en-GB" sz="1000" b="0" i="0" u="none" strike="noStrike" cap="none" spc="0" baseline="0" dirty="0">
                           <a:ln>
                             <a:noFill/>
                           </a:ln>
@@ -10314,12 +11387,12 @@
                         <a:t>Source: </a:t>
                       </a:r>
                       <a:r>
-                        <a:rPr lang="en-GB" sz="1000" smtClean="0">
+                        <a:rPr lang="en-GB" sz="1000" dirty="0">
                           <a:hlinkClick r:id="rId3"/>
                         </a:rPr>
                         <a:t>https://stats.stackexchange.com/questions/336442/predictive-models-statistics-cant-possibly-beat-machine-learning</a:t>
                       </a:r>
-                      <a:endParaRPr lang="en-GB" sz="1000" b="0" i="0" u="none" strike="noStrike" cap="none" spc="0" baseline="0" smtClean="0">
+                      <a:endParaRPr lang="en-GB" sz="1000" b="0" i="0" u="none" strike="noStrike" cap="none" spc="0" baseline="0" dirty="0">
                         <a:ln>
                           <a:noFill/>
                         </a:ln>
@@ -10369,6 +11442,11 @@
                     </a:lnBlToTr>
                   </a:tcPr>
                 </a:tc>
+                <a:extLst>
+                  <a:ext uri="{0D108BD9-81ED-4DB2-BD59-A6C34878D82A}">
+                    <a16:rowId xmlns:a16="http://schemas.microsoft.com/office/drawing/2014/main" val="10004"/>
+                  </a:ext>
+                </a:extLst>
               </a:tr>
             </a:tbl>
           </a:graphicData>
@@ -10383,13 +11461,13 @@
           <p:nvPr>
             <p:extLst>
               <p:ext uri="{D42A27DB-BD31-4B8C-83A1-F6EECF244321}">
-                <p14:modId xmlns:p14="http://schemas.microsoft.com/office/powerpoint/2010/main" val="1786985163"/>
+                <p14:modId xmlns:p14="http://schemas.microsoft.com/office/powerpoint/2010/main" val="2517886497"/>
               </p:ext>
             </p:extLst>
           </p:nvPr>
         </p:nvGraphicFramePr>
         <p:xfrm>
-          <a:off x="5417185" y="4382089"/>
+          <a:off x="4746625" y="3754078"/>
           <a:ext cx="3825875" cy="1986280"/>
         </p:xfrm>
         <a:graphic>
@@ -10399,7 +11477,13 @@
                 <a:tableStyleId>{5940675A-B579-460E-94D1-54222C63F5DA}</a:tableStyleId>
               </a:tblPr>
               <a:tblGrid>
-                <a:gridCol w="3825875"/>
+                <a:gridCol w="3825875">
+                  <a:extLst>
+                    <a:ext uri="{9D8B030D-6E8A-4147-A177-3AD203B41FA5}">
+                      <a16:colId xmlns:a16="http://schemas.microsoft.com/office/drawing/2014/main" val="20000"/>
+                    </a:ext>
+                  </a:extLst>
+                </a:gridCol>
               </a:tblGrid>
               <a:tr h="260350">
                 <a:tc>
@@ -10409,7 +11493,7 @@
                     <a:p>
                       <a:pPr algn="l"/>
                       <a:r>
-                        <a:rPr lang="en-GB" sz="1000" b="1" baseline="0" smtClean="0">
+                        <a:rPr lang="en-GB" sz="1000" b="1" baseline="0">
                           <a:solidFill>
                             <a:srgbClr val="000000"/>
                           </a:solidFill>
@@ -10467,6 +11551,11 @@
                     </a:lnBlToTr>
                   </a:tcPr>
                 </a:tc>
+                <a:extLst>
+                  <a:ext uri="{0D108BD9-81ED-4DB2-BD59-A6C34878D82A}">
+                    <a16:rowId xmlns:a16="http://schemas.microsoft.com/office/drawing/2014/main" val="10000"/>
+                  </a:ext>
+                </a:extLst>
               </a:tr>
               <a:tr h="260350">
                 <a:tc>
@@ -10492,7 +11581,7 @@
                         <a:defRPr/>
                       </a:pPr>
                       <a:r>
-                        <a:rPr lang="en-GB" sz="1000" i="0" smtClean="0">
+                        <a:rPr lang="en-GB" sz="1000" i="0" dirty="0">
                           <a:solidFill>
                             <a:srgbClr val="000000"/>
                           </a:solidFill>
@@ -10542,6 +11631,11 @@
                     </a:lnBlToTr>
                   </a:tcPr>
                 </a:tc>
+                <a:extLst>
+                  <a:ext uri="{0D108BD9-81ED-4DB2-BD59-A6C34878D82A}">
+                    <a16:rowId xmlns:a16="http://schemas.microsoft.com/office/drawing/2014/main" val="10001"/>
+                  </a:ext>
+                </a:extLst>
               </a:tr>
               <a:tr h="260350">
                 <a:tc>
@@ -10567,7 +11661,7 @@
                         <a:defRPr/>
                       </a:pPr>
                       <a:r>
-                        <a:rPr lang="en-GB" sz="1000" b="0" i="0" u="none" strike="noStrike" cap="none" spc="0" baseline="0" smtClean="0">
+                        <a:rPr lang="en-GB" sz="1000" b="0" i="0" u="none" strike="noStrike" cap="none" spc="0" baseline="0">
                           <a:ln>
                             <a:noFill/>
                           </a:ln>
@@ -10617,6 +11711,11 @@
                     </a:lnBlToTr>
                   </a:tcPr>
                 </a:tc>
+                <a:extLst>
+                  <a:ext uri="{0D108BD9-81ED-4DB2-BD59-A6C34878D82A}">
+                    <a16:rowId xmlns:a16="http://schemas.microsoft.com/office/drawing/2014/main" val="10002"/>
+                  </a:ext>
+                </a:extLst>
               </a:tr>
               <a:tr h="260350">
                 <a:tc>
@@ -10642,7 +11741,7 @@
                         <a:defRPr/>
                       </a:pPr>
                       <a:r>
-                        <a:rPr lang="en-GB" sz="1000" b="0" i="0" u="none" strike="noStrike" cap="none" spc="0" baseline="0" smtClean="0">
+                        <a:rPr lang="en-GB" sz="1000" b="0" i="0" u="none" strike="noStrike" cap="none" spc="0" baseline="0">
                           <a:ln>
                             <a:noFill/>
                           </a:ln>
@@ -10692,6 +11791,11 @@
                     </a:lnBlToTr>
                   </a:tcPr>
                 </a:tc>
+                <a:extLst>
+                  <a:ext uri="{0D108BD9-81ED-4DB2-BD59-A6C34878D82A}">
+                    <a16:rowId xmlns:a16="http://schemas.microsoft.com/office/drawing/2014/main" val="10003"/>
+                  </a:ext>
+                </a:extLst>
               </a:tr>
               <a:tr h="260350">
                 <a:tc>
@@ -10717,7 +11821,7 @@
                         <a:defRPr/>
                       </a:pPr>
                       <a:r>
-                        <a:rPr lang="en-GB" sz="1000" b="0" i="0" u="none" strike="noStrike" cap="none" spc="0" baseline="0" smtClean="0">
+                        <a:rPr lang="en-GB" sz="1000" b="0" i="0" u="none" strike="noStrike" cap="none" spc="0" baseline="0">
                           <a:ln>
                             <a:noFill/>
                           </a:ln>
@@ -10767,6 +11871,11 @@
                     </a:lnBlToTr>
                   </a:tcPr>
                 </a:tc>
+                <a:extLst>
+                  <a:ext uri="{0D108BD9-81ED-4DB2-BD59-A6C34878D82A}">
+                    <a16:rowId xmlns:a16="http://schemas.microsoft.com/office/drawing/2014/main" val="10004"/>
+                  </a:ext>
+                </a:extLst>
               </a:tr>
               <a:tr h="260350">
                 <a:tc>
@@ -10791,7 +11900,7 @@
                         <a:tabLst/>
                         <a:defRPr/>
                       </a:pPr>
-                      <a:endParaRPr lang="en-GB" sz="1000" b="0" i="0" u="none" strike="noStrike" cap="none" spc="0" baseline="0" smtClean="0">
+                      <a:endParaRPr lang="en-GB" sz="1000" b="0" i="0" u="none" strike="noStrike" cap="none" spc="0" baseline="0" dirty="0">
                         <a:ln>
                           <a:noFill/>
                         </a:ln>
@@ -10841,6 +11950,11 @@
                     </a:lnBlToTr>
                   </a:tcPr>
                 </a:tc>
+                <a:extLst>
+                  <a:ext uri="{0D108BD9-81ED-4DB2-BD59-A6C34878D82A}">
+                    <a16:rowId xmlns:a16="http://schemas.microsoft.com/office/drawing/2014/main" val="10005"/>
+                  </a:ext>
+                </a:extLst>
               </a:tr>
             </a:tbl>
           </a:graphicData>
@@ -10848,21 +11962,21 @@
       </p:graphicFrame>
       <p:graphicFrame>
         <p:nvGraphicFramePr>
-          <p:cNvPr id="9" name="Table 8"/>
+          <p:cNvPr id="10" name="Table 9"/>
           <p:cNvGraphicFramePr>
             <a:graphicFrameLocks noGrp="1"/>
           </p:cNvGraphicFramePr>
           <p:nvPr>
             <p:extLst>
               <p:ext uri="{D42A27DB-BD31-4B8C-83A1-F6EECF244321}">
-                <p14:modId xmlns:p14="http://schemas.microsoft.com/office/powerpoint/2010/main" val="1525146059"/>
+                <p14:modId xmlns:p14="http://schemas.microsoft.com/office/powerpoint/2010/main" val="2968813221"/>
               </p:ext>
             </p:extLst>
           </p:nvPr>
         </p:nvGraphicFramePr>
         <p:xfrm>
-          <a:off x="288925" y="1526847"/>
-          <a:ext cx="3546060" cy="1315136"/>
+          <a:off x="288925" y="3032002"/>
+          <a:ext cx="3546060" cy="1437640"/>
         </p:xfrm>
         <a:graphic>
           <a:graphicData uri="http://schemas.openxmlformats.org/drawingml/2006/table">
@@ -10871,9 +11985,27 @@
                 <a:tableStyleId>{5940675A-B579-460E-94D1-54222C63F5DA}</a:tableStyleId>
               </a:tblPr>
               <a:tblGrid>
-                <a:gridCol w="1333954"/>
-                <a:gridCol w="380538"/>
-                <a:gridCol w="1831568"/>
+                <a:gridCol w="1333954">
+                  <a:extLst>
+                    <a:ext uri="{9D8B030D-6E8A-4147-A177-3AD203B41FA5}">
+                      <a16:colId xmlns:a16="http://schemas.microsoft.com/office/drawing/2014/main" val="20000"/>
+                    </a:ext>
+                  </a:extLst>
+                </a:gridCol>
+                <a:gridCol w="380538">
+                  <a:extLst>
+                    <a:ext uri="{9D8B030D-6E8A-4147-A177-3AD203B41FA5}">
+                      <a16:colId xmlns:a16="http://schemas.microsoft.com/office/drawing/2014/main" val="20001"/>
+                    </a:ext>
+                  </a:extLst>
+                </a:gridCol>
+                <a:gridCol w="1831568">
+                  <a:extLst>
+                    <a:ext uri="{9D8B030D-6E8A-4147-A177-3AD203B41FA5}">
+                      <a16:colId xmlns:a16="http://schemas.microsoft.com/office/drawing/2014/main" val="20002"/>
+                    </a:ext>
+                  </a:extLst>
+                </a:gridCol>
               </a:tblGrid>
               <a:tr h="260350">
                 <a:tc gridSpan="3">
@@ -10883,16 +12015,16 @@
                     <a:p>
                       <a:pPr algn="l"/>
                       <a:r>
-                        <a:rPr lang="en-GB" sz="1000" b="1" smtClean="0">
+                        <a:rPr lang="en-GB" sz="1000" b="1">
                           <a:solidFill>
                             <a:srgbClr val="000000"/>
                           </a:solidFill>
                           <a:latin typeface="Segoe UI" pitchFamily="34" charset="0"/>
                           <a:cs typeface="Segoe UI" pitchFamily="34" charset="0"/>
                         </a:rPr>
-                        <a:t>What is (not) possible to forecast?</a:t>
+                        <a:t>What is required for model to be predictive?</a:t>
                       </a:r>
-                      <a:endParaRPr lang="en-GB" sz="1000" b="0" baseline="0" smtClean="0">
+                      <a:endParaRPr lang="en-GB" sz="1000" b="0" baseline="0">
                         <a:solidFill>
                           <a:srgbClr val="000000"/>
                         </a:solidFill>
@@ -10976,6 +12108,11 @@
                   </a:txBody>
                   <a:tcPr/>
                 </a:tc>
+                <a:extLst>
+                  <a:ext uri="{0D108BD9-81ED-4DB2-BD59-A6C34878D82A}">
+                    <a16:rowId xmlns:a16="http://schemas.microsoft.com/office/drawing/2014/main" val="10000"/>
+                  </a:ext>
+                </a:extLst>
               </a:tr>
               <a:tr h="273736">
                 <a:tc>
@@ -11000,13 +12137,16 @@
                         <a:tabLst/>
                         <a:defRPr/>
                       </a:pPr>
-                      <a:endParaRPr lang="en-GB" sz="1000" i="0" smtClean="0">
-                        <a:solidFill>
-                          <a:srgbClr val="000000"/>
-                        </a:solidFill>
-                        <a:latin typeface="Segoe UI" pitchFamily="34" charset="0"/>
-                        <a:cs typeface="Segoe UI" pitchFamily="34" charset="0"/>
-                      </a:endParaRPr>
+                      <a:r>
+                        <a:rPr lang="en-GB" sz="1000" i="0">
+                          <a:solidFill>
+                            <a:srgbClr val="000000"/>
+                          </a:solidFill>
+                          <a:latin typeface="Segoe UI" pitchFamily="34" charset="0"/>
+                          <a:cs typeface="Segoe UI" pitchFamily="34" charset="0"/>
+                        </a:rPr>
+                        <a:t>Compated to simply descriptive.</a:t>
+                      </a:r>
                     </a:p>
                   </a:txBody>
                   <a:tcPr>
@@ -11122,7 +12262,7 @@
                         <a:tabLst/>
                         <a:defRPr/>
                       </a:pPr>
-                      <a:endParaRPr lang="en-GB" sz="1000" i="1" smtClean="0">
+                      <a:endParaRPr lang="en-GB" sz="1000" i="1" dirty="0">
                         <a:solidFill>
                           <a:srgbClr val="000000"/>
                         </a:solidFill>
@@ -11170,6 +12310,11 @@
                     </a:lnBlToTr>
                   </a:tcPr>
                 </a:tc>
+                <a:extLst>
+                  <a:ext uri="{0D108BD9-81ED-4DB2-BD59-A6C34878D82A}">
+                    <a16:rowId xmlns:a16="http://schemas.microsoft.com/office/drawing/2014/main" val="10001"/>
+                  </a:ext>
+                </a:extLst>
               </a:tr>
               <a:tr h="260350">
                 <a:tc>
@@ -11298,6 +12443,11 @@
                     </a:lnBlToTr>
                   </a:tcPr>
                 </a:tc>
+                <a:extLst>
+                  <a:ext uri="{0D108BD9-81ED-4DB2-BD59-A6C34878D82A}">
+                    <a16:rowId xmlns:a16="http://schemas.microsoft.com/office/drawing/2014/main" val="10002"/>
+                  </a:ext>
+                </a:extLst>
               </a:tr>
               <a:tr h="260350">
                 <a:tc>
@@ -11426,6 +12576,11 @@
                     </a:lnBlToTr>
                   </a:tcPr>
                 </a:tc>
+                <a:extLst>
+                  <a:ext uri="{0D108BD9-81ED-4DB2-BD59-A6C34878D82A}">
+                    <a16:rowId xmlns:a16="http://schemas.microsoft.com/office/drawing/2014/main" val="10003"/>
+                  </a:ext>
+                </a:extLst>
               </a:tr>
               <a:tr h="260350">
                 <a:tc>
@@ -11450,7 +12605,7 @@
                         <a:tabLst/>
                         <a:defRPr/>
                       </a:pPr>
-                      <a:endParaRPr lang="en-GB" sz="1000" b="0" i="0" u="none" strike="noStrike" cap="none" spc="0" baseline="0" smtClean="0">
+                      <a:endParaRPr lang="en-GB" sz="1000" b="0" i="0" u="none" strike="noStrike" cap="none" spc="0" baseline="0">
                         <a:ln>
                           <a:noFill/>
                         </a:ln>
@@ -11522,7 +12677,7 @@
                         <a:tabLst/>
                         <a:defRPr/>
                       </a:pPr>
-                      <a:endParaRPr lang="en-GB" sz="1000" b="0" i="0" u="none" strike="noStrike" cap="none" spc="0" baseline="0" smtClean="0">
+                      <a:endParaRPr lang="en-GB" sz="1000" b="0" i="0" u="none" strike="noStrike" cap="none" spc="0" baseline="0">
                         <a:ln>
                           <a:noFill/>
                         </a:ln>
@@ -11588,7 +12743,7 @@
                         <a:tabLst/>
                         <a:defRPr/>
                       </a:pPr>
-                      <a:endParaRPr lang="en-GB" sz="1000" b="0" i="0" u="none" strike="noStrike" cap="none" spc="0" baseline="0" smtClean="0">
+                      <a:endParaRPr lang="en-GB" sz="1000" b="0" i="0" u="none" strike="noStrike" cap="none" spc="0" baseline="0" dirty="0">
                         <a:ln>
                           <a:noFill/>
                         </a:ln>
@@ -11638,806 +12793,11 @@
                     </a:lnBlToTr>
                   </a:tcPr>
                 </a:tc>
-              </a:tr>
-            </a:tbl>
-          </a:graphicData>
-        </a:graphic>
-      </p:graphicFrame>
-      <p:graphicFrame>
-        <p:nvGraphicFramePr>
-          <p:cNvPr id="10" name="Table 9"/>
-          <p:cNvGraphicFramePr>
-            <a:graphicFrameLocks noGrp="1"/>
-          </p:cNvGraphicFramePr>
-          <p:nvPr>
-            <p:extLst>
-              <p:ext uri="{D42A27DB-BD31-4B8C-83A1-F6EECF244321}">
-                <p14:modId xmlns:p14="http://schemas.microsoft.com/office/powerpoint/2010/main" val="2968813221"/>
-              </p:ext>
-            </p:extLst>
-          </p:nvPr>
-        </p:nvGraphicFramePr>
-        <p:xfrm>
-          <a:off x="288925" y="3032002"/>
-          <a:ext cx="3546060" cy="1437640"/>
-        </p:xfrm>
-        <a:graphic>
-          <a:graphicData uri="http://schemas.openxmlformats.org/drawingml/2006/table">
-            <a:tbl>
-              <a:tblPr firstRow="1" bandRow="1">
-                <a:tableStyleId>{5940675A-B579-460E-94D1-54222C63F5DA}</a:tableStyleId>
-              </a:tblPr>
-              <a:tblGrid>
-                <a:gridCol w="1333954"/>
-                <a:gridCol w="380538"/>
-                <a:gridCol w="1831568"/>
-              </a:tblGrid>
-              <a:tr h="260350">
-                <a:tc gridSpan="3">
-                  <a:txBody>
-                    <a:bodyPr/>
-                    <a:lstStyle/>
-                    <a:p>
-                      <a:pPr algn="l"/>
-                      <a:r>
-                        <a:rPr lang="en-GB" sz="1000" b="1" smtClean="0">
-                          <a:solidFill>
-                            <a:srgbClr val="000000"/>
-                          </a:solidFill>
-                          <a:latin typeface="Segoe UI" pitchFamily="34" charset="0"/>
-                          <a:cs typeface="Segoe UI" pitchFamily="34" charset="0"/>
-                        </a:rPr>
-                        <a:t>What is required for model to be predictive?</a:t>
-                      </a:r>
-                      <a:endParaRPr lang="en-GB" sz="1000" b="0" baseline="0" smtClean="0">
-                        <a:solidFill>
-                          <a:srgbClr val="000000"/>
-                        </a:solidFill>
-                        <a:latin typeface="Segoe UI" pitchFamily="34" charset="0"/>
-                        <a:cs typeface="Segoe UI" pitchFamily="34" charset="0"/>
-                      </a:endParaRPr>
-                    </a:p>
-                  </a:txBody>
-                  <a:tcPr>
-                    <a:lnL w="6350" cap="flat" cmpd="sng" algn="ctr">
-                      <a:solidFill>
-                        <a:srgbClr val="000000"/>
-                      </a:solidFill>
-                      <a:prstDash val="solid"/>
-                      <a:round/>
-                      <a:headEnd type="none" w="med" len="med"/>
-                      <a:tailEnd type="none" w="med" len="med"/>
-                    </a:lnL>
-                    <a:lnR w="6350" cap="flat" cmpd="sng" algn="ctr">
-                      <a:solidFill>
-                        <a:srgbClr val="000000"/>
-                      </a:solidFill>
-                      <a:prstDash val="solid"/>
-                      <a:round/>
-                      <a:headEnd type="none" w="med" len="med"/>
-                      <a:tailEnd type="none" w="med" len="med"/>
-                    </a:lnR>
-                    <a:lnT w="6350" cap="flat" cmpd="sng" algn="ctr">
-                      <a:solidFill>
-                        <a:srgbClr val="000000"/>
-                      </a:solidFill>
-                      <a:prstDash val="solid"/>
-                      <a:round/>
-                      <a:headEnd type="none" w="med" len="med"/>
-                      <a:tailEnd type="none" w="med" len="med"/>
-                    </a:lnT>
-                    <a:lnB w="6350" cap="flat" cmpd="sng" algn="ctr">
-                      <a:solidFill>
-                        <a:srgbClr val="000000"/>
-                      </a:solidFill>
-                      <a:prstDash val="solid"/>
-                      <a:round/>
-                      <a:headEnd type="none" w="med" len="med"/>
-                      <a:tailEnd type="none" w="med" len="med"/>
-                    </a:lnB>
-                    <a:lnTlToBr w="12700" cmpd="sng">
-                      <a:noFill/>
-                      <a:prstDash val="solid"/>
-                    </a:lnTlToBr>
-                    <a:lnBlToTr w="12700" cmpd="sng">
-                      <a:noFill/>
-                      <a:prstDash val="solid"/>
-                    </a:lnBlToTr>
-                  </a:tcPr>
-                </a:tc>
-                <a:tc hMerge="1">
-                  <a:txBody>
-                    <a:bodyPr/>
-                    <a:lstStyle/>
-                    <a:p>
-                      <a:pPr algn="r"/>
-                      <a:endParaRPr lang="en-GB" sz="1000" b="1">
-                        <a:latin typeface="Segoe UI" pitchFamily="34" charset="0"/>
-                        <a:cs typeface="Segoe UI" pitchFamily="34" charset="0"/>
-                      </a:endParaRPr>
-                    </a:p>
-                  </a:txBody>
-                  <a:tcPr/>
-                </a:tc>
-                <a:tc hMerge="1">
-                  <a:txBody>
-                    <a:bodyPr/>
-                    <a:lstStyle/>
-                    <a:p>
-                      <a:pPr algn="l"/>
-                      <a:endParaRPr lang="en-GB" sz="1000" b="1">
-                        <a:latin typeface="Segoe UI" pitchFamily="34" charset="0"/>
-                        <a:cs typeface="Segoe UI" pitchFamily="34" charset="0"/>
-                      </a:endParaRPr>
-                    </a:p>
-                  </a:txBody>
-                  <a:tcPr/>
-                </a:tc>
-              </a:tr>
-              <a:tr h="273736">
-                <a:tc>
-                  <a:txBody>
-                    <a:bodyPr/>
-                    <a:lstStyle/>
-                    <a:p>
-                      <a:pPr marL="0" marR="0" indent="0" algn="l" defTabSz="584200" rtl="0" eaLnBrk="1" fontAlgn="auto" latinLnBrk="0" hangingPunct="1">
-                        <a:lnSpc>
-                          <a:spcPct val="100000"/>
-                        </a:lnSpc>
-                        <a:spcBef>
-                          <a:spcPts val="0"/>
-                        </a:spcBef>
-                        <a:spcAft>
-                          <a:spcPts val="0"/>
-                        </a:spcAft>
-                        <a:buClrTx/>
-                        <a:buSzTx/>
-                        <a:buFontTx/>
-                        <a:buNone/>
-                        <a:tabLst/>
-                        <a:defRPr/>
-                      </a:pPr>
-                      <a:r>
-                        <a:rPr lang="en-GB" sz="1000" i="0" smtClean="0">
-                          <a:solidFill>
-                            <a:srgbClr val="000000"/>
-                          </a:solidFill>
-                          <a:latin typeface="Segoe UI" pitchFamily="34" charset="0"/>
-                          <a:cs typeface="Segoe UI" pitchFamily="34" charset="0"/>
-                        </a:rPr>
-                        <a:t>Compated to simply descriptive.</a:t>
-                      </a:r>
-                    </a:p>
-                  </a:txBody>
-                  <a:tcPr>
-                    <a:lnL w="6350" cap="flat" cmpd="sng" algn="ctr">
-                      <a:solidFill>
-                        <a:srgbClr val="000000"/>
-                      </a:solidFill>
-                      <a:prstDash val="solid"/>
-                      <a:round/>
-                      <a:headEnd type="none" w="med" len="med"/>
-                      <a:tailEnd type="none" w="med" len="med"/>
-                    </a:lnL>
-                    <a:lnR w="12700" cap="flat" cmpd="sng" algn="ctr">
-                      <a:noFill/>
-                      <a:prstDash val="solid"/>
-                      <a:round/>
-                      <a:headEnd type="none" w="med" len="med"/>
-                      <a:tailEnd type="none" w="med" len="med"/>
-                    </a:lnR>
-                    <a:lnT w="6350" cap="flat" cmpd="sng" algn="ctr">
-                      <a:solidFill>
-                        <a:srgbClr val="000000"/>
-                      </a:solidFill>
-                      <a:prstDash val="solid"/>
-                      <a:round/>
-                      <a:headEnd type="none" w="med" len="med"/>
-                      <a:tailEnd type="none" w="med" len="med"/>
-                    </a:lnT>
-                    <a:lnB w="12700" cmpd="sng">
-                      <a:noFill/>
-                    </a:lnB>
-                    <a:lnTlToBr w="12700" cmpd="sng">
-                      <a:noFill/>
-                      <a:prstDash val="solid"/>
-                    </a:lnTlToBr>
-                    <a:lnBlToTr w="12700" cmpd="sng">
-                      <a:noFill/>
-                      <a:prstDash val="solid"/>
-                    </a:lnBlToTr>
-                  </a:tcPr>
-                </a:tc>
-                <a:tc>
-                  <a:txBody>
-                    <a:bodyPr/>
-                    <a:lstStyle/>
-                    <a:p>
-                      <a:pPr algn="r"/>
-                      <a:endParaRPr lang="en-GB" sz="1000">
-                        <a:solidFill>
-                          <a:srgbClr val="000000"/>
-                        </a:solidFill>
-                        <a:latin typeface="Segoe UI" pitchFamily="34" charset="0"/>
-                        <a:cs typeface="Segoe UI" pitchFamily="34" charset="0"/>
-                      </a:endParaRPr>
-                    </a:p>
-                  </a:txBody>
-                  <a:tcPr>
-                    <a:lnL w="12700" cap="flat" cmpd="sng" algn="ctr">
-                      <a:noFill/>
-                      <a:prstDash val="solid"/>
-                      <a:round/>
-                      <a:headEnd type="none" w="med" len="med"/>
-                      <a:tailEnd type="none" w="med" len="med"/>
-                    </a:lnL>
-                    <a:lnR w="12700" cap="flat" cmpd="sng" algn="ctr">
-                      <a:noFill/>
-                      <a:prstDash val="solid"/>
-                      <a:round/>
-                      <a:headEnd type="none" w="med" len="med"/>
-                      <a:tailEnd type="none" w="med" len="med"/>
-                    </a:lnR>
-                    <a:lnT w="6350" cap="flat" cmpd="sng" algn="ctr">
-                      <a:solidFill>
-                        <a:srgbClr val="000000"/>
-                      </a:solidFill>
-                      <a:prstDash val="solid"/>
-                      <a:round/>
-                      <a:headEnd type="none" w="med" len="med"/>
-                      <a:tailEnd type="none" w="med" len="med"/>
-                    </a:lnT>
-                    <a:lnB w="12700" cmpd="sng">
-                      <a:noFill/>
-                    </a:lnB>
-                    <a:lnTlToBr w="12700" cmpd="sng">
-                      <a:noFill/>
-                      <a:prstDash val="solid"/>
-                    </a:lnTlToBr>
-                    <a:lnBlToTr w="12700" cmpd="sng">
-                      <a:noFill/>
-                      <a:prstDash val="solid"/>
-                    </a:lnBlToTr>
-                  </a:tcPr>
-                </a:tc>
-                <a:tc>
-                  <a:txBody>
-                    <a:bodyPr/>
-                    <a:lstStyle/>
-                    <a:p>
-                      <a:pPr marL="0" marR="0" indent="0" algn="l" defTabSz="584200" rtl="0" eaLnBrk="1" fontAlgn="auto" latinLnBrk="0" hangingPunct="1">
-                        <a:lnSpc>
-                          <a:spcPct val="100000"/>
-                        </a:lnSpc>
-                        <a:spcBef>
-                          <a:spcPts val="0"/>
-                        </a:spcBef>
-                        <a:spcAft>
-                          <a:spcPts val="0"/>
-                        </a:spcAft>
-                        <a:buClrTx/>
-                        <a:buSzTx/>
-                        <a:buFontTx/>
-                        <a:buNone/>
-                        <a:tabLst/>
-                        <a:defRPr/>
-                      </a:pPr>
-                      <a:endParaRPr lang="en-GB" sz="1000" i="1" smtClean="0">
-                        <a:solidFill>
-                          <a:srgbClr val="000000"/>
-                        </a:solidFill>
-                        <a:latin typeface="Segoe UI" pitchFamily="34" charset="0"/>
-                        <a:cs typeface="Segoe UI" pitchFamily="34" charset="0"/>
-                      </a:endParaRPr>
-                    </a:p>
-                  </a:txBody>
-                  <a:tcPr>
-                    <a:lnL w="12700" cap="flat" cmpd="sng" algn="ctr">
-                      <a:noFill/>
-                      <a:prstDash val="solid"/>
-                      <a:round/>
-                      <a:headEnd type="none" w="med" len="med"/>
-                      <a:tailEnd type="none" w="med" len="med"/>
-                    </a:lnL>
-                    <a:lnR w="6350" cap="flat" cmpd="sng" algn="ctr">
-                      <a:solidFill>
-                        <a:srgbClr val="000000"/>
-                      </a:solidFill>
-                      <a:prstDash val="solid"/>
-                      <a:round/>
-                      <a:headEnd type="none" w="med" len="med"/>
-                      <a:tailEnd type="none" w="med" len="med"/>
-                    </a:lnR>
-                    <a:lnT w="6350" cap="flat" cmpd="sng" algn="ctr">
-                      <a:solidFill>
-                        <a:srgbClr val="000000"/>
-                      </a:solidFill>
-                      <a:prstDash val="solid"/>
-                      <a:round/>
-                      <a:headEnd type="none" w="med" len="med"/>
-                      <a:tailEnd type="none" w="med" len="med"/>
-                    </a:lnT>
-                    <a:lnB w="12700" cmpd="sng">
-                      <a:noFill/>
-                    </a:lnB>
-                    <a:lnTlToBr w="12700" cmpd="sng">
-                      <a:noFill/>
-                      <a:prstDash val="solid"/>
-                    </a:lnTlToBr>
-                    <a:lnBlToTr w="12700" cmpd="sng">
-                      <a:noFill/>
-                      <a:prstDash val="solid"/>
-                    </a:lnBlToTr>
-                  </a:tcPr>
-                </a:tc>
-              </a:tr>
-              <a:tr h="260350">
-                <a:tc>
-                  <a:txBody>
-                    <a:bodyPr/>
-                    <a:lstStyle/>
-                    <a:p>
-                      <a:pPr algn="l"/>
-                      <a:endParaRPr lang="en-GB" sz="1000">
-                        <a:solidFill>
-                          <a:srgbClr val="000000"/>
-                        </a:solidFill>
-                        <a:latin typeface="Segoe UI" pitchFamily="34" charset="0"/>
-                        <a:cs typeface="Segoe UI" pitchFamily="34" charset="0"/>
-                      </a:endParaRPr>
-                    </a:p>
-                  </a:txBody>
-                  <a:tcPr>
-                    <a:lnL w="6350" cap="flat" cmpd="sng" algn="ctr">
-                      <a:solidFill>
-                        <a:srgbClr val="000000"/>
-                      </a:solidFill>
-                      <a:prstDash val="solid"/>
-                      <a:round/>
-                      <a:headEnd type="none" w="med" len="med"/>
-                      <a:tailEnd type="none" w="med" len="med"/>
-                    </a:lnL>
-                    <a:lnR w="12700" cmpd="sng">
-                      <a:noFill/>
-                    </a:lnR>
-                    <a:lnT w="12700" cmpd="sng">
-                      <a:noFill/>
-                    </a:lnT>
-                    <a:lnB w="12700" cmpd="sng">
-                      <a:noFill/>
-                    </a:lnB>
-                    <a:lnTlToBr w="12700" cmpd="sng">
-                      <a:noFill/>
-                      <a:prstDash val="solid"/>
-                    </a:lnTlToBr>
-                    <a:lnBlToTr w="12700" cmpd="sng">
-                      <a:noFill/>
-                      <a:prstDash val="solid"/>
-                    </a:lnBlToTr>
-                  </a:tcPr>
-                </a:tc>
-                <a:tc>
-                  <a:txBody>
-                    <a:bodyPr/>
-                    <a:lstStyle/>
-                    <a:p>
-                      <a:pPr algn="r"/>
-                      <a:endParaRPr lang="en-GB" sz="1000">
-                        <a:solidFill>
-                          <a:srgbClr val="000000"/>
-                        </a:solidFill>
-                        <a:latin typeface="Segoe UI" pitchFamily="34" charset="0"/>
-                        <a:cs typeface="Segoe UI" pitchFamily="34" charset="0"/>
-                      </a:endParaRPr>
-                    </a:p>
-                  </a:txBody>
-                  <a:tcPr>
-                    <a:lnL w="12700" cmpd="sng">
-                      <a:noFill/>
-                    </a:lnL>
-                    <a:lnR w="12700" cmpd="sng">
-                      <a:noFill/>
-                    </a:lnR>
-                    <a:lnT w="12700" cmpd="sng">
-                      <a:noFill/>
-                    </a:lnT>
-                    <a:lnB w="12700" cmpd="sng">
-                      <a:noFill/>
-                    </a:lnB>
-                    <a:lnTlToBr w="12700" cmpd="sng">
-                      <a:noFill/>
-                      <a:prstDash val="solid"/>
-                    </a:lnTlToBr>
-                    <a:lnBlToTr w="12700" cmpd="sng">
-                      <a:noFill/>
-                      <a:prstDash val="solid"/>
-                    </a:lnBlToTr>
-                  </a:tcPr>
-                </a:tc>
-                <a:tc>
-                  <a:txBody>
-                    <a:bodyPr/>
-                    <a:lstStyle/>
-                    <a:p>
-                      <a:pPr algn="l"/>
-                      <a:endParaRPr lang="en-GB" sz="1000" i="1">
-                        <a:solidFill>
-                          <a:srgbClr val="000000"/>
-                        </a:solidFill>
-                        <a:latin typeface="Segoe UI" pitchFamily="34" charset="0"/>
-                        <a:cs typeface="Segoe UI" pitchFamily="34" charset="0"/>
-                      </a:endParaRPr>
-                    </a:p>
-                  </a:txBody>
-                  <a:tcPr>
-                    <a:lnL w="12700" cmpd="sng">
-                      <a:noFill/>
-                    </a:lnL>
-                    <a:lnR w="6350" cap="flat" cmpd="sng" algn="ctr">
-                      <a:solidFill>
-                        <a:srgbClr val="000000"/>
-                      </a:solidFill>
-                      <a:prstDash val="solid"/>
-                      <a:round/>
-                      <a:headEnd type="none" w="med" len="med"/>
-                      <a:tailEnd type="none" w="med" len="med"/>
-                    </a:lnR>
-                    <a:lnT w="12700" cmpd="sng">
-                      <a:noFill/>
-                    </a:lnT>
-                    <a:lnB w="12700" cmpd="sng">
-                      <a:noFill/>
-                    </a:lnB>
-                    <a:lnTlToBr w="12700" cmpd="sng">
-                      <a:noFill/>
-                      <a:prstDash val="solid"/>
-                    </a:lnTlToBr>
-                    <a:lnBlToTr w="12700" cmpd="sng">
-                      <a:noFill/>
-                      <a:prstDash val="solid"/>
-                    </a:lnBlToTr>
-                  </a:tcPr>
-                </a:tc>
-              </a:tr>
-              <a:tr h="260350">
-                <a:tc>
-                  <a:txBody>
-                    <a:bodyPr/>
-                    <a:lstStyle/>
-                    <a:p>
-                      <a:pPr algn="l"/>
-                      <a:endParaRPr lang="en-GB" sz="1000">
-                        <a:solidFill>
-                          <a:srgbClr val="000000"/>
-                        </a:solidFill>
-                        <a:latin typeface="Segoe UI" pitchFamily="34" charset="0"/>
-                        <a:cs typeface="Segoe UI" pitchFamily="34" charset="0"/>
-                      </a:endParaRPr>
-                    </a:p>
-                  </a:txBody>
-                  <a:tcPr>
-                    <a:lnL w="6350" cap="flat" cmpd="sng" algn="ctr">
-                      <a:solidFill>
-                        <a:srgbClr val="000000"/>
-                      </a:solidFill>
-                      <a:prstDash val="solid"/>
-                      <a:round/>
-                      <a:headEnd type="none" w="med" len="med"/>
-                      <a:tailEnd type="none" w="med" len="med"/>
-                    </a:lnL>
-                    <a:lnR w="12700" cmpd="sng">
-                      <a:noFill/>
-                    </a:lnR>
-                    <a:lnT w="12700" cmpd="sng">
-                      <a:noFill/>
-                    </a:lnT>
-                    <a:lnB w="12700" cmpd="sng">
-                      <a:noFill/>
-                    </a:lnB>
-                    <a:lnTlToBr w="12700" cmpd="sng">
-                      <a:noFill/>
-                      <a:prstDash val="solid"/>
-                    </a:lnTlToBr>
-                    <a:lnBlToTr w="12700" cmpd="sng">
-                      <a:noFill/>
-                      <a:prstDash val="solid"/>
-                    </a:lnBlToTr>
-                  </a:tcPr>
-                </a:tc>
-                <a:tc>
-                  <a:txBody>
-                    <a:bodyPr/>
-                    <a:lstStyle/>
-                    <a:p>
-                      <a:pPr algn="r"/>
-                      <a:endParaRPr lang="en-GB" sz="1000">
-                        <a:solidFill>
-                          <a:srgbClr val="000000"/>
-                        </a:solidFill>
-                        <a:latin typeface="Segoe UI" pitchFamily="34" charset="0"/>
-                        <a:cs typeface="Segoe UI" pitchFamily="34" charset="0"/>
-                      </a:endParaRPr>
-                    </a:p>
-                  </a:txBody>
-                  <a:tcPr>
-                    <a:lnL w="12700" cmpd="sng">
-                      <a:noFill/>
-                    </a:lnL>
-                    <a:lnR w="12700" cmpd="sng">
-                      <a:noFill/>
-                    </a:lnR>
-                    <a:lnT w="12700" cmpd="sng">
-                      <a:noFill/>
-                    </a:lnT>
-                    <a:lnB w="12700" cmpd="sng">
-                      <a:noFill/>
-                    </a:lnB>
-                    <a:lnTlToBr w="12700" cmpd="sng">
-                      <a:noFill/>
-                      <a:prstDash val="solid"/>
-                    </a:lnTlToBr>
-                    <a:lnBlToTr w="12700" cmpd="sng">
-                      <a:noFill/>
-                      <a:prstDash val="solid"/>
-                    </a:lnBlToTr>
-                  </a:tcPr>
-                </a:tc>
-                <a:tc>
-                  <a:txBody>
-                    <a:bodyPr/>
-                    <a:lstStyle/>
-                    <a:p>
-                      <a:pPr algn="l"/>
-                      <a:endParaRPr lang="en-GB" sz="1000">
-                        <a:solidFill>
-                          <a:srgbClr val="000000"/>
-                        </a:solidFill>
-                        <a:latin typeface="Segoe UI" pitchFamily="34" charset="0"/>
-                        <a:cs typeface="Segoe UI" pitchFamily="34" charset="0"/>
-                      </a:endParaRPr>
-                    </a:p>
-                  </a:txBody>
-                  <a:tcPr>
-                    <a:lnL w="12700" cmpd="sng">
-                      <a:noFill/>
-                    </a:lnL>
-                    <a:lnR w="6350" cap="flat" cmpd="sng" algn="ctr">
-                      <a:solidFill>
-                        <a:srgbClr val="000000"/>
-                      </a:solidFill>
-                      <a:prstDash val="solid"/>
-                      <a:round/>
-                      <a:headEnd type="none" w="med" len="med"/>
-                      <a:tailEnd type="none" w="med" len="med"/>
-                    </a:lnR>
-                    <a:lnT w="12700" cmpd="sng">
-                      <a:noFill/>
-                    </a:lnT>
-                    <a:lnB w="12700" cmpd="sng">
-                      <a:noFill/>
-                    </a:lnB>
-                    <a:lnTlToBr w="12700" cmpd="sng">
-                      <a:noFill/>
-                      <a:prstDash val="solid"/>
-                    </a:lnTlToBr>
-                    <a:lnBlToTr w="12700" cmpd="sng">
-                      <a:noFill/>
-                      <a:prstDash val="solid"/>
-                    </a:lnBlToTr>
-                  </a:tcPr>
-                </a:tc>
-              </a:tr>
-              <a:tr h="260350">
-                <a:tc>
-                  <a:txBody>
-                    <a:bodyPr/>
-                    <a:lstStyle/>
-                    <a:p>
-                      <a:pPr marL="0" marR="0" indent="0" algn="l" defTabSz="584200" rtl="0" eaLnBrk="1" fontAlgn="auto" latinLnBrk="0" hangingPunct="1">
-                        <a:lnSpc>
-                          <a:spcPct val="100000"/>
-                        </a:lnSpc>
-                        <a:spcBef>
-                          <a:spcPts val="0"/>
-                        </a:spcBef>
-                        <a:spcAft>
-                          <a:spcPts val="0"/>
-                        </a:spcAft>
-                        <a:buClrTx/>
-                        <a:buSzTx/>
-                        <a:buFontTx/>
-                        <a:buNone/>
-                        <a:tabLst/>
-                        <a:defRPr/>
-                      </a:pPr>
-                      <a:endParaRPr lang="en-GB" sz="1000" b="0" i="0" u="none" strike="noStrike" cap="none" spc="0" baseline="0" smtClean="0">
-                        <a:ln>
-                          <a:noFill/>
-                        </a:ln>
-                        <a:solidFill>
-                          <a:srgbClr val="000000"/>
-                        </a:solidFill>
-                        <a:uFillTx/>
-                        <a:latin typeface="Segoe UI" pitchFamily="34" charset="0"/>
-                        <a:ea typeface="+mn-ea"/>
-                        <a:cs typeface="Segoe UI" pitchFamily="34" charset="0"/>
-                        <a:sym typeface="Source Sans Pro"/>
-                      </a:endParaRPr>
-                    </a:p>
-                  </a:txBody>
-                  <a:tcPr>
-                    <a:lnL w="6350" cap="flat" cmpd="sng" algn="ctr">
-                      <a:solidFill>
-                        <a:srgbClr val="000000"/>
-                      </a:solidFill>
-                      <a:prstDash val="solid"/>
-                      <a:round/>
-                      <a:headEnd type="none" w="med" len="med"/>
-                      <a:tailEnd type="none" w="med" len="med"/>
-                    </a:lnL>
-                    <a:lnR w="12700" cmpd="sng">
-                      <a:noFill/>
-                    </a:lnR>
-                    <a:lnT w="12700" cmpd="sng">
-                      <a:noFill/>
-                    </a:lnT>
-                    <a:lnB w="6350" cap="flat" cmpd="sng" algn="ctr">
-                      <a:solidFill>
-                        <a:srgbClr val="000000"/>
-                      </a:solidFill>
-                      <a:prstDash val="solid"/>
-                      <a:round/>
-                      <a:headEnd type="none" w="med" len="med"/>
-                      <a:tailEnd type="none" w="med" len="med"/>
-                    </a:lnB>
-                    <a:lnTlToBr w="12700" cmpd="sng">
-                      <a:noFill/>
-                      <a:prstDash val="solid"/>
-                    </a:lnTlToBr>
-                    <a:lnBlToTr w="12700" cmpd="sng">
-                      <a:noFill/>
-                      <a:prstDash val="solid"/>
-                    </a:lnBlToTr>
-                  </a:tcPr>
-                </a:tc>
-                <a:tc>
-                  <a:txBody>
-                    <a:bodyPr/>
-                    <a:lstStyle/>
-                    <a:p>
-                      <a:pPr marL="0" marR="0" indent="0" algn="r" defTabSz="584200" rtl="0" eaLnBrk="1" fontAlgn="auto" latinLnBrk="0" hangingPunct="1">
-                        <a:lnSpc>
-                          <a:spcPct val="100000"/>
-                        </a:lnSpc>
-                        <a:spcBef>
-                          <a:spcPts val="0"/>
-                        </a:spcBef>
-                        <a:spcAft>
-                          <a:spcPts val="0"/>
-                        </a:spcAft>
-                        <a:buClrTx/>
-                        <a:buSzTx/>
-                        <a:buFontTx/>
-                        <a:buNone/>
-                        <a:tabLst/>
-                        <a:defRPr/>
-                      </a:pPr>
-                      <a:endParaRPr lang="en-GB" sz="1000" b="0" i="0" u="none" strike="noStrike" cap="none" spc="0" baseline="0" smtClean="0">
-                        <a:ln>
-                          <a:noFill/>
-                        </a:ln>
-                        <a:solidFill>
-                          <a:srgbClr val="000000"/>
-                        </a:solidFill>
-                        <a:uFillTx/>
-                        <a:latin typeface="Segoe UI" pitchFamily="34" charset="0"/>
-                        <a:ea typeface="+mn-ea"/>
-                        <a:cs typeface="Segoe UI" pitchFamily="34" charset="0"/>
-                        <a:sym typeface="Source Sans Pro"/>
-                      </a:endParaRPr>
-                    </a:p>
-                  </a:txBody>
-                  <a:tcPr>
-                    <a:lnL w="12700" cmpd="sng">
-                      <a:noFill/>
-                    </a:lnL>
-                    <a:lnR w="12700" cmpd="sng">
-                      <a:noFill/>
-                    </a:lnR>
-                    <a:lnT w="12700" cmpd="sng">
-                      <a:noFill/>
-                    </a:lnT>
-                    <a:lnB w="6350" cap="flat" cmpd="sng" algn="ctr">
-                      <a:solidFill>
-                        <a:srgbClr val="000000"/>
-                      </a:solidFill>
-                      <a:prstDash val="solid"/>
-                      <a:round/>
-                      <a:headEnd type="none" w="med" len="med"/>
-                      <a:tailEnd type="none" w="med" len="med"/>
-                    </a:lnB>
-                    <a:lnTlToBr w="12700" cmpd="sng">
-                      <a:noFill/>
-                      <a:prstDash val="solid"/>
-                    </a:lnTlToBr>
-                    <a:lnBlToTr w="12700" cmpd="sng">
-                      <a:noFill/>
-                      <a:prstDash val="solid"/>
-                    </a:lnBlToTr>
-                  </a:tcPr>
-                </a:tc>
-                <a:tc>
-                  <a:txBody>
-                    <a:bodyPr/>
-                    <a:lstStyle/>
-                    <a:p>
-                      <a:pPr marL="0" marR="0" indent="0" algn="l" defTabSz="584200" rtl="0" eaLnBrk="1" fontAlgn="auto" latinLnBrk="0" hangingPunct="1">
-                        <a:lnSpc>
-                          <a:spcPct val="100000"/>
-                        </a:lnSpc>
-                        <a:spcBef>
-                          <a:spcPts val="0"/>
-                        </a:spcBef>
-                        <a:spcAft>
-                          <a:spcPts val="0"/>
-                        </a:spcAft>
-                        <a:buClrTx/>
-                        <a:buSzTx/>
-                        <a:buFontTx/>
-                        <a:buNone/>
-                        <a:tabLst/>
-                        <a:defRPr/>
-                      </a:pPr>
-                      <a:endParaRPr lang="en-GB" sz="1000" b="0" i="0" u="none" strike="noStrike" cap="none" spc="0" baseline="0" smtClean="0">
-                        <a:ln>
-                          <a:noFill/>
-                        </a:ln>
-                        <a:solidFill>
-                          <a:srgbClr val="000000"/>
-                        </a:solidFill>
-                        <a:uFillTx/>
-                        <a:latin typeface="Segoe UI" pitchFamily="34" charset="0"/>
-                        <a:ea typeface="+mn-ea"/>
-                        <a:cs typeface="Segoe UI" pitchFamily="34" charset="0"/>
-                        <a:sym typeface="Source Sans Pro"/>
-                      </a:endParaRPr>
-                    </a:p>
-                  </a:txBody>
-                  <a:tcPr>
-                    <a:lnL w="12700" cmpd="sng">
-                      <a:noFill/>
-                    </a:lnL>
-                    <a:lnR w="6350" cap="flat" cmpd="sng" algn="ctr">
-                      <a:solidFill>
-                        <a:srgbClr val="000000"/>
-                      </a:solidFill>
-                      <a:prstDash val="solid"/>
-                      <a:round/>
-                      <a:headEnd type="none" w="med" len="med"/>
-                      <a:tailEnd type="none" w="med" len="med"/>
-                    </a:lnR>
-                    <a:lnT w="12700" cmpd="sng">
-                      <a:noFill/>
-                    </a:lnT>
-                    <a:lnB w="6350" cap="flat" cmpd="sng" algn="ctr">
-                      <a:solidFill>
-                        <a:srgbClr val="000000"/>
-                      </a:solidFill>
-                      <a:prstDash val="solid"/>
-                      <a:round/>
-                      <a:headEnd type="none" w="med" len="med"/>
-                      <a:tailEnd type="none" w="med" len="med"/>
-                    </a:lnB>
-                    <a:lnTlToBr w="12700" cmpd="sng">
-                      <a:noFill/>
-                      <a:prstDash val="solid"/>
-                    </a:lnTlToBr>
-                    <a:lnBlToTr w="12700" cmpd="sng">
-                      <a:noFill/>
-                      <a:prstDash val="solid"/>
-                    </a:lnBlToTr>
-                  </a:tcPr>
-                </a:tc>
+                <a:extLst>
+                  <a:ext uri="{0D108BD9-81ED-4DB2-BD59-A6C34878D82A}">
+                    <a16:rowId xmlns:a16="http://schemas.microsoft.com/office/drawing/2014/main" val="10004"/>
+                  </a:ext>
+                </a:extLst>
               </a:tr>
             </a:tbl>
           </a:graphicData>
@@ -12468,7 +12828,13 @@
                 <a:tableStyleId>{5940675A-B579-460E-94D1-54222C63F5DA}</a:tableStyleId>
               </a:tblPr>
               <a:tblGrid>
-                <a:gridCol w="3800476"/>
+                <a:gridCol w="3800476">
+                  <a:extLst>
+                    <a:ext uri="{9D8B030D-6E8A-4147-A177-3AD203B41FA5}">
+                      <a16:colId xmlns:a16="http://schemas.microsoft.com/office/drawing/2014/main" val="20000"/>
+                    </a:ext>
+                  </a:extLst>
+                </a:gridCol>
               </a:tblGrid>
               <a:tr h="260350">
                 <a:tc>
@@ -12478,7 +12844,7 @@
                     <a:p>
                       <a:pPr algn="l"/>
                       <a:r>
-                        <a:rPr lang="en-GB" sz="1000" b="1" smtClean="0">
+                        <a:rPr lang="en-GB" sz="1000" b="1">
                           <a:solidFill>
                             <a:srgbClr val="000000"/>
                           </a:solidFill>
@@ -12487,7 +12853,7 @@
                         </a:rPr>
                         <a:t>Statistical Learning</a:t>
                       </a:r>
-                      <a:endParaRPr lang="en-GB" sz="1000" b="0" baseline="0" smtClean="0">
+                      <a:endParaRPr lang="en-GB" sz="1000" b="0" baseline="0">
                         <a:solidFill>
                           <a:srgbClr val="000000"/>
                         </a:solidFill>
@@ -12543,6 +12909,11 @@
                     </a:lnBlToTr>
                   </a:tcPr>
                 </a:tc>
+                <a:extLst>
+                  <a:ext uri="{0D108BD9-81ED-4DB2-BD59-A6C34878D82A}">
+                    <a16:rowId xmlns:a16="http://schemas.microsoft.com/office/drawing/2014/main" val="10000"/>
+                  </a:ext>
+                </a:extLst>
               </a:tr>
               <a:tr h="273736">
                 <a:tc>
@@ -12568,7 +12939,7 @@
                         <a:defRPr/>
                       </a:pPr>
                       <a:r>
-                        <a:rPr lang="en-GB" sz="1000" i="0" smtClean="0">
+                        <a:rPr lang="en-GB" sz="1000" i="0">
                           <a:solidFill>
                             <a:srgbClr val="000000"/>
                           </a:solidFill>
@@ -12578,7 +12949,7 @@
                         <a:t>Statistical learning refers to a set of approaches for estimating </a:t>
                       </a:r>
                       <a:r>
-                        <a:rPr lang="en-GB" sz="1000" i="1" smtClean="0">
+                        <a:rPr lang="en-GB" sz="1000" i="1">
                           <a:solidFill>
                             <a:srgbClr val="000000"/>
                           </a:solidFill>
@@ -12588,7 +12959,7 @@
                         <a:t>f</a:t>
                       </a:r>
                       <a:r>
-                        <a:rPr lang="en-GB" sz="1000" i="0" smtClean="0">
+                        <a:rPr lang="en-GB" sz="1000" i="0">
                           <a:solidFill>
                             <a:srgbClr val="000000"/>
                           </a:solidFill>
@@ -12638,6 +13009,11 @@
                     </a:lnBlToTr>
                   </a:tcPr>
                 </a:tc>
+                <a:extLst>
+                  <a:ext uri="{0D108BD9-81ED-4DB2-BD59-A6C34878D82A}">
+                    <a16:rowId xmlns:a16="http://schemas.microsoft.com/office/drawing/2014/main" val="10001"/>
+                  </a:ext>
+                </a:extLst>
               </a:tr>
               <a:tr h="260350">
                 <a:tc>
@@ -12663,7 +13039,7 @@
                         <a:defRPr/>
                       </a:pPr>
                       <a:r>
-                        <a:rPr lang="en-GB" sz="1000" b="0" i="1" u="none" strike="noStrike" cap="none" spc="0" baseline="0" smtClean="0">
+                        <a:rPr lang="en-GB" sz="1000" b="0" i="1" u="none" strike="noStrike" cap="none" spc="0" baseline="0">
                           <a:ln>
                             <a:noFill/>
                           </a:ln>
@@ -12679,7 +13055,7 @@
                         <a:t>Y = f(X) + </a:t>
                       </a:r>
                       <a:r>
-                        <a:rPr lang="el-GR" sz="1000" b="0" i="1" u="none" strike="noStrike" cap="none" spc="0" baseline="0" smtClean="0">
+                        <a:rPr lang="el-GR" sz="1000" b="0" i="1" u="none" strike="noStrike" cap="none" spc="0" baseline="0">
                           <a:ln>
                             <a:noFill/>
                           </a:ln>
@@ -12694,7 +13070,7 @@
                         </a:rPr>
                         <a:t>ε</a:t>
                       </a:r>
-                      <a:endParaRPr lang="en-GB" sz="1000" b="0" i="1" u="none" strike="noStrike" cap="none" spc="0" baseline="0" smtClean="0">
+                      <a:endParaRPr lang="en-GB" sz="1000" b="0" i="1" u="none" strike="noStrike" cap="none" spc="0" baseline="0">
                         <a:ln>
                           <a:noFill/>
                         </a:ln>
@@ -12742,6 +13118,11 @@
                     </a:lnBlToTr>
                   </a:tcPr>
                 </a:tc>
+                <a:extLst>
+                  <a:ext uri="{0D108BD9-81ED-4DB2-BD59-A6C34878D82A}">
+                    <a16:rowId xmlns:a16="http://schemas.microsoft.com/office/drawing/2014/main" val="10002"/>
+                  </a:ext>
+                </a:extLst>
               </a:tr>
               <a:tr h="260350">
                 <a:tc>
@@ -12767,7 +13148,7 @@
                         <a:defRPr/>
                       </a:pPr>
                       <a:r>
-                        <a:rPr lang="en-GB" sz="1000" b="0" i="1" u="none" strike="noStrike" cap="none" spc="0" baseline="0" smtClean="0">
+                        <a:rPr lang="en-GB" sz="1000" b="0" i="1" u="none" strike="noStrike" cap="none" spc="0" baseline="0">
                           <a:ln>
                             <a:noFill/>
                           </a:ln>
@@ -12783,7 +13164,7 @@
                         <a:t>f </a:t>
                       </a:r>
                       <a:r>
-                        <a:rPr lang="en-GB" sz="1000" b="0" i="0" u="none" strike="noStrike" cap="none" spc="0" baseline="0" smtClean="0">
+                        <a:rPr lang="en-GB" sz="1000" b="0" i="0" u="none" strike="noStrike" cap="none" spc="0" baseline="0">
                           <a:ln>
                             <a:noFill/>
                           </a:ln>
@@ -12799,7 +13180,7 @@
                         <a:t>represents the systematic information that </a:t>
                       </a:r>
                       <a:r>
-                        <a:rPr lang="en-GB" sz="1000" b="0" i="1" u="none" strike="noStrike" cap="none" spc="0" baseline="0" smtClean="0">
+                        <a:rPr lang="en-GB" sz="1000" b="0" i="1" u="none" strike="noStrike" cap="none" spc="0" baseline="0">
                           <a:ln>
                             <a:noFill/>
                           </a:ln>
@@ -12815,7 +13196,7 @@
                         <a:t>X</a:t>
                       </a:r>
                       <a:r>
-                        <a:rPr lang="en-GB" sz="1000" b="0" i="0" u="none" strike="noStrike" cap="none" spc="0" baseline="0" smtClean="0">
+                        <a:rPr lang="en-GB" sz="1000" b="0" i="0" u="none" strike="noStrike" cap="none" spc="0" baseline="0">
                           <a:ln>
                             <a:noFill/>
                           </a:ln>
@@ -12831,7 +13212,7 @@
                         <a:t> provides about </a:t>
                       </a:r>
                       <a:r>
-                        <a:rPr lang="en-GB" sz="1000" b="0" i="1" u="none" strike="noStrike" cap="none" spc="0" baseline="0" smtClean="0">
+                        <a:rPr lang="en-GB" sz="1000" b="0" i="1" u="none" strike="noStrike" cap="none" spc="0" baseline="0">
                           <a:ln>
                             <a:noFill/>
                           </a:ln>
@@ -12847,7 +13228,7 @@
                         <a:t>Y</a:t>
                       </a:r>
                       <a:r>
-                        <a:rPr lang="en-GB" sz="1000" b="0" i="0" u="none" strike="noStrike" cap="none" spc="0" baseline="0" smtClean="0">
+                        <a:rPr lang="en-GB" sz="1000" b="0" i="0" u="none" strike="noStrike" cap="none" spc="0" baseline="0">
                           <a:ln>
                             <a:noFill/>
                           </a:ln>
@@ -12862,7 +13243,7 @@
                         </a:rPr>
                         <a:t>.</a:t>
                       </a:r>
-                      <a:endParaRPr lang="en-GB" sz="1000" b="0" i="1" u="none" strike="noStrike" cap="none" spc="0" baseline="0" smtClean="0">
+                      <a:endParaRPr lang="en-GB" sz="1000" b="0" i="1" u="none" strike="noStrike" cap="none" spc="0" baseline="0">
                         <a:ln>
                           <a:noFill/>
                         </a:ln>
@@ -12895,7 +13276,7 @@
                         <a:defRPr/>
                       </a:pPr>
                       <a:r>
-                        <a:rPr lang="el-GR" sz="1000" b="0" i="1" u="none" strike="noStrike" cap="none" spc="0" baseline="0" smtClean="0">
+                        <a:rPr lang="el-GR" sz="1000" b="0" i="1" u="none" strike="noStrike" cap="none" spc="0" baseline="0">
                           <a:ln>
                             <a:noFill/>
                           </a:ln>
@@ -12911,7 +13292,7 @@
                         <a:t>ε</a:t>
                       </a:r>
                       <a:r>
-                        <a:rPr lang="en-GB" sz="1000" b="0" i="1" u="none" strike="noStrike" cap="none" spc="0" baseline="0" smtClean="0">
+                        <a:rPr lang="en-GB" sz="1000" b="0" i="1" u="none" strike="noStrike" cap="none" spc="0" baseline="0">
                           <a:ln>
                             <a:noFill/>
                           </a:ln>
@@ -12927,7 +13308,7 @@
                         <a:t> </a:t>
                       </a:r>
                       <a:r>
-                        <a:rPr lang="en-GB" sz="1000" b="0" i="0" u="none" strike="noStrike" cap="none" spc="0" baseline="0" smtClean="0">
+                        <a:rPr lang="en-GB" sz="1000" b="0" i="0" u="none" strike="noStrike" cap="none" spc="0" baseline="0">
                           <a:ln>
                             <a:noFill/>
                           </a:ln>
@@ -12943,7 +13324,7 @@
                         <a:t>is a random </a:t>
                       </a:r>
                       <a:r>
-                        <a:rPr lang="en-GB" sz="1000" b="0" i="1" u="none" strike="noStrike" cap="none" spc="0" baseline="0" smtClean="0">
+                        <a:rPr lang="en-GB" sz="1000" b="0" i="1" u="none" strike="noStrike" cap="none" spc="0" baseline="0">
                           <a:ln>
                             <a:noFill/>
                           </a:ln>
@@ -12959,7 +13340,7 @@
                         <a:t>error term </a:t>
                       </a:r>
                       <a:r>
-                        <a:rPr lang="en-GB" sz="1000" b="0" i="0" u="none" strike="noStrike" cap="none" spc="0" baseline="0" smtClean="0">
+                        <a:rPr lang="en-GB" sz="1000" b="0" i="0" u="none" strike="noStrike" cap="none" spc="0" baseline="0">
                           <a:ln>
                             <a:noFill/>
                           </a:ln>
@@ -12975,7 +13356,7 @@
                         <a:t>which is independent of </a:t>
                       </a:r>
                       <a:r>
-                        <a:rPr lang="en-GB" sz="1000" b="0" i="1" u="none" strike="noStrike" cap="none" spc="0" baseline="0" smtClean="0">
+                        <a:rPr lang="en-GB" sz="1000" b="0" i="1" u="none" strike="noStrike" cap="none" spc="0" baseline="0">
                           <a:ln>
                             <a:noFill/>
                           </a:ln>
@@ -12991,7 +13372,7 @@
                         <a:t>X</a:t>
                       </a:r>
                       <a:r>
-                        <a:rPr lang="en-GB" sz="1000" b="0" i="0" u="none" strike="noStrike" cap="none" spc="0" baseline="0" smtClean="0">
+                        <a:rPr lang="en-GB" sz="1000" b="0" i="0" u="none" strike="noStrike" cap="none" spc="0" baseline="0">
                           <a:ln>
                             <a:noFill/>
                           </a:ln>
@@ -13006,7 +13387,7 @@
                         </a:rPr>
                         <a:t> and has mean zero.</a:t>
                       </a:r>
-                      <a:endParaRPr lang="en-GB" sz="1000" b="0" i="1" u="none" strike="noStrike" cap="none" spc="0" baseline="0" smtClean="0">
+                      <a:endParaRPr lang="en-GB" sz="1000" b="0" i="1" u="none" strike="noStrike" cap="none" spc="0" baseline="0">
                         <a:ln>
                           <a:noFill/>
                         </a:ln>
@@ -13054,6 +13435,11 @@
                     </a:lnBlToTr>
                   </a:tcPr>
                 </a:tc>
+                <a:extLst>
+                  <a:ext uri="{0D108BD9-81ED-4DB2-BD59-A6C34878D82A}">
+                    <a16:rowId xmlns:a16="http://schemas.microsoft.com/office/drawing/2014/main" val="10003"/>
+                  </a:ext>
+                </a:extLst>
               </a:tr>
               <a:tr h="260350">
                 <a:tc>
@@ -13079,7 +13465,7 @@
                         <a:defRPr/>
                       </a:pPr>
                       <a:r>
-                        <a:rPr lang="en-GB" sz="1000" b="0" i="0" u="none" strike="noStrike" cap="none" spc="0" baseline="0" smtClean="0">
+                        <a:rPr lang="en-GB" sz="1000" b="0" i="0" u="none" strike="noStrike" cap="none" spc="0" baseline="0">
                           <a:ln>
                             <a:noFill/>
                           </a:ln>
@@ -13095,7 +13481,7 @@
                         <a:t>Why estimate </a:t>
                       </a:r>
                       <a:r>
-                        <a:rPr lang="en-GB" sz="1000" b="0" i="1" u="none" strike="noStrike" cap="none" spc="0" baseline="0" smtClean="0">
+                        <a:rPr lang="en-GB" sz="1000" b="0" i="1" u="none" strike="noStrike" cap="none" spc="0" baseline="0">
                           <a:ln>
                             <a:noFill/>
                           </a:ln>
@@ -13111,7 +13497,7 @@
                         <a:t>f</a:t>
                       </a:r>
                       <a:r>
-                        <a:rPr lang="en-GB" sz="1000" b="0" i="0" u="none" strike="noStrike" cap="none" spc="0" baseline="0" smtClean="0">
+                        <a:rPr lang="en-GB" sz="1000" b="0" i="0" u="none" strike="noStrike" cap="none" spc="0" baseline="0">
                           <a:ln>
                             <a:noFill/>
                           </a:ln>
@@ -13161,6 +13547,11 @@
                     </a:lnBlToTr>
                   </a:tcPr>
                 </a:tc>
+                <a:extLst>
+                  <a:ext uri="{0D108BD9-81ED-4DB2-BD59-A6C34878D82A}">
+                    <a16:rowId xmlns:a16="http://schemas.microsoft.com/office/drawing/2014/main" val="10004"/>
+                  </a:ext>
+                </a:extLst>
               </a:tr>
               <a:tr h="260350">
                 <a:tc>
@@ -13186,7 +13577,7 @@
                         <a:defRPr/>
                       </a:pPr>
                       <a:r>
-                        <a:rPr lang="en-GB" sz="1000" b="0" i="0" u="none" strike="noStrike" cap="none" spc="0" baseline="0" smtClean="0">
+                        <a:rPr lang="en-GB" sz="1000" b="0" i="0" u="none" strike="noStrike" cap="none" spc="0" baseline="0">
                           <a:ln>
                             <a:noFill/>
                           </a:ln>
@@ -13202,7 +13593,7 @@
                         <a:t>Prediction: Not interested in the exact form of </a:t>
                       </a:r>
                       <a:r>
-                        <a:rPr lang="en-GB" sz="1000" b="0" i="1" u="none" strike="noStrike" cap="none" spc="0" baseline="0" smtClean="0">
+                        <a:rPr lang="en-GB" sz="1000" b="0" i="1" u="none" strike="noStrike" cap="none" spc="0" baseline="0">
                           <a:ln>
                             <a:noFill/>
                           </a:ln>
@@ -13218,7 +13609,7 @@
                         <a:t>f</a:t>
                       </a:r>
                       <a:r>
-                        <a:rPr lang="en-GB" sz="1000" b="0" i="0" u="none" strike="noStrike" cap="none" spc="0" baseline="0" smtClean="0">
+                        <a:rPr lang="en-GB" sz="1000" b="0" i="0" u="none" strike="noStrike" cap="none" spc="0" baseline="0">
                           <a:ln>
                             <a:noFill/>
                           </a:ln>
@@ -13234,7 +13625,7 @@
                         <a:t>, provided that it yields accurate predictions for </a:t>
                       </a:r>
                       <a:r>
-                        <a:rPr lang="en-GB" sz="1000" b="0" i="1" u="none" strike="noStrike" cap="none" spc="0" baseline="0" smtClean="0">
+                        <a:rPr lang="en-GB" sz="1000" b="0" i="1" u="none" strike="noStrike" cap="none" spc="0" baseline="0">
                           <a:ln>
                             <a:noFill/>
                           </a:ln>
@@ -13250,7 +13641,7 @@
                         <a:t>Y</a:t>
                       </a:r>
                       <a:r>
-                        <a:rPr lang="en-GB" sz="1000" b="0" i="0" u="none" strike="noStrike" cap="none" spc="0" baseline="0" smtClean="0">
+                        <a:rPr lang="en-GB" sz="1000" b="0" i="0" u="none" strike="noStrike" cap="none" spc="0" baseline="0">
                           <a:ln>
                             <a:noFill/>
                           </a:ln>
@@ -13266,7 +13657,7 @@
                         <a:t>. </a:t>
                       </a:r>
                       <a:r>
-                        <a:rPr lang="en-GB" sz="1000" b="0" i="1" u="none" strike="noStrike" cap="none" spc="0" baseline="0" smtClean="0">
+                        <a:rPr lang="en-GB" sz="1000" b="0" i="1" u="none" strike="noStrike" cap="none" spc="0" baseline="0">
                           <a:ln>
                             <a:noFill/>
                           </a:ln>
@@ -13316,6 +13707,11 @@
                     </a:lnBlToTr>
                   </a:tcPr>
                 </a:tc>
+                <a:extLst>
+                  <a:ext uri="{0D108BD9-81ED-4DB2-BD59-A6C34878D82A}">
+                    <a16:rowId xmlns:a16="http://schemas.microsoft.com/office/drawing/2014/main" val="10005"/>
+                  </a:ext>
+                </a:extLst>
               </a:tr>
               <a:tr h="260350">
                 <a:tc>
@@ -13341,7 +13737,7 @@
                         <a:defRPr/>
                       </a:pPr>
                       <a:r>
-                        <a:rPr lang="en-GB" sz="1000" b="0" i="0" u="none" strike="noStrike" cap="none" spc="0" baseline="0" smtClean="0">
+                        <a:rPr lang="en-GB" sz="1000" b="0" i="0" u="none" strike="noStrike" cap="none" spc="0" baseline="0">
                           <a:ln>
                             <a:noFill/>
                           </a:ln>
@@ -13357,7 +13753,7 @@
                         <a:t>Inference: How does each predictor constribute to Y? </a:t>
                       </a:r>
                       <a:r>
-                        <a:rPr lang="en-GB" sz="1000" b="0" i="1" u="none" strike="noStrike" cap="none" spc="0" baseline="0" smtClean="0">
+                        <a:rPr lang="en-GB" sz="1000" b="0" i="1" u="none" strike="noStrike" cap="none" spc="0" baseline="0">
                           <a:ln>
                             <a:noFill/>
                           </a:ln>
@@ -13373,7 +13769,7 @@
                         <a:t>What effect on Y does changing X</a:t>
                       </a:r>
                       <a:r>
-                        <a:rPr lang="en-GB" sz="1000" b="0" i="1" u="none" strike="noStrike" cap="none" spc="0" baseline="-25000" smtClean="0">
+                        <a:rPr lang="en-GB" sz="1000" b="0" i="1" u="none" strike="noStrike" cap="none" spc="0" baseline="-25000">
                           <a:ln>
                             <a:noFill/>
                           </a:ln>
@@ -13389,7 +13785,7 @@
                         <a:t>1</a:t>
                       </a:r>
                       <a:r>
-                        <a:rPr lang="en-GB" sz="1000" b="0" i="1" u="none" strike="noStrike" cap="none" spc="0" baseline="0" smtClean="0">
+                        <a:rPr lang="en-GB" sz="1000" b="0" i="1" u="none" strike="noStrike" cap="none" spc="0" baseline="0">
                           <a:ln>
                             <a:noFill/>
                           </a:ln>
@@ -13439,6 +13835,11 @@
                     </a:lnBlToTr>
                   </a:tcPr>
                 </a:tc>
+                <a:extLst>
+                  <a:ext uri="{0D108BD9-81ED-4DB2-BD59-A6C34878D82A}">
+                    <a16:rowId xmlns:a16="http://schemas.microsoft.com/office/drawing/2014/main" val="10006"/>
+                  </a:ext>
+                </a:extLst>
               </a:tr>
               <a:tr h="260350">
                 <a:tc>
@@ -13463,7 +13864,7 @@
                         <a:tabLst/>
                         <a:defRPr/>
                       </a:pPr>
-                      <a:endParaRPr lang="en-GB" sz="1000" b="0" i="0" u="none" strike="noStrike" cap="none" spc="0" baseline="0" smtClean="0">
+                      <a:endParaRPr lang="en-GB" sz="1000" b="0" i="0" u="none" strike="noStrike" cap="none" spc="0" baseline="0">
                         <a:ln>
                           <a:noFill/>
                         </a:ln>
@@ -13511,6 +13912,11 @@
                     </a:lnBlToTr>
                   </a:tcPr>
                 </a:tc>
+                <a:extLst>
+                  <a:ext uri="{0D108BD9-81ED-4DB2-BD59-A6C34878D82A}">
+                    <a16:rowId xmlns:a16="http://schemas.microsoft.com/office/drawing/2014/main" val="10007"/>
+                  </a:ext>
+                </a:extLst>
               </a:tr>
               <a:tr h="260350">
                 <a:tc>
@@ -13536,7 +13942,7 @@
                         <a:defRPr/>
                       </a:pPr>
                       <a:r>
-                        <a:rPr lang="en-GB" sz="1000" b="0" i="0" u="none" strike="noStrike" cap="none" spc="0" baseline="0" smtClean="0">
+                        <a:rPr lang="en-GB" sz="1000" b="0" i="0" u="none" strike="noStrike" cap="none" spc="0" baseline="0">
                           <a:ln>
                             <a:noFill/>
                           </a:ln>
@@ -13588,6 +13994,11 @@
                     </a:lnBlToTr>
                   </a:tcPr>
                 </a:tc>
+                <a:extLst>
+                  <a:ext uri="{0D108BD9-81ED-4DB2-BD59-A6C34878D82A}">
+                    <a16:rowId xmlns:a16="http://schemas.microsoft.com/office/drawing/2014/main" val="10008"/>
+                  </a:ext>
+                </a:extLst>
               </a:tr>
             </a:tbl>
           </a:graphicData>
@@ -13602,7 +14013,7 @@
           <p:nvPr>
             <p:extLst>
               <p:ext uri="{D42A27DB-BD31-4B8C-83A1-F6EECF244321}">
-                <p14:modId xmlns:p14="http://schemas.microsoft.com/office/powerpoint/2010/main" val="729089317"/>
+                <p14:modId xmlns:p14="http://schemas.microsoft.com/office/powerpoint/2010/main" val="3398434299"/>
               </p:ext>
             </p:extLst>
           </p:nvPr>
@@ -13618,7 +14029,13 @@
                 <a:tableStyleId>{5940675A-B579-460E-94D1-54222C63F5DA}</a:tableStyleId>
               </a:tblPr>
               <a:tblGrid>
-                <a:gridCol w="3970655"/>
+                <a:gridCol w="3970655">
+                  <a:extLst>
+                    <a:ext uri="{9D8B030D-6E8A-4147-A177-3AD203B41FA5}">
+                      <a16:colId xmlns:a16="http://schemas.microsoft.com/office/drawing/2014/main" val="20000"/>
+                    </a:ext>
+                  </a:extLst>
+                </a:gridCol>
               </a:tblGrid>
               <a:tr h="260350">
                 <a:tc>
@@ -13628,7 +14045,7 @@
                     <a:p>
                       <a:pPr algn="l"/>
                       <a:r>
-                        <a:rPr lang="en-GB" sz="1000" b="1" baseline="0" smtClean="0">
+                        <a:rPr lang="en-GB" sz="1000" b="1" baseline="0">
                           <a:solidFill>
                             <a:srgbClr val="000000"/>
                           </a:solidFill>
@@ -13637,13 +14054,6 @@
                         </a:rPr>
                         <a:t>Assumptions of Linear Regression</a:t>
                       </a:r>
-                      <a:endParaRPr lang="en-GB" sz="1000" b="1" baseline="0" smtClean="0">
-                        <a:solidFill>
-                          <a:srgbClr val="000000"/>
-                        </a:solidFill>
-                        <a:latin typeface="Segoe UI" pitchFamily="34" charset="0"/>
-                        <a:cs typeface="Segoe UI" pitchFamily="34" charset="0"/>
-                      </a:endParaRPr>
                     </a:p>
                   </a:txBody>
                   <a:tcPr>
@@ -13693,6 +14103,11 @@
                     </a:lnBlToTr>
                   </a:tcPr>
                 </a:tc>
+                <a:extLst>
+                  <a:ext uri="{0D108BD9-81ED-4DB2-BD59-A6C34878D82A}">
+                    <a16:rowId xmlns:a16="http://schemas.microsoft.com/office/drawing/2014/main" val="10000"/>
+                  </a:ext>
+                </a:extLst>
               </a:tr>
               <a:tr h="273736">
                 <a:tc>
@@ -13718,7 +14133,7 @@
                         <a:defRPr/>
                       </a:pPr>
                       <a:r>
-                        <a:rPr lang="en-GB" sz="1000" i="0" smtClean="0">
+                        <a:rPr lang="en-GB" sz="1000" i="0">
                           <a:solidFill>
                             <a:srgbClr val="000000"/>
                           </a:solidFill>
@@ -13727,13 +14142,6 @@
                         </a:rPr>
                         <a:t>Linear relationship between the features and target. Check with scatter plot.</a:t>
                       </a:r>
-                      <a:endParaRPr lang="en-GB" sz="1000" i="0" smtClean="0">
-                        <a:solidFill>
-                          <a:srgbClr val="000000"/>
-                        </a:solidFill>
-                        <a:latin typeface="Segoe UI" pitchFamily="34" charset="0"/>
-                        <a:cs typeface="Segoe UI" pitchFamily="34" charset="0"/>
-                      </a:endParaRPr>
                     </a:p>
                   </a:txBody>
                   <a:tcPr>
@@ -13781,6 +14189,11 @@
                     </a:lnBlToTr>
                   </a:tcPr>
                 </a:tc>
+                <a:extLst>
+                  <a:ext uri="{0D108BD9-81ED-4DB2-BD59-A6C34878D82A}">
+                    <a16:rowId xmlns:a16="http://schemas.microsoft.com/office/drawing/2014/main" val="10001"/>
+                  </a:ext>
+                </a:extLst>
               </a:tr>
               <a:tr h="273736">
                 <a:tc>
@@ -13806,7 +14219,7 @@
                         <a:defRPr/>
                       </a:pPr>
                       <a:r>
-                        <a:rPr lang="en-GB" sz="1000" b="0" i="0" u="none" strike="noStrike" cap="none" spc="0" baseline="0" smtClean="0">
+                        <a:rPr lang="en-GB" sz="1000" b="0" i="0" u="none" strike="noStrike" cap="none" spc="0" baseline="0" dirty="0">
                           <a:ln>
                             <a:noFill/>
                           </a:ln>
@@ -13819,21 +14232,40 @@
                           <a:cs typeface="Segoe UI" pitchFamily="34" charset="0"/>
                           <a:sym typeface="Helvetica Light"/>
                         </a:rPr>
-                        <a:t>Little or no multicollinearity between the features. This weakens the model. Check with correlation matrix. Solve with dropping unecessary features or combining correlated features.</a:t>
+                        <a:t>Little or no multicollinearity between the features. This weakens the model. Check with correlation matrix. Solve with dropping </a:t>
                       </a:r>
-                      <a:endParaRPr lang="en-GB" sz="1000" b="0" i="0" u="none" strike="noStrike" cap="none" spc="0" baseline="0" smtClean="0">
-                        <a:ln>
-                          <a:noFill/>
-                        </a:ln>
-                        <a:solidFill>
-                          <a:srgbClr val="000000"/>
-                        </a:solidFill>
-                        <a:uFillTx/>
-                        <a:latin typeface="Segoe UI" pitchFamily="34" charset="0"/>
-                        <a:ea typeface="+mn-ea"/>
-                        <a:cs typeface="Segoe UI" pitchFamily="34" charset="0"/>
-                        <a:sym typeface="Helvetica Light"/>
-                      </a:endParaRPr>
+                      <a:r>
+                        <a:rPr lang="en-GB" sz="1000" b="0" i="0" u="none" strike="noStrike" cap="none" spc="0" baseline="0" dirty="0" err="1">
+                          <a:ln>
+                            <a:noFill/>
+                          </a:ln>
+                          <a:solidFill>
+                            <a:srgbClr val="000000"/>
+                          </a:solidFill>
+                          <a:uFillTx/>
+                          <a:latin typeface="Segoe UI" pitchFamily="34" charset="0"/>
+                          <a:ea typeface="+mn-ea"/>
+                          <a:cs typeface="Segoe UI" pitchFamily="34" charset="0"/>
+                          <a:sym typeface="Helvetica Light"/>
+                        </a:rPr>
+                        <a:t>unecessary</a:t>
+                      </a:r>
+                      <a:r>
+                        <a:rPr lang="en-GB" sz="1000" b="0" i="0" u="none" strike="noStrike" cap="none" spc="0" baseline="0" dirty="0">
+                          <a:ln>
+                            <a:noFill/>
+                          </a:ln>
+                          <a:solidFill>
+                            <a:srgbClr val="000000"/>
+                          </a:solidFill>
+                          <a:uFillTx/>
+                          <a:latin typeface="Segoe UI" pitchFamily="34" charset="0"/>
+                          <a:ea typeface="+mn-ea"/>
+                          <a:cs typeface="Segoe UI" pitchFamily="34" charset="0"/>
+                          <a:sym typeface="Helvetica Light"/>
+                        </a:rPr>
+                        <a:t> features or combining correlated features.</a:t>
+                      </a:r>
                     </a:p>
                   </a:txBody>
                   <a:tcPr>
@@ -13875,6 +14307,11 @@
                     </a:lnBlToTr>
                   </a:tcPr>
                 </a:tc>
+                <a:extLst>
+                  <a:ext uri="{0D108BD9-81ED-4DB2-BD59-A6C34878D82A}">
+                    <a16:rowId xmlns:a16="http://schemas.microsoft.com/office/drawing/2014/main" val="10002"/>
+                  </a:ext>
+                </a:extLst>
               </a:tr>
               <a:tr h="260350">
                 <a:tc>
@@ -13900,7 +14337,7 @@
                         <a:defRPr/>
                       </a:pPr>
                       <a:r>
-                        <a:rPr lang="en-GB" sz="1000" baseline="0" smtClean="0">
+                        <a:rPr lang="en-GB" sz="1000" baseline="0">
                           <a:solidFill>
                             <a:srgbClr val="000000"/>
                           </a:solidFill>
@@ -13910,7 +14347,7 @@
                         <a:t>No relationship between prediction and error term (</a:t>
                       </a:r>
                       <a:r>
-                        <a:rPr lang="en-GB" sz="1000" smtClean="0">
+                        <a:rPr lang="en-GB" sz="1000">
                           <a:solidFill>
                             <a:srgbClr val="000000"/>
                           </a:solidFill>
@@ -13920,7 +14357,7 @@
                         <a:t>homoscedasticity</a:t>
                       </a:r>
                       <a:r>
-                        <a:rPr lang="en-GB" sz="1000" baseline="0" smtClean="0">
+                        <a:rPr lang="en-GB" sz="1000" baseline="0">
                           <a:solidFill>
                             <a:srgbClr val="000000"/>
                           </a:solidFill>
@@ -13929,7 +14366,7 @@
                         </a:rPr>
                         <a:t>). (Solve with mathematical transformations of features?)</a:t>
                       </a:r>
-                      <a:endParaRPr lang="en-GB" sz="1000" smtClean="0">
+                      <a:endParaRPr lang="en-GB" sz="1000">
                         <a:solidFill>
                           <a:srgbClr val="000000"/>
                         </a:solidFill>
@@ -13973,6 +14410,11 @@
                     </a:lnBlToTr>
                   </a:tcPr>
                 </a:tc>
+                <a:extLst>
+                  <a:ext uri="{0D108BD9-81ED-4DB2-BD59-A6C34878D82A}">
+                    <a16:rowId xmlns:a16="http://schemas.microsoft.com/office/drawing/2014/main" val="10003"/>
+                  </a:ext>
+                </a:extLst>
               </a:tr>
               <a:tr h="260350">
                 <a:tc>
@@ -13998,7 +14440,7 @@
                         <a:defRPr/>
                       </a:pPr>
                       <a:r>
-                        <a:rPr lang="en-GB" sz="1000" i="0" smtClean="0">
+                        <a:rPr lang="en-GB" sz="1000" i="0">
                           <a:solidFill>
                             <a:srgbClr val="000000"/>
                           </a:solidFill>
@@ -14008,7 +14450,7 @@
                         <a:t>Residuals follows</a:t>
                       </a:r>
                       <a:r>
-                        <a:rPr lang="en-GB" sz="1000" i="0" baseline="0" smtClean="0">
+                        <a:rPr lang="en-GB" sz="1000" i="0" baseline="0">
                           <a:solidFill>
                             <a:srgbClr val="000000"/>
                           </a:solidFill>
@@ -14017,7 +14459,7 @@
                         </a:rPr>
                         <a:t> normal distribution (not true for large samples, see central limit theorem).</a:t>
                       </a:r>
-                      <a:endParaRPr lang="en-GB" sz="1000" i="0" smtClean="0">
+                      <a:endParaRPr lang="en-GB" sz="1000" i="0">
                         <a:solidFill>
                           <a:srgbClr val="000000"/>
                         </a:solidFill>
@@ -14061,6 +14503,11 @@
                     </a:lnBlToTr>
                   </a:tcPr>
                 </a:tc>
+                <a:extLst>
+                  <a:ext uri="{0D108BD9-81ED-4DB2-BD59-A6C34878D82A}">
+                    <a16:rowId xmlns:a16="http://schemas.microsoft.com/office/drawing/2014/main" val="10004"/>
+                  </a:ext>
+                </a:extLst>
               </a:tr>
               <a:tr h="260350">
                 <a:tc>
@@ -14086,7 +14533,7 @@
                         <a:defRPr/>
                       </a:pPr>
                       <a:r>
-                        <a:rPr lang="en-GB" sz="1000" i="0" smtClean="0">
+                        <a:rPr lang="en-GB" sz="1000" i="0">
                           <a:solidFill>
                             <a:srgbClr val="000000"/>
                           </a:solidFill>
@@ -14096,7 +14543,7 @@
                         <a:t>Little or no autocorrelation in the residuals (residuals</a:t>
                       </a:r>
                       <a:r>
-                        <a:rPr lang="en-GB" sz="1000" i="0" baseline="0" smtClean="0">
+                        <a:rPr lang="en-GB" sz="1000" i="0" baseline="0">
                           <a:solidFill>
                             <a:srgbClr val="000000"/>
                           </a:solidFill>
@@ -14105,7 +14552,7 @@
                         </a:rPr>
                         <a:t> are dependent on each other, eg. in time series when next instant depends on previous instant).</a:t>
                       </a:r>
-                      <a:endParaRPr lang="en-GB" sz="1000" i="0" smtClean="0">
+                      <a:endParaRPr lang="en-GB" sz="1000" i="0">
                         <a:solidFill>
                           <a:srgbClr val="000000"/>
                         </a:solidFill>
@@ -14153,6 +14600,11 @@
                     </a:lnBlToTr>
                   </a:tcPr>
                 </a:tc>
+                <a:extLst>
+                  <a:ext uri="{0D108BD9-81ED-4DB2-BD59-A6C34878D82A}">
+                    <a16:rowId xmlns:a16="http://schemas.microsoft.com/office/drawing/2014/main" val="10005"/>
+                  </a:ext>
+                </a:extLst>
               </a:tr>
               <a:tr h="260350">
                 <a:tc>
@@ -14177,7 +14629,7 @@
                         <a:tabLst/>
                         <a:defRPr/>
                       </a:pPr>
-                      <a:endParaRPr lang="en-GB" sz="1000" b="0" i="0" u="none" strike="noStrike" cap="none" spc="0" baseline="0" smtClean="0">
+                      <a:endParaRPr lang="en-GB" sz="1000" b="0" i="0" u="none" strike="noStrike" cap="none" spc="0" baseline="0">
                         <a:ln>
                           <a:noFill/>
                         </a:ln>
@@ -14231,6 +14683,11 @@
                     </a:lnBlToTr>
                   </a:tcPr>
                 </a:tc>
+                <a:extLst>
+                  <a:ext uri="{0D108BD9-81ED-4DB2-BD59-A6C34878D82A}">
+                    <a16:rowId xmlns:a16="http://schemas.microsoft.com/office/drawing/2014/main" val="10006"/>
+                  </a:ext>
+                </a:extLst>
               </a:tr>
               <a:tr h="260350">
                 <a:tc>
@@ -14256,7 +14713,7 @@
                         <a:defRPr/>
                       </a:pPr>
                       <a:r>
-                        <a:rPr lang="en-GB" sz="1000" b="0" i="0" u="none" strike="noStrike" cap="none" spc="0" baseline="0" smtClean="0">
+                        <a:rPr lang="en-GB" sz="1000" b="0" i="0" u="none" strike="noStrike" cap="none" spc="0" baseline="0" dirty="0">
                           <a:ln>
                             <a:noFill/>
                           </a:ln>
@@ -14272,7 +14729,7 @@
                         <a:t>Source: </a:t>
                       </a:r>
                       <a:r>
-                        <a:rPr lang="en-GB" sz="1000" b="0" i="0" u="none" strike="noStrike" cap="none" spc="0" baseline="0" smtClean="0">
+                        <a:rPr lang="en-GB" sz="1000" b="0" i="0" u="none" strike="noStrike" cap="none" spc="0" baseline="0" dirty="0">
                           <a:ln>
                             <a:noFill/>
                           </a:ln>
@@ -14287,7 +14744,7 @@
                         </a:rPr>
                         <a:t>https://towardsdatascience.com/assumptions-of-linear-regression-algorithm-ed9ea32224e1</a:t>
                       </a:r>
-                      <a:endParaRPr lang="en-GB" sz="1000" b="0" i="0" u="none" strike="noStrike" cap="none" spc="0" baseline="0" smtClean="0">
+                      <a:endParaRPr lang="en-GB" sz="1000" b="0" i="0" u="none" strike="noStrike" cap="none" spc="0" baseline="0" dirty="0">
                         <a:ln>
                           <a:noFill/>
                         </a:ln>
@@ -14343,6 +14800,2620 @@
                     </a:lnBlToTr>
                   </a:tcPr>
                 </a:tc>
+                <a:extLst>
+                  <a:ext uri="{0D108BD9-81ED-4DB2-BD59-A6C34878D82A}">
+                    <a16:rowId xmlns:a16="http://schemas.microsoft.com/office/drawing/2014/main" val="10007"/>
+                  </a:ext>
+                </a:extLst>
+              </a:tr>
+            </a:tbl>
+          </a:graphicData>
+        </a:graphic>
+      </p:graphicFrame>
+      <mc:AlternateContent xmlns:mc="http://schemas.openxmlformats.org/markup-compatibility/2006">
+        <mc:Choice xmlns:a14="http://schemas.microsoft.com/office/drawing/2010/main" Requires="a14">
+          <p:graphicFrame>
+            <p:nvGraphicFramePr>
+              <p:cNvPr id="13" name="Table 12">
+                <a:extLst>
+                  <a:ext uri="{FF2B5EF4-FFF2-40B4-BE49-F238E27FC236}">
+                    <a16:creationId xmlns:a16="http://schemas.microsoft.com/office/drawing/2014/main" id="{0494280A-AA93-4D6A-827A-BB7B609A7172}"/>
+                  </a:ext>
+                </a:extLst>
+              </p:cNvPr>
+              <p:cNvGraphicFramePr>
+                <a:graphicFrameLocks noGrp="1"/>
+              </p:cNvGraphicFramePr>
+              <p:nvPr>
+                <p:extLst>
+                  <p:ext uri="{D42A27DB-BD31-4B8C-83A1-F6EECF244321}">
+                    <p14:modId xmlns:p14="http://schemas.microsoft.com/office/powerpoint/2010/main" val="2937756725"/>
+                  </p:ext>
+                </p:extLst>
+              </p:nvPr>
+            </p:nvGraphicFramePr>
+            <p:xfrm>
+              <a:off x="9336620" y="5015311"/>
+              <a:ext cx="3970655" cy="2973388"/>
+            </p:xfrm>
+            <a:graphic>
+              <a:graphicData uri="http://schemas.openxmlformats.org/drawingml/2006/table">
+                <a:tbl>
+                  <a:tblPr firstRow="1" bandRow="1">
+                    <a:tableStyleId>{5940675A-B579-460E-94D1-54222C63F5DA}</a:tableStyleId>
+                  </a:tblPr>
+                  <a:tblGrid>
+                    <a:gridCol w="3970655">
+                      <a:extLst>
+                        <a:ext uri="{9D8B030D-6E8A-4147-A177-3AD203B41FA5}">
+                          <a16:colId xmlns:a16="http://schemas.microsoft.com/office/drawing/2014/main" val="20000"/>
+                        </a:ext>
+                      </a:extLst>
+                    </a:gridCol>
+                  </a:tblGrid>
+                  <a:tr h="260350">
+                    <a:tc>
+                      <a:txBody>
+                        <a:bodyPr/>
+                        <a:lstStyle/>
+                        <a:p>
+                          <a:pPr algn="l"/>
+                          <a:r>
+                            <a:rPr lang="en-GB" sz="1000" b="1" baseline="0" dirty="0">
+                              <a:solidFill>
+                                <a:srgbClr val="000000"/>
+                              </a:solidFill>
+                              <a:latin typeface="Segoe UI" pitchFamily="34" charset="0"/>
+                              <a:cs typeface="Segoe UI" pitchFamily="34" charset="0"/>
+                            </a:rPr>
+                            <a:t>Evaluate Models</a:t>
+                          </a:r>
+                        </a:p>
+                      </a:txBody>
+                      <a:tcPr>
+                        <a:lnL w="6350" cap="flat" cmpd="sng" algn="ctr">
+                          <a:solidFill>
+                            <a:srgbClr val="000000"/>
+                          </a:solidFill>
+                          <a:prstDash val="solid"/>
+                          <a:round/>
+                          <a:headEnd type="none" w="med" len="med"/>
+                          <a:tailEnd type="none" w="med" len="med"/>
+                        </a:lnL>
+                        <a:lnR w="12700" cap="flat" cmpd="sng" algn="ctr">
+                          <a:solidFill>
+                            <a:schemeClr val="tx1"/>
+                          </a:solidFill>
+                          <a:prstDash val="solid"/>
+                          <a:round/>
+                          <a:headEnd type="none" w="med" len="med"/>
+                          <a:tailEnd type="none" w="med" len="med"/>
+                        </a:lnR>
+                        <a:lnT w="6350" cap="flat" cmpd="sng" algn="ctr">
+                          <a:solidFill>
+                            <a:srgbClr val="000000"/>
+                          </a:solidFill>
+                          <a:prstDash val="solid"/>
+                          <a:round/>
+                          <a:headEnd type="none" w="med" len="med"/>
+                          <a:tailEnd type="none" w="med" len="med"/>
+                        </a:lnT>
+                        <a:lnB w="6350" cap="flat" cmpd="sng" algn="ctr">
+                          <a:solidFill>
+                            <a:srgbClr val="000000"/>
+                          </a:solidFill>
+                          <a:prstDash val="solid"/>
+                          <a:round/>
+                          <a:headEnd type="none" w="med" len="med"/>
+                          <a:tailEnd type="none" w="med" len="med"/>
+                        </a:lnB>
+                        <a:lnTlToBr w="12700" cmpd="sng">
+                          <a:noFill/>
+                          <a:prstDash val="solid"/>
+                        </a:lnTlToBr>
+                        <a:lnBlToTr w="12700" cmpd="sng">
+                          <a:noFill/>
+                          <a:prstDash val="solid"/>
+                        </a:lnBlToTr>
+                      </a:tcPr>
+                    </a:tc>
+                    <a:extLst>
+                      <a:ext uri="{0D108BD9-81ED-4DB2-BD59-A6C34878D82A}">
+                        <a16:rowId xmlns:a16="http://schemas.microsoft.com/office/drawing/2014/main" val="10000"/>
+                      </a:ext>
+                    </a:extLst>
+                  </a:tr>
+                  <a:tr h="260350">
+                    <a:tc>
+                      <a:txBody>
+                        <a:bodyPr/>
+                        <a:lstStyle/>
+                        <a:p>
+                          <a:pPr marL="0" marR="0" indent="0" algn="l" defTabSz="584200" rtl="0" eaLnBrk="1" fontAlgn="auto" latinLnBrk="0" hangingPunct="1">
+                            <a:lnSpc>
+                              <a:spcPct val="100000"/>
+                            </a:lnSpc>
+                            <a:spcBef>
+                              <a:spcPts val="0"/>
+                            </a:spcBef>
+                            <a:spcAft>
+                              <a:spcPts val="0"/>
+                            </a:spcAft>
+                            <a:buClrTx/>
+                            <a:buSzTx/>
+                            <a:buFontTx/>
+                            <a:buNone/>
+                            <a:tabLst/>
+                            <a:defRPr/>
+                          </a:pPr>
+                          <a:r>
+                            <a:rPr lang="en-US" sz="1000" b="0" i="0" u="none" strike="noStrike" cap="none" spc="0" baseline="0" dirty="0">
+                              <a:ln>
+                                <a:noFill/>
+                              </a:ln>
+                              <a:solidFill>
+                                <a:srgbClr val="000000"/>
+                              </a:solidFill>
+                              <a:uFillTx/>
+                              <a:latin typeface="Segoe UI" pitchFamily="34" charset="0"/>
+                              <a:ea typeface="+mn-ea"/>
+                              <a:cs typeface="Segoe UI" pitchFamily="34" charset="0"/>
+                              <a:sym typeface="Source Sans Pro"/>
+                            </a:rPr>
+                            <a:t>Use MSE on test data.</a:t>
+                          </a:r>
+                        </a:p>
+                      </a:txBody>
+                      <a:tcPr>
+                        <a:lnL w="6350" cap="flat" cmpd="sng" algn="ctr">
+                          <a:solidFill>
+                            <a:srgbClr val="000000"/>
+                          </a:solidFill>
+                          <a:prstDash val="solid"/>
+                          <a:round/>
+                          <a:headEnd type="none" w="med" len="med"/>
+                          <a:tailEnd type="none" w="med" len="med"/>
+                        </a:lnL>
+                        <a:lnR w="12700" cap="flat" cmpd="sng" algn="ctr">
+                          <a:solidFill>
+                            <a:schemeClr val="tx1"/>
+                          </a:solidFill>
+                          <a:prstDash val="solid"/>
+                          <a:round/>
+                          <a:headEnd type="none" w="med" len="med"/>
+                          <a:tailEnd type="none" w="med" len="med"/>
+                        </a:lnR>
+                        <a:lnT w="6350" cap="flat" cmpd="sng" algn="ctr">
+                          <a:solidFill>
+                            <a:srgbClr val="000000"/>
+                          </a:solidFill>
+                          <a:prstDash val="solid"/>
+                          <a:round/>
+                          <a:headEnd type="none" w="med" len="med"/>
+                          <a:tailEnd type="none" w="med" len="med"/>
+                        </a:lnT>
+                        <a:lnB w="6350" cap="flat" cmpd="sng" algn="ctr">
+                          <a:noFill/>
+                          <a:prstDash val="solid"/>
+                          <a:round/>
+                          <a:headEnd type="none" w="med" len="med"/>
+                          <a:tailEnd type="none" w="med" len="med"/>
+                        </a:lnB>
+                        <a:lnTlToBr w="12700" cmpd="sng">
+                          <a:noFill/>
+                          <a:prstDash val="solid"/>
+                        </a:lnTlToBr>
+                        <a:lnBlToTr w="12700" cmpd="sng">
+                          <a:noFill/>
+                          <a:prstDash val="solid"/>
+                        </a:lnBlToTr>
+                      </a:tcPr>
+                    </a:tc>
+                    <a:extLst>
+                      <a:ext uri="{0D108BD9-81ED-4DB2-BD59-A6C34878D82A}">
+                        <a16:rowId xmlns:a16="http://schemas.microsoft.com/office/drawing/2014/main" val="10006"/>
+                      </a:ext>
+                    </a:extLst>
+                  </a:tr>
+                  <a:tr h="260350">
+                    <a:tc>
+                      <a:txBody>
+                        <a:bodyPr/>
+                        <a:lstStyle/>
+                        <a:p>
+                          <a:pPr marL="0" marR="0" lvl="0" indent="0" algn="l" defTabSz="584200" rtl="0" eaLnBrk="1" fontAlgn="auto" latinLnBrk="0" hangingPunct="1">
+                            <a:lnSpc>
+                              <a:spcPct val="100000"/>
+                            </a:lnSpc>
+                            <a:spcBef>
+                              <a:spcPts val="0"/>
+                            </a:spcBef>
+                            <a:spcAft>
+                              <a:spcPts val="0"/>
+                            </a:spcAft>
+                            <a:buClrTx/>
+                            <a:buSzTx/>
+                            <a:buFontTx/>
+                            <a:buNone/>
+                            <a:tabLst/>
+                            <a:defRPr/>
+                          </a:pPr>
+                          <a:r>
+                            <a:rPr lang="en-US" sz="1000" b="0" i="0" u="none" strike="noStrike" cap="none" spc="0" baseline="0" dirty="0">
+                              <a:ln>
+                                <a:noFill/>
+                              </a:ln>
+                              <a:solidFill>
+                                <a:srgbClr val="000000"/>
+                              </a:solidFill>
+                              <a:uFillTx/>
+                              <a:latin typeface="Segoe UI" pitchFamily="34" charset="0"/>
+                              <a:ea typeface="+mn-ea"/>
+                              <a:cs typeface="Segoe UI" pitchFamily="34" charset="0"/>
+                              <a:sym typeface="Source Sans Pro"/>
+                            </a:rPr>
+                            <a:t>No test data: Cross-validation, a method for estimating test MSE using the training data.</a:t>
+                          </a:r>
+                        </a:p>
+                      </a:txBody>
+                      <a:tcPr>
+                        <a:lnL w="6350" cap="flat" cmpd="sng" algn="ctr">
+                          <a:solidFill>
+                            <a:srgbClr val="000000"/>
+                          </a:solidFill>
+                          <a:prstDash val="solid"/>
+                          <a:round/>
+                          <a:headEnd type="none" w="med" len="med"/>
+                          <a:tailEnd type="none" w="med" len="med"/>
+                        </a:lnL>
+                        <a:lnR w="12700" cap="flat" cmpd="sng" algn="ctr">
+                          <a:solidFill>
+                            <a:schemeClr val="tx1"/>
+                          </a:solidFill>
+                          <a:prstDash val="solid"/>
+                          <a:round/>
+                          <a:headEnd type="none" w="med" len="med"/>
+                          <a:tailEnd type="none" w="med" len="med"/>
+                        </a:lnR>
+                        <a:lnT w="12700" cmpd="sng">
+                          <a:noFill/>
+                        </a:lnT>
+                        <a:lnB w="6350" cap="flat" cmpd="sng" algn="ctr">
+                          <a:noFill/>
+                          <a:prstDash val="solid"/>
+                          <a:round/>
+                          <a:headEnd type="none" w="med" len="med"/>
+                          <a:tailEnd type="none" w="med" len="med"/>
+                        </a:lnB>
+                        <a:lnTlToBr w="12700" cmpd="sng">
+                          <a:noFill/>
+                          <a:prstDash val="solid"/>
+                        </a:lnTlToBr>
+                        <a:lnBlToTr w="12700" cmpd="sng">
+                          <a:noFill/>
+                          <a:prstDash val="solid"/>
+                        </a:lnBlToTr>
+                      </a:tcPr>
+                    </a:tc>
+                    <a:extLst>
+                      <a:ext uri="{0D108BD9-81ED-4DB2-BD59-A6C34878D82A}">
+                        <a16:rowId xmlns:a16="http://schemas.microsoft.com/office/drawing/2014/main" val="2650464264"/>
+                      </a:ext>
+                    </a:extLst>
+                  </a:tr>
+                  <a:tr h="260350">
+                    <a:tc>
+                      <a:txBody>
+                        <a:bodyPr/>
+                        <a:lstStyle/>
+                        <a:p>
+                          <a:pPr marL="0" marR="0" indent="0" algn="l" defTabSz="584200" rtl="0" eaLnBrk="1" fontAlgn="auto" latinLnBrk="0" hangingPunct="1">
+                            <a:lnSpc>
+                              <a:spcPct val="100000"/>
+                            </a:lnSpc>
+                            <a:spcBef>
+                              <a:spcPts val="0"/>
+                            </a:spcBef>
+                            <a:spcAft>
+                              <a:spcPts val="0"/>
+                            </a:spcAft>
+                            <a:buClrTx/>
+                            <a:buSzTx/>
+                            <a:buFontTx/>
+                            <a:buNone/>
+                            <a:tabLst/>
+                            <a:defRPr/>
+                          </a:pPr>
+                          <a:r>
+                            <a:rPr lang="en-GB" sz="1000" b="1" i="0" u="none" strike="noStrike" cap="none" spc="0" baseline="0" dirty="0">
+                              <a:ln>
+                                <a:noFill/>
+                              </a:ln>
+                              <a:solidFill>
+                                <a:srgbClr val="000000"/>
+                              </a:solidFill>
+                              <a:uFillTx/>
+                              <a:latin typeface="Segoe UI" pitchFamily="34" charset="0"/>
+                              <a:ea typeface="+mn-ea"/>
+                              <a:cs typeface="Segoe UI" pitchFamily="34" charset="0"/>
+                              <a:sym typeface="Source Sans Pro"/>
+                            </a:rPr>
+                            <a:t>Bias-Variance Trade-Off</a:t>
+                          </a:r>
+                          <a:r>
+                            <a:rPr lang="en-GB" sz="1000" b="0" i="0" u="none" strike="noStrike" cap="none" spc="0" baseline="0" dirty="0">
+                              <a:ln>
+                                <a:noFill/>
+                              </a:ln>
+                              <a:solidFill>
+                                <a:srgbClr val="000000"/>
+                              </a:solidFill>
+                              <a:uFillTx/>
+                              <a:latin typeface="Segoe UI" pitchFamily="34" charset="0"/>
+                              <a:ea typeface="+mn-ea"/>
+                              <a:cs typeface="Segoe UI" pitchFamily="34" charset="0"/>
+                              <a:sym typeface="Source Sans Pro"/>
+                            </a:rPr>
+                            <a:t> Test MSE is sum of</a:t>
+                          </a:r>
+                        </a:p>
+                      </a:txBody>
+                      <a:tcPr>
+                        <a:lnL w="6350" cap="flat" cmpd="sng" algn="ctr">
+                          <a:solidFill>
+                            <a:srgbClr val="000000"/>
+                          </a:solidFill>
+                          <a:prstDash val="solid"/>
+                          <a:round/>
+                          <a:headEnd type="none" w="med" len="med"/>
+                          <a:tailEnd type="none" w="med" len="med"/>
+                        </a:lnL>
+                        <a:lnR w="12700" cap="flat" cmpd="sng" algn="ctr">
+                          <a:solidFill>
+                            <a:schemeClr val="tx1"/>
+                          </a:solidFill>
+                          <a:prstDash val="solid"/>
+                          <a:round/>
+                          <a:headEnd type="none" w="med" len="med"/>
+                          <a:tailEnd type="none" w="med" len="med"/>
+                        </a:lnR>
+                        <a:lnT w="12700" cmpd="sng">
+                          <a:noFill/>
+                        </a:lnT>
+                        <a:lnB w="6350" cap="flat" cmpd="sng" algn="ctr">
+                          <a:noFill/>
+                          <a:prstDash val="solid"/>
+                          <a:round/>
+                          <a:headEnd type="none" w="med" len="med"/>
+                          <a:tailEnd type="none" w="med" len="med"/>
+                        </a:lnB>
+                        <a:lnTlToBr w="12700" cmpd="sng">
+                          <a:noFill/>
+                          <a:prstDash val="solid"/>
+                        </a:lnTlToBr>
+                        <a:lnBlToTr w="12700" cmpd="sng">
+                          <a:noFill/>
+                          <a:prstDash val="solid"/>
+                        </a:lnBlToTr>
+                      </a:tcPr>
+                    </a:tc>
+                    <a:extLst>
+                      <a:ext uri="{0D108BD9-81ED-4DB2-BD59-A6C34878D82A}">
+                        <a16:rowId xmlns:a16="http://schemas.microsoft.com/office/drawing/2014/main" val="1708595694"/>
+                      </a:ext>
+                    </a:extLst>
+                  </a:tr>
+                  <a:tr h="260350">
+                    <a:tc>
+                      <a:txBody>
+                        <a:bodyPr/>
+                        <a:lstStyle/>
+                        <a:p>
+                          <a:pPr marL="0" marR="0" indent="0" algn="l" defTabSz="584200" rtl="0" eaLnBrk="1" fontAlgn="auto" latinLnBrk="0" hangingPunct="1">
+                            <a:lnSpc>
+                              <a:spcPct val="100000"/>
+                            </a:lnSpc>
+                            <a:spcBef>
+                              <a:spcPts val="0"/>
+                            </a:spcBef>
+                            <a:spcAft>
+                              <a:spcPts val="0"/>
+                            </a:spcAft>
+                            <a:buClrTx/>
+                            <a:buSzTx/>
+                            <a:buFontTx/>
+                            <a:buNone/>
+                            <a:tabLst/>
+                            <a:defRPr/>
+                          </a:pPr>
+                          <a14:m>
+                            <m:oMath xmlns:m="http://schemas.openxmlformats.org/officeDocument/2006/math">
+                              <m:r>
+                                <m:rPr>
+                                  <m:sty m:val="p"/>
+                                </m:rPr>
+                                <a:rPr lang="sv-SE" sz="1000" b="0" i="0" u="none" strike="noStrike" cap="none" spc="0" baseline="0" smtClean="0">
+                                  <a:ln>
+                                    <a:noFill/>
+                                  </a:ln>
+                                  <a:solidFill>
+                                    <a:srgbClr val="000000"/>
+                                  </a:solidFill>
+                                  <a:uFillTx/>
+                                  <a:latin typeface="Cambria Math" panose="02040503050406030204" pitchFamily="18" charset="0"/>
+                                  <a:ea typeface="+mn-ea"/>
+                                  <a:cs typeface="Segoe UI" pitchFamily="34" charset="0"/>
+                                  <a:sym typeface="Source Sans Pro"/>
+                                </a:rPr>
+                                <m:t>Var</m:t>
+                              </m:r>
+                              <m:r>
+                                <a:rPr lang="sv-SE" sz="1000" b="0" i="0" u="none" strike="noStrike" cap="none" spc="0" baseline="0" smtClean="0">
+                                  <a:ln>
+                                    <a:noFill/>
+                                  </a:ln>
+                                  <a:solidFill>
+                                    <a:srgbClr val="000000"/>
+                                  </a:solidFill>
+                                  <a:uFillTx/>
+                                  <a:latin typeface="Cambria Math" panose="02040503050406030204" pitchFamily="18" charset="0"/>
+                                  <a:ea typeface="+mn-ea"/>
+                                  <a:cs typeface="Segoe UI" pitchFamily="34" charset="0"/>
+                                  <a:sym typeface="Source Sans Pro"/>
+                                </a:rPr>
+                                <m:t>(</m:t>
+                              </m:r>
+                              <m:acc>
+                                <m:accPr>
+                                  <m:chr m:val="̂"/>
+                                  <m:ctrlPr>
+                                    <a:rPr lang="en-GB" sz="1000" b="0" i="1" u="none" strike="noStrike" cap="none" spc="0" baseline="0" smtClean="0">
+                                      <a:ln>
+                                        <a:noFill/>
+                                      </a:ln>
+                                      <a:solidFill>
+                                        <a:srgbClr val="000000"/>
+                                      </a:solidFill>
+                                      <a:uFillTx/>
+                                      <a:latin typeface="Cambria Math" panose="02040503050406030204" pitchFamily="18" charset="0"/>
+                                      <a:ea typeface="+mn-ea"/>
+                                      <a:cs typeface="Segoe UI" pitchFamily="34" charset="0"/>
+                                      <a:sym typeface="Source Sans Pro"/>
+                                    </a:rPr>
+                                  </m:ctrlPr>
+                                </m:accPr>
+                                <m:e>
+                                  <m:r>
+                                    <a:rPr lang="sv-SE" sz="1000" b="0" i="1" u="none" strike="noStrike" cap="none" spc="0" baseline="0" smtClean="0">
+                                      <a:ln>
+                                        <a:noFill/>
+                                      </a:ln>
+                                      <a:solidFill>
+                                        <a:srgbClr val="000000"/>
+                                      </a:solidFill>
+                                      <a:uFillTx/>
+                                      <a:latin typeface="Cambria Math" panose="02040503050406030204" pitchFamily="18" charset="0"/>
+                                      <a:ea typeface="+mn-ea"/>
+                                      <a:cs typeface="Segoe UI" pitchFamily="34" charset="0"/>
+                                      <a:sym typeface="Source Sans Pro"/>
+                                    </a:rPr>
+                                    <m:t>𝑓</m:t>
+                                  </m:r>
+                                </m:e>
+                              </m:acc>
+                              <m:d>
+                                <m:dPr>
+                                  <m:ctrlPr>
+                                    <a:rPr lang="sv-SE" sz="1000" b="0" i="1" u="none" strike="noStrike" cap="none" spc="0" baseline="0" smtClean="0">
+                                      <a:ln>
+                                        <a:noFill/>
+                                      </a:ln>
+                                      <a:solidFill>
+                                        <a:srgbClr val="000000"/>
+                                      </a:solidFill>
+                                      <a:uFillTx/>
+                                      <a:latin typeface="Cambria Math" panose="02040503050406030204" pitchFamily="18" charset="0"/>
+                                      <a:ea typeface="+mn-ea"/>
+                                      <a:cs typeface="Segoe UI" pitchFamily="34" charset="0"/>
+                                      <a:sym typeface="Source Sans Pro"/>
+                                    </a:rPr>
+                                  </m:ctrlPr>
+                                </m:dPr>
+                                <m:e>
+                                  <m:sSub>
+                                    <m:sSubPr>
+                                      <m:ctrlPr>
+                                        <a:rPr lang="sv-SE" sz="1000" b="0" i="1" u="none" strike="noStrike" cap="none" spc="0" baseline="0" smtClean="0">
+                                          <a:ln>
+                                            <a:noFill/>
+                                          </a:ln>
+                                          <a:solidFill>
+                                            <a:srgbClr val="000000"/>
+                                          </a:solidFill>
+                                          <a:uFillTx/>
+                                          <a:latin typeface="Cambria Math" panose="02040503050406030204" pitchFamily="18" charset="0"/>
+                                          <a:ea typeface="+mn-ea"/>
+                                          <a:cs typeface="Segoe UI" pitchFamily="34" charset="0"/>
+                                          <a:sym typeface="Source Sans Pro"/>
+                                        </a:rPr>
+                                      </m:ctrlPr>
+                                    </m:sSubPr>
+                                    <m:e>
+                                      <m:r>
+                                        <a:rPr lang="sv-SE" sz="1000" b="0" i="1" u="none" strike="noStrike" cap="none" spc="0" baseline="0" smtClean="0">
+                                          <a:ln>
+                                            <a:noFill/>
+                                          </a:ln>
+                                          <a:solidFill>
+                                            <a:srgbClr val="000000"/>
+                                          </a:solidFill>
+                                          <a:uFillTx/>
+                                          <a:latin typeface="Cambria Math" panose="02040503050406030204" pitchFamily="18" charset="0"/>
+                                          <a:ea typeface="+mn-ea"/>
+                                          <a:cs typeface="Segoe UI" pitchFamily="34" charset="0"/>
+                                          <a:sym typeface="Source Sans Pro"/>
+                                        </a:rPr>
+                                        <m:t>𝑥</m:t>
+                                      </m:r>
+                                    </m:e>
+                                    <m:sub>
+                                      <m:r>
+                                        <a:rPr lang="sv-SE" sz="1000" b="0" i="1" u="none" strike="noStrike" cap="none" spc="0" baseline="0" smtClean="0">
+                                          <a:ln>
+                                            <a:noFill/>
+                                          </a:ln>
+                                          <a:solidFill>
+                                            <a:srgbClr val="000000"/>
+                                          </a:solidFill>
+                                          <a:uFillTx/>
+                                          <a:latin typeface="Cambria Math" panose="02040503050406030204" pitchFamily="18" charset="0"/>
+                                          <a:ea typeface="+mn-ea"/>
+                                          <a:cs typeface="Segoe UI" pitchFamily="34" charset="0"/>
+                                          <a:sym typeface="Source Sans Pro"/>
+                                        </a:rPr>
+                                        <m:t>0</m:t>
+                                      </m:r>
+                                    </m:sub>
+                                  </m:sSub>
+                                </m:e>
+                              </m:d>
+                              <m:r>
+                                <a:rPr lang="sv-SE" sz="1000" b="0" i="1" u="none" strike="noStrike" cap="none" spc="0" baseline="0" smtClean="0">
+                                  <a:ln>
+                                    <a:noFill/>
+                                  </a:ln>
+                                  <a:solidFill>
+                                    <a:srgbClr val="000000"/>
+                                  </a:solidFill>
+                                  <a:uFillTx/>
+                                  <a:latin typeface="Cambria Math" panose="02040503050406030204" pitchFamily="18" charset="0"/>
+                                  <a:ea typeface="+mn-ea"/>
+                                  <a:cs typeface="Segoe UI" pitchFamily="34" charset="0"/>
+                                  <a:sym typeface="Source Sans Pro"/>
+                                </a:rPr>
+                                <m:t>)</m:t>
+                              </m:r>
+                            </m:oMath>
+                          </a14:m>
+                          <a:r>
+                            <a:rPr lang="en-GB" sz="1000" b="0" i="0" u="none" strike="noStrike" cap="none" spc="0" baseline="0" dirty="0">
+                              <a:ln>
+                                <a:noFill/>
+                              </a:ln>
+                              <a:solidFill>
+                                <a:srgbClr val="000000"/>
+                              </a:solidFill>
+                              <a:uFillTx/>
+                              <a:latin typeface="Segoe UI" pitchFamily="34" charset="0"/>
+                              <a:ea typeface="+mn-ea"/>
+                              <a:cs typeface="Segoe UI" pitchFamily="34" charset="0"/>
+                              <a:sym typeface="Source Sans Pro"/>
+                            </a:rPr>
+                            <a:t> : </a:t>
+                          </a:r>
+                          <a:r>
+                            <a:rPr lang="en-US" sz="1000" b="0" i="0" u="none" strike="noStrike" cap="none" spc="0" baseline="0" dirty="0">
+                              <a:ln>
+                                <a:noFill/>
+                              </a:ln>
+                              <a:solidFill>
+                                <a:srgbClr val="000000"/>
+                              </a:solidFill>
+                              <a:uFillTx/>
+                              <a:latin typeface="Segoe UI" pitchFamily="34" charset="0"/>
+                              <a:ea typeface="+mn-ea"/>
+                              <a:cs typeface="Segoe UI" pitchFamily="34" charset="0"/>
+                              <a:sym typeface="Source Sans Pro"/>
+                            </a:rPr>
+                            <a:t>The amount by which </a:t>
+                          </a:r>
+                          <a14:m>
+                            <m:oMath xmlns:m="http://schemas.openxmlformats.org/officeDocument/2006/math">
+                              <m:acc>
+                                <m:accPr>
+                                  <m:chr m:val="̂"/>
+                                  <m:ctrlPr>
+                                    <a:rPr lang="en-US" sz="1000" b="0" i="1" u="none" strike="noStrike" cap="none" spc="0" baseline="0" smtClean="0">
+                                      <a:ln>
+                                        <a:noFill/>
+                                      </a:ln>
+                                      <a:solidFill>
+                                        <a:srgbClr val="000000"/>
+                                      </a:solidFill>
+                                      <a:uFillTx/>
+                                      <a:latin typeface="Cambria Math" panose="02040503050406030204" pitchFamily="18" charset="0"/>
+                                      <a:ea typeface="+mn-ea"/>
+                                      <a:cs typeface="Segoe UI" pitchFamily="34" charset="0"/>
+                                      <a:sym typeface="Source Sans Pro"/>
+                                    </a:rPr>
+                                  </m:ctrlPr>
+                                </m:accPr>
+                                <m:e>
+                                  <m:r>
+                                    <a:rPr lang="sv-SE" sz="1000" b="0" i="1" u="none" strike="noStrike" cap="none" spc="0" baseline="0" smtClean="0">
+                                      <a:ln>
+                                        <a:noFill/>
+                                      </a:ln>
+                                      <a:solidFill>
+                                        <a:srgbClr val="000000"/>
+                                      </a:solidFill>
+                                      <a:uFillTx/>
+                                      <a:latin typeface="Cambria Math" panose="02040503050406030204" pitchFamily="18" charset="0"/>
+                                      <a:ea typeface="+mn-ea"/>
+                                      <a:cs typeface="Segoe UI" pitchFamily="34" charset="0"/>
+                                      <a:sym typeface="Source Sans Pro"/>
+                                    </a:rPr>
+                                    <m:t>𝑓</m:t>
+                                  </m:r>
+                                </m:e>
+                              </m:acc>
+                            </m:oMath>
+                          </a14:m>
+                          <a:r>
+                            <a:rPr lang="en-US" sz="1000" b="0" i="0" u="none" strike="noStrike" cap="none" spc="0" baseline="0" dirty="0">
+                              <a:ln>
+                                <a:noFill/>
+                              </a:ln>
+                              <a:solidFill>
+                                <a:srgbClr val="000000"/>
+                              </a:solidFill>
+                              <a:uFillTx/>
+                              <a:latin typeface="Segoe UI" pitchFamily="34" charset="0"/>
+                              <a:ea typeface="+mn-ea"/>
+                              <a:cs typeface="Segoe UI" pitchFamily="34" charset="0"/>
+                              <a:sym typeface="Source Sans Pro"/>
+                            </a:rPr>
+                            <a:t> would change if we estimated it using a different training data set. Ideally the estimate for </a:t>
+                          </a:r>
+                          <a14:m>
+                            <m:oMath xmlns:m="http://schemas.openxmlformats.org/officeDocument/2006/math">
+                              <m:acc>
+                                <m:accPr>
+                                  <m:chr m:val="̂"/>
+                                  <m:ctrlPr>
+                                    <a:rPr lang="en-US" sz="1000" b="0" i="1" u="none" strike="noStrike" cap="none" spc="0" baseline="0" smtClean="0">
+                                      <a:ln>
+                                        <a:noFill/>
+                                      </a:ln>
+                                      <a:solidFill>
+                                        <a:srgbClr val="000000"/>
+                                      </a:solidFill>
+                                      <a:uFillTx/>
+                                      <a:latin typeface="Cambria Math" panose="02040503050406030204" pitchFamily="18" charset="0"/>
+                                      <a:ea typeface="+mn-ea"/>
+                                      <a:cs typeface="Segoe UI" pitchFamily="34" charset="0"/>
+                                      <a:sym typeface="Source Sans Pro"/>
+                                    </a:rPr>
+                                  </m:ctrlPr>
+                                </m:accPr>
+                                <m:e>
+                                  <m:r>
+                                    <a:rPr lang="sv-SE" sz="1000" b="0" i="1" u="none" strike="noStrike" cap="none" spc="0" baseline="0" smtClean="0">
+                                      <a:ln>
+                                        <a:noFill/>
+                                      </a:ln>
+                                      <a:solidFill>
+                                        <a:srgbClr val="000000"/>
+                                      </a:solidFill>
+                                      <a:uFillTx/>
+                                      <a:latin typeface="Cambria Math" panose="02040503050406030204" pitchFamily="18" charset="0"/>
+                                      <a:ea typeface="+mn-ea"/>
+                                      <a:cs typeface="Segoe UI" pitchFamily="34" charset="0"/>
+                                      <a:sym typeface="Source Sans Pro"/>
+                                    </a:rPr>
+                                    <m:t>𝑓</m:t>
+                                  </m:r>
+                                </m:e>
+                              </m:acc>
+                            </m:oMath>
+                          </a14:m>
+                          <a:r>
+                            <a:rPr lang="en-US" sz="1000" b="0" i="0" u="none" strike="noStrike" cap="none" spc="0" baseline="0" dirty="0">
+                              <a:ln>
+                                <a:noFill/>
+                              </a:ln>
+                              <a:solidFill>
+                                <a:srgbClr val="000000"/>
+                              </a:solidFill>
+                              <a:uFillTx/>
+                              <a:latin typeface="Segoe UI" pitchFamily="34" charset="0"/>
+                              <a:ea typeface="+mn-ea"/>
+                              <a:cs typeface="Segoe UI" pitchFamily="34" charset="0"/>
+                              <a:sym typeface="Source Sans Pro"/>
+                            </a:rPr>
+                            <a:t> should not vary too much between training sets. In general, more flexible statistical methods have higher variance because of overfit.</a:t>
+                          </a:r>
+                          <a:endParaRPr lang="en-GB" sz="1000" b="0" i="0" u="none" strike="noStrike" cap="none" spc="0" baseline="0" dirty="0">
+                            <a:ln>
+                              <a:noFill/>
+                            </a:ln>
+                            <a:solidFill>
+                              <a:srgbClr val="000000"/>
+                            </a:solidFill>
+                            <a:uFillTx/>
+                            <a:latin typeface="Segoe UI" pitchFamily="34" charset="0"/>
+                            <a:ea typeface="+mn-ea"/>
+                            <a:cs typeface="Segoe UI" pitchFamily="34" charset="0"/>
+                            <a:sym typeface="Source Sans Pro"/>
+                          </a:endParaRPr>
+                        </a:p>
+                      </a:txBody>
+                      <a:tcPr>
+                        <a:lnL w="6350" cap="flat" cmpd="sng" algn="ctr">
+                          <a:solidFill>
+                            <a:srgbClr val="000000"/>
+                          </a:solidFill>
+                          <a:prstDash val="solid"/>
+                          <a:round/>
+                          <a:headEnd type="none" w="med" len="med"/>
+                          <a:tailEnd type="none" w="med" len="med"/>
+                        </a:lnL>
+                        <a:lnR w="12700" cap="flat" cmpd="sng" algn="ctr">
+                          <a:solidFill>
+                            <a:schemeClr val="tx1"/>
+                          </a:solidFill>
+                          <a:prstDash val="solid"/>
+                          <a:round/>
+                          <a:headEnd type="none" w="med" len="med"/>
+                          <a:tailEnd type="none" w="med" len="med"/>
+                        </a:lnR>
+                        <a:lnT w="12700" cmpd="sng">
+                          <a:noFill/>
+                        </a:lnT>
+                        <a:lnB w="6350" cap="flat" cmpd="sng" algn="ctr">
+                          <a:noFill/>
+                          <a:prstDash val="solid"/>
+                          <a:round/>
+                          <a:headEnd type="none" w="med" len="med"/>
+                          <a:tailEnd type="none" w="med" len="med"/>
+                        </a:lnB>
+                        <a:lnTlToBr w="12700" cmpd="sng">
+                          <a:noFill/>
+                          <a:prstDash val="solid"/>
+                        </a:lnTlToBr>
+                        <a:lnBlToTr w="12700" cmpd="sng">
+                          <a:noFill/>
+                          <a:prstDash val="solid"/>
+                        </a:lnBlToTr>
+                      </a:tcPr>
+                    </a:tc>
+                    <a:extLst>
+                      <a:ext uri="{0D108BD9-81ED-4DB2-BD59-A6C34878D82A}">
+                        <a16:rowId xmlns:a16="http://schemas.microsoft.com/office/drawing/2014/main" val="348125559"/>
+                      </a:ext>
+                    </a:extLst>
+                  </a:tr>
+                  <a:tr h="260350">
+                    <a:tc>
+                      <a:txBody>
+                        <a:bodyPr/>
+                        <a:lstStyle/>
+                        <a:p>
+                          <a:pPr marL="0" marR="0" indent="0" algn="l" defTabSz="584200" rtl="0" eaLnBrk="1" fontAlgn="auto" latinLnBrk="0" hangingPunct="1">
+                            <a:lnSpc>
+                              <a:spcPct val="100000"/>
+                            </a:lnSpc>
+                            <a:spcBef>
+                              <a:spcPts val="0"/>
+                            </a:spcBef>
+                            <a:spcAft>
+                              <a:spcPts val="0"/>
+                            </a:spcAft>
+                            <a:buClrTx/>
+                            <a:buSzTx/>
+                            <a:buFontTx/>
+                            <a:buNone/>
+                            <a:tabLst/>
+                            <a:defRPr/>
+                          </a:pPr>
+                          <a14:m>
+                            <m:oMath xmlns:m="http://schemas.openxmlformats.org/officeDocument/2006/math">
+                              <m:sSup>
+                                <m:sSupPr>
+                                  <m:ctrlPr>
+                                    <a:rPr lang="sv-SE" sz="1000" b="0" i="1" u="none" strike="noStrike" cap="none" spc="0" baseline="0" smtClean="0">
+                                      <a:ln>
+                                        <a:noFill/>
+                                      </a:ln>
+                                      <a:solidFill>
+                                        <a:srgbClr val="000000"/>
+                                      </a:solidFill>
+                                      <a:uFillTx/>
+                                      <a:latin typeface="Cambria Math" panose="02040503050406030204" pitchFamily="18" charset="0"/>
+                                      <a:ea typeface="+mn-ea"/>
+                                      <a:cs typeface="Segoe UI" pitchFamily="34" charset="0"/>
+                                      <a:sym typeface="Source Sans Pro"/>
+                                    </a:rPr>
+                                  </m:ctrlPr>
+                                </m:sSupPr>
+                                <m:e>
+                                  <m:r>
+                                    <m:rPr>
+                                      <m:sty m:val="p"/>
+                                    </m:rPr>
+                                    <a:rPr lang="sv-SE" sz="1000" b="0" i="0" u="none" strike="noStrike" cap="none" spc="0" baseline="0" smtClean="0">
+                                      <a:ln>
+                                        <a:noFill/>
+                                      </a:ln>
+                                      <a:solidFill>
+                                        <a:srgbClr val="000000"/>
+                                      </a:solidFill>
+                                      <a:uFillTx/>
+                                      <a:latin typeface="Cambria Math" panose="02040503050406030204" pitchFamily="18" charset="0"/>
+                                      <a:ea typeface="+mn-ea"/>
+                                      <a:cs typeface="Segoe UI" pitchFamily="34" charset="0"/>
+                                      <a:sym typeface="Source Sans Pro"/>
+                                    </a:rPr>
+                                    <m:t>Bias</m:t>
+                                  </m:r>
+                                  <m:r>
+                                    <a:rPr lang="sv-SE" sz="1000" b="0" i="0" u="none" strike="noStrike" cap="none" spc="0" baseline="0" smtClean="0">
+                                      <a:ln>
+                                        <a:noFill/>
+                                      </a:ln>
+                                      <a:solidFill>
+                                        <a:srgbClr val="000000"/>
+                                      </a:solidFill>
+                                      <a:uFillTx/>
+                                      <a:latin typeface="Cambria Math" panose="02040503050406030204" pitchFamily="18" charset="0"/>
+                                      <a:ea typeface="+mn-ea"/>
+                                      <a:cs typeface="Segoe UI" pitchFamily="34" charset="0"/>
+                                      <a:sym typeface="Source Sans Pro"/>
+                                    </a:rPr>
+                                    <m:t>(</m:t>
+                                  </m:r>
+                                  <m:acc>
+                                    <m:accPr>
+                                      <m:chr m:val="̂"/>
+                                      <m:ctrlPr>
+                                        <a:rPr lang="en-GB" sz="1000" b="0" i="1" u="none" strike="noStrike" cap="none" spc="0" baseline="0" smtClean="0">
+                                          <a:ln>
+                                            <a:noFill/>
+                                          </a:ln>
+                                          <a:solidFill>
+                                            <a:srgbClr val="000000"/>
+                                          </a:solidFill>
+                                          <a:uFillTx/>
+                                          <a:latin typeface="Cambria Math" panose="02040503050406030204" pitchFamily="18" charset="0"/>
+                                          <a:ea typeface="+mn-ea"/>
+                                          <a:cs typeface="Segoe UI" pitchFamily="34" charset="0"/>
+                                          <a:sym typeface="Source Sans Pro"/>
+                                        </a:rPr>
+                                      </m:ctrlPr>
+                                    </m:accPr>
+                                    <m:e>
+                                      <m:r>
+                                        <a:rPr lang="sv-SE" sz="1000" b="0" i="1" u="none" strike="noStrike" cap="none" spc="0" baseline="0" smtClean="0">
+                                          <a:ln>
+                                            <a:noFill/>
+                                          </a:ln>
+                                          <a:solidFill>
+                                            <a:srgbClr val="000000"/>
+                                          </a:solidFill>
+                                          <a:uFillTx/>
+                                          <a:latin typeface="Cambria Math" panose="02040503050406030204" pitchFamily="18" charset="0"/>
+                                          <a:ea typeface="+mn-ea"/>
+                                          <a:cs typeface="Segoe UI" pitchFamily="34" charset="0"/>
+                                          <a:sym typeface="Source Sans Pro"/>
+                                        </a:rPr>
+                                        <m:t>𝑓</m:t>
+                                      </m:r>
+                                    </m:e>
+                                  </m:acc>
+                                  <m:d>
+                                    <m:dPr>
+                                      <m:ctrlPr>
+                                        <a:rPr lang="sv-SE" sz="1000" b="0" i="1" u="none" strike="noStrike" cap="none" spc="0" baseline="0" smtClean="0">
+                                          <a:ln>
+                                            <a:noFill/>
+                                          </a:ln>
+                                          <a:solidFill>
+                                            <a:srgbClr val="000000"/>
+                                          </a:solidFill>
+                                          <a:uFillTx/>
+                                          <a:latin typeface="Cambria Math" panose="02040503050406030204" pitchFamily="18" charset="0"/>
+                                          <a:ea typeface="+mn-ea"/>
+                                          <a:cs typeface="Segoe UI" pitchFamily="34" charset="0"/>
+                                          <a:sym typeface="Source Sans Pro"/>
+                                        </a:rPr>
+                                      </m:ctrlPr>
+                                    </m:dPr>
+                                    <m:e>
+                                      <m:sSub>
+                                        <m:sSubPr>
+                                          <m:ctrlPr>
+                                            <a:rPr lang="sv-SE" sz="1000" b="0" i="1" u="none" strike="noStrike" cap="none" spc="0" baseline="0" smtClean="0">
+                                              <a:ln>
+                                                <a:noFill/>
+                                              </a:ln>
+                                              <a:solidFill>
+                                                <a:srgbClr val="000000"/>
+                                              </a:solidFill>
+                                              <a:uFillTx/>
+                                              <a:latin typeface="Cambria Math" panose="02040503050406030204" pitchFamily="18" charset="0"/>
+                                              <a:ea typeface="+mn-ea"/>
+                                              <a:cs typeface="Segoe UI" pitchFamily="34" charset="0"/>
+                                              <a:sym typeface="Source Sans Pro"/>
+                                            </a:rPr>
+                                          </m:ctrlPr>
+                                        </m:sSubPr>
+                                        <m:e>
+                                          <m:r>
+                                            <a:rPr lang="sv-SE" sz="1000" b="0" i="1" u="none" strike="noStrike" cap="none" spc="0" baseline="0" smtClean="0">
+                                              <a:ln>
+                                                <a:noFill/>
+                                              </a:ln>
+                                              <a:solidFill>
+                                                <a:srgbClr val="000000"/>
+                                              </a:solidFill>
+                                              <a:uFillTx/>
+                                              <a:latin typeface="Cambria Math" panose="02040503050406030204" pitchFamily="18" charset="0"/>
+                                              <a:ea typeface="+mn-ea"/>
+                                              <a:cs typeface="Segoe UI" pitchFamily="34" charset="0"/>
+                                              <a:sym typeface="Source Sans Pro"/>
+                                            </a:rPr>
+                                            <m:t>𝑥</m:t>
+                                          </m:r>
+                                        </m:e>
+                                        <m:sub>
+                                          <m:r>
+                                            <a:rPr lang="sv-SE" sz="1000" b="0" i="1" u="none" strike="noStrike" cap="none" spc="0" baseline="0" smtClean="0">
+                                              <a:ln>
+                                                <a:noFill/>
+                                              </a:ln>
+                                              <a:solidFill>
+                                                <a:srgbClr val="000000"/>
+                                              </a:solidFill>
+                                              <a:uFillTx/>
+                                              <a:latin typeface="Cambria Math" panose="02040503050406030204" pitchFamily="18" charset="0"/>
+                                              <a:ea typeface="+mn-ea"/>
+                                              <a:cs typeface="Segoe UI" pitchFamily="34" charset="0"/>
+                                              <a:sym typeface="Source Sans Pro"/>
+                                            </a:rPr>
+                                            <m:t>0</m:t>
+                                          </m:r>
+                                        </m:sub>
+                                      </m:sSub>
+                                    </m:e>
+                                  </m:d>
+                                  <m:r>
+                                    <a:rPr lang="sv-SE" sz="1000" b="0" i="1" u="none" strike="noStrike" cap="none" spc="0" baseline="0" smtClean="0">
+                                      <a:ln>
+                                        <a:noFill/>
+                                      </a:ln>
+                                      <a:solidFill>
+                                        <a:srgbClr val="000000"/>
+                                      </a:solidFill>
+                                      <a:uFillTx/>
+                                      <a:latin typeface="Cambria Math" panose="02040503050406030204" pitchFamily="18" charset="0"/>
+                                      <a:ea typeface="+mn-ea"/>
+                                      <a:cs typeface="Segoe UI" pitchFamily="34" charset="0"/>
+                                      <a:sym typeface="Source Sans Pro"/>
+                                    </a:rPr>
+                                    <m:t>)</m:t>
+                                  </m:r>
+                                </m:e>
+                                <m:sup>
+                                  <m:r>
+                                    <a:rPr lang="sv-SE" sz="1000" b="0" i="1" u="none" strike="noStrike" cap="none" spc="0" baseline="0" smtClean="0">
+                                      <a:ln>
+                                        <a:noFill/>
+                                      </a:ln>
+                                      <a:solidFill>
+                                        <a:srgbClr val="000000"/>
+                                      </a:solidFill>
+                                      <a:uFillTx/>
+                                      <a:latin typeface="Cambria Math" panose="02040503050406030204" pitchFamily="18" charset="0"/>
+                                      <a:ea typeface="+mn-ea"/>
+                                      <a:cs typeface="Segoe UI" pitchFamily="34" charset="0"/>
+                                      <a:sym typeface="Source Sans Pro"/>
+                                    </a:rPr>
+                                    <m:t>2</m:t>
+                                  </m:r>
+                                </m:sup>
+                              </m:sSup>
+                            </m:oMath>
+                          </a14:m>
+                          <a:r>
+                            <a:rPr lang="en-GB" sz="1000" b="0" i="0" u="none" strike="noStrike" cap="none" spc="0" baseline="0" dirty="0">
+                              <a:ln>
+                                <a:noFill/>
+                              </a:ln>
+                              <a:solidFill>
+                                <a:srgbClr val="000000"/>
+                              </a:solidFill>
+                              <a:uFillTx/>
+                              <a:latin typeface="Segoe UI" pitchFamily="34" charset="0"/>
+                              <a:ea typeface="+mn-ea"/>
+                              <a:cs typeface="Segoe UI" pitchFamily="34" charset="0"/>
+                              <a:sym typeface="Source Sans Pro"/>
+                            </a:rPr>
+                            <a:t> : </a:t>
+                          </a:r>
+                          <a:r>
+                            <a:rPr lang="en-US" sz="1000" b="0" i="0" u="none" strike="noStrike" cap="none" spc="0" baseline="0" dirty="0">
+                              <a:ln>
+                                <a:noFill/>
+                              </a:ln>
+                              <a:solidFill>
+                                <a:srgbClr val="000000"/>
+                              </a:solidFill>
+                              <a:uFillTx/>
+                              <a:latin typeface="Segoe UI" pitchFamily="34" charset="0"/>
+                              <a:ea typeface="+mn-ea"/>
+                              <a:cs typeface="Segoe UI" pitchFamily="34" charset="0"/>
+                              <a:sym typeface="Source Sans Pro"/>
+                            </a:rPr>
+                            <a:t>The error that is introduced by approximating a real-life problem by a much simpler model. Generally, more flexible methods result in less bias because of underfit.</a:t>
+                          </a:r>
+                          <a:endParaRPr lang="en-GB" sz="1000" b="0" i="0" u="none" strike="noStrike" cap="none" spc="0" baseline="0" dirty="0">
+                            <a:ln>
+                              <a:noFill/>
+                            </a:ln>
+                            <a:solidFill>
+                              <a:srgbClr val="000000"/>
+                            </a:solidFill>
+                            <a:uFillTx/>
+                            <a:latin typeface="Segoe UI" pitchFamily="34" charset="0"/>
+                            <a:ea typeface="+mn-ea"/>
+                            <a:cs typeface="Segoe UI" pitchFamily="34" charset="0"/>
+                            <a:sym typeface="Source Sans Pro"/>
+                          </a:endParaRPr>
+                        </a:p>
+                      </a:txBody>
+                      <a:tcPr>
+                        <a:lnL w="6350" cap="flat" cmpd="sng" algn="ctr">
+                          <a:solidFill>
+                            <a:srgbClr val="000000"/>
+                          </a:solidFill>
+                          <a:prstDash val="solid"/>
+                          <a:round/>
+                          <a:headEnd type="none" w="med" len="med"/>
+                          <a:tailEnd type="none" w="med" len="med"/>
+                        </a:lnL>
+                        <a:lnR w="12700" cap="flat" cmpd="sng" algn="ctr">
+                          <a:solidFill>
+                            <a:schemeClr val="tx1"/>
+                          </a:solidFill>
+                          <a:prstDash val="solid"/>
+                          <a:round/>
+                          <a:headEnd type="none" w="med" len="med"/>
+                          <a:tailEnd type="none" w="med" len="med"/>
+                        </a:lnR>
+                        <a:lnT w="12700" cmpd="sng">
+                          <a:noFill/>
+                        </a:lnT>
+                        <a:lnB w="6350" cap="flat" cmpd="sng" algn="ctr">
+                          <a:noFill/>
+                          <a:prstDash val="solid"/>
+                          <a:round/>
+                          <a:headEnd type="none" w="med" len="med"/>
+                          <a:tailEnd type="none" w="med" len="med"/>
+                        </a:lnB>
+                        <a:lnTlToBr w="12700" cmpd="sng">
+                          <a:noFill/>
+                          <a:prstDash val="solid"/>
+                        </a:lnTlToBr>
+                        <a:lnBlToTr w="12700" cmpd="sng">
+                          <a:noFill/>
+                          <a:prstDash val="solid"/>
+                        </a:lnBlToTr>
+                      </a:tcPr>
+                    </a:tc>
+                    <a:extLst>
+                      <a:ext uri="{0D108BD9-81ED-4DB2-BD59-A6C34878D82A}">
+                        <a16:rowId xmlns:a16="http://schemas.microsoft.com/office/drawing/2014/main" val="3295806164"/>
+                      </a:ext>
+                    </a:extLst>
+                  </a:tr>
+                  <a:tr h="260350">
+                    <a:tc>
+                      <a:txBody>
+                        <a:bodyPr/>
+                        <a:lstStyle/>
+                        <a:p>
+                          <a:pPr marL="0" marR="0" indent="0" algn="l" defTabSz="584200" rtl="0" eaLnBrk="1" fontAlgn="auto" latinLnBrk="0" hangingPunct="1">
+                            <a:lnSpc>
+                              <a:spcPct val="100000"/>
+                            </a:lnSpc>
+                            <a:spcBef>
+                              <a:spcPts val="0"/>
+                            </a:spcBef>
+                            <a:spcAft>
+                              <a:spcPts val="0"/>
+                            </a:spcAft>
+                            <a:buClrTx/>
+                            <a:buSzTx/>
+                            <a:buFontTx/>
+                            <a:buNone/>
+                            <a:tabLst/>
+                            <a:defRPr/>
+                          </a:pPr>
+                          <a14:m>
+                            <m:oMath xmlns:m="http://schemas.openxmlformats.org/officeDocument/2006/math">
+                              <m:r>
+                                <a:rPr lang="sv-SE" sz="1000" b="0" i="1" u="none" strike="noStrike" cap="none" spc="0" baseline="0" smtClean="0">
+                                  <a:ln>
+                                    <a:noFill/>
+                                  </a:ln>
+                                  <a:solidFill>
+                                    <a:srgbClr val="000000"/>
+                                  </a:solidFill>
+                                  <a:uFillTx/>
+                                  <a:latin typeface="Cambria Math" panose="02040503050406030204" pitchFamily="18" charset="0"/>
+                                  <a:ea typeface="+mn-ea"/>
+                                  <a:cs typeface="Segoe UI" pitchFamily="34" charset="0"/>
+                                  <a:sym typeface="Source Sans Pro"/>
+                                </a:rPr>
+                                <m:t>𝑉𝑎𝑟</m:t>
+                              </m:r>
+                              <m:r>
+                                <a:rPr lang="sv-SE" sz="1000" b="0" i="1" u="none" strike="noStrike" cap="none" spc="0" baseline="0" smtClean="0">
+                                  <a:ln>
+                                    <a:noFill/>
+                                  </a:ln>
+                                  <a:solidFill>
+                                    <a:srgbClr val="000000"/>
+                                  </a:solidFill>
+                                  <a:uFillTx/>
+                                  <a:latin typeface="Cambria Math" panose="02040503050406030204" pitchFamily="18" charset="0"/>
+                                  <a:ea typeface="+mn-ea"/>
+                                  <a:cs typeface="Segoe UI" pitchFamily="34" charset="0"/>
+                                  <a:sym typeface="Source Sans Pro"/>
+                                </a:rPr>
+                                <m:t>(</m:t>
+                              </m:r>
+                              <m:r>
+                                <a:rPr lang="sv-SE" sz="1000" b="0" i="1" u="none" strike="noStrike" cap="none" spc="0" baseline="0" smtClean="0">
+                                  <a:ln>
+                                    <a:noFill/>
+                                  </a:ln>
+                                  <a:solidFill>
+                                    <a:srgbClr val="000000"/>
+                                  </a:solidFill>
+                                  <a:uFillTx/>
+                                  <a:latin typeface="Cambria Math" panose="02040503050406030204" pitchFamily="18" charset="0"/>
+                                  <a:ea typeface="Cambria Math" panose="02040503050406030204" pitchFamily="18" charset="0"/>
+                                  <a:cs typeface="Segoe UI" pitchFamily="34" charset="0"/>
+                                  <a:sym typeface="Source Sans Pro"/>
+                                </a:rPr>
+                                <m:t>𝜖</m:t>
+                              </m:r>
+                              <m:r>
+                                <a:rPr lang="sv-SE" sz="1000" b="0" i="1" u="none" strike="noStrike" cap="none" spc="0" baseline="0" smtClean="0">
+                                  <a:ln>
+                                    <a:noFill/>
+                                  </a:ln>
+                                  <a:solidFill>
+                                    <a:srgbClr val="000000"/>
+                                  </a:solidFill>
+                                  <a:uFillTx/>
+                                  <a:latin typeface="Cambria Math" panose="02040503050406030204" pitchFamily="18" charset="0"/>
+                                  <a:ea typeface="Cambria Math" panose="02040503050406030204" pitchFamily="18" charset="0"/>
+                                  <a:cs typeface="Segoe UI" pitchFamily="34" charset="0"/>
+                                  <a:sym typeface="Source Sans Pro"/>
+                                </a:rPr>
+                                <m:t>)</m:t>
+                              </m:r>
+                            </m:oMath>
+                          </a14:m>
+                          <a:r>
+                            <a:rPr lang="en-GB" sz="1000" b="0" i="0" u="none" strike="noStrike" cap="none" spc="0" baseline="0" dirty="0">
+                              <a:ln>
+                                <a:noFill/>
+                              </a:ln>
+                              <a:solidFill>
+                                <a:srgbClr val="000000"/>
+                              </a:solidFill>
+                              <a:uFillTx/>
+                              <a:latin typeface="Segoe UI" pitchFamily="34" charset="0"/>
+                              <a:ea typeface="+mn-ea"/>
+                              <a:cs typeface="Segoe UI" pitchFamily="34" charset="0"/>
+                              <a:sym typeface="Source Sans Pro"/>
+                            </a:rPr>
+                            <a:t> </a:t>
+                          </a:r>
+                          <a:r>
+                            <a:rPr lang="en-GB" sz="1000" b="0" i="0" u="none" strike="noStrike" cap="none" spc="0" baseline="0">
+                              <a:ln>
+                                <a:noFill/>
+                              </a:ln>
+                              <a:solidFill>
+                                <a:srgbClr val="000000"/>
+                              </a:solidFill>
+                              <a:uFillTx/>
+                              <a:latin typeface="Segoe UI" pitchFamily="34" charset="0"/>
+                              <a:ea typeface="+mn-ea"/>
+                              <a:cs typeface="Segoe UI" pitchFamily="34" charset="0"/>
+                              <a:sym typeface="Source Sans Pro"/>
+                            </a:rPr>
+                            <a:t>: Irreducible error.</a:t>
+                          </a:r>
+                          <a:endParaRPr lang="en-GB" sz="1000" b="0" i="0" u="none" strike="noStrike" cap="none" spc="0" baseline="0" dirty="0">
+                            <a:ln>
+                              <a:noFill/>
+                            </a:ln>
+                            <a:solidFill>
+                              <a:srgbClr val="000000"/>
+                            </a:solidFill>
+                            <a:uFillTx/>
+                            <a:latin typeface="Segoe UI" pitchFamily="34" charset="0"/>
+                            <a:ea typeface="+mn-ea"/>
+                            <a:cs typeface="Segoe UI" pitchFamily="34" charset="0"/>
+                            <a:sym typeface="Source Sans Pro"/>
+                          </a:endParaRPr>
+                        </a:p>
+                      </a:txBody>
+                      <a:tcPr>
+                        <a:lnL w="6350" cap="flat" cmpd="sng" algn="ctr">
+                          <a:solidFill>
+                            <a:srgbClr val="000000"/>
+                          </a:solidFill>
+                          <a:prstDash val="solid"/>
+                          <a:round/>
+                          <a:headEnd type="none" w="med" len="med"/>
+                          <a:tailEnd type="none" w="med" len="med"/>
+                        </a:lnL>
+                        <a:lnR w="12700" cap="flat" cmpd="sng" algn="ctr">
+                          <a:solidFill>
+                            <a:schemeClr val="tx1"/>
+                          </a:solidFill>
+                          <a:prstDash val="solid"/>
+                          <a:round/>
+                          <a:headEnd type="none" w="med" len="med"/>
+                          <a:tailEnd type="none" w="med" len="med"/>
+                        </a:lnR>
+                        <a:lnT w="12700" cmpd="sng">
+                          <a:noFill/>
+                        </a:lnT>
+                        <a:lnB w="6350" cap="flat" cmpd="sng" algn="ctr">
+                          <a:noFill/>
+                          <a:prstDash val="solid"/>
+                          <a:round/>
+                          <a:headEnd type="none" w="med" len="med"/>
+                          <a:tailEnd type="none" w="med" len="med"/>
+                        </a:lnB>
+                        <a:lnTlToBr w="12700" cmpd="sng">
+                          <a:noFill/>
+                          <a:prstDash val="solid"/>
+                        </a:lnTlToBr>
+                        <a:lnBlToTr w="12700" cmpd="sng">
+                          <a:noFill/>
+                          <a:prstDash val="solid"/>
+                        </a:lnBlToTr>
+                      </a:tcPr>
+                    </a:tc>
+                    <a:extLst>
+                      <a:ext uri="{0D108BD9-81ED-4DB2-BD59-A6C34878D82A}">
+                        <a16:rowId xmlns:a16="http://schemas.microsoft.com/office/drawing/2014/main" val="1091225448"/>
+                      </a:ext>
+                    </a:extLst>
+                  </a:tr>
+                  <a:tr h="260350">
+                    <a:tc>
+                      <a:txBody>
+                        <a:bodyPr/>
+                        <a:lstStyle/>
+                        <a:p>
+                          <a:pPr marL="0" marR="0" indent="0" algn="l" defTabSz="584200" rtl="0" eaLnBrk="1" fontAlgn="auto" latinLnBrk="0" hangingPunct="1">
+                            <a:lnSpc>
+                              <a:spcPct val="100000"/>
+                            </a:lnSpc>
+                            <a:spcBef>
+                              <a:spcPts val="0"/>
+                            </a:spcBef>
+                            <a:spcAft>
+                              <a:spcPts val="0"/>
+                            </a:spcAft>
+                            <a:buClrTx/>
+                            <a:buSzTx/>
+                            <a:buFontTx/>
+                            <a:buNone/>
+                            <a:tabLst/>
+                            <a:defRPr/>
+                          </a:pPr>
+                          <a:r>
+                            <a:rPr lang="en-GB" sz="1000" b="0" i="0" u="none" strike="noStrike" cap="none" spc="0" baseline="0" dirty="0">
+                              <a:ln>
+                                <a:noFill/>
+                              </a:ln>
+                              <a:solidFill>
+                                <a:srgbClr val="000000"/>
+                              </a:solidFill>
+                              <a:uFillTx/>
+                              <a:latin typeface="Segoe UI" pitchFamily="34" charset="0"/>
+                              <a:ea typeface="+mn-ea"/>
+                              <a:cs typeface="Segoe UI" pitchFamily="34" charset="0"/>
+                              <a:sym typeface="Source Sans Pro"/>
+                            </a:rPr>
+                            <a:t>Source: </a:t>
+                          </a:r>
+                          <a:r>
+                            <a:rPr lang="en-GB" sz="1000" b="0" i="0" u="none" strike="noStrike" cap="none" spc="0" baseline="0" dirty="0">
+                              <a:ln>
+                                <a:noFill/>
+                              </a:ln>
+                              <a:solidFill>
+                                <a:srgbClr val="000000"/>
+                              </a:solidFill>
+                              <a:uFillTx/>
+                              <a:latin typeface="Segoe UI" pitchFamily="34" charset="0"/>
+                              <a:ea typeface="+mn-ea"/>
+                              <a:cs typeface="Segoe UI" pitchFamily="34" charset="0"/>
+                              <a:sym typeface="Helvetica Light"/>
+                            </a:rPr>
+                            <a:t>ISL Ch. 1, 2</a:t>
+                          </a:r>
+                          <a:endParaRPr lang="en-GB" sz="1000" b="0" i="0" u="none" strike="noStrike" cap="none" spc="0" baseline="0" dirty="0">
+                            <a:ln>
+                              <a:noFill/>
+                            </a:ln>
+                            <a:solidFill>
+                              <a:srgbClr val="000000"/>
+                            </a:solidFill>
+                            <a:uFillTx/>
+                            <a:latin typeface="Segoe UI" pitchFamily="34" charset="0"/>
+                            <a:ea typeface="+mn-ea"/>
+                            <a:cs typeface="Segoe UI" pitchFamily="34" charset="0"/>
+                            <a:sym typeface="Source Sans Pro"/>
+                          </a:endParaRPr>
+                        </a:p>
+                      </a:txBody>
+                      <a:tcPr>
+                        <a:lnL w="6350" cap="flat" cmpd="sng" algn="ctr">
+                          <a:solidFill>
+                            <a:srgbClr val="000000"/>
+                          </a:solidFill>
+                          <a:prstDash val="solid"/>
+                          <a:round/>
+                          <a:headEnd type="none" w="med" len="med"/>
+                          <a:tailEnd type="none" w="med" len="med"/>
+                        </a:lnL>
+                        <a:lnR w="12700" cap="flat" cmpd="sng" algn="ctr">
+                          <a:solidFill>
+                            <a:schemeClr val="tx1"/>
+                          </a:solidFill>
+                          <a:prstDash val="solid"/>
+                          <a:round/>
+                          <a:headEnd type="none" w="med" len="med"/>
+                          <a:tailEnd type="none" w="med" len="med"/>
+                        </a:lnR>
+                        <a:lnT w="12700" cmpd="sng">
+                          <a:noFill/>
+                        </a:lnT>
+                        <a:lnB w="6350" cap="flat" cmpd="sng" algn="ctr">
+                          <a:solidFill>
+                            <a:srgbClr val="000000"/>
+                          </a:solidFill>
+                          <a:prstDash val="solid"/>
+                          <a:round/>
+                          <a:headEnd type="none" w="med" len="med"/>
+                          <a:tailEnd type="none" w="med" len="med"/>
+                        </a:lnB>
+                        <a:lnTlToBr w="12700" cmpd="sng">
+                          <a:noFill/>
+                          <a:prstDash val="solid"/>
+                        </a:lnTlToBr>
+                        <a:lnBlToTr w="12700" cmpd="sng">
+                          <a:noFill/>
+                          <a:prstDash val="solid"/>
+                        </a:lnBlToTr>
+                      </a:tcPr>
+                    </a:tc>
+                    <a:extLst>
+                      <a:ext uri="{0D108BD9-81ED-4DB2-BD59-A6C34878D82A}">
+                        <a16:rowId xmlns:a16="http://schemas.microsoft.com/office/drawing/2014/main" val="10007"/>
+                      </a:ext>
+                    </a:extLst>
+                  </a:tr>
+                </a:tbl>
+              </a:graphicData>
+            </a:graphic>
+          </p:graphicFrame>
+        </mc:Choice>
+        <mc:Fallback>
+          <p:graphicFrame>
+            <p:nvGraphicFramePr>
+              <p:cNvPr id="13" name="Table 12">
+                <a:extLst>
+                  <a:ext uri="{FF2B5EF4-FFF2-40B4-BE49-F238E27FC236}">
+                    <a16:creationId xmlns:a16="http://schemas.microsoft.com/office/drawing/2014/main" id="{0494280A-AA93-4D6A-827A-BB7B609A7172}"/>
+                  </a:ext>
+                </a:extLst>
+              </p:cNvPr>
+              <p:cNvGraphicFramePr>
+                <a:graphicFrameLocks noGrp="1"/>
+              </p:cNvGraphicFramePr>
+              <p:nvPr>
+                <p:extLst>
+                  <p:ext uri="{D42A27DB-BD31-4B8C-83A1-F6EECF244321}">
+                    <p14:modId xmlns:p14="http://schemas.microsoft.com/office/powerpoint/2010/main" val="2937756725"/>
+                  </p:ext>
+                </p:extLst>
+              </p:nvPr>
+            </p:nvGraphicFramePr>
+            <p:xfrm>
+              <a:off x="9336620" y="5015311"/>
+              <a:ext cx="3970655" cy="2973388"/>
+            </p:xfrm>
+            <a:graphic>
+              <a:graphicData uri="http://schemas.openxmlformats.org/drawingml/2006/table">
+                <a:tbl>
+                  <a:tblPr firstRow="1" bandRow="1">
+                    <a:tableStyleId>{5940675A-B579-460E-94D1-54222C63F5DA}</a:tableStyleId>
+                  </a:tblPr>
+                  <a:tblGrid>
+                    <a:gridCol w="3970655">
+                      <a:extLst>
+                        <a:ext uri="{9D8B030D-6E8A-4147-A177-3AD203B41FA5}">
+                          <a16:colId xmlns:a16="http://schemas.microsoft.com/office/drawing/2014/main" val="20000"/>
+                        </a:ext>
+                      </a:extLst>
+                    </a:gridCol>
+                  </a:tblGrid>
+                  <a:tr h="260350">
+                    <a:tc>
+                      <a:txBody>
+                        <a:bodyPr/>
+                        <a:lstStyle/>
+                        <a:p>
+                          <a:pPr algn="l"/>
+                          <a:r>
+                            <a:rPr lang="en-GB" sz="1000" b="1" baseline="0" dirty="0">
+                              <a:solidFill>
+                                <a:srgbClr val="000000"/>
+                              </a:solidFill>
+                              <a:latin typeface="Segoe UI" pitchFamily="34" charset="0"/>
+                              <a:cs typeface="Segoe UI" pitchFamily="34" charset="0"/>
+                            </a:rPr>
+                            <a:t>Evaluate Models</a:t>
+                          </a:r>
+                        </a:p>
+                      </a:txBody>
+                      <a:tcPr>
+                        <a:lnL w="6350" cap="flat" cmpd="sng" algn="ctr">
+                          <a:solidFill>
+                            <a:srgbClr val="000000"/>
+                          </a:solidFill>
+                          <a:prstDash val="solid"/>
+                          <a:round/>
+                          <a:headEnd type="none" w="med" len="med"/>
+                          <a:tailEnd type="none" w="med" len="med"/>
+                        </a:lnL>
+                        <a:lnR w="12700" cap="flat" cmpd="sng" algn="ctr">
+                          <a:solidFill>
+                            <a:schemeClr val="tx1"/>
+                          </a:solidFill>
+                          <a:prstDash val="solid"/>
+                          <a:round/>
+                          <a:headEnd type="none" w="med" len="med"/>
+                          <a:tailEnd type="none" w="med" len="med"/>
+                        </a:lnR>
+                        <a:lnT w="6350" cap="flat" cmpd="sng" algn="ctr">
+                          <a:solidFill>
+                            <a:srgbClr val="000000"/>
+                          </a:solidFill>
+                          <a:prstDash val="solid"/>
+                          <a:round/>
+                          <a:headEnd type="none" w="med" len="med"/>
+                          <a:tailEnd type="none" w="med" len="med"/>
+                        </a:lnT>
+                        <a:lnB w="6350" cap="flat" cmpd="sng" algn="ctr">
+                          <a:solidFill>
+                            <a:srgbClr val="000000"/>
+                          </a:solidFill>
+                          <a:prstDash val="solid"/>
+                          <a:round/>
+                          <a:headEnd type="none" w="med" len="med"/>
+                          <a:tailEnd type="none" w="med" len="med"/>
+                        </a:lnB>
+                        <a:lnTlToBr w="12700" cmpd="sng">
+                          <a:noFill/>
+                          <a:prstDash val="solid"/>
+                        </a:lnTlToBr>
+                        <a:lnBlToTr w="12700" cmpd="sng">
+                          <a:noFill/>
+                          <a:prstDash val="solid"/>
+                        </a:lnBlToTr>
+                      </a:tcPr>
+                    </a:tc>
+                    <a:extLst>
+                      <a:ext uri="{0D108BD9-81ED-4DB2-BD59-A6C34878D82A}">
+                        <a16:rowId xmlns:a16="http://schemas.microsoft.com/office/drawing/2014/main" val="10000"/>
+                      </a:ext>
+                    </a:extLst>
+                  </a:tr>
+                  <a:tr h="260350">
+                    <a:tc>
+                      <a:txBody>
+                        <a:bodyPr/>
+                        <a:lstStyle/>
+                        <a:p>
+                          <a:pPr marL="0" marR="0" indent="0" algn="l" defTabSz="584200" rtl="0" eaLnBrk="1" fontAlgn="auto" latinLnBrk="0" hangingPunct="1">
+                            <a:lnSpc>
+                              <a:spcPct val="100000"/>
+                            </a:lnSpc>
+                            <a:spcBef>
+                              <a:spcPts val="0"/>
+                            </a:spcBef>
+                            <a:spcAft>
+                              <a:spcPts val="0"/>
+                            </a:spcAft>
+                            <a:buClrTx/>
+                            <a:buSzTx/>
+                            <a:buFontTx/>
+                            <a:buNone/>
+                            <a:tabLst/>
+                            <a:defRPr/>
+                          </a:pPr>
+                          <a:r>
+                            <a:rPr lang="en-US" sz="1000" b="0" i="0" u="none" strike="noStrike" cap="none" spc="0" baseline="0" dirty="0">
+                              <a:ln>
+                                <a:noFill/>
+                              </a:ln>
+                              <a:solidFill>
+                                <a:srgbClr val="000000"/>
+                              </a:solidFill>
+                              <a:uFillTx/>
+                              <a:latin typeface="Segoe UI" pitchFamily="34" charset="0"/>
+                              <a:ea typeface="+mn-ea"/>
+                              <a:cs typeface="Segoe UI" pitchFamily="34" charset="0"/>
+                              <a:sym typeface="Source Sans Pro"/>
+                            </a:rPr>
+                            <a:t>Use MSE on test data.</a:t>
+                          </a:r>
+                        </a:p>
+                      </a:txBody>
+                      <a:tcPr>
+                        <a:lnL w="6350" cap="flat" cmpd="sng" algn="ctr">
+                          <a:solidFill>
+                            <a:srgbClr val="000000"/>
+                          </a:solidFill>
+                          <a:prstDash val="solid"/>
+                          <a:round/>
+                          <a:headEnd type="none" w="med" len="med"/>
+                          <a:tailEnd type="none" w="med" len="med"/>
+                        </a:lnL>
+                        <a:lnR w="12700" cap="flat" cmpd="sng" algn="ctr">
+                          <a:solidFill>
+                            <a:schemeClr val="tx1"/>
+                          </a:solidFill>
+                          <a:prstDash val="solid"/>
+                          <a:round/>
+                          <a:headEnd type="none" w="med" len="med"/>
+                          <a:tailEnd type="none" w="med" len="med"/>
+                        </a:lnR>
+                        <a:lnT w="6350" cap="flat" cmpd="sng" algn="ctr">
+                          <a:solidFill>
+                            <a:srgbClr val="000000"/>
+                          </a:solidFill>
+                          <a:prstDash val="solid"/>
+                          <a:round/>
+                          <a:headEnd type="none" w="med" len="med"/>
+                          <a:tailEnd type="none" w="med" len="med"/>
+                        </a:lnT>
+                        <a:lnB w="6350" cap="flat" cmpd="sng" algn="ctr">
+                          <a:noFill/>
+                          <a:prstDash val="solid"/>
+                          <a:round/>
+                          <a:headEnd type="none" w="med" len="med"/>
+                          <a:tailEnd type="none" w="med" len="med"/>
+                        </a:lnB>
+                        <a:lnTlToBr w="12700" cmpd="sng">
+                          <a:noFill/>
+                          <a:prstDash val="solid"/>
+                        </a:lnTlToBr>
+                        <a:lnBlToTr w="12700" cmpd="sng">
+                          <a:noFill/>
+                          <a:prstDash val="solid"/>
+                        </a:lnBlToTr>
+                      </a:tcPr>
+                    </a:tc>
+                    <a:extLst>
+                      <a:ext uri="{0D108BD9-81ED-4DB2-BD59-A6C34878D82A}">
+                        <a16:rowId xmlns:a16="http://schemas.microsoft.com/office/drawing/2014/main" val="10006"/>
+                      </a:ext>
+                    </a:extLst>
+                  </a:tr>
+                  <a:tr h="396240">
+                    <a:tc>
+                      <a:txBody>
+                        <a:bodyPr/>
+                        <a:lstStyle/>
+                        <a:p>
+                          <a:pPr marL="0" marR="0" lvl="0" indent="0" algn="l" defTabSz="584200" rtl="0" eaLnBrk="1" fontAlgn="auto" latinLnBrk="0" hangingPunct="1">
+                            <a:lnSpc>
+                              <a:spcPct val="100000"/>
+                            </a:lnSpc>
+                            <a:spcBef>
+                              <a:spcPts val="0"/>
+                            </a:spcBef>
+                            <a:spcAft>
+                              <a:spcPts val="0"/>
+                            </a:spcAft>
+                            <a:buClrTx/>
+                            <a:buSzTx/>
+                            <a:buFontTx/>
+                            <a:buNone/>
+                            <a:tabLst/>
+                            <a:defRPr/>
+                          </a:pPr>
+                          <a:r>
+                            <a:rPr lang="en-US" sz="1000" b="0" i="0" u="none" strike="noStrike" cap="none" spc="0" baseline="0" dirty="0">
+                              <a:ln>
+                                <a:noFill/>
+                              </a:ln>
+                              <a:solidFill>
+                                <a:srgbClr val="000000"/>
+                              </a:solidFill>
+                              <a:uFillTx/>
+                              <a:latin typeface="Segoe UI" pitchFamily="34" charset="0"/>
+                              <a:ea typeface="+mn-ea"/>
+                              <a:cs typeface="Segoe UI" pitchFamily="34" charset="0"/>
+                              <a:sym typeface="Source Sans Pro"/>
+                            </a:rPr>
+                            <a:t>No test data: Cross-validation, a method for estimating test MSE using the training data.</a:t>
+                          </a:r>
+                        </a:p>
+                      </a:txBody>
+                      <a:tcPr>
+                        <a:lnL w="6350" cap="flat" cmpd="sng" algn="ctr">
+                          <a:solidFill>
+                            <a:srgbClr val="000000"/>
+                          </a:solidFill>
+                          <a:prstDash val="solid"/>
+                          <a:round/>
+                          <a:headEnd type="none" w="med" len="med"/>
+                          <a:tailEnd type="none" w="med" len="med"/>
+                        </a:lnL>
+                        <a:lnR w="12700" cap="flat" cmpd="sng" algn="ctr">
+                          <a:solidFill>
+                            <a:schemeClr val="tx1"/>
+                          </a:solidFill>
+                          <a:prstDash val="solid"/>
+                          <a:round/>
+                          <a:headEnd type="none" w="med" len="med"/>
+                          <a:tailEnd type="none" w="med" len="med"/>
+                        </a:lnR>
+                        <a:lnT w="12700" cmpd="sng">
+                          <a:noFill/>
+                        </a:lnT>
+                        <a:lnB w="6350" cap="flat" cmpd="sng" algn="ctr">
+                          <a:noFill/>
+                          <a:prstDash val="solid"/>
+                          <a:round/>
+                          <a:headEnd type="none" w="med" len="med"/>
+                          <a:tailEnd type="none" w="med" len="med"/>
+                        </a:lnB>
+                        <a:lnTlToBr w="12700" cmpd="sng">
+                          <a:noFill/>
+                          <a:prstDash val="solid"/>
+                        </a:lnTlToBr>
+                        <a:lnBlToTr w="12700" cmpd="sng">
+                          <a:noFill/>
+                          <a:prstDash val="solid"/>
+                        </a:lnBlToTr>
+                      </a:tcPr>
+                    </a:tc>
+                    <a:extLst>
+                      <a:ext uri="{0D108BD9-81ED-4DB2-BD59-A6C34878D82A}">
+                        <a16:rowId xmlns:a16="http://schemas.microsoft.com/office/drawing/2014/main" val="2650464264"/>
+                      </a:ext>
+                    </a:extLst>
+                  </a:tr>
+                  <a:tr h="260350">
+                    <a:tc>
+                      <a:txBody>
+                        <a:bodyPr/>
+                        <a:lstStyle/>
+                        <a:p>
+                          <a:pPr marL="0" marR="0" indent="0" algn="l" defTabSz="584200" rtl="0" eaLnBrk="1" fontAlgn="auto" latinLnBrk="0" hangingPunct="1">
+                            <a:lnSpc>
+                              <a:spcPct val="100000"/>
+                            </a:lnSpc>
+                            <a:spcBef>
+                              <a:spcPts val="0"/>
+                            </a:spcBef>
+                            <a:spcAft>
+                              <a:spcPts val="0"/>
+                            </a:spcAft>
+                            <a:buClrTx/>
+                            <a:buSzTx/>
+                            <a:buFontTx/>
+                            <a:buNone/>
+                            <a:tabLst/>
+                            <a:defRPr/>
+                          </a:pPr>
+                          <a:r>
+                            <a:rPr lang="en-GB" sz="1000" b="1" i="0" u="none" strike="noStrike" cap="none" spc="0" baseline="0" dirty="0">
+                              <a:ln>
+                                <a:noFill/>
+                              </a:ln>
+                              <a:solidFill>
+                                <a:srgbClr val="000000"/>
+                              </a:solidFill>
+                              <a:uFillTx/>
+                              <a:latin typeface="Segoe UI" pitchFamily="34" charset="0"/>
+                              <a:ea typeface="+mn-ea"/>
+                              <a:cs typeface="Segoe UI" pitchFamily="34" charset="0"/>
+                              <a:sym typeface="Source Sans Pro"/>
+                            </a:rPr>
+                            <a:t>Bias-Variance Trade-Off</a:t>
+                          </a:r>
+                          <a:r>
+                            <a:rPr lang="en-GB" sz="1000" b="0" i="0" u="none" strike="noStrike" cap="none" spc="0" baseline="0" dirty="0">
+                              <a:ln>
+                                <a:noFill/>
+                              </a:ln>
+                              <a:solidFill>
+                                <a:srgbClr val="000000"/>
+                              </a:solidFill>
+                              <a:uFillTx/>
+                              <a:latin typeface="Segoe UI" pitchFamily="34" charset="0"/>
+                              <a:ea typeface="+mn-ea"/>
+                              <a:cs typeface="Segoe UI" pitchFamily="34" charset="0"/>
+                              <a:sym typeface="Source Sans Pro"/>
+                            </a:rPr>
+                            <a:t> Test MSE is sum of</a:t>
+                          </a:r>
+                        </a:p>
+                      </a:txBody>
+                      <a:tcPr>
+                        <a:lnL w="6350" cap="flat" cmpd="sng" algn="ctr">
+                          <a:solidFill>
+                            <a:srgbClr val="000000"/>
+                          </a:solidFill>
+                          <a:prstDash val="solid"/>
+                          <a:round/>
+                          <a:headEnd type="none" w="med" len="med"/>
+                          <a:tailEnd type="none" w="med" len="med"/>
+                        </a:lnL>
+                        <a:lnR w="12700" cap="flat" cmpd="sng" algn="ctr">
+                          <a:solidFill>
+                            <a:schemeClr val="tx1"/>
+                          </a:solidFill>
+                          <a:prstDash val="solid"/>
+                          <a:round/>
+                          <a:headEnd type="none" w="med" len="med"/>
+                          <a:tailEnd type="none" w="med" len="med"/>
+                        </a:lnR>
+                        <a:lnT w="12700" cmpd="sng">
+                          <a:noFill/>
+                        </a:lnT>
+                        <a:lnB w="6350" cap="flat" cmpd="sng" algn="ctr">
+                          <a:noFill/>
+                          <a:prstDash val="solid"/>
+                          <a:round/>
+                          <a:headEnd type="none" w="med" len="med"/>
+                          <a:tailEnd type="none" w="med" len="med"/>
+                        </a:lnB>
+                        <a:lnTlToBr w="12700" cmpd="sng">
+                          <a:noFill/>
+                          <a:prstDash val="solid"/>
+                        </a:lnTlToBr>
+                        <a:lnBlToTr w="12700" cmpd="sng">
+                          <a:noFill/>
+                          <a:prstDash val="solid"/>
+                        </a:lnBlToTr>
+                      </a:tcPr>
+                    </a:tc>
+                    <a:extLst>
+                      <a:ext uri="{0D108BD9-81ED-4DB2-BD59-A6C34878D82A}">
+                        <a16:rowId xmlns:a16="http://schemas.microsoft.com/office/drawing/2014/main" val="1708595694"/>
+                      </a:ext>
+                    </a:extLst>
+                  </a:tr>
+                  <a:tr h="718185">
+                    <a:tc>
+                      <a:txBody>
+                        <a:bodyPr/>
+                        <a:lstStyle/>
+                        <a:p>
+                          <a:endParaRPr lang="sv-SE"/>
+                        </a:p>
+                      </a:txBody>
+                      <a:tcPr>
+                        <a:lnL w="6350" cap="flat" cmpd="sng" algn="ctr">
+                          <a:solidFill>
+                            <a:srgbClr val="000000"/>
+                          </a:solidFill>
+                          <a:prstDash val="solid"/>
+                          <a:round/>
+                          <a:headEnd type="none" w="med" len="med"/>
+                          <a:tailEnd type="none" w="med" len="med"/>
+                        </a:lnL>
+                        <a:lnR w="12700" cap="flat" cmpd="sng" algn="ctr">
+                          <a:solidFill>
+                            <a:schemeClr val="tx1"/>
+                          </a:solidFill>
+                          <a:prstDash val="solid"/>
+                          <a:round/>
+                          <a:headEnd type="none" w="med" len="med"/>
+                          <a:tailEnd type="none" w="med" len="med"/>
+                        </a:lnR>
+                        <a:lnT w="12700" cmpd="sng">
+                          <a:noFill/>
+                        </a:lnT>
+                        <a:lnB w="6350" cap="flat" cmpd="sng" algn="ctr">
+                          <a:noFill/>
+                          <a:prstDash val="solid"/>
+                          <a:round/>
+                          <a:headEnd type="none" w="med" len="med"/>
+                          <a:tailEnd type="none" w="med" len="med"/>
+                        </a:lnB>
+                        <a:lnTlToBr w="12700" cmpd="sng">
+                          <a:noFill/>
+                          <a:prstDash val="solid"/>
+                        </a:lnTlToBr>
+                        <a:lnBlToTr w="12700" cmpd="sng">
+                          <a:noFill/>
+                          <a:prstDash val="solid"/>
+                        </a:lnBlToTr>
+                        <a:blipFill>
+                          <a:blip r:embed="rId4"/>
+                          <a:stretch>
+                            <a:fillRect t="-164407" r="-307" b="-151695"/>
+                          </a:stretch>
+                        </a:blipFill>
+                      </a:tcPr>
+                    </a:tc>
+                    <a:extLst>
+                      <a:ext uri="{0D108BD9-81ED-4DB2-BD59-A6C34878D82A}">
+                        <a16:rowId xmlns:a16="http://schemas.microsoft.com/office/drawing/2014/main" val="348125559"/>
+                      </a:ext>
+                    </a:extLst>
+                  </a:tr>
+                  <a:tr h="557213">
+                    <a:tc>
+                      <a:txBody>
+                        <a:bodyPr/>
+                        <a:lstStyle/>
+                        <a:p>
+                          <a:endParaRPr lang="sv-SE"/>
+                        </a:p>
+                      </a:txBody>
+                      <a:tcPr>
+                        <a:lnL w="6350" cap="flat" cmpd="sng" algn="ctr">
+                          <a:solidFill>
+                            <a:srgbClr val="000000"/>
+                          </a:solidFill>
+                          <a:prstDash val="solid"/>
+                          <a:round/>
+                          <a:headEnd type="none" w="med" len="med"/>
+                          <a:tailEnd type="none" w="med" len="med"/>
+                        </a:lnL>
+                        <a:lnR w="12700" cap="flat" cmpd="sng" algn="ctr">
+                          <a:solidFill>
+                            <a:schemeClr val="tx1"/>
+                          </a:solidFill>
+                          <a:prstDash val="solid"/>
+                          <a:round/>
+                          <a:headEnd type="none" w="med" len="med"/>
+                          <a:tailEnd type="none" w="med" len="med"/>
+                        </a:lnR>
+                        <a:lnT w="12700" cmpd="sng">
+                          <a:noFill/>
+                        </a:lnT>
+                        <a:lnB w="6350" cap="flat" cmpd="sng" algn="ctr">
+                          <a:noFill/>
+                          <a:prstDash val="solid"/>
+                          <a:round/>
+                          <a:headEnd type="none" w="med" len="med"/>
+                          <a:tailEnd type="none" w="med" len="med"/>
+                        </a:lnB>
+                        <a:lnTlToBr w="12700" cmpd="sng">
+                          <a:noFill/>
+                          <a:prstDash val="solid"/>
+                        </a:lnTlToBr>
+                        <a:lnBlToTr w="12700" cmpd="sng">
+                          <a:noFill/>
+                          <a:prstDash val="solid"/>
+                        </a:lnBlToTr>
+                        <a:blipFill>
+                          <a:blip r:embed="rId4"/>
+                          <a:stretch>
+                            <a:fillRect t="-342857" r="-307" b="-96703"/>
+                          </a:stretch>
+                        </a:blipFill>
+                      </a:tcPr>
+                    </a:tc>
+                    <a:extLst>
+                      <a:ext uri="{0D108BD9-81ED-4DB2-BD59-A6C34878D82A}">
+                        <a16:rowId xmlns:a16="http://schemas.microsoft.com/office/drawing/2014/main" val="3295806164"/>
+                      </a:ext>
+                    </a:extLst>
+                  </a:tr>
+                  <a:tr h="260350">
+                    <a:tc>
+                      <a:txBody>
+                        <a:bodyPr/>
+                        <a:lstStyle/>
+                        <a:p>
+                          <a:endParaRPr lang="sv-SE"/>
+                        </a:p>
+                      </a:txBody>
+                      <a:tcPr>
+                        <a:lnL w="6350" cap="flat" cmpd="sng" algn="ctr">
+                          <a:solidFill>
+                            <a:srgbClr val="000000"/>
+                          </a:solidFill>
+                          <a:prstDash val="solid"/>
+                          <a:round/>
+                          <a:headEnd type="none" w="med" len="med"/>
+                          <a:tailEnd type="none" w="med" len="med"/>
+                        </a:lnL>
+                        <a:lnR w="12700" cap="flat" cmpd="sng" algn="ctr">
+                          <a:solidFill>
+                            <a:schemeClr val="tx1"/>
+                          </a:solidFill>
+                          <a:prstDash val="solid"/>
+                          <a:round/>
+                          <a:headEnd type="none" w="med" len="med"/>
+                          <a:tailEnd type="none" w="med" len="med"/>
+                        </a:lnR>
+                        <a:lnT w="12700" cmpd="sng">
+                          <a:noFill/>
+                        </a:lnT>
+                        <a:lnB w="6350" cap="flat" cmpd="sng" algn="ctr">
+                          <a:noFill/>
+                          <a:prstDash val="solid"/>
+                          <a:round/>
+                          <a:headEnd type="none" w="med" len="med"/>
+                          <a:tailEnd type="none" w="med" len="med"/>
+                        </a:lnB>
+                        <a:lnTlToBr w="12700" cmpd="sng">
+                          <a:noFill/>
+                          <a:prstDash val="solid"/>
+                        </a:lnTlToBr>
+                        <a:lnBlToTr w="12700" cmpd="sng">
+                          <a:noFill/>
+                          <a:prstDash val="solid"/>
+                        </a:lnBlToTr>
+                        <a:blipFill>
+                          <a:blip r:embed="rId4"/>
+                          <a:stretch>
+                            <a:fillRect t="-937209" r="-307" b="-104651"/>
+                          </a:stretch>
+                        </a:blipFill>
+                      </a:tcPr>
+                    </a:tc>
+                    <a:extLst>
+                      <a:ext uri="{0D108BD9-81ED-4DB2-BD59-A6C34878D82A}">
+                        <a16:rowId xmlns:a16="http://schemas.microsoft.com/office/drawing/2014/main" val="1091225448"/>
+                      </a:ext>
+                    </a:extLst>
+                  </a:tr>
+                  <a:tr h="260350">
+                    <a:tc>
+                      <a:txBody>
+                        <a:bodyPr/>
+                        <a:lstStyle/>
+                        <a:p>
+                          <a:pPr marL="0" marR="0" indent="0" algn="l" defTabSz="584200" rtl="0" eaLnBrk="1" fontAlgn="auto" latinLnBrk="0" hangingPunct="1">
+                            <a:lnSpc>
+                              <a:spcPct val="100000"/>
+                            </a:lnSpc>
+                            <a:spcBef>
+                              <a:spcPts val="0"/>
+                            </a:spcBef>
+                            <a:spcAft>
+                              <a:spcPts val="0"/>
+                            </a:spcAft>
+                            <a:buClrTx/>
+                            <a:buSzTx/>
+                            <a:buFontTx/>
+                            <a:buNone/>
+                            <a:tabLst/>
+                            <a:defRPr/>
+                          </a:pPr>
+                          <a:r>
+                            <a:rPr lang="en-GB" sz="1000" b="0" i="0" u="none" strike="noStrike" cap="none" spc="0" baseline="0" dirty="0">
+                              <a:ln>
+                                <a:noFill/>
+                              </a:ln>
+                              <a:solidFill>
+                                <a:srgbClr val="000000"/>
+                              </a:solidFill>
+                              <a:uFillTx/>
+                              <a:latin typeface="Segoe UI" pitchFamily="34" charset="0"/>
+                              <a:ea typeface="+mn-ea"/>
+                              <a:cs typeface="Segoe UI" pitchFamily="34" charset="0"/>
+                              <a:sym typeface="Source Sans Pro"/>
+                            </a:rPr>
+                            <a:t>Source: </a:t>
+                          </a:r>
+                          <a:r>
+                            <a:rPr lang="en-GB" sz="1000" b="0" i="0" u="none" strike="noStrike" cap="none" spc="0" baseline="0" dirty="0">
+                              <a:ln>
+                                <a:noFill/>
+                              </a:ln>
+                              <a:solidFill>
+                                <a:srgbClr val="000000"/>
+                              </a:solidFill>
+                              <a:uFillTx/>
+                              <a:latin typeface="Segoe UI" pitchFamily="34" charset="0"/>
+                              <a:ea typeface="+mn-ea"/>
+                              <a:cs typeface="Segoe UI" pitchFamily="34" charset="0"/>
+                              <a:sym typeface="Helvetica Light"/>
+                            </a:rPr>
+                            <a:t>ISL Ch. 1, 2</a:t>
+                          </a:r>
+                          <a:endParaRPr lang="en-GB" sz="1000" b="0" i="0" u="none" strike="noStrike" cap="none" spc="0" baseline="0" dirty="0">
+                            <a:ln>
+                              <a:noFill/>
+                            </a:ln>
+                            <a:solidFill>
+                              <a:srgbClr val="000000"/>
+                            </a:solidFill>
+                            <a:uFillTx/>
+                            <a:latin typeface="Segoe UI" pitchFamily="34" charset="0"/>
+                            <a:ea typeface="+mn-ea"/>
+                            <a:cs typeface="Segoe UI" pitchFamily="34" charset="0"/>
+                            <a:sym typeface="Source Sans Pro"/>
+                          </a:endParaRPr>
+                        </a:p>
+                      </a:txBody>
+                      <a:tcPr>
+                        <a:lnL w="6350" cap="flat" cmpd="sng" algn="ctr">
+                          <a:solidFill>
+                            <a:srgbClr val="000000"/>
+                          </a:solidFill>
+                          <a:prstDash val="solid"/>
+                          <a:round/>
+                          <a:headEnd type="none" w="med" len="med"/>
+                          <a:tailEnd type="none" w="med" len="med"/>
+                        </a:lnL>
+                        <a:lnR w="12700" cap="flat" cmpd="sng" algn="ctr">
+                          <a:solidFill>
+                            <a:schemeClr val="tx1"/>
+                          </a:solidFill>
+                          <a:prstDash val="solid"/>
+                          <a:round/>
+                          <a:headEnd type="none" w="med" len="med"/>
+                          <a:tailEnd type="none" w="med" len="med"/>
+                        </a:lnR>
+                        <a:lnT w="12700" cmpd="sng">
+                          <a:noFill/>
+                        </a:lnT>
+                        <a:lnB w="6350" cap="flat" cmpd="sng" algn="ctr">
+                          <a:solidFill>
+                            <a:srgbClr val="000000"/>
+                          </a:solidFill>
+                          <a:prstDash val="solid"/>
+                          <a:round/>
+                          <a:headEnd type="none" w="med" len="med"/>
+                          <a:tailEnd type="none" w="med" len="med"/>
+                        </a:lnB>
+                        <a:lnTlToBr w="12700" cmpd="sng">
+                          <a:noFill/>
+                          <a:prstDash val="solid"/>
+                        </a:lnTlToBr>
+                        <a:lnBlToTr w="12700" cmpd="sng">
+                          <a:noFill/>
+                          <a:prstDash val="solid"/>
+                        </a:lnBlToTr>
+                      </a:tcPr>
+                    </a:tc>
+                    <a:extLst>
+                      <a:ext uri="{0D108BD9-81ED-4DB2-BD59-A6C34878D82A}">
+                        <a16:rowId xmlns:a16="http://schemas.microsoft.com/office/drawing/2014/main" val="10007"/>
+                      </a:ext>
+                    </a:extLst>
+                  </a:tr>
+                </a:tbl>
+              </a:graphicData>
+            </a:graphic>
+          </p:graphicFrame>
+        </mc:Fallback>
+      </mc:AlternateContent>
+      <p:graphicFrame>
+        <p:nvGraphicFramePr>
+          <p:cNvPr id="14" name="Table 13">
+            <a:extLst>
+              <a:ext uri="{FF2B5EF4-FFF2-40B4-BE49-F238E27FC236}">
+                <a16:creationId xmlns:a16="http://schemas.microsoft.com/office/drawing/2014/main" id="{FE508E2A-6AF5-4306-B60F-B65C0B85CD38}"/>
+              </a:ext>
+            </a:extLst>
+          </p:cNvPr>
+          <p:cNvGraphicFramePr>
+            <a:graphicFrameLocks noGrp="1"/>
+          </p:cNvGraphicFramePr>
+          <p:nvPr>
+            <p:extLst>
+              <p:ext uri="{D42A27DB-BD31-4B8C-83A1-F6EECF244321}">
+                <p14:modId xmlns:p14="http://schemas.microsoft.com/office/powerpoint/2010/main" val="700093380"/>
+              </p:ext>
+            </p:extLst>
+          </p:nvPr>
+        </p:nvGraphicFramePr>
+        <p:xfrm>
+          <a:off x="8742260" y="8105265"/>
+          <a:ext cx="3970655" cy="1725930"/>
+        </p:xfrm>
+        <a:graphic>
+          <a:graphicData uri="http://schemas.openxmlformats.org/drawingml/2006/table">
+            <a:tbl>
+              <a:tblPr firstRow="1" bandRow="1">
+                <a:tableStyleId>{5940675A-B579-460E-94D1-54222C63F5DA}</a:tableStyleId>
+              </a:tblPr>
+              <a:tblGrid>
+                <a:gridCol w="3970655">
+                  <a:extLst>
+                    <a:ext uri="{9D8B030D-6E8A-4147-A177-3AD203B41FA5}">
+                      <a16:colId xmlns:a16="http://schemas.microsoft.com/office/drawing/2014/main" val="20000"/>
+                    </a:ext>
+                  </a:extLst>
+                </a:gridCol>
+              </a:tblGrid>
+              <a:tr h="260350">
+                <a:tc>
+                  <a:txBody>
+                    <a:bodyPr/>
+                    <a:lstStyle/>
+                    <a:p>
+                      <a:pPr algn="l"/>
+                      <a:r>
+                        <a:rPr lang="en-GB" sz="1000" b="1" baseline="0" dirty="0">
+                          <a:solidFill>
+                            <a:srgbClr val="000000"/>
+                          </a:solidFill>
+                          <a:latin typeface="Segoe UI" pitchFamily="34" charset="0"/>
+                          <a:cs typeface="Segoe UI" pitchFamily="34" charset="0"/>
+                        </a:rPr>
+                        <a:t>Statistical Learning Methods</a:t>
+                      </a:r>
+                    </a:p>
+                  </a:txBody>
+                  <a:tcPr>
+                    <a:lnL w="6350" cap="flat" cmpd="sng" algn="ctr">
+                      <a:solidFill>
+                        <a:srgbClr val="000000"/>
+                      </a:solidFill>
+                      <a:prstDash val="solid"/>
+                      <a:round/>
+                      <a:headEnd type="none" w="med" len="med"/>
+                      <a:tailEnd type="none" w="med" len="med"/>
+                    </a:lnL>
+                    <a:lnR w="12700" cap="flat" cmpd="sng" algn="ctr">
+                      <a:solidFill>
+                        <a:schemeClr val="tx1"/>
+                      </a:solidFill>
+                      <a:prstDash val="solid"/>
+                      <a:round/>
+                      <a:headEnd type="none" w="med" len="med"/>
+                      <a:tailEnd type="none" w="med" len="med"/>
+                    </a:lnR>
+                    <a:lnT w="6350" cap="flat" cmpd="sng" algn="ctr">
+                      <a:solidFill>
+                        <a:srgbClr val="000000"/>
+                      </a:solidFill>
+                      <a:prstDash val="solid"/>
+                      <a:round/>
+                      <a:headEnd type="none" w="med" len="med"/>
+                      <a:tailEnd type="none" w="med" len="med"/>
+                    </a:lnT>
+                    <a:lnB w="6350" cap="flat" cmpd="sng" algn="ctr">
+                      <a:solidFill>
+                        <a:srgbClr val="000000"/>
+                      </a:solidFill>
+                      <a:prstDash val="solid"/>
+                      <a:round/>
+                      <a:headEnd type="none" w="med" len="med"/>
+                      <a:tailEnd type="none" w="med" len="med"/>
+                    </a:lnB>
+                    <a:lnTlToBr w="12700" cmpd="sng">
+                      <a:noFill/>
+                      <a:prstDash val="solid"/>
+                    </a:lnTlToBr>
+                    <a:lnBlToTr w="12700" cmpd="sng">
+                      <a:noFill/>
+                      <a:prstDash val="solid"/>
+                    </a:lnBlToTr>
+                  </a:tcPr>
+                </a:tc>
+                <a:extLst>
+                  <a:ext uri="{0D108BD9-81ED-4DB2-BD59-A6C34878D82A}">
+                    <a16:rowId xmlns:a16="http://schemas.microsoft.com/office/drawing/2014/main" val="10000"/>
+                  </a:ext>
+                </a:extLst>
+              </a:tr>
+              <a:tr h="260350">
+                <a:tc>
+                  <a:txBody>
+                    <a:bodyPr/>
+                    <a:lstStyle/>
+                    <a:p>
+                      <a:pPr marL="0" marR="0" indent="0" algn="l" defTabSz="584200" rtl="0" eaLnBrk="1" fontAlgn="auto" latinLnBrk="0" hangingPunct="1">
+                        <a:lnSpc>
+                          <a:spcPct val="100000"/>
+                        </a:lnSpc>
+                        <a:spcBef>
+                          <a:spcPts val="0"/>
+                        </a:spcBef>
+                        <a:spcAft>
+                          <a:spcPts val="0"/>
+                        </a:spcAft>
+                        <a:buClrTx/>
+                        <a:buSzTx/>
+                        <a:buFontTx/>
+                        <a:buNone/>
+                        <a:tabLst/>
+                        <a:defRPr/>
+                      </a:pPr>
+                      <a:r>
+                        <a:rPr lang="en-US" sz="1000" b="0" i="0" u="none" strike="noStrike" cap="none" spc="0" baseline="0" dirty="0">
+                          <a:ln>
+                            <a:noFill/>
+                          </a:ln>
+                          <a:solidFill>
+                            <a:srgbClr val="000000"/>
+                          </a:solidFill>
+                          <a:uFillTx/>
+                          <a:latin typeface="Segoe UI" pitchFamily="34" charset="0"/>
+                          <a:ea typeface="+mn-ea"/>
+                          <a:cs typeface="Segoe UI" pitchFamily="34" charset="0"/>
+                          <a:sym typeface="Source Sans Pro"/>
+                        </a:rPr>
+                        <a:t>Generalized linear models, an entire class of statistical learning methods that include both linear and logistic regression as special cases</a:t>
+                      </a:r>
+                    </a:p>
+                  </a:txBody>
+                  <a:tcPr>
+                    <a:lnL w="6350" cap="flat" cmpd="sng" algn="ctr">
+                      <a:solidFill>
+                        <a:srgbClr val="000000"/>
+                      </a:solidFill>
+                      <a:prstDash val="solid"/>
+                      <a:round/>
+                      <a:headEnd type="none" w="med" len="med"/>
+                      <a:tailEnd type="none" w="med" len="med"/>
+                    </a:lnL>
+                    <a:lnR w="12700" cap="flat" cmpd="sng" algn="ctr">
+                      <a:solidFill>
+                        <a:schemeClr val="tx1"/>
+                      </a:solidFill>
+                      <a:prstDash val="solid"/>
+                      <a:round/>
+                      <a:headEnd type="none" w="med" len="med"/>
+                      <a:tailEnd type="none" w="med" len="med"/>
+                    </a:lnR>
+                    <a:lnT w="6350" cap="flat" cmpd="sng" algn="ctr">
+                      <a:solidFill>
+                        <a:srgbClr val="000000"/>
+                      </a:solidFill>
+                      <a:prstDash val="solid"/>
+                      <a:round/>
+                      <a:headEnd type="none" w="med" len="med"/>
+                      <a:tailEnd type="none" w="med" len="med"/>
+                    </a:lnT>
+                    <a:lnB w="6350" cap="flat" cmpd="sng" algn="ctr">
+                      <a:noFill/>
+                      <a:prstDash val="solid"/>
+                      <a:round/>
+                      <a:headEnd type="none" w="med" len="med"/>
+                      <a:tailEnd type="none" w="med" len="med"/>
+                    </a:lnB>
+                    <a:lnTlToBr w="12700" cmpd="sng">
+                      <a:noFill/>
+                      <a:prstDash val="solid"/>
+                    </a:lnTlToBr>
+                    <a:lnBlToTr w="12700" cmpd="sng">
+                      <a:noFill/>
+                      <a:prstDash val="solid"/>
+                    </a:lnBlToTr>
+                  </a:tcPr>
+                </a:tc>
+                <a:extLst>
+                  <a:ext uri="{0D108BD9-81ED-4DB2-BD59-A6C34878D82A}">
+                    <a16:rowId xmlns:a16="http://schemas.microsoft.com/office/drawing/2014/main" val="10006"/>
+                  </a:ext>
+                </a:extLst>
+              </a:tr>
+              <a:tr h="260350">
+                <a:tc>
+                  <a:txBody>
+                    <a:bodyPr/>
+                    <a:lstStyle/>
+                    <a:p>
+                      <a:pPr marL="0" marR="0" lvl="0" indent="0" algn="l" defTabSz="584200" rtl="0" eaLnBrk="1" fontAlgn="auto" latinLnBrk="0" hangingPunct="1">
+                        <a:lnSpc>
+                          <a:spcPct val="100000"/>
+                        </a:lnSpc>
+                        <a:spcBef>
+                          <a:spcPts val="0"/>
+                        </a:spcBef>
+                        <a:spcAft>
+                          <a:spcPts val="0"/>
+                        </a:spcAft>
+                        <a:buClrTx/>
+                        <a:buSzTx/>
+                        <a:buFontTx/>
+                        <a:buNone/>
+                        <a:tabLst/>
+                        <a:defRPr/>
+                      </a:pPr>
+                      <a:r>
+                        <a:rPr lang="en-US" sz="1000" b="0" i="0" u="none" strike="noStrike" cap="none" spc="0" baseline="0" dirty="0">
+                          <a:ln>
+                            <a:noFill/>
+                          </a:ln>
+                          <a:solidFill>
+                            <a:srgbClr val="000000"/>
+                          </a:solidFill>
+                          <a:uFillTx/>
+                          <a:latin typeface="Segoe UI" pitchFamily="34" charset="0"/>
+                          <a:ea typeface="+mn-ea"/>
+                          <a:cs typeface="Segoe UI" pitchFamily="34" charset="0"/>
+                          <a:sym typeface="Source Sans Pro"/>
+                        </a:rPr>
+                        <a:t>Generalized additive models, a class of non-linear extensions to generalized linear models.</a:t>
+                      </a:r>
+                    </a:p>
+                  </a:txBody>
+                  <a:tcPr>
+                    <a:lnL w="6350" cap="flat" cmpd="sng" algn="ctr">
+                      <a:solidFill>
+                        <a:srgbClr val="000000"/>
+                      </a:solidFill>
+                      <a:prstDash val="solid"/>
+                      <a:round/>
+                      <a:headEnd type="none" w="med" len="med"/>
+                      <a:tailEnd type="none" w="med" len="med"/>
+                    </a:lnL>
+                    <a:lnR w="12700" cap="flat" cmpd="sng" algn="ctr">
+                      <a:solidFill>
+                        <a:schemeClr val="tx1"/>
+                      </a:solidFill>
+                      <a:prstDash val="solid"/>
+                      <a:round/>
+                      <a:headEnd type="none" w="med" len="med"/>
+                      <a:tailEnd type="none" w="med" len="med"/>
+                    </a:lnR>
+                    <a:lnT w="12700" cmpd="sng">
+                      <a:noFill/>
+                    </a:lnT>
+                    <a:lnB w="6350" cap="flat" cmpd="sng" algn="ctr">
+                      <a:noFill/>
+                      <a:prstDash val="solid"/>
+                      <a:round/>
+                      <a:headEnd type="none" w="med" len="med"/>
+                      <a:tailEnd type="none" w="med" len="med"/>
+                    </a:lnB>
+                    <a:lnTlToBr w="12700" cmpd="sng">
+                      <a:noFill/>
+                      <a:prstDash val="solid"/>
+                    </a:lnTlToBr>
+                    <a:lnBlToTr w="12700" cmpd="sng">
+                      <a:noFill/>
+                      <a:prstDash val="solid"/>
+                    </a:lnBlToTr>
+                  </a:tcPr>
+                </a:tc>
+                <a:extLst>
+                  <a:ext uri="{0D108BD9-81ED-4DB2-BD59-A6C34878D82A}">
+                    <a16:rowId xmlns:a16="http://schemas.microsoft.com/office/drawing/2014/main" val="2650464264"/>
+                  </a:ext>
+                </a:extLst>
+              </a:tr>
+              <a:tr h="260350">
+                <a:tc>
+                  <a:txBody>
+                    <a:bodyPr/>
+                    <a:lstStyle/>
+                    <a:p>
+                      <a:pPr marL="0" marR="0" indent="0" algn="l" defTabSz="584200" rtl="0" eaLnBrk="1" fontAlgn="auto" latinLnBrk="0" hangingPunct="1">
+                        <a:lnSpc>
+                          <a:spcPct val="100000"/>
+                        </a:lnSpc>
+                        <a:spcBef>
+                          <a:spcPts val="0"/>
+                        </a:spcBef>
+                        <a:spcAft>
+                          <a:spcPts val="0"/>
+                        </a:spcAft>
+                        <a:buClrTx/>
+                        <a:buSzTx/>
+                        <a:buFontTx/>
+                        <a:buNone/>
+                        <a:tabLst/>
+                        <a:defRPr/>
+                      </a:pPr>
+                      <a:endParaRPr lang="en-GB" sz="1000" b="0" i="0" u="none" strike="noStrike" cap="none" spc="0" baseline="0" dirty="0">
+                        <a:ln>
+                          <a:noFill/>
+                        </a:ln>
+                        <a:solidFill>
+                          <a:srgbClr val="000000"/>
+                        </a:solidFill>
+                        <a:uFillTx/>
+                        <a:latin typeface="Segoe UI" pitchFamily="34" charset="0"/>
+                        <a:ea typeface="+mn-ea"/>
+                        <a:cs typeface="Segoe UI" pitchFamily="34" charset="0"/>
+                        <a:sym typeface="Source Sans Pro"/>
+                      </a:endParaRPr>
+                    </a:p>
+                  </a:txBody>
+                  <a:tcPr>
+                    <a:lnL w="6350" cap="flat" cmpd="sng" algn="ctr">
+                      <a:solidFill>
+                        <a:srgbClr val="000000"/>
+                      </a:solidFill>
+                      <a:prstDash val="solid"/>
+                      <a:round/>
+                      <a:headEnd type="none" w="med" len="med"/>
+                      <a:tailEnd type="none" w="med" len="med"/>
+                    </a:lnL>
+                    <a:lnR w="12700" cap="flat" cmpd="sng" algn="ctr">
+                      <a:solidFill>
+                        <a:schemeClr val="tx1"/>
+                      </a:solidFill>
+                      <a:prstDash val="solid"/>
+                      <a:round/>
+                      <a:headEnd type="none" w="med" len="med"/>
+                      <a:tailEnd type="none" w="med" len="med"/>
+                    </a:lnR>
+                    <a:lnT w="12700" cmpd="sng">
+                      <a:noFill/>
+                    </a:lnT>
+                    <a:lnB w="6350" cap="flat" cmpd="sng" algn="ctr">
+                      <a:noFill/>
+                      <a:prstDash val="solid"/>
+                      <a:round/>
+                      <a:headEnd type="none" w="med" len="med"/>
+                      <a:tailEnd type="none" w="med" len="med"/>
+                    </a:lnB>
+                    <a:lnTlToBr w="12700" cmpd="sng">
+                      <a:noFill/>
+                      <a:prstDash val="solid"/>
+                    </a:lnTlToBr>
+                    <a:lnBlToTr w="12700" cmpd="sng">
+                      <a:noFill/>
+                      <a:prstDash val="solid"/>
+                    </a:lnBlToTr>
+                  </a:tcPr>
+                </a:tc>
+                <a:extLst>
+                  <a:ext uri="{0D108BD9-81ED-4DB2-BD59-A6C34878D82A}">
+                    <a16:rowId xmlns:a16="http://schemas.microsoft.com/office/drawing/2014/main" val="1708595694"/>
+                  </a:ext>
+                </a:extLst>
+              </a:tr>
+              <a:tr h="260350">
+                <a:tc>
+                  <a:txBody>
+                    <a:bodyPr/>
+                    <a:lstStyle/>
+                    <a:p>
+                      <a:pPr marL="0" marR="0" indent="0" algn="l" defTabSz="584200" rtl="0" eaLnBrk="1" fontAlgn="auto" latinLnBrk="0" hangingPunct="1">
+                        <a:lnSpc>
+                          <a:spcPct val="100000"/>
+                        </a:lnSpc>
+                        <a:spcBef>
+                          <a:spcPts val="0"/>
+                        </a:spcBef>
+                        <a:spcAft>
+                          <a:spcPts val="0"/>
+                        </a:spcAft>
+                        <a:buClrTx/>
+                        <a:buSzTx/>
+                        <a:buFontTx/>
+                        <a:buNone/>
+                        <a:tabLst/>
+                        <a:defRPr/>
+                      </a:pPr>
+                      <a:r>
+                        <a:rPr lang="en-GB" sz="1000" b="0" i="0" u="none" strike="noStrike" cap="none" spc="0" baseline="0" dirty="0">
+                          <a:ln>
+                            <a:noFill/>
+                          </a:ln>
+                          <a:solidFill>
+                            <a:srgbClr val="000000"/>
+                          </a:solidFill>
+                          <a:uFillTx/>
+                          <a:latin typeface="Segoe UI" pitchFamily="34" charset="0"/>
+                          <a:ea typeface="+mn-ea"/>
+                          <a:cs typeface="Segoe UI" pitchFamily="34" charset="0"/>
+                          <a:sym typeface="Source Sans Pro"/>
+                        </a:rPr>
+                        <a:t>Source: </a:t>
+                      </a:r>
+                      <a:r>
+                        <a:rPr lang="en-GB" sz="1000" b="0" i="0" u="none" strike="noStrike" cap="none" spc="0" baseline="0" dirty="0">
+                          <a:ln>
+                            <a:noFill/>
+                          </a:ln>
+                          <a:solidFill>
+                            <a:srgbClr val="000000"/>
+                          </a:solidFill>
+                          <a:uFillTx/>
+                          <a:latin typeface="Segoe UI" pitchFamily="34" charset="0"/>
+                          <a:ea typeface="+mn-ea"/>
+                          <a:cs typeface="Segoe UI" pitchFamily="34" charset="0"/>
+                          <a:sym typeface="Helvetica Light"/>
+                        </a:rPr>
+                        <a:t>ISL Ch. 1</a:t>
+                      </a:r>
+                      <a:endParaRPr lang="en-GB" sz="1000" b="0" i="0" u="none" strike="noStrike" cap="none" spc="0" baseline="0" dirty="0">
+                        <a:ln>
+                          <a:noFill/>
+                        </a:ln>
+                        <a:solidFill>
+                          <a:srgbClr val="000000"/>
+                        </a:solidFill>
+                        <a:uFillTx/>
+                        <a:latin typeface="Segoe UI" pitchFamily="34" charset="0"/>
+                        <a:ea typeface="+mn-ea"/>
+                        <a:cs typeface="Segoe UI" pitchFamily="34" charset="0"/>
+                        <a:sym typeface="Source Sans Pro"/>
+                      </a:endParaRPr>
+                    </a:p>
+                  </a:txBody>
+                  <a:tcPr>
+                    <a:lnL w="6350" cap="flat" cmpd="sng" algn="ctr">
+                      <a:solidFill>
+                        <a:srgbClr val="000000"/>
+                      </a:solidFill>
+                      <a:prstDash val="solid"/>
+                      <a:round/>
+                      <a:headEnd type="none" w="med" len="med"/>
+                      <a:tailEnd type="none" w="med" len="med"/>
+                    </a:lnL>
+                    <a:lnR w="12700" cap="flat" cmpd="sng" algn="ctr">
+                      <a:solidFill>
+                        <a:schemeClr val="tx1"/>
+                      </a:solidFill>
+                      <a:prstDash val="solid"/>
+                      <a:round/>
+                      <a:headEnd type="none" w="med" len="med"/>
+                      <a:tailEnd type="none" w="med" len="med"/>
+                    </a:lnR>
+                    <a:lnT w="12700" cmpd="sng">
+                      <a:noFill/>
+                    </a:lnT>
+                    <a:lnB w="6350" cap="flat" cmpd="sng" algn="ctr">
+                      <a:solidFill>
+                        <a:srgbClr val="000000"/>
+                      </a:solidFill>
+                      <a:prstDash val="solid"/>
+                      <a:round/>
+                      <a:headEnd type="none" w="med" len="med"/>
+                      <a:tailEnd type="none" w="med" len="med"/>
+                    </a:lnB>
+                    <a:lnTlToBr w="12700" cmpd="sng">
+                      <a:noFill/>
+                      <a:prstDash val="solid"/>
+                    </a:lnTlToBr>
+                    <a:lnBlToTr w="12700" cmpd="sng">
+                      <a:noFill/>
+                      <a:prstDash val="solid"/>
+                    </a:lnBlToTr>
+                  </a:tcPr>
+                </a:tc>
+                <a:extLst>
+                  <a:ext uri="{0D108BD9-81ED-4DB2-BD59-A6C34878D82A}">
+                    <a16:rowId xmlns:a16="http://schemas.microsoft.com/office/drawing/2014/main" val="10007"/>
+                  </a:ext>
+                </a:extLst>
               </a:tr>
             </a:tbl>
           </a:graphicData>
@@ -14359,13 +17430,6 @@
     <a:masterClrMapping/>
   </p:clrMapOvr>
   <p:transition spd="med"/>
-  <p:timing>
-    <p:tnLst>
-      <p:par>
-        <p:cTn id="1" dur="indefinite" restart="never" nodeType="tmRoot"/>
-      </p:par>
-    </p:tnLst>
-  </p:timing>
 </p:sld>
 </file>
 

--- a/Forecasting.pptx
+++ b/Forecasting.pptx
@@ -317,7 +317,7 @@
   </p:defaultTextStyle>
   <p:extLst>
     <p:ext uri="{EFAFB233-063F-42B5-8137-9DF3F51BA10A}">
-      <p15:sldGuideLst xmlns:p15="http://schemas.microsoft.com/office/powerpoint/2012/main">
+      <p15:sldGuideLst xmlns:p15="http://schemas.microsoft.com/office/powerpoint/2012/main" xmlns="">
         <p15:guide id="1" orient="horz" pos="3400">
           <p15:clr>
             <a:srgbClr val="A4A3A4"/>
@@ -427,7 +427,7 @@
           <a:p>
             <a:fld id="{37C50D7F-5172-434D-9E20-E71FDF806C79}" type="datetimeFigureOut">
               <a:rPr lang="en-GB" smtClean="0"/>
-              <a:t>18/07/2019</a:t>
+              <a:t>04/09/2019</a:t>
             </a:fld>
             <a:endParaRPr lang="en-GB"/>
           </a:p>
@@ -2518,7 +2518,7 @@
           </a:ln>
           <a:extLst>
             <a:ext uri="{C572A759-6A51-4108-AA02-DFA0A04FC94B}">
-              <ma14:wrappingTextBoxFlag xmlns="" xmlns:m="http://schemas.openxmlformats.org/officeDocument/2006/math" xmlns:a14="http://schemas.microsoft.com/office/drawing/2010/main" xmlns:ma14="http://schemas.microsoft.com/office/mac/drawingml/2011/main" val="1"/>
+              <ma14:wrappingTextBoxFlag xmlns:ma14="http://schemas.microsoft.com/office/mac/drawingml/2011/main" xmlns:a14="http://schemas.microsoft.com/office/drawing/2010/main" xmlns:m="http://schemas.openxmlformats.org/officeDocument/2006/math" xmlns="" val="1"/>
             </a:ext>
           </a:extLst>
         </p:spPr>
@@ -2557,7 +2557,7 @@
           </a:ln>
           <a:extLst>
             <a:ext uri="{C572A759-6A51-4108-AA02-DFA0A04FC94B}">
-              <ma14:wrappingTextBoxFlag xmlns="" xmlns:m="http://schemas.openxmlformats.org/officeDocument/2006/math" xmlns:a14="http://schemas.microsoft.com/office/drawing/2010/main" xmlns:ma14="http://schemas.microsoft.com/office/mac/drawingml/2011/main" val="1"/>
+              <ma14:wrappingTextBoxFlag xmlns:ma14="http://schemas.microsoft.com/office/mac/drawingml/2011/main" xmlns:a14="http://schemas.microsoft.com/office/drawing/2010/main" xmlns:m="http://schemas.openxmlformats.org/officeDocument/2006/math" xmlns="" val="1"/>
             </a:ext>
           </a:extLst>
         </p:spPr>
@@ -3769,7 +3769,7 @@
                 <a:gridCol w="3825875">
                   <a:extLst>
                     <a:ext uri="{9D8B030D-6E8A-4147-A177-3AD203B41FA5}">
-                      <a16:colId xmlns:a16="http://schemas.microsoft.com/office/drawing/2014/main" val="20000"/>
+                      <a16:colId xmlns:a16="http://schemas.microsoft.com/office/drawing/2014/main" xmlns="" val="20000"/>
                     </a:ext>
                   </a:extLst>
                 </a:gridCol>
@@ -3842,7 +3842,7 @@
                 </a:tc>
                 <a:extLst>
                   <a:ext uri="{0D108BD9-81ED-4DB2-BD59-A6C34878D82A}">
-                    <a16:rowId xmlns:a16="http://schemas.microsoft.com/office/drawing/2014/main" val="10000"/>
+                    <a16:rowId xmlns:a16="http://schemas.microsoft.com/office/drawing/2014/main" xmlns="" val="10000"/>
                   </a:ext>
                 </a:extLst>
               </a:tr>
@@ -3959,7 +3959,7 @@
                 </a:tc>
                 <a:extLst>
                   <a:ext uri="{0D108BD9-81ED-4DB2-BD59-A6C34878D82A}">
-                    <a16:rowId xmlns:a16="http://schemas.microsoft.com/office/drawing/2014/main" val="10001"/>
+                    <a16:rowId xmlns:a16="http://schemas.microsoft.com/office/drawing/2014/main" xmlns="" val="10001"/>
                   </a:ext>
                 </a:extLst>
               </a:tr>
@@ -4030,7 +4030,7 @@
                 </a:tc>
                 <a:extLst>
                   <a:ext uri="{0D108BD9-81ED-4DB2-BD59-A6C34878D82A}">
-                    <a16:rowId xmlns:a16="http://schemas.microsoft.com/office/drawing/2014/main" val="10002"/>
+                    <a16:rowId xmlns:a16="http://schemas.microsoft.com/office/drawing/2014/main" xmlns="" val="10002"/>
                   </a:ext>
                 </a:extLst>
               </a:tr>
@@ -4117,7 +4117,7 @@
                 </a:tc>
                 <a:extLst>
                   <a:ext uri="{0D108BD9-81ED-4DB2-BD59-A6C34878D82A}">
-                    <a16:rowId xmlns:a16="http://schemas.microsoft.com/office/drawing/2014/main" val="10003"/>
+                    <a16:rowId xmlns:a16="http://schemas.microsoft.com/office/drawing/2014/main" xmlns="" val="10003"/>
                   </a:ext>
                 </a:extLst>
               </a:tr>
@@ -4188,7 +4188,7 @@
                 </a:tc>
                 <a:extLst>
                   <a:ext uri="{0D108BD9-81ED-4DB2-BD59-A6C34878D82A}">
-                    <a16:rowId xmlns:a16="http://schemas.microsoft.com/office/drawing/2014/main" val="10004"/>
+                    <a16:rowId xmlns:a16="http://schemas.microsoft.com/office/drawing/2014/main" xmlns="" val="10004"/>
                   </a:ext>
                 </a:extLst>
               </a:tr>
@@ -4265,7 +4265,7 @@
                 </a:tc>
                 <a:extLst>
                   <a:ext uri="{0D108BD9-81ED-4DB2-BD59-A6C34878D82A}">
-                    <a16:rowId xmlns:a16="http://schemas.microsoft.com/office/drawing/2014/main" val="10005"/>
+                    <a16:rowId xmlns:a16="http://schemas.microsoft.com/office/drawing/2014/main" xmlns="" val="10005"/>
                   </a:ext>
                 </a:extLst>
               </a:tr>
@@ -4366,7 +4366,7 @@
                 </a:tc>
                 <a:extLst>
                   <a:ext uri="{0D108BD9-81ED-4DB2-BD59-A6C34878D82A}">
-                    <a16:rowId xmlns:a16="http://schemas.microsoft.com/office/drawing/2014/main" val="10006"/>
+                    <a16:rowId xmlns:a16="http://schemas.microsoft.com/office/drawing/2014/main" xmlns="" val="10006"/>
                   </a:ext>
                 </a:extLst>
               </a:tr>
@@ -4402,7 +4402,7 @@
                 <a:gridCol w="3825875">
                   <a:extLst>
                     <a:ext uri="{9D8B030D-6E8A-4147-A177-3AD203B41FA5}">
-                      <a16:colId xmlns:a16="http://schemas.microsoft.com/office/drawing/2014/main" val="20000"/>
+                      <a16:colId xmlns:a16="http://schemas.microsoft.com/office/drawing/2014/main" xmlns="" val="20000"/>
                     </a:ext>
                   </a:extLst>
                 </a:gridCol>
@@ -4475,7 +4475,7 @@
                 </a:tc>
                 <a:extLst>
                   <a:ext uri="{0D108BD9-81ED-4DB2-BD59-A6C34878D82A}">
-                    <a16:rowId xmlns:a16="http://schemas.microsoft.com/office/drawing/2014/main" val="10000"/>
+                    <a16:rowId xmlns:a16="http://schemas.microsoft.com/office/drawing/2014/main" xmlns="" val="10000"/>
                   </a:ext>
                 </a:extLst>
               </a:tr>
@@ -4572,7 +4572,7 @@
                 </a:tc>
                 <a:extLst>
                   <a:ext uri="{0D108BD9-81ED-4DB2-BD59-A6C34878D82A}">
-                    <a16:rowId xmlns:a16="http://schemas.microsoft.com/office/drawing/2014/main" val="10001"/>
+                    <a16:rowId xmlns:a16="http://schemas.microsoft.com/office/drawing/2014/main" xmlns="" val="10001"/>
                   </a:ext>
                 </a:extLst>
               </a:tr>
@@ -4643,7 +4643,7 @@
                 </a:tc>
                 <a:extLst>
                   <a:ext uri="{0D108BD9-81ED-4DB2-BD59-A6C34878D82A}">
-                    <a16:rowId xmlns:a16="http://schemas.microsoft.com/office/drawing/2014/main" val="10002"/>
+                    <a16:rowId xmlns:a16="http://schemas.microsoft.com/office/drawing/2014/main" xmlns="" val="10002"/>
                   </a:ext>
                 </a:extLst>
               </a:tr>
@@ -4694,7 +4694,7 @@
                 </a:tc>
                 <a:extLst>
                   <a:ext uri="{0D108BD9-81ED-4DB2-BD59-A6C34878D82A}">
-                    <a16:rowId xmlns:a16="http://schemas.microsoft.com/office/drawing/2014/main" val="10003"/>
+                    <a16:rowId xmlns:a16="http://schemas.microsoft.com/office/drawing/2014/main" xmlns="" val="10003"/>
                   </a:ext>
                 </a:extLst>
               </a:tr>
@@ -4771,7 +4771,7 @@
                 </a:tc>
                 <a:extLst>
                   <a:ext uri="{0D108BD9-81ED-4DB2-BD59-A6C34878D82A}">
-                    <a16:rowId xmlns:a16="http://schemas.microsoft.com/office/drawing/2014/main" val="10004"/>
+                    <a16:rowId xmlns:a16="http://schemas.microsoft.com/office/drawing/2014/main" xmlns="" val="10004"/>
                   </a:ext>
                 </a:extLst>
               </a:tr>
@@ -4848,7 +4848,7 @@
                 </a:tc>
                 <a:extLst>
                   <a:ext uri="{0D108BD9-81ED-4DB2-BD59-A6C34878D82A}">
-                    <a16:rowId xmlns:a16="http://schemas.microsoft.com/office/drawing/2014/main" val="10005"/>
+                    <a16:rowId xmlns:a16="http://schemas.microsoft.com/office/drawing/2014/main" xmlns="" val="10005"/>
                   </a:ext>
                 </a:extLst>
               </a:tr>
@@ -4949,7 +4949,7 @@
                 </a:tc>
                 <a:extLst>
                   <a:ext uri="{0D108BD9-81ED-4DB2-BD59-A6C34878D82A}">
-                    <a16:rowId xmlns:a16="http://schemas.microsoft.com/office/drawing/2014/main" val="10006"/>
+                    <a16:rowId xmlns:a16="http://schemas.microsoft.com/office/drawing/2014/main" xmlns="" val="10006"/>
                   </a:ext>
                 </a:extLst>
               </a:tr>
@@ -5264,7 +5264,7 @@
                 <a:gridCol w="3825875">
                   <a:extLst>
                     <a:ext uri="{9D8B030D-6E8A-4147-A177-3AD203B41FA5}">
-                      <a16:colId xmlns:a16="http://schemas.microsoft.com/office/drawing/2014/main" val="20000"/>
+                      <a16:colId xmlns:a16="http://schemas.microsoft.com/office/drawing/2014/main" xmlns="" val="20000"/>
                     </a:ext>
                   </a:extLst>
                 </a:gridCol>
@@ -5337,7 +5337,7 @@
                 </a:tc>
                 <a:extLst>
                   <a:ext uri="{0D108BD9-81ED-4DB2-BD59-A6C34878D82A}">
-                    <a16:rowId xmlns:a16="http://schemas.microsoft.com/office/drawing/2014/main" val="10000"/>
+                    <a16:rowId xmlns:a16="http://schemas.microsoft.com/office/drawing/2014/main" xmlns="" val="10000"/>
                   </a:ext>
                 </a:extLst>
               </a:tr>
@@ -5425,7 +5425,7 @@
                 </a:tc>
                 <a:extLst>
                   <a:ext uri="{0D108BD9-81ED-4DB2-BD59-A6C34878D82A}">
-                    <a16:rowId xmlns:a16="http://schemas.microsoft.com/office/drawing/2014/main" val="10001"/>
+                    <a16:rowId xmlns:a16="http://schemas.microsoft.com/office/drawing/2014/main" xmlns="" val="10001"/>
                   </a:ext>
                 </a:extLst>
               </a:tr>
@@ -5461,7 +5461,7 @@
                 <a:gridCol w="3825875">
                   <a:extLst>
                     <a:ext uri="{9D8B030D-6E8A-4147-A177-3AD203B41FA5}">
-                      <a16:colId xmlns:a16="http://schemas.microsoft.com/office/drawing/2014/main" val="20000"/>
+                      <a16:colId xmlns:a16="http://schemas.microsoft.com/office/drawing/2014/main" xmlns="" val="20000"/>
                     </a:ext>
                   </a:extLst>
                 </a:gridCol>
@@ -5534,7 +5534,7 @@
                 </a:tc>
                 <a:extLst>
                   <a:ext uri="{0D108BD9-81ED-4DB2-BD59-A6C34878D82A}">
-                    <a16:rowId xmlns:a16="http://schemas.microsoft.com/office/drawing/2014/main" val="10000"/>
+                    <a16:rowId xmlns:a16="http://schemas.microsoft.com/office/drawing/2014/main" xmlns="" val="10000"/>
                   </a:ext>
                 </a:extLst>
               </a:tr>
@@ -5634,7 +5634,7 @@
                 </a:tc>
                 <a:extLst>
                   <a:ext uri="{0D108BD9-81ED-4DB2-BD59-A6C34878D82A}">
-                    <a16:rowId xmlns:a16="http://schemas.microsoft.com/office/drawing/2014/main" val="10001"/>
+                    <a16:rowId xmlns:a16="http://schemas.microsoft.com/office/drawing/2014/main" xmlns="" val="10001"/>
                   </a:ext>
                 </a:extLst>
               </a:tr>
@@ -5728,7 +5728,7 @@
                 </a:tc>
                 <a:extLst>
                   <a:ext uri="{0D108BD9-81ED-4DB2-BD59-A6C34878D82A}">
-                    <a16:rowId xmlns:a16="http://schemas.microsoft.com/office/drawing/2014/main" val="10002"/>
+                    <a16:rowId xmlns:a16="http://schemas.microsoft.com/office/drawing/2014/main" xmlns="" val="10002"/>
                   </a:ext>
                 </a:extLst>
               </a:tr>
@@ -5858,7 +5858,7 @@
                 </a:tc>
                 <a:extLst>
                   <a:ext uri="{0D108BD9-81ED-4DB2-BD59-A6C34878D82A}">
-                    <a16:rowId xmlns:a16="http://schemas.microsoft.com/office/drawing/2014/main" val="10003"/>
+                    <a16:rowId xmlns:a16="http://schemas.microsoft.com/office/drawing/2014/main" xmlns="" val="10003"/>
                   </a:ext>
                 </a:extLst>
               </a:tr>
@@ -5929,7 +5929,7 @@
                 </a:tc>
                 <a:extLst>
                   <a:ext uri="{0D108BD9-81ED-4DB2-BD59-A6C34878D82A}">
-                    <a16:rowId xmlns:a16="http://schemas.microsoft.com/office/drawing/2014/main" val="10004"/>
+                    <a16:rowId xmlns:a16="http://schemas.microsoft.com/office/drawing/2014/main" xmlns="" val="10004"/>
                   </a:ext>
                 </a:extLst>
               </a:tr>
@@ -6006,7 +6006,7 @@
                 </a:tc>
                 <a:extLst>
                   <a:ext uri="{0D108BD9-81ED-4DB2-BD59-A6C34878D82A}">
-                    <a16:rowId xmlns:a16="http://schemas.microsoft.com/office/drawing/2014/main" val="10005"/>
+                    <a16:rowId xmlns:a16="http://schemas.microsoft.com/office/drawing/2014/main" xmlns="" val="10005"/>
                   </a:ext>
                 </a:extLst>
               </a:tr>
@@ -6117,7 +6117,7 @@
                 </a:tc>
                 <a:extLst>
                   <a:ext uri="{0D108BD9-81ED-4DB2-BD59-A6C34878D82A}">
-                    <a16:rowId xmlns:a16="http://schemas.microsoft.com/office/drawing/2014/main" val="10006"/>
+                    <a16:rowId xmlns:a16="http://schemas.microsoft.com/office/drawing/2014/main" xmlns="" val="10006"/>
                   </a:ext>
                 </a:extLst>
               </a:tr>
@@ -6153,7 +6153,7 @@
                 <a:gridCol w="3825875">
                   <a:extLst>
                     <a:ext uri="{9D8B030D-6E8A-4147-A177-3AD203B41FA5}">
-                      <a16:colId xmlns:a16="http://schemas.microsoft.com/office/drawing/2014/main" val="20000"/>
+                      <a16:colId xmlns:a16="http://schemas.microsoft.com/office/drawing/2014/main" xmlns="" val="20000"/>
                     </a:ext>
                   </a:extLst>
                 </a:gridCol>
@@ -6226,7 +6226,7 @@
                 </a:tc>
                 <a:extLst>
                   <a:ext uri="{0D108BD9-81ED-4DB2-BD59-A6C34878D82A}">
-                    <a16:rowId xmlns:a16="http://schemas.microsoft.com/office/drawing/2014/main" val="10000"/>
+                    <a16:rowId xmlns:a16="http://schemas.microsoft.com/office/drawing/2014/main" xmlns="" val="10000"/>
                   </a:ext>
                 </a:extLst>
               </a:tr>
@@ -6327,7 +6327,7 @@
                 </a:tc>
                 <a:extLst>
                   <a:ext uri="{0D108BD9-81ED-4DB2-BD59-A6C34878D82A}">
-                    <a16:rowId xmlns:a16="http://schemas.microsoft.com/office/drawing/2014/main" val="10001"/>
+                    <a16:rowId xmlns:a16="http://schemas.microsoft.com/office/drawing/2014/main" xmlns="" val="10001"/>
                   </a:ext>
                 </a:extLst>
               </a:tr>
@@ -6411,7 +6411,7 @@
                 </a:tc>
                 <a:extLst>
                   <a:ext uri="{0D108BD9-81ED-4DB2-BD59-A6C34878D82A}">
-                    <a16:rowId xmlns:a16="http://schemas.microsoft.com/office/drawing/2014/main" val="10002"/>
+                    <a16:rowId xmlns:a16="http://schemas.microsoft.com/office/drawing/2014/main" xmlns="" val="10002"/>
                   </a:ext>
                 </a:extLst>
               </a:tr>
@@ -6498,7 +6498,7 @@
                 </a:tc>
                 <a:extLst>
                   <a:ext uri="{0D108BD9-81ED-4DB2-BD59-A6C34878D82A}">
-                    <a16:rowId xmlns:a16="http://schemas.microsoft.com/office/drawing/2014/main" val="10003"/>
+                    <a16:rowId xmlns:a16="http://schemas.microsoft.com/office/drawing/2014/main" xmlns="" val="10003"/>
                   </a:ext>
                 </a:extLst>
               </a:tr>
@@ -6643,7 +6643,7 @@
                 </a:tc>
                 <a:extLst>
                   <a:ext uri="{0D108BD9-81ED-4DB2-BD59-A6C34878D82A}">
-                    <a16:rowId xmlns:a16="http://schemas.microsoft.com/office/drawing/2014/main" val="10004"/>
+                    <a16:rowId xmlns:a16="http://schemas.microsoft.com/office/drawing/2014/main" xmlns="" val="10004"/>
                   </a:ext>
                 </a:extLst>
               </a:tr>
@@ -6714,7 +6714,7 @@
                 </a:tc>
                 <a:extLst>
                   <a:ext uri="{0D108BD9-81ED-4DB2-BD59-A6C34878D82A}">
-                    <a16:rowId xmlns:a16="http://schemas.microsoft.com/office/drawing/2014/main" val="10005"/>
+                    <a16:rowId xmlns:a16="http://schemas.microsoft.com/office/drawing/2014/main" xmlns="" val="10005"/>
                   </a:ext>
                 </a:extLst>
               </a:tr>
@@ -6791,7 +6791,7 @@
                 </a:tc>
                 <a:extLst>
                   <a:ext uri="{0D108BD9-81ED-4DB2-BD59-A6C34878D82A}">
-                    <a16:rowId xmlns:a16="http://schemas.microsoft.com/office/drawing/2014/main" val="10006"/>
+                    <a16:rowId xmlns:a16="http://schemas.microsoft.com/office/drawing/2014/main" xmlns="" val="10006"/>
                   </a:ext>
                 </a:extLst>
               </a:tr>
@@ -6902,7 +6902,7 @@
                 </a:tc>
                 <a:extLst>
                   <a:ext uri="{0D108BD9-81ED-4DB2-BD59-A6C34878D82A}">
-                    <a16:rowId xmlns:a16="http://schemas.microsoft.com/office/drawing/2014/main" val="10007"/>
+                    <a16:rowId xmlns:a16="http://schemas.microsoft.com/office/drawing/2014/main" xmlns="" val="10007"/>
                   </a:ext>
                 </a:extLst>
               </a:tr>
@@ -6938,7 +6938,7 @@
                 <a:gridCol w="3825875">
                   <a:extLst>
                     <a:ext uri="{9D8B030D-6E8A-4147-A177-3AD203B41FA5}">
-                      <a16:colId xmlns:a16="http://schemas.microsoft.com/office/drawing/2014/main" val="20000"/>
+                      <a16:colId xmlns:a16="http://schemas.microsoft.com/office/drawing/2014/main" xmlns="" val="20000"/>
                     </a:ext>
                   </a:extLst>
                 </a:gridCol>
@@ -7011,7 +7011,7 @@
                 </a:tc>
                 <a:extLst>
                   <a:ext uri="{0D108BD9-81ED-4DB2-BD59-A6C34878D82A}">
-                    <a16:rowId xmlns:a16="http://schemas.microsoft.com/office/drawing/2014/main" val="10000"/>
+                    <a16:rowId xmlns:a16="http://schemas.microsoft.com/office/drawing/2014/main" xmlns="" val="10000"/>
                   </a:ext>
                 </a:extLst>
               </a:tr>
@@ -7112,7 +7112,7 @@
                 </a:tc>
                 <a:extLst>
                   <a:ext uri="{0D108BD9-81ED-4DB2-BD59-A6C34878D82A}">
-                    <a16:rowId xmlns:a16="http://schemas.microsoft.com/office/drawing/2014/main" val="10001"/>
+                    <a16:rowId xmlns:a16="http://schemas.microsoft.com/office/drawing/2014/main" xmlns="" val="10001"/>
                   </a:ext>
                 </a:extLst>
               </a:tr>
@@ -7276,7 +7276,7 @@
                 </a:tc>
                 <a:extLst>
                   <a:ext uri="{0D108BD9-81ED-4DB2-BD59-A6C34878D82A}">
-                    <a16:rowId xmlns:a16="http://schemas.microsoft.com/office/drawing/2014/main" val="10002"/>
+                    <a16:rowId xmlns:a16="http://schemas.microsoft.com/office/drawing/2014/main" xmlns="" val="10002"/>
                   </a:ext>
                 </a:extLst>
               </a:tr>
@@ -7363,7 +7363,7 @@
                 </a:tc>
                 <a:extLst>
                   <a:ext uri="{0D108BD9-81ED-4DB2-BD59-A6C34878D82A}">
-                    <a16:rowId xmlns:a16="http://schemas.microsoft.com/office/drawing/2014/main" val="10003"/>
+                    <a16:rowId xmlns:a16="http://schemas.microsoft.com/office/drawing/2014/main" xmlns="" val="10003"/>
                   </a:ext>
                 </a:extLst>
               </a:tr>
@@ -7430,7 +7430,7 @@
                 </a:tc>
                 <a:extLst>
                   <a:ext uri="{0D108BD9-81ED-4DB2-BD59-A6C34878D82A}">
-                    <a16:rowId xmlns:a16="http://schemas.microsoft.com/office/drawing/2014/main" val="10004"/>
+                    <a16:rowId xmlns:a16="http://schemas.microsoft.com/office/drawing/2014/main" xmlns="" val="10004"/>
                   </a:ext>
                 </a:extLst>
               </a:tr>
@@ -7501,7 +7501,7 @@
                 </a:tc>
                 <a:extLst>
                   <a:ext uri="{0D108BD9-81ED-4DB2-BD59-A6C34878D82A}">
-                    <a16:rowId xmlns:a16="http://schemas.microsoft.com/office/drawing/2014/main" val="10005"/>
+                    <a16:rowId xmlns:a16="http://schemas.microsoft.com/office/drawing/2014/main" xmlns="" val="10005"/>
                   </a:ext>
                 </a:extLst>
               </a:tr>
@@ -7578,7 +7578,7 @@
                 </a:tc>
                 <a:extLst>
                   <a:ext uri="{0D108BD9-81ED-4DB2-BD59-A6C34878D82A}">
-                    <a16:rowId xmlns:a16="http://schemas.microsoft.com/office/drawing/2014/main" val="10006"/>
+                    <a16:rowId xmlns:a16="http://schemas.microsoft.com/office/drawing/2014/main" xmlns="" val="10006"/>
                   </a:ext>
                 </a:extLst>
               </a:tr>
@@ -7689,7 +7689,7 @@
                 </a:tc>
                 <a:extLst>
                   <a:ext uri="{0D108BD9-81ED-4DB2-BD59-A6C34878D82A}">
-                    <a16:rowId xmlns:a16="http://schemas.microsoft.com/office/drawing/2014/main" val="10007"/>
+                    <a16:rowId xmlns:a16="http://schemas.microsoft.com/office/drawing/2014/main" xmlns="" val="10007"/>
                   </a:ext>
                 </a:extLst>
               </a:tr>
@@ -7706,14 +7706,14 @@
           <p:nvPr>
             <p:extLst>
               <p:ext uri="{D42A27DB-BD31-4B8C-83A1-F6EECF244321}">
-                <p14:modId xmlns:p14="http://schemas.microsoft.com/office/powerpoint/2010/main" val="2816722327"/>
+                <p14:modId xmlns:p14="http://schemas.microsoft.com/office/powerpoint/2010/main" val="2908997296"/>
               </p:ext>
             </p:extLst>
           </p:nvPr>
         </p:nvGraphicFramePr>
         <p:xfrm>
           <a:off x="4506595" y="4099006"/>
-          <a:ext cx="3825875" cy="2795270"/>
+          <a:ext cx="3825875" cy="2014220"/>
         </p:xfrm>
         <a:graphic>
           <a:graphicData uri="http://schemas.openxmlformats.org/drawingml/2006/table">
@@ -7725,7 +7725,7 @@
                 <a:gridCol w="3825875">
                   <a:extLst>
                     <a:ext uri="{9D8B030D-6E8A-4147-A177-3AD203B41FA5}">
-                      <a16:colId xmlns:a16="http://schemas.microsoft.com/office/drawing/2014/main" val="20000"/>
+                      <a16:colId xmlns:a16="http://schemas.microsoft.com/office/drawing/2014/main" xmlns="" val="20000"/>
                     </a:ext>
                   </a:extLst>
                 </a:gridCol>
@@ -7798,7 +7798,7 @@
                 </a:tc>
                 <a:extLst>
                   <a:ext uri="{0D108BD9-81ED-4DB2-BD59-A6C34878D82A}">
-                    <a16:rowId xmlns:a16="http://schemas.microsoft.com/office/drawing/2014/main" val="10000"/>
+                    <a16:rowId xmlns:a16="http://schemas.microsoft.com/office/drawing/2014/main" xmlns="" val="10000"/>
                   </a:ext>
                 </a:extLst>
               </a:tr>
@@ -7901,7 +7901,7 @@
                 </a:tc>
                 <a:extLst>
                   <a:ext uri="{0D108BD9-81ED-4DB2-BD59-A6C34878D82A}">
-                    <a16:rowId xmlns:a16="http://schemas.microsoft.com/office/drawing/2014/main" val="10001"/>
+                    <a16:rowId xmlns:a16="http://schemas.microsoft.com/office/drawing/2014/main" xmlns="" val="10001"/>
                   </a:ext>
                 </a:extLst>
               </a:tr>
@@ -7987,7 +7987,7 @@
                 </a:tc>
                 <a:extLst>
                   <a:ext uri="{0D108BD9-81ED-4DB2-BD59-A6C34878D82A}">
-                    <a16:rowId xmlns:a16="http://schemas.microsoft.com/office/drawing/2014/main" val="10002"/>
+                    <a16:rowId xmlns:a16="http://schemas.microsoft.com/office/drawing/2014/main" xmlns="" val="10002"/>
                   </a:ext>
                 </a:extLst>
               </a:tr>
@@ -8080,11 +8080,1092 @@
                 </a:tc>
                 <a:extLst>
                   <a:ext uri="{0D108BD9-81ED-4DB2-BD59-A6C34878D82A}">
-                    <a16:rowId xmlns:a16="http://schemas.microsoft.com/office/drawing/2014/main" val="10003"/>
+                    <a16:rowId xmlns:a16="http://schemas.microsoft.com/office/drawing/2014/main" xmlns="" val="10003"/>
                   </a:ext>
                 </a:extLst>
               </a:tr>
               <a:tr h="260350">
+                <a:tc>
+                  <a:txBody>
+                    <a:bodyPr/>
+                    <a:lstStyle/>
+                    <a:p>
+                      <a:pPr marL="0" marR="0" indent="0" algn="l" defTabSz="584200" rtl="0" eaLnBrk="1" fontAlgn="auto" latinLnBrk="0" hangingPunct="1">
+                        <a:lnSpc>
+                          <a:spcPct val="100000"/>
+                        </a:lnSpc>
+                        <a:spcBef>
+                          <a:spcPts val="0"/>
+                        </a:spcBef>
+                        <a:spcAft>
+                          <a:spcPts val="0"/>
+                        </a:spcAft>
+                        <a:buClrTx/>
+                        <a:buSzTx/>
+                        <a:buFontTx/>
+                        <a:buNone/>
+                        <a:tabLst/>
+                        <a:defRPr/>
+                      </a:pPr>
+                      <a:r>
+                        <a:rPr lang="en-GB" sz="1000" b="0" i="0" u="none" strike="noStrike" cap="none" spc="0" baseline="0">
+                          <a:ln>
+                            <a:noFill/>
+                          </a:ln>
+                          <a:solidFill>
+                            <a:srgbClr val="000000"/>
+                          </a:solidFill>
+                          <a:uFillTx/>
+                          <a:latin typeface="Segoe UI" pitchFamily="34" charset="0"/>
+                          <a:ea typeface="+mn-ea"/>
+                          <a:cs typeface="Segoe UI" pitchFamily="34" charset="0"/>
+                          <a:sym typeface="Source Sans Pro"/>
+                        </a:rPr>
+                        <a:t>Source: </a:t>
+                      </a:r>
+                      <a:r>
+                        <a:rPr lang="en-GB" sz="1000" b="0" i="0" u="none" strike="noStrike" cap="none" spc="0" baseline="0">
+                          <a:ln>
+                            <a:noFill/>
+                          </a:ln>
+                          <a:solidFill>
+                            <a:srgbClr val="000000"/>
+                          </a:solidFill>
+                          <a:uFillTx/>
+                          <a:latin typeface="Segoe UI" pitchFamily="34" charset="0"/>
+                          <a:ea typeface="+mn-ea"/>
+                          <a:cs typeface="Segoe UI" pitchFamily="34" charset="0"/>
+                          <a:sym typeface="Helvetica Light"/>
+                        </a:rPr>
+                        <a:t>Business Forecasting Ch. 1.3</a:t>
+                      </a:r>
+                      <a:endParaRPr lang="en-GB" sz="1000" b="0" i="0" u="none" strike="noStrike" cap="none" spc="0" baseline="0">
+                        <a:ln>
+                          <a:noFill/>
+                        </a:ln>
+                        <a:solidFill>
+                          <a:srgbClr val="000000"/>
+                        </a:solidFill>
+                        <a:uFillTx/>
+                        <a:latin typeface="Segoe UI" pitchFamily="34" charset="0"/>
+                        <a:ea typeface="+mn-ea"/>
+                        <a:cs typeface="Segoe UI" pitchFamily="34" charset="0"/>
+                        <a:sym typeface="Source Sans Pro"/>
+                      </a:endParaRPr>
+                    </a:p>
+                  </a:txBody>
+                  <a:tcPr>
+                    <a:lnL w="6350" cap="flat" cmpd="sng" algn="ctr">
+                      <a:solidFill>
+                        <a:srgbClr val="000000"/>
+                      </a:solidFill>
+                      <a:prstDash val="solid"/>
+                      <a:round/>
+                      <a:headEnd type="none" w="med" len="med"/>
+                      <a:tailEnd type="none" w="med" len="med"/>
+                    </a:lnL>
+                    <a:lnR w="12700" cap="flat" cmpd="sng" algn="ctr">
+                      <a:solidFill>
+                        <a:schemeClr val="tx1"/>
+                      </a:solidFill>
+                      <a:prstDash val="solid"/>
+                      <a:round/>
+                      <a:headEnd type="none" w="med" len="med"/>
+                      <a:tailEnd type="none" w="med" len="med"/>
+                    </a:lnR>
+                    <a:lnT w="12700" cmpd="sng">
+                      <a:noFill/>
+                    </a:lnT>
+                    <a:lnB w="6350" cap="flat" cmpd="sng" algn="ctr">
+                      <a:solidFill>
+                        <a:srgbClr val="000000"/>
+                      </a:solidFill>
+                      <a:prstDash val="solid"/>
+                      <a:round/>
+                      <a:headEnd type="none" w="med" len="med"/>
+                      <a:tailEnd type="none" w="med" len="med"/>
+                    </a:lnB>
+                    <a:lnTlToBr w="12700" cmpd="sng">
+                      <a:noFill/>
+                      <a:prstDash val="solid"/>
+                    </a:lnTlToBr>
+                    <a:lnBlToTr w="12700" cmpd="sng">
+                      <a:noFill/>
+                      <a:prstDash val="solid"/>
+                    </a:lnBlToTr>
+                  </a:tcPr>
+                </a:tc>
+                <a:extLst>
+                  <a:ext uri="{0D108BD9-81ED-4DB2-BD59-A6C34878D82A}">
+                    <a16:rowId xmlns:a16="http://schemas.microsoft.com/office/drawing/2014/main" xmlns="" val="10007"/>
+                  </a:ext>
+                </a:extLst>
+              </a:tr>
+            </a:tbl>
+          </a:graphicData>
+        </a:graphic>
+      </p:graphicFrame>
+      <p:graphicFrame>
+        <p:nvGraphicFramePr>
+          <p:cNvPr id="10" name="Table 9"/>
+          <p:cNvGraphicFramePr>
+            <a:graphicFrameLocks noGrp="1"/>
+          </p:cNvGraphicFramePr>
+          <p:nvPr>
+            <p:extLst>
+              <p:ext uri="{D42A27DB-BD31-4B8C-83A1-F6EECF244321}">
+                <p14:modId xmlns:p14="http://schemas.microsoft.com/office/powerpoint/2010/main" val="3710135509"/>
+              </p:ext>
+            </p:extLst>
+          </p:nvPr>
+        </p:nvGraphicFramePr>
+        <p:xfrm>
+          <a:off x="8897620" y="1412956"/>
+          <a:ext cx="3825875" cy="3948430"/>
+        </p:xfrm>
+        <a:graphic>
+          <a:graphicData uri="http://schemas.openxmlformats.org/drawingml/2006/table">
+            <a:tbl>
+              <a:tblPr firstRow="1" bandRow="1">
+                <a:tableStyleId>{5940675A-B579-460E-94D1-54222C63F5DA}</a:tableStyleId>
+              </a:tblPr>
+              <a:tblGrid>
+                <a:gridCol w="3825875">
+                  <a:extLst>
+                    <a:ext uri="{9D8B030D-6E8A-4147-A177-3AD203B41FA5}">
+                      <a16:colId xmlns:a16="http://schemas.microsoft.com/office/drawing/2014/main" xmlns="" val="20000"/>
+                    </a:ext>
+                  </a:extLst>
+                </a:gridCol>
+              </a:tblGrid>
+              <a:tr h="260350">
+                <a:tc>
+                  <a:txBody>
+                    <a:bodyPr/>
+                    <a:lstStyle/>
+                    <a:p>
+                      <a:pPr algn="l"/>
+                      <a:r>
+                        <a:rPr lang="en-GB" sz="1000" b="1" baseline="0">
+                          <a:solidFill>
+                            <a:srgbClr val="000000"/>
+                          </a:solidFill>
+                          <a:latin typeface="Segoe UI" pitchFamily="34" charset="0"/>
+                          <a:cs typeface="Segoe UI" pitchFamily="34" charset="0"/>
+                        </a:rPr>
+                        <a:t>World of Low Predictability</a:t>
+                      </a:r>
+                    </a:p>
+                  </a:txBody>
+                  <a:tcPr>
+                    <a:lnL w="6350" cap="flat" cmpd="sng" algn="ctr">
+                      <a:solidFill>
+                        <a:srgbClr val="000000"/>
+                      </a:solidFill>
+                      <a:prstDash val="solid"/>
+                      <a:round/>
+                      <a:headEnd type="none" w="med" len="med"/>
+                      <a:tailEnd type="none" w="med" len="med"/>
+                    </a:lnL>
+                    <a:lnR w="12700" cap="flat" cmpd="sng" algn="ctr">
+                      <a:solidFill>
+                        <a:schemeClr val="tx1"/>
+                      </a:solidFill>
+                      <a:prstDash val="solid"/>
+                      <a:round/>
+                      <a:headEnd type="none" w="med" len="med"/>
+                      <a:tailEnd type="none" w="med" len="med"/>
+                    </a:lnR>
+                    <a:lnT w="6350" cap="flat" cmpd="sng" algn="ctr">
+                      <a:solidFill>
+                        <a:srgbClr val="000000"/>
+                      </a:solidFill>
+                      <a:prstDash val="solid"/>
+                      <a:round/>
+                      <a:headEnd type="none" w="med" len="med"/>
+                      <a:tailEnd type="none" w="med" len="med"/>
+                    </a:lnT>
+                    <a:lnB w="6350" cap="flat" cmpd="sng" algn="ctr">
+                      <a:solidFill>
+                        <a:srgbClr val="000000"/>
+                      </a:solidFill>
+                      <a:prstDash val="solid"/>
+                      <a:round/>
+                      <a:headEnd type="none" w="med" len="med"/>
+                      <a:tailEnd type="none" w="med" len="med"/>
+                    </a:lnB>
+                    <a:lnTlToBr w="12700" cmpd="sng">
+                      <a:noFill/>
+                      <a:prstDash val="solid"/>
+                    </a:lnTlToBr>
+                    <a:lnBlToTr w="12700" cmpd="sng">
+                      <a:noFill/>
+                      <a:prstDash val="solid"/>
+                    </a:lnBlToTr>
+                  </a:tcPr>
+                </a:tc>
+                <a:extLst>
+                  <a:ext uri="{0D108BD9-81ED-4DB2-BD59-A6C34878D82A}">
+                    <a16:rowId xmlns:a16="http://schemas.microsoft.com/office/drawing/2014/main" xmlns="" val="10000"/>
+                  </a:ext>
+                </a:extLst>
+              </a:tr>
+              <a:tr h="273736">
+                <a:tc>
+                  <a:txBody>
+                    <a:bodyPr/>
+                    <a:lstStyle/>
+                    <a:p>
+                      <a:pPr marL="0" marR="0" indent="0" algn="l" defTabSz="584200" rtl="0" eaLnBrk="1" fontAlgn="auto" latinLnBrk="0" hangingPunct="1">
+                        <a:lnSpc>
+                          <a:spcPct val="100000"/>
+                        </a:lnSpc>
+                        <a:spcBef>
+                          <a:spcPts val="0"/>
+                        </a:spcBef>
+                        <a:spcAft>
+                          <a:spcPts val="0"/>
+                        </a:spcAft>
+                        <a:buClrTx/>
+                        <a:buSzTx/>
+                        <a:buFontTx/>
+                        <a:buNone/>
+                        <a:tabLst/>
+                        <a:defRPr/>
+                      </a:pPr>
+                      <a:r>
+                        <a:rPr lang="en-GB" sz="1000" i="0">
+                          <a:solidFill>
+                            <a:srgbClr val="000000"/>
+                          </a:solidFill>
+                          <a:latin typeface="Segoe UI" pitchFamily="34" charset="0"/>
+                          <a:cs typeface="Segoe UI" pitchFamily="34" charset="0"/>
+                        </a:rPr>
+                        <a:t>There are extensice empirical evidence</a:t>
+                      </a:r>
+                      <a:r>
+                        <a:rPr lang="en-GB" sz="1000" i="0" baseline="0">
+                          <a:solidFill>
+                            <a:srgbClr val="000000"/>
+                          </a:solidFill>
+                          <a:latin typeface="Segoe UI" pitchFamily="34" charset="0"/>
+                          <a:cs typeface="Segoe UI" pitchFamily="34" charset="0"/>
+                        </a:rPr>
+                        <a:t> of our inability to predict the future.</a:t>
+                      </a:r>
+                      <a:endParaRPr lang="en-GB" sz="1000" i="0">
+                        <a:solidFill>
+                          <a:srgbClr val="000000"/>
+                        </a:solidFill>
+                        <a:latin typeface="Segoe UI" pitchFamily="34" charset="0"/>
+                        <a:cs typeface="Segoe UI" pitchFamily="34" charset="0"/>
+                      </a:endParaRPr>
+                    </a:p>
+                  </a:txBody>
+                  <a:tcPr>
+                    <a:lnL w="6350" cap="flat" cmpd="sng" algn="ctr">
+                      <a:solidFill>
+                        <a:srgbClr val="000000"/>
+                      </a:solidFill>
+                      <a:prstDash val="solid"/>
+                      <a:round/>
+                      <a:headEnd type="none" w="med" len="med"/>
+                      <a:tailEnd type="none" w="med" len="med"/>
+                    </a:lnL>
+                    <a:lnR w="12700" cap="flat" cmpd="sng" algn="ctr">
+                      <a:solidFill>
+                        <a:schemeClr val="tx1"/>
+                      </a:solidFill>
+                      <a:prstDash val="solid"/>
+                      <a:round/>
+                      <a:headEnd type="none" w="med" len="med"/>
+                      <a:tailEnd type="none" w="med" len="med"/>
+                    </a:lnR>
+                    <a:lnT w="6350" cap="flat" cmpd="sng" algn="ctr">
+                      <a:solidFill>
+                        <a:srgbClr val="000000"/>
+                      </a:solidFill>
+                      <a:prstDash val="solid"/>
+                      <a:round/>
+                      <a:headEnd type="none" w="med" len="med"/>
+                      <a:tailEnd type="none" w="med" len="med"/>
+                    </a:lnT>
+                    <a:lnB w="6350" cap="flat" cmpd="sng" algn="ctr">
+                      <a:noFill/>
+                      <a:prstDash val="solid"/>
+                      <a:round/>
+                      <a:headEnd type="none" w="med" len="med"/>
+                      <a:tailEnd type="none" w="med" len="med"/>
+                    </a:lnB>
+                    <a:lnTlToBr w="12700" cmpd="sng">
+                      <a:noFill/>
+                      <a:prstDash val="solid"/>
+                    </a:lnTlToBr>
+                    <a:lnBlToTr w="12700" cmpd="sng">
+                      <a:noFill/>
+                      <a:prstDash val="solid"/>
+                    </a:lnBlToTr>
+                  </a:tcPr>
+                </a:tc>
+                <a:extLst>
+                  <a:ext uri="{0D108BD9-81ED-4DB2-BD59-A6C34878D82A}">
+                    <a16:rowId xmlns:a16="http://schemas.microsoft.com/office/drawing/2014/main" xmlns="" val="10001"/>
+                  </a:ext>
+                </a:extLst>
+              </a:tr>
+              <a:tr h="273736">
+                <a:tc>
+                  <a:txBody>
+                    <a:bodyPr/>
+                    <a:lstStyle/>
+                    <a:p>
+                      <a:pPr marL="0" marR="0" indent="0" algn="l" defTabSz="584200" rtl="0" eaLnBrk="1" fontAlgn="auto" latinLnBrk="0" hangingPunct="1">
+                        <a:lnSpc>
+                          <a:spcPct val="100000"/>
+                        </a:lnSpc>
+                        <a:spcBef>
+                          <a:spcPts val="0"/>
+                        </a:spcBef>
+                        <a:spcAft>
+                          <a:spcPts val="0"/>
+                        </a:spcAft>
+                        <a:buClrTx/>
+                        <a:buSzTx/>
+                        <a:buFontTx/>
+                        <a:buNone/>
+                        <a:tabLst/>
+                        <a:defRPr/>
+                      </a:pPr>
+                      <a:r>
+                        <a:rPr lang="en-GB" sz="1000" b="0" i="0" u="none" strike="noStrike" cap="none" spc="0" baseline="0">
+                          <a:ln>
+                            <a:noFill/>
+                          </a:ln>
+                          <a:solidFill>
+                            <a:srgbClr val="000000"/>
+                          </a:solidFill>
+                          <a:uFillTx/>
+                          <a:latin typeface="Segoe UI" pitchFamily="34" charset="0"/>
+                          <a:ea typeface="+mn-ea"/>
+                          <a:cs typeface="Segoe UI" pitchFamily="34" charset="0"/>
+                          <a:sym typeface="Helvetica Light"/>
+                        </a:rPr>
+                        <a:t>There are serious limits of forecasting when complex, social systems are involved.</a:t>
+                      </a:r>
+                    </a:p>
+                  </a:txBody>
+                  <a:tcPr>
+                    <a:lnL w="6350" cap="flat" cmpd="sng" algn="ctr">
+                      <a:solidFill>
+                        <a:srgbClr val="000000"/>
+                      </a:solidFill>
+                      <a:prstDash val="solid"/>
+                      <a:round/>
+                      <a:headEnd type="none" w="med" len="med"/>
+                      <a:tailEnd type="none" w="med" len="med"/>
+                    </a:lnL>
+                    <a:lnR w="12700" cap="flat" cmpd="sng" algn="ctr">
+                      <a:solidFill>
+                        <a:schemeClr val="tx1"/>
+                      </a:solidFill>
+                      <a:prstDash val="solid"/>
+                      <a:round/>
+                      <a:headEnd type="none" w="med" len="med"/>
+                      <a:tailEnd type="none" w="med" len="med"/>
+                    </a:lnR>
+                    <a:lnT w="6350" cap="flat" cmpd="sng" algn="ctr">
+                      <a:noFill/>
+                      <a:prstDash val="solid"/>
+                      <a:round/>
+                      <a:headEnd type="none" w="med" len="med"/>
+                      <a:tailEnd type="none" w="med" len="med"/>
+                    </a:lnT>
+                    <a:lnB w="12700" cmpd="sng">
+                      <a:noFill/>
+                    </a:lnB>
+                    <a:lnTlToBr w="12700" cmpd="sng">
+                      <a:noFill/>
+                      <a:prstDash val="solid"/>
+                    </a:lnTlToBr>
+                    <a:lnBlToTr w="12700" cmpd="sng">
+                      <a:noFill/>
+                      <a:prstDash val="solid"/>
+                    </a:lnBlToTr>
+                  </a:tcPr>
+                </a:tc>
+                <a:extLst>
+                  <a:ext uri="{0D108BD9-81ED-4DB2-BD59-A6C34878D82A}">
+                    <a16:rowId xmlns:a16="http://schemas.microsoft.com/office/drawing/2014/main" xmlns="" val="10002"/>
+                  </a:ext>
+                </a:extLst>
+              </a:tr>
+              <a:tr h="260350">
+                <a:tc>
+                  <a:txBody>
+                    <a:bodyPr/>
+                    <a:lstStyle/>
+                    <a:p>
+                      <a:pPr marL="0" marR="0" indent="0" algn="l" defTabSz="584200" rtl="0" eaLnBrk="1" fontAlgn="auto" latinLnBrk="0" hangingPunct="1">
+                        <a:lnSpc>
+                          <a:spcPct val="100000"/>
+                        </a:lnSpc>
+                        <a:spcBef>
+                          <a:spcPts val="0"/>
+                        </a:spcBef>
+                        <a:spcAft>
+                          <a:spcPts val="0"/>
+                        </a:spcAft>
+                        <a:buClrTx/>
+                        <a:buSzTx/>
+                        <a:buFontTx/>
+                        <a:buNone/>
+                        <a:tabLst/>
+                        <a:defRPr/>
+                      </a:pPr>
+                      <a:r>
+                        <a:rPr lang="en-GB" sz="1000">
+                          <a:solidFill>
+                            <a:srgbClr val="000000"/>
+                          </a:solidFill>
+                          <a:latin typeface="Segoe UI" pitchFamily="34" charset="0"/>
+                          <a:cs typeface="Segoe UI" pitchFamily="34" charset="0"/>
+                        </a:rPr>
+                        <a:t>“Simple” models do not necessarily fit past data well, but predict the future better than complex or sophisticated</a:t>
+                      </a:r>
+                      <a:r>
+                        <a:rPr lang="en-GB" sz="1000" baseline="0">
+                          <a:solidFill>
+                            <a:srgbClr val="000000"/>
+                          </a:solidFill>
+                          <a:latin typeface="Segoe UI" pitchFamily="34" charset="0"/>
+                          <a:cs typeface="Segoe UI" pitchFamily="34" charset="0"/>
+                        </a:rPr>
+                        <a:t> statistical models.</a:t>
+                      </a:r>
+                      <a:endParaRPr lang="en-GB" sz="1000">
+                        <a:solidFill>
+                          <a:srgbClr val="000000"/>
+                        </a:solidFill>
+                        <a:latin typeface="Segoe UI" pitchFamily="34" charset="0"/>
+                        <a:cs typeface="Segoe UI" pitchFamily="34" charset="0"/>
+                      </a:endParaRPr>
+                    </a:p>
+                  </a:txBody>
+                  <a:tcPr>
+                    <a:lnL w="6350" cap="flat" cmpd="sng" algn="ctr">
+                      <a:solidFill>
+                        <a:srgbClr val="000000"/>
+                      </a:solidFill>
+                      <a:prstDash val="solid"/>
+                      <a:round/>
+                      <a:headEnd type="none" w="med" len="med"/>
+                      <a:tailEnd type="none" w="med" len="med"/>
+                    </a:lnL>
+                    <a:lnR w="12700" cap="flat" cmpd="sng" algn="ctr">
+                      <a:solidFill>
+                        <a:schemeClr val="tx1"/>
+                      </a:solidFill>
+                      <a:prstDash val="solid"/>
+                      <a:round/>
+                      <a:headEnd type="none" w="med" len="med"/>
+                      <a:tailEnd type="none" w="med" len="med"/>
+                    </a:lnR>
+                    <a:lnT w="12700" cmpd="sng">
+                      <a:noFill/>
+                    </a:lnT>
+                    <a:lnB w="12700" cmpd="sng">
+                      <a:noFill/>
+                    </a:lnB>
+                    <a:lnTlToBr w="12700" cmpd="sng">
+                      <a:noFill/>
+                      <a:prstDash val="solid"/>
+                    </a:lnTlToBr>
+                    <a:lnBlToTr w="12700" cmpd="sng">
+                      <a:noFill/>
+                      <a:prstDash val="solid"/>
+                    </a:lnBlToTr>
+                  </a:tcPr>
+                </a:tc>
+                <a:extLst>
+                  <a:ext uri="{0D108BD9-81ED-4DB2-BD59-A6C34878D82A}">
+                    <a16:rowId xmlns:a16="http://schemas.microsoft.com/office/drawing/2014/main" xmlns="" val="10003"/>
+                  </a:ext>
+                </a:extLst>
+              </a:tr>
+              <a:tr h="260350">
+                <a:tc>
+                  <a:txBody>
+                    <a:bodyPr/>
+                    <a:lstStyle/>
+                    <a:p>
+                      <a:pPr marL="0" marR="0" indent="0" algn="l" defTabSz="584200" rtl="0" eaLnBrk="1" fontAlgn="auto" latinLnBrk="0" hangingPunct="1">
+                        <a:lnSpc>
+                          <a:spcPct val="100000"/>
+                        </a:lnSpc>
+                        <a:spcBef>
+                          <a:spcPts val="0"/>
+                        </a:spcBef>
+                        <a:spcAft>
+                          <a:spcPts val="0"/>
+                        </a:spcAft>
+                        <a:buClrTx/>
+                        <a:buSzTx/>
+                        <a:buFontTx/>
+                        <a:buNone/>
+                        <a:tabLst/>
+                        <a:defRPr/>
+                      </a:pPr>
+                      <a:r>
+                        <a:rPr lang="en-GB" sz="1000" i="0">
+                          <a:solidFill>
+                            <a:srgbClr val="000000"/>
+                          </a:solidFill>
+                          <a:latin typeface="Segoe UI" pitchFamily="34" charset="0"/>
+                          <a:cs typeface="Segoe UI" pitchFamily="34" charset="0"/>
+                        </a:rPr>
+                        <a:t>Ironically, in most domains, judgmental predictions are less accurate than those of statistical</a:t>
+                      </a:r>
+                      <a:r>
+                        <a:rPr lang="en-GB" sz="1000" i="0" baseline="0">
+                          <a:solidFill>
+                            <a:srgbClr val="000000"/>
+                          </a:solidFill>
+                          <a:latin typeface="Segoe UI" pitchFamily="34" charset="0"/>
+                          <a:cs typeface="Segoe UI" pitchFamily="34" charset="0"/>
+                        </a:rPr>
+                        <a:t> models, as they are influenced by human biases and limitations.</a:t>
+                      </a:r>
+                      <a:endParaRPr lang="en-GB" sz="1000" i="0">
+                        <a:solidFill>
+                          <a:srgbClr val="000000"/>
+                        </a:solidFill>
+                        <a:latin typeface="Segoe UI" pitchFamily="34" charset="0"/>
+                        <a:cs typeface="Segoe UI" pitchFamily="34" charset="0"/>
+                      </a:endParaRPr>
+                    </a:p>
+                  </a:txBody>
+                  <a:tcPr>
+                    <a:lnL w="6350" cap="flat" cmpd="sng" algn="ctr">
+                      <a:solidFill>
+                        <a:srgbClr val="000000"/>
+                      </a:solidFill>
+                      <a:prstDash val="solid"/>
+                      <a:round/>
+                      <a:headEnd type="none" w="med" len="med"/>
+                      <a:tailEnd type="none" w="med" len="med"/>
+                    </a:lnL>
+                    <a:lnR w="12700" cap="flat" cmpd="sng" algn="ctr">
+                      <a:solidFill>
+                        <a:schemeClr val="tx1"/>
+                      </a:solidFill>
+                      <a:prstDash val="solid"/>
+                      <a:round/>
+                      <a:headEnd type="none" w="med" len="med"/>
+                      <a:tailEnd type="none" w="med" len="med"/>
+                    </a:lnR>
+                    <a:lnT w="12700" cmpd="sng">
+                      <a:noFill/>
+                    </a:lnT>
+                    <a:lnB w="12700" cmpd="sng">
+                      <a:noFill/>
+                    </a:lnB>
+                    <a:lnTlToBr w="12700" cmpd="sng">
+                      <a:noFill/>
+                      <a:prstDash val="solid"/>
+                    </a:lnTlToBr>
+                    <a:lnBlToTr w="12700" cmpd="sng">
+                      <a:noFill/>
+                      <a:prstDash val="solid"/>
+                    </a:lnBlToTr>
+                  </a:tcPr>
+                </a:tc>
+                <a:extLst>
+                  <a:ext uri="{0D108BD9-81ED-4DB2-BD59-A6C34878D82A}">
+                    <a16:rowId xmlns:a16="http://schemas.microsoft.com/office/drawing/2014/main" xmlns="" val="10004"/>
+                  </a:ext>
+                </a:extLst>
+              </a:tr>
+              <a:tr h="260350">
+                <a:tc>
+                  <a:txBody>
+                    <a:bodyPr/>
+                    <a:lstStyle/>
+                    <a:p>
+                      <a:pPr marL="0" marR="0" indent="0" algn="l" defTabSz="584200" rtl="0" eaLnBrk="1" fontAlgn="auto" latinLnBrk="0" hangingPunct="1">
+                        <a:lnSpc>
+                          <a:spcPct val="100000"/>
+                        </a:lnSpc>
+                        <a:spcBef>
+                          <a:spcPts val="0"/>
+                        </a:spcBef>
+                        <a:spcAft>
+                          <a:spcPts val="0"/>
+                        </a:spcAft>
+                        <a:buClrTx/>
+                        <a:buSzTx/>
+                        <a:buFontTx/>
+                        <a:buNone/>
+                        <a:tabLst/>
+                        <a:defRPr/>
+                      </a:pPr>
+                      <a:r>
+                        <a:rPr lang="en-GB" sz="1000" i="0">
+                          <a:solidFill>
+                            <a:srgbClr val="000000"/>
+                          </a:solidFill>
+                          <a:latin typeface="Segoe UI" pitchFamily="34" charset="0"/>
+                          <a:cs typeface="Segoe UI" pitchFamily="34" charset="0"/>
+                        </a:rPr>
+                        <a:t>Paradox</a:t>
+                      </a:r>
+                      <a:r>
+                        <a:rPr lang="en-GB" sz="1000" i="0" baseline="0">
+                          <a:solidFill>
+                            <a:srgbClr val="000000"/>
+                          </a:solidFill>
+                          <a:latin typeface="Segoe UI" pitchFamily="34" charset="0"/>
+                          <a:cs typeface="Segoe UI" pitchFamily="34" charset="0"/>
+                        </a:rPr>
+                        <a:t> of control, improved benefits if we avoid illusion of control: Choose stocks randomly (index), skip medical periodic checkups, keep flying after terrorist attacks.</a:t>
+                      </a:r>
+                      <a:endParaRPr lang="en-GB" sz="1000" i="0">
+                        <a:solidFill>
+                          <a:srgbClr val="000000"/>
+                        </a:solidFill>
+                        <a:latin typeface="Segoe UI" pitchFamily="34" charset="0"/>
+                        <a:cs typeface="Segoe UI" pitchFamily="34" charset="0"/>
+                      </a:endParaRPr>
+                    </a:p>
+                  </a:txBody>
+                  <a:tcPr>
+                    <a:lnL w="6350" cap="flat" cmpd="sng" algn="ctr">
+                      <a:solidFill>
+                        <a:srgbClr val="000000"/>
+                      </a:solidFill>
+                      <a:prstDash val="solid"/>
+                      <a:round/>
+                      <a:headEnd type="none" w="med" len="med"/>
+                      <a:tailEnd type="none" w="med" len="med"/>
+                    </a:lnL>
+                    <a:lnR w="12700" cap="flat" cmpd="sng" algn="ctr">
+                      <a:solidFill>
+                        <a:schemeClr val="tx1"/>
+                      </a:solidFill>
+                      <a:prstDash val="solid"/>
+                      <a:round/>
+                      <a:headEnd type="none" w="med" len="med"/>
+                      <a:tailEnd type="none" w="med" len="med"/>
+                    </a:lnR>
+                    <a:lnT w="12700" cmpd="sng">
+                      <a:noFill/>
+                    </a:lnT>
+                    <a:lnB w="6350" cap="flat" cmpd="sng" algn="ctr">
+                      <a:noFill/>
+                      <a:prstDash val="solid"/>
+                      <a:round/>
+                      <a:headEnd type="none" w="med" len="med"/>
+                      <a:tailEnd type="none" w="med" len="med"/>
+                    </a:lnB>
+                    <a:lnTlToBr w="12700" cmpd="sng">
+                      <a:noFill/>
+                      <a:prstDash val="solid"/>
+                    </a:lnTlToBr>
+                    <a:lnBlToTr w="12700" cmpd="sng">
+                      <a:noFill/>
+                      <a:prstDash val="solid"/>
+                    </a:lnBlToTr>
+                  </a:tcPr>
+                </a:tc>
+                <a:extLst>
+                  <a:ext uri="{0D108BD9-81ED-4DB2-BD59-A6C34878D82A}">
+                    <a16:rowId xmlns:a16="http://schemas.microsoft.com/office/drawing/2014/main" xmlns="" val="10005"/>
+                  </a:ext>
+                </a:extLst>
+              </a:tr>
+              <a:tr h="260350">
+                <a:tc>
+                  <a:txBody>
+                    <a:bodyPr/>
+                    <a:lstStyle/>
+                    <a:p>
+                      <a:pPr marL="0" marR="0" indent="0" algn="l" defTabSz="584200" rtl="0" eaLnBrk="1" fontAlgn="auto" latinLnBrk="0" hangingPunct="1">
+                        <a:lnSpc>
+                          <a:spcPct val="100000"/>
+                        </a:lnSpc>
+                        <a:spcBef>
+                          <a:spcPts val="0"/>
+                        </a:spcBef>
+                        <a:spcAft>
+                          <a:spcPts val="0"/>
+                        </a:spcAft>
+                        <a:buClrTx/>
+                        <a:buSzTx/>
+                        <a:buFontTx/>
+                        <a:buNone/>
+                        <a:tabLst/>
+                        <a:defRPr/>
+                      </a:pPr>
+                      <a:r>
+                        <a:rPr lang="en-GB" sz="1000" b="0" i="0" u="none" strike="noStrike" cap="none" spc="0" baseline="0">
+                          <a:ln>
+                            <a:noFill/>
+                          </a:ln>
+                          <a:solidFill>
+                            <a:srgbClr val="000000"/>
+                          </a:solidFill>
+                          <a:uFillTx/>
+                          <a:latin typeface="Segoe UI" pitchFamily="34" charset="0"/>
+                          <a:ea typeface="+mn-ea"/>
+                          <a:cs typeface="Segoe UI" pitchFamily="34" charset="0"/>
+                          <a:sym typeface="Source Sans Pro"/>
+                        </a:rPr>
+                        <a:t>Instead of trying accurate prediction, focus on protective strategies (insurance), being prepared (build to withstand earthquake), proactive strategies (redundancy, build cash reserves), concentrate of uncertainsy (after prediction, what’s the accuracy of that prediction).</a:t>
+                      </a:r>
+                    </a:p>
+                  </a:txBody>
+                  <a:tcPr>
+                    <a:lnL w="6350" cap="flat" cmpd="sng" algn="ctr">
+                      <a:solidFill>
+                        <a:srgbClr val="000000"/>
+                      </a:solidFill>
+                      <a:prstDash val="solid"/>
+                      <a:round/>
+                      <a:headEnd type="none" w="med" len="med"/>
+                      <a:tailEnd type="none" w="med" len="med"/>
+                    </a:lnL>
+                    <a:lnR w="12700" cap="flat" cmpd="sng" algn="ctr">
+                      <a:solidFill>
+                        <a:schemeClr val="tx1"/>
+                      </a:solidFill>
+                      <a:prstDash val="solid"/>
+                      <a:round/>
+                      <a:headEnd type="none" w="med" len="med"/>
+                      <a:tailEnd type="none" w="med" len="med"/>
+                    </a:lnR>
+                    <a:lnT w="12700" cmpd="sng">
+                      <a:noFill/>
+                    </a:lnT>
+                    <a:lnB w="6350" cap="flat" cmpd="sng" algn="ctr">
+                      <a:noFill/>
+                      <a:prstDash val="solid"/>
+                      <a:round/>
+                      <a:headEnd type="none" w="med" len="med"/>
+                      <a:tailEnd type="none" w="med" len="med"/>
+                    </a:lnB>
+                    <a:lnTlToBr w="12700" cmpd="sng">
+                      <a:noFill/>
+                      <a:prstDash val="solid"/>
+                    </a:lnTlToBr>
+                    <a:lnBlToTr w="12700" cmpd="sng">
+                      <a:noFill/>
+                      <a:prstDash val="solid"/>
+                    </a:lnBlToTr>
+                  </a:tcPr>
+                </a:tc>
+                <a:extLst>
+                  <a:ext uri="{0D108BD9-81ED-4DB2-BD59-A6C34878D82A}">
+                    <a16:rowId xmlns:a16="http://schemas.microsoft.com/office/drawing/2014/main" xmlns="" val="10006"/>
+                  </a:ext>
+                </a:extLst>
+              </a:tr>
+              <a:tr h="260350">
+                <a:tc>
+                  <a:txBody>
+                    <a:bodyPr/>
+                    <a:lstStyle/>
+                    <a:p>
+                      <a:pPr marL="0" marR="0" indent="0" algn="l" defTabSz="584200" rtl="0" eaLnBrk="1" fontAlgn="auto" latinLnBrk="0" hangingPunct="1">
+                        <a:lnSpc>
+                          <a:spcPct val="100000"/>
+                        </a:lnSpc>
+                        <a:spcBef>
+                          <a:spcPts val="0"/>
+                        </a:spcBef>
+                        <a:spcAft>
+                          <a:spcPts val="0"/>
+                        </a:spcAft>
+                        <a:buClrTx/>
+                        <a:buSzTx/>
+                        <a:buFontTx/>
+                        <a:buNone/>
+                        <a:tabLst/>
+                        <a:defRPr/>
+                      </a:pPr>
+                      <a:r>
+                        <a:rPr lang="en-GB" sz="1000" b="0" i="0" u="none" strike="noStrike" cap="none" spc="0" baseline="0">
+                          <a:ln>
+                            <a:noFill/>
+                          </a:ln>
+                          <a:solidFill>
+                            <a:srgbClr val="000000"/>
+                          </a:solidFill>
+                          <a:uFillTx/>
+                          <a:latin typeface="Segoe UI" pitchFamily="34" charset="0"/>
+                          <a:ea typeface="+mn-ea"/>
+                          <a:cs typeface="Segoe UI" pitchFamily="34" charset="0"/>
+                          <a:sym typeface="Source Sans Pro"/>
+                        </a:rPr>
+                        <a:t>Source: </a:t>
+                      </a:r>
+                      <a:r>
+                        <a:rPr lang="en-GB" sz="1000" b="0" i="0" u="none" strike="noStrike" cap="none" spc="0" baseline="0">
+                          <a:ln>
+                            <a:noFill/>
+                          </a:ln>
+                          <a:solidFill>
+                            <a:srgbClr val="000000"/>
+                          </a:solidFill>
+                          <a:uFillTx/>
+                          <a:latin typeface="Segoe UI" pitchFamily="34" charset="0"/>
+                          <a:ea typeface="+mn-ea"/>
+                          <a:cs typeface="Segoe UI" pitchFamily="34" charset="0"/>
+                          <a:sym typeface="Helvetica Light"/>
+                        </a:rPr>
+                        <a:t>Makridakis, Taleb. </a:t>
+                      </a:r>
+                      <a:r>
+                        <a:rPr lang="en-GB" sz="1000" b="0" i="1" u="none" strike="noStrike" cap="none" spc="0" baseline="0">
+                          <a:ln>
+                            <a:noFill/>
+                          </a:ln>
+                          <a:solidFill>
+                            <a:srgbClr val="000000"/>
+                          </a:solidFill>
+                          <a:uFillTx/>
+                          <a:latin typeface="Segoe UI" pitchFamily="34" charset="0"/>
+                          <a:ea typeface="+mn-ea"/>
+                          <a:cs typeface="Segoe UI" pitchFamily="34" charset="0"/>
+                          <a:sym typeface="Helvetica Light"/>
+                        </a:rPr>
+                        <a:t>Living in a world of low levels of predictability.</a:t>
+                      </a:r>
+                      <a:endParaRPr lang="en-GB" sz="1000" b="0" i="0" u="none" strike="noStrike" cap="none" spc="0" baseline="0">
+                        <a:ln>
+                          <a:noFill/>
+                        </a:ln>
+                        <a:solidFill>
+                          <a:srgbClr val="000000"/>
+                        </a:solidFill>
+                        <a:uFillTx/>
+                        <a:latin typeface="Segoe UI" pitchFamily="34" charset="0"/>
+                        <a:ea typeface="+mn-ea"/>
+                        <a:cs typeface="Segoe UI" pitchFamily="34" charset="0"/>
+                        <a:sym typeface="Source Sans Pro"/>
+                      </a:endParaRPr>
+                    </a:p>
+                  </a:txBody>
+                  <a:tcPr>
+                    <a:lnL w="6350" cap="flat" cmpd="sng" algn="ctr">
+                      <a:solidFill>
+                        <a:srgbClr val="000000"/>
+                      </a:solidFill>
+                      <a:prstDash val="solid"/>
+                      <a:round/>
+                      <a:headEnd type="none" w="med" len="med"/>
+                      <a:tailEnd type="none" w="med" len="med"/>
+                    </a:lnL>
+                    <a:lnR w="12700" cap="flat" cmpd="sng" algn="ctr">
+                      <a:solidFill>
+                        <a:schemeClr val="tx1"/>
+                      </a:solidFill>
+                      <a:prstDash val="solid"/>
+                      <a:round/>
+                      <a:headEnd type="none" w="med" len="med"/>
+                      <a:tailEnd type="none" w="med" len="med"/>
+                    </a:lnR>
+                    <a:lnT w="12700" cmpd="sng">
+                      <a:noFill/>
+                    </a:lnT>
+                    <a:lnB w="6350" cap="flat" cmpd="sng" algn="ctr">
+                      <a:solidFill>
+                        <a:srgbClr val="000000"/>
+                      </a:solidFill>
+                      <a:prstDash val="solid"/>
+                      <a:round/>
+                      <a:headEnd type="none" w="med" len="med"/>
+                      <a:tailEnd type="none" w="med" len="med"/>
+                    </a:lnB>
+                    <a:lnTlToBr w="12700" cmpd="sng">
+                      <a:noFill/>
+                      <a:prstDash val="solid"/>
+                    </a:lnTlToBr>
+                    <a:lnBlToTr w="12700" cmpd="sng">
+                      <a:noFill/>
+                      <a:prstDash val="solid"/>
+                    </a:lnBlToTr>
+                  </a:tcPr>
+                </a:tc>
+                <a:extLst>
+                  <a:ext uri="{0D108BD9-81ED-4DB2-BD59-A6C34878D82A}">
+                    <a16:rowId xmlns:a16="http://schemas.microsoft.com/office/drawing/2014/main" xmlns="" val="10007"/>
+                  </a:ext>
+                </a:extLst>
+              </a:tr>
+            </a:tbl>
+          </a:graphicData>
+        </a:graphic>
+      </p:graphicFrame>
+      <p:graphicFrame>
+        <p:nvGraphicFramePr>
+          <p:cNvPr id="11" name="Table 10">
+            <a:extLst>
+              <a:ext uri="{FF2B5EF4-FFF2-40B4-BE49-F238E27FC236}">
+                <a16:creationId xmlns:a16="http://schemas.microsoft.com/office/drawing/2014/main" xmlns="" id="{89A0890F-C2A1-4C8E-8FCC-616EEA42A90B}"/>
+              </a:ext>
+            </a:extLst>
+          </p:cNvPr>
+          <p:cNvGraphicFramePr>
+            <a:graphicFrameLocks noGrp="1"/>
+          </p:cNvGraphicFramePr>
+          <p:nvPr>
+            <p:extLst>
+              <p:ext uri="{D42A27DB-BD31-4B8C-83A1-F6EECF244321}">
+                <p14:modId xmlns:p14="http://schemas.microsoft.com/office/powerpoint/2010/main" val="3087410493"/>
+              </p:ext>
+            </p:extLst>
+          </p:nvPr>
+        </p:nvGraphicFramePr>
+        <p:xfrm>
+          <a:off x="4646502" y="1651687"/>
+          <a:ext cx="3546060" cy="1315136"/>
+        </p:xfrm>
+        <a:graphic>
+          <a:graphicData uri="http://schemas.openxmlformats.org/drawingml/2006/table">
+            <a:tbl>
+              <a:tblPr firstRow="1" bandRow="1">
+                <a:tableStyleId>{5940675A-B579-460E-94D1-54222C63F5DA}</a:tableStyleId>
+              </a:tblPr>
+              <a:tblGrid>
+                <a:gridCol w="1333954">
+                  <a:extLst>
+                    <a:ext uri="{9D8B030D-6E8A-4147-A177-3AD203B41FA5}">
+                      <a16:colId xmlns:a16="http://schemas.microsoft.com/office/drawing/2014/main" xmlns="" val="20000"/>
+                    </a:ext>
+                  </a:extLst>
+                </a:gridCol>
+                <a:gridCol w="380538">
+                  <a:extLst>
+                    <a:ext uri="{9D8B030D-6E8A-4147-A177-3AD203B41FA5}">
+                      <a16:colId xmlns:a16="http://schemas.microsoft.com/office/drawing/2014/main" xmlns="" val="20001"/>
+                    </a:ext>
+                  </a:extLst>
+                </a:gridCol>
+                <a:gridCol w="1831568">
+                  <a:extLst>
+                    <a:ext uri="{9D8B030D-6E8A-4147-A177-3AD203B41FA5}">
+                      <a16:colId xmlns:a16="http://schemas.microsoft.com/office/drawing/2014/main" xmlns="" val="20002"/>
+                    </a:ext>
+                  </a:extLst>
+                </a:gridCol>
+              </a:tblGrid>
+              <a:tr h="260350">
+                <a:tc gridSpan="3">
+                  <a:txBody>
+                    <a:bodyPr/>
+                    <a:lstStyle/>
+                    <a:p>
+                      <a:pPr algn="l"/>
+                      <a:r>
+                        <a:rPr lang="en-GB" sz="1000" b="1">
+                          <a:solidFill>
+                            <a:srgbClr val="000000"/>
+                          </a:solidFill>
+                          <a:latin typeface="Segoe UI" pitchFamily="34" charset="0"/>
+                          <a:cs typeface="Segoe UI" pitchFamily="34" charset="0"/>
+                        </a:rPr>
+                        <a:t>What is (not) possible to forecast?</a:t>
+                      </a:r>
+                      <a:endParaRPr lang="en-GB" sz="1000" b="0" baseline="0">
+                        <a:solidFill>
+                          <a:srgbClr val="000000"/>
+                        </a:solidFill>
+                        <a:latin typeface="Segoe UI" pitchFamily="34" charset="0"/>
+                        <a:cs typeface="Segoe UI" pitchFamily="34" charset="0"/>
+                      </a:endParaRPr>
+                    </a:p>
+                  </a:txBody>
+                  <a:tcPr>
+                    <a:lnL w="6350" cap="flat" cmpd="sng" algn="ctr">
+                      <a:solidFill>
+                        <a:srgbClr val="000000"/>
+                      </a:solidFill>
+                      <a:prstDash val="solid"/>
+                      <a:round/>
+                      <a:headEnd type="none" w="med" len="med"/>
+                      <a:tailEnd type="none" w="med" len="med"/>
+                    </a:lnL>
+                    <a:lnR w="6350" cap="flat" cmpd="sng" algn="ctr">
+                      <a:solidFill>
+                        <a:srgbClr val="000000"/>
+                      </a:solidFill>
+                      <a:prstDash val="solid"/>
+                      <a:round/>
+                      <a:headEnd type="none" w="med" len="med"/>
+                      <a:tailEnd type="none" w="med" len="med"/>
+                    </a:lnR>
+                    <a:lnT w="6350" cap="flat" cmpd="sng" algn="ctr">
+                      <a:solidFill>
+                        <a:srgbClr val="000000"/>
+                      </a:solidFill>
+                      <a:prstDash val="solid"/>
+                      <a:round/>
+                      <a:headEnd type="none" w="med" len="med"/>
+                      <a:tailEnd type="none" w="med" len="med"/>
+                    </a:lnT>
+                    <a:lnB w="6350" cap="flat" cmpd="sng" algn="ctr">
+                      <a:solidFill>
+                        <a:srgbClr val="000000"/>
+                      </a:solidFill>
+                      <a:prstDash val="solid"/>
+                      <a:round/>
+                      <a:headEnd type="none" w="med" len="med"/>
+                      <a:tailEnd type="none" w="med" len="med"/>
+                    </a:lnB>
+                    <a:lnTlToBr w="12700" cmpd="sng">
+                      <a:noFill/>
+                      <a:prstDash val="solid"/>
+                    </a:lnTlToBr>
+                    <a:lnBlToTr w="12700" cmpd="sng">
+                      <a:noFill/>
+                      <a:prstDash val="solid"/>
+                    </a:lnBlToTr>
+                  </a:tcPr>
+                </a:tc>
+                <a:tc hMerge="1">
+                  <a:txBody>
+                    <a:bodyPr/>
+                    <a:lstStyle/>
+                    <a:p>
+                      <a:pPr algn="r"/>
+                      <a:endParaRPr lang="en-GB" sz="1000" b="1">
+                        <a:latin typeface="Segoe UI" pitchFamily="34" charset="0"/>
+                        <a:cs typeface="Segoe UI" pitchFamily="34" charset="0"/>
+                      </a:endParaRPr>
+                    </a:p>
+                  </a:txBody>
+                  <a:tcPr/>
+                </a:tc>
+                <a:tc hMerge="1">
+                  <a:txBody>
+                    <a:bodyPr/>
+                    <a:lstStyle/>
+                    <a:p>
+                      <a:pPr algn="l"/>
+                      <a:endParaRPr lang="en-GB" sz="1000" b="1">
+                        <a:latin typeface="Segoe UI" pitchFamily="34" charset="0"/>
+                        <a:cs typeface="Segoe UI" pitchFamily="34" charset="0"/>
+                      </a:endParaRPr>
+                    </a:p>
+                  </a:txBody>
+                  <a:tcPr/>
+                </a:tc>
+                <a:extLst>
+                  <a:ext uri="{0D108BD9-81ED-4DB2-BD59-A6C34878D82A}">
+                    <a16:rowId xmlns:a16="http://schemas.microsoft.com/office/drawing/2014/main" xmlns="" val="10000"/>
+                  </a:ext>
+                </a:extLst>
+              </a:tr>
+              <a:tr h="273736">
                 <a:tc>
                   <a:txBody>
                     <a:bodyPr/>
@@ -8127,16 +9208,20 @@
                       <a:tailEnd type="none" w="med" len="med"/>
                     </a:lnL>
                     <a:lnR w="12700" cap="flat" cmpd="sng" algn="ctr">
-                      <a:solidFill>
-                        <a:schemeClr val="tx1"/>
-                      </a:solidFill>
+                      <a:noFill/>
                       <a:prstDash val="solid"/>
                       <a:round/>
                       <a:headEnd type="none" w="med" len="med"/>
                       <a:tailEnd type="none" w="med" len="med"/>
                     </a:lnR>
-                    <a:lnT w="12700" cmpd="sng">
-                      <a:noFill/>
+                    <a:lnT w="6350" cap="flat" cmpd="sng" algn="ctr">
+                      <a:solidFill>
+                        <a:srgbClr val="000000"/>
+                      </a:solidFill>
+                      <a:prstDash val="solid"/>
+                      <a:round/>
+                      <a:headEnd type="none" w="med" len="med"/>
+                      <a:tailEnd type="none" w="med" len="med"/>
                     </a:lnT>
                     <a:lnB w="12700" cmpd="sng">
                       <a:noFill/>
@@ -8151,13 +9236,58 @@
                     </a:lnBlToTr>
                   </a:tcPr>
                 </a:tc>
-                <a:extLst>
-                  <a:ext uri="{0D108BD9-81ED-4DB2-BD59-A6C34878D82A}">
-                    <a16:rowId xmlns:a16="http://schemas.microsoft.com/office/drawing/2014/main" val="10004"/>
-                  </a:ext>
-                </a:extLst>
-              </a:tr>
-              <a:tr h="260350">
+                <a:tc>
+                  <a:txBody>
+                    <a:bodyPr/>
+                    <a:lstStyle/>
+                    <a:p>
+                      <a:pPr algn="r"/>
+                      <a:endParaRPr lang="en-GB" sz="1000">
+                        <a:solidFill>
+                          <a:srgbClr val="000000"/>
+                        </a:solidFill>
+                        <a:latin typeface="Segoe UI" pitchFamily="34" charset="0"/>
+                        <a:cs typeface="Segoe UI" pitchFamily="34" charset="0"/>
+                      </a:endParaRPr>
+                    </a:p>
+                  </a:txBody>
+                  <a:tcPr>
+                    <a:lnL w="12700" cap="flat" cmpd="sng" algn="ctr">
+                      <a:noFill/>
+                      <a:prstDash val="solid"/>
+                      <a:round/>
+                      <a:headEnd type="none" w="med" len="med"/>
+                      <a:tailEnd type="none" w="med" len="med"/>
+                    </a:lnL>
+                    <a:lnR w="12700" cap="flat" cmpd="sng" algn="ctr">
+                      <a:noFill/>
+                      <a:prstDash val="solid"/>
+                      <a:round/>
+                      <a:headEnd type="none" w="med" len="med"/>
+                      <a:tailEnd type="none" w="med" len="med"/>
+                    </a:lnR>
+                    <a:lnT w="6350" cap="flat" cmpd="sng" algn="ctr">
+                      <a:solidFill>
+                        <a:srgbClr val="000000"/>
+                      </a:solidFill>
+                      <a:prstDash val="solid"/>
+                      <a:round/>
+                      <a:headEnd type="none" w="med" len="med"/>
+                      <a:tailEnd type="none" w="med" len="med"/>
+                    </a:lnT>
+                    <a:lnB w="12700" cmpd="sng">
+                      <a:noFill/>
+                    </a:lnB>
+                    <a:lnTlToBr w="12700" cmpd="sng">
+                      <a:noFill/>
+                      <a:prstDash val="solid"/>
+                    </a:lnTlToBr>
+                    <a:lnBlToTr w="12700" cmpd="sng">
+                      <a:noFill/>
+                      <a:prstDash val="solid"/>
+                    </a:lnBlToTr>
+                  </a:tcPr>
+                </a:tc>
                 <a:tc>
                   <a:txBody>
                     <a:bodyPr/>
@@ -8180,7 +9310,68 @@
                         <a:tabLst/>
                         <a:defRPr/>
                       </a:pPr>
-                      <a:endParaRPr lang="en-GB" sz="1000" i="0">
+                      <a:endParaRPr lang="en-GB" sz="1000" i="1">
+                        <a:solidFill>
+                          <a:srgbClr val="000000"/>
+                        </a:solidFill>
+                        <a:latin typeface="Segoe UI" pitchFamily="34" charset="0"/>
+                        <a:cs typeface="Segoe UI" pitchFamily="34" charset="0"/>
+                      </a:endParaRPr>
+                    </a:p>
+                  </a:txBody>
+                  <a:tcPr>
+                    <a:lnL w="12700" cap="flat" cmpd="sng" algn="ctr">
+                      <a:noFill/>
+                      <a:prstDash val="solid"/>
+                      <a:round/>
+                      <a:headEnd type="none" w="med" len="med"/>
+                      <a:tailEnd type="none" w="med" len="med"/>
+                    </a:lnL>
+                    <a:lnR w="6350" cap="flat" cmpd="sng" algn="ctr">
+                      <a:solidFill>
+                        <a:srgbClr val="000000"/>
+                      </a:solidFill>
+                      <a:prstDash val="solid"/>
+                      <a:round/>
+                      <a:headEnd type="none" w="med" len="med"/>
+                      <a:tailEnd type="none" w="med" len="med"/>
+                    </a:lnR>
+                    <a:lnT w="6350" cap="flat" cmpd="sng" algn="ctr">
+                      <a:solidFill>
+                        <a:srgbClr val="000000"/>
+                      </a:solidFill>
+                      <a:prstDash val="solid"/>
+                      <a:round/>
+                      <a:headEnd type="none" w="med" len="med"/>
+                      <a:tailEnd type="none" w="med" len="med"/>
+                    </a:lnT>
+                    <a:lnB w="12700" cmpd="sng">
+                      <a:noFill/>
+                    </a:lnB>
+                    <a:lnTlToBr w="12700" cmpd="sng">
+                      <a:noFill/>
+                      <a:prstDash val="solid"/>
+                    </a:lnTlToBr>
+                    <a:lnBlToTr w="12700" cmpd="sng">
+                      <a:noFill/>
+                      <a:prstDash val="solid"/>
+                    </a:lnBlToTr>
+                  </a:tcPr>
+                </a:tc>
+                <a:extLst>
+                  <a:ext uri="{0D108BD9-81ED-4DB2-BD59-A6C34878D82A}">
+                    <a16:rowId xmlns:a16="http://schemas.microsoft.com/office/drawing/2014/main" xmlns="" val="10001"/>
+                  </a:ext>
+                </a:extLst>
+              </a:tr>
+              <a:tr h="260350">
+                <a:tc>
+                  <a:txBody>
+                    <a:bodyPr/>
+                    <a:lstStyle/>
+                    <a:p>
+                      <a:pPr algn="l"/>
+                      <a:endParaRPr lang="en-GB" sz="1000">
                         <a:solidFill>
                           <a:srgbClr val="000000"/>
                         </a:solidFill>
@@ -8199,24 +9390,96 @@
                       <a:headEnd type="none" w="med" len="med"/>
                       <a:tailEnd type="none" w="med" len="med"/>
                     </a:lnL>
-                    <a:lnR w="12700" cap="flat" cmpd="sng" algn="ctr">
-                      <a:solidFill>
-                        <a:schemeClr val="tx1"/>
-                      </a:solidFill>
-                      <a:prstDash val="solid"/>
-                      <a:round/>
-                      <a:headEnd type="none" w="med" len="med"/>
-                      <a:tailEnd type="none" w="med" len="med"/>
+                    <a:lnR w="12700" cmpd="sng">
+                      <a:noFill/>
                     </a:lnR>
                     <a:lnT w="12700" cmpd="sng">
                       <a:noFill/>
                     </a:lnT>
-                    <a:lnB w="6350" cap="flat" cmpd="sng" algn="ctr">
-                      <a:noFill/>
-                      <a:prstDash val="solid"/>
-                      <a:round/>
-                      <a:headEnd type="none" w="med" len="med"/>
-                      <a:tailEnd type="none" w="med" len="med"/>
+                    <a:lnB w="12700" cmpd="sng">
+                      <a:noFill/>
+                    </a:lnB>
+                    <a:lnTlToBr w="12700" cmpd="sng">
+                      <a:noFill/>
+                      <a:prstDash val="solid"/>
+                    </a:lnTlToBr>
+                    <a:lnBlToTr w="12700" cmpd="sng">
+                      <a:noFill/>
+                      <a:prstDash val="solid"/>
+                    </a:lnBlToTr>
+                  </a:tcPr>
+                </a:tc>
+                <a:tc>
+                  <a:txBody>
+                    <a:bodyPr/>
+                    <a:lstStyle/>
+                    <a:p>
+                      <a:pPr algn="r"/>
+                      <a:endParaRPr lang="en-GB" sz="1000">
+                        <a:solidFill>
+                          <a:srgbClr val="000000"/>
+                        </a:solidFill>
+                        <a:latin typeface="Segoe UI" pitchFamily="34" charset="0"/>
+                        <a:cs typeface="Segoe UI" pitchFamily="34" charset="0"/>
+                      </a:endParaRPr>
+                    </a:p>
+                  </a:txBody>
+                  <a:tcPr>
+                    <a:lnL w="12700" cmpd="sng">
+                      <a:noFill/>
+                    </a:lnL>
+                    <a:lnR w="12700" cmpd="sng">
+                      <a:noFill/>
+                    </a:lnR>
+                    <a:lnT w="12700" cmpd="sng">
+                      <a:noFill/>
+                    </a:lnT>
+                    <a:lnB w="12700" cmpd="sng">
+                      <a:noFill/>
+                    </a:lnB>
+                    <a:lnTlToBr w="12700" cmpd="sng">
+                      <a:noFill/>
+                      <a:prstDash val="solid"/>
+                    </a:lnTlToBr>
+                    <a:lnBlToTr w="12700" cmpd="sng">
+                      <a:noFill/>
+                      <a:prstDash val="solid"/>
+                    </a:lnBlToTr>
+                  </a:tcPr>
+                </a:tc>
+                <a:tc>
+                  <a:txBody>
+                    <a:bodyPr/>
+                    <a:lstStyle/>
+                    <a:p>
+                      <a:pPr algn="l"/>
+                      <a:endParaRPr lang="en-GB" sz="1000" i="1">
+                        <a:solidFill>
+                          <a:srgbClr val="000000"/>
+                        </a:solidFill>
+                        <a:latin typeface="Segoe UI" pitchFamily="34" charset="0"/>
+                        <a:cs typeface="Segoe UI" pitchFamily="34" charset="0"/>
+                      </a:endParaRPr>
+                    </a:p>
+                  </a:txBody>
+                  <a:tcPr>
+                    <a:lnL w="12700" cmpd="sng">
+                      <a:noFill/>
+                    </a:lnL>
+                    <a:lnR w="6350" cap="flat" cmpd="sng" algn="ctr">
+                      <a:solidFill>
+                        <a:srgbClr val="000000"/>
+                      </a:solidFill>
+                      <a:prstDash val="solid"/>
+                      <a:round/>
+                      <a:headEnd type="none" w="med" len="med"/>
+                      <a:tailEnd type="none" w="med" len="med"/>
+                    </a:lnR>
+                    <a:lnT w="12700" cmpd="sng">
+                      <a:noFill/>
+                    </a:lnT>
+                    <a:lnB w="12700" cmpd="sng">
+                      <a:noFill/>
                     </a:lnB>
                     <a:lnTlToBr w="12700" cmpd="sng">
                       <a:noFill/>
@@ -8230,7 +9493,140 @@
                 </a:tc>
                 <a:extLst>
                   <a:ext uri="{0D108BD9-81ED-4DB2-BD59-A6C34878D82A}">
-                    <a16:rowId xmlns:a16="http://schemas.microsoft.com/office/drawing/2014/main" val="10005"/>
+                    <a16:rowId xmlns:a16="http://schemas.microsoft.com/office/drawing/2014/main" xmlns="" val="10002"/>
+                  </a:ext>
+                </a:extLst>
+              </a:tr>
+              <a:tr h="260350">
+                <a:tc>
+                  <a:txBody>
+                    <a:bodyPr/>
+                    <a:lstStyle/>
+                    <a:p>
+                      <a:pPr algn="l"/>
+                      <a:endParaRPr lang="en-GB" sz="1000">
+                        <a:solidFill>
+                          <a:srgbClr val="000000"/>
+                        </a:solidFill>
+                        <a:latin typeface="Segoe UI" pitchFamily="34" charset="0"/>
+                        <a:cs typeface="Segoe UI" pitchFamily="34" charset="0"/>
+                      </a:endParaRPr>
+                    </a:p>
+                  </a:txBody>
+                  <a:tcPr>
+                    <a:lnL w="6350" cap="flat" cmpd="sng" algn="ctr">
+                      <a:solidFill>
+                        <a:srgbClr val="000000"/>
+                      </a:solidFill>
+                      <a:prstDash val="solid"/>
+                      <a:round/>
+                      <a:headEnd type="none" w="med" len="med"/>
+                      <a:tailEnd type="none" w="med" len="med"/>
+                    </a:lnL>
+                    <a:lnR w="12700" cmpd="sng">
+                      <a:noFill/>
+                    </a:lnR>
+                    <a:lnT w="12700" cmpd="sng">
+                      <a:noFill/>
+                    </a:lnT>
+                    <a:lnB w="12700" cmpd="sng">
+                      <a:noFill/>
+                    </a:lnB>
+                    <a:lnTlToBr w="12700" cmpd="sng">
+                      <a:noFill/>
+                      <a:prstDash val="solid"/>
+                    </a:lnTlToBr>
+                    <a:lnBlToTr w="12700" cmpd="sng">
+                      <a:noFill/>
+                      <a:prstDash val="solid"/>
+                    </a:lnBlToTr>
+                  </a:tcPr>
+                </a:tc>
+                <a:tc>
+                  <a:txBody>
+                    <a:bodyPr/>
+                    <a:lstStyle/>
+                    <a:p>
+                      <a:pPr algn="r"/>
+                      <a:endParaRPr lang="en-GB" sz="1000">
+                        <a:solidFill>
+                          <a:srgbClr val="000000"/>
+                        </a:solidFill>
+                        <a:latin typeface="Segoe UI" pitchFamily="34" charset="0"/>
+                        <a:cs typeface="Segoe UI" pitchFamily="34" charset="0"/>
+                      </a:endParaRPr>
+                    </a:p>
+                  </a:txBody>
+                  <a:tcPr>
+                    <a:lnL w="12700" cmpd="sng">
+                      <a:noFill/>
+                    </a:lnL>
+                    <a:lnR w="12700" cmpd="sng">
+                      <a:noFill/>
+                    </a:lnR>
+                    <a:lnT w="12700" cmpd="sng">
+                      <a:noFill/>
+                    </a:lnT>
+                    <a:lnB w="12700" cmpd="sng">
+                      <a:noFill/>
+                    </a:lnB>
+                    <a:lnTlToBr w="12700" cmpd="sng">
+                      <a:noFill/>
+                      <a:prstDash val="solid"/>
+                    </a:lnTlToBr>
+                    <a:lnBlToTr w="12700" cmpd="sng">
+                      <a:noFill/>
+                      <a:prstDash val="solid"/>
+                    </a:lnBlToTr>
+                  </a:tcPr>
+                </a:tc>
+                <a:tc>
+                  <a:txBody>
+                    <a:bodyPr/>
+                    <a:lstStyle/>
+                    <a:p>
+                      <a:pPr algn="l"/>
+                      <a:endParaRPr lang="en-GB" sz="1000">
+                        <a:solidFill>
+                          <a:srgbClr val="000000"/>
+                        </a:solidFill>
+                        <a:latin typeface="Segoe UI" pitchFamily="34" charset="0"/>
+                        <a:cs typeface="Segoe UI" pitchFamily="34" charset="0"/>
+                      </a:endParaRPr>
+                    </a:p>
+                  </a:txBody>
+                  <a:tcPr>
+                    <a:lnL w="12700" cmpd="sng">
+                      <a:noFill/>
+                    </a:lnL>
+                    <a:lnR w="6350" cap="flat" cmpd="sng" algn="ctr">
+                      <a:solidFill>
+                        <a:srgbClr val="000000"/>
+                      </a:solidFill>
+                      <a:prstDash val="solid"/>
+                      <a:round/>
+                      <a:headEnd type="none" w="med" len="med"/>
+                      <a:tailEnd type="none" w="med" len="med"/>
+                    </a:lnR>
+                    <a:lnT w="12700" cmpd="sng">
+                      <a:noFill/>
+                    </a:lnT>
+                    <a:lnB w="12700" cmpd="sng">
+                      <a:noFill/>
+                    </a:lnB>
+                    <a:lnTlToBr w="12700" cmpd="sng">
+                      <a:noFill/>
+                      <a:prstDash val="solid"/>
+                    </a:lnTlToBr>
+                    <a:lnBlToTr w="12700" cmpd="sng">
+                      <a:noFill/>
+                      <a:prstDash val="solid"/>
+                    </a:lnBlToTr>
+                  </a:tcPr>
+                </a:tc>
+                <a:extLst>
+                  <a:ext uri="{0D108BD9-81ED-4DB2-BD59-A6C34878D82A}">
+                    <a16:rowId xmlns:a16="http://schemas.microsoft.com/office/drawing/2014/main" xmlns="" val="10003"/>
                   </a:ext>
                 </a:extLst>
               </a:tr>
@@ -8282,1635 +9678,6 @@
                       <a:headEnd type="none" w="med" len="med"/>
                       <a:tailEnd type="none" w="med" len="med"/>
                     </a:lnL>
-                    <a:lnR w="12700" cap="flat" cmpd="sng" algn="ctr">
-                      <a:solidFill>
-                        <a:schemeClr val="tx1"/>
-                      </a:solidFill>
-                      <a:prstDash val="solid"/>
-                      <a:round/>
-                      <a:headEnd type="none" w="med" len="med"/>
-                      <a:tailEnd type="none" w="med" len="med"/>
-                    </a:lnR>
-                    <a:lnT w="12700" cmpd="sng">
-                      <a:noFill/>
-                    </a:lnT>
-                    <a:lnB w="6350" cap="flat" cmpd="sng" algn="ctr">
-                      <a:noFill/>
-                      <a:prstDash val="solid"/>
-                      <a:round/>
-                      <a:headEnd type="none" w="med" len="med"/>
-                      <a:tailEnd type="none" w="med" len="med"/>
-                    </a:lnB>
-                    <a:lnTlToBr w="12700" cmpd="sng">
-                      <a:noFill/>
-                      <a:prstDash val="solid"/>
-                    </a:lnTlToBr>
-                    <a:lnBlToTr w="12700" cmpd="sng">
-                      <a:noFill/>
-                      <a:prstDash val="solid"/>
-                    </a:lnBlToTr>
-                  </a:tcPr>
-                </a:tc>
-                <a:extLst>
-                  <a:ext uri="{0D108BD9-81ED-4DB2-BD59-A6C34878D82A}">
-                    <a16:rowId xmlns:a16="http://schemas.microsoft.com/office/drawing/2014/main" val="10006"/>
-                  </a:ext>
-                </a:extLst>
-              </a:tr>
-              <a:tr h="260350">
-                <a:tc>
-                  <a:txBody>
-                    <a:bodyPr/>
-                    <a:lstStyle/>
-                    <a:p>
-                      <a:pPr marL="0" marR="0" indent="0" algn="l" defTabSz="584200" rtl="0" eaLnBrk="1" fontAlgn="auto" latinLnBrk="0" hangingPunct="1">
-                        <a:lnSpc>
-                          <a:spcPct val="100000"/>
-                        </a:lnSpc>
-                        <a:spcBef>
-                          <a:spcPts val="0"/>
-                        </a:spcBef>
-                        <a:spcAft>
-                          <a:spcPts val="0"/>
-                        </a:spcAft>
-                        <a:buClrTx/>
-                        <a:buSzTx/>
-                        <a:buFontTx/>
-                        <a:buNone/>
-                        <a:tabLst/>
-                        <a:defRPr/>
-                      </a:pPr>
-                      <a:r>
-                        <a:rPr lang="en-GB" sz="1000" b="0" i="0" u="none" strike="noStrike" cap="none" spc="0" baseline="0">
-                          <a:ln>
-                            <a:noFill/>
-                          </a:ln>
-                          <a:solidFill>
-                            <a:srgbClr val="000000"/>
-                          </a:solidFill>
-                          <a:uFillTx/>
-                          <a:latin typeface="Segoe UI" pitchFamily="34" charset="0"/>
-                          <a:ea typeface="+mn-ea"/>
-                          <a:cs typeface="Segoe UI" pitchFamily="34" charset="0"/>
-                          <a:sym typeface="Source Sans Pro"/>
-                        </a:rPr>
-                        <a:t>Source: </a:t>
-                      </a:r>
-                      <a:r>
-                        <a:rPr lang="en-GB" sz="1000" b="0" i="0" u="none" strike="noStrike" cap="none" spc="0" baseline="0">
-                          <a:ln>
-                            <a:noFill/>
-                          </a:ln>
-                          <a:solidFill>
-                            <a:srgbClr val="000000"/>
-                          </a:solidFill>
-                          <a:uFillTx/>
-                          <a:latin typeface="Segoe UI" pitchFamily="34" charset="0"/>
-                          <a:ea typeface="+mn-ea"/>
-                          <a:cs typeface="Segoe UI" pitchFamily="34" charset="0"/>
-                          <a:sym typeface="Helvetica Light"/>
-                        </a:rPr>
-                        <a:t>Business Forecasting Ch. 1.3</a:t>
-                      </a:r>
-                      <a:endParaRPr lang="en-GB" sz="1000" b="0" i="0" u="none" strike="noStrike" cap="none" spc="0" baseline="0">
-                        <a:ln>
-                          <a:noFill/>
-                        </a:ln>
-                        <a:solidFill>
-                          <a:srgbClr val="000000"/>
-                        </a:solidFill>
-                        <a:uFillTx/>
-                        <a:latin typeface="Segoe UI" pitchFamily="34" charset="0"/>
-                        <a:ea typeface="+mn-ea"/>
-                        <a:cs typeface="Segoe UI" pitchFamily="34" charset="0"/>
-                        <a:sym typeface="Source Sans Pro"/>
-                      </a:endParaRPr>
-                    </a:p>
-                  </a:txBody>
-                  <a:tcPr>
-                    <a:lnL w="6350" cap="flat" cmpd="sng" algn="ctr">
-                      <a:solidFill>
-                        <a:srgbClr val="000000"/>
-                      </a:solidFill>
-                      <a:prstDash val="solid"/>
-                      <a:round/>
-                      <a:headEnd type="none" w="med" len="med"/>
-                      <a:tailEnd type="none" w="med" len="med"/>
-                    </a:lnL>
-                    <a:lnR w="12700" cap="flat" cmpd="sng" algn="ctr">
-                      <a:solidFill>
-                        <a:schemeClr val="tx1"/>
-                      </a:solidFill>
-                      <a:prstDash val="solid"/>
-                      <a:round/>
-                      <a:headEnd type="none" w="med" len="med"/>
-                      <a:tailEnd type="none" w="med" len="med"/>
-                    </a:lnR>
-                    <a:lnT w="12700" cmpd="sng">
-                      <a:noFill/>
-                    </a:lnT>
-                    <a:lnB w="6350" cap="flat" cmpd="sng" algn="ctr">
-                      <a:solidFill>
-                        <a:srgbClr val="000000"/>
-                      </a:solidFill>
-                      <a:prstDash val="solid"/>
-                      <a:round/>
-                      <a:headEnd type="none" w="med" len="med"/>
-                      <a:tailEnd type="none" w="med" len="med"/>
-                    </a:lnB>
-                    <a:lnTlToBr w="12700" cmpd="sng">
-                      <a:noFill/>
-                      <a:prstDash val="solid"/>
-                    </a:lnTlToBr>
-                    <a:lnBlToTr w="12700" cmpd="sng">
-                      <a:noFill/>
-                      <a:prstDash val="solid"/>
-                    </a:lnBlToTr>
-                  </a:tcPr>
-                </a:tc>
-                <a:extLst>
-                  <a:ext uri="{0D108BD9-81ED-4DB2-BD59-A6C34878D82A}">
-                    <a16:rowId xmlns:a16="http://schemas.microsoft.com/office/drawing/2014/main" val="10007"/>
-                  </a:ext>
-                </a:extLst>
-              </a:tr>
-            </a:tbl>
-          </a:graphicData>
-        </a:graphic>
-      </p:graphicFrame>
-      <p:graphicFrame>
-        <p:nvGraphicFramePr>
-          <p:cNvPr id="10" name="Table 9"/>
-          <p:cNvGraphicFramePr>
-            <a:graphicFrameLocks noGrp="1"/>
-          </p:cNvGraphicFramePr>
-          <p:nvPr>
-            <p:extLst>
-              <p:ext uri="{D42A27DB-BD31-4B8C-83A1-F6EECF244321}">
-                <p14:modId xmlns:p14="http://schemas.microsoft.com/office/powerpoint/2010/main" val="3710135509"/>
-              </p:ext>
-            </p:extLst>
-          </p:nvPr>
-        </p:nvGraphicFramePr>
-        <p:xfrm>
-          <a:off x="8897620" y="1412956"/>
-          <a:ext cx="3825875" cy="3948430"/>
-        </p:xfrm>
-        <a:graphic>
-          <a:graphicData uri="http://schemas.openxmlformats.org/drawingml/2006/table">
-            <a:tbl>
-              <a:tblPr firstRow="1" bandRow="1">
-                <a:tableStyleId>{5940675A-B579-460E-94D1-54222C63F5DA}</a:tableStyleId>
-              </a:tblPr>
-              <a:tblGrid>
-                <a:gridCol w="3825875">
-                  <a:extLst>
-                    <a:ext uri="{9D8B030D-6E8A-4147-A177-3AD203B41FA5}">
-                      <a16:colId xmlns:a16="http://schemas.microsoft.com/office/drawing/2014/main" val="20000"/>
-                    </a:ext>
-                  </a:extLst>
-                </a:gridCol>
-              </a:tblGrid>
-              <a:tr h="260350">
-                <a:tc>
-                  <a:txBody>
-                    <a:bodyPr/>
-                    <a:lstStyle/>
-                    <a:p>
-                      <a:pPr algn="l"/>
-                      <a:r>
-                        <a:rPr lang="en-GB" sz="1000" b="1" baseline="0">
-                          <a:solidFill>
-                            <a:srgbClr val="000000"/>
-                          </a:solidFill>
-                          <a:latin typeface="Segoe UI" pitchFamily="34" charset="0"/>
-                          <a:cs typeface="Segoe UI" pitchFamily="34" charset="0"/>
-                        </a:rPr>
-                        <a:t>World of Low Predictability</a:t>
-                      </a:r>
-                    </a:p>
-                  </a:txBody>
-                  <a:tcPr>
-                    <a:lnL w="6350" cap="flat" cmpd="sng" algn="ctr">
-                      <a:solidFill>
-                        <a:srgbClr val="000000"/>
-                      </a:solidFill>
-                      <a:prstDash val="solid"/>
-                      <a:round/>
-                      <a:headEnd type="none" w="med" len="med"/>
-                      <a:tailEnd type="none" w="med" len="med"/>
-                    </a:lnL>
-                    <a:lnR w="12700" cap="flat" cmpd="sng" algn="ctr">
-                      <a:solidFill>
-                        <a:schemeClr val="tx1"/>
-                      </a:solidFill>
-                      <a:prstDash val="solid"/>
-                      <a:round/>
-                      <a:headEnd type="none" w="med" len="med"/>
-                      <a:tailEnd type="none" w="med" len="med"/>
-                    </a:lnR>
-                    <a:lnT w="6350" cap="flat" cmpd="sng" algn="ctr">
-                      <a:solidFill>
-                        <a:srgbClr val="000000"/>
-                      </a:solidFill>
-                      <a:prstDash val="solid"/>
-                      <a:round/>
-                      <a:headEnd type="none" w="med" len="med"/>
-                      <a:tailEnd type="none" w="med" len="med"/>
-                    </a:lnT>
-                    <a:lnB w="6350" cap="flat" cmpd="sng" algn="ctr">
-                      <a:solidFill>
-                        <a:srgbClr val="000000"/>
-                      </a:solidFill>
-                      <a:prstDash val="solid"/>
-                      <a:round/>
-                      <a:headEnd type="none" w="med" len="med"/>
-                      <a:tailEnd type="none" w="med" len="med"/>
-                    </a:lnB>
-                    <a:lnTlToBr w="12700" cmpd="sng">
-                      <a:noFill/>
-                      <a:prstDash val="solid"/>
-                    </a:lnTlToBr>
-                    <a:lnBlToTr w="12700" cmpd="sng">
-                      <a:noFill/>
-                      <a:prstDash val="solid"/>
-                    </a:lnBlToTr>
-                  </a:tcPr>
-                </a:tc>
-                <a:extLst>
-                  <a:ext uri="{0D108BD9-81ED-4DB2-BD59-A6C34878D82A}">
-                    <a16:rowId xmlns:a16="http://schemas.microsoft.com/office/drawing/2014/main" val="10000"/>
-                  </a:ext>
-                </a:extLst>
-              </a:tr>
-              <a:tr h="273736">
-                <a:tc>
-                  <a:txBody>
-                    <a:bodyPr/>
-                    <a:lstStyle/>
-                    <a:p>
-                      <a:pPr marL="0" marR="0" indent="0" algn="l" defTabSz="584200" rtl="0" eaLnBrk="1" fontAlgn="auto" latinLnBrk="0" hangingPunct="1">
-                        <a:lnSpc>
-                          <a:spcPct val="100000"/>
-                        </a:lnSpc>
-                        <a:spcBef>
-                          <a:spcPts val="0"/>
-                        </a:spcBef>
-                        <a:spcAft>
-                          <a:spcPts val="0"/>
-                        </a:spcAft>
-                        <a:buClrTx/>
-                        <a:buSzTx/>
-                        <a:buFontTx/>
-                        <a:buNone/>
-                        <a:tabLst/>
-                        <a:defRPr/>
-                      </a:pPr>
-                      <a:r>
-                        <a:rPr lang="en-GB" sz="1000" i="0">
-                          <a:solidFill>
-                            <a:srgbClr val="000000"/>
-                          </a:solidFill>
-                          <a:latin typeface="Segoe UI" pitchFamily="34" charset="0"/>
-                          <a:cs typeface="Segoe UI" pitchFamily="34" charset="0"/>
-                        </a:rPr>
-                        <a:t>There are extensice empirical evidence</a:t>
-                      </a:r>
-                      <a:r>
-                        <a:rPr lang="en-GB" sz="1000" i="0" baseline="0">
-                          <a:solidFill>
-                            <a:srgbClr val="000000"/>
-                          </a:solidFill>
-                          <a:latin typeface="Segoe UI" pitchFamily="34" charset="0"/>
-                          <a:cs typeface="Segoe UI" pitchFamily="34" charset="0"/>
-                        </a:rPr>
-                        <a:t> of our inability to predict the future.</a:t>
-                      </a:r>
-                      <a:endParaRPr lang="en-GB" sz="1000" i="0">
-                        <a:solidFill>
-                          <a:srgbClr val="000000"/>
-                        </a:solidFill>
-                        <a:latin typeface="Segoe UI" pitchFamily="34" charset="0"/>
-                        <a:cs typeface="Segoe UI" pitchFamily="34" charset="0"/>
-                      </a:endParaRPr>
-                    </a:p>
-                  </a:txBody>
-                  <a:tcPr>
-                    <a:lnL w="6350" cap="flat" cmpd="sng" algn="ctr">
-                      <a:solidFill>
-                        <a:srgbClr val="000000"/>
-                      </a:solidFill>
-                      <a:prstDash val="solid"/>
-                      <a:round/>
-                      <a:headEnd type="none" w="med" len="med"/>
-                      <a:tailEnd type="none" w="med" len="med"/>
-                    </a:lnL>
-                    <a:lnR w="12700" cap="flat" cmpd="sng" algn="ctr">
-                      <a:solidFill>
-                        <a:schemeClr val="tx1"/>
-                      </a:solidFill>
-                      <a:prstDash val="solid"/>
-                      <a:round/>
-                      <a:headEnd type="none" w="med" len="med"/>
-                      <a:tailEnd type="none" w="med" len="med"/>
-                    </a:lnR>
-                    <a:lnT w="6350" cap="flat" cmpd="sng" algn="ctr">
-                      <a:solidFill>
-                        <a:srgbClr val="000000"/>
-                      </a:solidFill>
-                      <a:prstDash val="solid"/>
-                      <a:round/>
-                      <a:headEnd type="none" w="med" len="med"/>
-                      <a:tailEnd type="none" w="med" len="med"/>
-                    </a:lnT>
-                    <a:lnB w="6350" cap="flat" cmpd="sng" algn="ctr">
-                      <a:noFill/>
-                      <a:prstDash val="solid"/>
-                      <a:round/>
-                      <a:headEnd type="none" w="med" len="med"/>
-                      <a:tailEnd type="none" w="med" len="med"/>
-                    </a:lnB>
-                    <a:lnTlToBr w="12700" cmpd="sng">
-                      <a:noFill/>
-                      <a:prstDash val="solid"/>
-                    </a:lnTlToBr>
-                    <a:lnBlToTr w="12700" cmpd="sng">
-                      <a:noFill/>
-                      <a:prstDash val="solid"/>
-                    </a:lnBlToTr>
-                  </a:tcPr>
-                </a:tc>
-                <a:extLst>
-                  <a:ext uri="{0D108BD9-81ED-4DB2-BD59-A6C34878D82A}">
-                    <a16:rowId xmlns:a16="http://schemas.microsoft.com/office/drawing/2014/main" val="10001"/>
-                  </a:ext>
-                </a:extLst>
-              </a:tr>
-              <a:tr h="273736">
-                <a:tc>
-                  <a:txBody>
-                    <a:bodyPr/>
-                    <a:lstStyle/>
-                    <a:p>
-                      <a:pPr marL="0" marR="0" indent="0" algn="l" defTabSz="584200" rtl="0" eaLnBrk="1" fontAlgn="auto" latinLnBrk="0" hangingPunct="1">
-                        <a:lnSpc>
-                          <a:spcPct val="100000"/>
-                        </a:lnSpc>
-                        <a:spcBef>
-                          <a:spcPts val="0"/>
-                        </a:spcBef>
-                        <a:spcAft>
-                          <a:spcPts val="0"/>
-                        </a:spcAft>
-                        <a:buClrTx/>
-                        <a:buSzTx/>
-                        <a:buFontTx/>
-                        <a:buNone/>
-                        <a:tabLst/>
-                        <a:defRPr/>
-                      </a:pPr>
-                      <a:r>
-                        <a:rPr lang="en-GB" sz="1000" b="0" i="0" u="none" strike="noStrike" cap="none" spc="0" baseline="0">
-                          <a:ln>
-                            <a:noFill/>
-                          </a:ln>
-                          <a:solidFill>
-                            <a:srgbClr val="000000"/>
-                          </a:solidFill>
-                          <a:uFillTx/>
-                          <a:latin typeface="Segoe UI" pitchFamily="34" charset="0"/>
-                          <a:ea typeface="+mn-ea"/>
-                          <a:cs typeface="Segoe UI" pitchFamily="34" charset="0"/>
-                          <a:sym typeface="Helvetica Light"/>
-                        </a:rPr>
-                        <a:t>There are serious limits of forecasting when complex, social systems are involved.</a:t>
-                      </a:r>
-                    </a:p>
-                  </a:txBody>
-                  <a:tcPr>
-                    <a:lnL w="6350" cap="flat" cmpd="sng" algn="ctr">
-                      <a:solidFill>
-                        <a:srgbClr val="000000"/>
-                      </a:solidFill>
-                      <a:prstDash val="solid"/>
-                      <a:round/>
-                      <a:headEnd type="none" w="med" len="med"/>
-                      <a:tailEnd type="none" w="med" len="med"/>
-                    </a:lnL>
-                    <a:lnR w="12700" cap="flat" cmpd="sng" algn="ctr">
-                      <a:solidFill>
-                        <a:schemeClr val="tx1"/>
-                      </a:solidFill>
-                      <a:prstDash val="solid"/>
-                      <a:round/>
-                      <a:headEnd type="none" w="med" len="med"/>
-                      <a:tailEnd type="none" w="med" len="med"/>
-                    </a:lnR>
-                    <a:lnT w="6350" cap="flat" cmpd="sng" algn="ctr">
-                      <a:noFill/>
-                      <a:prstDash val="solid"/>
-                      <a:round/>
-                      <a:headEnd type="none" w="med" len="med"/>
-                      <a:tailEnd type="none" w="med" len="med"/>
-                    </a:lnT>
-                    <a:lnB w="12700" cmpd="sng">
-                      <a:noFill/>
-                    </a:lnB>
-                    <a:lnTlToBr w="12700" cmpd="sng">
-                      <a:noFill/>
-                      <a:prstDash val="solid"/>
-                    </a:lnTlToBr>
-                    <a:lnBlToTr w="12700" cmpd="sng">
-                      <a:noFill/>
-                      <a:prstDash val="solid"/>
-                    </a:lnBlToTr>
-                  </a:tcPr>
-                </a:tc>
-                <a:extLst>
-                  <a:ext uri="{0D108BD9-81ED-4DB2-BD59-A6C34878D82A}">
-                    <a16:rowId xmlns:a16="http://schemas.microsoft.com/office/drawing/2014/main" val="10002"/>
-                  </a:ext>
-                </a:extLst>
-              </a:tr>
-              <a:tr h="260350">
-                <a:tc>
-                  <a:txBody>
-                    <a:bodyPr/>
-                    <a:lstStyle/>
-                    <a:p>
-                      <a:pPr marL="0" marR="0" indent="0" algn="l" defTabSz="584200" rtl="0" eaLnBrk="1" fontAlgn="auto" latinLnBrk="0" hangingPunct="1">
-                        <a:lnSpc>
-                          <a:spcPct val="100000"/>
-                        </a:lnSpc>
-                        <a:spcBef>
-                          <a:spcPts val="0"/>
-                        </a:spcBef>
-                        <a:spcAft>
-                          <a:spcPts val="0"/>
-                        </a:spcAft>
-                        <a:buClrTx/>
-                        <a:buSzTx/>
-                        <a:buFontTx/>
-                        <a:buNone/>
-                        <a:tabLst/>
-                        <a:defRPr/>
-                      </a:pPr>
-                      <a:r>
-                        <a:rPr lang="en-GB" sz="1000">
-                          <a:solidFill>
-                            <a:srgbClr val="000000"/>
-                          </a:solidFill>
-                          <a:latin typeface="Segoe UI" pitchFamily="34" charset="0"/>
-                          <a:cs typeface="Segoe UI" pitchFamily="34" charset="0"/>
-                        </a:rPr>
-                        <a:t>“Simple” models do not necessarily fit past data well, but predict the future better than complex or sophisticated</a:t>
-                      </a:r>
-                      <a:r>
-                        <a:rPr lang="en-GB" sz="1000" baseline="0">
-                          <a:solidFill>
-                            <a:srgbClr val="000000"/>
-                          </a:solidFill>
-                          <a:latin typeface="Segoe UI" pitchFamily="34" charset="0"/>
-                          <a:cs typeface="Segoe UI" pitchFamily="34" charset="0"/>
-                        </a:rPr>
-                        <a:t> statistical models.</a:t>
-                      </a:r>
-                      <a:endParaRPr lang="en-GB" sz="1000">
-                        <a:solidFill>
-                          <a:srgbClr val="000000"/>
-                        </a:solidFill>
-                        <a:latin typeface="Segoe UI" pitchFamily="34" charset="0"/>
-                        <a:cs typeface="Segoe UI" pitchFamily="34" charset="0"/>
-                      </a:endParaRPr>
-                    </a:p>
-                  </a:txBody>
-                  <a:tcPr>
-                    <a:lnL w="6350" cap="flat" cmpd="sng" algn="ctr">
-                      <a:solidFill>
-                        <a:srgbClr val="000000"/>
-                      </a:solidFill>
-                      <a:prstDash val="solid"/>
-                      <a:round/>
-                      <a:headEnd type="none" w="med" len="med"/>
-                      <a:tailEnd type="none" w="med" len="med"/>
-                    </a:lnL>
-                    <a:lnR w="12700" cap="flat" cmpd="sng" algn="ctr">
-                      <a:solidFill>
-                        <a:schemeClr val="tx1"/>
-                      </a:solidFill>
-                      <a:prstDash val="solid"/>
-                      <a:round/>
-                      <a:headEnd type="none" w="med" len="med"/>
-                      <a:tailEnd type="none" w="med" len="med"/>
-                    </a:lnR>
-                    <a:lnT w="12700" cmpd="sng">
-                      <a:noFill/>
-                    </a:lnT>
-                    <a:lnB w="12700" cmpd="sng">
-                      <a:noFill/>
-                    </a:lnB>
-                    <a:lnTlToBr w="12700" cmpd="sng">
-                      <a:noFill/>
-                      <a:prstDash val="solid"/>
-                    </a:lnTlToBr>
-                    <a:lnBlToTr w="12700" cmpd="sng">
-                      <a:noFill/>
-                      <a:prstDash val="solid"/>
-                    </a:lnBlToTr>
-                  </a:tcPr>
-                </a:tc>
-                <a:extLst>
-                  <a:ext uri="{0D108BD9-81ED-4DB2-BD59-A6C34878D82A}">
-                    <a16:rowId xmlns:a16="http://schemas.microsoft.com/office/drawing/2014/main" val="10003"/>
-                  </a:ext>
-                </a:extLst>
-              </a:tr>
-              <a:tr h="260350">
-                <a:tc>
-                  <a:txBody>
-                    <a:bodyPr/>
-                    <a:lstStyle/>
-                    <a:p>
-                      <a:pPr marL="0" marR="0" indent="0" algn="l" defTabSz="584200" rtl="0" eaLnBrk="1" fontAlgn="auto" latinLnBrk="0" hangingPunct="1">
-                        <a:lnSpc>
-                          <a:spcPct val="100000"/>
-                        </a:lnSpc>
-                        <a:spcBef>
-                          <a:spcPts val="0"/>
-                        </a:spcBef>
-                        <a:spcAft>
-                          <a:spcPts val="0"/>
-                        </a:spcAft>
-                        <a:buClrTx/>
-                        <a:buSzTx/>
-                        <a:buFontTx/>
-                        <a:buNone/>
-                        <a:tabLst/>
-                        <a:defRPr/>
-                      </a:pPr>
-                      <a:r>
-                        <a:rPr lang="en-GB" sz="1000" i="0">
-                          <a:solidFill>
-                            <a:srgbClr val="000000"/>
-                          </a:solidFill>
-                          <a:latin typeface="Segoe UI" pitchFamily="34" charset="0"/>
-                          <a:cs typeface="Segoe UI" pitchFamily="34" charset="0"/>
-                        </a:rPr>
-                        <a:t>Ironically, in most domains, judgmental predictions are less accurate than those of statistical</a:t>
-                      </a:r>
-                      <a:r>
-                        <a:rPr lang="en-GB" sz="1000" i="0" baseline="0">
-                          <a:solidFill>
-                            <a:srgbClr val="000000"/>
-                          </a:solidFill>
-                          <a:latin typeface="Segoe UI" pitchFamily="34" charset="0"/>
-                          <a:cs typeface="Segoe UI" pitchFamily="34" charset="0"/>
-                        </a:rPr>
-                        <a:t> models, as they are influenced by human biases and limitations.</a:t>
-                      </a:r>
-                      <a:endParaRPr lang="en-GB" sz="1000" i="0">
-                        <a:solidFill>
-                          <a:srgbClr val="000000"/>
-                        </a:solidFill>
-                        <a:latin typeface="Segoe UI" pitchFamily="34" charset="0"/>
-                        <a:cs typeface="Segoe UI" pitchFamily="34" charset="0"/>
-                      </a:endParaRPr>
-                    </a:p>
-                  </a:txBody>
-                  <a:tcPr>
-                    <a:lnL w="6350" cap="flat" cmpd="sng" algn="ctr">
-                      <a:solidFill>
-                        <a:srgbClr val="000000"/>
-                      </a:solidFill>
-                      <a:prstDash val="solid"/>
-                      <a:round/>
-                      <a:headEnd type="none" w="med" len="med"/>
-                      <a:tailEnd type="none" w="med" len="med"/>
-                    </a:lnL>
-                    <a:lnR w="12700" cap="flat" cmpd="sng" algn="ctr">
-                      <a:solidFill>
-                        <a:schemeClr val="tx1"/>
-                      </a:solidFill>
-                      <a:prstDash val="solid"/>
-                      <a:round/>
-                      <a:headEnd type="none" w="med" len="med"/>
-                      <a:tailEnd type="none" w="med" len="med"/>
-                    </a:lnR>
-                    <a:lnT w="12700" cmpd="sng">
-                      <a:noFill/>
-                    </a:lnT>
-                    <a:lnB w="12700" cmpd="sng">
-                      <a:noFill/>
-                    </a:lnB>
-                    <a:lnTlToBr w="12700" cmpd="sng">
-                      <a:noFill/>
-                      <a:prstDash val="solid"/>
-                    </a:lnTlToBr>
-                    <a:lnBlToTr w="12700" cmpd="sng">
-                      <a:noFill/>
-                      <a:prstDash val="solid"/>
-                    </a:lnBlToTr>
-                  </a:tcPr>
-                </a:tc>
-                <a:extLst>
-                  <a:ext uri="{0D108BD9-81ED-4DB2-BD59-A6C34878D82A}">
-                    <a16:rowId xmlns:a16="http://schemas.microsoft.com/office/drawing/2014/main" val="10004"/>
-                  </a:ext>
-                </a:extLst>
-              </a:tr>
-              <a:tr h="260350">
-                <a:tc>
-                  <a:txBody>
-                    <a:bodyPr/>
-                    <a:lstStyle/>
-                    <a:p>
-                      <a:pPr marL="0" marR="0" indent="0" algn="l" defTabSz="584200" rtl="0" eaLnBrk="1" fontAlgn="auto" latinLnBrk="0" hangingPunct="1">
-                        <a:lnSpc>
-                          <a:spcPct val="100000"/>
-                        </a:lnSpc>
-                        <a:spcBef>
-                          <a:spcPts val="0"/>
-                        </a:spcBef>
-                        <a:spcAft>
-                          <a:spcPts val="0"/>
-                        </a:spcAft>
-                        <a:buClrTx/>
-                        <a:buSzTx/>
-                        <a:buFontTx/>
-                        <a:buNone/>
-                        <a:tabLst/>
-                        <a:defRPr/>
-                      </a:pPr>
-                      <a:r>
-                        <a:rPr lang="en-GB" sz="1000" i="0">
-                          <a:solidFill>
-                            <a:srgbClr val="000000"/>
-                          </a:solidFill>
-                          <a:latin typeface="Segoe UI" pitchFamily="34" charset="0"/>
-                          <a:cs typeface="Segoe UI" pitchFamily="34" charset="0"/>
-                        </a:rPr>
-                        <a:t>Paradox</a:t>
-                      </a:r>
-                      <a:r>
-                        <a:rPr lang="en-GB" sz="1000" i="0" baseline="0">
-                          <a:solidFill>
-                            <a:srgbClr val="000000"/>
-                          </a:solidFill>
-                          <a:latin typeface="Segoe UI" pitchFamily="34" charset="0"/>
-                          <a:cs typeface="Segoe UI" pitchFamily="34" charset="0"/>
-                        </a:rPr>
-                        <a:t> of control, improved benefits if we avoid illusion of control: Choose stocks randomly (index), skip medical periodic checkups, keep flying after terrorist attacks.</a:t>
-                      </a:r>
-                      <a:endParaRPr lang="en-GB" sz="1000" i="0">
-                        <a:solidFill>
-                          <a:srgbClr val="000000"/>
-                        </a:solidFill>
-                        <a:latin typeface="Segoe UI" pitchFamily="34" charset="0"/>
-                        <a:cs typeface="Segoe UI" pitchFamily="34" charset="0"/>
-                      </a:endParaRPr>
-                    </a:p>
-                  </a:txBody>
-                  <a:tcPr>
-                    <a:lnL w="6350" cap="flat" cmpd="sng" algn="ctr">
-                      <a:solidFill>
-                        <a:srgbClr val="000000"/>
-                      </a:solidFill>
-                      <a:prstDash val="solid"/>
-                      <a:round/>
-                      <a:headEnd type="none" w="med" len="med"/>
-                      <a:tailEnd type="none" w="med" len="med"/>
-                    </a:lnL>
-                    <a:lnR w="12700" cap="flat" cmpd="sng" algn="ctr">
-                      <a:solidFill>
-                        <a:schemeClr val="tx1"/>
-                      </a:solidFill>
-                      <a:prstDash val="solid"/>
-                      <a:round/>
-                      <a:headEnd type="none" w="med" len="med"/>
-                      <a:tailEnd type="none" w="med" len="med"/>
-                    </a:lnR>
-                    <a:lnT w="12700" cmpd="sng">
-                      <a:noFill/>
-                    </a:lnT>
-                    <a:lnB w="6350" cap="flat" cmpd="sng" algn="ctr">
-                      <a:noFill/>
-                      <a:prstDash val="solid"/>
-                      <a:round/>
-                      <a:headEnd type="none" w="med" len="med"/>
-                      <a:tailEnd type="none" w="med" len="med"/>
-                    </a:lnB>
-                    <a:lnTlToBr w="12700" cmpd="sng">
-                      <a:noFill/>
-                      <a:prstDash val="solid"/>
-                    </a:lnTlToBr>
-                    <a:lnBlToTr w="12700" cmpd="sng">
-                      <a:noFill/>
-                      <a:prstDash val="solid"/>
-                    </a:lnBlToTr>
-                  </a:tcPr>
-                </a:tc>
-                <a:extLst>
-                  <a:ext uri="{0D108BD9-81ED-4DB2-BD59-A6C34878D82A}">
-                    <a16:rowId xmlns:a16="http://schemas.microsoft.com/office/drawing/2014/main" val="10005"/>
-                  </a:ext>
-                </a:extLst>
-              </a:tr>
-              <a:tr h="260350">
-                <a:tc>
-                  <a:txBody>
-                    <a:bodyPr/>
-                    <a:lstStyle/>
-                    <a:p>
-                      <a:pPr marL="0" marR="0" indent="0" algn="l" defTabSz="584200" rtl="0" eaLnBrk="1" fontAlgn="auto" latinLnBrk="0" hangingPunct="1">
-                        <a:lnSpc>
-                          <a:spcPct val="100000"/>
-                        </a:lnSpc>
-                        <a:spcBef>
-                          <a:spcPts val="0"/>
-                        </a:spcBef>
-                        <a:spcAft>
-                          <a:spcPts val="0"/>
-                        </a:spcAft>
-                        <a:buClrTx/>
-                        <a:buSzTx/>
-                        <a:buFontTx/>
-                        <a:buNone/>
-                        <a:tabLst/>
-                        <a:defRPr/>
-                      </a:pPr>
-                      <a:r>
-                        <a:rPr lang="en-GB" sz="1000" b="0" i="0" u="none" strike="noStrike" cap="none" spc="0" baseline="0">
-                          <a:ln>
-                            <a:noFill/>
-                          </a:ln>
-                          <a:solidFill>
-                            <a:srgbClr val="000000"/>
-                          </a:solidFill>
-                          <a:uFillTx/>
-                          <a:latin typeface="Segoe UI" pitchFamily="34" charset="0"/>
-                          <a:ea typeface="+mn-ea"/>
-                          <a:cs typeface="Segoe UI" pitchFamily="34" charset="0"/>
-                          <a:sym typeface="Source Sans Pro"/>
-                        </a:rPr>
-                        <a:t>Instead of trying accurate prediction, focus on protective strategies (insurance), being prepared (build to withstand earthquake), proactive strategies (redundancy, build cash reserves), concentrate of uncertainsy (after prediction, what’s the accuracy of that prediction).</a:t>
-                      </a:r>
-                    </a:p>
-                  </a:txBody>
-                  <a:tcPr>
-                    <a:lnL w="6350" cap="flat" cmpd="sng" algn="ctr">
-                      <a:solidFill>
-                        <a:srgbClr val="000000"/>
-                      </a:solidFill>
-                      <a:prstDash val="solid"/>
-                      <a:round/>
-                      <a:headEnd type="none" w="med" len="med"/>
-                      <a:tailEnd type="none" w="med" len="med"/>
-                    </a:lnL>
-                    <a:lnR w="12700" cap="flat" cmpd="sng" algn="ctr">
-                      <a:solidFill>
-                        <a:schemeClr val="tx1"/>
-                      </a:solidFill>
-                      <a:prstDash val="solid"/>
-                      <a:round/>
-                      <a:headEnd type="none" w="med" len="med"/>
-                      <a:tailEnd type="none" w="med" len="med"/>
-                    </a:lnR>
-                    <a:lnT w="12700" cmpd="sng">
-                      <a:noFill/>
-                    </a:lnT>
-                    <a:lnB w="6350" cap="flat" cmpd="sng" algn="ctr">
-                      <a:noFill/>
-                      <a:prstDash val="solid"/>
-                      <a:round/>
-                      <a:headEnd type="none" w="med" len="med"/>
-                      <a:tailEnd type="none" w="med" len="med"/>
-                    </a:lnB>
-                    <a:lnTlToBr w="12700" cmpd="sng">
-                      <a:noFill/>
-                      <a:prstDash val="solid"/>
-                    </a:lnTlToBr>
-                    <a:lnBlToTr w="12700" cmpd="sng">
-                      <a:noFill/>
-                      <a:prstDash val="solid"/>
-                    </a:lnBlToTr>
-                  </a:tcPr>
-                </a:tc>
-                <a:extLst>
-                  <a:ext uri="{0D108BD9-81ED-4DB2-BD59-A6C34878D82A}">
-                    <a16:rowId xmlns:a16="http://schemas.microsoft.com/office/drawing/2014/main" val="10006"/>
-                  </a:ext>
-                </a:extLst>
-              </a:tr>
-              <a:tr h="260350">
-                <a:tc>
-                  <a:txBody>
-                    <a:bodyPr/>
-                    <a:lstStyle/>
-                    <a:p>
-                      <a:pPr marL="0" marR="0" indent="0" algn="l" defTabSz="584200" rtl="0" eaLnBrk="1" fontAlgn="auto" latinLnBrk="0" hangingPunct="1">
-                        <a:lnSpc>
-                          <a:spcPct val="100000"/>
-                        </a:lnSpc>
-                        <a:spcBef>
-                          <a:spcPts val="0"/>
-                        </a:spcBef>
-                        <a:spcAft>
-                          <a:spcPts val="0"/>
-                        </a:spcAft>
-                        <a:buClrTx/>
-                        <a:buSzTx/>
-                        <a:buFontTx/>
-                        <a:buNone/>
-                        <a:tabLst/>
-                        <a:defRPr/>
-                      </a:pPr>
-                      <a:r>
-                        <a:rPr lang="en-GB" sz="1000" b="0" i="0" u="none" strike="noStrike" cap="none" spc="0" baseline="0">
-                          <a:ln>
-                            <a:noFill/>
-                          </a:ln>
-                          <a:solidFill>
-                            <a:srgbClr val="000000"/>
-                          </a:solidFill>
-                          <a:uFillTx/>
-                          <a:latin typeface="Segoe UI" pitchFamily="34" charset="0"/>
-                          <a:ea typeface="+mn-ea"/>
-                          <a:cs typeface="Segoe UI" pitchFamily="34" charset="0"/>
-                          <a:sym typeface="Source Sans Pro"/>
-                        </a:rPr>
-                        <a:t>Source: </a:t>
-                      </a:r>
-                      <a:r>
-                        <a:rPr lang="en-GB" sz="1000" b="0" i="0" u="none" strike="noStrike" cap="none" spc="0" baseline="0">
-                          <a:ln>
-                            <a:noFill/>
-                          </a:ln>
-                          <a:solidFill>
-                            <a:srgbClr val="000000"/>
-                          </a:solidFill>
-                          <a:uFillTx/>
-                          <a:latin typeface="Segoe UI" pitchFamily="34" charset="0"/>
-                          <a:ea typeface="+mn-ea"/>
-                          <a:cs typeface="Segoe UI" pitchFamily="34" charset="0"/>
-                          <a:sym typeface="Helvetica Light"/>
-                        </a:rPr>
-                        <a:t>Makridakis, Taleb. </a:t>
-                      </a:r>
-                      <a:r>
-                        <a:rPr lang="en-GB" sz="1000" b="0" i="1" u="none" strike="noStrike" cap="none" spc="0" baseline="0">
-                          <a:ln>
-                            <a:noFill/>
-                          </a:ln>
-                          <a:solidFill>
-                            <a:srgbClr val="000000"/>
-                          </a:solidFill>
-                          <a:uFillTx/>
-                          <a:latin typeface="Segoe UI" pitchFamily="34" charset="0"/>
-                          <a:ea typeface="+mn-ea"/>
-                          <a:cs typeface="Segoe UI" pitchFamily="34" charset="0"/>
-                          <a:sym typeface="Helvetica Light"/>
-                        </a:rPr>
-                        <a:t>Living in a world of low levels of predictability.</a:t>
-                      </a:r>
-                      <a:endParaRPr lang="en-GB" sz="1000" b="0" i="0" u="none" strike="noStrike" cap="none" spc="0" baseline="0">
-                        <a:ln>
-                          <a:noFill/>
-                        </a:ln>
-                        <a:solidFill>
-                          <a:srgbClr val="000000"/>
-                        </a:solidFill>
-                        <a:uFillTx/>
-                        <a:latin typeface="Segoe UI" pitchFamily="34" charset="0"/>
-                        <a:ea typeface="+mn-ea"/>
-                        <a:cs typeface="Segoe UI" pitchFamily="34" charset="0"/>
-                        <a:sym typeface="Source Sans Pro"/>
-                      </a:endParaRPr>
-                    </a:p>
-                  </a:txBody>
-                  <a:tcPr>
-                    <a:lnL w="6350" cap="flat" cmpd="sng" algn="ctr">
-                      <a:solidFill>
-                        <a:srgbClr val="000000"/>
-                      </a:solidFill>
-                      <a:prstDash val="solid"/>
-                      <a:round/>
-                      <a:headEnd type="none" w="med" len="med"/>
-                      <a:tailEnd type="none" w="med" len="med"/>
-                    </a:lnL>
-                    <a:lnR w="12700" cap="flat" cmpd="sng" algn="ctr">
-                      <a:solidFill>
-                        <a:schemeClr val="tx1"/>
-                      </a:solidFill>
-                      <a:prstDash val="solid"/>
-                      <a:round/>
-                      <a:headEnd type="none" w="med" len="med"/>
-                      <a:tailEnd type="none" w="med" len="med"/>
-                    </a:lnR>
-                    <a:lnT w="12700" cmpd="sng">
-                      <a:noFill/>
-                    </a:lnT>
-                    <a:lnB w="6350" cap="flat" cmpd="sng" algn="ctr">
-                      <a:solidFill>
-                        <a:srgbClr val="000000"/>
-                      </a:solidFill>
-                      <a:prstDash val="solid"/>
-                      <a:round/>
-                      <a:headEnd type="none" w="med" len="med"/>
-                      <a:tailEnd type="none" w="med" len="med"/>
-                    </a:lnB>
-                    <a:lnTlToBr w="12700" cmpd="sng">
-                      <a:noFill/>
-                      <a:prstDash val="solid"/>
-                    </a:lnTlToBr>
-                    <a:lnBlToTr w="12700" cmpd="sng">
-                      <a:noFill/>
-                      <a:prstDash val="solid"/>
-                    </a:lnBlToTr>
-                  </a:tcPr>
-                </a:tc>
-                <a:extLst>
-                  <a:ext uri="{0D108BD9-81ED-4DB2-BD59-A6C34878D82A}">
-                    <a16:rowId xmlns:a16="http://schemas.microsoft.com/office/drawing/2014/main" val="10007"/>
-                  </a:ext>
-                </a:extLst>
-              </a:tr>
-            </a:tbl>
-          </a:graphicData>
-        </a:graphic>
-      </p:graphicFrame>
-      <p:graphicFrame>
-        <p:nvGraphicFramePr>
-          <p:cNvPr id="11" name="Table 10">
-            <a:extLst>
-              <a:ext uri="{FF2B5EF4-FFF2-40B4-BE49-F238E27FC236}">
-                <a16:creationId xmlns:a16="http://schemas.microsoft.com/office/drawing/2014/main" id="{89A0890F-C2A1-4C8E-8FCC-616EEA42A90B}"/>
-              </a:ext>
-            </a:extLst>
-          </p:cNvPr>
-          <p:cNvGraphicFramePr>
-            <a:graphicFrameLocks noGrp="1"/>
-          </p:cNvGraphicFramePr>
-          <p:nvPr>
-            <p:extLst>
-              <p:ext uri="{D42A27DB-BD31-4B8C-83A1-F6EECF244321}">
-                <p14:modId xmlns:p14="http://schemas.microsoft.com/office/powerpoint/2010/main" val="3087410493"/>
-              </p:ext>
-            </p:extLst>
-          </p:nvPr>
-        </p:nvGraphicFramePr>
-        <p:xfrm>
-          <a:off x="4646502" y="1651687"/>
-          <a:ext cx="3546060" cy="1315136"/>
-        </p:xfrm>
-        <a:graphic>
-          <a:graphicData uri="http://schemas.openxmlformats.org/drawingml/2006/table">
-            <a:tbl>
-              <a:tblPr firstRow="1" bandRow="1">
-                <a:tableStyleId>{5940675A-B579-460E-94D1-54222C63F5DA}</a:tableStyleId>
-              </a:tblPr>
-              <a:tblGrid>
-                <a:gridCol w="1333954">
-                  <a:extLst>
-                    <a:ext uri="{9D8B030D-6E8A-4147-A177-3AD203B41FA5}">
-                      <a16:colId xmlns:a16="http://schemas.microsoft.com/office/drawing/2014/main" val="20000"/>
-                    </a:ext>
-                  </a:extLst>
-                </a:gridCol>
-                <a:gridCol w="380538">
-                  <a:extLst>
-                    <a:ext uri="{9D8B030D-6E8A-4147-A177-3AD203B41FA5}">
-                      <a16:colId xmlns:a16="http://schemas.microsoft.com/office/drawing/2014/main" val="20001"/>
-                    </a:ext>
-                  </a:extLst>
-                </a:gridCol>
-                <a:gridCol w="1831568">
-                  <a:extLst>
-                    <a:ext uri="{9D8B030D-6E8A-4147-A177-3AD203B41FA5}">
-                      <a16:colId xmlns:a16="http://schemas.microsoft.com/office/drawing/2014/main" val="20002"/>
-                    </a:ext>
-                  </a:extLst>
-                </a:gridCol>
-              </a:tblGrid>
-              <a:tr h="260350">
-                <a:tc gridSpan="3">
-                  <a:txBody>
-                    <a:bodyPr/>
-                    <a:lstStyle/>
-                    <a:p>
-                      <a:pPr algn="l"/>
-                      <a:r>
-                        <a:rPr lang="en-GB" sz="1000" b="1">
-                          <a:solidFill>
-                            <a:srgbClr val="000000"/>
-                          </a:solidFill>
-                          <a:latin typeface="Segoe UI" pitchFamily="34" charset="0"/>
-                          <a:cs typeface="Segoe UI" pitchFamily="34" charset="0"/>
-                        </a:rPr>
-                        <a:t>What is (not) possible to forecast?</a:t>
-                      </a:r>
-                      <a:endParaRPr lang="en-GB" sz="1000" b="0" baseline="0">
-                        <a:solidFill>
-                          <a:srgbClr val="000000"/>
-                        </a:solidFill>
-                        <a:latin typeface="Segoe UI" pitchFamily="34" charset="0"/>
-                        <a:cs typeface="Segoe UI" pitchFamily="34" charset="0"/>
-                      </a:endParaRPr>
-                    </a:p>
-                  </a:txBody>
-                  <a:tcPr>
-                    <a:lnL w="6350" cap="flat" cmpd="sng" algn="ctr">
-                      <a:solidFill>
-                        <a:srgbClr val="000000"/>
-                      </a:solidFill>
-                      <a:prstDash val="solid"/>
-                      <a:round/>
-                      <a:headEnd type="none" w="med" len="med"/>
-                      <a:tailEnd type="none" w="med" len="med"/>
-                    </a:lnL>
-                    <a:lnR w="6350" cap="flat" cmpd="sng" algn="ctr">
-                      <a:solidFill>
-                        <a:srgbClr val="000000"/>
-                      </a:solidFill>
-                      <a:prstDash val="solid"/>
-                      <a:round/>
-                      <a:headEnd type="none" w="med" len="med"/>
-                      <a:tailEnd type="none" w="med" len="med"/>
-                    </a:lnR>
-                    <a:lnT w="6350" cap="flat" cmpd="sng" algn="ctr">
-                      <a:solidFill>
-                        <a:srgbClr val="000000"/>
-                      </a:solidFill>
-                      <a:prstDash val="solid"/>
-                      <a:round/>
-                      <a:headEnd type="none" w="med" len="med"/>
-                      <a:tailEnd type="none" w="med" len="med"/>
-                    </a:lnT>
-                    <a:lnB w="6350" cap="flat" cmpd="sng" algn="ctr">
-                      <a:solidFill>
-                        <a:srgbClr val="000000"/>
-                      </a:solidFill>
-                      <a:prstDash val="solid"/>
-                      <a:round/>
-                      <a:headEnd type="none" w="med" len="med"/>
-                      <a:tailEnd type="none" w="med" len="med"/>
-                    </a:lnB>
-                    <a:lnTlToBr w="12700" cmpd="sng">
-                      <a:noFill/>
-                      <a:prstDash val="solid"/>
-                    </a:lnTlToBr>
-                    <a:lnBlToTr w="12700" cmpd="sng">
-                      <a:noFill/>
-                      <a:prstDash val="solid"/>
-                    </a:lnBlToTr>
-                  </a:tcPr>
-                </a:tc>
-                <a:tc hMerge="1">
-                  <a:txBody>
-                    <a:bodyPr/>
-                    <a:lstStyle/>
-                    <a:p>
-                      <a:pPr algn="r"/>
-                      <a:endParaRPr lang="en-GB" sz="1000" b="1">
-                        <a:latin typeface="Segoe UI" pitchFamily="34" charset="0"/>
-                        <a:cs typeface="Segoe UI" pitchFamily="34" charset="0"/>
-                      </a:endParaRPr>
-                    </a:p>
-                  </a:txBody>
-                  <a:tcPr/>
-                </a:tc>
-                <a:tc hMerge="1">
-                  <a:txBody>
-                    <a:bodyPr/>
-                    <a:lstStyle/>
-                    <a:p>
-                      <a:pPr algn="l"/>
-                      <a:endParaRPr lang="en-GB" sz="1000" b="1">
-                        <a:latin typeface="Segoe UI" pitchFamily="34" charset="0"/>
-                        <a:cs typeface="Segoe UI" pitchFamily="34" charset="0"/>
-                      </a:endParaRPr>
-                    </a:p>
-                  </a:txBody>
-                  <a:tcPr/>
-                </a:tc>
-                <a:extLst>
-                  <a:ext uri="{0D108BD9-81ED-4DB2-BD59-A6C34878D82A}">
-                    <a16:rowId xmlns:a16="http://schemas.microsoft.com/office/drawing/2014/main" val="10000"/>
-                  </a:ext>
-                </a:extLst>
-              </a:tr>
-              <a:tr h="273736">
-                <a:tc>
-                  <a:txBody>
-                    <a:bodyPr/>
-                    <a:lstStyle/>
-                    <a:p>
-                      <a:pPr marL="0" marR="0" indent="0" algn="l" defTabSz="584200" rtl="0" eaLnBrk="1" fontAlgn="auto" latinLnBrk="0" hangingPunct="1">
-                        <a:lnSpc>
-                          <a:spcPct val="100000"/>
-                        </a:lnSpc>
-                        <a:spcBef>
-                          <a:spcPts val="0"/>
-                        </a:spcBef>
-                        <a:spcAft>
-                          <a:spcPts val="0"/>
-                        </a:spcAft>
-                        <a:buClrTx/>
-                        <a:buSzTx/>
-                        <a:buFontTx/>
-                        <a:buNone/>
-                        <a:tabLst/>
-                        <a:defRPr/>
-                      </a:pPr>
-                      <a:endParaRPr lang="en-GB" sz="1000" i="0">
-                        <a:solidFill>
-                          <a:srgbClr val="000000"/>
-                        </a:solidFill>
-                        <a:latin typeface="Segoe UI" pitchFamily="34" charset="0"/>
-                        <a:cs typeface="Segoe UI" pitchFamily="34" charset="0"/>
-                      </a:endParaRPr>
-                    </a:p>
-                  </a:txBody>
-                  <a:tcPr>
-                    <a:lnL w="6350" cap="flat" cmpd="sng" algn="ctr">
-                      <a:solidFill>
-                        <a:srgbClr val="000000"/>
-                      </a:solidFill>
-                      <a:prstDash val="solid"/>
-                      <a:round/>
-                      <a:headEnd type="none" w="med" len="med"/>
-                      <a:tailEnd type="none" w="med" len="med"/>
-                    </a:lnL>
-                    <a:lnR w="12700" cap="flat" cmpd="sng" algn="ctr">
-                      <a:noFill/>
-                      <a:prstDash val="solid"/>
-                      <a:round/>
-                      <a:headEnd type="none" w="med" len="med"/>
-                      <a:tailEnd type="none" w="med" len="med"/>
-                    </a:lnR>
-                    <a:lnT w="6350" cap="flat" cmpd="sng" algn="ctr">
-                      <a:solidFill>
-                        <a:srgbClr val="000000"/>
-                      </a:solidFill>
-                      <a:prstDash val="solid"/>
-                      <a:round/>
-                      <a:headEnd type="none" w="med" len="med"/>
-                      <a:tailEnd type="none" w="med" len="med"/>
-                    </a:lnT>
-                    <a:lnB w="12700" cmpd="sng">
-                      <a:noFill/>
-                    </a:lnB>
-                    <a:lnTlToBr w="12700" cmpd="sng">
-                      <a:noFill/>
-                      <a:prstDash val="solid"/>
-                    </a:lnTlToBr>
-                    <a:lnBlToTr w="12700" cmpd="sng">
-                      <a:noFill/>
-                      <a:prstDash val="solid"/>
-                    </a:lnBlToTr>
-                  </a:tcPr>
-                </a:tc>
-                <a:tc>
-                  <a:txBody>
-                    <a:bodyPr/>
-                    <a:lstStyle/>
-                    <a:p>
-                      <a:pPr algn="r"/>
-                      <a:endParaRPr lang="en-GB" sz="1000">
-                        <a:solidFill>
-                          <a:srgbClr val="000000"/>
-                        </a:solidFill>
-                        <a:latin typeface="Segoe UI" pitchFamily="34" charset="0"/>
-                        <a:cs typeface="Segoe UI" pitchFamily="34" charset="0"/>
-                      </a:endParaRPr>
-                    </a:p>
-                  </a:txBody>
-                  <a:tcPr>
-                    <a:lnL w="12700" cap="flat" cmpd="sng" algn="ctr">
-                      <a:noFill/>
-                      <a:prstDash val="solid"/>
-                      <a:round/>
-                      <a:headEnd type="none" w="med" len="med"/>
-                      <a:tailEnd type="none" w="med" len="med"/>
-                    </a:lnL>
-                    <a:lnR w="12700" cap="flat" cmpd="sng" algn="ctr">
-                      <a:noFill/>
-                      <a:prstDash val="solid"/>
-                      <a:round/>
-                      <a:headEnd type="none" w="med" len="med"/>
-                      <a:tailEnd type="none" w="med" len="med"/>
-                    </a:lnR>
-                    <a:lnT w="6350" cap="flat" cmpd="sng" algn="ctr">
-                      <a:solidFill>
-                        <a:srgbClr val="000000"/>
-                      </a:solidFill>
-                      <a:prstDash val="solid"/>
-                      <a:round/>
-                      <a:headEnd type="none" w="med" len="med"/>
-                      <a:tailEnd type="none" w="med" len="med"/>
-                    </a:lnT>
-                    <a:lnB w="12700" cmpd="sng">
-                      <a:noFill/>
-                    </a:lnB>
-                    <a:lnTlToBr w="12700" cmpd="sng">
-                      <a:noFill/>
-                      <a:prstDash val="solid"/>
-                    </a:lnTlToBr>
-                    <a:lnBlToTr w="12700" cmpd="sng">
-                      <a:noFill/>
-                      <a:prstDash val="solid"/>
-                    </a:lnBlToTr>
-                  </a:tcPr>
-                </a:tc>
-                <a:tc>
-                  <a:txBody>
-                    <a:bodyPr/>
-                    <a:lstStyle/>
-                    <a:p>
-                      <a:pPr marL="0" marR="0" indent="0" algn="l" defTabSz="584200" rtl="0" eaLnBrk="1" fontAlgn="auto" latinLnBrk="0" hangingPunct="1">
-                        <a:lnSpc>
-                          <a:spcPct val="100000"/>
-                        </a:lnSpc>
-                        <a:spcBef>
-                          <a:spcPts val="0"/>
-                        </a:spcBef>
-                        <a:spcAft>
-                          <a:spcPts val="0"/>
-                        </a:spcAft>
-                        <a:buClrTx/>
-                        <a:buSzTx/>
-                        <a:buFontTx/>
-                        <a:buNone/>
-                        <a:tabLst/>
-                        <a:defRPr/>
-                      </a:pPr>
-                      <a:endParaRPr lang="en-GB" sz="1000" i="1">
-                        <a:solidFill>
-                          <a:srgbClr val="000000"/>
-                        </a:solidFill>
-                        <a:latin typeface="Segoe UI" pitchFamily="34" charset="0"/>
-                        <a:cs typeface="Segoe UI" pitchFamily="34" charset="0"/>
-                      </a:endParaRPr>
-                    </a:p>
-                  </a:txBody>
-                  <a:tcPr>
-                    <a:lnL w="12700" cap="flat" cmpd="sng" algn="ctr">
-                      <a:noFill/>
-                      <a:prstDash val="solid"/>
-                      <a:round/>
-                      <a:headEnd type="none" w="med" len="med"/>
-                      <a:tailEnd type="none" w="med" len="med"/>
-                    </a:lnL>
-                    <a:lnR w="6350" cap="flat" cmpd="sng" algn="ctr">
-                      <a:solidFill>
-                        <a:srgbClr val="000000"/>
-                      </a:solidFill>
-                      <a:prstDash val="solid"/>
-                      <a:round/>
-                      <a:headEnd type="none" w="med" len="med"/>
-                      <a:tailEnd type="none" w="med" len="med"/>
-                    </a:lnR>
-                    <a:lnT w="6350" cap="flat" cmpd="sng" algn="ctr">
-                      <a:solidFill>
-                        <a:srgbClr val="000000"/>
-                      </a:solidFill>
-                      <a:prstDash val="solid"/>
-                      <a:round/>
-                      <a:headEnd type="none" w="med" len="med"/>
-                      <a:tailEnd type="none" w="med" len="med"/>
-                    </a:lnT>
-                    <a:lnB w="12700" cmpd="sng">
-                      <a:noFill/>
-                    </a:lnB>
-                    <a:lnTlToBr w="12700" cmpd="sng">
-                      <a:noFill/>
-                      <a:prstDash val="solid"/>
-                    </a:lnTlToBr>
-                    <a:lnBlToTr w="12700" cmpd="sng">
-                      <a:noFill/>
-                      <a:prstDash val="solid"/>
-                    </a:lnBlToTr>
-                  </a:tcPr>
-                </a:tc>
-                <a:extLst>
-                  <a:ext uri="{0D108BD9-81ED-4DB2-BD59-A6C34878D82A}">
-                    <a16:rowId xmlns:a16="http://schemas.microsoft.com/office/drawing/2014/main" val="10001"/>
-                  </a:ext>
-                </a:extLst>
-              </a:tr>
-              <a:tr h="260350">
-                <a:tc>
-                  <a:txBody>
-                    <a:bodyPr/>
-                    <a:lstStyle/>
-                    <a:p>
-                      <a:pPr algn="l"/>
-                      <a:endParaRPr lang="en-GB" sz="1000">
-                        <a:solidFill>
-                          <a:srgbClr val="000000"/>
-                        </a:solidFill>
-                        <a:latin typeface="Segoe UI" pitchFamily="34" charset="0"/>
-                        <a:cs typeface="Segoe UI" pitchFamily="34" charset="0"/>
-                      </a:endParaRPr>
-                    </a:p>
-                  </a:txBody>
-                  <a:tcPr>
-                    <a:lnL w="6350" cap="flat" cmpd="sng" algn="ctr">
-                      <a:solidFill>
-                        <a:srgbClr val="000000"/>
-                      </a:solidFill>
-                      <a:prstDash val="solid"/>
-                      <a:round/>
-                      <a:headEnd type="none" w="med" len="med"/>
-                      <a:tailEnd type="none" w="med" len="med"/>
-                    </a:lnL>
-                    <a:lnR w="12700" cmpd="sng">
-                      <a:noFill/>
-                    </a:lnR>
-                    <a:lnT w="12700" cmpd="sng">
-                      <a:noFill/>
-                    </a:lnT>
-                    <a:lnB w="12700" cmpd="sng">
-                      <a:noFill/>
-                    </a:lnB>
-                    <a:lnTlToBr w="12700" cmpd="sng">
-                      <a:noFill/>
-                      <a:prstDash val="solid"/>
-                    </a:lnTlToBr>
-                    <a:lnBlToTr w="12700" cmpd="sng">
-                      <a:noFill/>
-                      <a:prstDash val="solid"/>
-                    </a:lnBlToTr>
-                  </a:tcPr>
-                </a:tc>
-                <a:tc>
-                  <a:txBody>
-                    <a:bodyPr/>
-                    <a:lstStyle/>
-                    <a:p>
-                      <a:pPr algn="r"/>
-                      <a:endParaRPr lang="en-GB" sz="1000">
-                        <a:solidFill>
-                          <a:srgbClr val="000000"/>
-                        </a:solidFill>
-                        <a:latin typeface="Segoe UI" pitchFamily="34" charset="0"/>
-                        <a:cs typeface="Segoe UI" pitchFamily="34" charset="0"/>
-                      </a:endParaRPr>
-                    </a:p>
-                  </a:txBody>
-                  <a:tcPr>
-                    <a:lnL w="12700" cmpd="sng">
-                      <a:noFill/>
-                    </a:lnL>
-                    <a:lnR w="12700" cmpd="sng">
-                      <a:noFill/>
-                    </a:lnR>
-                    <a:lnT w="12700" cmpd="sng">
-                      <a:noFill/>
-                    </a:lnT>
-                    <a:lnB w="12700" cmpd="sng">
-                      <a:noFill/>
-                    </a:lnB>
-                    <a:lnTlToBr w="12700" cmpd="sng">
-                      <a:noFill/>
-                      <a:prstDash val="solid"/>
-                    </a:lnTlToBr>
-                    <a:lnBlToTr w="12700" cmpd="sng">
-                      <a:noFill/>
-                      <a:prstDash val="solid"/>
-                    </a:lnBlToTr>
-                  </a:tcPr>
-                </a:tc>
-                <a:tc>
-                  <a:txBody>
-                    <a:bodyPr/>
-                    <a:lstStyle/>
-                    <a:p>
-                      <a:pPr algn="l"/>
-                      <a:endParaRPr lang="en-GB" sz="1000" i="1">
-                        <a:solidFill>
-                          <a:srgbClr val="000000"/>
-                        </a:solidFill>
-                        <a:latin typeface="Segoe UI" pitchFamily="34" charset="0"/>
-                        <a:cs typeface="Segoe UI" pitchFamily="34" charset="0"/>
-                      </a:endParaRPr>
-                    </a:p>
-                  </a:txBody>
-                  <a:tcPr>
-                    <a:lnL w="12700" cmpd="sng">
-                      <a:noFill/>
-                    </a:lnL>
-                    <a:lnR w="6350" cap="flat" cmpd="sng" algn="ctr">
-                      <a:solidFill>
-                        <a:srgbClr val="000000"/>
-                      </a:solidFill>
-                      <a:prstDash val="solid"/>
-                      <a:round/>
-                      <a:headEnd type="none" w="med" len="med"/>
-                      <a:tailEnd type="none" w="med" len="med"/>
-                    </a:lnR>
-                    <a:lnT w="12700" cmpd="sng">
-                      <a:noFill/>
-                    </a:lnT>
-                    <a:lnB w="12700" cmpd="sng">
-                      <a:noFill/>
-                    </a:lnB>
-                    <a:lnTlToBr w="12700" cmpd="sng">
-                      <a:noFill/>
-                      <a:prstDash val="solid"/>
-                    </a:lnTlToBr>
-                    <a:lnBlToTr w="12700" cmpd="sng">
-                      <a:noFill/>
-                      <a:prstDash val="solid"/>
-                    </a:lnBlToTr>
-                  </a:tcPr>
-                </a:tc>
-                <a:extLst>
-                  <a:ext uri="{0D108BD9-81ED-4DB2-BD59-A6C34878D82A}">
-                    <a16:rowId xmlns:a16="http://schemas.microsoft.com/office/drawing/2014/main" val="10002"/>
-                  </a:ext>
-                </a:extLst>
-              </a:tr>
-              <a:tr h="260350">
-                <a:tc>
-                  <a:txBody>
-                    <a:bodyPr/>
-                    <a:lstStyle/>
-                    <a:p>
-                      <a:pPr algn="l"/>
-                      <a:endParaRPr lang="en-GB" sz="1000">
-                        <a:solidFill>
-                          <a:srgbClr val="000000"/>
-                        </a:solidFill>
-                        <a:latin typeface="Segoe UI" pitchFamily="34" charset="0"/>
-                        <a:cs typeface="Segoe UI" pitchFamily="34" charset="0"/>
-                      </a:endParaRPr>
-                    </a:p>
-                  </a:txBody>
-                  <a:tcPr>
-                    <a:lnL w="6350" cap="flat" cmpd="sng" algn="ctr">
-                      <a:solidFill>
-                        <a:srgbClr val="000000"/>
-                      </a:solidFill>
-                      <a:prstDash val="solid"/>
-                      <a:round/>
-                      <a:headEnd type="none" w="med" len="med"/>
-                      <a:tailEnd type="none" w="med" len="med"/>
-                    </a:lnL>
-                    <a:lnR w="12700" cmpd="sng">
-                      <a:noFill/>
-                    </a:lnR>
-                    <a:lnT w="12700" cmpd="sng">
-                      <a:noFill/>
-                    </a:lnT>
-                    <a:lnB w="12700" cmpd="sng">
-                      <a:noFill/>
-                    </a:lnB>
-                    <a:lnTlToBr w="12700" cmpd="sng">
-                      <a:noFill/>
-                      <a:prstDash val="solid"/>
-                    </a:lnTlToBr>
-                    <a:lnBlToTr w="12700" cmpd="sng">
-                      <a:noFill/>
-                      <a:prstDash val="solid"/>
-                    </a:lnBlToTr>
-                  </a:tcPr>
-                </a:tc>
-                <a:tc>
-                  <a:txBody>
-                    <a:bodyPr/>
-                    <a:lstStyle/>
-                    <a:p>
-                      <a:pPr algn="r"/>
-                      <a:endParaRPr lang="en-GB" sz="1000">
-                        <a:solidFill>
-                          <a:srgbClr val="000000"/>
-                        </a:solidFill>
-                        <a:latin typeface="Segoe UI" pitchFamily="34" charset="0"/>
-                        <a:cs typeface="Segoe UI" pitchFamily="34" charset="0"/>
-                      </a:endParaRPr>
-                    </a:p>
-                  </a:txBody>
-                  <a:tcPr>
-                    <a:lnL w="12700" cmpd="sng">
-                      <a:noFill/>
-                    </a:lnL>
-                    <a:lnR w="12700" cmpd="sng">
-                      <a:noFill/>
-                    </a:lnR>
-                    <a:lnT w="12700" cmpd="sng">
-                      <a:noFill/>
-                    </a:lnT>
-                    <a:lnB w="12700" cmpd="sng">
-                      <a:noFill/>
-                    </a:lnB>
-                    <a:lnTlToBr w="12700" cmpd="sng">
-                      <a:noFill/>
-                      <a:prstDash val="solid"/>
-                    </a:lnTlToBr>
-                    <a:lnBlToTr w="12700" cmpd="sng">
-                      <a:noFill/>
-                      <a:prstDash val="solid"/>
-                    </a:lnBlToTr>
-                  </a:tcPr>
-                </a:tc>
-                <a:tc>
-                  <a:txBody>
-                    <a:bodyPr/>
-                    <a:lstStyle/>
-                    <a:p>
-                      <a:pPr algn="l"/>
-                      <a:endParaRPr lang="en-GB" sz="1000">
-                        <a:solidFill>
-                          <a:srgbClr val="000000"/>
-                        </a:solidFill>
-                        <a:latin typeface="Segoe UI" pitchFamily="34" charset="0"/>
-                        <a:cs typeface="Segoe UI" pitchFamily="34" charset="0"/>
-                      </a:endParaRPr>
-                    </a:p>
-                  </a:txBody>
-                  <a:tcPr>
-                    <a:lnL w="12700" cmpd="sng">
-                      <a:noFill/>
-                    </a:lnL>
-                    <a:lnR w="6350" cap="flat" cmpd="sng" algn="ctr">
-                      <a:solidFill>
-                        <a:srgbClr val="000000"/>
-                      </a:solidFill>
-                      <a:prstDash val="solid"/>
-                      <a:round/>
-                      <a:headEnd type="none" w="med" len="med"/>
-                      <a:tailEnd type="none" w="med" len="med"/>
-                    </a:lnR>
-                    <a:lnT w="12700" cmpd="sng">
-                      <a:noFill/>
-                    </a:lnT>
-                    <a:lnB w="12700" cmpd="sng">
-                      <a:noFill/>
-                    </a:lnB>
-                    <a:lnTlToBr w="12700" cmpd="sng">
-                      <a:noFill/>
-                      <a:prstDash val="solid"/>
-                    </a:lnTlToBr>
-                    <a:lnBlToTr w="12700" cmpd="sng">
-                      <a:noFill/>
-                      <a:prstDash val="solid"/>
-                    </a:lnBlToTr>
-                  </a:tcPr>
-                </a:tc>
-                <a:extLst>
-                  <a:ext uri="{0D108BD9-81ED-4DB2-BD59-A6C34878D82A}">
-                    <a16:rowId xmlns:a16="http://schemas.microsoft.com/office/drawing/2014/main" val="10003"/>
-                  </a:ext>
-                </a:extLst>
-              </a:tr>
-              <a:tr h="260350">
-                <a:tc>
-                  <a:txBody>
-                    <a:bodyPr/>
-                    <a:lstStyle/>
-                    <a:p>
-                      <a:pPr marL="0" marR="0" indent="0" algn="l" defTabSz="584200" rtl="0" eaLnBrk="1" fontAlgn="auto" latinLnBrk="0" hangingPunct="1">
-                        <a:lnSpc>
-                          <a:spcPct val="100000"/>
-                        </a:lnSpc>
-                        <a:spcBef>
-                          <a:spcPts val="0"/>
-                        </a:spcBef>
-                        <a:spcAft>
-                          <a:spcPts val="0"/>
-                        </a:spcAft>
-                        <a:buClrTx/>
-                        <a:buSzTx/>
-                        <a:buFontTx/>
-                        <a:buNone/>
-                        <a:tabLst/>
-                        <a:defRPr/>
-                      </a:pPr>
-                      <a:endParaRPr lang="en-GB" sz="1000" b="0" i="0" u="none" strike="noStrike" cap="none" spc="0" baseline="0">
-                        <a:ln>
-                          <a:noFill/>
-                        </a:ln>
-                        <a:solidFill>
-                          <a:srgbClr val="000000"/>
-                        </a:solidFill>
-                        <a:uFillTx/>
-                        <a:latin typeface="Segoe UI" pitchFamily="34" charset="0"/>
-                        <a:ea typeface="+mn-ea"/>
-                        <a:cs typeface="Segoe UI" pitchFamily="34" charset="0"/>
-                        <a:sym typeface="Source Sans Pro"/>
-                      </a:endParaRPr>
-                    </a:p>
-                  </a:txBody>
-                  <a:tcPr>
-                    <a:lnL w="6350" cap="flat" cmpd="sng" algn="ctr">
-                      <a:solidFill>
-                        <a:srgbClr val="000000"/>
-                      </a:solidFill>
-                      <a:prstDash val="solid"/>
-                      <a:round/>
-                      <a:headEnd type="none" w="med" len="med"/>
-                      <a:tailEnd type="none" w="med" len="med"/>
-                    </a:lnL>
                     <a:lnR w="12700" cmpd="sng">
                       <a:noFill/>
                     </a:lnR>
@@ -10076,7 +9843,848 @@
                 </a:tc>
                 <a:extLst>
                   <a:ext uri="{0D108BD9-81ED-4DB2-BD59-A6C34878D82A}">
-                    <a16:rowId xmlns:a16="http://schemas.microsoft.com/office/drawing/2014/main" val="10004"/>
+                    <a16:rowId xmlns:a16="http://schemas.microsoft.com/office/drawing/2014/main" xmlns="" val="10004"/>
+                  </a:ext>
+                </a:extLst>
+              </a:tr>
+            </a:tbl>
+          </a:graphicData>
+        </a:graphic>
+      </p:graphicFrame>
+      <p:graphicFrame>
+        <p:nvGraphicFramePr>
+          <p:cNvPr id="12" name="Table 11"/>
+          <p:cNvGraphicFramePr>
+            <a:graphicFrameLocks noGrp="1"/>
+          </p:cNvGraphicFramePr>
+          <p:nvPr>
+            <p:extLst>
+              <p:ext uri="{D42A27DB-BD31-4B8C-83A1-F6EECF244321}">
+                <p14:modId xmlns:p14="http://schemas.microsoft.com/office/powerpoint/2010/main" val="2827313805"/>
+              </p:ext>
+            </p:extLst>
+          </p:nvPr>
+        </p:nvGraphicFramePr>
+        <p:xfrm>
+          <a:off x="8630920" y="5984956"/>
+          <a:ext cx="3894455" cy="2531796"/>
+        </p:xfrm>
+        <a:graphic>
+          <a:graphicData uri="http://schemas.openxmlformats.org/drawingml/2006/table">
+            <a:tbl>
+              <a:tblPr firstRow="1" bandRow="1">
+                <a:tableStyleId>{5940675A-B579-460E-94D1-54222C63F5DA}</a:tableStyleId>
+              </a:tblPr>
+              <a:tblGrid>
+                <a:gridCol w="3894455">
+                  <a:extLst>
+                    <a:ext uri="{9D8B030D-6E8A-4147-A177-3AD203B41FA5}">
+                      <a16:colId xmlns:a16="http://schemas.microsoft.com/office/drawing/2014/main" xmlns="" val="20000"/>
+                    </a:ext>
+                  </a:extLst>
+                </a:gridCol>
+              </a:tblGrid>
+              <a:tr h="260350">
+                <a:tc>
+                  <a:txBody>
+                    <a:bodyPr/>
+                    <a:lstStyle/>
+                    <a:p>
+                      <a:pPr algn="l"/>
+                      <a:r>
+                        <a:rPr lang="en-GB" sz="1000" b="1" baseline="0" smtClean="0">
+                          <a:solidFill>
+                            <a:srgbClr val="000000"/>
+                          </a:solidFill>
+                          <a:latin typeface="Segoe UI" pitchFamily="34" charset="0"/>
+                          <a:cs typeface="Segoe UI" pitchFamily="34" charset="0"/>
+                        </a:rPr>
+                        <a:t>Forecastability using Internal Benchmarks</a:t>
+                      </a:r>
+                      <a:endParaRPr lang="en-GB" sz="1000" b="1" baseline="0">
+                        <a:solidFill>
+                          <a:srgbClr val="000000"/>
+                        </a:solidFill>
+                        <a:latin typeface="Segoe UI" pitchFamily="34" charset="0"/>
+                        <a:cs typeface="Segoe UI" pitchFamily="34" charset="0"/>
+                      </a:endParaRPr>
+                    </a:p>
+                  </a:txBody>
+                  <a:tcPr>
+                    <a:lnL w="6350" cap="flat" cmpd="sng" algn="ctr">
+                      <a:solidFill>
+                        <a:srgbClr val="000000"/>
+                      </a:solidFill>
+                      <a:prstDash val="solid"/>
+                      <a:round/>
+                      <a:headEnd type="none" w="med" len="med"/>
+                      <a:tailEnd type="none" w="med" len="med"/>
+                    </a:lnL>
+                    <a:lnR w="12700" cap="flat" cmpd="sng" algn="ctr">
+                      <a:solidFill>
+                        <a:schemeClr val="tx1"/>
+                      </a:solidFill>
+                      <a:prstDash val="solid"/>
+                      <a:round/>
+                      <a:headEnd type="none" w="med" len="med"/>
+                      <a:tailEnd type="none" w="med" len="med"/>
+                    </a:lnR>
+                    <a:lnT w="6350" cap="flat" cmpd="sng" algn="ctr">
+                      <a:solidFill>
+                        <a:srgbClr val="000000"/>
+                      </a:solidFill>
+                      <a:prstDash val="solid"/>
+                      <a:round/>
+                      <a:headEnd type="none" w="med" len="med"/>
+                      <a:tailEnd type="none" w="med" len="med"/>
+                    </a:lnT>
+                    <a:lnB w="6350" cap="flat" cmpd="sng" algn="ctr">
+                      <a:solidFill>
+                        <a:srgbClr val="000000"/>
+                      </a:solidFill>
+                      <a:prstDash val="solid"/>
+                      <a:round/>
+                      <a:headEnd type="none" w="med" len="med"/>
+                      <a:tailEnd type="none" w="med" len="med"/>
+                    </a:lnB>
+                    <a:lnTlToBr w="12700" cmpd="sng">
+                      <a:noFill/>
+                      <a:prstDash val="solid"/>
+                    </a:lnTlToBr>
+                    <a:lnBlToTr w="12700" cmpd="sng">
+                      <a:noFill/>
+                      <a:prstDash val="solid"/>
+                    </a:lnBlToTr>
+                  </a:tcPr>
+                </a:tc>
+                <a:extLst>
+                  <a:ext uri="{0D108BD9-81ED-4DB2-BD59-A6C34878D82A}">
+                    <a16:rowId xmlns:a16="http://schemas.microsoft.com/office/drawing/2014/main" xmlns="" val="10000"/>
+                  </a:ext>
+                </a:extLst>
+              </a:tr>
+              <a:tr h="273736">
+                <a:tc>
+                  <a:txBody>
+                    <a:bodyPr/>
+                    <a:lstStyle/>
+                    <a:p>
+                      <a:pPr marL="0" marR="0" indent="0" algn="l" defTabSz="584200" rtl="0" eaLnBrk="1" fontAlgn="auto" latinLnBrk="0" hangingPunct="1">
+                        <a:lnSpc>
+                          <a:spcPct val="100000"/>
+                        </a:lnSpc>
+                        <a:spcBef>
+                          <a:spcPts val="0"/>
+                        </a:spcBef>
+                        <a:spcAft>
+                          <a:spcPts val="0"/>
+                        </a:spcAft>
+                        <a:buClrTx/>
+                        <a:buSzTx/>
+                        <a:buFontTx/>
+                        <a:buNone/>
+                        <a:tabLst/>
+                        <a:defRPr/>
+                      </a:pPr>
+                      <a:r>
+                        <a:rPr lang="en-GB" sz="1000" i="0" baseline="0" smtClean="0">
+                          <a:solidFill>
+                            <a:srgbClr val="000000"/>
+                          </a:solidFill>
+                          <a:latin typeface="Segoe UI" pitchFamily="34" charset="0"/>
+                          <a:cs typeface="Segoe UI" pitchFamily="34" charset="0"/>
+                        </a:rPr>
+                        <a:t>You have lots of SKUs and you are forecasting demand for each of them separately. How do you know if the forecasts are good?</a:t>
+                      </a:r>
+                      <a:endParaRPr lang="en-GB" sz="1000" i="0">
+                        <a:solidFill>
+                          <a:srgbClr val="000000"/>
+                        </a:solidFill>
+                        <a:latin typeface="Segoe UI" pitchFamily="34" charset="0"/>
+                        <a:cs typeface="Segoe UI" pitchFamily="34" charset="0"/>
+                      </a:endParaRPr>
+                    </a:p>
+                  </a:txBody>
+                  <a:tcPr>
+                    <a:lnL w="6350" cap="flat" cmpd="sng" algn="ctr">
+                      <a:solidFill>
+                        <a:srgbClr val="000000"/>
+                      </a:solidFill>
+                      <a:prstDash val="solid"/>
+                      <a:round/>
+                      <a:headEnd type="none" w="med" len="med"/>
+                      <a:tailEnd type="none" w="med" len="med"/>
+                    </a:lnL>
+                    <a:lnR w="12700" cap="flat" cmpd="sng" algn="ctr">
+                      <a:solidFill>
+                        <a:schemeClr val="tx1"/>
+                      </a:solidFill>
+                      <a:prstDash val="solid"/>
+                      <a:round/>
+                      <a:headEnd type="none" w="med" len="med"/>
+                      <a:tailEnd type="none" w="med" len="med"/>
+                    </a:lnR>
+                    <a:lnT w="6350" cap="flat" cmpd="sng" algn="ctr">
+                      <a:solidFill>
+                        <a:srgbClr val="000000"/>
+                      </a:solidFill>
+                      <a:prstDash val="solid"/>
+                      <a:round/>
+                      <a:headEnd type="none" w="med" len="med"/>
+                      <a:tailEnd type="none" w="med" len="med"/>
+                    </a:lnT>
+                    <a:lnB w="6350" cap="flat" cmpd="sng" algn="ctr">
+                      <a:noFill/>
+                      <a:prstDash val="solid"/>
+                      <a:round/>
+                      <a:headEnd type="none" w="med" len="med"/>
+                      <a:tailEnd type="none" w="med" len="med"/>
+                    </a:lnB>
+                    <a:lnTlToBr w="12700" cmpd="sng">
+                      <a:noFill/>
+                      <a:prstDash val="solid"/>
+                    </a:lnTlToBr>
+                    <a:lnBlToTr w="12700" cmpd="sng">
+                      <a:noFill/>
+                      <a:prstDash val="solid"/>
+                    </a:lnBlToTr>
+                  </a:tcPr>
+                </a:tc>
+                <a:extLst>
+                  <a:ext uri="{0D108BD9-81ED-4DB2-BD59-A6C34878D82A}">
+                    <a16:rowId xmlns:a16="http://schemas.microsoft.com/office/drawing/2014/main" xmlns="" val="10001"/>
+                  </a:ext>
+                </a:extLst>
+              </a:tr>
+              <a:tr h="273736">
+                <a:tc>
+                  <a:txBody>
+                    <a:bodyPr/>
+                    <a:lstStyle/>
+                    <a:p>
+                      <a:pPr marL="0" marR="0" indent="0" algn="l" defTabSz="584200" rtl="0" eaLnBrk="1" fontAlgn="auto" latinLnBrk="0" hangingPunct="1">
+                        <a:lnSpc>
+                          <a:spcPct val="100000"/>
+                        </a:lnSpc>
+                        <a:spcBef>
+                          <a:spcPts val="0"/>
+                        </a:spcBef>
+                        <a:spcAft>
+                          <a:spcPts val="0"/>
+                        </a:spcAft>
+                        <a:buClrTx/>
+                        <a:buSzTx/>
+                        <a:buFontTx/>
+                        <a:buNone/>
+                        <a:tabLst/>
+                        <a:defRPr/>
+                      </a:pPr>
+                      <a:r>
+                        <a:rPr lang="en-GB" sz="1000" b="0" i="0" u="none" strike="noStrike" cap="none" spc="0" baseline="0" smtClean="0">
+                          <a:ln>
+                            <a:noFill/>
+                          </a:ln>
+                          <a:solidFill>
+                            <a:srgbClr val="000000"/>
+                          </a:solidFill>
+                          <a:uFillTx/>
+                          <a:latin typeface="Segoe UI" pitchFamily="34" charset="0"/>
+                          <a:ea typeface="+mn-ea"/>
+                          <a:cs typeface="Segoe UI" pitchFamily="34" charset="0"/>
+                          <a:sym typeface="Helvetica Light"/>
+                        </a:rPr>
+                        <a:t>Answer: What is the forecast accuracy of similar SKUs?</a:t>
+                      </a:r>
+                    </a:p>
+                  </a:txBody>
+                  <a:tcPr>
+                    <a:lnL w="6350" cap="flat" cmpd="sng" algn="ctr">
+                      <a:solidFill>
+                        <a:srgbClr val="000000"/>
+                      </a:solidFill>
+                      <a:prstDash val="solid"/>
+                      <a:round/>
+                      <a:headEnd type="none" w="med" len="med"/>
+                      <a:tailEnd type="none" w="med" len="med"/>
+                    </a:lnL>
+                    <a:lnR w="12700" cap="flat" cmpd="sng" algn="ctr">
+                      <a:solidFill>
+                        <a:schemeClr val="tx1"/>
+                      </a:solidFill>
+                      <a:prstDash val="solid"/>
+                      <a:round/>
+                      <a:headEnd type="none" w="med" len="med"/>
+                      <a:tailEnd type="none" w="med" len="med"/>
+                    </a:lnR>
+                    <a:lnT w="6350" cap="flat" cmpd="sng" algn="ctr">
+                      <a:noFill/>
+                      <a:prstDash val="solid"/>
+                      <a:round/>
+                      <a:headEnd type="none" w="med" len="med"/>
+                      <a:tailEnd type="none" w="med" len="med"/>
+                    </a:lnT>
+                    <a:lnB w="6350" cap="flat" cmpd="sng" algn="ctr">
+                      <a:noFill/>
+                      <a:prstDash val="solid"/>
+                      <a:round/>
+                      <a:headEnd type="none" w="med" len="med"/>
+                      <a:tailEnd type="none" w="med" len="med"/>
+                    </a:lnB>
+                    <a:lnTlToBr w="12700" cmpd="sng">
+                      <a:noFill/>
+                      <a:prstDash val="solid"/>
+                    </a:lnTlToBr>
+                    <a:lnBlToTr w="12700" cmpd="sng">
+                      <a:noFill/>
+                      <a:prstDash val="solid"/>
+                    </a:lnBlToTr>
+                  </a:tcPr>
+                </a:tc>
+              </a:tr>
+              <a:tr h="273736">
+                <a:tc>
+                  <a:txBody>
+                    <a:bodyPr/>
+                    <a:lstStyle/>
+                    <a:p>
+                      <a:pPr marL="0" marR="0" indent="0" algn="l" defTabSz="584200" rtl="0" eaLnBrk="1" fontAlgn="auto" latinLnBrk="0" hangingPunct="1">
+                        <a:lnSpc>
+                          <a:spcPct val="100000"/>
+                        </a:lnSpc>
+                        <a:spcBef>
+                          <a:spcPts val="0"/>
+                        </a:spcBef>
+                        <a:spcAft>
+                          <a:spcPts val="0"/>
+                        </a:spcAft>
+                        <a:buClrTx/>
+                        <a:buSzTx/>
+                        <a:buFontTx/>
+                        <a:buNone/>
+                        <a:tabLst/>
+                        <a:defRPr/>
+                      </a:pPr>
+                      <a:r>
+                        <a:rPr lang="en-GB" sz="1000" b="0" i="0" u="none" strike="noStrike" cap="none" spc="0" baseline="0" smtClean="0">
+                          <a:ln>
+                            <a:noFill/>
+                          </a:ln>
+                          <a:solidFill>
+                            <a:srgbClr val="000000"/>
+                          </a:solidFill>
+                          <a:uFillTx/>
+                          <a:latin typeface="Segoe UI" pitchFamily="34" charset="0"/>
+                          <a:ea typeface="+mn-ea"/>
+                          <a:cs typeface="Segoe UI" pitchFamily="34" charset="0"/>
+                          <a:sym typeface="Helvetica Light"/>
+                        </a:rPr>
+                        <a:t>Method: Build a multivariate model with accuracy as Y and forecastability DNA as X.</a:t>
+                      </a:r>
+                      <a:endParaRPr lang="en-GB" sz="1000" b="0" i="0" u="none" strike="noStrike" cap="none" spc="0" baseline="0">
+                        <a:ln>
+                          <a:noFill/>
+                        </a:ln>
+                        <a:solidFill>
+                          <a:srgbClr val="000000"/>
+                        </a:solidFill>
+                        <a:uFillTx/>
+                        <a:latin typeface="Segoe UI" pitchFamily="34" charset="0"/>
+                        <a:ea typeface="+mn-ea"/>
+                        <a:cs typeface="Segoe UI" pitchFamily="34" charset="0"/>
+                        <a:sym typeface="Helvetica Light"/>
+                      </a:endParaRPr>
+                    </a:p>
+                  </a:txBody>
+                  <a:tcPr>
+                    <a:lnL w="6350" cap="flat" cmpd="sng" algn="ctr">
+                      <a:solidFill>
+                        <a:srgbClr val="000000"/>
+                      </a:solidFill>
+                      <a:prstDash val="solid"/>
+                      <a:round/>
+                      <a:headEnd type="none" w="med" len="med"/>
+                      <a:tailEnd type="none" w="med" len="med"/>
+                    </a:lnL>
+                    <a:lnR w="12700" cap="flat" cmpd="sng" algn="ctr">
+                      <a:solidFill>
+                        <a:schemeClr val="tx1"/>
+                      </a:solidFill>
+                      <a:prstDash val="solid"/>
+                      <a:round/>
+                      <a:headEnd type="none" w="med" len="med"/>
+                      <a:tailEnd type="none" w="med" len="med"/>
+                    </a:lnR>
+                    <a:lnT w="6350" cap="flat" cmpd="sng" algn="ctr">
+                      <a:noFill/>
+                      <a:prstDash val="solid"/>
+                      <a:round/>
+                      <a:headEnd type="none" w="med" len="med"/>
+                      <a:tailEnd type="none" w="med" len="med"/>
+                    </a:lnT>
+                    <a:lnB w="12700" cmpd="sng">
+                      <a:noFill/>
+                    </a:lnB>
+                    <a:lnTlToBr w="12700" cmpd="sng">
+                      <a:noFill/>
+                      <a:prstDash val="solid"/>
+                    </a:lnTlToBr>
+                    <a:lnBlToTr w="12700" cmpd="sng">
+                      <a:noFill/>
+                      <a:prstDash val="solid"/>
+                    </a:lnBlToTr>
+                  </a:tcPr>
+                </a:tc>
+              </a:tr>
+              <a:tr h="273736">
+                <a:tc>
+                  <a:txBody>
+                    <a:bodyPr/>
+                    <a:lstStyle/>
+                    <a:p>
+                      <a:pPr marL="0" marR="0" indent="0" algn="l" defTabSz="584200" rtl="0" eaLnBrk="1" fontAlgn="auto" latinLnBrk="0" hangingPunct="1">
+                        <a:lnSpc>
+                          <a:spcPct val="100000"/>
+                        </a:lnSpc>
+                        <a:spcBef>
+                          <a:spcPts val="0"/>
+                        </a:spcBef>
+                        <a:spcAft>
+                          <a:spcPts val="0"/>
+                        </a:spcAft>
+                        <a:buClrTx/>
+                        <a:buSzTx/>
+                        <a:buFontTx/>
+                        <a:buNone/>
+                        <a:tabLst/>
+                        <a:defRPr/>
+                      </a:pPr>
+                      <a:r>
+                        <a:rPr lang="en-GB" sz="1000" b="0" i="0" u="none" strike="noStrike" cap="none" spc="0" baseline="0" smtClean="0">
+                          <a:ln>
+                            <a:noFill/>
+                          </a:ln>
+                          <a:solidFill>
+                            <a:srgbClr val="000000"/>
+                          </a:solidFill>
+                          <a:uFillTx/>
+                          <a:latin typeface="Segoe UI" pitchFamily="34" charset="0"/>
+                          <a:ea typeface="+mn-ea"/>
+                          <a:cs typeface="Segoe UI" pitchFamily="34" charset="0"/>
+                          <a:sym typeface="Helvetica Light"/>
+                        </a:rPr>
+                        <a:t>Forecastability DNA consists of yearly volume of </a:t>
+                      </a:r>
+                      <a:r>
+                        <a:rPr lang="en-GB" sz="1000" b="0" i="1" u="none" strike="noStrike" cap="none" spc="0" baseline="0" smtClean="0">
+                          <a:ln>
+                            <a:noFill/>
+                          </a:ln>
+                          <a:solidFill>
+                            <a:srgbClr val="000000"/>
+                          </a:solidFill>
+                          <a:uFillTx/>
+                          <a:latin typeface="Segoe UI" pitchFamily="34" charset="0"/>
+                          <a:ea typeface="+mn-ea"/>
+                          <a:cs typeface="Segoe UI" pitchFamily="34" charset="0"/>
+                          <a:sym typeface="Helvetica Light"/>
+                        </a:rPr>
+                        <a:t>metric</a:t>
+                      </a:r>
+                      <a:r>
+                        <a:rPr lang="en-GB" sz="1000" b="0" i="0" u="none" strike="noStrike" cap="none" spc="0" baseline="0" smtClean="0">
+                          <a:ln>
+                            <a:noFill/>
+                          </a:ln>
+                          <a:solidFill>
+                            <a:srgbClr val="000000"/>
+                          </a:solidFill>
+                          <a:uFillTx/>
+                          <a:latin typeface="Segoe UI" pitchFamily="34" charset="0"/>
+                          <a:ea typeface="+mn-ea"/>
+                          <a:cs typeface="Segoe UI" pitchFamily="34" charset="0"/>
+                          <a:sym typeface="Helvetica Light"/>
+                        </a:rPr>
+                        <a:t>, length of </a:t>
+                      </a:r>
+                      <a:r>
+                        <a:rPr lang="en-GB" sz="1000" b="0" i="1" u="none" strike="noStrike" cap="none" spc="0" baseline="0" smtClean="0">
+                          <a:ln>
+                            <a:noFill/>
+                          </a:ln>
+                          <a:solidFill>
+                            <a:srgbClr val="000000"/>
+                          </a:solidFill>
+                          <a:uFillTx/>
+                          <a:latin typeface="Segoe UI" pitchFamily="34" charset="0"/>
+                          <a:ea typeface="+mn-ea"/>
+                          <a:cs typeface="Segoe UI" pitchFamily="34" charset="0"/>
+                          <a:sym typeface="Helvetica Light"/>
+                        </a:rPr>
+                        <a:t>metric</a:t>
+                      </a:r>
+                      <a:r>
+                        <a:rPr lang="en-GB" sz="1000" b="0" i="0" u="none" strike="noStrike" cap="none" spc="0" baseline="0" smtClean="0">
+                          <a:ln>
+                            <a:noFill/>
+                          </a:ln>
+                          <a:solidFill>
+                            <a:srgbClr val="000000"/>
+                          </a:solidFill>
+                          <a:uFillTx/>
+                          <a:latin typeface="Segoe UI" pitchFamily="34" charset="0"/>
+                          <a:ea typeface="+mn-ea"/>
+                          <a:cs typeface="Segoe UI" pitchFamily="34" charset="0"/>
+                          <a:sym typeface="Helvetica Light"/>
+                        </a:rPr>
+                        <a:t>, variability of </a:t>
+                      </a:r>
+                      <a:r>
+                        <a:rPr lang="en-GB" sz="1000" b="0" i="1" u="none" strike="noStrike" cap="none" spc="0" baseline="0" smtClean="0">
+                          <a:ln>
+                            <a:noFill/>
+                          </a:ln>
+                          <a:solidFill>
+                            <a:srgbClr val="000000"/>
+                          </a:solidFill>
+                          <a:uFillTx/>
+                          <a:latin typeface="Segoe UI" pitchFamily="34" charset="0"/>
+                          <a:ea typeface="+mn-ea"/>
+                          <a:cs typeface="Segoe UI" pitchFamily="34" charset="0"/>
+                          <a:sym typeface="Helvetica Light"/>
+                        </a:rPr>
+                        <a:t>metric</a:t>
+                      </a:r>
+                      <a:r>
+                        <a:rPr lang="en-GB" sz="1000" b="0" i="0" u="none" strike="noStrike" cap="none" spc="0" baseline="0" smtClean="0">
+                          <a:ln>
+                            <a:noFill/>
+                          </a:ln>
+                          <a:solidFill>
+                            <a:srgbClr val="000000"/>
+                          </a:solidFill>
+                          <a:uFillTx/>
+                          <a:latin typeface="Segoe UI" pitchFamily="34" charset="0"/>
+                          <a:ea typeface="+mn-ea"/>
+                          <a:cs typeface="Segoe UI" pitchFamily="34" charset="0"/>
+                          <a:sym typeface="Helvetica Light"/>
+                        </a:rPr>
+                        <a:t>, intermittency of </a:t>
+                      </a:r>
+                      <a:r>
+                        <a:rPr lang="en-GB" sz="1000" b="0" i="1" u="none" strike="noStrike" cap="none" spc="0" baseline="0" smtClean="0">
+                          <a:ln>
+                            <a:noFill/>
+                          </a:ln>
+                          <a:solidFill>
+                            <a:srgbClr val="000000"/>
+                          </a:solidFill>
+                          <a:uFillTx/>
+                          <a:latin typeface="Segoe UI" pitchFamily="34" charset="0"/>
+                          <a:ea typeface="+mn-ea"/>
+                          <a:cs typeface="Segoe UI" pitchFamily="34" charset="0"/>
+                          <a:sym typeface="Helvetica Light"/>
+                        </a:rPr>
+                        <a:t>metric</a:t>
+                      </a:r>
+                      <a:r>
+                        <a:rPr lang="en-GB" sz="1000" b="0" i="0" u="none" strike="noStrike" cap="none" spc="0" baseline="0" smtClean="0">
+                          <a:ln>
+                            <a:noFill/>
+                          </a:ln>
+                          <a:solidFill>
+                            <a:srgbClr val="000000"/>
+                          </a:solidFill>
+                          <a:uFillTx/>
+                          <a:latin typeface="Segoe UI" pitchFamily="34" charset="0"/>
+                          <a:ea typeface="+mn-ea"/>
+                          <a:cs typeface="Segoe UI" pitchFamily="34" charset="0"/>
+                          <a:sym typeface="Helvetica Light"/>
+                        </a:rPr>
+                        <a:t>, lead time for forecast, etc.  </a:t>
+                      </a:r>
+                      <a:endParaRPr lang="en-GB" sz="1000" b="0" i="0" u="none" strike="noStrike" cap="none" spc="0" baseline="0">
+                        <a:ln>
+                          <a:noFill/>
+                        </a:ln>
+                        <a:solidFill>
+                          <a:srgbClr val="000000"/>
+                        </a:solidFill>
+                        <a:uFillTx/>
+                        <a:latin typeface="Segoe UI" pitchFamily="34" charset="0"/>
+                        <a:ea typeface="+mn-ea"/>
+                        <a:cs typeface="Segoe UI" pitchFamily="34" charset="0"/>
+                        <a:sym typeface="Helvetica Light"/>
+                      </a:endParaRPr>
+                    </a:p>
+                  </a:txBody>
+                  <a:tcPr>
+                    <a:lnL w="6350" cap="flat" cmpd="sng" algn="ctr">
+                      <a:solidFill>
+                        <a:srgbClr val="000000"/>
+                      </a:solidFill>
+                      <a:prstDash val="solid"/>
+                      <a:round/>
+                      <a:headEnd type="none" w="med" len="med"/>
+                      <a:tailEnd type="none" w="med" len="med"/>
+                    </a:lnL>
+                    <a:lnR w="12700" cap="flat" cmpd="sng" algn="ctr">
+                      <a:solidFill>
+                        <a:schemeClr val="tx1"/>
+                      </a:solidFill>
+                      <a:prstDash val="solid"/>
+                      <a:round/>
+                      <a:headEnd type="none" w="med" len="med"/>
+                      <a:tailEnd type="none" w="med" len="med"/>
+                    </a:lnR>
+                    <a:lnT w="6350" cap="flat" cmpd="sng" algn="ctr">
+                      <a:noFill/>
+                      <a:prstDash val="solid"/>
+                      <a:round/>
+                      <a:headEnd type="none" w="med" len="med"/>
+                      <a:tailEnd type="none" w="med" len="med"/>
+                    </a:lnT>
+                    <a:lnB w="12700" cmpd="sng">
+                      <a:noFill/>
+                    </a:lnB>
+                    <a:lnTlToBr w="12700" cmpd="sng">
+                      <a:noFill/>
+                      <a:prstDash val="solid"/>
+                    </a:lnTlToBr>
+                    <a:lnBlToTr w="12700" cmpd="sng">
+                      <a:noFill/>
+                      <a:prstDash val="solid"/>
+                    </a:lnBlToTr>
+                  </a:tcPr>
+                </a:tc>
+                <a:extLst>
+                  <a:ext uri="{0D108BD9-81ED-4DB2-BD59-A6C34878D82A}">
+                    <a16:rowId xmlns:a16="http://schemas.microsoft.com/office/drawing/2014/main" xmlns="" val="10002"/>
+                  </a:ext>
+                </a:extLst>
+              </a:tr>
+              <a:tr h="260350">
+                <a:tc>
+                  <a:txBody>
+                    <a:bodyPr/>
+                    <a:lstStyle/>
+                    <a:p>
+                      <a:pPr marL="0" marR="0" indent="0" algn="l" defTabSz="584200" rtl="0" eaLnBrk="1" fontAlgn="auto" latinLnBrk="0" hangingPunct="1">
+                        <a:lnSpc>
+                          <a:spcPct val="100000"/>
+                        </a:lnSpc>
+                        <a:spcBef>
+                          <a:spcPts val="0"/>
+                        </a:spcBef>
+                        <a:spcAft>
+                          <a:spcPts val="0"/>
+                        </a:spcAft>
+                        <a:buClrTx/>
+                        <a:buSzTx/>
+                        <a:buFontTx/>
+                        <a:buNone/>
+                        <a:tabLst/>
+                        <a:defRPr/>
+                      </a:pPr>
+                      <a:r>
+                        <a:rPr lang="en-GB" sz="1000" smtClean="0">
+                          <a:solidFill>
+                            <a:srgbClr val="000000"/>
+                          </a:solidFill>
+                          <a:latin typeface="Segoe UI" pitchFamily="34" charset="0"/>
+                          <a:cs typeface="Segoe UI" pitchFamily="34" charset="0"/>
+                        </a:rPr>
+                        <a:t>This makes it possible to find</a:t>
+                      </a:r>
+                      <a:r>
+                        <a:rPr lang="en-GB" sz="1000" baseline="0" smtClean="0">
+                          <a:solidFill>
+                            <a:srgbClr val="000000"/>
+                          </a:solidFill>
+                          <a:latin typeface="Segoe UI" pitchFamily="34" charset="0"/>
+                          <a:cs typeface="Segoe UI" pitchFamily="34" charset="0"/>
+                        </a:rPr>
+                        <a:t> underperforming forecasts, and to compare different business units even if they have different SKUs.</a:t>
+                      </a:r>
+                      <a:endParaRPr lang="en-GB" sz="1000">
+                        <a:solidFill>
+                          <a:srgbClr val="000000"/>
+                        </a:solidFill>
+                        <a:latin typeface="Segoe UI" pitchFamily="34" charset="0"/>
+                        <a:cs typeface="Segoe UI" pitchFamily="34" charset="0"/>
+                      </a:endParaRPr>
+                    </a:p>
+                  </a:txBody>
+                  <a:tcPr>
+                    <a:lnL w="6350" cap="flat" cmpd="sng" algn="ctr">
+                      <a:solidFill>
+                        <a:srgbClr val="000000"/>
+                      </a:solidFill>
+                      <a:prstDash val="solid"/>
+                      <a:round/>
+                      <a:headEnd type="none" w="med" len="med"/>
+                      <a:tailEnd type="none" w="med" len="med"/>
+                    </a:lnL>
+                    <a:lnR w="12700" cap="flat" cmpd="sng" algn="ctr">
+                      <a:solidFill>
+                        <a:schemeClr val="tx1"/>
+                      </a:solidFill>
+                      <a:prstDash val="solid"/>
+                      <a:round/>
+                      <a:headEnd type="none" w="med" len="med"/>
+                      <a:tailEnd type="none" w="med" len="med"/>
+                    </a:lnR>
+                    <a:lnT w="12700" cmpd="sng">
+                      <a:noFill/>
+                    </a:lnT>
+                    <a:lnB w="12700" cmpd="sng">
+                      <a:noFill/>
+                    </a:lnB>
+                    <a:lnTlToBr w="12700" cmpd="sng">
+                      <a:noFill/>
+                      <a:prstDash val="solid"/>
+                    </a:lnTlToBr>
+                    <a:lnBlToTr w="12700" cmpd="sng">
+                      <a:noFill/>
+                      <a:prstDash val="solid"/>
+                    </a:lnBlToTr>
+                  </a:tcPr>
+                </a:tc>
+                <a:extLst>
+                  <a:ext uri="{0D108BD9-81ED-4DB2-BD59-A6C34878D82A}">
+                    <a16:rowId xmlns:a16="http://schemas.microsoft.com/office/drawing/2014/main" xmlns="" val="10003"/>
+                  </a:ext>
+                </a:extLst>
+              </a:tr>
+              <a:tr h="260350">
+                <a:tc>
+                  <a:txBody>
+                    <a:bodyPr/>
+                    <a:lstStyle/>
+                    <a:p>
+                      <a:pPr marL="0" marR="0" indent="0" algn="l" defTabSz="584200" rtl="0" eaLnBrk="1" fontAlgn="auto" latinLnBrk="0" hangingPunct="1">
+                        <a:lnSpc>
+                          <a:spcPct val="100000"/>
+                        </a:lnSpc>
+                        <a:spcBef>
+                          <a:spcPts val="0"/>
+                        </a:spcBef>
+                        <a:spcAft>
+                          <a:spcPts val="0"/>
+                        </a:spcAft>
+                        <a:buClrTx/>
+                        <a:buSzTx/>
+                        <a:buFontTx/>
+                        <a:buNone/>
+                        <a:tabLst/>
+                        <a:defRPr/>
+                      </a:pPr>
+                      <a:r>
+                        <a:rPr lang="en-GB" sz="1000" b="0" i="0" u="none" strike="noStrike" cap="none" spc="0" baseline="0">
+                          <a:ln>
+                            <a:noFill/>
+                          </a:ln>
+                          <a:solidFill>
+                            <a:srgbClr val="000000"/>
+                          </a:solidFill>
+                          <a:uFillTx/>
+                          <a:latin typeface="Segoe UI" pitchFamily="34" charset="0"/>
+                          <a:ea typeface="+mn-ea"/>
+                          <a:cs typeface="Segoe UI" pitchFamily="34" charset="0"/>
+                          <a:sym typeface="Source Sans Pro"/>
+                        </a:rPr>
+                        <a:t>Source: </a:t>
+                      </a:r>
+                      <a:r>
+                        <a:rPr lang="en-GB" sz="1000" b="0" i="0" u="none" strike="noStrike" cap="none" spc="0" baseline="0">
+                          <a:ln>
+                            <a:noFill/>
+                          </a:ln>
+                          <a:solidFill>
+                            <a:srgbClr val="000000"/>
+                          </a:solidFill>
+                          <a:uFillTx/>
+                          <a:latin typeface="Segoe UI" pitchFamily="34" charset="0"/>
+                          <a:ea typeface="+mn-ea"/>
+                          <a:cs typeface="Segoe UI" pitchFamily="34" charset="0"/>
+                          <a:sym typeface="Helvetica Light"/>
+                        </a:rPr>
+                        <a:t>Business Forecasting Ch. </a:t>
+                      </a:r>
+                      <a:r>
+                        <a:rPr lang="en-GB" sz="1000" b="0" i="0" u="none" strike="noStrike" cap="none" spc="0" baseline="0" smtClean="0">
+                          <a:ln>
+                            <a:noFill/>
+                          </a:ln>
+                          <a:solidFill>
+                            <a:srgbClr val="000000"/>
+                          </a:solidFill>
+                          <a:uFillTx/>
+                          <a:latin typeface="Segoe UI" pitchFamily="34" charset="0"/>
+                          <a:ea typeface="+mn-ea"/>
+                          <a:cs typeface="Segoe UI" pitchFamily="34" charset="0"/>
+                          <a:sym typeface="Helvetica Light"/>
+                        </a:rPr>
+                        <a:t>1.4</a:t>
+                      </a:r>
+                      <a:endParaRPr lang="en-GB" sz="1000" b="0" i="0" u="none" strike="noStrike" cap="none" spc="0" baseline="0">
+                        <a:ln>
+                          <a:noFill/>
+                        </a:ln>
+                        <a:solidFill>
+                          <a:srgbClr val="000000"/>
+                        </a:solidFill>
+                        <a:uFillTx/>
+                        <a:latin typeface="Segoe UI" pitchFamily="34" charset="0"/>
+                        <a:ea typeface="+mn-ea"/>
+                        <a:cs typeface="Segoe UI" pitchFamily="34" charset="0"/>
+                        <a:sym typeface="Source Sans Pro"/>
+                      </a:endParaRPr>
+                    </a:p>
+                  </a:txBody>
+                  <a:tcPr>
+                    <a:lnL w="6350" cap="flat" cmpd="sng" algn="ctr">
+                      <a:solidFill>
+                        <a:srgbClr val="000000"/>
+                      </a:solidFill>
+                      <a:prstDash val="solid"/>
+                      <a:round/>
+                      <a:headEnd type="none" w="med" len="med"/>
+                      <a:tailEnd type="none" w="med" len="med"/>
+                    </a:lnL>
+                    <a:lnR w="12700" cap="flat" cmpd="sng" algn="ctr">
+                      <a:solidFill>
+                        <a:schemeClr val="tx1"/>
+                      </a:solidFill>
+                      <a:prstDash val="solid"/>
+                      <a:round/>
+                      <a:headEnd type="none" w="med" len="med"/>
+                      <a:tailEnd type="none" w="med" len="med"/>
+                    </a:lnR>
+                    <a:lnT w="12700" cmpd="sng">
+                      <a:noFill/>
+                    </a:lnT>
+                    <a:lnB w="6350" cap="flat" cmpd="sng" algn="ctr">
+                      <a:solidFill>
+                        <a:srgbClr val="000000"/>
+                      </a:solidFill>
+                      <a:prstDash val="solid"/>
+                      <a:round/>
+                      <a:headEnd type="none" w="med" len="med"/>
+                      <a:tailEnd type="none" w="med" len="med"/>
+                    </a:lnB>
+                    <a:lnTlToBr w="12700" cmpd="sng">
+                      <a:noFill/>
+                      <a:prstDash val="solid"/>
+                    </a:lnTlToBr>
+                    <a:lnBlToTr w="12700" cmpd="sng">
+                      <a:noFill/>
+                      <a:prstDash val="solid"/>
+                    </a:lnBlToTr>
+                  </a:tcPr>
+                </a:tc>
+                <a:extLst>
+                  <a:ext uri="{0D108BD9-81ED-4DB2-BD59-A6C34878D82A}">
+                    <a16:rowId xmlns:a16="http://schemas.microsoft.com/office/drawing/2014/main" xmlns="" val="10007"/>
                   </a:ext>
                 </a:extLst>
               </a:tr>
@@ -10396,7 +11004,7 @@
                 <a:gridCol w="3800476">
                   <a:extLst>
                     <a:ext uri="{9D8B030D-6E8A-4147-A177-3AD203B41FA5}">
-                      <a16:colId xmlns:a16="http://schemas.microsoft.com/office/drawing/2014/main" val="20000"/>
+                      <a16:colId xmlns:a16="http://schemas.microsoft.com/office/drawing/2014/main" xmlns="" val="20000"/>
                     </a:ext>
                   </a:extLst>
                 </a:gridCol>
@@ -10476,7 +11084,7 @@
                 </a:tc>
                 <a:extLst>
                   <a:ext uri="{0D108BD9-81ED-4DB2-BD59-A6C34878D82A}">
-                    <a16:rowId xmlns:a16="http://schemas.microsoft.com/office/drawing/2014/main" val="10000"/>
+                    <a16:rowId xmlns:a16="http://schemas.microsoft.com/office/drawing/2014/main" xmlns="" val="10000"/>
                   </a:ext>
                 </a:extLst>
               </a:tr>
@@ -10556,7 +11164,7 @@
                 </a:tc>
                 <a:extLst>
                   <a:ext uri="{0D108BD9-81ED-4DB2-BD59-A6C34878D82A}">
-                    <a16:rowId xmlns:a16="http://schemas.microsoft.com/office/drawing/2014/main" val="10001"/>
+                    <a16:rowId xmlns:a16="http://schemas.microsoft.com/office/drawing/2014/main" xmlns="" val="10001"/>
                   </a:ext>
                 </a:extLst>
               </a:tr>
@@ -10610,7 +11218,7 @@
                 </a:tc>
                 <a:extLst>
                   <a:ext uri="{0D108BD9-81ED-4DB2-BD59-A6C34878D82A}">
-                    <a16:rowId xmlns:a16="http://schemas.microsoft.com/office/drawing/2014/main" val="10002"/>
+                    <a16:rowId xmlns:a16="http://schemas.microsoft.com/office/drawing/2014/main" xmlns="" val="10002"/>
                   </a:ext>
                 </a:extLst>
               </a:tr>
@@ -10664,7 +11272,7 @@
                 </a:tc>
                 <a:extLst>
                   <a:ext uri="{0D108BD9-81ED-4DB2-BD59-A6C34878D82A}">
-                    <a16:rowId xmlns:a16="http://schemas.microsoft.com/office/drawing/2014/main" val="10003"/>
+                    <a16:rowId xmlns:a16="http://schemas.microsoft.com/office/drawing/2014/main" xmlns="" val="10003"/>
                   </a:ext>
                 </a:extLst>
               </a:tr>
@@ -10746,7 +11354,7 @@
                 </a:tc>
                 <a:extLst>
                   <a:ext uri="{0D108BD9-81ED-4DB2-BD59-A6C34878D82A}">
-                    <a16:rowId xmlns:a16="http://schemas.microsoft.com/office/drawing/2014/main" val="10004"/>
+                    <a16:rowId xmlns:a16="http://schemas.microsoft.com/office/drawing/2014/main" xmlns="" val="10004"/>
                   </a:ext>
                 </a:extLst>
               </a:tr>
@@ -10782,7 +11390,7 @@
                 <a:gridCol w="3825875">
                   <a:extLst>
                     <a:ext uri="{9D8B030D-6E8A-4147-A177-3AD203B41FA5}">
-                      <a16:colId xmlns:a16="http://schemas.microsoft.com/office/drawing/2014/main" val="20000"/>
+                      <a16:colId xmlns:a16="http://schemas.microsoft.com/office/drawing/2014/main" xmlns="" val="20000"/>
                     </a:ext>
                   </a:extLst>
                 </a:gridCol>
@@ -10875,7 +11483,7 @@
                 </a:tc>
                 <a:extLst>
                   <a:ext uri="{0D108BD9-81ED-4DB2-BD59-A6C34878D82A}">
-                    <a16:rowId xmlns:a16="http://schemas.microsoft.com/office/drawing/2014/main" val="10000"/>
+                    <a16:rowId xmlns:a16="http://schemas.microsoft.com/office/drawing/2014/main" xmlns="" val="10000"/>
                   </a:ext>
                 </a:extLst>
               </a:tr>
@@ -10975,7 +11583,7 @@
                 </a:tc>
                 <a:extLst>
                   <a:ext uri="{0D108BD9-81ED-4DB2-BD59-A6C34878D82A}">
-                    <a16:rowId xmlns:a16="http://schemas.microsoft.com/office/drawing/2014/main" val="10001"/>
+                    <a16:rowId xmlns:a16="http://schemas.microsoft.com/office/drawing/2014/main" xmlns="" val="10001"/>
                   </a:ext>
                 </a:extLst>
               </a:tr>
@@ -11071,7 +11679,7 @@
                 </a:tc>
                 <a:extLst>
                   <a:ext uri="{0D108BD9-81ED-4DB2-BD59-A6C34878D82A}">
-                    <a16:rowId xmlns:a16="http://schemas.microsoft.com/office/drawing/2014/main" val="10002"/>
+                    <a16:rowId xmlns:a16="http://schemas.microsoft.com/office/drawing/2014/main" xmlns="" val="10002"/>
                   </a:ext>
                 </a:extLst>
               </a:tr>
@@ -11343,7 +11951,7 @@
                 </a:tc>
                 <a:extLst>
                   <a:ext uri="{0D108BD9-81ED-4DB2-BD59-A6C34878D82A}">
-                    <a16:rowId xmlns:a16="http://schemas.microsoft.com/office/drawing/2014/main" val="10003"/>
+                    <a16:rowId xmlns:a16="http://schemas.microsoft.com/office/drawing/2014/main" xmlns="" val="10003"/>
                   </a:ext>
                 </a:extLst>
               </a:tr>
@@ -11444,7 +12052,7 @@
                 </a:tc>
                 <a:extLst>
                   <a:ext uri="{0D108BD9-81ED-4DB2-BD59-A6C34878D82A}">
-                    <a16:rowId xmlns:a16="http://schemas.microsoft.com/office/drawing/2014/main" val="10004"/>
+                    <a16:rowId xmlns:a16="http://schemas.microsoft.com/office/drawing/2014/main" xmlns="" val="10004"/>
                   </a:ext>
                 </a:extLst>
               </a:tr>
@@ -11480,7 +12088,7 @@
                 <a:gridCol w="3825875">
                   <a:extLst>
                     <a:ext uri="{9D8B030D-6E8A-4147-A177-3AD203B41FA5}">
-                      <a16:colId xmlns:a16="http://schemas.microsoft.com/office/drawing/2014/main" val="20000"/>
+                      <a16:colId xmlns:a16="http://schemas.microsoft.com/office/drawing/2014/main" xmlns="" val="20000"/>
                     </a:ext>
                   </a:extLst>
                 </a:gridCol>
@@ -11553,7 +12161,7 @@
                 </a:tc>
                 <a:extLst>
                   <a:ext uri="{0D108BD9-81ED-4DB2-BD59-A6C34878D82A}">
-                    <a16:rowId xmlns:a16="http://schemas.microsoft.com/office/drawing/2014/main" val="10000"/>
+                    <a16:rowId xmlns:a16="http://schemas.microsoft.com/office/drawing/2014/main" xmlns="" val="10000"/>
                   </a:ext>
                 </a:extLst>
               </a:tr>
@@ -11633,7 +12241,7 @@
                 </a:tc>
                 <a:extLst>
                   <a:ext uri="{0D108BD9-81ED-4DB2-BD59-A6C34878D82A}">
-                    <a16:rowId xmlns:a16="http://schemas.microsoft.com/office/drawing/2014/main" val="10001"/>
+                    <a16:rowId xmlns:a16="http://schemas.microsoft.com/office/drawing/2014/main" xmlns="" val="10001"/>
                   </a:ext>
                 </a:extLst>
               </a:tr>
@@ -11713,7 +12321,7 @@
                 </a:tc>
                 <a:extLst>
                   <a:ext uri="{0D108BD9-81ED-4DB2-BD59-A6C34878D82A}">
-                    <a16:rowId xmlns:a16="http://schemas.microsoft.com/office/drawing/2014/main" val="10002"/>
+                    <a16:rowId xmlns:a16="http://schemas.microsoft.com/office/drawing/2014/main" xmlns="" val="10002"/>
                   </a:ext>
                 </a:extLst>
               </a:tr>
@@ -11793,7 +12401,7 @@
                 </a:tc>
                 <a:extLst>
                   <a:ext uri="{0D108BD9-81ED-4DB2-BD59-A6C34878D82A}">
-                    <a16:rowId xmlns:a16="http://schemas.microsoft.com/office/drawing/2014/main" val="10003"/>
+                    <a16:rowId xmlns:a16="http://schemas.microsoft.com/office/drawing/2014/main" xmlns="" val="10003"/>
                   </a:ext>
                 </a:extLst>
               </a:tr>
@@ -11873,7 +12481,7 @@
                 </a:tc>
                 <a:extLst>
                   <a:ext uri="{0D108BD9-81ED-4DB2-BD59-A6C34878D82A}">
-                    <a16:rowId xmlns:a16="http://schemas.microsoft.com/office/drawing/2014/main" val="10004"/>
+                    <a16:rowId xmlns:a16="http://schemas.microsoft.com/office/drawing/2014/main" xmlns="" val="10004"/>
                   </a:ext>
                 </a:extLst>
               </a:tr>
@@ -11952,7 +12560,7 @@
                 </a:tc>
                 <a:extLst>
                   <a:ext uri="{0D108BD9-81ED-4DB2-BD59-A6C34878D82A}">
-                    <a16:rowId xmlns:a16="http://schemas.microsoft.com/office/drawing/2014/main" val="10005"/>
+                    <a16:rowId xmlns:a16="http://schemas.microsoft.com/office/drawing/2014/main" xmlns="" val="10005"/>
                   </a:ext>
                 </a:extLst>
               </a:tr>
@@ -11988,21 +12596,21 @@
                 <a:gridCol w="1333954">
                   <a:extLst>
                     <a:ext uri="{9D8B030D-6E8A-4147-A177-3AD203B41FA5}">
-                      <a16:colId xmlns:a16="http://schemas.microsoft.com/office/drawing/2014/main" val="20000"/>
+                      <a16:colId xmlns:a16="http://schemas.microsoft.com/office/drawing/2014/main" xmlns="" val="20000"/>
                     </a:ext>
                   </a:extLst>
                 </a:gridCol>
                 <a:gridCol w="380538">
                   <a:extLst>
                     <a:ext uri="{9D8B030D-6E8A-4147-A177-3AD203B41FA5}">
-                      <a16:colId xmlns:a16="http://schemas.microsoft.com/office/drawing/2014/main" val="20001"/>
+                      <a16:colId xmlns:a16="http://schemas.microsoft.com/office/drawing/2014/main" xmlns="" val="20001"/>
                     </a:ext>
                   </a:extLst>
                 </a:gridCol>
                 <a:gridCol w="1831568">
                   <a:extLst>
                     <a:ext uri="{9D8B030D-6E8A-4147-A177-3AD203B41FA5}">
-                      <a16:colId xmlns:a16="http://schemas.microsoft.com/office/drawing/2014/main" val="20002"/>
+                      <a16:colId xmlns:a16="http://schemas.microsoft.com/office/drawing/2014/main" xmlns="" val="20002"/>
                     </a:ext>
                   </a:extLst>
                 </a:gridCol>
@@ -12110,7 +12718,7 @@
                 </a:tc>
                 <a:extLst>
                   <a:ext uri="{0D108BD9-81ED-4DB2-BD59-A6C34878D82A}">
-                    <a16:rowId xmlns:a16="http://schemas.microsoft.com/office/drawing/2014/main" val="10000"/>
+                    <a16:rowId xmlns:a16="http://schemas.microsoft.com/office/drawing/2014/main" xmlns="" val="10000"/>
                   </a:ext>
                 </a:extLst>
               </a:tr>
@@ -12312,7 +12920,7 @@
                 </a:tc>
                 <a:extLst>
                   <a:ext uri="{0D108BD9-81ED-4DB2-BD59-A6C34878D82A}">
-                    <a16:rowId xmlns:a16="http://schemas.microsoft.com/office/drawing/2014/main" val="10001"/>
+                    <a16:rowId xmlns:a16="http://schemas.microsoft.com/office/drawing/2014/main" xmlns="" val="10001"/>
                   </a:ext>
                 </a:extLst>
               </a:tr>
@@ -12445,7 +13053,7 @@
                 </a:tc>
                 <a:extLst>
                   <a:ext uri="{0D108BD9-81ED-4DB2-BD59-A6C34878D82A}">
-                    <a16:rowId xmlns:a16="http://schemas.microsoft.com/office/drawing/2014/main" val="10002"/>
+                    <a16:rowId xmlns:a16="http://schemas.microsoft.com/office/drawing/2014/main" xmlns="" val="10002"/>
                   </a:ext>
                 </a:extLst>
               </a:tr>
@@ -12578,7 +13186,7 @@
                 </a:tc>
                 <a:extLst>
                   <a:ext uri="{0D108BD9-81ED-4DB2-BD59-A6C34878D82A}">
-                    <a16:rowId xmlns:a16="http://schemas.microsoft.com/office/drawing/2014/main" val="10003"/>
+                    <a16:rowId xmlns:a16="http://schemas.microsoft.com/office/drawing/2014/main" xmlns="" val="10003"/>
                   </a:ext>
                 </a:extLst>
               </a:tr>
@@ -12795,7 +13403,7 @@
                 </a:tc>
                 <a:extLst>
                   <a:ext uri="{0D108BD9-81ED-4DB2-BD59-A6C34878D82A}">
-                    <a16:rowId xmlns:a16="http://schemas.microsoft.com/office/drawing/2014/main" val="10004"/>
+                    <a16:rowId xmlns:a16="http://schemas.microsoft.com/office/drawing/2014/main" xmlns="" val="10004"/>
                   </a:ext>
                 </a:extLst>
               </a:tr>
@@ -12831,7 +13439,7 @@
                 <a:gridCol w="3800476">
                   <a:extLst>
                     <a:ext uri="{9D8B030D-6E8A-4147-A177-3AD203B41FA5}">
-                      <a16:colId xmlns:a16="http://schemas.microsoft.com/office/drawing/2014/main" val="20000"/>
+                      <a16:colId xmlns:a16="http://schemas.microsoft.com/office/drawing/2014/main" xmlns="" val="20000"/>
                     </a:ext>
                   </a:extLst>
                 </a:gridCol>
@@ -12911,7 +13519,7 @@
                 </a:tc>
                 <a:extLst>
                   <a:ext uri="{0D108BD9-81ED-4DB2-BD59-A6C34878D82A}">
-                    <a16:rowId xmlns:a16="http://schemas.microsoft.com/office/drawing/2014/main" val="10000"/>
+                    <a16:rowId xmlns:a16="http://schemas.microsoft.com/office/drawing/2014/main" xmlns="" val="10000"/>
                   </a:ext>
                 </a:extLst>
               </a:tr>
@@ -13011,7 +13619,7 @@
                 </a:tc>
                 <a:extLst>
                   <a:ext uri="{0D108BD9-81ED-4DB2-BD59-A6C34878D82A}">
-                    <a16:rowId xmlns:a16="http://schemas.microsoft.com/office/drawing/2014/main" val="10001"/>
+                    <a16:rowId xmlns:a16="http://schemas.microsoft.com/office/drawing/2014/main" xmlns="" val="10001"/>
                   </a:ext>
                 </a:extLst>
               </a:tr>
@@ -13120,7 +13728,7 @@
                 </a:tc>
                 <a:extLst>
                   <a:ext uri="{0D108BD9-81ED-4DB2-BD59-A6C34878D82A}">
-                    <a16:rowId xmlns:a16="http://schemas.microsoft.com/office/drawing/2014/main" val="10002"/>
+                    <a16:rowId xmlns:a16="http://schemas.microsoft.com/office/drawing/2014/main" xmlns="" val="10002"/>
                   </a:ext>
                 </a:extLst>
               </a:tr>
@@ -13437,7 +14045,7 @@
                 </a:tc>
                 <a:extLst>
                   <a:ext uri="{0D108BD9-81ED-4DB2-BD59-A6C34878D82A}">
-                    <a16:rowId xmlns:a16="http://schemas.microsoft.com/office/drawing/2014/main" val="10003"/>
+                    <a16:rowId xmlns:a16="http://schemas.microsoft.com/office/drawing/2014/main" xmlns="" val="10003"/>
                   </a:ext>
                 </a:extLst>
               </a:tr>
@@ -13549,7 +14157,7 @@
                 </a:tc>
                 <a:extLst>
                   <a:ext uri="{0D108BD9-81ED-4DB2-BD59-A6C34878D82A}">
-                    <a16:rowId xmlns:a16="http://schemas.microsoft.com/office/drawing/2014/main" val="10004"/>
+                    <a16:rowId xmlns:a16="http://schemas.microsoft.com/office/drawing/2014/main" xmlns="" val="10004"/>
                   </a:ext>
                 </a:extLst>
               </a:tr>
@@ -13709,7 +14317,7 @@
                 </a:tc>
                 <a:extLst>
                   <a:ext uri="{0D108BD9-81ED-4DB2-BD59-A6C34878D82A}">
-                    <a16:rowId xmlns:a16="http://schemas.microsoft.com/office/drawing/2014/main" val="10005"/>
+                    <a16:rowId xmlns:a16="http://schemas.microsoft.com/office/drawing/2014/main" xmlns="" val="10005"/>
                   </a:ext>
                 </a:extLst>
               </a:tr>
@@ -13837,7 +14445,7 @@
                 </a:tc>
                 <a:extLst>
                   <a:ext uri="{0D108BD9-81ED-4DB2-BD59-A6C34878D82A}">
-                    <a16:rowId xmlns:a16="http://schemas.microsoft.com/office/drawing/2014/main" val="10006"/>
+                    <a16:rowId xmlns:a16="http://schemas.microsoft.com/office/drawing/2014/main" xmlns="" val="10006"/>
                   </a:ext>
                 </a:extLst>
               </a:tr>
@@ -13914,7 +14522,7 @@
                 </a:tc>
                 <a:extLst>
                   <a:ext uri="{0D108BD9-81ED-4DB2-BD59-A6C34878D82A}">
-                    <a16:rowId xmlns:a16="http://schemas.microsoft.com/office/drawing/2014/main" val="10007"/>
+                    <a16:rowId xmlns:a16="http://schemas.microsoft.com/office/drawing/2014/main" xmlns="" val="10007"/>
                   </a:ext>
                 </a:extLst>
               </a:tr>
@@ -13996,7 +14604,7 @@
                 </a:tc>
                 <a:extLst>
                   <a:ext uri="{0D108BD9-81ED-4DB2-BD59-A6C34878D82A}">
-                    <a16:rowId xmlns:a16="http://schemas.microsoft.com/office/drawing/2014/main" val="10008"/>
+                    <a16:rowId xmlns:a16="http://schemas.microsoft.com/office/drawing/2014/main" xmlns="" val="10008"/>
                   </a:ext>
                 </a:extLst>
               </a:tr>
@@ -14032,7 +14640,7 @@
                 <a:gridCol w="3970655">
                   <a:extLst>
                     <a:ext uri="{9D8B030D-6E8A-4147-A177-3AD203B41FA5}">
-                      <a16:colId xmlns:a16="http://schemas.microsoft.com/office/drawing/2014/main" val="20000"/>
+                      <a16:colId xmlns:a16="http://schemas.microsoft.com/office/drawing/2014/main" xmlns="" val="20000"/>
                     </a:ext>
                   </a:extLst>
                 </a:gridCol>
@@ -14105,7 +14713,7 @@
                 </a:tc>
                 <a:extLst>
                   <a:ext uri="{0D108BD9-81ED-4DB2-BD59-A6C34878D82A}">
-                    <a16:rowId xmlns:a16="http://schemas.microsoft.com/office/drawing/2014/main" val="10000"/>
+                    <a16:rowId xmlns:a16="http://schemas.microsoft.com/office/drawing/2014/main" xmlns="" val="10000"/>
                   </a:ext>
                 </a:extLst>
               </a:tr>
@@ -14191,7 +14799,7 @@
                 </a:tc>
                 <a:extLst>
                   <a:ext uri="{0D108BD9-81ED-4DB2-BD59-A6C34878D82A}">
-                    <a16:rowId xmlns:a16="http://schemas.microsoft.com/office/drawing/2014/main" val="10001"/>
+                    <a16:rowId xmlns:a16="http://schemas.microsoft.com/office/drawing/2014/main" xmlns="" val="10001"/>
                   </a:ext>
                 </a:extLst>
               </a:tr>
@@ -14309,7 +14917,7 @@
                 </a:tc>
                 <a:extLst>
                   <a:ext uri="{0D108BD9-81ED-4DB2-BD59-A6C34878D82A}">
-                    <a16:rowId xmlns:a16="http://schemas.microsoft.com/office/drawing/2014/main" val="10002"/>
+                    <a16:rowId xmlns:a16="http://schemas.microsoft.com/office/drawing/2014/main" xmlns="" val="10002"/>
                   </a:ext>
                 </a:extLst>
               </a:tr>
@@ -14412,7 +15020,7 @@
                 </a:tc>
                 <a:extLst>
                   <a:ext uri="{0D108BD9-81ED-4DB2-BD59-A6C34878D82A}">
-                    <a16:rowId xmlns:a16="http://schemas.microsoft.com/office/drawing/2014/main" val="10003"/>
+                    <a16:rowId xmlns:a16="http://schemas.microsoft.com/office/drawing/2014/main" xmlns="" val="10003"/>
                   </a:ext>
                 </a:extLst>
               </a:tr>
@@ -14505,7 +15113,7 @@
                 </a:tc>
                 <a:extLst>
                   <a:ext uri="{0D108BD9-81ED-4DB2-BD59-A6C34878D82A}">
-                    <a16:rowId xmlns:a16="http://schemas.microsoft.com/office/drawing/2014/main" val="10004"/>
+                    <a16:rowId xmlns:a16="http://schemas.microsoft.com/office/drawing/2014/main" xmlns="" val="10004"/>
                   </a:ext>
                 </a:extLst>
               </a:tr>
@@ -14602,7 +15210,7 @@
                 </a:tc>
                 <a:extLst>
                   <a:ext uri="{0D108BD9-81ED-4DB2-BD59-A6C34878D82A}">
-                    <a16:rowId xmlns:a16="http://schemas.microsoft.com/office/drawing/2014/main" val="10005"/>
+                    <a16:rowId xmlns:a16="http://schemas.microsoft.com/office/drawing/2014/main" xmlns="" val="10005"/>
                   </a:ext>
                 </a:extLst>
               </a:tr>
@@ -14685,7 +15293,7 @@
                 </a:tc>
                 <a:extLst>
                   <a:ext uri="{0D108BD9-81ED-4DB2-BD59-A6C34878D82A}">
-                    <a16:rowId xmlns:a16="http://schemas.microsoft.com/office/drawing/2014/main" val="10006"/>
+                    <a16:rowId xmlns:a16="http://schemas.microsoft.com/office/drawing/2014/main" xmlns="" val="10006"/>
                   </a:ext>
                 </a:extLst>
               </a:tr>
@@ -14802,7 +15410,7 @@
                 </a:tc>
                 <a:extLst>
                   <a:ext uri="{0D108BD9-81ED-4DB2-BD59-A6C34878D82A}">
-                    <a16:rowId xmlns:a16="http://schemas.microsoft.com/office/drawing/2014/main" val="10007"/>
+                    <a16:rowId xmlns:a16="http://schemas.microsoft.com/office/drawing/2014/main" xmlns="" val="10007"/>
                   </a:ext>
                 </a:extLst>
               </a:tr>
@@ -14810,14 +15418,14 @@
           </a:graphicData>
         </a:graphic>
       </p:graphicFrame>
-      <mc:AlternateContent xmlns:mc="http://schemas.openxmlformats.org/markup-compatibility/2006">
-        <mc:Choice xmlns:a14="http://schemas.microsoft.com/office/drawing/2010/main" Requires="a14">
+      <mc:AlternateContent xmlns:mc="http://schemas.openxmlformats.org/markup-compatibility/2006" xmlns:a14="http://schemas.microsoft.com/office/drawing/2010/main">
+        <mc:Choice Requires="a14">
           <p:graphicFrame>
             <p:nvGraphicFramePr>
               <p:cNvPr id="13" name="Table 12">
                 <a:extLst>
                   <a:ext uri="{FF2B5EF4-FFF2-40B4-BE49-F238E27FC236}">
-                    <a16:creationId xmlns:a16="http://schemas.microsoft.com/office/drawing/2014/main" id="{0494280A-AA93-4D6A-827A-BB7B609A7172}"/>
+                    <a16:creationId xmlns:a16="http://schemas.microsoft.com/office/drawing/2014/main" xmlns="" id="{0494280A-AA93-4D6A-827A-BB7B609A7172}"/>
                   </a:ext>
                 </a:extLst>
               </p:cNvPr>
@@ -14846,7 +15454,7 @@
                     <a:gridCol w="3970655">
                       <a:extLst>
                         <a:ext uri="{9D8B030D-6E8A-4147-A177-3AD203B41FA5}">
-                          <a16:colId xmlns:a16="http://schemas.microsoft.com/office/drawing/2014/main" val="20000"/>
+                          <a16:colId xmlns:a16="http://schemas.microsoft.com/office/drawing/2014/main" xmlns="" val="20000"/>
                         </a:ext>
                       </a:extLst>
                     </a:gridCol>
@@ -14919,7 +15527,7 @@
                     </a:tc>
                     <a:extLst>
                       <a:ext uri="{0D108BD9-81ED-4DB2-BD59-A6C34878D82A}">
-                        <a16:rowId xmlns:a16="http://schemas.microsoft.com/office/drawing/2014/main" val="10000"/>
+                        <a16:rowId xmlns:a16="http://schemas.microsoft.com/office/drawing/2014/main" xmlns="" val="10000"/>
                       </a:ext>
                     </a:extLst>
                   </a:tr>
@@ -15011,7 +15619,7 @@
                     </a:tc>
                     <a:extLst>
                       <a:ext uri="{0D108BD9-81ED-4DB2-BD59-A6C34878D82A}">
-                        <a16:rowId xmlns:a16="http://schemas.microsoft.com/office/drawing/2014/main" val="10006"/>
+                        <a16:rowId xmlns:a16="http://schemas.microsoft.com/office/drawing/2014/main" xmlns="" val="10006"/>
                       </a:ext>
                     </a:extLst>
                   </a:tr>
@@ -15097,7 +15705,7 @@
                     </a:tc>
                     <a:extLst>
                       <a:ext uri="{0D108BD9-81ED-4DB2-BD59-A6C34878D82A}">
-                        <a16:rowId xmlns:a16="http://schemas.microsoft.com/office/drawing/2014/main" val="2650464264"/>
+                        <a16:rowId xmlns:a16="http://schemas.microsoft.com/office/drawing/2014/main" xmlns="" val="2650464264"/>
                       </a:ext>
                     </a:extLst>
                   </a:tr>
@@ -15199,7 +15807,7 @@
                     </a:tc>
                     <a:extLst>
                       <a:ext uri="{0D108BD9-81ED-4DB2-BD59-A6C34878D82A}">
-                        <a16:rowId xmlns:a16="http://schemas.microsoft.com/office/drawing/2014/main" val="1708595694"/>
+                        <a16:rowId xmlns:a16="http://schemas.microsoft.com/office/drawing/2014/main" xmlns="" val="1708595694"/>
                       </a:ext>
                     </a:extLst>
                   </a:tr>
@@ -15275,7 +15883,7 @@
                                         <a:srgbClr val="000000"/>
                                       </a:solidFill>
                                       <a:uFillTx/>
-                                      <a:latin typeface="Cambria Math" panose="02040503050406030204" pitchFamily="18" charset="0"/>
+                                      <a:latin typeface="Cambria Math"/>
                                       <a:ea typeface="+mn-ea"/>
                                       <a:cs typeface="Segoe UI" pitchFamily="34" charset="0"/>
                                       <a:sym typeface="Source Sans Pro"/>
@@ -15312,7 +15920,7 @@
                                         <a:srgbClr val="000000"/>
                                       </a:solidFill>
                                       <a:uFillTx/>
-                                      <a:latin typeface="Cambria Math" panose="02040503050406030204" pitchFamily="18" charset="0"/>
+                                      <a:latin typeface="Cambria Math"/>
                                       <a:ea typeface="+mn-ea"/>
                                       <a:cs typeface="Segoe UI" pitchFamily="34" charset="0"/>
                                       <a:sym typeface="Source Sans Pro"/>
@@ -15331,7 +15939,7 @@
                                             <a:srgbClr val="000000"/>
                                           </a:solidFill>
                                           <a:uFillTx/>
-                                          <a:latin typeface="Cambria Math" panose="02040503050406030204" pitchFamily="18" charset="0"/>
+                                          <a:latin typeface="Cambria Math"/>
                                           <a:ea typeface="+mn-ea"/>
                                           <a:cs typeface="Segoe UI" pitchFamily="34" charset="0"/>
                                           <a:sym typeface="Source Sans Pro"/>
@@ -15441,7 +16049,7 @@
                                         <a:srgbClr val="000000"/>
                                       </a:solidFill>
                                       <a:uFillTx/>
-                                      <a:latin typeface="Cambria Math" panose="02040503050406030204" pitchFamily="18" charset="0"/>
+                                      <a:latin typeface="Cambria Math"/>
                                       <a:ea typeface="+mn-ea"/>
                                       <a:cs typeface="Segoe UI" pitchFamily="34" charset="0"/>
                                       <a:sym typeface="Source Sans Pro"/>
@@ -15499,7 +16107,7 @@
                                         <a:srgbClr val="000000"/>
                                       </a:solidFill>
                                       <a:uFillTx/>
-                                      <a:latin typeface="Cambria Math" panose="02040503050406030204" pitchFamily="18" charset="0"/>
+                                      <a:latin typeface="Cambria Math"/>
                                       <a:ea typeface="+mn-ea"/>
                                       <a:cs typeface="Segoe UI" pitchFamily="34" charset="0"/>
                                       <a:sym typeface="Source Sans Pro"/>
@@ -15599,7 +16207,7 @@
                     </a:tc>
                     <a:extLst>
                       <a:ext uri="{0D108BD9-81ED-4DB2-BD59-A6C34878D82A}">
-                        <a16:rowId xmlns:a16="http://schemas.microsoft.com/office/drawing/2014/main" val="348125559"/>
+                        <a16:rowId xmlns:a16="http://schemas.microsoft.com/office/drawing/2014/main" xmlns="" val="348125559"/>
                       </a:ext>
                     </a:extLst>
                   </a:tr>
@@ -15639,7 +16247,7 @@
                                         <a:srgbClr val="000000"/>
                                       </a:solidFill>
                                       <a:uFillTx/>
-                                      <a:latin typeface="Cambria Math" panose="02040503050406030204" pitchFamily="18" charset="0"/>
+                                      <a:latin typeface="Cambria Math"/>
                                       <a:ea typeface="+mn-ea"/>
                                       <a:cs typeface="Segoe UI" pitchFamily="34" charset="0"/>
                                       <a:sym typeface="Source Sans Pro"/>
@@ -15694,7 +16302,7 @@
                                             <a:srgbClr val="000000"/>
                                           </a:solidFill>
                                           <a:uFillTx/>
-                                          <a:latin typeface="Cambria Math" panose="02040503050406030204" pitchFamily="18" charset="0"/>
+                                          <a:latin typeface="Cambria Math"/>
                                           <a:ea typeface="+mn-ea"/>
                                           <a:cs typeface="Segoe UI" pitchFamily="34" charset="0"/>
                                           <a:sym typeface="Source Sans Pro"/>
@@ -15731,7 +16339,7 @@
                                             <a:srgbClr val="000000"/>
                                           </a:solidFill>
                                           <a:uFillTx/>
-                                          <a:latin typeface="Cambria Math" panose="02040503050406030204" pitchFamily="18" charset="0"/>
+                                          <a:latin typeface="Cambria Math"/>
                                           <a:ea typeface="+mn-ea"/>
                                           <a:cs typeface="Segoe UI" pitchFamily="34" charset="0"/>
                                           <a:sym typeface="Source Sans Pro"/>
@@ -15750,7 +16358,7 @@
                                                 <a:srgbClr val="000000"/>
                                               </a:solidFill>
                                               <a:uFillTx/>
-                                              <a:latin typeface="Cambria Math" panose="02040503050406030204" pitchFamily="18" charset="0"/>
+                                              <a:latin typeface="Cambria Math"/>
                                               <a:ea typeface="+mn-ea"/>
                                               <a:cs typeface="Segoe UI" pitchFamily="34" charset="0"/>
                                               <a:sym typeface="Source Sans Pro"/>
@@ -15922,7 +16530,7 @@
                     </a:tc>
                     <a:extLst>
                       <a:ext uri="{0D108BD9-81ED-4DB2-BD59-A6C34878D82A}">
-                        <a16:rowId xmlns:a16="http://schemas.microsoft.com/office/drawing/2014/main" val="3295806164"/>
+                        <a16:rowId xmlns:a16="http://schemas.microsoft.com/office/drawing/2014/main" xmlns="" val="3295806164"/>
                       </a:ext>
                     </a:extLst>
                   </a:tr>
@@ -16105,7 +16713,7 @@
                     </a:tc>
                     <a:extLst>
                       <a:ext uri="{0D108BD9-81ED-4DB2-BD59-A6C34878D82A}">
-                        <a16:rowId xmlns:a16="http://schemas.microsoft.com/office/drawing/2014/main" val="1091225448"/>
+                        <a16:rowId xmlns:a16="http://schemas.microsoft.com/office/drawing/2014/main" xmlns="" val="1091225448"/>
                       </a:ext>
                     </a:extLst>
                   </a:tr>
@@ -16222,7 +16830,7 @@
                     </a:tc>
                     <a:extLst>
                       <a:ext uri="{0D108BD9-81ED-4DB2-BD59-A6C34878D82A}">
-                        <a16:rowId xmlns:a16="http://schemas.microsoft.com/office/drawing/2014/main" val="10007"/>
+                        <a16:rowId xmlns:a16="http://schemas.microsoft.com/office/drawing/2014/main" xmlns="" val="10007"/>
                       </a:ext>
                     </a:extLst>
                   </a:tr>
@@ -16231,7 +16839,7 @@
             </a:graphic>
           </p:graphicFrame>
         </mc:Choice>
-        <mc:Fallback>
+        <mc:Fallback xmlns="">
           <p:graphicFrame>
             <p:nvGraphicFramePr>
               <p:cNvPr id="13" name="Table 12">
@@ -16931,7 +17539,7 @@
           <p:cNvPr id="14" name="Table 13">
             <a:extLst>
               <a:ext uri="{FF2B5EF4-FFF2-40B4-BE49-F238E27FC236}">
-                <a16:creationId xmlns:a16="http://schemas.microsoft.com/office/drawing/2014/main" id="{FE508E2A-6AF5-4306-B60F-B65C0B85CD38}"/>
+                <a16:creationId xmlns:a16="http://schemas.microsoft.com/office/drawing/2014/main" xmlns="" id="{FE508E2A-6AF5-4306-B60F-B65C0B85CD38}"/>
               </a:ext>
             </a:extLst>
           </p:cNvPr>
@@ -16960,7 +17568,7 @@
                 <a:gridCol w="3970655">
                   <a:extLst>
                     <a:ext uri="{9D8B030D-6E8A-4147-A177-3AD203B41FA5}">
-                      <a16:colId xmlns:a16="http://schemas.microsoft.com/office/drawing/2014/main" val="20000"/>
+                      <a16:colId xmlns:a16="http://schemas.microsoft.com/office/drawing/2014/main" xmlns="" val="20000"/>
                     </a:ext>
                   </a:extLst>
                 </a:gridCol>
@@ -17033,7 +17641,7 @@
                 </a:tc>
                 <a:extLst>
                   <a:ext uri="{0D108BD9-81ED-4DB2-BD59-A6C34878D82A}">
-                    <a16:rowId xmlns:a16="http://schemas.microsoft.com/office/drawing/2014/main" val="10000"/>
+                    <a16:rowId xmlns:a16="http://schemas.microsoft.com/office/drawing/2014/main" xmlns="" val="10000"/>
                   </a:ext>
                 </a:extLst>
               </a:tr>
@@ -17125,7 +17733,7 @@
                 </a:tc>
                 <a:extLst>
                   <a:ext uri="{0D108BD9-81ED-4DB2-BD59-A6C34878D82A}">
-                    <a16:rowId xmlns:a16="http://schemas.microsoft.com/office/drawing/2014/main" val="10006"/>
+                    <a16:rowId xmlns:a16="http://schemas.microsoft.com/office/drawing/2014/main" xmlns="" val="10006"/>
                   </a:ext>
                 </a:extLst>
               </a:tr>
@@ -17211,7 +17819,7 @@
                 </a:tc>
                 <a:extLst>
                   <a:ext uri="{0D108BD9-81ED-4DB2-BD59-A6C34878D82A}">
-                    <a16:rowId xmlns:a16="http://schemas.microsoft.com/office/drawing/2014/main" val="2650464264"/>
+                    <a16:rowId xmlns:a16="http://schemas.microsoft.com/office/drawing/2014/main" xmlns="" val="2650464264"/>
                   </a:ext>
                 </a:extLst>
               </a:tr>
@@ -17294,7 +17902,7 @@
                 </a:tc>
                 <a:extLst>
                   <a:ext uri="{0D108BD9-81ED-4DB2-BD59-A6C34878D82A}">
-                    <a16:rowId xmlns:a16="http://schemas.microsoft.com/office/drawing/2014/main" val="1708595694"/>
+                    <a16:rowId xmlns:a16="http://schemas.microsoft.com/office/drawing/2014/main" xmlns="" val="1708595694"/>
                   </a:ext>
                 </a:extLst>
               </a:tr>
@@ -17411,7 +18019,7 @@
                 </a:tc>
                 <a:extLst>
                   <a:ext uri="{0D108BD9-81ED-4DB2-BD59-A6C34878D82A}">
-                    <a16:rowId xmlns:a16="http://schemas.microsoft.com/office/drawing/2014/main" val="10007"/>
+                    <a16:rowId xmlns:a16="http://schemas.microsoft.com/office/drawing/2014/main" xmlns="" val="10007"/>
                   </a:ext>
                 </a:extLst>
               </a:tr>

--- a/Forecasting.pptx
+++ b/Forecasting.pptx
@@ -317,7 +317,7 @@
   </p:defaultTextStyle>
   <p:extLst>
     <p:ext uri="{EFAFB233-063F-42B5-8137-9DF3F51BA10A}">
-      <p15:sldGuideLst xmlns:p15="http://schemas.microsoft.com/office/powerpoint/2012/main" xmlns="">
+      <p15:sldGuideLst xmlns="" xmlns:p15="http://schemas.microsoft.com/office/powerpoint/2012/main">
         <p15:guide id="1" orient="horz" pos="3400">
           <p15:clr>
             <a:srgbClr val="A4A3A4"/>
@@ -427,7 +427,7 @@
           <a:p>
             <a:fld id="{37C50D7F-5172-434D-9E20-E71FDF806C79}" type="datetimeFigureOut">
               <a:rPr lang="en-GB" smtClean="0"/>
-              <a:t>04/09/2019</a:t>
+              <a:t>05/09/2019</a:t>
             </a:fld>
             <a:endParaRPr lang="en-GB"/>
           </a:p>
@@ -2518,7 +2518,7 @@
           </a:ln>
           <a:extLst>
             <a:ext uri="{C572A759-6A51-4108-AA02-DFA0A04FC94B}">
-              <ma14:wrappingTextBoxFlag xmlns:ma14="http://schemas.microsoft.com/office/mac/drawingml/2011/main" xmlns:a14="http://schemas.microsoft.com/office/drawing/2010/main" xmlns:m="http://schemas.openxmlformats.org/officeDocument/2006/math" xmlns="" val="1"/>
+              <ma14:wrappingTextBoxFlag xmlns="" xmlns:m="http://schemas.openxmlformats.org/officeDocument/2006/math" xmlns:a14="http://schemas.microsoft.com/office/drawing/2010/main" xmlns:ma14="http://schemas.microsoft.com/office/mac/drawingml/2011/main" val="1"/>
             </a:ext>
           </a:extLst>
         </p:spPr>
@@ -2557,7 +2557,7 @@
           </a:ln>
           <a:extLst>
             <a:ext uri="{C572A759-6A51-4108-AA02-DFA0A04FC94B}">
-              <ma14:wrappingTextBoxFlag xmlns:ma14="http://schemas.microsoft.com/office/mac/drawingml/2011/main" xmlns:a14="http://schemas.microsoft.com/office/drawing/2010/main" xmlns:m="http://schemas.openxmlformats.org/officeDocument/2006/math" xmlns="" val="1"/>
+              <ma14:wrappingTextBoxFlag xmlns="" xmlns:m="http://schemas.openxmlformats.org/officeDocument/2006/math" xmlns:a14="http://schemas.microsoft.com/office/drawing/2010/main" xmlns:ma14="http://schemas.microsoft.com/office/mac/drawingml/2011/main" val="1"/>
             </a:ext>
           </a:extLst>
         </p:spPr>
@@ -3769,7 +3769,7 @@
                 <a:gridCol w="3825875">
                   <a:extLst>
                     <a:ext uri="{9D8B030D-6E8A-4147-A177-3AD203B41FA5}">
-                      <a16:colId xmlns:a16="http://schemas.microsoft.com/office/drawing/2014/main" xmlns="" val="20000"/>
+                      <a16:colId xmlns="" xmlns:a16="http://schemas.microsoft.com/office/drawing/2014/main" val="20000"/>
                     </a:ext>
                   </a:extLst>
                 </a:gridCol>
@@ -3842,7 +3842,7 @@
                 </a:tc>
                 <a:extLst>
                   <a:ext uri="{0D108BD9-81ED-4DB2-BD59-A6C34878D82A}">
-                    <a16:rowId xmlns:a16="http://schemas.microsoft.com/office/drawing/2014/main" xmlns="" val="10000"/>
+                    <a16:rowId xmlns="" xmlns:a16="http://schemas.microsoft.com/office/drawing/2014/main" val="10000"/>
                   </a:ext>
                 </a:extLst>
               </a:tr>
@@ -3959,7 +3959,7 @@
                 </a:tc>
                 <a:extLst>
                   <a:ext uri="{0D108BD9-81ED-4DB2-BD59-A6C34878D82A}">
-                    <a16:rowId xmlns:a16="http://schemas.microsoft.com/office/drawing/2014/main" xmlns="" val="10001"/>
+                    <a16:rowId xmlns="" xmlns:a16="http://schemas.microsoft.com/office/drawing/2014/main" val="10001"/>
                   </a:ext>
                 </a:extLst>
               </a:tr>
@@ -4030,7 +4030,7 @@
                 </a:tc>
                 <a:extLst>
                   <a:ext uri="{0D108BD9-81ED-4DB2-BD59-A6C34878D82A}">
-                    <a16:rowId xmlns:a16="http://schemas.microsoft.com/office/drawing/2014/main" xmlns="" val="10002"/>
+                    <a16:rowId xmlns="" xmlns:a16="http://schemas.microsoft.com/office/drawing/2014/main" val="10002"/>
                   </a:ext>
                 </a:extLst>
               </a:tr>
@@ -4117,7 +4117,7 @@
                 </a:tc>
                 <a:extLst>
                   <a:ext uri="{0D108BD9-81ED-4DB2-BD59-A6C34878D82A}">
-                    <a16:rowId xmlns:a16="http://schemas.microsoft.com/office/drawing/2014/main" xmlns="" val="10003"/>
+                    <a16:rowId xmlns="" xmlns:a16="http://schemas.microsoft.com/office/drawing/2014/main" val="10003"/>
                   </a:ext>
                 </a:extLst>
               </a:tr>
@@ -4188,7 +4188,7 @@
                 </a:tc>
                 <a:extLst>
                   <a:ext uri="{0D108BD9-81ED-4DB2-BD59-A6C34878D82A}">
-                    <a16:rowId xmlns:a16="http://schemas.microsoft.com/office/drawing/2014/main" xmlns="" val="10004"/>
+                    <a16:rowId xmlns="" xmlns:a16="http://schemas.microsoft.com/office/drawing/2014/main" val="10004"/>
                   </a:ext>
                 </a:extLst>
               </a:tr>
@@ -4265,7 +4265,7 @@
                 </a:tc>
                 <a:extLst>
                   <a:ext uri="{0D108BD9-81ED-4DB2-BD59-A6C34878D82A}">
-                    <a16:rowId xmlns:a16="http://schemas.microsoft.com/office/drawing/2014/main" xmlns="" val="10005"/>
+                    <a16:rowId xmlns="" xmlns:a16="http://schemas.microsoft.com/office/drawing/2014/main" val="10005"/>
                   </a:ext>
                 </a:extLst>
               </a:tr>
@@ -4366,7 +4366,7 @@
                 </a:tc>
                 <a:extLst>
                   <a:ext uri="{0D108BD9-81ED-4DB2-BD59-A6C34878D82A}">
-                    <a16:rowId xmlns:a16="http://schemas.microsoft.com/office/drawing/2014/main" xmlns="" val="10006"/>
+                    <a16:rowId xmlns="" xmlns:a16="http://schemas.microsoft.com/office/drawing/2014/main" val="10006"/>
                   </a:ext>
                 </a:extLst>
               </a:tr>
@@ -4402,7 +4402,7 @@
                 <a:gridCol w="3825875">
                   <a:extLst>
                     <a:ext uri="{9D8B030D-6E8A-4147-A177-3AD203B41FA5}">
-                      <a16:colId xmlns:a16="http://schemas.microsoft.com/office/drawing/2014/main" xmlns="" val="20000"/>
+                      <a16:colId xmlns="" xmlns:a16="http://schemas.microsoft.com/office/drawing/2014/main" val="20000"/>
                     </a:ext>
                   </a:extLst>
                 </a:gridCol>
@@ -4475,7 +4475,7 @@
                 </a:tc>
                 <a:extLst>
                   <a:ext uri="{0D108BD9-81ED-4DB2-BD59-A6C34878D82A}">
-                    <a16:rowId xmlns:a16="http://schemas.microsoft.com/office/drawing/2014/main" xmlns="" val="10000"/>
+                    <a16:rowId xmlns="" xmlns:a16="http://schemas.microsoft.com/office/drawing/2014/main" val="10000"/>
                   </a:ext>
                 </a:extLst>
               </a:tr>
@@ -4572,7 +4572,7 @@
                 </a:tc>
                 <a:extLst>
                   <a:ext uri="{0D108BD9-81ED-4DB2-BD59-A6C34878D82A}">
-                    <a16:rowId xmlns:a16="http://schemas.microsoft.com/office/drawing/2014/main" xmlns="" val="10001"/>
+                    <a16:rowId xmlns="" xmlns:a16="http://schemas.microsoft.com/office/drawing/2014/main" val="10001"/>
                   </a:ext>
                 </a:extLst>
               </a:tr>
@@ -4643,7 +4643,7 @@
                 </a:tc>
                 <a:extLst>
                   <a:ext uri="{0D108BD9-81ED-4DB2-BD59-A6C34878D82A}">
-                    <a16:rowId xmlns:a16="http://schemas.microsoft.com/office/drawing/2014/main" xmlns="" val="10002"/>
+                    <a16:rowId xmlns="" xmlns:a16="http://schemas.microsoft.com/office/drawing/2014/main" val="10002"/>
                   </a:ext>
                 </a:extLst>
               </a:tr>
@@ -4694,7 +4694,7 @@
                 </a:tc>
                 <a:extLst>
                   <a:ext uri="{0D108BD9-81ED-4DB2-BD59-A6C34878D82A}">
-                    <a16:rowId xmlns:a16="http://schemas.microsoft.com/office/drawing/2014/main" xmlns="" val="10003"/>
+                    <a16:rowId xmlns="" xmlns:a16="http://schemas.microsoft.com/office/drawing/2014/main" val="10003"/>
                   </a:ext>
                 </a:extLst>
               </a:tr>
@@ -4771,7 +4771,7 @@
                 </a:tc>
                 <a:extLst>
                   <a:ext uri="{0D108BD9-81ED-4DB2-BD59-A6C34878D82A}">
-                    <a16:rowId xmlns:a16="http://schemas.microsoft.com/office/drawing/2014/main" xmlns="" val="10004"/>
+                    <a16:rowId xmlns="" xmlns:a16="http://schemas.microsoft.com/office/drawing/2014/main" val="10004"/>
                   </a:ext>
                 </a:extLst>
               </a:tr>
@@ -4848,7 +4848,7 @@
                 </a:tc>
                 <a:extLst>
                   <a:ext uri="{0D108BD9-81ED-4DB2-BD59-A6C34878D82A}">
-                    <a16:rowId xmlns:a16="http://schemas.microsoft.com/office/drawing/2014/main" xmlns="" val="10005"/>
+                    <a16:rowId xmlns="" xmlns:a16="http://schemas.microsoft.com/office/drawing/2014/main" val="10005"/>
                   </a:ext>
                 </a:extLst>
               </a:tr>
@@ -4949,7 +4949,7 @@
                 </a:tc>
                 <a:extLst>
                   <a:ext uri="{0D108BD9-81ED-4DB2-BD59-A6C34878D82A}">
-                    <a16:rowId xmlns:a16="http://schemas.microsoft.com/office/drawing/2014/main" xmlns="" val="10006"/>
+                    <a16:rowId xmlns="" xmlns:a16="http://schemas.microsoft.com/office/drawing/2014/main" val="10006"/>
                   </a:ext>
                 </a:extLst>
               </a:tr>
@@ -5264,7 +5264,7 @@
                 <a:gridCol w="3825875">
                   <a:extLst>
                     <a:ext uri="{9D8B030D-6E8A-4147-A177-3AD203B41FA5}">
-                      <a16:colId xmlns:a16="http://schemas.microsoft.com/office/drawing/2014/main" xmlns="" val="20000"/>
+                      <a16:colId xmlns="" xmlns:a16="http://schemas.microsoft.com/office/drawing/2014/main" val="20000"/>
                     </a:ext>
                   </a:extLst>
                 </a:gridCol>
@@ -5337,7 +5337,7 @@
                 </a:tc>
                 <a:extLst>
                   <a:ext uri="{0D108BD9-81ED-4DB2-BD59-A6C34878D82A}">
-                    <a16:rowId xmlns:a16="http://schemas.microsoft.com/office/drawing/2014/main" xmlns="" val="10000"/>
+                    <a16:rowId xmlns="" xmlns:a16="http://schemas.microsoft.com/office/drawing/2014/main" val="10000"/>
                   </a:ext>
                 </a:extLst>
               </a:tr>
@@ -5425,7 +5425,7 @@
                 </a:tc>
                 <a:extLst>
                   <a:ext uri="{0D108BD9-81ED-4DB2-BD59-A6C34878D82A}">
-                    <a16:rowId xmlns:a16="http://schemas.microsoft.com/office/drawing/2014/main" xmlns="" val="10001"/>
+                    <a16:rowId xmlns="" xmlns:a16="http://schemas.microsoft.com/office/drawing/2014/main" val="10001"/>
                   </a:ext>
                 </a:extLst>
               </a:tr>
@@ -5461,7 +5461,7 @@
                 <a:gridCol w="3825875">
                   <a:extLst>
                     <a:ext uri="{9D8B030D-6E8A-4147-A177-3AD203B41FA5}">
-                      <a16:colId xmlns:a16="http://schemas.microsoft.com/office/drawing/2014/main" xmlns="" val="20000"/>
+                      <a16:colId xmlns="" xmlns:a16="http://schemas.microsoft.com/office/drawing/2014/main" val="20000"/>
                     </a:ext>
                   </a:extLst>
                 </a:gridCol>
@@ -5534,7 +5534,7 @@
                 </a:tc>
                 <a:extLst>
                   <a:ext uri="{0D108BD9-81ED-4DB2-BD59-A6C34878D82A}">
-                    <a16:rowId xmlns:a16="http://schemas.microsoft.com/office/drawing/2014/main" xmlns="" val="10000"/>
+                    <a16:rowId xmlns="" xmlns:a16="http://schemas.microsoft.com/office/drawing/2014/main" val="10000"/>
                   </a:ext>
                 </a:extLst>
               </a:tr>
@@ -5634,7 +5634,7 @@
                 </a:tc>
                 <a:extLst>
                   <a:ext uri="{0D108BD9-81ED-4DB2-BD59-A6C34878D82A}">
-                    <a16:rowId xmlns:a16="http://schemas.microsoft.com/office/drawing/2014/main" xmlns="" val="10001"/>
+                    <a16:rowId xmlns="" xmlns:a16="http://schemas.microsoft.com/office/drawing/2014/main" val="10001"/>
                   </a:ext>
                 </a:extLst>
               </a:tr>
@@ -5728,7 +5728,7 @@
                 </a:tc>
                 <a:extLst>
                   <a:ext uri="{0D108BD9-81ED-4DB2-BD59-A6C34878D82A}">
-                    <a16:rowId xmlns:a16="http://schemas.microsoft.com/office/drawing/2014/main" xmlns="" val="10002"/>
+                    <a16:rowId xmlns="" xmlns:a16="http://schemas.microsoft.com/office/drawing/2014/main" val="10002"/>
                   </a:ext>
                 </a:extLst>
               </a:tr>
@@ -5858,7 +5858,7 @@
                 </a:tc>
                 <a:extLst>
                   <a:ext uri="{0D108BD9-81ED-4DB2-BD59-A6C34878D82A}">
-                    <a16:rowId xmlns:a16="http://schemas.microsoft.com/office/drawing/2014/main" xmlns="" val="10003"/>
+                    <a16:rowId xmlns="" xmlns:a16="http://schemas.microsoft.com/office/drawing/2014/main" val="10003"/>
                   </a:ext>
                 </a:extLst>
               </a:tr>
@@ -5929,7 +5929,7 @@
                 </a:tc>
                 <a:extLst>
                   <a:ext uri="{0D108BD9-81ED-4DB2-BD59-A6C34878D82A}">
-                    <a16:rowId xmlns:a16="http://schemas.microsoft.com/office/drawing/2014/main" xmlns="" val="10004"/>
+                    <a16:rowId xmlns="" xmlns:a16="http://schemas.microsoft.com/office/drawing/2014/main" val="10004"/>
                   </a:ext>
                 </a:extLst>
               </a:tr>
@@ -6006,7 +6006,7 @@
                 </a:tc>
                 <a:extLst>
                   <a:ext uri="{0D108BD9-81ED-4DB2-BD59-A6C34878D82A}">
-                    <a16:rowId xmlns:a16="http://schemas.microsoft.com/office/drawing/2014/main" xmlns="" val="10005"/>
+                    <a16:rowId xmlns="" xmlns:a16="http://schemas.microsoft.com/office/drawing/2014/main" val="10005"/>
                   </a:ext>
                 </a:extLst>
               </a:tr>
@@ -6117,7 +6117,7 @@
                 </a:tc>
                 <a:extLst>
                   <a:ext uri="{0D108BD9-81ED-4DB2-BD59-A6C34878D82A}">
-                    <a16:rowId xmlns:a16="http://schemas.microsoft.com/office/drawing/2014/main" xmlns="" val="10006"/>
+                    <a16:rowId xmlns="" xmlns:a16="http://schemas.microsoft.com/office/drawing/2014/main" val="10006"/>
                   </a:ext>
                 </a:extLst>
               </a:tr>
@@ -6153,7 +6153,7 @@
                 <a:gridCol w="3825875">
                   <a:extLst>
                     <a:ext uri="{9D8B030D-6E8A-4147-A177-3AD203B41FA5}">
-                      <a16:colId xmlns:a16="http://schemas.microsoft.com/office/drawing/2014/main" xmlns="" val="20000"/>
+                      <a16:colId xmlns="" xmlns:a16="http://schemas.microsoft.com/office/drawing/2014/main" val="20000"/>
                     </a:ext>
                   </a:extLst>
                 </a:gridCol>
@@ -6226,7 +6226,7 @@
                 </a:tc>
                 <a:extLst>
                   <a:ext uri="{0D108BD9-81ED-4DB2-BD59-A6C34878D82A}">
-                    <a16:rowId xmlns:a16="http://schemas.microsoft.com/office/drawing/2014/main" xmlns="" val="10000"/>
+                    <a16:rowId xmlns="" xmlns:a16="http://schemas.microsoft.com/office/drawing/2014/main" val="10000"/>
                   </a:ext>
                 </a:extLst>
               </a:tr>
@@ -6327,7 +6327,7 @@
                 </a:tc>
                 <a:extLst>
                   <a:ext uri="{0D108BD9-81ED-4DB2-BD59-A6C34878D82A}">
-                    <a16:rowId xmlns:a16="http://schemas.microsoft.com/office/drawing/2014/main" xmlns="" val="10001"/>
+                    <a16:rowId xmlns="" xmlns:a16="http://schemas.microsoft.com/office/drawing/2014/main" val="10001"/>
                   </a:ext>
                 </a:extLst>
               </a:tr>
@@ -6411,7 +6411,7 @@
                 </a:tc>
                 <a:extLst>
                   <a:ext uri="{0D108BD9-81ED-4DB2-BD59-A6C34878D82A}">
-                    <a16:rowId xmlns:a16="http://schemas.microsoft.com/office/drawing/2014/main" xmlns="" val="10002"/>
+                    <a16:rowId xmlns="" xmlns:a16="http://schemas.microsoft.com/office/drawing/2014/main" val="10002"/>
                   </a:ext>
                 </a:extLst>
               </a:tr>
@@ -6498,7 +6498,7 @@
                 </a:tc>
                 <a:extLst>
                   <a:ext uri="{0D108BD9-81ED-4DB2-BD59-A6C34878D82A}">
-                    <a16:rowId xmlns:a16="http://schemas.microsoft.com/office/drawing/2014/main" xmlns="" val="10003"/>
+                    <a16:rowId xmlns="" xmlns:a16="http://schemas.microsoft.com/office/drawing/2014/main" val="10003"/>
                   </a:ext>
                 </a:extLst>
               </a:tr>
@@ -6643,7 +6643,7 @@
                 </a:tc>
                 <a:extLst>
                   <a:ext uri="{0D108BD9-81ED-4DB2-BD59-A6C34878D82A}">
-                    <a16:rowId xmlns:a16="http://schemas.microsoft.com/office/drawing/2014/main" xmlns="" val="10004"/>
+                    <a16:rowId xmlns="" xmlns:a16="http://schemas.microsoft.com/office/drawing/2014/main" val="10004"/>
                   </a:ext>
                 </a:extLst>
               </a:tr>
@@ -6714,7 +6714,7 @@
                 </a:tc>
                 <a:extLst>
                   <a:ext uri="{0D108BD9-81ED-4DB2-BD59-A6C34878D82A}">
-                    <a16:rowId xmlns:a16="http://schemas.microsoft.com/office/drawing/2014/main" xmlns="" val="10005"/>
+                    <a16:rowId xmlns="" xmlns:a16="http://schemas.microsoft.com/office/drawing/2014/main" val="10005"/>
                   </a:ext>
                 </a:extLst>
               </a:tr>
@@ -6791,7 +6791,7 @@
                 </a:tc>
                 <a:extLst>
                   <a:ext uri="{0D108BD9-81ED-4DB2-BD59-A6C34878D82A}">
-                    <a16:rowId xmlns:a16="http://schemas.microsoft.com/office/drawing/2014/main" xmlns="" val="10006"/>
+                    <a16:rowId xmlns="" xmlns:a16="http://schemas.microsoft.com/office/drawing/2014/main" val="10006"/>
                   </a:ext>
                 </a:extLst>
               </a:tr>
@@ -6902,7 +6902,7 @@
                 </a:tc>
                 <a:extLst>
                   <a:ext uri="{0D108BD9-81ED-4DB2-BD59-A6C34878D82A}">
-                    <a16:rowId xmlns:a16="http://schemas.microsoft.com/office/drawing/2014/main" xmlns="" val="10007"/>
+                    <a16:rowId xmlns="" xmlns:a16="http://schemas.microsoft.com/office/drawing/2014/main" val="10007"/>
                   </a:ext>
                 </a:extLst>
               </a:tr>
@@ -6938,7 +6938,7 @@
                 <a:gridCol w="3825875">
                   <a:extLst>
                     <a:ext uri="{9D8B030D-6E8A-4147-A177-3AD203B41FA5}">
-                      <a16:colId xmlns:a16="http://schemas.microsoft.com/office/drawing/2014/main" xmlns="" val="20000"/>
+                      <a16:colId xmlns="" xmlns:a16="http://schemas.microsoft.com/office/drawing/2014/main" val="20000"/>
                     </a:ext>
                   </a:extLst>
                 </a:gridCol>
@@ -7011,7 +7011,7 @@
                 </a:tc>
                 <a:extLst>
                   <a:ext uri="{0D108BD9-81ED-4DB2-BD59-A6C34878D82A}">
-                    <a16:rowId xmlns:a16="http://schemas.microsoft.com/office/drawing/2014/main" xmlns="" val="10000"/>
+                    <a16:rowId xmlns="" xmlns:a16="http://schemas.microsoft.com/office/drawing/2014/main" val="10000"/>
                   </a:ext>
                 </a:extLst>
               </a:tr>
@@ -7112,7 +7112,7 @@
                 </a:tc>
                 <a:extLst>
                   <a:ext uri="{0D108BD9-81ED-4DB2-BD59-A6C34878D82A}">
-                    <a16:rowId xmlns:a16="http://schemas.microsoft.com/office/drawing/2014/main" xmlns="" val="10001"/>
+                    <a16:rowId xmlns="" xmlns:a16="http://schemas.microsoft.com/office/drawing/2014/main" val="10001"/>
                   </a:ext>
                 </a:extLst>
               </a:tr>
@@ -7276,7 +7276,7 @@
                 </a:tc>
                 <a:extLst>
                   <a:ext uri="{0D108BD9-81ED-4DB2-BD59-A6C34878D82A}">
-                    <a16:rowId xmlns:a16="http://schemas.microsoft.com/office/drawing/2014/main" xmlns="" val="10002"/>
+                    <a16:rowId xmlns="" xmlns:a16="http://schemas.microsoft.com/office/drawing/2014/main" val="10002"/>
                   </a:ext>
                 </a:extLst>
               </a:tr>
@@ -7363,7 +7363,7 @@
                 </a:tc>
                 <a:extLst>
                   <a:ext uri="{0D108BD9-81ED-4DB2-BD59-A6C34878D82A}">
-                    <a16:rowId xmlns:a16="http://schemas.microsoft.com/office/drawing/2014/main" xmlns="" val="10003"/>
+                    <a16:rowId xmlns="" xmlns:a16="http://schemas.microsoft.com/office/drawing/2014/main" val="10003"/>
                   </a:ext>
                 </a:extLst>
               </a:tr>
@@ -7430,7 +7430,7 @@
                 </a:tc>
                 <a:extLst>
                   <a:ext uri="{0D108BD9-81ED-4DB2-BD59-A6C34878D82A}">
-                    <a16:rowId xmlns:a16="http://schemas.microsoft.com/office/drawing/2014/main" xmlns="" val="10004"/>
+                    <a16:rowId xmlns="" xmlns:a16="http://schemas.microsoft.com/office/drawing/2014/main" val="10004"/>
                   </a:ext>
                 </a:extLst>
               </a:tr>
@@ -7501,7 +7501,7 @@
                 </a:tc>
                 <a:extLst>
                   <a:ext uri="{0D108BD9-81ED-4DB2-BD59-A6C34878D82A}">
-                    <a16:rowId xmlns:a16="http://schemas.microsoft.com/office/drawing/2014/main" xmlns="" val="10005"/>
+                    <a16:rowId xmlns="" xmlns:a16="http://schemas.microsoft.com/office/drawing/2014/main" val="10005"/>
                   </a:ext>
                 </a:extLst>
               </a:tr>
@@ -7578,7 +7578,7 @@
                 </a:tc>
                 <a:extLst>
                   <a:ext uri="{0D108BD9-81ED-4DB2-BD59-A6C34878D82A}">
-                    <a16:rowId xmlns:a16="http://schemas.microsoft.com/office/drawing/2014/main" xmlns="" val="10006"/>
+                    <a16:rowId xmlns="" xmlns:a16="http://schemas.microsoft.com/office/drawing/2014/main" val="10006"/>
                   </a:ext>
                 </a:extLst>
               </a:tr>
@@ -7689,7 +7689,7 @@
                 </a:tc>
                 <a:extLst>
                   <a:ext uri="{0D108BD9-81ED-4DB2-BD59-A6C34878D82A}">
-                    <a16:rowId xmlns:a16="http://schemas.microsoft.com/office/drawing/2014/main" xmlns="" val="10007"/>
+                    <a16:rowId xmlns="" xmlns:a16="http://schemas.microsoft.com/office/drawing/2014/main" val="10007"/>
                   </a:ext>
                 </a:extLst>
               </a:tr>
@@ -7725,7 +7725,7 @@
                 <a:gridCol w="3825875">
                   <a:extLst>
                     <a:ext uri="{9D8B030D-6E8A-4147-A177-3AD203B41FA5}">
-                      <a16:colId xmlns:a16="http://schemas.microsoft.com/office/drawing/2014/main" xmlns="" val="20000"/>
+                      <a16:colId xmlns="" xmlns:a16="http://schemas.microsoft.com/office/drawing/2014/main" val="20000"/>
                     </a:ext>
                   </a:extLst>
                 </a:gridCol>
@@ -7798,7 +7798,7 @@
                 </a:tc>
                 <a:extLst>
                   <a:ext uri="{0D108BD9-81ED-4DB2-BD59-A6C34878D82A}">
-                    <a16:rowId xmlns:a16="http://schemas.microsoft.com/office/drawing/2014/main" xmlns="" val="10000"/>
+                    <a16:rowId xmlns="" xmlns:a16="http://schemas.microsoft.com/office/drawing/2014/main" val="10000"/>
                   </a:ext>
                 </a:extLst>
               </a:tr>
@@ -7901,7 +7901,7 @@
                 </a:tc>
                 <a:extLst>
                   <a:ext uri="{0D108BD9-81ED-4DB2-BD59-A6C34878D82A}">
-                    <a16:rowId xmlns:a16="http://schemas.microsoft.com/office/drawing/2014/main" xmlns="" val="10001"/>
+                    <a16:rowId xmlns="" xmlns:a16="http://schemas.microsoft.com/office/drawing/2014/main" val="10001"/>
                   </a:ext>
                 </a:extLst>
               </a:tr>
@@ -7987,7 +7987,7 @@
                 </a:tc>
                 <a:extLst>
                   <a:ext uri="{0D108BD9-81ED-4DB2-BD59-A6C34878D82A}">
-                    <a16:rowId xmlns:a16="http://schemas.microsoft.com/office/drawing/2014/main" xmlns="" val="10002"/>
+                    <a16:rowId xmlns="" xmlns:a16="http://schemas.microsoft.com/office/drawing/2014/main" val="10002"/>
                   </a:ext>
                 </a:extLst>
               </a:tr>
@@ -8080,7 +8080,7 @@
                 </a:tc>
                 <a:extLst>
                   <a:ext uri="{0D108BD9-81ED-4DB2-BD59-A6C34878D82A}">
-                    <a16:rowId xmlns:a16="http://schemas.microsoft.com/office/drawing/2014/main" xmlns="" val="10003"/>
+                    <a16:rowId xmlns="" xmlns:a16="http://schemas.microsoft.com/office/drawing/2014/main" val="10003"/>
                   </a:ext>
                 </a:extLst>
               </a:tr>
@@ -8197,7 +8197,7 @@
                 </a:tc>
                 <a:extLst>
                   <a:ext uri="{0D108BD9-81ED-4DB2-BD59-A6C34878D82A}">
-                    <a16:rowId xmlns:a16="http://schemas.microsoft.com/office/drawing/2014/main" xmlns="" val="10007"/>
+                    <a16:rowId xmlns="" xmlns:a16="http://schemas.microsoft.com/office/drawing/2014/main" val="10007"/>
                   </a:ext>
                 </a:extLst>
               </a:tr>
@@ -8233,7 +8233,7 @@
                 <a:gridCol w="3825875">
                   <a:extLst>
                     <a:ext uri="{9D8B030D-6E8A-4147-A177-3AD203B41FA5}">
-                      <a16:colId xmlns:a16="http://schemas.microsoft.com/office/drawing/2014/main" xmlns="" val="20000"/>
+                      <a16:colId xmlns="" xmlns:a16="http://schemas.microsoft.com/office/drawing/2014/main" val="20000"/>
                     </a:ext>
                   </a:extLst>
                 </a:gridCol>
@@ -8306,7 +8306,7 @@
                 </a:tc>
                 <a:extLst>
                   <a:ext uri="{0D108BD9-81ED-4DB2-BD59-A6C34878D82A}">
-                    <a16:rowId xmlns:a16="http://schemas.microsoft.com/office/drawing/2014/main" xmlns="" val="10000"/>
+                    <a16:rowId xmlns="" xmlns:a16="http://schemas.microsoft.com/office/drawing/2014/main" val="10000"/>
                   </a:ext>
                 </a:extLst>
               </a:tr>
@@ -8409,7 +8409,7 @@
                 </a:tc>
                 <a:extLst>
                   <a:ext uri="{0D108BD9-81ED-4DB2-BD59-A6C34878D82A}">
-                    <a16:rowId xmlns:a16="http://schemas.microsoft.com/office/drawing/2014/main" xmlns="" val="10001"/>
+                    <a16:rowId xmlns="" xmlns:a16="http://schemas.microsoft.com/office/drawing/2014/main" val="10001"/>
                   </a:ext>
                 </a:extLst>
               </a:tr>
@@ -8495,7 +8495,7 @@
                 </a:tc>
                 <a:extLst>
                   <a:ext uri="{0D108BD9-81ED-4DB2-BD59-A6C34878D82A}">
-                    <a16:rowId xmlns:a16="http://schemas.microsoft.com/office/drawing/2014/main" xmlns="" val="10002"/>
+                    <a16:rowId xmlns="" xmlns:a16="http://schemas.microsoft.com/office/drawing/2014/main" val="10002"/>
                   </a:ext>
                 </a:extLst>
               </a:tr>
@@ -8588,7 +8588,7 @@
                 </a:tc>
                 <a:extLst>
                   <a:ext uri="{0D108BD9-81ED-4DB2-BD59-A6C34878D82A}">
-                    <a16:rowId xmlns:a16="http://schemas.microsoft.com/office/drawing/2014/main" xmlns="" val="10003"/>
+                    <a16:rowId xmlns="" xmlns:a16="http://schemas.microsoft.com/office/drawing/2014/main" val="10003"/>
                   </a:ext>
                 </a:extLst>
               </a:tr>
@@ -8681,7 +8681,7 @@
                 </a:tc>
                 <a:extLst>
                   <a:ext uri="{0D108BD9-81ED-4DB2-BD59-A6C34878D82A}">
-                    <a16:rowId xmlns:a16="http://schemas.microsoft.com/office/drawing/2014/main" xmlns="" val="10004"/>
+                    <a16:rowId xmlns="" xmlns:a16="http://schemas.microsoft.com/office/drawing/2014/main" val="10004"/>
                   </a:ext>
                 </a:extLst>
               </a:tr>
@@ -8778,7 +8778,7 @@
                 </a:tc>
                 <a:extLst>
                   <a:ext uri="{0D108BD9-81ED-4DB2-BD59-A6C34878D82A}">
-                    <a16:rowId xmlns:a16="http://schemas.microsoft.com/office/drawing/2014/main" xmlns="" val="10005"/>
+                    <a16:rowId xmlns="" xmlns:a16="http://schemas.microsoft.com/office/drawing/2014/main" val="10005"/>
                   </a:ext>
                 </a:extLst>
               </a:tr>
@@ -8864,7 +8864,7 @@
                 </a:tc>
                 <a:extLst>
                   <a:ext uri="{0D108BD9-81ED-4DB2-BD59-A6C34878D82A}">
-                    <a16:rowId xmlns:a16="http://schemas.microsoft.com/office/drawing/2014/main" xmlns="" val="10006"/>
+                    <a16:rowId xmlns="" xmlns:a16="http://schemas.microsoft.com/office/drawing/2014/main" val="10006"/>
                   </a:ext>
                 </a:extLst>
               </a:tr>
@@ -8997,7 +8997,7 @@
                 </a:tc>
                 <a:extLst>
                   <a:ext uri="{0D108BD9-81ED-4DB2-BD59-A6C34878D82A}">
-                    <a16:rowId xmlns:a16="http://schemas.microsoft.com/office/drawing/2014/main" xmlns="" val="10007"/>
+                    <a16:rowId xmlns="" xmlns:a16="http://schemas.microsoft.com/office/drawing/2014/main" val="10007"/>
                   </a:ext>
                 </a:extLst>
               </a:tr>
@@ -9007,27 +9007,21 @@
       </p:graphicFrame>
       <p:graphicFrame>
         <p:nvGraphicFramePr>
-          <p:cNvPr id="11" name="Table 10">
-            <a:extLst>
-              <a:ext uri="{FF2B5EF4-FFF2-40B4-BE49-F238E27FC236}">
-                <a16:creationId xmlns:a16="http://schemas.microsoft.com/office/drawing/2014/main" xmlns="" id="{89A0890F-C2A1-4C8E-8FCC-616EEA42A90B}"/>
-              </a:ext>
-            </a:extLst>
-          </p:cNvPr>
+          <p:cNvPr id="12" name="Table 11"/>
           <p:cNvGraphicFramePr>
             <a:graphicFrameLocks noGrp="1"/>
           </p:cNvGraphicFramePr>
           <p:nvPr>
             <p:extLst>
               <p:ext uri="{D42A27DB-BD31-4B8C-83A1-F6EECF244321}">
-                <p14:modId xmlns:p14="http://schemas.microsoft.com/office/powerpoint/2010/main" val="3087410493"/>
+                <p14:modId xmlns:p14="http://schemas.microsoft.com/office/powerpoint/2010/main" val="2726194658"/>
               </p:ext>
             </p:extLst>
           </p:nvPr>
         </p:nvGraphicFramePr>
         <p:xfrm>
-          <a:off x="4646502" y="1651687"/>
-          <a:ext cx="3546060" cy="1315136"/>
+          <a:off x="8630920" y="5984956"/>
+          <a:ext cx="3894455" cy="2531796"/>
         </p:xfrm>
         <a:graphic>
           <a:graphicData uri="http://schemas.openxmlformats.org/drawingml/2006/table">
@@ -9036,46 +9030,32 @@
                 <a:tableStyleId>{5940675A-B579-460E-94D1-54222C63F5DA}</a:tableStyleId>
               </a:tblPr>
               <a:tblGrid>
-                <a:gridCol w="1333954">
+                <a:gridCol w="3894455">
                   <a:extLst>
                     <a:ext uri="{9D8B030D-6E8A-4147-A177-3AD203B41FA5}">
-                      <a16:colId xmlns:a16="http://schemas.microsoft.com/office/drawing/2014/main" xmlns="" val="20000"/>
-                    </a:ext>
-                  </a:extLst>
-                </a:gridCol>
-                <a:gridCol w="380538">
-                  <a:extLst>
-                    <a:ext uri="{9D8B030D-6E8A-4147-A177-3AD203B41FA5}">
-                      <a16:colId xmlns:a16="http://schemas.microsoft.com/office/drawing/2014/main" xmlns="" val="20001"/>
-                    </a:ext>
-                  </a:extLst>
-                </a:gridCol>
-                <a:gridCol w="1831568">
-                  <a:extLst>
-                    <a:ext uri="{9D8B030D-6E8A-4147-A177-3AD203B41FA5}">
-                      <a16:colId xmlns:a16="http://schemas.microsoft.com/office/drawing/2014/main" xmlns="" val="20002"/>
+                      <a16:colId xmlns="" xmlns:a16="http://schemas.microsoft.com/office/drawing/2014/main" val="20000"/>
                     </a:ext>
                   </a:extLst>
                 </a:gridCol>
               </a:tblGrid>
               <a:tr h="260350">
-                <a:tc gridSpan="3">
+                <a:tc>
                   <a:txBody>
                     <a:bodyPr/>
                     <a:lstStyle/>
                     <a:p>
                       <a:pPr algn="l"/>
                       <a:r>
-                        <a:rPr lang="en-GB" sz="1000" b="1">
+                        <a:rPr lang="en-GB" sz="1000" b="1" baseline="0" smtClean="0">
                           <a:solidFill>
                             <a:srgbClr val="000000"/>
                           </a:solidFill>
                           <a:latin typeface="Segoe UI" pitchFamily="34" charset="0"/>
                           <a:cs typeface="Segoe UI" pitchFamily="34" charset="0"/>
                         </a:rPr>
-                        <a:t>What is (not) possible to forecast?</a:t>
-                      </a:r>
-                      <a:endParaRPr lang="en-GB" sz="1000" b="0" baseline="0">
+                        <a:t>Forecastability using Internal Benchmarks</a:t>
+                      </a:r>
+                      <a:endParaRPr lang="en-GB" sz="1000" b="1" baseline="0">
                         <a:solidFill>
                           <a:srgbClr val="000000"/>
                         </a:solidFill>
@@ -9094,9 +9074,9 @@
                       <a:headEnd type="none" w="med" len="med"/>
                       <a:tailEnd type="none" w="med" len="med"/>
                     </a:lnL>
-                    <a:lnR w="6350" cap="flat" cmpd="sng" algn="ctr">
-                      <a:solidFill>
-                        <a:srgbClr val="000000"/>
+                    <a:lnR w="12700" cap="flat" cmpd="sng" algn="ctr">
+                      <a:solidFill>
+                        <a:schemeClr val="tx1"/>
                       </a:solidFill>
                       <a:prstDash val="solid"/>
                       <a:round/>
@@ -9131,37 +9111,9 @@
                     </a:lnBlToTr>
                   </a:tcPr>
                 </a:tc>
-                <a:tc hMerge="1">
-                  <a:txBody>
-                    <a:bodyPr/>
-                    <a:lstStyle/>
-                    <a:p>
-                      <a:pPr algn="r"/>
-                      <a:endParaRPr lang="en-GB" sz="1000" b="1">
-                        <a:latin typeface="Segoe UI" pitchFamily="34" charset="0"/>
-                        <a:cs typeface="Segoe UI" pitchFamily="34" charset="0"/>
-                      </a:endParaRPr>
-                    </a:p>
-                  </a:txBody>
-                  <a:tcPr/>
-                </a:tc>
-                <a:tc hMerge="1">
-                  <a:txBody>
-                    <a:bodyPr/>
-                    <a:lstStyle/>
-                    <a:p>
-                      <a:pPr algn="l"/>
-                      <a:endParaRPr lang="en-GB" sz="1000" b="1">
-                        <a:latin typeface="Segoe UI" pitchFamily="34" charset="0"/>
-                        <a:cs typeface="Segoe UI" pitchFamily="34" charset="0"/>
-                      </a:endParaRPr>
-                    </a:p>
-                  </a:txBody>
-                  <a:tcPr/>
-                </a:tc>
                 <a:extLst>
                   <a:ext uri="{0D108BD9-81ED-4DB2-BD59-A6C34878D82A}">
-                    <a16:rowId xmlns:a16="http://schemas.microsoft.com/office/drawing/2014/main" xmlns="" val="10000"/>
+                    <a16:rowId xmlns="" xmlns:a16="http://schemas.microsoft.com/office/drawing/2014/main" val="10000"/>
                   </a:ext>
                 </a:extLst>
               </a:tr>
@@ -9188,6 +9140,16 @@
                         <a:tabLst/>
                         <a:defRPr/>
                       </a:pPr>
+                      <a:r>
+                        <a:rPr lang="en-GB" sz="1000" i="0" baseline="0" smtClean="0">
+                          <a:solidFill>
+                            <a:srgbClr val="000000"/>
+                          </a:solidFill>
+                          <a:latin typeface="Segoe UI" pitchFamily="34" charset="0"/>
+                          <a:cs typeface="Segoe UI" pitchFamily="34" charset="0"/>
+                        </a:rPr>
+                        <a:t>You have lots of SKUs and you are forecasting demand for each of them separately. How do you know if the forecasts are good?</a:t>
+                      </a:r>
                       <a:endParaRPr lang="en-GB" sz="1000" i="0">
                         <a:solidFill>
                           <a:srgbClr val="000000"/>
@@ -9208,7 +9170,9 @@
                       <a:tailEnd type="none" w="med" len="med"/>
                     </a:lnL>
                     <a:lnR w="12700" cap="flat" cmpd="sng" algn="ctr">
-                      <a:noFill/>
+                      <a:solidFill>
+                        <a:schemeClr val="tx1"/>
+                      </a:solidFill>
                       <a:prstDash val="solid"/>
                       <a:round/>
                       <a:headEnd type="none" w="med" len="med"/>
@@ -9223,130 +9187,12 @@
                       <a:headEnd type="none" w="med" len="med"/>
                       <a:tailEnd type="none" w="med" len="med"/>
                     </a:lnT>
-                    <a:lnB w="12700" cmpd="sng">
-                      <a:noFill/>
-                    </a:lnB>
-                    <a:lnTlToBr w="12700" cmpd="sng">
-                      <a:noFill/>
-                      <a:prstDash val="solid"/>
-                    </a:lnTlToBr>
-                    <a:lnBlToTr w="12700" cmpd="sng">
-                      <a:noFill/>
-                      <a:prstDash val="solid"/>
-                    </a:lnBlToTr>
-                  </a:tcPr>
-                </a:tc>
-                <a:tc>
-                  <a:txBody>
-                    <a:bodyPr/>
-                    <a:lstStyle/>
-                    <a:p>
-                      <a:pPr algn="r"/>
-                      <a:endParaRPr lang="en-GB" sz="1000">
-                        <a:solidFill>
-                          <a:srgbClr val="000000"/>
-                        </a:solidFill>
-                        <a:latin typeface="Segoe UI" pitchFamily="34" charset="0"/>
-                        <a:cs typeface="Segoe UI" pitchFamily="34" charset="0"/>
-                      </a:endParaRPr>
-                    </a:p>
-                  </a:txBody>
-                  <a:tcPr>
-                    <a:lnL w="12700" cap="flat" cmpd="sng" algn="ctr">
-                      <a:noFill/>
-                      <a:prstDash val="solid"/>
-                      <a:round/>
-                      <a:headEnd type="none" w="med" len="med"/>
-                      <a:tailEnd type="none" w="med" len="med"/>
-                    </a:lnL>
-                    <a:lnR w="12700" cap="flat" cmpd="sng" algn="ctr">
-                      <a:noFill/>
-                      <a:prstDash val="solid"/>
-                      <a:round/>
-                      <a:headEnd type="none" w="med" len="med"/>
-                      <a:tailEnd type="none" w="med" len="med"/>
-                    </a:lnR>
-                    <a:lnT w="6350" cap="flat" cmpd="sng" algn="ctr">
-                      <a:solidFill>
-                        <a:srgbClr val="000000"/>
-                      </a:solidFill>
-                      <a:prstDash val="solid"/>
-                      <a:round/>
-                      <a:headEnd type="none" w="med" len="med"/>
-                      <a:tailEnd type="none" w="med" len="med"/>
-                    </a:lnT>
-                    <a:lnB w="12700" cmpd="sng">
-                      <a:noFill/>
-                    </a:lnB>
-                    <a:lnTlToBr w="12700" cmpd="sng">
-                      <a:noFill/>
-                      <a:prstDash val="solid"/>
-                    </a:lnTlToBr>
-                    <a:lnBlToTr w="12700" cmpd="sng">
-                      <a:noFill/>
-                      <a:prstDash val="solid"/>
-                    </a:lnBlToTr>
-                  </a:tcPr>
-                </a:tc>
-                <a:tc>
-                  <a:txBody>
-                    <a:bodyPr/>
-                    <a:lstStyle/>
-                    <a:p>
-                      <a:pPr marL="0" marR="0" indent="0" algn="l" defTabSz="584200" rtl="0" eaLnBrk="1" fontAlgn="auto" latinLnBrk="0" hangingPunct="1">
-                        <a:lnSpc>
-                          <a:spcPct val="100000"/>
-                        </a:lnSpc>
-                        <a:spcBef>
-                          <a:spcPts val="0"/>
-                        </a:spcBef>
-                        <a:spcAft>
-                          <a:spcPts val="0"/>
-                        </a:spcAft>
-                        <a:buClrTx/>
-                        <a:buSzTx/>
-                        <a:buFontTx/>
-                        <a:buNone/>
-                        <a:tabLst/>
-                        <a:defRPr/>
-                      </a:pPr>
-                      <a:endParaRPr lang="en-GB" sz="1000" i="1">
-                        <a:solidFill>
-                          <a:srgbClr val="000000"/>
-                        </a:solidFill>
-                        <a:latin typeface="Segoe UI" pitchFamily="34" charset="0"/>
-                        <a:cs typeface="Segoe UI" pitchFamily="34" charset="0"/>
-                      </a:endParaRPr>
-                    </a:p>
-                  </a:txBody>
-                  <a:tcPr>
-                    <a:lnL w="12700" cap="flat" cmpd="sng" algn="ctr">
-                      <a:noFill/>
-                      <a:prstDash val="solid"/>
-                      <a:round/>
-                      <a:headEnd type="none" w="med" len="med"/>
-                      <a:tailEnd type="none" w="med" len="med"/>
-                    </a:lnL>
-                    <a:lnR w="6350" cap="flat" cmpd="sng" algn="ctr">
-                      <a:solidFill>
-                        <a:srgbClr val="000000"/>
-                      </a:solidFill>
-                      <a:prstDash val="solid"/>
-                      <a:round/>
-                      <a:headEnd type="none" w="med" len="med"/>
-                      <a:tailEnd type="none" w="med" len="med"/>
-                    </a:lnR>
-                    <a:lnT w="6350" cap="flat" cmpd="sng" algn="ctr">
-                      <a:solidFill>
-                        <a:srgbClr val="000000"/>
-                      </a:solidFill>
-                      <a:prstDash val="solid"/>
-                      <a:round/>
-                      <a:headEnd type="none" w="med" len="med"/>
-                      <a:tailEnd type="none" w="med" len="med"/>
-                    </a:lnT>
-                    <a:lnB w="12700" cmpd="sng">
-                      <a:noFill/>
+                    <a:lnB w="6350" cap="flat" cmpd="sng" algn="ctr">
+                      <a:noFill/>
+                      <a:prstDash val="solid"/>
+                      <a:round/>
+                      <a:headEnd type="none" w="med" len="med"/>
+                      <a:tailEnd type="none" w="med" len="med"/>
                     </a:lnB>
                     <a:lnTlToBr w="12700" cmpd="sng">
                       <a:noFill/>
@@ -9360,699 +9206,7 @@
                 </a:tc>
                 <a:extLst>
                   <a:ext uri="{0D108BD9-81ED-4DB2-BD59-A6C34878D82A}">
-                    <a16:rowId xmlns:a16="http://schemas.microsoft.com/office/drawing/2014/main" xmlns="" val="10001"/>
-                  </a:ext>
-                </a:extLst>
-              </a:tr>
-              <a:tr h="260350">
-                <a:tc>
-                  <a:txBody>
-                    <a:bodyPr/>
-                    <a:lstStyle/>
-                    <a:p>
-                      <a:pPr algn="l"/>
-                      <a:endParaRPr lang="en-GB" sz="1000">
-                        <a:solidFill>
-                          <a:srgbClr val="000000"/>
-                        </a:solidFill>
-                        <a:latin typeface="Segoe UI" pitchFamily="34" charset="0"/>
-                        <a:cs typeface="Segoe UI" pitchFamily="34" charset="0"/>
-                      </a:endParaRPr>
-                    </a:p>
-                  </a:txBody>
-                  <a:tcPr>
-                    <a:lnL w="6350" cap="flat" cmpd="sng" algn="ctr">
-                      <a:solidFill>
-                        <a:srgbClr val="000000"/>
-                      </a:solidFill>
-                      <a:prstDash val="solid"/>
-                      <a:round/>
-                      <a:headEnd type="none" w="med" len="med"/>
-                      <a:tailEnd type="none" w="med" len="med"/>
-                    </a:lnL>
-                    <a:lnR w="12700" cmpd="sng">
-                      <a:noFill/>
-                    </a:lnR>
-                    <a:lnT w="12700" cmpd="sng">
-                      <a:noFill/>
-                    </a:lnT>
-                    <a:lnB w="12700" cmpd="sng">
-                      <a:noFill/>
-                    </a:lnB>
-                    <a:lnTlToBr w="12700" cmpd="sng">
-                      <a:noFill/>
-                      <a:prstDash val="solid"/>
-                    </a:lnTlToBr>
-                    <a:lnBlToTr w="12700" cmpd="sng">
-                      <a:noFill/>
-                      <a:prstDash val="solid"/>
-                    </a:lnBlToTr>
-                  </a:tcPr>
-                </a:tc>
-                <a:tc>
-                  <a:txBody>
-                    <a:bodyPr/>
-                    <a:lstStyle/>
-                    <a:p>
-                      <a:pPr algn="r"/>
-                      <a:endParaRPr lang="en-GB" sz="1000">
-                        <a:solidFill>
-                          <a:srgbClr val="000000"/>
-                        </a:solidFill>
-                        <a:latin typeface="Segoe UI" pitchFamily="34" charset="0"/>
-                        <a:cs typeface="Segoe UI" pitchFamily="34" charset="0"/>
-                      </a:endParaRPr>
-                    </a:p>
-                  </a:txBody>
-                  <a:tcPr>
-                    <a:lnL w="12700" cmpd="sng">
-                      <a:noFill/>
-                    </a:lnL>
-                    <a:lnR w="12700" cmpd="sng">
-                      <a:noFill/>
-                    </a:lnR>
-                    <a:lnT w="12700" cmpd="sng">
-                      <a:noFill/>
-                    </a:lnT>
-                    <a:lnB w="12700" cmpd="sng">
-                      <a:noFill/>
-                    </a:lnB>
-                    <a:lnTlToBr w="12700" cmpd="sng">
-                      <a:noFill/>
-                      <a:prstDash val="solid"/>
-                    </a:lnTlToBr>
-                    <a:lnBlToTr w="12700" cmpd="sng">
-                      <a:noFill/>
-                      <a:prstDash val="solid"/>
-                    </a:lnBlToTr>
-                  </a:tcPr>
-                </a:tc>
-                <a:tc>
-                  <a:txBody>
-                    <a:bodyPr/>
-                    <a:lstStyle/>
-                    <a:p>
-                      <a:pPr algn="l"/>
-                      <a:endParaRPr lang="en-GB" sz="1000" i="1">
-                        <a:solidFill>
-                          <a:srgbClr val="000000"/>
-                        </a:solidFill>
-                        <a:latin typeface="Segoe UI" pitchFamily="34" charset="0"/>
-                        <a:cs typeface="Segoe UI" pitchFamily="34" charset="0"/>
-                      </a:endParaRPr>
-                    </a:p>
-                  </a:txBody>
-                  <a:tcPr>
-                    <a:lnL w="12700" cmpd="sng">
-                      <a:noFill/>
-                    </a:lnL>
-                    <a:lnR w="6350" cap="flat" cmpd="sng" algn="ctr">
-                      <a:solidFill>
-                        <a:srgbClr val="000000"/>
-                      </a:solidFill>
-                      <a:prstDash val="solid"/>
-                      <a:round/>
-                      <a:headEnd type="none" w="med" len="med"/>
-                      <a:tailEnd type="none" w="med" len="med"/>
-                    </a:lnR>
-                    <a:lnT w="12700" cmpd="sng">
-                      <a:noFill/>
-                    </a:lnT>
-                    <a:lnB w="12700" cmpd="sng">
-                      <a:noFill/>
-                    </a:lnB>
-                    <a:lnTlToBr w="12700" cmpd="sng">
-                      <a:noFill/>
-                      <a:prstDash val="solid"/>
-                    </a:lnTlToBr>
-                    <a:lnBlToTr w="12700" cmpd="sng">
-                      <a:noFill/>
-                      <a:prstDash val="solid"/>
-                    </a:lnBlToTr>
-                  </a:tcPr>
-                </a:tc>
-                <a:extLst>
-                  <a:ext uri="{0D108BD9-81ED-4DB2-BD59-A6C34878D82A}">
-                    <a16:rowId xmlns:a16="http://schemas.microsoft.com/office/drawing/2014/main" xmlns="" val="10002"/>
-                  </a:ext>
-                </a:extLst>
-              </a:tr>
-              <a:tr h="260350">
-                <a:tc>
-                  <a:txBody>
-                    <a:bodyPr/>
-                    <a:lstStyle/>
-                    <a:p>
-                      <a:pPr algn="l"/>
-                      <a:endParaRPr lang="en-GB" sz="1000">
-                        <a:solidFill>
-                          <a:srgbClr val="000000"/>
-                        </a:solidFill>
-                        <a:latin typeface="Segoe UI" pitchFamily="34" charset="0"/>
-                        <a:cs typeface="Segoe UI" pitchFamily="34" charset="0"/>
-                      </a:endParaRPr>
-                    </a:p>
-                  </a:txBody>
-                  <a:tcPr>
-                    <a:lnL w="6350" cap="flat" cmpd="sng" algn="ctr">
-                      <a:solidFill>
-                        <a:srgbClr val="000000"/>
-                      </a:solidFill>
-                      <a:prstDash val="solid"/>
-                      <a:round/>
-                      <a:headEnd type="none" w="med" len="med"/>
-                      <a:tailEnd type="none" w="med" len="med"/>
-                    </a:lnL>
-                    <a:lnR w="12700" cmpd="sng">
-                      <a:noFill/>
-                    </a:lnR>
-                    <a:lnT w="12700" cmpd="sng">
-                      <a:noFill/>
-                    </a:lnT>
-                    <a:lnB w="12700" cmpd="sng">
-                      <a:noFill/>
-                    </a:lnB>
-                    <a:lnTlToBr w="12700" cmpd="sng">
-                      <a:noFill/>
-                      <a:prstDash val="solid"/>
-                    </a:lnTlToBr>
-                    <a:lnBlToTr w="12700" cmpd="sng">
-                      <a:noFill/>
-                      <a:prstDash val="solid"/>
-                    </a:lnBlToTr>
-                  </a:tcPr>
-                </a:tc>
-                <a:tc>
-                  <a:txBody>
-                    <a:bodyPr/>
-                    <a:lstStyle/>
-                    <a:p>
-                      <a:pPr algn="r"/>
-                      <a:endParaRPr lang="en-GB" sz="1000">
-                        <a:solidFill>
-                          <a:srgbClr val="000000"/>
-                        </a:solidFill>
-                        <a:latin typeface="Segoe UI" pitchFamily="34" charset="0"/>
-                        <a:cs typeface="Segoe UI" pitchFamily="34" charset="0"/>
-                      </a:endParaRPr>
-                    </a:p>
-                  </a:txBody>
-                  <a:tcPr>
-                    <a:lnL w="12700" cmpd="sng">
-                      <a:noFill/>
-                    </a:lnL>
-                    <a:lnR w="12700" cmpd="sng">
-                      <a:noFill/>
-                    </a:lnR>
-                    <a:lnT w="12700" cmpd="sng">
-                      <a:noFill/>
-                    </a:lnT>
-                    <a:lnB w="12700" cmpd="sng">
-                      <a:noFill/>
-                    </a:lnB>
-                    <a:lnTlToBr w="12700" cmpd="sng">
-                      <a:noFill/>
-                      <a:prstDash val="solid"/>
-                    </a:lnTlToBr>
-                    <a:lnBlToTr w="12700" cmpd="sng">
-                      <a:noFill/>
-                      <a:prstDash val="solid"/>
-                    </a:lnBlToTr>
-                  </a:tcPr>
-                </a:tc>
-                <a:tc>
-                  <a:txBody>
-                    <a:bodyPr/>
-                    <a:lstStyle/>
-                    <a:p>
-                      <a:pPr algn="l"/>
-                      <a:endParaRPr lang="en-GB" sz="1000">
-                        <a:solidFill>
-                          <a:srgbClr val="000000"/>
-                        </a:solidFill>
-                        <a:latin typeface="Segoe UI" pitchFamily="34" charset="0"/>
-                        <a:cs typeface="Segoe UI" pitchFamily="34" charset="0"/>
-                      </a:endParaRPr>
-                    </a:p>
-                  </a:txBody>
-                  <a:tcPr>
-                    <a:lnL w="12700" cmpd="sng">
-                      <a:noFill/>
-                    </a:lnL>
-                    <a:lnR w="6350" cap="flat" cmpd="sng" algn="ctr">
-                      <a:solidFill>
-                        <a:srgbClr val="000000"/>
-                      </a:solidFill>
-                      <a:prstDash val="solid"/>
-                      <a:round/>
-                      <a:headEnd type="none" w="med" len="med"/>
-                      <a:tailEnd type="none" w="med" len="med"/>
-                    </a:lnR>
-                    <a:lnT w="12700" cmpd="sng">
-                      <a:noFill/>
-                    </a:lnT>
-                    <a:lnB w="12700" cmpd="sng">
-                      <a:noFill/>
-                    </a:lnB>
-                    <a:lnTlToBr w="12700" cmpd="sng">
-                      <a:noFill/>
-                      <a:prstDash val="solid"/>
-                    </a:lnTlToBr>
-                    <a:lnBlToTr w="12700" cmpd="sng">
-                      <a:noFill/>
-                      <a:prstDash val="solid"/>
-                    </a:lnBlToTr>
-                  </a:tcPr>
-                </a:tc>
-                <a:extLst>
-                  <a:ext uri="{0D108BD9-81ED-4DB2-BD59-A6C34878D82A}">
-                    <a16:rowId xmlns:a16="http://schemas.microsoft.com/office/drawing/2014/main" xmlns="" val="10003"/>
-                  </a:ext>
-                </a:extLst>
-              </a:tr>
-              <a:tr h="260350">
-                <a:tc>
-                  <a:txBody>
-                    <a:bodyPr/>
-                    <a:lstStyle/>
-                    <a:p>
-                      <a:pPr marL="0" marR="0" indent="0" algn="l" defTabSz="584200" rtl="0" eaLnBrk="1" fontAlgn="auto" latinLnBrk="0" hangingPunct="1">
-                        <a:lnSpc>
-                          <a:spcPct val="100000"/>
-                        </a:lnSpc>
-                        <a:spcBef>
-                          <a:spcPts val="0"/>
-                        </a:spcBef>
-                        <a:spcAft>
-                          <a:spcPts val="0"/>
-                        </a:spcAft>
-                        <a:buClrTx/>
-                        <a:buSzTx/>
-                        <a:buFontTx/>
-                        <a:buNone/>
-                        <a:tabLst/>
-                        <a:defRPr/>
-                      </a:pPr>
-                      <a:endParaRPr lang="en-GB" sz="1000" b="0" i="0" u="none" strike="noStrike" cap="none" spc="0" baseline="0">
-                        <a:ln>
-                          <a:noFill/>
-                        </a:ln>
-                        <a:solidFill>
-                          <a:srgbClr val="000000"/>
-                        </a:solidFill>
-                        <a:uFillTx/>
-                        <a:latin typeface="Segoe UI" pitchFamily="34" charset="0"/>
-                        <a:ea typeface="+mn-ea"/>
-                        <a:cs typeface="Segoe UI" pitchFamily="34" charset="0"/>
-                        <a:sym typeface="Source Sans Pro"/>
-                      </a:endParaRPr>
-                    </a:p>
-                  </a:txBody>
-                  <a:tcPr>
-                    <a:lnL w="6350" cap="flat" cmpd="sng" algn="ctr">
-                      <a:solidFill>
-                        <a:srgbClr val="000000"/>
-                      </a:solidFill>
-                      <a:prstDash val="solid"/>
-                      <a:round/>
-                      <a:headEnd type="none" w="med" len="med"/>
-                      <a:tailEnd type="none" w="med" len="med"/>
-                    </a:lnL>
-                    <a:lnR w="12700" cmpd="sng">
-                      <a:noFill/>
-                    </a:lnR>
-                    <a:lnT w="12700" cmpd="sng">
-                      <a:noFill/>
-                    </a:lnT>
-                    <a:lnB w="6350" cap="flat" cmpd="sng" algn="ctr">
-                      <a:solidFill>
-                        <a:srgbClr val="000000"/>
-                      </a:solidFill>
-                      <a:prstDash val="solid"/>
-                      <a:round/>
-                      <a:headEnd type="none" w="med" len="med"/>
-                      <a:tailEnd type="none" w="med" len="med"/>
-                    </a:lnB>
-                    <a:lnTlToBr w="12700" cmpd="sng">
-                      <a:noFill/>
-                      <a:prstDash val="solid"/>
-                    </a:lnTlToBr>
-                    <a:lnBlToTr w="12700" cmpd="sng">
-                      <a:noFill/>
-                      <a:prstDash val="solid"/>
-                    </a:lnBlToTr>
-                  </a:tcPr>
-                </a:tc>
-                <a:tc>
-                  <a:txBody>
-                    <a:bodyPr/>
-                    <a:lstStyle/>
-                    <a:p>
-                      <a:pPr marL="0" marR="0" indent="0" algn="r" defTabSz="584200" rtl="0" eaLnBrk="1" fontAlgn="auto" latinLnBrk="0" hangingPunct="1">
-                        <a:lnSpc>
-                          <a:spcPct val="100000"/>
-                        </a:lnSpc>
-                        <a:spcBef>
-                          <a:spcPts val="0"/>
-                        </a:spcBef>
-                        <a:spcAft>
-                          <a:spcPts val="0"/>
-                        </a:spcAft>
-                        <a:buClrTx/>
-                        <a:buSzTx/>
-                        <a:buFontTx/>
-                        <a:buNone/>
-                        <a:tabLst/>
-                        <a:defRPr/>
-                      </a:pPr>
-                      <a:endParaRPr lang="en-GB" sz="1000" b="0" i="0" u="none" strike="noStrike" cap="none" spc="0" baseline="0">
-                        <a:ln>
-                          <a:noFill/>
-                        </a:ln>
-                        <a:solidFill>
-                          <a:srgbClr val="000000"/>
-                        </a:solidFill>
-                        <a:uFillTx/>
-                        <a:latin typeface="Segoe UI" pitchFamily="34" charset="0"/>
-                        <a:ea typeface="+mn-ea"/>
-                        <a:cs typeface="Segoe UI" pitchFamily="34" charset="0"/>
-                        <a:sym typeface="Source Sans Pro"/>
-                      </a:endParaRPr>
-                    </a:p>
-                  </a:txBody>
-                  <a:tcPr>
-                    <a:lnL w="12700" cmpd="sng">
-                      <a:noFill/>
-                    </a:lnL>
-                    <a:lnR w="12700" cmpd="sng">
-                      <a:noFill/>
-                    </a:lnR>
-                    <a:lnT w="12700" cmpd="sng">
-                      <a:noFill/>
-                    </a:lnT>
-                    <a:lnB w="6350" cap="flat" cmpd="sng" algn="ctr">
-                      <a:solidFill>
-                        <a:srgbClr val="000000"/>
-                      </a:solidFill>
-                      <a:prstDash val="solid"/>
-                      <a:round/>
-                      <a:headEnd type="none" w="med" len="med"/>
-                      <a:tailEnd type="none" w="med" len="med"/>
-                    </a:lnB>
-                    <a:lnTlToBr w="12700" cmpd="sng">
-                      <a:noFill/>
-                      <a:prstDash val="solid"/>
-                    </a:lnTlToBr>
-                    <a:lnBlToTr w="12700" cmpd="sng">
-                      <a:noFill/>
-                      <a:prstDash val="solid"/>
-                    </a:lnBlToTr>
-                  </a:tcPr>
-                </a:tc>
-                <a:tc>
-                  <a:txBody>
-                    <a:bodyPr/>
-                    <a:lstStyle/>
-                    <a:p>
-                      <a:pPr marL="0" marR="0" indent="0" algn="l" defTabSz="584200" rtl="0" eaLnBrk="1" fontAlgn="auto" latinLnBrk="0" hangingPunct="1">
-                        <a:lnSpc>
-                          <a:spcPct val="100000"/>
-                        </a:lnSpc>
-                        <a:spcBef>
-                          <a:spcPts val="0"/>
-                        </a:spcBef>
-                        <a:spcAft>
-                          <a:spcPts val="0"/>
-                        </a:spcAft>
-                        <a:buClrTx/>
-                        <a:buSzTx/>
-                        <a:buFontTx/>
-                        <a:buNone/>
-                        <a:tabLst/>
-                        <a:defRPr/>
-                      </a:pPr>
-                      <a:endParaRPr lang="en-GB" sz="1000" b="0" i="0" u="none" strike="noStrike" cap="none" spc="0" baseline="0" dirty="0">
-                        <a:ln>
-                          <a:noFill/>
-                        </a:ln>
-                        <a:solidFill>
-                          <a:srgbClr val="000000"/>
-                        </a:solidFill>
-                        <a:uFillTx/>
-                        <a:latin typeface="Segoe UI" pitchFamily="34" charset="0"/>
-                        <a:ea typeface="+mn-ea"/>
-                        <a:cs typeface="Segoe UI" pitchFamily="34" charset="0"/>
-                        <a:sym typeface="Source Sans Pro"/>
-                      </a:endParaRPr>
-                    </a:p>
-                  </a:txBody>
-                  <a:tcPr>
-                    <a:lnL w="12700" cmpd="sng">
-                      <a:noFill/>
-                    </a:lnL>
-                    <a:lnR w="6350" cap="flat" cmpd="sng" algn="ctr">
-                      <a:solidFill>
-                        <a:srgbClr val="000000"/>
-                      </a:solidFill>
-                      <a:prstDash val="solid"/>
-                      <a:round/>
-                      <a:headEnd type="none" w="med" len="med"/>
-                      <a:tailEnd type="none" w="med" len="med"/>
-                    </a:lnR>
-                    <a:lnT w="12700" cmpd="sng">
-                      <a:noFill/>
-                    </a:lnT>
-                    <a:lnB w="6350" cap="flat" cmpd="sng" algn="ctr">
-                      <a:solidFill>
-                        <a:srgbClr val="000000"/>
-                      </a:solidFill>
-                      <a:prstDash val="solid"/>
-                      <a:round/>
-                      <a:headEnd type="none" w="med" len="med"/>
-                      <a:tailEnd type="none" w="med" len="med"/>
-                    </a:lnB>
-                    <a:lnTlToBr w="12700" cmpd="sng">
-                      <a:noFill/>
-                      <a:prstDash val="solid"/>
-                    </a:lnTlToBr>
-                    <a:lnBlToTr w="12700" cmpd="sng">
-                      <a:noFill/>
-                      <a:prstDash val="solid"/>
-                    </a:lnBlToTr>
-                  </a:tcPr>
-                </a:tc>
-                <a:extLst>
-                  <a:ext uri="{0D108BD9-81ED-4DB2-BD59-A6C34878D82A}">
-                    <a16:rowId xmlns:a16="http://schemas.microsoft.com/office/drawing/2014/main" xmlns="" val="10004"/>
-                  </a:ext>
-                </a:extLst>
-              </a:tr>
-            </a:tbl>
-          </a:graphicData>
-        </a:graphic>
-      </p:graphicFrame>
-      <p:graphicFrame>
-        <p:nvGraphicFramePr>
-          <p:cNvPr id="12" name="Table 11"/>
-          <p:cNvGraphicFramePr>
-            <a:graphicFrameLocks noGrp="1"/>
-          </p:cNvGraphicFramePr>
-          <p:nvPr>
-            <p:extLst>
-              <p:ext uri="{D42A27DB-BD31-4B8C-83A1-F6EECF244321}">
-                <p14:modId xmlns:p14="http://schemas.microsoft.com/office/powerpoint/2010/main" val="2827313805"/>
-              </p:ext>
-            </p:extLst>
-          </p:nvPr>
-        </p:nvGraphicFramePr>
-        <p:xfrm>
-          <a:off x="8630920" y="5984956"/>
-          <a:ext cx="3894455" cy="2531796"/>
-        </p:xfrm>
-        <a:graphic>
-          <a:graphicData uri="http://schemas.openxmlformats.org/drawingml/2006/table">
-            <a:tbl>
-              <a:tblPr firstRow="1" bandRow="1">
-                <a:tableStyleId>{5940675A-B579-460E-94D1-54222C63F5DA}</a:tableStyleId>
-              </a:tblPr>
-              <a:tblGrid>
-                <a:gridCol w="3894455">
-                  <a:extLst>
-                    <a:ext uri="{9D8B030D-6E8A-4147-A177-3AD203B41FA5}">
-                      <a16:colId xmlns:a16="http://schemas.microsoft.com/office/drawing/2014/main" xmlns="" val="20000"/>
-                    </a:ext>
-                  </a:extLst>
-                </a:gridCol>
-              </a:tblGrid>
-              <a:tr h="260350">
-                <a:tc>
-                  <a:txBody>
-                    <a:bodyPr/>
-                    <a:lstStyle/>
-                    <a:p>
-                      <a:pPr algn="l"/>
-                      <a:r>
-                        <a:rPr lang="en-GB" sz="1000" b="1" baseline="0" smtClean="0">
-                          <a:solidFill>
-                            <a:srgbClr val="000000"/>
-                          </a:solidFill>
-                          <a:latin typeface="Segoe UI" pitchFamily="34" charset="0"/>
-                          <a:cs typeface="Segoe UI" pitchFamily="34" charset="0"/>
-                        </a:rPr>
-                        <a:t>Forecastability using Internal Benchmarks</a:t>
-                      </a:r>
-                      <a:endParaRPr lang="en-GB" sz="1000" b="1" baseline="0">
-                        <a:solidFill>
-                          <a:srgbClr val="000000"/>
-                        </a:solidFill>
-                        <a:latin typeface="Segoe UI" pitchFamily="34" charset="0"/>
-                        <a:cs typeface="Segoe UI" pitchFamily="34" charset="0"/>
-                      </a:endParaRPr>
-                    </a:p>
-                  </a:txBody>
-                  <a:tcPr>
-                    <a:lnL w="6350" cap="flat" cmpd="sng" algn="ctr">
-                      <a:solidFill>
-                        <a:srgbClr val="000000"/>
-                      </a:solidFill>
-                      <a:prstDash val="solid"/>
-                      <a:round/>
-                      <a:headEnd type="none" w="med" len="med"/>
-                      <a:tailEnd type="none" w="med" len="med"/>
-                    </a:lnL>
-                    <a:lnR w="12700" cap="flat" cmpd="sng" algn="ctr">
-                      <a:solidFill>
-                        <a:schemeClr val="tx1"/>
-                      </a:solidFill>
-                      <a:prstDash val="solid"/>
-                      <a:round/>
-                      <a:headEnd type="none" w="med" len="med"/>
-                      <a:tailEnd type="none" w="med" len="med"/>
-                    </a:lnR>
-                    <a:lnT w="6350" cap="flat" cmpd="sng" algn="ctr">
-                      <a:solidFill>
-                        <a:srgbClr val="000000"/>
-                      </a:solidFill>
-                      <a:prstDash val="solid"/>
-                      <a:round/>
-                      <a:headEnd type="none" w="med" len="med"/>
-                      <a:tailEnd type="none" w="med" len="med"/>
-                    </a:lnT>
-                    <a:lnB w="6350" cap="flat" cmpd="sng" algn="ctr">
-                      <a:solidFill>
-                        <a:srgbClr val="000000"/>
-                      </a:solidFill>
-                      <a:prstDash val="solid"/>
-                      <a:round/>
-                      <a:headEnd type="none" w="med" len="med"/>
-                      <a:tailEnd type="none" w="med" len="med"/>
-                    </a:lnB>
-                    <a:lnTlToBr w="12700" cmpd="sng">
-                      <a:noFill/>
-                      <a:prstDash val="solid"/>
-                    </a:lnTlToBr>
-                    <a:lnBlToTr w="12700" cmpd="sng">
-                      <a:noFill/>
-                      <a:prstDash val="solid"/>
-                    </a:lnBlToTr>
-                  </a:tcPr>
-                </a:tc>
-                <a:extLst>
-                  <a:ext uri="{0D108BD9-81ED-4DB2-BD59-A6C34878D82A}">
-                    <a16:rowId xmlns:a16="http://schemas.microsoft.com/office/drawing/2014/main" xmlns="" val="10000"/>
-                  </a:ext>
-                </a:extLst>
-              </a:tr>
-              <a:tr h="273736">
-                <a:tc>
-                  <a:txBody>
-                    <a:bodyPr/>
-                    <a:lstStyle/>
-                    <a:p>
-                      <a:pPr marL="0" marR="0" indent="0" algn="l" defTabSz="584200" rtl="0" eaLnBrk="1" fontAlgn="auto" latinLnBrk="0" hangingPunct="1">
-                        <a:lnSpc>
-                          <a:spcPct val="100000"/>
-                        </a:lnSpc>
-                        <a:spcBef>
-                          <a:spcPts val="0"/>
-                        </a:spcBef>
-                        <a:spcAft>
-                          <a:spcPts val="0"/>
-                        </a:spcAft>
-                        <a:buClrTx/>
-                        <a:buSzTx/>
-                        <a:buFontTx/>
-                        <a:buNone/>
-                        <a:tabLst/>
-                        <a:defRPr/>
-                      </a:pPr>
-                      <a:r>
-                        <a:rPr lang="en-GB" sz="1000" i="0" baseline="0" smtClean="0">
-                          <a:solidFill>
-                            <a:srgbClr val="000000"/>
-                          </a:solidFill>
-                          <a:latin typeface="Segoe UI" pitchFamily="34" charset="0"/>
-                          <a:cs typeface="Segoe UI" pitchFamily="34" charset="0"/>
-                        </a:rPr>
-                        <a:t>You have lots of SKUs and you are forecasting demand for each of them separately. How do you know if the forecasts are good?</a:t>
-                      </a:r>
-                      <a:endParaRPr lang="en-GB" sz="1000" i="0">
-                        <a:solidFill>
-                          <a:srgbClr val="000000"/>
-                        </a:solidFill>
-                        <a:latin typeface="Segoe UI" pitchFamily="34" charset="0"/>
-                        <a:cs typeface="Segoe UI" pitchFamily="34" charset="0"/>
-                      </a:endParaRPr>
-                    </a:p>
-                  </a:txBody>
-                  <a:tcPr>
-                    <a:lnL w="6350" cap="flat" cmpd="sng" algn="ctr">
-                      <a:solidFill>
-                        <a:srgbClr val="000000"/>
-                      </a:solidFill>
-                      <a:prstDash val="solid"/>
-                      <a:round/>
-                      <a:headEnd type="none" w="med" len="med"/>
-                      <a:tailEnd type="none" w="med" len="med"/>
-                    </a:lnL>
-                    <a:lnR w="12700" cap="flat" cmpd="sng" algn="ctr">
-                      <a:solidFill>
-                        <a:schemeClr val="tx1"/>
-                      </a:solidFill>
-                      <a:prstDash val="solid"/>
-                      <a:round/>
-                      <a:headEnd type="none" w="med" len="med"/>
-                      <a:tailEnd type="none" w="med" len="med"/>
-                    </a:lnR>
-                    <a:lnT w="6350" cap="flat" cmpd="sng" algn="ctr">
-                      <a:solidFill>
-                        <a:srgbClr val="000000"/>
-                      </a:solidFill>
-                      <a:prstDash val="solid"/>
-                      <a:round/>
-                      <a:headEnd type="none" w="med" len="med"/>
-                      <a:tailEnd type="none" w="med" len="med"/>
-                    </a:lnT>
-                    <a:lnB w="6350" cap="flat" cmpd="sng" algn="ctr">
-                      <a:noFill/>
-                      <a:prstDash val="solid"/>
-                      <a:round/>
-                      <a:headEnd type="none" w="med" len="med"/>
-                      <a:tailEnd type="none" w="med" len="med"/>
-                    </a:lnB>
-                    <a:lnTlToBr w="12700" cmpd="sng">
-                      <a:noFill/>
-                      <a:prstDash val="solid"/>
-                    </a:lnTlToBr>
-                    <a:lnBlToTr w="12700" cmpd="sng">
-                      <a:noFill/>
-                      <a:prstDash val="solid"/>
-                    </a:lnBlToTr>
-                  </a:tcPr>
-                </a:tc>
-                <a:extLst>
-                  <a:ext uri="{0D108BD9-81ED-4DB2-BD59-A6C34878D82A}">
-                    <a16:rowId xmlns:a16="http://schemas.microsoft.com/office/drawing/2014/main" xmlns="" val="10001"/>
+                    <a16:rowId xmlns="" xmlns:a16="http://schemas.microsoft.com/office/drawing/2014/main" val="10001"/>
                   </a:ext>
                 </a:extLst>
               </a:tr>
@@ -10458,7 +9612,7 @@
                 </a:tc>
                 <a:extLst>
                   <a:ext uri="{0D108BD9-81ED-4DB2-BD59-A6C34878D82A}">
-                    <a16:rowId xmlns:a16="http://schemas.microsoft.com/office/drawing/2014/main" xmlns="" val="10002"/>
+                    <a16:rowId xmlns="" xmlns:a16="http://schemas.microsoft.com/office/drawing/2014/main" val="10002"/>
                   </a:ext>
                 </a:extLst>
               </a:tr>
@@ -10551,7 +9705,7 @@
                 </a:tc>
                 <a:extLst>
                   <a:ext uri="{0D108BD9-81ED-4DB2-BD59-A6C34878D82A}">
-                    <a16:rowId xmlns:a16="http://schemas.microsoft.com/office/drawing/2014/main" xmlns="" val="10003"/>
+                    <a16:rowId xmlns="" xmlns:a16="http://schemas.microsoft.com/office/drawing/2014/main" val="10003"/>
                   </a:ext>
                 </a:extLst>
               </a:tr>
@@ -10684,7 +9838,617 @@
                 </a:tc>
                 <a:extLst>
                   <a:ext uri="{0D108BD9-81ED-4DB2-BD59-A6C34878D82A}">
-                    <a16:rowId xmlns:a16="http://schemas.microsoft.com/office/drawing/2014/main" xmlns="" val="10007"/>
+                    <a16:rowId xmlns="" xmlns:a16="http://schemas.microsoft.com/office/drawing/2014/main" val="10007"/>
+                  </a:ext>
+                </a:extLst>
+              </a:tr>
+            </a:tbl>
+          </a:graphicData>
+        </a:graphic>
+      </p:graphicFrame>
+      <p:graphicFrame>
+        <p:nvGraphicFramePr>
+          <p:cNvPr id="13" name="Table 12"/>
+          <p:cNvGraphicFramePr>
+            <a:graphicFrameLocks noGrp="1"/>
+          </p:cNvGraphicFramePr>
+          <p:nvPr>
+            <p:extLst>
+              <p:ext uri="{D42A27DB-BD31-4B8C-83A1-F6EECF244321}">
+                <p14:modId xmlns:p14="http://schemas.microsoft.com/office/powerpoint/2010/main" val="2248994999"/>
+              </p:ext>
+            </p:extLst>
+          </p:nvPr>
+        </p:nvGraphicFramePr>
+        <p:xfrm>
+          <a:off x="4465320" y="6442156"/>
+          <a:ext cx="3894455" cy="1709420"/>
+        </p:xfrm>
+        <a:graphic>
+          <a:graphicData uri="http://schemas.openxmlformats.org/drawingml/2006/table">
+            <a:tbl>
+              <a:tblPr firstRow="1" bandRow="1">
+                <a:tableStyleId>{5940675A-B579-460E-94D1-54222C63F5DA}</a:tableStyleId>
+              </a:tblPr>
+              <a:tblGrid>
+                <a:gridCol w="3894455">
+                  <a:extLst>
+                    <a:ext uri="{9D8B030D-6E8A-4147-A177-3AD203B41FA5}">
+                      <a16:colId xmlns="" xmlns:a16="http://schemas.microsoft.com/office/drawing/2014/main" val="20000"/>
+                    </a:ext>
+                  </a:extLst>
+                </a:gridCol>
+              </a:tblGrid>
+              <a:tr h="260350">
+                <a:tc>
+                  <a:txBody>
+                    <a:bodyPr/>
+                    <a:lstStyle/>
+                    <a:p>
+                      <a:pPr algn="l"/>
+                      <a:r>
+                        <a:rPr lang="en-GB" sz="1000" b="1" baseline="0" smtClean="0">
+                          <a:solidFill>
+                            <a:srgbClr val="000000"/>
+                          </a:solidFill>
+                          <a:latin typeface="Segoe UI" pitchFamily="34" charset="0"/>
+                          <a:cs typeface="Segoe UI" pitchFamily="34" charset="0"/>
+                        </a:rPr>
+                        <a:t>Lowest Forecast Error: The Unavoidability Ratio</a:t>
+                      </a:r>
+                      <a:endParaRPr lang="en-GB" sz="1000" b="1" baseline="0">
+                        <a:solidFill>
+                          <a:srgbClr val="000000"/>
+                        </a:solidFill>
+                        <a:latin typeface="Segoe UI" pitchFamily="34" charset="0"/>
+                        <a:cs typeface="Segoe UI" pitchFamily="34" charset="0"/>
+                      </a:endParaRPr>
+                    </a:p>
+                  </a:txBody>
+                  <a:tcPr>
+                    <a:lnL w="6350" cap="flat" cmpd="sng" algn="ctr">
+                      <a:solidFill>
+                        <a:srgbClr val="000000"/>
+                      </a:solidFill>
+                      <a:prstDash val="solid"/>
+                      <a:round/>
+                      <a:headEnd type="none" w="med" len="med"/>
+                      <a:tailEnd type="none" w="med" len="med"/>
+                    </a:lnL>
+                    <a:lnR w="12700" cap="flat" cmpd="sng" algn="ctr">
+                      <a:solidFill>
+                        <a:schemeClr val="tx1"/>
+                      </a:solidFill>
+                      <a:prstDash val="solid"/>
+                      <a:round/>
+                      <a:headEnd type="none" w="med" len="med"/>
+                      <a:tailEnd type="none" w="med" len="med"/>
+                    </a:lnR>
+                    <a:lnT w="6350" cap="flat" cmpd="sng" algn="ctr">
+                      <a:solidFill>
+                        <a:srgbClr val="000000"/>
+                      </a:solidFill>
+                      <a:prstDash val="solid"/>
+                      <a:round/>
+                      <a:headEnd type="none" w="med" len="med"/>
+                      <a:tailEnd type="none" w="med" len="med"/>
+                    </a:lnT>
+                    <a:lnB w="6350" cap="flat" cmpd="sng" algn="ctr">
+                      <a:solidFill>
+                        <a:srgbClr val="000000"/>
+                      </a:solidFill>
+                      <a:prstDash val="solid"/>
+                      <a:round/>
+                      <a:headEnd type="none" w="med" len="med"/>
+                      <a:tailEnd type="none" w="med" len="med"/>
+                    </a:lnB>
+                    <a:lnTlToBr w="12700" cmpd="sng">
+                      <a:noFill/>
+                      <a:prstDash val="solid"/>
+                    </a:lnTlToBr>
+                    <a:lnBlToTr w="12700" cmpd="sng">
+                      <a:noFill/>
+                      <a:prstDash val="solid"/>
+                    </a:lnBlToTr>
+                  </a:tcPr>
+                </a:tc>
+                <a:extLst>
+                  <a:ext uri="{0D108BD9-81ED-4DB2-BD59-A6C34878D82A}">
+                    <a16:rowId xmlns="" xmlns:a16="http://schemas.microsoft.com/office/drawing/2014/main" val="10000"/>
+                  </a:ext>
+                </a:extLst>
+              </a:tr>
+              <a:tr h="273736">
+                <a:tc>
+                  <a:txBody>
+                    <a:bodyPr/>
+                    <a:lstStyle/>
+                    <a:p>
+                      <a:pPr marL="0" marR="0" indent="0" algn="l" defTabSz="584200" rtl="0" eaLnBrk="1" fontAlgn="auto" latinLnBrk="0" hangingPunct="1">
+                        <a:lnSpc>
+                          <a:spcPct val="100000"/>
+                        </a:lnSpc>
+                        <a:spcBef>
+                          <a:spcPts val="0"/>
+                        </a:spcBef>
+                        <a:spcAft>
+                          <a:spcPts val="0"/>
+                        </a:spcAft>
+                        <a:buClrTx/>
+                        <a:buSzTx/>
+                        <a:buFontTx/>
+                        <a:buNone/>
+                        <a:tabLst/>
+                        <a:defRPr/>
+                      </a:pPr>
+                      <a:r>
+                        <a:rPr lang="en-GB" sz="1000" i="0" smtClean="0">
+                          <a:solidFill>
+                            <a:srgbClr val="000000"/>
+                          </a:solidFill>
+                          <a:latin typeface="Segoe UI" pitchFamily="34" charset="0"/>
+                          <a:cs typeface="Segoe UI" pitchFamily="34" charset="0"/>
+                        </a:rPr>
+                        <a:t>If we have the perfect forecasting algorithm</a:t>
+                      </a:r>
+                      <a:r>
+                        <a:rPr lang="en-GB" sz="1000" i="0" baseline="0" smtClean="0">
+                          <a:solidFill>
+                            <a:srgbClr val="000000"/>
+                          </a:solidFill>
+                          <a:latin typeface="Segoe UI" pitchFamily="34" charset="0"/>
+                          <a:cs typeface="Segoe UI" pitchFamily="34" charset="0"/>
+                        </a:rPr>
+                        <a:t> and</a:t>
+                      </a:r>
+                      <a:r>
+                        <a:rPr lang="en-GB" sz="1000" i="0" smtClean="0">
+                          <a:solidFill>
+                            <a:srgbClr val="000000"/>
+                          </a:solidFill>
+                          <a:latin typeface="Segoe UI" pitchFamily="34" charset="0"/>
+                          <a:cs typeface="Segoe UI" pitchFamily="34" charset="0"/>
+                        </a:rPr>
+                        <a:t> remaining errors are pure noise,</a:t>
+                      </a:r>
+                      <a:r>
+                        <a:rPr lang="en-GB" sz="1000" i="0" baseline="0" smtClean="0">
+                          <a:solidFill>
+                            <a:srgbClr val="000000"/>
+                          </a:solidFill>
+                          <a:latin typeface="Segoe UI" pitchFamily="34" charset="0"/>
+                          <a:cs typeface="Segoe UI" pitchFamily="34" charset="0"/>
+                        </a:rPr>
+                        <a:t> then:</a:t>
+                      </a:r>
+                      <a:endParaRPr lang="en-GB" sz="1000" i="0">
+                        <a:solidFill>
+                          <a:srgbClr val="000000"/>
+                        </a:solidFill>
+                        <a:latin typeface="Segoe UI" pitchFamily="34" charset="0"/>
+                        <a:cs typeface="Segoe UI" pitchFamily="34" charset="0"/>
+                      </a:endParaRPr>
+                    </a:p>
+                  </a:txBody>
+                  <a:tcPr>
+                    <a:lnL w="6350" cap="flat" cmpd="sng" algn="ctr">
+                      <a:solidFill>
+                        <a:srgbClr val="000000"/>
+                      </a:solidFill>
+                      <a:prstDash val="solid"/>
+                      <a:round/>
+                      <a:headEnd type="none" w="med" len="med"/>
+                      <a:tailEnd type="none" w="med" len="med"/>
+                    </a:lnL>
+                    <a:lnR w="12700" cap="flat" cmpd="sng" algn="ctr">
+                      <a:solidFill>
+                        <a:schemeClr val="tx1"/>
+                      </a:solidFill>
+                      <a:prstDash val="solid"/>
+                      <a:round/>
+                      <a:headEnd type="none" w="med" len="med"/>
+                      <a:tailEnd type="none" w="med" len="med"/>
+                    </a:lnR>
+                    <a:lnT w="6350" cap="flat" cmpd="sng" algn="ctr">
+                      <a:solidFill>
+                        <a:srgbClr val="000000"/>
+                      </a:solidFill>
+                      <a:prstDash val="solid"/>
+                      <a:round/>
+                      <a:headEnd type="none" w="med" len="med"/>
+                      <a:tailEnd type="none" w="med" len="med"/>
+                    </a:lnT>
+                    <a:lnB w="6350" cap="flat" cmpd="sng" algn="ctr">
+                      <a:noFill/>
+                      <a:prstDash val="solid"/>
+                      <a:round/>
+                      <a:headEnd type="none" w="med" len="med"/>
+                      <a:tailEnd type="none" w="med" len="med"/>
+                    </a:lnB>
+                    <a:lnTlToBr w="12700" cmpd="sng">
+                      <a:noFill/>
+                      <a:prstDash val="solid"/>
+                    </a:lnTlToBr>
+                    <a:lnBlToTr w="12700" cmpd="sng">
+                      <a:noFill/>
+                      <a:prstDash val="solid"/>
+                    </a:lnBlToTr>
+                  </a:tcPr>
+                </a:tc>
+                <a:extLst>
+                  <a:ext uri="{0D108BD9-81ED-4DB2-BD59-A6C34878D82A}">
+                    <a16:rowId xmlns="" xmlns:a16="http://schemas.microsoft.com/office/drawing/2014/main" val="10001"/>
+                  </a:ext>
+                </a:extLst>
+              </a:tr>
+              <a:tr h="273736">
+                <a:tc>
+                  <a:txBody>
+                    <a:bodyPr/>
+                    <a:lstStyle/>
+                    <a:p>
+                      <a:pPr marL="0" marR="0" indent="0" algn="l" defTabSz="584200" rtl="0" eaLnBrk="1" fontAlgn="auto" latinLnBrk="0" hangingPunct="1">
+                        <a:lnSpc>
+                          <a:spcPct val="100000"/>
+                        </a:lnSpc>
+                        <a:spcBef>
+                          <a:spcPts val="0"/>
+                        </a:spcBef>
+                        <a:spcAft>
+                          <a:spcPts val="0"/>
+                        </a:spcAft>
+                        <a:buClrTx/>
+                        <a:buSzTx/>
+                        <a:buFontTx/>
+                        <a:buNone/>
+                        <a:tabLst/>
+                        <a:defRPr/>
+                      </a:pPr>
+                      <a:r>
+                        <a:rPr lang="en-GB" sz="1000" b="0" i="0" u="none" strike="noStrike" cap="none" spc="0" baseline="0" smtClean="0">
+                          <a:ln>
+                            <a:noFill/>
+                          </a:ln>
+                          <a:solidFill>
+                            <a:srgbClr val="000000"/>
+                          </a:solidFill>
+                          <a:uFillTx/>
+                          <a:latin typeface="Segoe UI" pitchFamily="34" charset="0"/>
+                          <a:ea typeface="+mn-ea"/>
+                          <a:cs typeface="Segoe UI" pitchFamily="34" charset="0"/>
+                          <a:sym typeface="Helvetica Light"/>
+                        </a:rPr>
+                        <a:t>Var(perfect_model) / Var(</a:t>
+                      </a:r>
+                      <a:r>
+                        <a:rPr lang="en-GB" sz="1000" baseline="0" smtClean="0">
+                          <a:solidFill>
+                            <a:srgbClr val="000000"/>
+                          </a:solidFill>
+                          <a:latin typeface="Segoe UI" pitchFamily="34" charset="0"/>
+                          <a:cs typeface="Segoe UI" pitchFamily="34" charset="0"/>
+                        </a:rPr>
+                        <a:t>naïve_model) = 0.5</a:t>
+                      </a:r>
+                    </a:p>
+                    <a:p>
+                      <a:pPr marL="0" marR="0" indent="0" algn="l" defTabSz="584200" rtl="0" eaLnBrk="1" fontAlgn="auto" latinLnBrk="0" hangingPunct="1">
+                        <a:lnSpc>
+                          <a:spcPct val="100000"/>
+                        </a:lnSpc>
+                        <a:spcBef>
+                          <a:spcPts val="0"/>
+                        </a:spcBef>
+                        <a:spcAft>
+                          <a:spcPts val="0"/>
+                        </a:spcAft>
+                        <a:buClrTx/>
+                        <a:buSzTx/>
+                        <a:buFontTx/>
+                        <a:buNone/>
+                        <a:tabLst/>
+                        <a:defRPr/>
+                      </a:pPr>
+                      <a:r>
+                        <a:rPr lang="en-GB" sz="1000" b="0" i="0" u="none" strike="noStrike" cap="none" spc="0" baseline="0" smtClean="0">
+                          <a:ln>
+                            <a:noFill/>
+                          </a:ln>
+                          <a:solidFill>
+                            <a:srgbClr val="000000"/>
+                          </a:solidFill>
+                          <a:uFillTx/>
+                          <a:latin typeface="Segoe UI" pitchFamily="34" charset="0"/>
+                          <a:ea typeface="+mn-ea"/>
+                          <a:cs typeface="Segoe UI" pitchFamily="34" charset="0"/>
+                          <a:sym typeface="Helvetica Light"/>
+                        </a:rPr>
+                        <a:t>if Var() is measured in MSE (or 0.7 if MAE).</a:t>
+                      </a:r>
+                    </a:p>
+                  </a:txBody>
+                  <a:tcPr>
+                    <a:lnL w="6350" cap="flat" cmpd="sng" algn="ctr">
+                      <a:solidFill>
+                        <a:srgbClr val="000000"/>
+                      </a:solidFill>
+                      <a:prstDash val="solid"/>
+                      <a:round/>
+                      <a:headEnd type="none" w="med" len="med"/>
+                      <a:tailEnd type="none" w="med" len="med"/>
+                    </a:lnL>
+                    <a:lnR w="12700" cap="flat" cmpd="sng" algn="ctr">
+                      <a:solidFill>
+                        <a:schemeClr val="tx1"/>
+                      </a:solidFill>
+                      <a:prstDash val="solid"/>
+                      <a:round/>
+                      <a:headEnd type="none" w="med" len="med"/>
+                      <a:tailEnd type="none" w="med" len="med"/>
+                    </a:lnR>
+                    <a:lnT w="6350" cap="flat" cmpd="sng" algn="ctr">
+                      <a:noFill/>
+                      <a:prstDash val="solid"/>
+                      <a:round/>
+                      <a:headEnd type="none" w="med" len="med"/>
+                      <a:tailEnd type="none" w="med" len="med"/>
+                    </a:lnT>
+                    <a:lnB w="6350" cap="flat" cmpd="sng" algn="ctr">
+                      <a:noFill/>
+                      <a:prstDash val="solid"/>
+                      <a:round/>
+                      <a:headEnd type="none" w="med" len="med"/>
+                      <a:tailEnd type="none" w="med" len="med"/>
+                    </a:lnB>
+                    <a:lnTlToBr w="12700" cmpd="sng">
+                      <a:noFill/>
+                      <a:prstDash val="solid"/>
+                    </a:lnTlToBr>
+                    <a:lnBlToTr w="12700" cmpd="sng">
+                      <a:noFill/>
+                      <a:prstDash val="solid"/>
+                    </a:lnBlToTr>
+                  </a:tcPr>
+                </a:tc>
+              </a:tr>
+              <a:tr h="273736">
+                <a:tc>
+                  <a:txBody>
+                    <a:bodyPr/>
+                    <a:lstStyle/>
+                    <a:p>
+                      <a:pPr marL="0" marR="0" indent="0" algn="l" defTabSz="584200" rtl="0" eaLnBrk="1" fontAlgn="auto" latinLnBrk="0" hangingPunct="1">
+                        <a:lnSpc>
+                          <a:spcPct val="100000"/>
+                        </a:lnSpc>
+                        <a:spcBef>
+                          <a:spcPts val="0"/>
+                        </a:spcBef>
+                        <a:spcAft>
+                          <a:spcPts val="0"/>
+                        </a:spcAft>
+                        <a:buClrTx/>
+                        <a:buSzTx/>
+                        <a:buFontTx/>
+                        <a:buNone/>
+                        <a:tabLst/>
+                        <a:defRPr/>
+                      </a:pPr>
+                      <a:r>
+                        <a:rPr lang="en-GB" sz="1000" b="0" i="0" u="none" strike="noStrike" cap="none" spc="0" baseline="0" smtClean="0">
+                          <a:ln>
+                            <a:noFill/>
+                          </a:ln>
+                          <a:solidFill>
+                            <a:srgbClr val="000000"/>
+                          </a:solidFill>
+                          <a:uFillTx/>
+                          <a:latin typeface="Segoe UI" pitchFamily="34" charset="0"/>
+                          <a:ea typeface="+mn-ea"/>
+                          <a:cs typeface="Segoe UI" pitchFamily="34" charset="0"/>
+                          <a:sym typeface="Helvetica Light"/>
+                        </a:rPr>
+                        <a:t>So if your model has half the MSE compared to the </a:t>
+                      </a:r>
+                      <a:r>
+                        <a:rPr lang="en-GB" sz="1000" baseline="0" smtClean="0">
+                          <a:solidFill>
+                            <a:srgbClr val="000000"/>
+                          </a:solidFill>
+                          <a:latin typeface="Segoe UI" pitchFamily="34" charset="0"/>
+                          <a:cs typeface="Segoe UI" pitchFamily="34" charset="0"/>
+                        </a:rPr>
+                        <a:t>naïve. It should be pretty good.</a:t>
+                      </a:r>
+                      <a:endParaRPr lang="en-GB" sz="1000" b="0" i="0" u="none" strike="noStrike" cap="none" spc="0" baseline="0" smtClean="0">
+                        <a:ln>
+                          <a:noFill/>
+                        </a:ln>
+                        <a:solidFill>
+                          <a:srgbClr val="000000"/>
+                        </a:solidFill>
+                        <a:uFillTx/>
+                        <a:latin typeface="Segoe UI" pitchFamily="34" charset="0"/>
+                        <a:ea typeface="+mn-ea"/>
+                        <a:cs typeface="Segoe UI" pitchFamily="34" charset="0"/>
+                        <a:sym typeface="Helvetica Light"/>
+                      </a:endParaRPr>
+                    </a:p>
+                  </a:txBody>
+                  <a:tcPr>
+                    <a:lnL w="6350" cap="flat" cmpd="sng" algn="ctr">
+                      <a:solidFill>
+                        <a:srgbClr val="000000"/>
+                      </a:solidFill>
+                      <a:prstDash val="solid"/>
+                      <a:round/>
+                      <a:headEnd type="none" w="med" len="med"/>
+                      <a:tailEnd type="none" w="med" len="med"/>
+                    </a:lnL>
+                    <a:lnR w="12700" cap="flat" cmpd="sng" algn="ctr">
+                      <a:solidFill>
+                        <a:schemeClr val="tx1"/>
+                      </a:solidFill>
+                      <a:prstDash val="solid"/>
+                      <a:round/>
+                      <a:headEnd type="none" w="med" len="med"/>
+                      <a:tailEnd type="none" w="med" len="med"/>
+                    </a:lnR>
+                    <a:lnT w="6350" cap="flat" cmpd="sng" algn="ctr">
+                      <a:noFill/>
+                      <a:prstDash val="solid"/>
+                      <a:round/>
+                      <a:headEnd type="none" w="med" len="med"/>
+                      <a:tailEnd type="none" w="med" len="med"/>
+                    </a:lnT>
+                    <a:lnB w="6350" cap="flat" cmpd="sng" algn="ctr">
+                      <a:noFill/>
+                      <a:prstDash val="solid"/>
+                      <a:round/>
+                      <a:headEnd type="none" w="med" len="med"/>
+                      <a:tailEnd type="none" w="med" len="med"/>
+                    </a:lnB>
+                    <a:lnTlToBr w="12700" cmpd="sng">
+                      <a:noFill/>
+                      <a:prstDash val="solid"/>
+                    </a:lnTlToBr>
+                    <a:lnBlToTr w="12700" cmpd="sng">
+                      <a:noFill/>
+                      <a:prstDash val="solid"/>
+                    </a:lnBlToTr>
+                  </a:tcPr>
+                </a:tc>
+              </a:tr>
+              <a:tr h="260350">
+                <a:tc>
+                  <a:txBody>
+                    <a:bodyPr/>
+                    <a:lstStyle/>
+                    <a:p>
+                      <a:pPr marL="0" marR="0" indent="0" algn="l" defTabSz="584200" rtl="0" eaLnBrk="1" fontAlgn="auto" latinLnBrk="0" hangingPunct="1">
+                        <a:lnSpc>
+                          <a:spcPct val="100000"/>
+                        </a:lnSpc>
+                        <a:spcBef>
+                          <a:spcPts val="0"/>
+                        </a:spcBef>
+                        <a:spcAft>
+                          <a:spcPts val="0"/>
+                        </a:spcAft>
+                        <a:buClrTx/>
+                        <a:buSzTx/>
+                        <a:buFontTx/>
+                        <a:buNone/>
+                        <a:tabLst/>
+                        <a:defRPr/>
+                      </a:pPr>
+                      <a:r>
+                        <a:rPr lang="en-GB" sz="1000" b="0" i="0" u="none" strike="noStrike" cap="none" spc="0" baseline="0">
+                          <a:ln>
+                            <a:noFill/>
+                          </a:ln>
+                          <a:solidFill>
+                            <a:srgbClr val="000000"/>
+                          </a:solidFill>
+                          <a:uFillTx/>
+                          <a:latin typeface="Segoe UI" pitchFamily="34" charset="0"/>
+                          <a:ea typeface="+mn-ea"/>
+                          <a:cs typeface="Segoe UI" pitchFamily="34" charset="0"/>
+                          <a:sym typeface="Source Sans Pro"/>
+                        </a:rPr>
+                        <a:t>Source: </a:t>
+                      </a:r>
+                      <a:r>
+                        <a:rPr lang="en-GB" sz="1000" b="0" i="0" u="none" strike="noStrike" cap="none" spc="0" baseline="0">
+                          <a:ln>
+                            <a:noFill/>
+                          </a:ln>
+                          <a:solidFill>
+                            <a:srgbClr val="000000"/>
+                          </a:solidFill>
+                          <a:uFillTx/>
+                          <a:latin typeface="Segoe UI" pitchFamily="34" charset="0"/>
+                          <a:ea typeface="+mn-ea"/>
+                          <a:cs typeface="Segoe UI" pitchFamily="34" charset="0"/>
+                          <a:sym typeface="Helvetica Light"/>
+                        </a:rPr>
+                        <a:t>Business Forecasting Ch. </a:t>
+                      </a:r>
+                      <a:r>
+                        <a:rPr lang="en-GB" sz="1000" b="0" i="0" u="none" strike="noStrike" cap="none" spc="0" baseline="0" smtClean="0">
+                          <a:ln>
+                            <a:noFill/>
+                          </a:ln>
+                          <a:solidFill>
+                            <a:srgbClr val="000000"/>
+                          </a:solidFill>
+                          <a:uFillTx/>
+                          <a:latin typeface="Segoe UI" pitchFamily="34" charset="0"/>
+                          <a:ea typeface="+mn-ea"/>
+                          <a:cs typeface="Segoe UI" pitchFamily="34" charset="0"/>
+                          <a:sym typeface="Helvetica Light"/>
+                        </a:rPr>
+                        <a:t>1.5</a:t>
+                      </a:r>
+                      <a:endParaRPr lang="en-GB" sz="1000" b="0" i="0" u="none" strike="noStrike" cap="none" spc="0" baseline="0">
+                        <a:ln>
+                          <a:noFill/>
+                        </a:ln>
+                        <a:solidFill>
+                          <a:srgbClr val="000000"/>
+                        </a:solidFill>
+                        <a:uFillTx/>
+                        <a:latin typeface="Segoe UI" pitchFamily="34" charset="0"/>
+                        <a:ea typeface="+mn-ea"/>
+                        <a:cs typeface="Segoe UI" pitchFamily="34" charset="0"/>
+                        <a:sym typeface="Source Sans Pro"/>
+                      </a:endParaRPr>
+                    </a:p>
+                  </a:txBody>
+                  <a:tcPr>
+                    <a:lnL w="6350" cap="flat" cmpd="sng" algn="ctr">
+                      <a:solidFill>
+                        <a:srgbClr val="000000"/>
+                      </a:solidFill>
+                      <a:prstDash val="solid"/>
+                      <a:round/>
+                      <a:headEnd type="none" w="med" len="med"/>
+                      <a:tailEnd type="none" w="med" len="med"/>
+                    </a:lnL>
+                    <a:lnR w="12700" cap="flat" cmpd="sng" algn="ctr">
+                      <a:solidFill>
+                        <a:schemeClr val="tx1"/>
+                      </a:solidFill>
+                      <a:prstDash val="solid"/>
+                      <a:round/>
+                      <a:headEnd type="none" w="med" len="med"/>
+                      <a:tailEnd type="none" w="med" len="med"/>
+                    </a:lnR>
+                    <a:lnT w="12700" cmpd="sng">
+                      <a:noFill/>
+                    </a:lnT>
+                    <a:lnB w="6350" cap="flat" cmpd="sng" algn="ctr">
+                      <a:solidFill>
+                        <a:srgbClr val="000000"/>
+                      </a:solidFill>
+                      <a:prstDash val="solid"/>
+                      <a:round/>
+                      <a:headEnd type="none" w="med" len="med"/>
+                      <a:tailEnd type="none" w="med" len="med"/>
+                    </a:lnB>
+                    <a:lnTlToBr w="12700" cmpd="sng">
+                      <a:noFill/>
+                      <a:prstDash val="solid"/>
+                    </a:lnTlToBr>
+                    <a:lnBlToTr w="12700" cmpd="sng">
+                      <a:noFill/>
+                      <a:prstDash val="solid"/>
+                    </a:lnBlToTr>
+                  </a:tcPr>
+                </a:tc>
+                <a:extLst>
+                  <a:ext uri="{0D108BD9-81ED-4DB2-BD59-A6C34878D82A}">
+                    <a16:rowId xmlns="" xmlns:a16="http://schemas.microsoft.com/office/drawing/2014/main" val="10007"/>
                   </a:ext>
                 </a:extLst>
               </a:tr>
@@ -11004,7 +10768,7 @@
                 <a:gridCol w="3800476">
                   <a:extLst>
                     <a:ext uri="{9D8B030D-6E8A-4147-A177-3AD203B41FA5}">
-                      <a16:colId xmlns:a16="http://schemas.microsoft.com/office/drawing/2014/main" xmlns="" val="20000"/>
+                      <a16:colId xmlns="" xmlns:a16="http://schemas.microsoft.com/office/drawing/2014/main" val="20000"/>
                     </a:ext>
                   </a:extLst>
                 </a:gridCol>
@@ -11084,7 +10848,7 @@
                 </a:tc>
                 <a:extLst>
                   <a:ext uri="{0D108BD9-81ED-4DB2-BD59-A6C34878D82A}">
-                    <a16:rowId xmlns:a16="http://schemas.microsoft.com/office/drawing/2014/main" xmlns="" val="10000"/>
+                    <a16:rowId xmlns="" xmlns:a16="http://schemas.microsoft.com/office/drawing/2014/main" val="10000"/>
                   </a:ext>
                 </a:extLst>
               </a:tr>
@@ -11164,7 +10928,7 @@
                 </a:tc>
                 <a:extLst>
                   <a:ext uri="{0D108BD9-81ED-4DB2-BD59-A6C34878D82A}">
-                    <a16:rowId xmlns:a16="http://schemas.microsoft.com/office/drawing/2014/main" xmlns="" val="10001"/>
+                    <a16:rowId xmlns="" xmlns:a16="http://schemas.microsoft.com/office/drawing/2014/main" val="10001"/>
                   </a:ext>
                 </a:extLst>
               </a:tr>
@@ -11218,7 +10982,7 @@
                 </a:tc>
                 <a:extLst>
                   <a:ext uri="{0D108BD9-81ED-4DB2-BD59-A6C34878D82A}">
-                    <a16:rowId xmlns:a16="http://schemas.microsoft.com/office/drawing/2014/main" xmlns="" val="10002"/>
+                    <a16:rowId xmlns="" xmlns:a16="http://schemas.microsoft.com/office/drawing/2014/main" val="10002"/>
                   </a:ext>
                 </a:extLst>
               </a:tr>
@@ -11272,7 +11036,7 @@
                 </a:tc>
                 <a:extLst>
                   <a:ext uri="{0D108BD9-81ED-4DB2-BD59-A6C34878D82A}">
-                    <a16:rowId xmlns:a16="http://schemas.microsoft.com/office/drawing/2014/main" xmlns="" val="10003"/>
+                    <a16:rowId xmlns="" xmlns:a16="http://schemas.microsoft.com/office/drawing/2014/main" val="10003"/>
                   </a:ext>
                 </a:extLst>
               </a:tr>
@@ -11354,7 +11118,7 @@
                 </a:tc>
                 <a:extLst>
                   <a:ext uri="{0D108BD9-81ED-4DB2-BD59-A6C34878D82A}">
-                    <a16:rowId xmlns:a16="http://schemas.microsoft.com/office/drawing/2014/main" xmlns="" val="10004"/>
+                    <a16:rowId xmlns="" xmlns:a16="http://schemas.microsoft.com/office/drawing/2014/main" val="10004"/>
                   </a:ext>
                 </a:extLst>
               </a:tr>
@@ -11390,7 +11154,7 @@
                 <a:gridCol w="3825875">
                   <a:extLst>
                     <a:ext uri="{9D8B030D-6E8A-4147-A177-3AD203B41FA5}">
-                      <a16:colId xmlns:a16="http://schemas.microsoft.com/office/drawing/2014/main" xmlns="" val="20000"/>
+                      <a16:colId xmlns="" xmlns:a16="http://schemas.microsoft.com/office/drawing/2014/main" val="20000"/>
                     </a:ext>
                   </a:extLst>
                 </a:gridCol>
@@ -11483,7 +11247,7 @@
                 </a:tc>
                 <a:extLst>
                   <a:ext uri="{0D108BD9-81ED-4DB2-BD59-A6C34878D82A}">
-                    <a16:rowId xmlns:a16="http://schemas.microsoft.com/office/drawing/2014/main" xmlns="" val="10000"/>
+                    <a16:rowId xmlns="" xmlns:a16="http://schemas.microsoft.com/office/drawing/2014/main" val="10000"/>
                   </a:ext>
                 </a:extLst>
               </a:tr>
@@ -11583,7 +11347,7 @@
                 </a:tc>
                 <a:extLst>
                   <a:ext uri="{0D108BD9-81ED-4DB2-BD59-A6C34878D82A}">
-                    <a16:rowId xmlns:a16="http://schemas.microsoft.com/office/drawing/2014/main" xmlns="" val="10001"/>
+                    <a16:rowId xmlns="" xmlns:a16="http://schemas.microsoft.com/office/drawing/2014/main" val="10001"/>
                   </a:ext>
                 </a:extLst>
               </a:tr>
@@ -11679,7 +11443,7 @@
                 </a:tc>
                 <a:extLst>
                   <a:ext uri="{0D108BD9-81ED-4DB2-BD59-A6C34878D82A}">
-                    <a16:rowId xmlns:a16="http://schemas.microsoft.com/office/drawing/2014/main" xmlns="" val="10002"/>
+                    <a16:rowId xmlns="" xmlns:a16="http://schemas.microsoft.com/office/drawing/2014/main" val="10002"/>
                   </a:ext>
                 </a:extLst>
               </a:tr>
@@ -11951,7 +11715,7 @@
                 </a:tc>
                 <a:extLst>
                   <a:ext uri="{0D108BD9-81ED-4DB2-BD59-A6C34878D82A}">
-                    <a16:rowId xmlns:a16="http://schemas.microsoft.com/office/drawing/2014/main" xmlns="" val="10003"/>
+                    <a16:rowId xmlns="" xmlns:a16="http://schemas.microsoft.com/office/drawing/2014/main" val="10003"/>
                   </a:ext>
                 </a:extLst>
               </a:tr>
@@ -12052,7 +11816,7 @@
                 </a:tc>
                 <a:extLst>
                   <a:ext uri="{0D108BD9-81ED-4DB2-BD59-A6C34878D82A}">
-                    <a16:rowId xmlns:a16="http://schemas.microsoft.com/office/drawing/2014/main" xmlns="" val="10004"/>
+                    <a16:rowId xmlns="" xmlns:a16="http://schemas.microsoft.com/office/drawing/2014/main" val="10004"/>
                   </a:ext>
                 </a:extLst>
               </a:tr>
@@ -12088,7 +11852,7 @@
                 <a:gridCol w="3825875">
                   <a:extLst>
                     <a:ext uri="{9D8B030D-6E8A-4147-A177-3AD203B41FA5}">
-                      <a16:colId xmlns:a16="http://schemas.microsoft.com/office/drawing/2014/main" xmlns="" val="20000"/>
+                      <a16:colId xmlns="" xmlns:a16="http://schemas.microsoft.com/office/drawing/2014/main" val="20000"/>
                     </a:ext>
                   </a:extLst>
                 </a:gridCol>
@@ -12161,7 +11925,7 @@
                 </a:tc>
                 <a:extLst>
                   <a:ext uri="{0D108BD9-81ED-4DB2-BD59-A6C34878D82A}">
-                    <a16:rowId xmlns:a16="http://schemas.microsoft.com/office/drawing/2014/main" xmlns="" val="10000"/>
+                    <a16:rowId xmlns="" xmlns:a16="http://schemas.microsoft.com/office/drawing/2014/main" val="10000"/>
                   </a:ext>
                 </a:extLst>
               </a:tr>
@@ -12241,7 +12005,7 @@
                 </a:tc>
                 <a:extLst>
                   <a:ext uri="{0D108BD9-81ED-4DB2-BD59-A6C34878D82A}">
-                    <a16:rowId xmlns:a16="http://schemas.microsoft.com/office/drawing/2014/main" xmlns="" val="10001"/>
+                    <a16:rowId xmlns="" xmlns:a16="http://schemas.microsoft.com/office/drawing/2014/main" val="10001"/>
                   </a:ext>
                 </a:extLst>
               </a:tr>
@@ -12321,7 +12085,7 @@
                 </a:tc>
                 <a:extLst>
                   <a:ext uri="{0D108BD9-81ED-4DB2-BD59-A6C34878D82A}">
-                    <a16:rowId xmlns:a16="http://schemas.microsoft.com/office/drawing/2014/main" xmlns="" val="10002"/>
+                    <a16:rowId xmlns="" xmlns:a16="http://schemas.microsoft.com/office/drawing/2014/main" val="10002"/>
                   </a:ext>
                 </a:extLst>
               </a:tr>
@@ -12401,7 +12165,7 @@
                 </a:tc>
                 <a:extLst>
                   <a:ext uri="{0D108BD9-81ED-4DB2-BD59-A6C34878D82A}">
-                    <a16:rowId xmlns:a16="http://schemas.microsoft.com/office/drawing/2014/main" xmlns="" val="10003"/>
+                    <a16:rowId xmlns="" xmlns:a16="http://schemas.microsoft.com/office/drawing/2014/main" val="10003"/>
                   </a:ext>
                 </a:extLst>
               </a:tr>
@@ -12481,7 +12245,7 @@
                 </a:tc>
                 <a:extLst>
                   <a:ext uri="{0D108BD9-81ED-4DB2-BD59-A6C34878D82A}">
-                    <a16:rowId xmlns:a16="http://schemas.microsoft.com/office/drawing/2014/main" xmlns="" val="10004"/>
+                    <a16:rowId xmlns="" xmlns:a16="http://schemas.microsoft.com/office/drawing/2014/main" val="10004"/>
                   </a:ext>
                 </a:extLst>
               </a:tr>
@@ -12560,7 +12324,7 @@
                 </a:tc>
                 <a:extLst>
                   <a:ext uri="{0D108BD9-81ED-4DB2-BD59-A6C34878D82A}">
-                    <a16:rowId xmlns:a16="http://schemas.microsoft.com/office/drawing/2014/main" xmlns="" val="10005"/>
+                    <a16:rowId xmlns="" xmlns:a16="http://schemas.microsoft.com/office/drawing/2014/main" val="10005"/>
                   </a:ext>
                 </a:extLst>
               </a:tr>
@@ -12596,21 +12360,21 @@
                 <a:gridCol w="1333954">
                   <a:extLst>
                     <a:ext uri="{9D8B030D-6E8A-4147-A177-3AD203B41FA5}">
-                      <a16:colId xmlns:a16="http://schemas.microsoft.com/office/drawing/2014/main" xmlns="" val="20000"/>
+                      <a16:colId xmlns="" xmlns:a16="http://schemas.microsoft.com/office/drawing/2014/main" val="20000"/>
                     </a:ext>
                   </a:extLst>
                 </a:gridCol>
                 <a:gridCol w="380538">
                   <a:extLst>
                     <a:ext uri="{9D8B030D-6E8A-4147-A177-3AD203B41FA5}">
-                      <a16:colId xmlns:a16="http://schemas.microsoft.com/office/drawing/2014/main" xmlns="" val="20001"/>
+                      <a16:colId xmlns="" xmlns:a16="http://schemas.microsoft.com/office/drawing/2014/main" val="20001"/>
                     </a:ext>
                   </a:extLst>
                 </a:gridCol>
                 <a:gridCol w="1831568">
                   <a:extLst>
                     <a:ext uri="{9D8B030D-6E8A-4147-A177-3AD203B41FA5}">
-                      <a16:colId xmlns:a16="http://schemas.microsoft.com/office/drawing/2014/main" xmlns="" val="20002"/>
+                      <a16:colId xmlns="" xmlns:a16="http://schemas.microsoft.com/office/drawing/2014/main" val="20002"/>
                     </a:ext>
                   </a:extLst>
                 </a:gridCol>
@@ -12718,7 +12482,7 @@
                 </a:tc>
                 <a:extLst>
                   <a:ext uri="{0D108BD9-81ED-4DB2-BD59-A6C34878D82A}">
-                    <a16:rowId xmlns:a16="http://schemas.microsoft.com/office/drawing/2014/main" xmlns="" val="10000"/>
+                    <a16:rowId xmlns="" xmlns:a16="http://schemas.microsoft.com/office/drawing/2014/main" val="10000"/>
                   </a:ext>
                 </a:extLst>
               </a:tr>
@@ -12920,7 +12684,7 @@
                 </a:tc>
                 <a:extLst>
                   <a:ext uri="{0D108BD9-81ED-4DB2-BD59-A6C34878D82A}">
-                    <a16:rowId xmlns:a16="http://schemas.microsoft.com/office/drawing/2014/main" xmlns="" val="10001"/>
+                    <a16:rowId xmlns="" xmlns:a16="http://schemas.microsoft.com/office/drawing/2014/main" val="10001"/>
                   </a:ext>
                 </a:extLst>
               </a:tr>
@@ -13053,7 +12817,7 @@
                 </a:tc>
                 <a:extLst>
                   <a:ext uri="{0D108BD9-81ED-4DB2-BD59-A6C34878D82A}">
-                    <a16:rowId xmlns:a16="http://schemas.microsoft.com/office/drawing/2014/main" xmlns="" val="10002"/>
+                    <a16:rowId xmlns="" xmlns:a16="http://schemas.microsoft.com/office/drawing/2014/main" val="10002"/>
                   </a:ext>
                 </a:extLst>
               </a:tr>
@@ -13186,7 +12950,7 @@
                 </a:tc>
                 <a:extLst>
                   <a:ext uri="{0D108BD9-81ED-4DB2-BD59-A6C34878D82A}">
-                    <a16:rowId xmlns:a16="http://schemas.microsoft.com/office/drawing/2014/main" xmlns="" val="10003"/>
+                    <a16:rowId xmlns="" xmlns:a16="http://schemas.microsoft.com/office/drawing/2014/main" val="10003"/>
                   </a:ext>
                 </a:extLst>
               </a:tr>
@@ -13403,7 +13167,7 @@
                 </a:tc>
                 <a:extLst>
                   <a:ext uri="{0D108BD9-81ED-4DB2-BD59-A6C34878D82A}">
-                    <a16:rowId xmlns:a16="http://schemas.microsoft.com/office/drawing/2014/main" xmlns="" val="10004"/>
+                    <a16:rowId xmlns="" xmlns:a16="http://schemas.microsoft.com/office/drawing/2014/main" val="10004"/>
                   </a:ext>
                 </a:extLst>
               </a:tr>
@@ -13439,7 +13203,7 @@
                 <a:gridCol w="3800476">
                   <a:extLst>
                     <a:ext uri="{9D8B030D-6E8A-4147-A177-3AD203B41FA5}">
-                      <a16:colId xmlns:a16="http://schemas.microsoft.com/office/drawing/2014/main" xmlns="" val="20000"/>
+                      <a16:colId xmlns="" xmlns:a16="http://schemas.microsoft.com/office/drawing/2014/main" val="20000"/>
                     </a:ext>
                   </a:extLst>
                 </a:gridCol>
@@ -13519,7 +13283,7 @@
                 </a:tc>
                 <a:extLst>
                   <a:ext uri="{0D108BD9-81ED-4DB2-BD59-A6C34878D82A}">
-                    <a16:rowId xmlns:a16="http://schemas.microsoft.com/office/drawing/2014/main" xmlns="" val="10000"/>
+                    <a16:rowId xmlns="" xmlns:a16="http://schemas.microsoft.com/office/drawing/2014/main" val="10000"/>
                   </a:ext>
                 </a:extLst>
               </a:tr>
@@ -13619,7 +13383,7 @@
                 </a:tc>
                 <a:extLst>
                   <a:ext uri="{0D108BD9-81ED-4DB2-BD59-A6C34878D82A}">
-                    <a16:rowId xmlns:a16="http://schemas.microsoft.com/office/drawing/2014/main" xmlns="" val="10001"/>
+                    <a16:rowId xmlns="" xmlns:a16="http://schemas.microsoft.com/office/drawing/2014/main" val="10001"/>
                   </a:ext>
                 </a:extLst>
               </a:tr>
@@ -13728,7 +13492,7 @@
                 </a:tc>
                 <a:extLst>
                   <a:ext uri="{0D108BD9-81ED-4DB2-BD59-A6C34878D82A}">
-                    <a16:rowId xmlns:a16="http://schemas.microsoft.com/office/drawing/2014/main" xmlns="" val="10002"/>
+                    <a16:rowId xmlns="" xmlns:a16="http://schemas.microsoft.com/office/drawing/2014/main" val="10002"/>
                   </a:ext>
                 </a:extLst>
               </a:tr>
@@ -14045,7 +13809,7 @@
                 </a:tc>
                 <a:extLst>
                   <a:ext uri="{0D108BD9-81ED-4DB2-BD59-A6C34878D82A}">
-                    <a16:rowId xmlns:a16="http://schemas.microsoft.com/office/drawing/2014/main" xmlns="" val="10003"/>
+                    <a16:rowId xmlns="" xmlns:a16="http://schemas.microsoft.com/office/drawing/2014/main" val="10003"/>
                   </a:ext>
                 </a:extLst>
               </a:tr>
@@ -14157,7 +13921,7 @@
                 </a:tc>
                 <a:extLst>
                   <a:ext uri="{0D108BD9-81ED-4DB2-BD59-A6C34878D82A}">
-                    <a16:rowId xmlns:a16="http://schemas.microsoft.com/office/drawing/2014/main" xmlns="" val="10004"/>
+                    <a16:rowId xmlns="" xmlns:a16="http://schemas.microsoft.com/office/drawing/2014/main" val="10004"/>
                   </a:ext>
                 </a:extLst>
               </a:tr>
@@ -14317,7 +14081,7 @@
                 </a:tc>
                 <a:extLst>
                   <a:ext uri="{0D108BD9-81ED-4DB2-BD59-A6C34878D82A}">
-                    <a16:rowId xmlns:a16="http://schemas.microsoft.com/office/drawing/2014/main" xmlns="" val="10005"/>
+                    <a16:rowId xmlns="" xmlns:a16="http://schemas.microsoft.com/office/drawing/2014/main" val="10005"/>
                   </a:ext>
                 </a:extLst>
               </a:tr>
@@ -14445,7 +14209,7 @@
                 </a:tc>
                 <a:extLst>
                   <a:ext uri="{0D108BD9-81ED-4DB2-BD59-A6C34878D82A}">
-                    <a16:rowId xmlns:a16="http://schemas.microsoft.com/office/drawing/2014/main" xmlns="" val="10006"/>
+                    <a16:rowId xmlns="" xmlns:a16="http://schemas.microsoft.com/office/drawing/2014/main" val="10006"/>
                   </a:ext>
                 </a:extLst>
               </a:tr>
@@ -14522,7 +14286,7 @@
                 </a:tc>
                 <a:extLst>
                   <a:ext uri="{0D108BD9-81ED-4DB2-BD59-A6C34878D82A}">
-                    <a16:rowId xmlns:a16="http://schemas.microsoft.com/office/drawing/2014/main" xmlns="" val="10007"/>
+                    <a16:rowId xmlns="" xmlns:a16="http://schemas.microsoft.com/office/drawing/2014/main" val="10007"/>
                   </a:ext>
                 </a:extLst>
               </a:tr>
@@ -14604,7 +14368,7 @@
                 </a:tc>
                 <a:extLst>
                   <a:ext uri="{0D108BD9-81ED-4DB2-BD59-A6C34878D82A}">
-                    <a16:rowId xmlns:a16="http://schemas.microsoft.com/office/drawing/2014/main" xmlns="" val="10008"/>
+                    <a16:rowId xmlns="" xmlns:a16="http://schemas.microsoft.com/office/drawing/2014/main" val="10008"/>
                   </a:ext>
                 </a:extLst>
               </a:tr>
@@ -14640,7 +14404,7 @@
                 <a:gridCol w="3970655">
                   <a:extLst>
                     <a:ext uri="{9D8B030D-6E8A-4147-A177-3AD203B41FA5}">
-                      <a16:colId xmlns:a16="http://schemas.microsoft.com/office/drawing/2014/main" xmlns="" val="20000"/>
+                      <a16:colId xmlns="" xmlns:a16="http://schemas.microsoft.com/office/drawing/2014/main" val="20000"/>
                     </a:ext>
                   </a:extLst>
                 </a:gridCol>
@@ -14713,7 +14477,7 @@
                 </a:tc>
                 <a:extLst>
                   <a:ext uri="{0D108BD9-81ED-4DB2-BD59-A6C34878D82A}">
-                    <a16:rowId xmlns:a16="http://schemas.microsoft.com/office/drawing/2014/main" xmlns="" val="10000"/>
+                    <a16:rowId xmlns="" xmlns:a16="http://schemas.microsoft.com/office/drawing/2014/main" val="10000"/>
                   </a:ext>
                 </a:extLst>
               </a:tr>
@@ -14799,7 +14563,7 @@
                 </a:tc>
                 <a:extLst>
                   <a:ext uri="{0D108BD9-81ED-4DB2-BD59-A6C34878D82A}">
-                    <a16:rowId xmlns:a16="http://schemas.microsoft.com/office/drawing/2014/main" xmlns="" val="10001"/>
+                    <a16:rowId xmlns="" xmlns:a16="http://schemas.microsoft.com/office/drawing/2014/main" val="10001"/>
                   </a:ext>
                 </a:extLst>
               </a:tr>
@@ -14917,7 +14681,7 @@
                 </a:tc>
                 <a:extLst>
                   <a:ext uri="{0D108BD9-81ED-4DB2-BD59-A6C34878D82A}">
-                    <a16:rowId xmlns:a16="http://schemas.microsoft.com/office/drawing/2014/main" xmlns="" val="10002"/>
+                    <a16:rowId xmlns="" xmlns:a16="http://schemas.microsoft.com/office/drawing/2014/main" val="10002"/>
                   </a:ext>
                 </a:extLst>
               </a:tr>
@@ -15020,7 +14784,7 @@
                 </a:tc>
                 <a:extLst>
                   <a:ext uri="{0D108BD9-81ED-4DB2-BD59-A6C34878D82A}">
-                    <a16:rowId xmlns:a16="http://schemas.microsoft.com/office/drawing/2014/main" xmlns="" val="10003"/>
+                    <a16:rowId xmlns="" xmlns:a16="http://schemas.microsoft.com/office/drawing/2014/main" val="10003"/>
                   </a:ext>
                 </a:extLst>
               </a:tr>
@@ -15113,7 +14877,7 @@
                 </a:tc>
                 <a:extLst>
                   <a:ext uri="{0D108BD9-81ED-4DB2-BD59-A6C34878D82A}">
-                    <a16:rowId xmlns:a16="http://schemas.microsoft.com/office/drawing/2014/main" xmlns="" val="10004"/>
+                    <a16:rowId xmlns="" xmlns:a16="http://schemas.microsoft.com/office/drawing/2014/main" val="10004"/>
                   </a:ext>
                 </a:extLst>
               </a:tr>
@@ -15210,7 +14974,7 @@
                 </a:tc>
                 <a:extLst>
                   <a:ext uri="{0D108BD9-81ED-4DB2-BD59-A6C34878D82A}">
-                    <a16:rowId xmlns:a16="http://schemas.microsoft.com/office/drawing/2014/main" xmlns="" val="10005"/>
+                    <a16:rowId xmlns="" xmlns:a16="http://schemas.microsoft.com/office/drawing/2014/main" val="10005"/>
                   </a:ext>
                 </a:extLst>
               </a:tr>
@@ -15293,7 +15057,7 @@
                 </a:tc>
                 <a:extLst>
                   <a:ext uri="{0D108BD9-81ED-4DB2-BD59-A6C34878D82A}">
-                    <a16:rowId xmlns:a16="http://schemas.microsoft.com/office/drawing/2014/main" xmlns="" val="10006"/>
+                    <a16:rowId xmlns="" xmlns:a16="http://schemas.microsoft.com/office/drawing/2014/main" val="10006"/>
                   </a:ext>
                 </a:extLst>
               </a:tr>
@@ -15410,7 +15174,7 @@
                 </a:tc>
                 <a:extLst>
                   <a:ext uri="{0D108BD9-81ED-4DB2-BD59-A6C34878D82A}">
-                    <a16:rowId xmlns:a16="http://schemas.microsoft.com/office/drawing/2014/main" xmlns="" val="10007"/>
+                    <a16:rowId xmlns="" xmlns:a16="http://schemas.microsoft.com/office/drawing/2014/main" val="10007"/>
                   </a:ext>
                 </a:extLst>
               </a:tr>
@@ -15425,7 +15189,7 @@
               <p:cNvPr id="13" name="Table 12">
                 <a:extLst>
                   <a:ext uri="{FF2B5EF4-FFF2-40B4-BE49-F238E27FC236}">
-                    <a16:creationId xmlns:a16="http://schemas.microsoft.com/office/drawing/2014/main" xmlns="" id="{0494280A-AA93-4D6A-827A-BB7B609A7172}"/>
+                    <a16:creationId xmlns="" xmlns:a16="http://schemas.microsoft.com/office/drawing/2014/main" id="{0494280A-AA93-4D6A-827A-BB7B609A7172}"/>
                   </a:ext>
                 </a:extLst>
               </p:cNvPr>
@@ -15454,7 +15218,7 @@
                     <a:gridCol w="3970655">
                       <a:extLst>
                         <a:ext uri="{9D8B030D-6E8A-4147-A177-3AD203B41FA5}">
-                          <a16:colId xmlns:a16="http://schemas.microsoft.com/office/drawing/2014/main" xmlns="" val="20000"/>
+                          <a16:colId xmlns="" xmlns:a16="http://schemas.microsoft.com/office/drawing/2014/main" val="20000"/>
                         </a:ext>
                       </a:extLst>
                     </a:gridCol>
@@ -15527,7 +15291,7 @@
                     </a:tc>
                     <a:extLst>
                       <a:ext uri="{0D108BD9-81ED-4DB2-BD59-A6C34878D82A}">
-                        <a16:rowId xmlns:a16="http://schemas.microsoft.com/office/drawing/2014/main" xmlns="" val="10000"/>
+                        <a16:rowId xmlns="" xmlns:a16="http://schemas.microsoft.com/office/drawing/2014/main" val="10000"/>
                       </a:ext>
                     </a:extLst>
                   </a:tr>
@@ -15619,7 +15383,7 @@
                     </a:tc>
                     <a:extLst>
                       <a:ext uri="{0D108BD9-81ED-4DB2-BD59-A6C34878D82A}">
-                        <a16:rowId xmlns:a16="http://schemas.microsoft.com/office/drawing/2014/main" xmlns="" val="10006"/>
+                        <a16:rowId xmlns="" xmlns:a16="http://schemas.microsoft.com/office/drawing/2014/main" val="10006"/>
                       </a:ext>
                     </a:extLst>
                   </a:tr>
@@ -15705,7 +15469,7 @@
                     </a:tc>
                     <a:extLst>
                       <a:ext uri="{0D108BD9-81ED-4DB2-BD59-A6C34878D82A}">
-                        <a16:rowId xmlns:a16="http://schemas.microsoft.com/office/drawing/2014/main" xmlns="" val="2650464264"/>
+                        <a16:rowId xmlns="" xmlns:a16="http://schemas.microsoft.com/office/drawing/2014/main" val="2650464264"/>
                       </a:ext>
                     </a:extLst>
                   </a:tr>
@@ -15807,7 +15571,7 @@
                     </a:tc>
                     <a:extLst>
                       <a:ext uri="{0D108BD9-81ED-4DB2-BD59-A6C34878D82A}">
-                        <a16:rowId xmlns:a16="http://schemas.microsoft.com/office/drawing/2014/main" xmlns="" val="1708595694"/>
+                        <a16:rowId xmlns="" xmlns:a16="http://schemas.microsoft.com/office/drawing/2014/main" val="1708595694"/>
                       </a:ext>
                     </a:extLst>
                   </a:tr>
@@ -16207,7 +15971,7 @@
                     </a:tc>
                     <a:extLst>
                       <a:ext uri="{0D108BD9-81ED-4DB2-BD59-A6C34878D82A}">
-                        <a16:rowId xmlns:a16="http://schemas.microsoft.com/office/drawing/2014/main" xmlns="" val="348125559"/>
+                        <a16:rowId xmlns="" xmlns:a16="http://schemas.microsoft.com/office/drawing/2014/main" val="348125559"/>
                       </a:ext>
                     </a:extLst>
                   </a:tr>
@@ -16530,7 +16294,7 @@
                     </a:tc>
                     <a:extLst>
                       <a:ext uri="{0D108BD9-81ED-4DB2-BD59-A6C34878D82A}">
-                        <a16:rowId xmlns:a16="http://schemas.microsoft.com/office/drawing/2014/main" xmlns="" val="3295806164"/>
+                        <a16:rowId xmlns="" xmlns:a16="http://schemas.microsoft.com/office/drawing/2014/main" val="3295806164"/>
                       </a:ext>
                     </a:extLst>
                   </a:tr>
@@ -16713,7 +16477,7 @@
                     </a:tc>
                     <a:extLst>
                       <a:ext uri="{0D108BD9-81ED-4DB2-BD59-A6C34878D82A}">
-                        <a16:rowId xmlns:a16="http://schemas.microsoft.com/office/drawing/2014/main" xmlns="" val="1091225448"/>
+                        <a16:rowId xmlns="" xmlns:a16="http://schemas.microsoft.com/office/drawing/2014/main" val="1091225448"/>
                       </a:ext>
                     </a:extLst>
                   </a:tr>
@@ -16830,7 +16594,7 @@
                     </a:tc>
                     <a:extLst>
                       <a:ext uri="{0D108BD9-81ED-4DB2-BD59-A6C34878D82A}">
-                        <a16:rowId xmlns:a16="http://schemas.microsoft.com/office/drawing/2014/main" xmlns="" val="10007"/>
+                        <a16:rowId xmlns="" xmlns:a16="http://schemas.microsoft.com/office/drawing/2014/main" val="10007"/>
                       </a:ext>
                     </a:extLst>
                   </a:tr>
@@ -17539,7 +17303,7 @@
           <p:cNvPr id="14" name="Table 13">
             <a:extLst>
               <a:ext uri="{FF2B5EF4-FFF2-40B4-BE49-F238E27FC236}">
-                <a16:creationId xmlns:a16="http://schemas.microsoft.com/office/drawing/2014/main" xmlns="" id="{FE508E2A-6AF5-4306-B60F-B65C0B85CD38}"/>
+                <a16:creationId xmlns="" xmlns:a16="http://schemas.microsoft.com/office/drawing/2014/main" id="{FE508E2A-6AF5-4306-B60F-B65C0B85CD38}"/>
               </a:ext>
             </a:extLst>
           </p:cNvPr>
@@ -17568,7 +17332,7 @@
                 <a:gridCol w="3970655">
                   <a:extLst>
                     <a:ext uri="{9D8B030D-6E8A-4147-A177-3AD203B41FA5}">
-                      <a16:colId xmlns:a16="http://schemas.microsoft.com/office/drawing/2014/main" xmlns="" val="20000"/>
+                      <a16:colId xmlns="" xmlns:a16="http://schemas.microsoft.com/office/drawing/2014/main" val="20000"/>
                     </a:ext>
                   </a:extLst>
                 </a:gridCol>
@@ -17641,7 +17405,7 @@
                 </a:tc>
                 <a:extLst>
                   <a:ext uri="{0D108BD9-81ED-4DB2-BD59-A6C34878D82A}">
-                    <a16:rowId xmlns:a16="http://schemas.microsoft.com/office/drawing/2014/main" xmlns="" val="10000"/>
+                    <a16:rowId xmlns="" xmlns:a16="http://schemas.microsoft.com/office/drawing/2014/main" val="10000"/>
                   </a:ext>
                 </a:extLst>
               </a:tr>
@@ -17733,7 +17497,7 @@
                 </a:tc>
                 <a:extLst>
                   <a:ext uri="{0D108BD9-81ED-4DB2-BD59-A6C34878D82A}">
-                    <a16:rowId xmlns:a16="http://schemas.microsoft.com/office/drawing/2014/main" xmlns="" val="10006"/>
+                    <a16:rowId xmlns="" xmlns:a16="http://schemas.microsoft.com/office/drawing/2014/main" val="10006"/>
                   </a:ext>
                 </a:extLst>
               </a:tr>
@@ -17819,7 +17583,7 @@
                 </a:tc>
                 <a:extLst>
                   <a:ext uri="{0D108BD9-81ED-4DB2-BD59-A6C34878D82A}">
-                    <a16:rowId xmlns:a16="http://schemas.microsoft.com/office/drawing/2014/main" xmlns="" val="2650464264"/>
+                    <a16:rowId xmlns="" xmlns:a16="http://schemas.microsoft.com/office/drawing/2014/main" val="2650464264"/>
                   </a:ext>
                 </a:extLst>
               </a:tr>
@@ -17902,7 +17666,7 @@
                 </a:tc>
                 <a:extLst>
                   <a:ext uri="{0D108BD9-81ED-4DB2-BD59-A6C34878D82A}">
-                    <a16:rowId xmlns:a16="http://schemas.microsoft.com/office/drawing/2014/main" xmlns="" val="1708595694"/>
+                    <a16:rowId xmlns="" xmlns:a16="http://schemas.microsoft.com/office/drawing/2014/main" val="1708595694"/>
                   </a:ext>
                 </a:extLst>
               </a:tr>
@@ -18019,7 +17783,7 @@
                 </a:tc>
                 <a:extLst>
                   <a:ext uri="{0D108BD9-81ED-4DB2-BD59-A6C34878D82A}">
-                    <a16:rowId xmlns:a16="http://schemas.microsoft.com/office/drawing/2014/main" xmlns="" val="10007"/>
+                    <a16:rowId xmlns="" xmlns:a16="http://schemas.microsoft.com/office/drawing/2014/main" val="10007"/>
                   </a:ext>
                 </a:extLst>
               </a:tr>

--- a/Forecasting.pptx
+++ b/Forecasting.pptx
@@ -317,7 +317,7 @@
   </p:defaultTextStyle>
   <p:extLst>
     <p:ext uri="{EFAFB233-063F-42B5-8137-9DF3F51BA10A}">
-      <p15:sldGuideLst xmlns="" xmlns:p15="http://schemas.microsoft.com/office/powerpoint/2012/main">
+      <p15:sldGuideLst xmlns:p15="http://schemas.microsoft.com/office/powerpoint/2012/main" xmlns="">
         <p15:guide id="1" orient="horz" pos="3400">
           <p15:clr>
             <a:srgbClr val="A4A3A4"/>
@@ -427,7 +427,7 @@
           <a:p>
             <a:fld id="{37C50D7F-5172-434D-9E20-E71FDF806C79}" type="datetimeFigureOut">
               <a:rPr lang="en-GB" smtClean="0"/>
-              <a:t>05/09/2019</a:t>
+              <a:t>06/09/2019</a:t>
             </a:fld>
             <a:endParaRPr lang="en-GB"/>
           </a:p>
@@ -2518,7 +2518,7 @@
           </a:ln>
           <a:extLst>
             <a:ext uri="{C572A759-6A51-4108-AA02-DFA0A04FC94B}">
-              <ma14:wrappingTextBoxFlag xmlns="" xmlns:m="http://schemas.openxmlformats.org/officeDocument/2006/math" xmlns:a14="http://schemas.microsoft.com/office/drawing/2010/main" xmlns:ma14="http://schemas.microsoft.com/office/mac/drawingml/2011/main" val="1"/>
+              <ma14:wrappingTextBoxFlag xmlns:ma14="http://schemas.microsoft.com/office/mac/drawingml/2011/main" xmlns:a14="http://schemas.microsoft.com/office/drawing/2010/main" xmlns:m="http://schemas.openxmlformats.org/officeDocument/2006/math" xmlns="" val="1"/>
             </a:ext>
           </a:extLst>
         </p:spPr>
@@ -2557,7 +2557,7 @@
           </a:ln>
           <a:extLst>
             <a:ext uri="{C572A759-6A51-4108-AA02-DFA0A04FC94B}">
-              <ma14:wrappingTextBoxFlag xmlns="" xmlns:m="http://schemas.openxmlformats.org/officeDocument/2006/math" xmlns:a14="http://schemas.microsoft.com/office/drawing/2010/main" xmlns:ma14="http://schemas.microsoft.com/office/mac/drawingml/2011/main" val="1"/>
+              <ma14:wrappingTextBoxFlag xmlns:ma14="http://schemas.microsoft.com/office/mac/drawingml/2011/main" xmlns:a14="http://schemas.microsoft.com/office/drawing/2010/main" xmlns:m="http://schemas.openxmlformats.org/officeDocument/2006/math" xmlns="" val="1"/>
             </a:ext>
           </a:extLst>
         </p:spPr>
@@ -3769,7 +3769,7 @@
                 <a:gridCol w="3825875">
                   <a:extLst>
                     <a:ext uri="{9D8B030D-6E8A-4147-A177-3AD203B41FA5}">
-                      <a16:colId xmlns="" xmlns:a16="http://schemas.microsoft.com/office/drawing/2014/main" val="20000"/>
+                      <a16:colId xmlns:a16="http://schemas.microsoft.com/office/drawing/2014/main" xmlns="" val="20000"/>
                     </a:ext>
                   </a:extLst>
                 </a:gridCol>
@@ -3842,7 +3842,7 @@
                 </a:tc>
                 <a:extLst>
                   <a:ext uri="{0D108BD9-81ED-4DB2-BD59-A6C34878D82A}">
-                    <a16:rowId xmlns="" xmlns:a16="http://schemas.microsoft.com/office/drawing/2014/main" val="10000"/>
+                    <a16:rowId xmlns:a16="http://schemas.microsoft.com/office/drawing/2014/main" xmlns="" val="10000"/>
                   </a:ext>
                 </a:extLst>
               </a:tr>
@@ -3959,7 +3959,7 @@
                 </a:tc>
                 <a:extLst>
                   <a:ext uri="{0D108BD9-81ED-4DB2-BD59-A6C34878D82A}">
-                    <a16:rowId xmlns="" xmlns:a16="http://schemas.microsoft.com/office/drawing/2014/main" val="10001"/>
+                    <a16:rowId xmlns:a16="http://schemas.microsoft.com/office/drawing/2014/main" xmlns="" val="10001"/>
                   </a:ext>
                 </a:extLst>
               </a:tr>
@@ -4030,7 +4030,7 @@
                 </a:tc>
                 <a:extLst>
                   <a:ext uri="{0D108BD9-81ED-4DB2-BD59-A6C34878D82A}">
-                    <a16:rowId xmlns="" xmlns:a16="http://schemas.microsoft.com/office/drawing/2014/main" val="10002"/>
+                    <a16:rowId xmlns:a16="http://schemas.microsoft.com/office/drawing/2014/main" xmlns="" val="10002"/>
                   </a:ext>
                 </a:extLst>
               </a:tr>
@@ -4117,7 +4117,7 @@
                 </a:tc>
                 <a:extLst>
                   <a:ext uri="{0D108BD9-81ED-4DB2-BD59-A6C34878D82A}">
-                    <a16:rowId xmlns="" xmlns:a16="http://schemas.microsoft.com/office/drawing/2014/main" val="10003"/>
+                    <a16:rowId xmlns:a16="http://schemas.microsoft.com/office/drawing/2014/main" xmlns="" val="10003"/>
                   </a:ext>
                 </a:extLst>
               </a:tr>
@@ -4188,7 +4188,7 @@
                 </a:tc>
                 <a:extLst>
                   <a:ext uri="{0D108BD9-81ED-4DB2-BD59-A6C34878D82A}">
-                    <a16:rowId xmlns="" xmlns:a16="http://schemas.microsoft.com/office/drawing/2014/main" val="10004"/>
+                    <a16:rowId xmlns:a16="http://schemas.microsoft.com/office/drawing/2014/main" xmlns="" val="10004"/>
                   </a:ext>
                 </a:extLst>
               </a:tr>
@@ -4265,7 +4265,7 @@
                 </a:tc>
                 <a:extLst>
                   <a:ext uri="{0D108BD9-81ED-4DB2-BD59-A6C34878D82A}">
-                    <a16:rowId xmlns="" xmlns:a16="http://schemas.microsoft.com/office/drawing/2014/main" val="10005"/>
+                    <a16:rowId xmlns:a16="http://schemas.microsoft.com/office/drawing/2014/main" xmlns="" val="10005"/>
                   </a:ext>
                 </a:extLst>
               </a:tr>
@@ -4366,7 +4366,7 @@
                 </a:tc>
                 <a:extLst>
                   <a:ext uri="{0D108BD9-81ED-4DB2-BD59-A6C34878D82A}">
-                    <a16:rowId xmlns="" xmlns:a16="http://schemas.microsoft.com/office/drawing/2014/main" val="10006"/>
+                    <a16:rowId xmlns:a16="http://schemas.microsoft.com/office/drawing/2014/main" xmlns="" val="10006"/>
                   </a:ext>
                 </a:extLst>
               </a:tr>
@@ -4402,7 +4402,7 @@
                 <a:gridCol w="3825875">
                   <a:extLst>
                     <a:ext uri="{9D8B030D-6E8A-4147-A177-3AD203B41FA5}">
-                      <a16:colId xmlns="" xmlns:a16="http://schemas.microsoft.com/office/drawing/2014/main" val="20000"/>
+                      <a16:colId xmlns:a16="http://schemas.microsoft.com/office/drawing/2014/main" xmlns="" val="20000"/>
                     </a:ext>
                   </a:extLst>
                 </a:gridCol>
@@ -4475,7 +4475,7 @@
                 </a:tc>
                 <a:extLst>
                   <a:ext uri="{0D108BD9-81ED-4DB2-BD59-A6C34878D82A}">
-                    <a16:rowId xmlns="" xmlns:a16="http://schemas.microsoft.com/office/drawing/2014/main" val="10000"/>
+                    <a16:rowId xmlns:a16="http://schemas.microsoft.com/office/drawing/2014/main" xmlns="" val="10000"/>
                   </a:ext>
                 </a:extLst>
               </a:tr>
@@ -4572,7 +4572,7 @@
                 </a:tc>
                 <a:extLst>
                   <a:ext uri="{0D108BD9-81ED-4DB2-BD59-A6C34878D82A}">
-                    <a16:rowId xmlns="" xmlns:a16="http://schemas.microsoft.com/office/drawing/2014/main" val="10001"/>
+                    <a16:rowId xmlns:a16="http://schemas.microsoft.com/office/drawing/2014/main" xmlns="" val="10001"/>
                   </a:ext>
                 </a:extLst>
               </a:tr>
@@ -4643,7 +4643,7 @@
                 </a:tc>
                 <a:extLst>
                   <a:ext uri="{0D108BD9-81ED-4DB2-BD59-A6C34878D82A}">
-                    <a16:rowId xmlns="" xmlns:a16="http://schemas.microsoft.com/office/drawing/2014/main" val="10002"/>
+                    <a16:rowId xmlns:a16="http://schemas.microsoft.com/office/drawing/2014/main" xmlns="" val="10002"/>
                   </a:ext>
                 </a:extLst>
               </a:tr>
@@ -4694,7 +4694,7 @@
                 </a:tc>
                 <a:extLst>
                   <a:ext uri="{0D108BD9-81ED-4DB2-BD59-A6C34878D82A}">
-                    <a16:rowId xmlns="" xmlns:a16="http://schemas.microsoft.com/office/drawing/2014/main" val="10003"/>
+                    <a16:rowId xmlns:a16="http://schemas.microsoft.com/office/drawing/2014/main" xmlns="" val="10003"/>
                   </a:ext>
                 </a:extLst>
               </a:tr>
@@ -4771,7 +4771,7 @@
                 </a:tc>
                 <a:extLst>
                   <a:ext uri="{0D108BD9-81ED-4DB2-BD59-A6C34878D82A}">
-                    <a16:rowId xmlns="" xmlns:a16="http://schemas.microsoft.com/office/drawing/2014/main" val="10004"/>
+                    <a16:rowId xmlns:a16="http://schemas.microsoft.com/office/drawing/2014/main" xmlns="" val="10004"/>
                   </a:ext>
                 </a:extLst>
               </a:tr>
@@ -4848,7 +4848,7 @@
                 </a:tc>
                 <a:extLst>
                   <a:ext uri="{0D108BD9-81ED-4DB2-BD59-A6C34878D82A}">
-                    <a16:rowId xmlns="" xmlns:a16="http://schemas.microsoft.com/office/drawing/2014/main" val="10005"/>
+                    <a16:rowId xmlns:a16="http://schemas.microsoft.com/office/drawing/2014/main" xmlns="" val="10005"/>
                   </a:ext>
                 </a:extLst>
               </a:tr>
@@ -4949,7 +4949,7 @@
                 </a:tc>
                 <a:extLst>
                   <a:ext uri="{0D108BD9-81ED-4DB2-BD59-A6C34878D82A}">
-                    <a16:rowId xmlns="" xmlns:a16="http://schemas.microsoft.com/office/drawing/2014/main" val="10006"/>
+                    <a16:rowId xmlns:a16="http://schemas.microsoft.com/office/drawing/2014/main" xmlns="" val="10006"/>
                   </a:ext>
                 </a:extLst>
               </a:tr>
@@ -5264,7 +5264,7 @@
                 <a:gridCol w="3825875">
                   <a:extLst>
                     <a:ext uri="{9D8B030D-6E8A-4147-A177-3AD203B41FA5}">
-                      <a16:colId xmlns="" xmlns:a16="http://schemas.microsoft.com/office/drawing/2014/main" val="20000"/>
+                      <a16:colId xmlns:a16="http://schemas.microsoft.com/office/drawing/2014/main" xmlns="" val="20000"/>
                     </a:ext>
                   </a:extLst>
                 </a:gridCol>
@@ -5337,7 +5337,7 @@
                 </a:tc>
                 <a:extLst>
                   <a:ext uri="{0D108BD9-81ED-4DB2-BD59-A6C34878D82A}">
-                    <a16:rowId xmlns="" xmlns:a16="http://schemas.microsoft.com/office/drawing/2014/main" val="10000"/>
+                    <a16:rowId xmlns:a16="http://schemas.microsoft.com/office/drawing/2014/main" xmlns="" val="10000"/>
                   </a:ext>
                 </a:extLst>
               </a:tr>
@@ -5425,7 +5425,7 @@
                 </a:tc>
                 <a:extLst>
                   <a:ext uri="{0D108BD9-81ED-4DB2-BD59-A6C34878D82A}">
-                    <a16:rowId xmlns="" xmlns:a16="http://schemas.microsoft.com/office/drawing/2014/main" val="10001"/>
+                    <a16:rowId xmlns:a16="http://schemas.microsoft.com/office/drawing/2014/main" xmlns="" val="10001"/>
                   </a:ext>
                 </a:extLst>
               </a:tr>
@@ -5461,7 +5461,7 @@
                 <a:gridCol w="3825875">
                   <a:extLst>
                     <a:ext uri="{9D8B030D-6E8A-4147-A177-3AD203B41FA5}">
-                      <a16:colId xmlns="" xmlns:a16="http://schemas.microsoft.com/office/drawing/2014/main" val="20000"/>
+                      <a16:colId xmlns:a16="http://schemas.microsoft.com/office/drawing/2014/main" xmlns="" val="20000"/>
                     </a:ext>
                   </a:extLst>
                 </a:gridCol>
@@ -5534,7 +5534,7 @@
                 </a:tc>
                 <a:extLst>
                   <a:ext uri="{0D108BD9-81ED-4DB2-BD59-A6C34878D82A}">
-                    <a16:rowId xmlns="" xmlns:a16="http://schemas.microsoft.com/office/drawing/2014/main" val="10000"/>
+                    <a16:rowId xmlns:a16="http://schemas.microsoft.com/office/drawing/2014/main" xmlns="" val="10000"/>
                   </a:ext>
                 </a:extLst>
               </a:tr>
@@ -5634,7 +5634,7 @@
                 </a:tc>
                 <a:extLst>
                   <a:ext uri="{0D108BD9-81ED-4DB2-BD59-A6C34878D82A}">
-                    <a16:rowId xmlns="" xmlns:a16="http://schemas.microsoft.com/office/drawing/2014/main" val="10001"/>
+                    <a16:rowId xmlns:a16="http://schemas.microsoft.com/office/drawing/2014/main" xmlns="" val="10001"/>
                   </a:ext>
                 </a:extLst>
               </a:tr>
@@ -5728,7 +5728,7 @@
                 </a:tc>
                 <a:extLst>
                   <a:ext uri="{0D108BD9-81ED-4DB2-BD59-A6C34878D82A}">
-                    <a16:rowId xmlns="" xmlns:a16="http://schemas.microsoft.com/office/drawing/2014/main" val="10002"/>
+                    <a16:rowId xmlns:a16="http://schemas.microsoft.com/office/drawing/2014/main" xmlns="" val="10002"/>
                   </a:ext>
                 </a:extLst>
               </a:tr>
@@ -5858,7 +5858,7 @@
                 </a:tc>
                 <a:extLst>
                   <a:ext uri="{0D108BD9-81ED-4DB2-BD59-A6C34878D82A}">
-                    <a16:rowId xmlns="" xmlns:a16="http://schemas.microsoft.com/office/drawing/2014/main" val="10003"/>
+                    <a16:rowId xmlns:a16="http://schemas.microsoft.com/office/drawing/2014/main" xmlns="" val="10003"/>
                   </a:ext>
                 </a:extLst>
               </a:tr>
@@ -5929,7 +5929,7 @@
                 </a:tc>
                 <a:extLst>
                   <a:ext uri="{0D108BD9-81ED-4DB2-BD59-A6C34878D82A}">
-                    <a16:rowId xmlns="" xmlns:a16="http://schemas.microsoft.com/office/drawing/2014/main" val="10004"/>
+                    <a16:rowId xmlns:a16="http://schemas.microsoft.com/office/drawing/2014/main" xmlns="" val="10004"/>
                   </a:ext>
                 </a:extLst>
               </a:tr>
@@ -6006,7 +6006,7 @@
                 </a:tc>
                 <a:extLst>
                   <a:ext uri="{0D108BD9-81ED-4DB2-BD59-A6C34878D82A}">
-                    <a16:rowId xmlns="" xmlns:a16="http://schemas.microsoft.com/office/drawing/2014/main" val="10005"/>
+                    <a16:rowId xmlns:a16="http://schemas.microsoft.com/office/drawing/2014/main" xmlns="" val="10005"/>
                   </a:ext>
                 </a:extLst>
               </a:tr>
@@ -6117,7 +6117,7 @@
                 </a:tc>
                 <a:extLst>
                   <a:ext uri="{0D108BD9-81ED-4DB2-BD59-A6C34878D82A}">
-                    <a16:rowId xmlns="" xmlns:a16="http://schemas.microsoft.com/office/drawing/2014/main" val="10006"/>
+                    <a16:rowId xmlns:a16="http://schemas.microsoft.com/office/drawing/2014/main" xmlns="" val="10006"/>
                   </a:ext>
                 </a:extLst>
               </a:tr>
@@ -6153,7 +6153,7 @@
                 <a:gridCol w="3825875">
                   <a:extLst>
                     <a:ext uri="{9D8B030D-6E8A-4147-A177-3AD203B41FA5}">
-                      <a16:colId xmlns="" xmlns:a16="http://schemas.microsoft.com/office/drawing/2014/main" val="20000"/>
+                      <a16:colId xmlns:a16="http://schemas.microsoft.com/office/drawing/2014/main" xmlns="" val="20000"/>
                     </a:ext>
                   </a:extLst>
                 </a:gridCol>
@@ -6226,7 +6226,7 @@
                 </a:tc>
                 <a:extLst>
                   <a:ext uri="{0D108BD9-81ED-4DB2-BD59-A6C34878D82A}">
-                    <a16:rowId xmlns="" xmlns:a16="http://schemas.microsoft.com/office/drawing/2014/main" val="10000"/>
+                    <a16:rowId xmlns:a16="http://schemas.microsoft.com/office/drawing/2014/main" xmlns="" val="10000"/>
                   </a:ext>
                 </a:extLst>
               </a:tr>
@@ -6327,7 +6327,7 @@
                 </a:tc>
                 <a:extLst>
                   <a:ext uri="{0D108BD9-81ED-4DB2-BD59-A6C34878D82A}">
-                    <a16:rowId xmlns="" xmlns:a16="http://schemas.microsoft.com/office/drawing/2014/main" val="10001"/>
+                    <a16:rowId xmlns:a16="http://schemas.microsoft.com/office/drawing/2014/main" xmlns="" val="10001"/>
                   </a:ext>
                 </a:extLst>
               </a:tr>
@@ -6411,7 +6411,7 @@
                 </a:tc>
                 <a:extLst>
                   <a:ext uri="{0D108BD9-81ED-4DB2-BD59-A6C34878D82A}">
-                    <a16:rowId xmlns="" xmlns:a16="http://schemas.microsoft.com/office/drawing/2014/main" val="10002"/>
+                    <a16:rowId xmlns:a16="http://schemas.microsoft.com/office/drawing/2014/main" xmlns="" val="10002"/>
                   </a:ext>
                 </a:extLst>
               </a:tr>
@@ -6498,7 +6498,7 @@
                 </a:tc>
                 <a:extLst>
                   <a:ext uri="{0D108BD9-81ED-4DB2-BD59-A6C34878D82A}">
-                    <a16:rowId xmlns="" xmlns:a16="http://schemas.microsoft.com/office/drawing/2014/main" val="10003"/>
+                    <a16:rowId xmlns:a16="http://schemas.microsoft.com/office/drawing/2014/main" xmlns="" val="10003"/>
                   </a:ext>
                 </a:extLst>
               </a:tr>
@@ -6643,7 +6643,7 @@
                 </a:tc>
                 <a:extLst>
                   <a:ext uri="{0D108BD9-81ED-4DB2-BD59-A6C34878D82A}">
-                    <a16:rowId xmlns="" xmlns:a16="http://schemas.microsoft.com/office/drawing/2014/main" val="10004"/>
+                    <a16:rowId xmlns:a16="http://schemas.microsoft.com/office/drawing/2014/main" xmlns="" val="10004"/>
                   </a:ext>
                 </a:extLst>
               </a:tr>
@@ -6714,7 +6714,7 @@
                 </a:tc>
                 <a:extLst>
                   <a:ext uri="{0D108BD9-81ED-4DB2-BD59-A6C34878D82A}">
-                    <a16:rowId xmlns="" xmlns:a16="http://schemas.microsoft.com/office/drawing/2014/main" val="10005"/>
+                    <a16:rowId xmlns:a16="http://schemas.microsoft.com/office/drawing/2014/main" xmlns="" val="10005"/>
                   </a:ext>
                 </a:extLst>
               </a:tr>
@@ -6791,7 +6791,7 @@
                 </a:tc>
                 <a:extLst>
                   <a:ext uri="{0D108BD9-81ED-4DB2-BD59-A6C34878D82A}">
-                    <a16:rowId xmlns="" xmlns:a16="http://schemas.microsoft.com/office/drawing/2014/main" val="10006"/>
+                    <a16:rowId xmlns:a16="http://schemas.microsoft.com/office/drawing/2014/main" xmlns="" val="10006"/>
                   </a:ext>
                 </a:extLst>
               </a:tr>
@@ -6902,7 +6902,7 @@
                 </a:tc>
                 <a:extLst>
                   <a:ext uri="{0D108BD9-81ED-4DB2-BD59-A6C34878D82A}">
-                    <a16:rowId xmlns="" xmlns:a16="http://schemas.microsoft.com/office/drawing/2014/main" val="10007"/>
+                    <a16:rowId xmlns:a16="http://schemas.microsoft.com/office/drawing/2014/main" xmlns="" val="10007"/>
                   </a:ext>
                 </a:extLst>
               </a:tr>
@@ -6938,7 +6938,7 @@
                 <a:gridCol w="3825875">
                   <a:extLst>
                     <a:ext uri="{9D8B030D-6E8A-4147-A177-3AD203B41FA5}">
-                      <a16:colId xmlns="" xmlns:a16="http://schemas.microsoft.com/office/drawing/2014/main" val="20000"/>
+                      <a16:colId xmlns:a16="http://schemas.microsoft.com/office/drawing/2014/main" xmlns="" val="20000"/>
                     </a:ext>
                   </a:extLst>
                 </a:gridCol>
@@ -7011,7 +7011,7 @@
                 </a:tc>
                 <a:extLst>
                   <a:ext uri="{0D108BD9-81ED-4DB2-BD59-A6C34878D82A}">
-                    <a16:rowId xmlns="" xmlns:a16="http://schemas.microsoft.com/office/drawing/2014/main" val="10000"/>
+                    <a16:rowId xmlns:a16="http://schemas.microsoft.com/office/drawing/2014/main" xmlns="" val="10000"/>
                   </a:ext>
                 </a:extLst>
               </a:tr>
@@ -7112,7 +7112,7 @@
                 </a:tc>
                 <a:extLst>
                   <a:ext uri="{0D108BD9-81ED-4DB2-BD59-A6C34878D82A}">
-                    <a16:rowId xmlns="" xmlns:a16="http://schemas.microsoft.com/office/drawing/2014/main" val="10001"/>
+                    <a16:rowId xmlns:a16="http://schemas.microsoft.com/office/drawing/2014/main" xmlns="" val="10001"/>
                   </a:ext>
                 </a:extLst>
               </a:tr>
@@ -7276,7 +7276,7 @@
                 </a:tc>
                 <a:extLst>
                   <a:ext uri="{0D108BD9-81ED-4DB2-BD59-A6C34878D82A}">
-                    <a16:rowId xmlns="" xmlns:a16="http://schemas.microsoft.com/office/drawing/2014/main" val="10002"/>
+                    <a16:rowId xmlns:a16="http://schemas.microsoft.com/office/drawing/2014/main" xmlns="" val="10002"/>
                   </a:ext>
                 </a:extLst>
               </a:tr>
@@ -7363,7 +7363,7 @@
                 </a:tc>
                 <a:extLst>
                   <a:ext uri="{0D108BD9-81ED-4DB2-BD59-A6C34878D82A}">
-                    <a16:rowId xmlns="" xmlns:a16="http://schemas.microsoft.com/office/drawing/2014/main" val="10003"/>
+                    <a16:rowId xmlns:a16="http://schemas.microsoft.com/office/drawing/2014/main" xmlns="" val="10003"/>
                   </a:ext>
                 </a:extLst>
               </a:tr>
@@ -7430,7 +7430,7 @@
                 </a:tc>
                 <a:extLst>
                   <a:ext uri="{0D108BD9-81ED-4DB2-BD59-A6C34878D82A}">
-                    <a16:rowId xmlns="" xmlns:a16="http://schemas.microsoft.com/office/drawing/2014/main" val="10004"/>
+                    <a16:rowId xmlns:a16="http://schemas.microsoft.com/office/drawing/2014/main" xmlns="" val="10004"/>
                   </a:ext>
                 </a:extLst>
               </a:tr>
@@ -7501,7 +7501,7 @@
                 </a:tc>
                 <a:extLst>
                   <a:ext uri="{0D108BD9-81ED-4DB2-BD59-A6C34878D82A}">
-                    <a16:rowId xmlns="" xmlns:a16="http://schemas.microsoft.com/office/drawing/2014/main" val="10005"/>
+                    <a16:rowId xmlns:a16="http://schemas.microsoft.com/office/drawing/2014/main" xmlns="" val="10005"/>
                   </a:ext>
                 </a:extLst>
               </a:tr>
@@ -7578,7 +7578,7 @@
                 </a:tc>
                 <a:extLst>
                   <a:ext uri="{0D108BD9-81ED-4DB2-BD59-A6C34878D82A}">
-                    <a16:rowId xmlns="" xmlns:a16="http://schemas.microsoft.com/office/drawing/2014/main" val="10006"/>
+                    <a16:rowId xmlns:a16="http://schemas.microsoft.com/office/drawing/2014/main" xmlns="" val="10006"/>
                   </a:ext>
                 </a:extLst>
               </a:tr>
@@ -7689,7 +7689,7 @@
                 </a:tc>
                 <a:extLst>
                   <a:ext uri="{0D108BD9-81ED-4DB2-BD59-A6C34878D82A}">
-                    <a16:rowId xmlns="" xmlns:a16="http://schemas.microsoft.com/office/drawing/2014/main" val="10007"/>
+                    <a16:rowId xmlns:a16="http://schemas.microsoft.com/office/drawing/2014/main" xmlns="" val="10007"/>
                   </a:ext>
                 </a:extLst>
               </a:tr>
@@ -7725,7 +7725,7 @@
                 <a:gridCol w="3825875">
                   <a:extLst>
                     <a:ext uri="{9D8B030D-6E8A-4147-A177-3AD203B41FA5}">
-                      <a16:colId xmlns="" xmlns:a16="http://schemas.microsoft.com/office/drawing/2014/main" val="20000"/>
+                      <a16:colId xmlns:a16="http://schemas.microsoft.com/office/drawing/2014/main" xmlns="" val="20000"/>
                     </a:ext>
                   </a:extLst>
                 </a:gridCol>
@@ -7798,7 +7798,7 @@
                 </a:tc>
                 <a:extLst>
                   <a:ext uri="{0D108BD9-81ED-4DB2-BD59-A6C34878D82A}">
-                    <a16:rowId xmlns="" xmlns:a16="http://schemas.microsoft.com/office/drawing/2014/main" val="10000"/>
+                    <a16:rowId xmlns:a16="http://schemas.microsoft.com/office/drawing/2014/main" xmlns="" val="10000"/>
                   </a:ext>
                 </a:extLst>
               </a:tr>
@@ -7901,7 +7901,7 @@
                 </a:tc>
                 <a:extLst>
                   <a:ext uri="{0D108BD9-81ED-4DB2-BD59-A6C34878D82A}">
-                    <a16:rowId xmlns="" xmlns:a16="http://schemas.microsoft.com/office/drawing/2014/main" val="10001"/>
+                    <a16:rowId xmlns:a16="http://schemas.microsoft.com/office/drawing/2014/main" xmlns="" val="10001"/>
                   </a:ext>
                 </a:extLst>
               </a:tr>
@@ -7987,7 +7987,7 @@
                 </a:tc>
                 <a:extLst>
                   <a:ext uri="{0D108BD9-81ED-4DB2-BD59-A6C34878D82A}">
-                    <a16:rowId xmlns="" xmlns:a16="http://schemas.microsoft.com/office/drawing/2014/main" val="10002"/>
+                    <a16:rowId xmlns:a16="http://schemas.microsoft.com/office/drawing/2014/main" xmlns="" val="10002"/>
                   </a:ext>
                 </a:extLst>
               </a:tr>
@@ -8080,7 +8080,7 @@
                 </a:tc>
                 <a:extLst>
                   <a:ext uri="{0D108BD9-81ED-4DB2-BD59-A6C34878D82A}">
-                    <a16:rowId xmlns="" xmlns:a16="http://schemas.microsoft.com/office/drawing/2014/main" val="10003"/>
+                    <a16:rowId xmlns:a16="http://schemas.microsoft.com/office/drawing/2014/main" xmlns="" val="10003"/>
                   </a:ext>
                 </a:extLst>
               </a:tr>
@@ -8197,7 +8197,7 @@
                 </a:tc>
                 <a:extLst>
                   <a:ext uri="{0D108BD9-81ED-4DB2-BD59-A6C34878D82A}">
-                    <a16:rowId xmlns="" xmlns:a16="http://schemas.microsoft.com/office/drawing/2014/main" val="10007"/>
+                    <a16:rowId xmlns:a16="http://schemas.microsoft.com/office/drawing/2014/main" xmlns="" val="10007"/>
                   </a:ext>
                 </a:extLst>
               </a:tr>
@@ -8233,7 +8233,7 @@
                 <a:gridCol w="3825875">
                   <a:extLst>
                     <a:ext uri="{9D8B030D-6E8A-4147-A177-3AD203B41FA5}">
-                      <a16:colId xmlns="" xmlns:a16="http://schemas.microsoft.com/office/drawing/2014/main" val="20000"/>
+                      <a16:colId xmlns:a16="http://schemas.microsoft.com/office/drawing/2014/main" xmlns="" val="20000"/>
                     </a:ext>
                   </a:extLst>
                 </a:gridCol>
@@ -8306,7 +8306,7 @@
                 </a:tc>
                 <a:extLst>
                   <a:ext uri="{0D108BD9-81ED-4DB2-BD59-A6C34878D82A}">
-                    <a16:rowId xmlns="" xmlns:a16="http://schemas.microsoft.com/office/drawing/2014/main" val="10000"/>
+                    <a16:rowId xmlns:a16="http://schemas.microsoft.com/office/drawing/2014/main" xmlns="" val="10000"/>
                   </a:ext>
                 </a:extLst>
               </a:tr>
@@ -8409,7 +8409,7 @@
                 </a:tc>
                 <a:extLst>
                   <a:ext uri="{0D108BD9-81ED-4DB2-BD59-A6C34878D82A}">
-                    <a16:rowId xmlns="" xmlns:a16="http://schemas.microsoft.com/office/drawing/2014/main" val="10001"/>
+                    <a16:rowId xmlns:a16="http://schemas.microsoft.com/office/drawing/2014/main" xmlns="" val="10001"/>
                   </a:ext>
                 </a:extLst>
               </a:tr>
@@ -8495,7 +8495,7 @@
                 </a:tc>
                 <a:extLst>
                   <a:ext uri="{0D108BD9-81ED-4DB2-BD59-A6C34878D82A}">
-                    <a16:rowId xmlns="" xmlns:a16="http://schemas.microsoft.com/office/drawing/2014/main" val="10002"/>
+                    <a16:rowId xmlns:a16="http://schemas.microsoft.com/office/drawing/2014/main" xmlns="" val="10002"/>
                   </a:ext>
                 </a:extLst>
               </a:tr>
@@ -8588,7 +8588,7 @@
                 </a:tc>
                 <a:extLst>
                   <a:ext uri="{0D108BD9-81ED-4DB2-BD59-A6C34878D82A}">
-                    <a16:rowId xmlns="" xmlns:a16="http://schemas.microsoft.com/office/drawing/2014/main" val="10003"/>
+                    <a16:rowId xmlns:a16="http://schemas.microsoft.com/office/drawing/2014/main" xmlns="" val="10003"/>
                   </a:ext>
                 </a:extLst>
               </a:tr>
@@ -8681,7 +8681,7 @@
                 </a:tc>
                 <a:extLst>
                   <a:ext uri="{0D108BD9-81ED-4DB2-BD59-A6C34878D82A}">
-                    <a16:rowId xmlns="" xmlns:a16="http://schemas.microsoft.com/office/drawing/2014/main" val="10004"/>
+                    <a16:rowId xmlns:a16="http://schemas.microsoft.com/office/drawing/2014/main" xmlns="" val="10004"/>
                   </a:ext>
                 </a:extLst>
               </a:tr>
@@ -8778,7 +8778,7 @@
                 </a:tc>
                 <a:extLst>
                   <a:ext uri="{0D108BD9-81ED-4DB2-BD59-A6C34878D82A}">
-                    <a16:rowId xmlns="" xmlns:a16="http://schemas.microsoft.com/office/drawing/2014/main" val="10005"/>
+                    <a16:rowId xmlns:a16="http://schemas.microsoft.com/office/drawing/2014/main" xmlns="" val="10005"/>
                   </a:ext>
                 </a:extLst>
               </a:tr>
@@ -8864,7 +8864,7 @@
                 </a:tc>
                 <a:extLst>
                   <a:ext uri="{0D108BD9-81ED-4DB2-BD59-A6C34878D82A}">
-                    <a16:rowId xmlns="" xmlns:a16="http://schemas.microsoft.com/office/drawing/2014/main" val="10006"/>
+                    <a16:rowId xmlns:a16="http://schemas.microsoft.com/office/drawing/2014/main" xmlns="" val="10006"/>
                   </a:ext>
                 </a:extLst>
               </a:tr>
@@ -8997,7 +8997,7 @@
                 </a:tc>
                 <a:extLst>
                   <a:ext uri="{0D108BD9-81ED-4DB2-BD59-A6C34878D82A}">
-                    <a16:rowId xmlns="" xmlns:a16="http://schemas.microsoft.com/office/drawing/2014/main" val="10007"/>
+                    <a16:rowId xmlns:a16="http://schemas.microsoft.com/office/drawing/2014/main" xmlns="" val="10007"/>
                   </a:ext>
                 </a:extLst>
               </a:tr>
@@ -9033,7 +9033,7 @@
                 <a:gridCol w="3894455">
                   <a:extLst>
                     <a:ext uri="{9D8B030D-6E8A-4147-A177-3AD203B41FA5}">
-                      <a16:colId xmlns="" xmlns:a16="http://schemas.microsoft.com/office/drawing/2014/main" val="20000"/>
+                      <a16:colId xmlns:a16="http://schemas.microsoft.com/office/drawing/2014/main" xmlns="" val="20000"/>
                     </a:ext>
                   </a:extLst>
                 </a:gridCol>
@@ -9113,7 +9113,7 @@
                 </a:tc>
                 <a:extLst>
                   <a:ext uri="{0D108BD9-81ED-4DB2-BD59-A6C34878D82A}">
-                    <a16:rowId xmlns="" xmlns:a16="http://schemas.microsoft.com/office/drawing/2014/main" val="10000"/>
+                    <a16:rowId xmlns:a16="http://schemas.microsoft.com/office/drawing/2014/main" xmlns="" val="10000"/>
                   </a:ext>
                 </a:extLst>
               </a:tr>
@@ -9206,7 +9206,7 @@
                 </a:tc>
                 <a:extLst>
                   <a:ext uri="{0D108BD9-81ED-4DB2-BD59-A6C34878D82A}">
-                    <a16:rowId xmlns="" xmlns:a16="http://schemas.microsoft.com/office/drawing/2014/main" val="10001"/>
+                    <a16:rowId xmlns:a16="http://schemas.microsoft.com/office/drawing/2014/main" xmlns="" val="10001"/>
                   </a:ext>
                 </a:extLst>
               </a:tr>
@@ -9612,7 +9612,7 @@
                 </a:tc>
                 <a:extLst>
                   <a:ext uri="{0D108BD9-81ED-4DB2-BD59-A6C34878D82A}">
-                    <a16:rowId xmlns="" xmlns:a16="http://schemas.microsoft.com/office/drawing/2014/main" val="10002"/>
+                    <a16:rowId xmlns:a16="http://schemas.microsoft.com/office/drawing/2014/main" xmlns="" val="10002"/>
                   </a:ext>
                 </a:extLst>
               </a:tr>
@@ -9705,7 +9705,7 @@
                 </a:tc>
                 <a:extLst>
                   <a:ext uri="{0D108BD9-81ED-4DB2-BD59-A6C34878D82A}">
-                    <a16:rowId xmlns="" xmlns:a16="http://schemas.microsoft.com/office/drawing/2014/main" val="10003"/>
+                    <a16:rowId xmlns:a16="http://schemas.microsoft.com/office/drawing/2014/main" xmlns="" val="10003"/>
                   </a:ext>
                 </a:extLst>
               </a:tr>
@@ -9838,7 +9838,7 @@
                 </a:tc>
                 <a:extLst>
                   <a:ext uri="{0D108BD9-81ED-4DB2-BD59-A6C34878D82A}">
-                    <a16:rowId xmlns="" xmlns:a16="http://schemas.microsoft.com/office/drawing/2014/main" val="10007"/>
+                    <a16:rowId xmlns:a16="http://schemas.microsoft.com/office/drawing/2014/main" xmlns="" val="10007"/>
                   </a:ext>
                 </a:extLst>
               </a:tr>
@@ -9855,7 +9855,7 @@
           <p:nvPr>
             <p:extLst>
               <p:ext uri="{D42A27DB-BD31-4B8C-83A1-F6EECF244321}">
-                <p14:modId xmlns:p14="http://schemas.microsoft.com/office/powerpoint/2010/main" val="2248994999"/>
+                <p14:modId xmlns:p14="http://schemas.microsoft.com/office/powerpoint/2010/main" val="2149358955"/>
               </p:ext>
             </p:extLst>
           </p:nvPr>
@@ -9874,7 +9874,7 @@
                 <a:gridCol w="3894455">
                   <a:extLst>
                     <a:ext uri="{9D8B030D-6E8A-4147-A177-3AD203B41FA5}">
-                      <a16:colId xmlns="" xmlns:a16="http://schemas.microsoft.com/office/drawing/2014/main" val="20000"/>
+                      <a16:colId xmlns:a16="http://schemas.microsoft.com/office/drawing/2014/main" xmlns="" val="20000"/>
                     </a:ext>
                   </a:extLst>
                 </a:gridCol>
@@ -9954,7 +9954,7 @@
                 </a:tc>
                 <a:extLst>
                   <a:ext uri="{0D108BD9-81ED-4DB2-BD59-A6C34878D82A}">
-                    <a16:rowId xmlns="" xmlns:a16="http://schemas.microsoft.com/office/drawing/2014/main" val="10000"/>
+                    <a16:rowId xmlns:a16="http://schemas.microsoft.com/office/drawing/2014/main" xmlns="" val="10000"/>
                   </a:ext>
                 </a:extLst>
               </a:tr>
@@ -10077,7 +10077,7 @@
                 </a:tc>
                 <a:extLst>
                   <a:ext uri="{0D108BD9-81ED-4DB2-BD59-A6C34878D82A}">
-                    <a16:rowId xmlns="" xmlns:a16="http://schemas.microsoft.com/office/drawing/2014/main" val="10001"/>
+                    <a16:rowId xmlns:a16="http://schemas.microsoft.com/office/drawing/2014/main" xmlns="" val="10001"/>
                   </a:ext>
                 </a:extLst>
               </a:tr>
@@ -10448,7 +10448,359 @@
                 </a:tc>
                 <a:extLst>
                   <a:ext uri="{0D108BD9-81ED-4DB2-BD59-A6C34878D82A}">
-                    <a16:rowId xmlns="" xmlns:a16="http://schemas.microsoft.com/office/drawing/2014/main" val="10007"/>
+                    <a16:rowId xmlns:a16="http://schemas.microsoft.com/office/drawing/2014/main" xmlns="" val="10007"/>
+                  </a:ext>
+                </a:extLst>
+              </a:tr>
+            </a:tbl>
+          </a:graphicData>
+        </a:graphic>
+      </p:graphicFrame>
+      <p:graphicFrame>
+        <p:nvGraphicFramePr>
+          <p:cNvPr id="14" name="Table 13"/>
+          <p:cNvGraphicFramePr>
+            <a:graphicFrameLocks noGrp="1"/>
+          </p:cNvGraphicFramePr>
+          <p:nvPr>
+            <p:extLst>
+              <p:ext uri="{D42A27DB-BD31-4B8C-83A1-F6EECF244321}">
+                <p14:modId xmlns:p14="http://schemas.microsoft.com/office/powerpoint/2010/main" val="2829081725"/>
+              </p:ext>
+            </p:extLst>
+          </p:nvPr>
+        </p:nvGraphicFramePr>
+        <p:xfrm>
+          <a:off x="4684395" y="8470981"/>
+          <a:ext cx="3894455" cy="916940"/>
+        </p:xfrm>
+        <a:graphic>
+          <a:graphicData uri="http://schemas.openxmlformats.org/drawingml/2006/table">
+            <a:tbl>
+              <a:tblPr firstRow="1" bandRow="1">
+                <a:tableStyleId>{5940675A-B579-460E-94D1-54222C63F5DA}</a:tableStyleId>
+              </a:tblPr>
+              <a:tblGrid>
+                <a:gridCol w="3894455">
+                  <a:extLst>
+                    <a:ext uri="{9D8B030D-6E8A-4147-A177-3AD203B41FA5}">
+                      <a16:colId xmlns:a16="http://schemas.microsoft.com/office/drawing/2014/main" xmlns="" val="20000"/>
+                    </a:ext>
+                  </a:extLst>
+                </a:gridCol>
+              </a:tblGrid>
+              <a:tr h="260350">
+                <a:tc>
+                  <a:txBody>
+                    <a:bodyPr/>
+                    <a:lstStyle/>
+                    <a:p>
+                      <a:pPr algn="l"/>
+                      <a:r>
+                        <a:rPr lang="en-GB" sz="1000" b="1" baseline="0" smtClean="0">
+                          <a:solidFill>
+                            <a:srgbClr val="000000"/>
+                          </a:solidFill>
+                          <a:latin typeface="Segoe UI" pitchFamily="34" charset="0"/>
+                          <a:cs typeface="Segoe UI" pitchFamily="34" charset="0"/>
+                        </a:rPr>
+                        <a:t>Don’t Use External Benchmark</a:t>
+                      </a:r>
+                      <a:endParaRPr lang="en-GB" sz="1000" b="1" baseline="0">
+                        <a:solidFill>
+                          <a:srgbClr val="000000"/>
+                        </a:solidFill>
+                        <a:latin typeface="Segoe UI" pitchFamily="34" charset="0"/>
+                        <a:cs typeface="Segoe UI" pitchFamily="34" charset="0"/>
+                      </a:endParaRPr>
+                    </a:p>
+                  </a:txBody>
+                  <a:tcPr>
+                    <a:lnL w="6350" cap="flat" cmpd="sng" algn="ctr">
+                      <a:solidFill>
+                        <a:srgbClr val="000000"/>
+                      </a:solidFill>
+                      <a:prstDash val="solid"/>
+                      <a:round/>
+                      <a:headEnd type="none" w="med" len="med"/>
+                      <a:tailEnd type="none" w="med" len="med"/>
+                    </a:lnL>
+                    <a:lnR w="12700" cap="flat" cmpd="sng" algn="ctr">
+                      <a:solidFill>
+                        <a:schemeClr val="tx1"/>
+                      </a:solidFill>
+                      <a:prstDash val="solid"/>
+                      <a:round/>
+                      <a:headEnd type="none" w="med" len="med"/>
+                      <a:tailEnd type="none" w="med" len="med"/>
+                    </a:lnR>
+                    <a:lnT w="6350" cap="flat" cmpd="sng" algn="ctr">
+                      <a:solidFill>
+                        <a:srgbClr val="000000"/>
+                      </a:solidFill>
+                      <a:prstDash val="solid"/>
+                      <a:round/>
+                      <a:headEnd type="none" w="med" len="med"/>
+                      <a:tailEnd type="none" w="med" len="med"/>
+                    </a:lnT>
+                    <a:lnB w="6350" cap="flat" cmpd="sng" algn="ctr">
+                      <a:solidFill>
+                        <a:srgbClr val="000000"/>
+                      </a:solidFill>
+                      <a:prstDash val="solid"/>
+                      <a:round/>
+                      <a:headEnd type="none" w="med" len="med"/>
+                      <a:tailEnd type="none" w="med" len="med"/>
+                    </a:lnB>
+                    <a:lnTlToBr w="12700" cmpd="sng">
+                      <a:noFill/>
+                      <a:prstDash val="solid"/>
+                    </a:lnTlToBr>
+                    <a:lnBlToTr w="12700" cmpd="sng">
+                      <a:noFill/>
+                      <a:prstDash val="solid"/>
+                    </a:lnBlToTr>
+                  </a:tcPr>
+                </a:tc>
+                <a:extLst>
+                  <a:ext uri="{0D108BD9-81ED-4DB2-BD59-A6C34878D82A}">
+                    <a16:rowId xmlns:a16="http://schemas.microsoft.com/office/drawing/2014/main" xmlns="" val="10000"/>
+                  </a:ext>
+                </a:extLst>
+              </a:tr>
+              <a:tr h="273736">
+                <a:tc>
+                  <a:txBody>
+                    <a:bodyPr/>
+                    <a:lstStyle/>
+                    <a:p>
+                      <a:pPr marL="0" marR="0" indent="0" algn="l" defTabSz="584200" rtl="0" eaLnBrk="1" fontAlgn="auto" latinLnBrk="0" hangingPunct="1">
+                        <a:lnSpc>
+                          <a:spcPct val="100000"/>
+                        </a:lnSpc>
+                        <a:spcBef>
+                          <a:spcPts val="0"/>
+                        </a:spcBef>
+                        <a:spcAft>
+                          <a:spcPts val="0"/>
+                        </a:spcAft>
+                        <a:buClrTx/>
+                        <a:buSzTx/>
+                        <a:buFontTx/>
+                        <a:buNone/>
+                        <a:tabLst/>
+                        <a:defRPr/>
+                      </a:pPr>
+                      <a:r>
+                        <a:rPr lang="en-GB" sz="1000" i="0" smtClean="0">
+                          <a:solidFill>
+                            <a:srgbClr val="000000"/>
+                          </a:solidFill>
+                          <a:latin typeface="Segoe UI" pitchFamily="34" charset="0"/>
+                          <a:cs typeface="Segoe UI" pitchFamily="34" charset="0"/>
+                        </a:rPr>
+                        <a:t>External</a:t>
+                      </a:r>
+                      <a:r>
+                        <a:rPr lang="en-GB" sz="1000" i="0" baseline="0" smtClean="0">
+                          <a:solidFill>
+                            <a:srgbClr val="000000"/>
+                          </a:solidFill>
+                          <a:latin typeface="Segoe UI" pitchFamily="34" charset="0"/>
+                          <a:cs typeface="Segoe UI" pitchFamily="34" charset="0"/>
+                        </a:rPr>
+                        <a:t> benchmarks for forecasting accuracy are very unreliable! Do not use them.</a:t>
+                      </a:r>
+                      <a:endParaRPr lang="en-GB" sz="1000" i="0">
+                        <a:solidFill>
+                          <a:srgbClr val="000000"/>
+                        </a:solidFill>
+                        <a:latin typeface="Segoe UI" pitchFamily="34" charset="0"/>
+                        <a:cs typeface="Segoe UI" pitchFamily="34" charset="0"/>
+                      </a:endParaRPr>
+                    </a:p>
+                  </a:txBody>
+                  <a:tcPr>
+                    <a:lnL w="6350" cap="flat" cmpd="sng" algn="ctr">
+                      <a:solidFill>
+                        <a:srgbClr val="000000"/>
+                      </a:solidFill>
+                      <a:prstDash val="solid"/>
+                      <a:round/>
+                      <a:headEnd type="none" w="med" len="med"/>
+                      <a:tailEnd type="none" w="med" len="med"/>
+                    </a:lnL>
+                    <a:lnR w="12700" cap="flat" cmpd="sng" algn="ctr">
+                      <a:solidFill>
+                        <a:schemeClr val="tx1"/>
+                      </a:solidFill>
+                      <a:prstDash val="solid"/>
+                      <a:round/>
+                      <a:headEnd type="none" w="med" len="med"/>
+                      <a:tailEnd type="none" w="med" len="med"/>
+                    </a:lnR>
+                    <a:lnT w="6350" cap="flat" cmpd="sng" algn="ctr">
+                      <a:solidFill>
+                        <a:srgbClr val="000000"/>
+                      </a:solidFill>
+                      <a:prstDash val="solid"/>
+                      <a:round/>
+                      <a:headEnd type="none" w="med" len="med"/>
+                      <a:tailEnd type="none" w="med" len="med"/>
+                    </a:lnT>
+                    <a:lnB w="6350" cap="flat" cmpd="sng" algn="ctr">
+                      <a:noFill/>
+                      <a:prstDash val="solid"/>
+                      <a:round/>
+                      <a:headEnd type="none" w="med" len="med"/>
+                      <a:tailEnd type="none" w="med" len="med"/>
+                    </a:lnB>
+                    <a:lnTlToBr w="12700" cmpd="sng">
+                      <a:noFill/>
+                      <a:prstDash val="solid"/>
+                    </a:lnTlToBr>
+                    <a:lnBlToTr w="12700" cmpd="sng">
+                      <a:noFill/>
+                      <a:prstDash val="solid"/>
+                    </a:lnBlToTr>
+                  </a:tcPr>
+                </a:tc>
+                <a:extLst>
+                  <a:ext uri="{0D108BD9-81ED-4DB2-BD59-A6C34878D82A}">
+                    <a16:rowId xmlns:a16="http://schemas.microsoft.com/office/drawing/2014/main" xmlns="" val="10001"/>
+                  </a:ext>
+                </a:extLst>
+              </a:tr>
+              <a:tr h="260350">
+                <a:tc>
+                  <a:txBody>
+                    <a:bodyPr/>
+                    <a:lstStyle/>
+                    <a:p>
+                      <a:pPr marL="0" marR="0" indent="0" algn="l" defTabSz="584200" rtl="0" eaLnBrk="1" fontAlgn="auto" latinLnBrk="0" hangingPunct="1">
+                        <a:lnSpc>
+                          <a:spcPct val="100000"/>
+                        </a:lnSpc>
+                        <a:spcBef>
+                          <a:spcPts val="0"/>
+                        </a:spcBef>
+                        <a:spcAft>
+                          <a:spcPts val="0"/>
+                        </a:spcAft>
+                        <a:buClrTx/>
+                        <a:buSzTx/>
+                        <a:buFontTx/>
+                        <a:buNone/>
+                        <a:tabLst/>
+                        <a:defRPr/>
+                      </a:pPr>
+                      <a:r>
+                        <a:rPr lang="en-GB" sz="1000" b="0" i="0" u="none" strike="noStrike" cap="none" spc="0" baseline="0">
+                          <a:ln>
+                            <a:noFill/>
+                          </a:ln>
+                          <a:solidFill>
+                            <a:srgbClr val="000000"/>
+                          </a:solidFill>
+                          <a:uFillTx/>
+                          <a:latin typeface="Segoe UI" pitchFamily="34" charset="0"/>
+                          <a:ea typeface="+mn-ea"/>
+                          <a:cs typeface="Segoe UI" pitchFamily="34" charset="0"/>
+                          <a:sym typeface="Source Sans Pro"/>
+                        </a:rPr>
+                        <a:t>Source: </a:t>
+                      </a:r>
+                      <a:r>
+                        <a:rPr lang="en-GB" sz="1000" b="0" i="0" u="none" strike="noStrike" cap="none" spc="0" baseline="0">
+                          <a:ln>
+                            <a:noFill/>
+                          </a:ln>
+                          <a:solidFill>
+                            <a:srgbClr val="000000"/>
+                          </a:solidFill>
+                          <a:uFillTx/>
+                          <a:latin typeface="Segoe UI" pitchFamily="34" charset="0"/>
+                          <a:ea typeface="+mn-ea"/>
+                          <a:cs typeface="Segoe UI" pitchFamily="34" charset="0"/>
+                          <a:sym typeface="Helvetica Light"/>
+                        </a:rPr>
+                        <a:t>Business Forecasting Ch. </a:t>
+                      </a:r>
+                      <a:r>
+                        <a:rPr lang="en-GB" sz="1000" b="0" i="0" u="none" strike="noStrike" cap="none" spc="0" baseline="0" smtClean="0">
+                          <a:ln>
+                            <a:noFill/>
+                          </a:ln>
+                          <a:solidFill>
+                            <a:srgbClr val="000000"/>
+                          </a:solidFill>
+                          <a:uFillTx/>
+                          <a:latin typeface="Segoe UI" pitchFamily="34" charset="0"/>
+                          <a:ea typeface="+mn-ea"/>
+                          <a:cs typeface="Segoe UI" pitchFamily="34" charset="0"/>
+                          <a:sym typeface="Helvetica Light"/>
+                        </a:rPr>
+                        <a:t>1.6-1.7</a:t>
+                      </a:r>
+                      <a:endParaRPr lang="en-GB" sz="1000" b="0" i="0" u="none" strike="noStrike" cap="none" spc="0" baseline="0">
+                        <a:ln>
+                          <a:noFill/>
+                        </a:ln>
+                        <a:solidFill>
+                          <a:srgbClr val="000000"/>
+                        </a:solidFill>
+                        <a:uFillTx/>
+                        <a:latin typeface="Segoe UI" pitchFamily="34" charset="0"/>
+                        <a:ea typeface="+mn-ea"/>
+                        <a:cs typeface="Segoe UI" pitchFamily="34" charset="0"/>
+                        <a:sym typeface="Source Sans Pro"/>
+                      </a:endParaRPr>
+                    </a:p>
+                  </a:txBody>
+                  <a:tcPr>
+                    <a:lnL w="6350" cap="flat" cmpd="sng" algn="ctr">
+                      <a:solidFill>
+                        <a:srgbClr val="000000"/>
+                      </a:solidFill>
+                      <a:prstDash val="solid"/>
+                      <a:round/>
+                      <a:headEnd type="none" w="med" len="med"/>
+                      <a:tailEnd type="none" w="med" len="med"/>
+                    </a:lnL>
+                    <a:lnR w="12700" cap="flat" cmpd="sng" algn="ctr">
+                      <a:solidFill>
+                        <a:schemeClr val="tx1"/>
+                      </a:solidFill>
+                      <a:prstDash val="solid"/>
+                      <a:round/>
+                      <a:headEnd type="none" w="med" len="med"/>
+                      <a:tailEnd type="none" w="med" len="med"/>
+                    </a:lnR>
+                    <a:lnT w="12700" cmpd="sng">
+                      <a:noFill/>
+                    </a:lnT>
+                    <a:lnB w="6350" cap="flat" cmpd="sng" algn="ctr">
+                      <a:solidFill>
+                        <a:srgbClr val="000000"/>
+                      </a:solidFill>
+                      <a:prstDash val="solid"/>
+                      <a:round/>
+                      <a:headEnd type="none" w="med" len="med"/>
+                      <a:tailEnd type="none" w="med" len="med"/>
+                    </a:lnB>
+                    <a:lnTlToBr w="12700" cmpd="sng">
+                      <a:noFill/>
+                      <a:prstDash val="solid"/>
+                    </a:lnTlToBr>
+                    <a:lnBlToTr w="12700" cmpd="sng">
+                      <a:noFill/>
+                      <a:prstDash val="solid"/>
+                    </a:lnBlToTr>
+                  </a:tcPr>
+                </a:tc>
+                <a:extLst>
+                  <a:ext uri="{0D108BD9-81ED-4DB2-BD59-A6C34878D82A}">
+                    <a16:rowId xmlns:a16="http://schemas.microsoft.com/office/drawing/2014/main" xmlns="" val="10007"/>
                   </a:ext>
                 </a:extLst>
               </a:tr>
@@ -10768,7 +11120,7 @@
                 <a:gridCol w="3800476">
                   <a:extLst>
                     <a:ext uri="{9D8B030D-6E8A-4147-A177-3AD203B41FA5}">
-                      <a16:colId xmlns="" xmlns:a16="http://schemas.microsoft.com/office/drawing/2014/main" val="20000"/>
+                      <a16:colId xmlns:a16="http://schemas.microsoft.com/office/drawing/2014/main" xmlns="" val="20000"/>
                     </a:ext>
                   </a:extLst>
                 </a:gridCol>
@@ -10848,7 +11200,7 @@
                 </a:tc>
                 <a:extLst>
                   <a:ext uri="{0D108BD9-81ED-4DB2-BD59-A6C34878D82A}">
-                    <a16:rowId xmlns="" xmlns:a16="http://schemas.microsoft.com/office/drawing/2014/main" val="10000"/>
+                    <a16:rowId xmlns:a16="http://schemas.microsoft.com/office/drawing/2014/main" xmlns="" val="10000"/>
                   </a:ext>
                 </a:extLst>
               </a:tr>
@@ -10928,7 +11280,7 @@
                 </a:tc>
                 <a:extLst>
                   <a:ext uri="{0D108BD9-81ED-4DB2-BD59-A6C34878D82A}">
-                    <a16:rowId xmlns="" xmlns:a16="http://schemas.microsoft.com/office/drawing/2014/main" val="10001"/>
+                    <a16:rowId xmlns:a16="http://schemas.microsoft.com/office/drawing/2014/main" xmlns="" val="10001"/>
                   </a:ext>
                 </a:extLst>
               </a:tr>
@@ -10982,7 +11334,7 @@
                 </a:tc>
                 <a:extLst>
                   <a:ext uri="{0D108BD9-81ED-4DB2-BD59-A6C34878D82A}">
-                    <a16:rowId xmlns="" xmlns:a16="http://schemas.microsoft.com/office/drawing/2014/main" val="10002"/>
+                    <a16:rowId xmlns:a16="http://schemas.microsoft.com/office/drawing/2014/main" xmlns="" val="10002"/>
                   </a:ext>
                 </a:extLst>
               </a:tr>
@@ -11036,7 +11388,7 @@
                 </a:tc>
                 <a:extLst>
                   <a:ext uri="{0D108BD9-81ED-4DB2-BD59-A6C34878D82A}">
-                    <a16:rowId xmlns="" xmlns:a16="http://schemas.microsoft.com/office/drawing/2014/main" val="10003"/>
+                    <a16:rowId xmlns:a16="http://schemas.microsoft.com/office/drawing/2014/main" xmlns="" val="10003"/>
                   </a:ext>
                 </a:extLst>
               </a:tr>
@@ -11118,7 +11470,7 @@
                 </a:tc>
                 <a:extLst>
                   <a:ext uri="{0D108BD9-81ED-4DB2-BD59-A6C34878D82A}">
-                    <a16:rowId xmlns="" xmlns:a16="http://schemas.microsoft.com/office/drawing/2014/main" val="10004"/>
+                    <a16:rowId xmlns:a16="http://schemas.microsoft.com/office/drawing/2014/main" xmlns="" val="10004"/>
                   </a:ext>
                 </a:extLst>
               </a:tr>
@@ -11154,7 +11506,7 @@
                 <a:gridCol w="3825875">
                   <a:extLst>
                     <a:ext uri="{9D8B030D-6E8A-4147-A177-3AD203B41FA5}">
-                      <a16:colId xmlns="" xmlns:a16="http://schemas.microsoft.com/office/drawing/2014/main" val="20000"/>
+                      <a16:colId xmlns:a16="http://schemas.microsoft.com/office/drawing/2014/main" xmlns="" val="20000"/>
                     </a:ext>
                   </a:extLst>
                 </a:gridCol>
@@ -11247,7 +11599,7 @@
                 </a:tc>
                 <a:extLst>
                   <a:ext uri="{0D108BD9-81ED-4DB2-BD59-A6C34878D82A}">
-                    <a16:rowId xmlns="" xmlns:a16="http://schemas.microsoft.com/office/drawing/2014/main" val="10000"/>
+                    <a16:rowId xmlns:a16="http://schemas.microsoft.com/office/drawing/2014/main" xmlns="" val="10000"/>
                   </a:ext>
                 </a:extLst>
               </a:tr>
@@ -11347,7 +11699,7 @@
                 </a:tc>
                 <a:extLst>
                   <a:ext uri="{0D108BD9-81ED-4DB2-BD59-A6C34878D82A}">
-                    <a16:rowId xmlns="" xmlns:a16="http://schemas.microsoft.com/office/drawing/2014/main" val="10001"/>
+                    <a16:rowId xmlns:a16="http://schemas.microsoft.com/office/drawing/2014/main" xmlns="" val="10001"/>
                   </a:ext>
                 </a:extLst>
               </a:tr>
@@ -11443,7 +11795,7 @@
                 </a:tc>
                 <a:extLst>
                   <a:ext uri="{0D108BD9-81ED-4DB2-BD59-A6C34878D82A}">
-                    <a16:rowId xmlns="" xmlns:a16="http://schemas.microsoft.com/office/drawing/2014/main" val="10002"/>
+                    <a16:rowId xmlns:a16="http://schemas.microsoft.com/office/drawing/2014/main" xmlns="" val="10002"/>
                   </a:ext>
                 </a:extLst>
               </a:tr>
@@ -11715,7 +12067,7 @@
                 </a:tc>
                 <a:extLst>
                   <a:ext uri="{0D108BD9-81ED-4DB2-BD59-A6C34878D82A}">
-                    <a16:rowId xmlns="" xmlns:a16="http://schemas.microsoft.com/office/drawing/2014/main" val="10003"/>
+                    <a16:rowId xmlns:a16="http://schemas.microsoft.com/office/drawing/2014/main" xmlns="" val="10003"/>
                   </a:ext>
                 </a:extLst>
               </a:tr>
@@ -11816,7 +12168,7 @@
                 </a:tc>
                 <a:extLst>
                   <a:ext uri="{0D108BD9-81ED-4DB2-BD59-A6C34878D82A}">
-                    <a16:rowId xmlns="" xmlns:a16="http://schemas.microsoft.com/office/drawing/2014/main" val="10004"/>
+                    <a16:rowId xmlns:a16="http://schemas.microsoft.com/office/drawing/2014/main" xmlns="" val="10004"/>
                   </a:ext>
                 </a:extLst>
               </a:tr>
@@ -11852,7 +12204,7 @@
                 <a:gridCol w="3825875">
                   <a:extLst>
                     <a:ext uri="{9D8B030D-6E8A-4147-A177-3AD203B41FA5}">
-                      <a16:colId xmlns="" xmlns:a16="http://schemas.microsoft.com/office/drawing/2014/main" val="20000"/>
+                      <a16:colId xmlns:a16="http://schemas.microsoft.com/office/drawing/2014/main" xmlns="" val="20000"/>
                     </a:ext>
                   </a:extLst>
                 </a:gridCol>
@@ -11925,7 +12277,7 @@
                 </a:tc>
                 <a:extLst>
                   <a:ext uri="{0D108BD9-81ED-4DB2-BD59-A6C34878D82A}">
-                    <a16:rowId xmlns="" xmlns:a16="http://schemas.microsoft.com/office/drawing/2014/main" val="10000"/>
+                    <a16:rowId xmlns:a16="http://schemas.microsoft.com/office/drawing/2014/main" xmlns="" val="10000"/>
                   </a:ext>
                 </a:extLst>
               </a:tr>
@@ -12005,7 +12357,7 @@
                 </a:tc>
                 <a:extLst>
                   <a:ext uri="{0D108BD9-81ED-4DB2-BD59-A6C34878D82A}">
-                    <a16:rowId xmlns="" xmlns:a16="http://schemas.microsoft.com/office/drawing/2014/main" val="10001"/>
+                    <a16:rowId xmlns:a16="http://schemas.microsoft.com/office/drawing/2014/main" xmlns="" val="10001"/>
                   </a:ext>
                 </a:extLst>
               </a:tr>
@@ -12085,7 +12437,7 @@
                 </a:tc>
                 <a:extLst>
                   <a:ext uri="{0D108BD9-81ED-4DB2-BD59-A6C34878D82A}">
-                    <a16:rowId xmlns="" xmlns:a16="http://schemas.microsoft.com/office/drawing/2014/main" val="10002"/>
+                    <a16:rowId xmlns:a16="http://schemas.microsoft.com/office/drawing/2014/main" xmlns="" val="10002"/>
                   </a:ext>
                 </a:extLst>
               </a:tr>
@@ -12165,7 +12517,7 @@
                 </a:tc>
                 <a:extLst>
                   <a:ext uri="{0D108BD9-81ED-4DB2-BD59-A6C34878D82A}">
-                    <a16:rowId xmlns="" xmlns:a16="http://schemas.microsoft.com/office/drawing/2014/main" val="10003"/>
+                    <a16:rowId xmlns:a16="http://schemas.microsoft.com/office/drawing/2014/main" xmlns="" val="10003"/>
                   </a:ext>
                 </a:extLst>
               </a:tr>
@@ -12245,7 +12597,7 @@
                 </a:tc>
                 <a:extLst>
                   <a:ext uri="{0D108BD9-81ED-4DB2-BD59-A6C34878D82A}">
-                    <a16:rowId xmlns="" xmlns:a16="http://schemas.microsoft.com/office/drawing/2014/main" val="10004"/>
+                    <a16:rowId xmlns:a16="http://schemas.microsoft.com/office/drawing/2014/main" xmlns="" val="10004"/>
                   </a:ext>
                 </a:extLst>
               </a:tr>
@@ -12324,7 +12676,7 @@
                 </a:tc>
                 <a:extLst>
                   <a:ext uri="{0D108BD9-81ED-4DB2-BD59-A6C34878D82A}">
-                    <a16:rowId xmlns="" xmlns:a16="http://schemas.microsoft.com/office/drawing/2014/main" val="10005"/>
+                    <a16:rowId xmlns:a16="http://schemas.microsoft.com/office/drawing/2014/main" xmlns="" val="10005"/>
                   </a:ext>
                 </a:extLst>
               </a:tr>
@@ -12360,21 +12712,21 @@
                 <a:gridCol w="1333954">
                   <a:extLst>
                     <a:ext uri="{9D8B030D-6E8A-4147-A177-3AD203B41FA5}">
-                      <a16:colId xmlns="" xmlns:a16="http://schemas.microsoft.com/office/drawing/2014/main" val="20000"/>
+                      <a16:colId xmlns:a16="http://schemas.microsoft.com/office/drawing/2014/main" xmlns="" val="20000"/>
                     </a:ext>
                   </a:extLst>
                 </a:gridCol>
                 <a:gridCol w="380538">
                   <a:extLst>
                     <a:ext uri="{9D8B030D-6E8A-4147-A177-3AD203B41FA5}">
-                      <a16:colId xmlns="" xmlns:a16="http://schemas.microsoft.com/office/drawing/2014/main" val="20001"/>
+                      <a16:colId xmlns:a16="http://schemas.microsoft.com/office/drawing/2014/main" xmlns="" val="20001"/>
                     </a:ext>
                   </a:extLst>
                 </a:gridCol>
                 <a:gridCol w="1831568">
                   <a:extLst>
                     <a:ext uri="{9D8B030D-6E8A-4147-A177-3AD203B41FA5}">
-                      <a16:colId xmlns="" xmlns:a16="http://schemas.microsoft.com/office/drawing/2014/main" val="20002"/>
+                      <a16:colId xmlns:a16="http://schemas.microsoft.com/office/drawing/2014/main" xmlns="" val="20002"/>
                     </a:ext>
                   </a:extLst>
                 </a:gridCol>
@@ -12482,7 +12834,7 @@
                 </a:tc>
                 <a:extLst>
                   <a:ext uri="{0D108BD9-81ED-4DB2-BD59-A6C34878D82A}">
-                    <a16:rowId xmlns="" xmlns:a16="http://schemas.microsoft.com/office/drawing/2014/main" val="10000"/>
+                    <a16:rowId xmlns:a16="http://schemas.microsoft.com/office/drawing/2014/main" xmlns="" val="10000"/>
                   </a:ext>
                 </a:extLst>
               </a:tr>
@@ -12684,7 +13036,7 @@
                 </a:tc>
                 <a:extLst>
                   <a:ext uri="{0D108BD9-81ED-4DB2-BD59-A6C34878D82A}">
-                    <a16:rowId xmlns="" xmlns:a16="http://schemas.microsoft.com/office/drawing/2014/main" val="10001"/>
+                    <a16:rowId xmlns:a16="http://schemas.microsoft.com/office/drawing/2014/main" xmlns="" val="10001"/>
                   </a:ext>
                 </a:extLst>
               </a:tr>
@@ -12817,7 +13169,7 @@
                 </a:tc>
                 <a:extLst>
                   <a:ext uri="{0D108BD9-81ED-4DB2-BD59-A6C34878D82A}">
-                    <a16:rowId xmlns="" xmlns:a16="http://schemas.microsoft.com/office/drawing/2014/main" val="10002"/>
+                    <a16:rowId xmlns:a16="http://schemas.microsoft.com/office/drawing/2014/main" xmlns="" val="10002"/>
                   </a:ext>
                 </a:extLst>
               </a:tr>
@@ -12950,7 +13302,7 @@
                 </a:tc>
                 <a:extLst>
                   <a:ext uri="{0D108BD9-81ED-4DB2-BD59-A6C34878D82A}">
-                    <a16:rowId xmlns="" xmlns:a16="http://schemas.microsoft.com/office/drawing/2014/main" val="10003"/>
+                    <a16:rowId xmlns:a16="http://schemas.microsoft.com/office/drawing/2014/main" xmlns="" val="10003"/>
                   </a:ext>
                 </a:extLst>
               </a:tr>
@@ -13167,7 +13519,7 @@
                 </a:tc>
                 <a:extLst>
                   <a:ext uri="{0D108BD9-81ED-4DB2-BD59-A6C34878D82A}">
-                    <a16:rowId xmlns="" xmlns:a16="http://schemas.microsoft.com/office/drawing/2014/main" val="10004"/>
+                    <a16:rowId xmlns:a16="http://schemas.microsoft.com/office/drawing/2014/main" xmlns="" val="10004"/>
                   </a:ext>
                 </a:extLst>
               </a:tr>
@@ -13203,7 +13555,7 @@
                 <a:gridCol w="3800476">
                   <a:extLst>
                     <a:ext uri="{9D8B030D-6E8A-4147-A177-3AD203B41FA5}">
-                      <a16:colId xmlns="" xmlns:a16="http://schemas.microsoft.com/office/drawing/2014/main" val="20000"/>
+                      <a16:colId xmlns:a16="http://schemas.microsoft.com/office/drawing/2014/main" xmlns="" val="20000"/>
                     </a:ext>
                   </a:extLst>
                 </a:gridCol>
@@ -13283,7 +13635,7 @@
                 </a:tc>
                 <a:extLst>
                   <a:ext uri="{0D108BD9-81ED-4DB2-BD59-A6C34878D82A}">
-                    <a16:rowId xmlns="" xmlns:a16="http://schemas.microsoft.com/office/drawing/2014/main" val="10000"/>
+                    <a16:rowId xmlns:a16="http://schemas.microsoft.com/office/drawing/2014/main" xmlns="" val="10000"/>
                   </a:ext>
                 </a:extLst>
               </a:tr>
@@ -13383,7 +13735,7 @@
                 </a:tc>
                 <a:extLst>
                   <a:ext uri="{0D108BD9-81ED-4DB2-BD59-A6C34878D82A}">
-                    <a16:rowId xmlns="" xmlns:a16="http://schemas.microsoft.com/office/drawing/2014/main" val="10001"/>
+                    <a16:rowId xmlns:a16="http://schemas.microsoft.com/office/drawing/2014/main" xmlns="" val="10001"/>
                   </a:ext>
                 </a:extLst>
               </a:tr>
@@ -13492,7 +13844,7 @@
                 </a:tc>
                 <a:extLst>
                   <a:ext uri="{0D108BD9-81ED-4DB2-BD59-A6C34878D82A}">
-                    <a16:rowId xmlns="" xmlns:a16="http://schemas.microsoft.com/office/drawing/2014/main" val="10002"/>
+                    <a16:rowId xmlns:a16="http://schemas.microsoft.com/office/drawing/2014/main" xmlns="" val="10002"/>
                   </a:ext>
                 </a:extLst>
               </a:tr>
@@ -13809,7 +14161,7 @@
                 </a:tc>
                 <a:extLst>
                   <a:ext uri="{0D108BD9-81ED-4DB2-BD59-A6C34878D82A}">
-                    <a16:rowId xmlns="" xmlns:a16="http://schemas.microsoft.com/office/drawing/2014/main" val="10003"/>
+                    <a16:rowId xmlns:a16="http://schemas.microsoft.com/office/drawing/2014/main" xmlns="" val="10003"/>
                   </a:ext>
                 </a:extLst>
               </a:tr>
@@ -13921,7 +14273,7 @@
                 </a:tc>
                 <a:extLst>
                   <a:ext uri="{0D108BD9-81ED-4DB2-BD59-A6C34878D82A}">
-                    <a16:rowId xmlns="" xmlns:a16="http://schemas.microsoft.com/office/drawing/2014/main" val="10004"/>
+                    <a16:rowId xmlns:a16="http://schemas.microsoft.com/office/drawing/2014/main" xmlns="" val="10004"/>
                   </a:ext>
                 </a:extLst>
               </a:tr>
@@ -14081,7 +14433,7 @@
                 </a:tc>
                 <a:extLst>
                   <a:ext uri="{0D108BD9-81ED-4DB2-BD59-A6C34878D82A}">
-                    <a16:rowId xmlns="" xmlns:a16="http://schemas.microsoft.com/office/drawing/2014/main" val="10005"/>
+                    <a16:rowId xmlns:a16="http://schemas.microsoft.com/office/drawing/2014/main" xmlns="" val="10005"/>
                   </a:ext>
                 </a:extLst>
               </a:tr>
@@ -14209,7 +14561,7 @@
                 </a:tc>
                 <a:extLst>
                   <a:ext uri="{0D108BD9-81ED-4DB2-BD59-A6C34878D82A}">
-                    <a16:rowId xmlns="" xmlns:a16="http://schemas.microsoft.com/office/drawing/2014/main" val="10006"/>
+                    <a16:rowId xmlns:a16="http://schemas.microsoft.com/office/drawing/2014/main" xmlns="" val="10006"/>
                   </a:ext>
                 </a:extLst>
               </a:tr>
@@ -14286,7 +14638,7 @@
                 </a:tc>
                 <a:extLst>
                   <a:ext uri="{0D108BD9-81ED-4DB2-BD59-A6C34878D82A}">
-                    <a16:rowId xmlns="" xmlns:a16="http://schemas.microsoft.com/office/drawing/2014/main" val="10007"/>
+                    <a16:rowId xmlns:a16="http://schemas.microsoft.com/office/drawing/2014/main" xmlns="" val="10007"/>
                   </a:ext>
                 </a:extLst>
               </a:tr>
@@ -14368,7 +14720,7 @@
                 </a:tc>
                 <a:extLst>
                   <a:ext uri="{0D108BD9-81ED-4DB2-BD59-A6C34878D82A}">
-                    <a16:rowId xmlns="" xmlns:a16="http://schemas.microsoft.com/office/drawing/2014/main" val="10008"/>
+                    <a16:rowId xmlns:a16="http://schemas.microsoft.com/office/drawing/2014/main" xmlns="" val="10008"/>
                   </a:ext>
                 </a:extLst>
               </a:tr>
@@ -14404,7 +14756,7 @@
                 <a:gridCol w="3970655">
                   <a:extLst>
                     <a:ext uri="{9D8B030D-6E8A-4147-A177-3AD203B41FA5}">
-                      <a16:colId xmlns="" xmlns:a16="http://schemas.microsoft.com/office/drawing/2014/main" val="20000"/>
+                      <a16:colId xmlns:a16="http://schemas.microsoft.com/office/drawing/2014/main" xmlns="" val="20000"/>
                     </a:ext>
                   </a:extLst>
                 </a:gridCol>
@@ -14477,7 +14829,7 @@
                 </a:tc>
                 <a:extLst>
                   <a:ext uri="{0D108BD9-81ED-4DB2-BD59-A6C34878D82A}">
-                    <a16:rowId xmlns="" xmlns:a16="http://schemas.microsoft.com/office/drawing/2014/main" val="10000"/>
+                    <a16:rowId xmlns:a16="http://schemas.microsoft.com/office/drawing/2014/main" xmlns="" val="10000"/>
                   </a:ext>
                 </a:extLst>
               </a:tr>
@@ -14563,7 +14915,7 @@
                 </a:tc>
                 <a:extLst>
                   <a:ext uri="{0D108BD9-81ED-4DB2-BD59-A6C34878D82A}">
-                    <a16:rowId xmlns="" xmlns:a16="http://schemas.microsoft.com/office/drawing/2014/main" val="10001"/>
+                    <a16:rowId xmlns:a16="http://schemas.microsoft.com/office/drawing/2014/main" xmlns="" val="10001"/>
                   </a:ext>
                 </a:extLst>
               </a:tr>
@@ -14681,7 +15033,7 @@
                 </a:tc>
                 <a:extLst>
                   <a:ext uri="{0D108BD9-81ED-4DB2-BD59-A6C34878D82A}">
-                    <a16:rowId xmlns="" xmlns:a16="http://schemas.microsoft.com/office/drawing/2014/main" val="10002"/>
+                    <a16:rowId xmlns:a16="http://schemas.microsoft.com/office/drawing/2014/main" xmlns="" val="10002"/>
                   </a:ext>
                 </a:extLst>
               </a:tr>
@@ -14784,7 +15136,7 @@
                 </a:tc>
                 <a:extLst>
                   <a:ext uri="{0D108BD9-81ED-4DB2-BD59-A6C34878D82A}">
-                    <a16:rowId xmlns="" xmlns:a16="http://schemas.microsoft.com/office/drawing/2014/main" val="10003"/>
+                    <a16:rowId xmlns:a16="http://schemas.microsoft.com/office/drawing/2014/main" xmlns="" val="10003"/>
                   </a:ext>
                 </a:extLst>
               </a:tr>
@@ -14877,7 +15229,7 @@
                 </a:tc>
                 <a:extLst>
                   <a:ext uri="{0D108BD9-81ED-4DB2-BD59-A6C34878D82A}">
-                    <a16:rowId xmlns="" xmlns:a16="http://schemas.microsoft.com/office/drawing/2014/main" val="10004"/>
+                    <a16:rowId xmlns:a16="http://schemas.microsoft.com/office/drawing/2014/main" xmlns="" val="10004"/>
                   </a:ext>
                 </a:extLst>
               </a:tr>
@@ -14974,7 +15326,7 @@
                 </a:tc>
                 <a:extLst>
                   <a:ext uri="{0D108BD9-81ED-4DB2-BD59-A6C34878D82A}">
-                    <a16:rowId xmlns="" xmlns:a16="http://schemas.microsoft.com/office/drawing/2014/main" val="10005"/>
+                    <a16:rowId xmlns:a16="http://schemas.microsoft.com/office/drawing/2014/main" xmlns="" val="10005"/>
                   </a:ext>
                 </a:extLst>
               </a:tr>
@@ -15057,7 +15409,7 @@
                 </a:tc>
                 <a:extLst>
                   <a:ext uri="{0D108BD9-81ED-4DB2-BD59-A6C34878D82A}">
-                    <a16:rowId xmlns="" xmlns:a16="http://schemas.microsoft.com/office/drawing/2014/main" val="10006"/>
+                    <a16:rowId xmlns:a16="http://schemas.microsoft.com/office/drawing/2014/main" xmlns="" val="10006"/>
                   </a:ext>
                 </a:extLst>
               </a:tr>
@@ -15174,7 +15526,7 @@
                 </a:tc>
                 <a:extLst>
                   <a:ext uri="{0D108BD9-81ED-4DB2-BD59-A6C34878D82A}">
-                    <a16:rowId xmlns="" xmlns:a16="http://schemas.microsoft.com/office/drawing/2014/main" val="10007"/>
+                    <a16:rowId xmlns:a16="http://schemas.microsoft.com/office/drawing/2014/main" xmlns="" val="10007"/>
                   </a:ext>
                 </a:extLst>
               </a:tr>
@@ -15189,7 +15541,7 @@
               <p:cNvPr id="13" name="Table 12">
                 <a:extLst>
                   <a:ext uri="{FF2B5EF4-FFF2-40B4-BE49-F238E27FC236}">
-                    <a16:creationId xmlns="" xmlns:a16="http://schemas.microsoft.com/office/drawing/2014/main" id="{0494280A-AA93-4D6A-827A-BB7B609A7172}"/>
+                    <a16:creationId xmlns:a16="http://schemas.microsoft.com/office/drawing/2014/main" xmlns="" id="{0494280A-AA93-4D6A-827A-BB7B609A7172}"/>
                   </a:ext>
                 </a:extLst>
               </p:cNvPr>
@@ -15218,7 +15570,7 @@
                     <a:gridCol w="3970655">
                       <a:extLst>
                         <a:ext uri="{9D8B030D-6E8A-4147-A177-3AD203B41FA5}">
-                          <a16:colId xmlns="" xmlns:a16="http://schemas.microsoft.com/office/drawing/2014/main" val="20000"/>
+                          <a16:colId xmlns:a16="http://schemas.microsoft.com/office/drawing/2014/main" xmlns="" val="20000"/>
                         </a:ext>
                       </a:extLst>
                     </a:gridCol>
@@ -15291,7 +15643,7 @@
                     </a:tc>
                     <a:extLst>
                       <a:ext uri="{0D108BD9-81ED-4DB2-BD59-A6C34878D82A}">
-                        <a16:rowId xmlns="" xmlns:a16="http://schemas.microsoft.com/office/drawing/2014/main" val="10000"/>
+                        <a16:rowId xmlns:a16="http://schemas.microsoft.com/office/drawing/2014/main" xmlns="" val="10000"/>
                       </a:ext>
                     </a:extLst>
                   </a:tr>
@@ -15383,7 +15735,7 @@
                     </a:tc>
                     <a:extLst>
                       <a:ext uri="{0D108BD9-81ED-4DB2-BD59-A6C34878D82A}">
-                        <a16:rowId xmlns="" xmlns:a16="http://schemas.microsoft.com/office/drawing/2014/main" val="10006"/>
+                        <a16:rowId xmlns:a16="http://schemas.microsoft.com/office/drawing/2014/main" xmlns="" val="10006"/>
                       </a:ext>
                     </a:extLst>
                   </a:tr>
@@ -15469,7 +15821,7 @@
                     </a:tc>
                     <a:extLst>
                       <a:ext uri="{0D108BD9-81ED-4DB2-BD59-A6C34878D82A}">
-                        <a16:rowId xmlns="" xmlns:a16="http://schemas.microsoft.com/office/drawing/2014/main" val="2650464264"/>
+                        <a16:rowId xmlns:a16="http://schemas.microsoft.com/office/drawing/2014/main" xmlns="" val="2650464264"/>
                       </a:ext>
                     </a:extLst>
                   </a:tr>
@@ -15571,7 +15923,7 @@
                     </a:tc>
                     <a:extLst>
                       <a:ext uri="{0D108BD9-81ED-4DB2-BD59-A6C34878D82A}">
-                        <a16:rowId xmlns="" xmlns:a16="http://schemas.microsoft.com/office/drawing/2014/main" val="1708595694"/>
+                        <a16:rowId xmlns:a16="http://schemas.microsoft.com/office/drawing/2014/main" xmlns="" val="1708595694"/>
                       </a:ext>
                     </a:extLst>
                   </a:tr>
@@ -15971,7 +16323,7 @@
                     </a:tc>
                     <a:extLst>
                       <a:ext uri="{0D108BD9-81ED-4DB2-BD59-A6C34878D82A}">
-                        <a16:rowId xmlns="" xmlns:a16="http://schemas.microsoft.com/office/drawing/2014/main" val="348125559"/>
+                        <a16:rowId xmlns:a16="http://schemas.microsoft.com/office/drawing/2014/main" xmlns="" val="348125559"/>
                       </a:ext>
                     </a:extLst>
                   </a:tr>
@@ -16294,7 +16646,7 @@
                     </a:tc>
                     <a:extLst>
                       <a:ext uri="{0D108BD9-81ED-4DB2-BD59-A6C34878D82A}">
-                        <a16:rowId xmlns="" xmlns:a16="http://schemas.microsoft.com/office/drawing/2014/main" val="3295806164"/>
+                        <a16:rowId xmlns:a16="http://schemas.microsoft.com/office/drawing/2014/main" xmlns="" val="3295806164"/>
                       </a:ext>
                     </a:extLst>
                   </a:tr>
@@ -16477,7 +16829,7 @@
                     </a:tc>
                     <a:extLst>
                       <a:ext uri="{0D108BD9-81ED-4DB2-BD59-A6C34878D82A}">
-                        <a16:rowId xmlns="" xmlns:a16="http://schemas.microsoft.com/office/drawing/2014/main" val="1091225448"/>
+                        <a16:rowId xmlns:a16="http://schemas.microsoft.com/office/drawing/2014/main" xmlns="" val="1091225448"/>
                       </a:ext>
                     </a:extLst>
                   </a:tr>
@@ -16594,7 +16946,7 @@
                     </a:tc>
                     <a:extLst>
                       <a:ext uri="{0D108BD9-81ED-4DB2-BD59-A6C34878D82A}">
-                        <a16:rowId xmlns="" xmlns:a16="http://schemas.microsoft.com/office/drawing/2014/main" val="10007"/>
+                        <a16:rowId xmlns:a16="http://schemas.microsoft.com/office/drawing/2014/main" xmlns="" val="10007"/>
                       </a:ext>
                     </a:extLst>
                   </a:tr>
@@ -17303,7 +17655,7 @@
           <p:cNvPr id="14" name="Table 13">
             <a:extLst>
               <a:ext uri="{FF2B5EF4-FFF2-40B4-BE49-F238E27FC236}">
-                <a16:creationId xmlns="" xmlns:a16="http://schemas.microsoft.com/office/drawing/2014/main" id="{FE508E2A-6AF5-4306-B60F-B65C0B85CD38}"/>
+                <a16:creationId xmlns:a16="http://schemas.microsoft.com/office/drawing/2014/main" xmlns="" id="{FE508E2A-6AF5-4306-B60F-B65C0B85CD38}"/>
               </a:ext>
             </a:extLst>
           </p:cNvPr>
@@ -17332,7 +17684,7 @@
                 <a:gridCol w="3970655">
                   <a:extLst>
                     <a:ext uri="{9D8B030D-6E8A-4147-A177-3AD203B41FA5}">
-                      <a16:colId xmlns="" xmlns:a16="http://schemas.microsoft.com/office/drawing/2014/main" val="20000"/>
+                      <a16:colId xmlns:a16="http://schemas.microsoft.com/office/drawing/2014/main" xmlns="" val="20000"/>
                     </a:ext>
                   </a:extLst>
                 </a:gridCol>
@@ -17405,7 +17757,7 @@
                 </a:tc>
                 <a:extLst>
                   <a:ext uri="{0D108BD9-81ED-4DB2-BD59-A6C34878D82A}">
-                    <a16:rowId xmlns="" xmlns:a16="http://schemas.microsoft.com/office/drawing/2014/main" val="10000"/>
+                    <a16:rowId xmlns:a16="http://schemas.microsoft.com/office/drawing/2014/main" xmlns="" val="10000"/>
                   </a:ext>
                 </a:extLst>
               </a:tr>
@@ -17497,7 +17849,7 @@
                 </a:tc>
                 <a:extLst>
                   <a:ext uri="{0D108BD9-81ED-4DB2-BD59-A6C34878D82A}">
-                    <a16:rowId xmlns="" xmlns:a16="http://schemas.microsoft.com/office/drawing/2014/main" val="10006"/>
+                    <a16:rowId xmlns:a16="http://schemas.microsoft.com/office/drawing/2014/main" xmlns="" val="10006"/>
                   </a:ext>
                 </a:extLst>
               </a:tr>
@@ -17583,7 +17935,7 @@
                 </a:tc>
                 <a:extLst>
                   <a:ext uri="{0D108BD9-81ED-4DB2-BD59-A6C34878D82A}">
-                    <a16:rowId xmlns="" xmlns:a16="http://schemas.microsoft.com/office/drawing/2014/main" val="2650464264"/>
+                    <a16:rowId xmlns:a16="http://schemas.microsoft.com/office/drawing/2014/main" xmlns="" val="2650464264"/>
                   </a:ext>
                 </a:extLst>
               </a:tr>
@@ -17666,7 +18018,7 @@
                 </a:tc>
                 <a:extLst>
                   <a:ext uri="{0D108BD9-81ED-4DB2-BD59-A6C34878D82A}">
-                    <a16:rowId xmlns="" xmlns:a16="http://schemas.microsoft.com/office/drawing/2014/main" val="1708595694"/>
+                    <a16:rowId xmlns:a16="http://schemas.microsoft.com/office/drawing/2014/main" xmlns="" val="1708595694"/>
                   </a:ext>
                 </a:extLst>
               </a:tr>
@@ -17783,7 +18135,7 @@
                 </a:tc>
                 <a:extLst>
                   <a:ext uri="{0D108BD9-81ED-4DB2-BD59-A6C34878D82A}">
-                    <a16:rowId xmlns="" xmlns:a16="http://schemas.microsoft.com/office/drawing/2014/main" val="10007"/>
+                    <a16:rowId xmlns:a16="http://schemas.microsoft.com/office/drawing/2014/main" xmlns="" val="10007"/>
                   </a:ext>
                 </a:extLst>
               </a:tr>

--- a/Forecasting.pptx
+++ b/Forecasting.pptx
@@ -317,7 +317,7 @@
   </p:defaultTextStyle>
   <p:extLst>
     <p:ext uri="{EFAFB233-063F-42B5-8137-9DF3F51BA10A}">
-      <p15:sldGuideLst xmlns:p15="http://schemas.microsoft.com/office/powerpoint/2012/main" xmlns="">
+      <p15:sldGuideLst xmlns="" xmlns:p15="http://schemas.microsoft.com/office/powerpoint/2012/main">
         <p15:guide id="1" orient="horz" pos="3400">
           <p15:clr>
             <a:srgbClr val="A4A3A4"/>
@@ -2518,7 +2518,7 @@
           </a:ln>
           <a:extLst>
             <a:ext uri="{C572A759-6A51-4108-AA02-DFA0A04FC94B}">
-              <ma14:wrappingTextBoxFlag xmlns:ma14="http://schemas.microsoft.com/office/mac/drawingml/2011/main" xmlns:a14="http://schemas.microsoft.com/office/drawing/2010/main" xmlns:m="http://schemas.openxmlformats.org/officeDocument/2006/math" xmlns="" val="1"/>
+              <ma14:wrappingTextBoxFlag xmlns="" xmlns:m="http://schemas.openxmlformats.org/officeDocument/2006/math" xmlns:a14="http://schemas.microsoft.com/office/drawing/2010/main" xmlns:ma14="http://schemas.microsoft.com/office/mac/drawingml/2011/main" val="1"/>
             </a:ext>
           </a:extLst>
         </p:spPr>
@@ -2557,7 +2557,7 @@
           </a:ln>
           <a:extLst>
             <a:ext uri="{C572A759-6A51-4108-AA02-DFA0A04FC94B}">
-              <ma14:wrappingTextBoxFlag xmlns:ma14="http://schemas.microsoft.com/office/mac/drawingml/2011/main" xmlns:a14="http://schemas.microsoft.com/office/drawing/2010/main" xmlns:m="http://schemas.openxmlformats.org/officeDocument/2006/math" xmlns="" val="1"/>
+              <ma14:wrappingTextBoxFlag xmlns="" xmlns:m="http://schemas.openxmlformats.org/officeDocument/2006/math" xmlns:a14="http://schemas.microsoft.com/office/drawing/2010/main" xmlns:ma14="http://schemas.microsoft.com/office/mac/drawingml/2011/main" val="1"/>
             </a:ext>
           </a:extLst>
         </p:spPr>
@@ -3769,7 +3769,7 @@
                 <a:gridCol w="3825875">
                   <a:extLst>
                     <a:ext uri="{9D8B030D-6E8A-4147-A177-3AD203B41FA5}">
-                      <a16:colId xmlns:a16="http://schemas.microsoft.com/office/drawing/2014/main" xmlns="" val="20000"/>
+                      <a16:colId xmlns="" xmlns:a16="http://schemas.microsoft.com/office/drawing/2014/main" val="20000"/>
                     </a:ext>
                   </a:extLst>
                 </a:gridCol>
@@ -3842,7 +3842,7 @@
                 </a:tc>
                 <a:extLst>
                   <a:ext uri="{0D108BD9-81ED-4DB2-BD59-A6C34878D82A}">
-                    <a16:rowId xmlns:a16="http://schemas.microsoft.com/office/drawing/2014/main" xmlns="" val="10000"/>
+                    <a16:rowId xmlns="" xmlns:a16="http://schemas.microsoft.com/office/drawing/2014/main" val="10000"/>
                   </a:ext>
                 </a:extLst>
               </a:tr>
@@ -3959,7 +3959,7 @@
                 </a:tc>
                 <a:extLst>
                   <a:ext uri="{0D108BD9-81ED-4DB2-BD59-A6C34878D82A}">
-                    <a16:rowId xmlns:a16="http://schemas.microsoft.com/office/drawing/2014/main" xmlns="" val="10001"/>
+                    <a16:rowId xmlns="" xmlns:a16="http://schemas.microsoft.com/office/drawing/2014/main" val="10001"/>
                   </a:ext>
                 </a:extLst>
               </a:tr>
@@ -4030,7 +4030,7 @@
                 </a:tc>
                 <a:extLst>
                   <a:ext uri="{0D108BD9-81ED-4DB2-BD59-A6C34878D82A}">
-                    <a16:rowId xmlns:a16="http://schemas.microsoft.com/office/drawing/2014/main" xmlns="" val="10002"/>
+                    <a16:rowId xmlns="" xmlns:a16="http://schemas.microsoft.com/office/drawing/2014/main" val="10002"/>
                   </a:ext>
                 </a:extLst>
               </a:tr>
@@ -4117,7 +4117,7 @@
                 </a:tc>
                 <a:extLst>
                   <a:ext uri="{0D108BD9-81ED-4DB2-BD59-A6C34878D82A}">
-                    <a16:rowId xmlns:a16="http://schemas.microsoft.com/office/drawing/2014/main" xmlns="" val="10003"/>
+                    <a16:rowId xmlns="" xmlns:a16="http://schemas.microsoft.com/office/drawing/2014/main" val="10003"/>
                   </a:ext>
                 </a:extLst>
               </a:tr>
@@ -4188,7 +4188,7 @@
                 </a:tc>
                 <a:extLst>
                   <a:ext uri="{0D108BD9-81ED-4DB2-BD59-A6C34878D82A}">
-                    <a16:rowId xmlns:a16="http://schemas.microsoft.com/office/drawing/2014/main" xmlns="" val="10004"/>
+                    <a16:rowId xmlns="" xmlns:a16="http://schemas.microsoft.com/office/drawing/2014/main" val="10004"/>
                   </a:ext>
                 </a:extLst>
               </a:tr>
@@ -4265,7 +4265,7 @@
                 </a:tc>
                 <a:extLst>
                   <a:ext uri="{0D108BD9-81ED-4DB2-BD59-A6C34878D82A}">
-                    <a16:rowId xmlns:a16="http://schemas.microsoft.com/office/drawing/2014/main" xmlns="" val="10005"/>
+                    <a16:rowId xmlns="" xmlns:a16="http://schemas.microsoft.com/office/drawing/2014/main" val="10005"/>
                   </a:ext>
                 </a:extLst>
               </a:tr>
@@ -4366,7 +4366,7 @@
                 </a:tc>
                 <a:extLst>
                   <a:ext uri="{0D108BD9-81ED-4DB2-BD59-A6C34878D82A}">
-                    <a16:rowId xmlns:a16="http://schemas.microsoft.com/office/drawing/2014/main" xmlns="" val="10006"/>
+                    <a16:rowId xmlns="" xmlns:a16="http://schemas.microsoft.com/office/drawing/2014/main" val="10006"/>
                   </a:ext>
                 </a:extLst>
               </a:tr>
@@ -4402,7 +4402,7 @@
                 <a:gridCol w="3825875">
                   <a:extLst>
                     <a:ext uri="{9D8B030D-6E8A-4147-A177-3AD203B41FA5}">
-                      <a16:colId xmlns:a16="http://schemas.microsoft.com/office/drawing/2014/main" xmlns="" val="20000"/>
+                      <a16:colId xmlns="" xmlns:a16="http://schemas.microsoft.com/office/drawing/2014/main" val="20000"/>
                     </a:ext>
                   </a:extLst>
                 </a:gridCol>
@@ -4475,7 +4475,7 @@
                 </a:tc>
                 <a:extLst>
                   <a:ext uri="{0D108BD9-81ED-4DB2-BD59-A6C34878D82A}">
-                    <a16:rowId xmlns:a16="http://schemas.microsoft.com/office/drawing/2014/main" xmlns="" val="10000"/>
+                    <a16:rowId xmlns="" xmlns:a16="http://schemas.microsoft.com/office/drawing/2014/main" val="10000"/>
                   </a:ext>
                 </a:extLst>
               </a:tr>
@@ -4572,7 +4572,7 @@
                 </a:tc>
                 <a:extLst>
                   <a:ext uri="{0D108BD9-81ED-4DB2-BD59-A6C34878D82A}">
-                    <a16:rowId xmlns:a16="http://schemas.microsoft.com/office/drawing/2014/main" xmlns="" val="10001"/>
+                    <a16:rowId xmlns="" xmlns:a16="http://schemas.microsoft.com/office/drawing/2014/main" val="10001"/>
                   </a:ext>
                 </a:extLst>
               </a:tr>
@@ -4643,7 +4643,7 @@
                 </a:tc>
                 <a:extLst>
                   <a:ext uri="{0D108BD9-81ED-4DB2-BD59-A6C34878D82A}">
-                    <a16:rowId xmlns:a16="http://schemas.microsoft.com/office/drawing/2014/main" xmlns="" val="10002"/>
+                    <a16:rowId xmlns="" xmlns:a16="http://schemas.microsoft.com/office/drawing/2014/main" val="10002"/>
                   </a:ext>
                 </a:extLst>
               </a:tr>
@@ -4694,7 +4694,7 @@
                 </a:tc>
                 <a:extLst>
                   <a:ext uri="{0D108BD9-81ED-4DB2-BD59-A6C34878D82A}">
-                    <a16:rowId xmlns:a16="http://schemas.microsoft.com/office/drawing/2014/main" xmlns="" val="10003"/>
+                    <a16:rowId xmlns="" xmlns:a16="http://schemas.microsoft.com/office/drawing/2014/main" val="10003"/>
                   </a:ext>
                 </a:extLst>
               </a:tr>
@@ -4771,7 +4771,7 @@
                 </a:tc>
                 <a:extLst>
                   <a:ext uri="{0D108BD9-81ED-4DB2-BD59-A6C34878D82A}">
-                    <a16:rowId xmlns:a16="http://schemas.microsoft.com/office/drawing/2014/main" xmlns="" val="10004"/>
+                    <a16:rowId xmlns="" xmlns:a16="http://schemas.microsoft.com/office/drawing/2014/main" val="10004"/>
                   </a:ext>
                 </a:extLst>
               </a:tr>
@@ -4848,7 +4848,7 @@
                 </a:tc>
                 <a:extLst>
                   <a:ext uri="{0D108BD9-81ED-4DB2-BD59-A6C34878D82A}">
-                    <a16:rowId xmlns:a16="http://schemas.microsoft.com/office/drawing/2014/main" xmlns="" val="10005"/>
+                    <a16:rowId xmlns="" xmlns:a16="http://schemas.microsoft.com/office/drawing/2014/main" val="10005"/>
                   </a:ext>
                 </a:extLst>
               </a:tr>
@@ -4949,7 +4949,7 @@
                 </a:tc>
                 <a:extLst>
                   <a:ext uri="{0D108BD9-81ED-4DB2-BD59-A6C34878D82A}">
-                    <a16:rowId xmlns:a16="http://schemas.microsoft.com/office/drawing/2014/main" xmlns="" val="10006"/>
+                    <a16:rowId xmlns="" xmlns:a16="http://schemas.microsoft.com/office/drawing/2014/main" val="10006"/>
                   </a:ext>
                 </a:extLst>
               </a:tr>
@@ -5264,7 +5264,7 @@
                 <a:gridCol w="3825875">
                   <a:extLst>
                     <a:ext uri="{9D8B030D-6E8A-4147-A177-3AD203B41FA5}">
-                      <a16:colId xmlns:a16="http://schemas.microsoft.com/office/drawing/2014/main" xmlns="" val="20000"/>
+                      <a16:colId xmlns="" xmlns:a16="http://schemas.microsoft.com/office/drawing/2014/main" val="20000"/>
                     </a:ext>
                   </a:extLst>
                 </a:gridCol>
@@ -5337,7 +5337,7 @@
                 </a:tc>
                 <a:extLst>
                   <a:ext uri="{0D108BD9-81ED-4DB2-BD59-A6C34878D82A}">
-                    <a16:rowId xmlns:a16="http://schemas.microsoft.com/office/drawing/2014/main" xmlns="" val="10000"/>
+                    <a16:rowId xmlns="" xmlns:a16="http://schemas.microsoft.com/office/drawing/2014/main" val="10000"/>
                   </a:ext>
                 </a:extLst>
               </a:tr>
@@ -5425,7 +5425,7 @@
                 </a:tc>
                 <a:extLst>
                   <a:ext uri="{0D108BD9-81ED-4DB2-BD59-A6C34878D82A}">
-                    <a16:rowId xmlns:a16="http://schemas.microsoft.com/office/drawing/2014/main" xmlns="" val="10001"/>
+                    <a16:rowId xmlns="" xmlns:a16="http://schemas.microsoft.com/office/drawing/2014/main" val="10001"/>
                   </a:ext>
                 </a:extLst>
               </a:tr>
@@ -5442,14 +5442,14 @@
           <p:nvPr>
             <p:extLst>
               <p:ext uri="{D42A27DB-BD31-4B8C-83A1-F6EECF244321}">
-                <p14:modId xmlns:p14="http://schemas.microsoft.com/office/powerpoint/2010/main" val="2654665545"/>
+                <p14:modId xmlns:p14="http://schemas.microsoft.com/office/powerpoint/2010/main" val="2205692496"/>
               </p:ext>
             </p:extLst>
           </p:nvPr>
         </p:nvGraphicFramePr>
         <p:xfrm>
           <a:off x="366944" y="1369141"/>
-          <a:ext cx="3825875" cy="2839720"/>
+          <a:ext cx="3825875" cy="2319020"/>
         </p:xfrm>
         <a:graphic>
           <a:graphicData uri="http://schemas.openxmlformats.org/drawingml/2006/table">
@@ -5461,7 +5461,7 @@
                 <a:gridCol w="3825875">
                   <a:extLst>
                     <a:ext uri="{9D8B030D-6E8A-4147-A177-3AD203B41FA5}">
-                      <a16:colId xmlns:a16="http://schemas.microsoft.com/office/drawing/2014/main" xmlns="" val="20000"/>
+                      <a16:colId xmlns="" xmlns:a16="http://schemas.microsoft.com/office/drawing/2014/main" val="20000"/>
                     </a:ext>
                   </a:extLst>
                 </a:gridCol>
@@ -5534,7 +5534,7 @@
                 </a:tc>
                 <a:extLst>
                   <a:ext uri="{0D108BD9-81ED-4DB2-BD59-A6C34878D82A}">
-                    <a16:rowId xmlns:a16="http://schemas.microsoft.com/office/drawing/2014/main" xmlns="" val="10000"/>
+                    <a16:rowId xmlns="" xmlns:a16="http://schemas.microsoft.com/office/drawing/2014/main" val="10000"/>
                   </a:ext>
                 </a:extLst>
               </a:tr>
@@ -5634,7 +5634,7 @@
                 </a:tc>
                 <a:extLst>
                   <a:ext uri="{0D108BD9-81ED-4DB2-BD59-A6C34878D82A}">
-                    <a16:rowId xmlns:a16="http://schemas.microsoft.com/office/drawing/2014/main" xmlns="" val="10001"/>
+                    <a16:rowId xmlns="" xmlns:a16="http://schemas.microsoft.com/office/drawing/2014/main" val="10001"/>
                   </a:ext>
                 </a:extLst>
               </a:tr>
@@ -5728,7 +5728,7 @@
                 </a:tc>
                 <a:extLst>
                   <a:ext uri="{0D108BD9-81ED-4DB2-BD59-A6C34878D82A}">
-                    <a16:rowId xmlns:a16="http://schemas.microsoft.com/office/drawing/2014/main" xmlns="" val="10002"/>
+                    <a16:rowId xmlns="" xmlns:a16="http://schemas.microsoft.com/office/drawing/2014/main" val="10002"/>
                   </a:ext>
                 </a:extLst>
               </a:tr>
@@ -5858,7 +5858,7 @@
                 </a:tc>
                 <a:extLst>
                   <a:ext uri="{0D108BD9-81ED-4DB2-BD59-A6C34878D82A}">
-                    <a16:rowId xmlns:a16="http://schemas.microsoft.com/office/drawing/2014/main" xmlns="" val="10003"/>
+                    <a16:rowId xmlns="" xmlns:a16="http://schemas.microsoft.com/office/drawing/2014/main" val="10003"/>
                   </a:ext>
                 </a:extLst>
               </a:tr>
@@ -5885,6 +5885,246 @@
                         <a:tabLst/>
                         <a:defRPr/>
                       </a:pPr>
+                      <a:r>
+                        <a:rPr lang="en-GB" sz="1000" b="0" i="0" u="none" strike="noStrike" cap="none" spc="0" baseline="0">
+                          <a:ln>
+                            <a:noFill/>
+                          </a:ln>
+                          <a:solidFill>
+                            <a:srgbClr val="000000"/>
+                          </a:solidFill>
+                          <a:uFillTx/>
+                          <a:latin typeface="Segoe UI" pitchFamily="34" charset="0"/>
+                          <a:ea typeface="+mn-ea"/>
+                          <a:cs typeface="Segoe UI" pitchFamily="34" charset="0"/>
+                          <a:sym typeface="Source Sans Pro"/>
+                        </a:rPr>
+                        <a:t>Source: </a:t>
+                      </a:r>
+                      <a:r>
+                        <a:rPr lang="en-GB" sz="1000" b="0" i="0" u="none" strike="noStrike" cap="none" spc="0" baseline="0">
+                          <a:ln>
+                            <a:noFill/>
+                          </a:ln>
+                          <a:solidFill>
+                            <a:srgbClr val="000000"/>
+                          </a:solidFill>
+                          <a:uFillTx/>
+                          <a:latin typeface="Segoe UI" pitchFamily="34" charset="0"/>
+                          <a:ea typeface="+mn-ea"/>
+                          <a:cs typeface="Segoe UI" pitchFamily="34" charset="0"/>
+                          <a:sym typeface="Helvetica Light"/>
+                        </a:rPr>
+                        <a:t>Business Forecasting p. 3</a:t>
+                      </a:r>
+                      <a:endParaRPr lang="en-GB" sz="1000" b="0" i="0" u="none" strike="noStrike" cap="none" spc="0" baseline="0">
+                        <a:ln>
+                          <a:noFill/>
+                        </a:ln>
+                        <a:solidFill>
+                          <a:srgbClr val="000000"/>
+                        </a:solidFill>
+                        <a:uFillTx/>
+                        <a:latin typeface="Segoe UI" pitchFamily="34" charset="0"/>
+                        <a:ea typeface="+mn-ea"/>
+                        <a:cs typeface="Segoe UI" pitchFamily="34" charset="0"/>
+                        <a:sym typeface="Source Sans Pro"/>
+                      </a:endParaRPr>
+                    </a:p>
+                  </a:txBody>
+                  <a:tcPr>
+                    <a:lnL w="6350" cap="flat" cmpd="sng" algn="ctr">
+                      <a:solidFill>
+                        <a:srgbClr val="000000"/>
+                      </a:solidFill>
+                      <a:prstDash val="solid"/>
+                      <a:round/>
+                      <a:headEnd type="none" w="med" len="med"/>
+                      <a:tailEnd type="none" w="med" len="med"/>
+                    </a:lnL>
+                    <a:lnR w="12700" cmpd="sng">
+                      <a:noFill/>
+                    </a:lnR>
+                    <a:lnT w="12700" cmpd="sng">
+                      <a:noFill/>
+                    </a:lnT>
+                    <a:lnB w="6350" cap="flat" cmpd="sng" algn="ctr">
+                      <a:solidFill>
+                        <a:srgbClr val="000000"/>
+                      </a:solidFill>
+                      <a:prstDash val="solid"/>
+                      <a:round/>
+                      <a:headEnd type="none" w="med" len="med"/>
+                      <a:tailEnd type="none" w="med" len="med"/>
+                    </a:lnB>
+                    <a:lnTlToBr w="12700" cmpd="sng">
+                      <a:noFill/>
+                      <a:prstDash val="solid"/>
+                    </a:lnTlToBr>
+                    <a:lnBlToTr w="12700" cmpd="sng">
+                      <a:noFill/>
+                      <a:prstDash val="solid"/>
+                    </a:lnBlToTr>
+                  </a:tcPr>
+                </a:tc>
+                <a:extLst>
+                  <a:ext uri="{0D108BD9-81ED-4DB2-BD59-A6C34878D82A}">
+                    <a16:rowId xmlns="" xmlns:a16="http://schemas.microsoft.com/office/drawing/2014/main" val="10006"/>
+                  </a:ext>
+                </a:extLst>
+              </a:tr>
+            </a:tbl>
+          </a:graphicData>
+        </a:graphic>
+      </p:graphicFrame>
+      <p:graphicFrame>
+        <p:nvGraphicFramePr>
+          <p:cNvPr id="29" name="Table 28"/>
+          <p:cNvGraphicFramePr>
+            <a:graphicFrameLocks noGrp="1"/>
+          </p:cNvGraphicFramePr>
+          <p:nvPr>
+            <p:extLst>
+              <p:ext uri="{D42A27DB-BD31-4B8C-83A1-F6EECF244321}">
+                <p14:modId xmlns:p14="http://schemas.microsoft.com/office/powerpoint/2010/main" val="3403166666"/>
+              </p:ext>
+            </p:extLst>
+          </p:nvPr>
+        </p:nvGraphicFramePr>
+        <p:xfrm>
+          <a:off x="385445" y="3822781"/>
+          <a:ext cx="3825875" cy="2287956"/>
+        </p:xfrm>
+        <a:graphic>
+          <a:graphicData uri="http://schemas.openxmlformats.org/drawingml/2006/table">
+            <a:tbl>
+              <a:tblPr firstRow="1" bandRow="1">
+                <a:tableStyleId>{5940675A-B579-460E-94D1-54222C63F5DA}</a:tableStyleId>
+              </a:tblPr>
+              <a:tblGrid>
+                <a:gridCol w="3825875">
+                  <a:extLst>
+                    <a:ext uri="{9D8B030D-6E8A-4147-A177-3AD203B41FA5}">
+                      <a16:colId xmlns="" xmlns:a16="http://schemas.microsoft.com/office/drawing/2014/main" val="20000"/>
+                    </a:ext>
+                  </a:extLst>
+                </a:gridCol>
+              </a:tblGrid>
+              <a:tr h="260350">
+                <a:tc>
+                  <a:txBody>
+                    <a:bodyPr/>
+                    <a:lstStyle/>
+                    <a:p>
+                      <a:pPr algn="l"/>
+                      <a:r>
+                        <a:rPr lang="en-GB" sz="1000" b="1" baseline="0">
+                          <a:solidFill>
+                            <a:srgbClr val="000000"/>
+                          </a:solidFill>
+                          <a:latin typeface="Segoe UI" pitchFamily="34" charset="0"/>
+                          <a:cs typeface="Segoe UI" pitchFamily="34" charset="0"/>
+                        </a:rPr>
+                        <a:t>Uncertainty</a:t>
+                      </a:r>
+                    </a:p>
+                  </a:txBody>
+                  <a:tcPr>
+                    <a:lnL w="6350" cap="flat" cmpd="sng" algn="ctr">
+                      <a:solidFill>
+                        <a:srgbClr val="000000"/>
+                      </a:solidFill>
+                      <a:prstDash val="solid"/>
+                      <a:round/>
+                      <a:headEnd type="none" w="med" len="med"/>
+                      <a:tailEnd type="none" w="med" len="med"/>
+                    </a:lnL>
+                    <a:lnR w="6350" cap="flat" cmpd="sng" algn="ctr">
+                      <a:solidFill>
+                        <a:srgbClr val="000000"/>
+                      </a:solidFill>
+                      <a:prstDash val="solid"/>
+                      <a:round/>
+                      <a:headEnd type="none" w="med" len="med"/>
+                      <a:tailEnd type="none" w="med" len="med"/>
+                    </a:lnR>
+                    <a:lnT w="6350" cap="flat" cmpd="sng" algn="ctr">
+                      <a:solidFill>
+                        <a:srgbClr val="000000"/>
+                      </a:solidFill>
+                      <a:prstDash val="solid"/>
+                      <a:round/>
+                      <a:headEnd type="none" w="med" len="med"/>
+                      <a:tailEnd type="none" w="med" len="med"/>
+                    </a:lnT>
+                    <a:lnB w="6350" cap="flat" cmpd="sng" algn="ctr">
+                      <a:solidFill>
+                        <a:srgbClr val="000000"/>
+                      </a:solidFill>
+                      <a:prstDash val="solid"/>
+                      <a:round/>
+                      <a:headEnd type="none" w="med" len="med"/>
+                      <a:tailEnd type="none" w="med" len="med"/>
+                    </a:lnB>
+                    <a:lnTlToBr w="12700" cmpd="sng">
+                      <a:noFill/>
+                      <a:prstDash val="solid"/>
+                    </a:lnTlToBr>
+                    <a:lnBlToTr w="12700" cmpd="sng">
+                      <a:noFill/>
+                      <a:prstDash val="solid"/>
+                    </a:lnBlToTr>
+                  </a:tcPr>
+                </a:tc>
+                <a:extLst>
+                  <a:ext uri="{0D108BD9-81ED-4DB2-BD59-A6C34878D82A}">
+                    <a16:rowId xmlns="" xmlns:a16="http://schemas.microsoft.com/office/drawing/2014/main" val="10000"/>
+                  </a:ext>
+                </a:extLst>
+              </a:tr>
+              <a:tr h="273736">
+                <a:tc>
+                  <a:txBody>
+                    <a:bodyPr/>
+                    <a:lstStyle/>
+                    <a:p>
+                      <a:pPr marL="0" marR="0" indent="0" algn="l" defTabSz="584200" rtl="0" eaLnBrk="1" fontAlgn="auto" latinLnBrk="0" hangingPunct="1">
+                        <a:lnSpc>
+                          <a:spcPct val="100000"/>
+                        </a:lnSpc>
+                        <a:spcBef>
+                          <a:spcPts val="0"/>
+                        </a:spcBef>
+                        <a:spcAft>
+                          <a:spcPts val="0"/>
+                        </a:spcAft>
+                        <a:buClrTx/>
+                        <a:buSzTx/>
+                        <a:buFontTx/>
+                        <a:buNone/>
+                        <a:tabLst/>
+                        <a:defRPr/>
+                      </a:pPr>
+                      <a:r>
+                        <a:rPr lang="en-GB" sz="1000" i="0">
+                          <a:solidFill>
+                            <a:srgbClr val="000000"/>
+                          </a:solidFill>
+                          <a:latin typeface="Segoe UI" pitchFamily="34" charset="0"/>
+                          <a:cs typeface="Segoe UI" pitchFamily="34" charset="0"/>
+                        </a:rPr>
+                        <a:t>Communicating uncertainty leads to better decision making! p.</a:t>
+                      </a:r>
+                      <a:r>
+                        <a:rPr lang="en-GB" sz="1000" i="0" baseline="0">
+                          <a:solidFill>
+                            <a:srgbClr val="000000"/>
+                          </a:solidFill>
+                          <a:latin typeface="Segoe UI" pitchFamily="34" charset="0"/>
+                          <a:cs typeface="Segoe UI" pitchFamily="34" charset="0"/>
+                        </a:rPr>
+                        <a:t> 6 for example.</a:t>
+                      </a:r>
                       <a:endParaRPr lang="en-GB" sz="1000" i="0">
                         <a:solidFill>
                           <a:srgbClr val="000000"/>
@@ -5904,11 +6144,21 @@
                       <a:headEnd type="none" w="med" len="med"/>
                       <a:tailEnd type="none" w="med" len="med"/>
                     </a:lnL>
-                    <a:lnR w="12700" cmpd="sng">
-                      <a:noFill/>
+                    <a:lnR w="12700" cap="flat" cmpd="sng" algn="ctr">
+                      <a:noFill/>
+                      <a:prstDash val="solid"/>
+                      <a:round/>
+                      <a:headEnd type="none" w="med" len="med"/>
+                      <a:tailEnd type="none" w="med" len="med"/>
                     </a:lnR>
-                    <a:lnT w="12700" cmpd="sng">
-                      <a:noFill/>
+                    <a:lnT w="6350" cap="flat" cmpd="sng" algn="ctr">
+                      <a:solidFill>
+                        <a:srgbClr val="000000"/>
+                      </a:solidFill>
+                      <a:prstDash val="solid"/>
+                      <a:round/>
+                      <a:headEnd type="none" w="med" len="med"/>
+                      <a:tailEnd type="none" w="med" len="med"/>
                     </a:lnT>
                     <a:lnB w="6350" cap="flat" cmpd="sng" algn="ctr">
                       <a:noFill/>
@@ -5929,7 +6179,91 @@
                 </a:tc>
                 <a:extLst>
                   <a:ext uri="{0D108BD9-81ED-4DB2-BD59-A6C34878D82A}">
-                    <a16:rowId xmlns:a16="http://schemas.microsoft.com/office/drawing/2014/main" xmlns="" val="10004"/>
+                    <a16:rowId xmlns="" xmlns:a16="http://schemas.microsoft.com/office/drawing/2014/main" val="10001"/>
+                  </a:ext>
+                </a:extLst>
+              </a:tr>
+              <a:tr h="273736">
+                <a:tc>
+                  <a:txBody>
+                    <a:bodyPr/>
+                    <a:lstStyle/>
+                    <a:p>
+                      <a:pPr marL="0" marR="0" indent="0" algn="l" defTabSz="584200" rtl="0" eaLnBrk="1" fontAlgn="auto" latinLnBrk="0" hangingPunct="1">
+                        <a:lnSpc>
+                          <a:spcPct val="100000"/>
+                        </a:lnSpc>
+                        <a:spcBef>
+                          <a:spcPts val="0"/>
+                        </a:spcBef>
+                        <a:spcAft>
+                          <a:spcPts val="0"/>
+                        </a:spcAft>
+                        <a:buClrTx/>
+                        <a:buSzTx/>
+                        <a:buFontTx/>
+                        <a:buNone/>
+                        <a:tabLst/>
+                        <a:defRPr/>
+                      </a:pPr>
+                      <a:r>
+                        <a:rPr lang="en-GB" sz="1000" b="0" i="0" u="none" strike="noStrike" cap="none" spc="0" baseline="0">
+                          <a:ln>
+                            <a:noFill/>
+                          </a:ln>
+                          <a:solidFill>
+                            <a:srgbClr val="000000"/>
+                          </a:solidFill>
+                          <a:uFillTx/>
+                          <a:latin typeface="Segoe UI" pitchFamily="34" charset="0"/>
+                          <a:ea typeface="+mn-ea"/>
+                          <a:cs typeface="Segoe UI" pitchFamily="34" charset="0"/>
+                          <a:sym typeface="Helvetica Light"/>
+                        </a:rPr>
+                        <a:t>Use probabilistic (100 ± 50) instead of point forecasts (100).</a:t>
+                      </a:r>
+                    </a:p>
+                  </a:txBody>
+                  <a:tcPr>
+                    <a:lnL w="6350" cap="flat" cmpd="sng" algn="ctr">
+                      <a:solidFill>
+                        <a:srgbClr val="000000"/>
+                      </a:solidFill>
+                      <a:prstDash val="solid"/>
+                      <a:round/>
+                      <a:headEnd type="none" w="med" len="med"/>
+                      <a:tailEnd type="none" w="med" len="med"/>
+                    </a:lnL>
+                    <a:lnR w="12700" cap="flat" cmpd="sng" algn="ctr">
+                      <a:noFill/>
+                      <a:prstDash val="solid"/>
+                      <a:round/>
+                      <a:headEnd type="none" w="med" len="med"/>
+                      <a:tailEnd type="none" w="med" len="med"/>
+                    </a:lnR>
+                    <a:lnT w="6350" cap="flat" cmpd="sng" algn="ctr">
+                      <a:noFill/>
+                      <a:prstDash val="solid"/>
+                      <a:round/>
+                      <a:headEnd type="none" w="med" len="med"/>
+                      <a:tailEnd type="none" w="med" len="med"/>
+                    </a:lnT>
+                    <a:lnB w="12700" cmpd="sng">
+                      <a:noFill/>
+                    </a:lnB>
+                    <a:lnTlToBr w="12700" cmpd="sng">
+                      <a:noFill/>
+                      <a:prstDash val="solid"/>
+                    </a:lnTlToBr>
+                    <a:lnBlToTr w="12700" cmpd="sng">
+                      <a:noFill/>
+                      <a:prstDash val="solid"/>
+                    </a:lnBlToTr>
+                  </a:tcPr>
+                </a:tc>
+                <a:extLst>
+                  <a:ext uri="{0D108BD9-81ED-4DB2-BD59-A6C34878D82A}">
+                    <a16:rowId xmlns="" xmlns:a16="http://schemas.microsoft.com/office/drawing/2014/main" val="10002"/>
                   </a:ext>
                 </a:extLst>
               </a:tr>
@@ -5956,18 +6290,32 @@
                         <a:tabLst/>
                         <a:defRPr/>
                       </a:pPr>
-                      <a:endParaRPr lang="en-GB" sz="1000" b="0" i="0" u="none" strike="noStrike" cap="none" spc="0" baseline="0">
-                        <a:ln>
-                          <a:noFill/>
-                        </a:ln>
+                      <a:r>
+                        <a:rPr lang="en-GB" sz="1000">
+                          <a:solidFill>
+                            <a:srgbClr val="000000"/>
+                          </a:solidFill>
+                          <a:latin typeface="Segoe UI" pitchFamily="34" charset="0"/>
+                          <a:cs typeface="Segoe UI" pitchFamily="34" charset="0"/>
+                        </a:rPr>
+                        <a:t>Forecast of 100 </a:t>
+                      </a:r>
+                      <a:r>
+                        <a:rPr lang="en-GB" sz="1000" baseline="0">
+                          <a:solidFill>
+                            <a:srgbClr val="000000"/>
+                          </a:solidFill>
+                          <a:latin typeface="Segoe UI" pitchFamily="34" charset="0"/>
+                          <a:cs typeface="Segoe UI" pitchFamily="34" charset="0"/>
+                        </a:rPr>
+                        <a:t>± 10 may lead to a much different planning decision than a forecast of 100 ± 100. Eg. how much safety stock to hold.</a:t>
+                      </a:r>
+                      <a:endParaRPr lang="en-GB" sz="1000">
                         <a:solidFill>
                           <a:srgbClr val="000000"/>
                         </a:solidFill>
-                        <a:uFillTx/>
                         <a:latin typeface="Segoe UI" pitchFamily="34" charset="0"/>
-                        <a:ea typeface="+mn-ea"/>
                         <a:cs typeface="Segoe UI" pitchFamily="34" charset="0"/>
-                        <a:sym typeface="Source Sans Pro"/>
                       </a:endParaRPr>
                     </a:p>
                   </a:txBody>
@@ -5987,12 +6335,8 @@
                     <a:lnT w="12700" cmpd="sng">
                       <a:noFill/>
                     </a:lnT>
-                    <a:lnB w="6350" cap="flat" cmpd="sng" algn="ctr">
-                      <a:noFill/>
-                      <a:prstDash val="solid"/>
-                      <a:round/>
-                      <a:headEnd type="none" w="med" len="med"/>
-                      <a:tailEnd type="none" w="med" len="med"/>
+                    <a:lnB w="12700" cmpd="sng">
+                      <a:noFill/>
                     </a:lnB>
                     <a:lnTlToBr w="12700" cmpd="sng">
                       <a:noFill/>
@@ -6006,7 +6350,7 @@
                 </a:tc>
                 <a:extLst>
                   <a:ext uri="{0D108BD9-81ED-4DB2-BD59-A6C34878D82A}">
-                    <a16:rowId xmlns:a16="http://schemas.microsoft.com/office/drawing/2014/main" xmlns="" val="10005"/>
+                    <a16:rowId xmlns="" xmlns:a16="http://schemas.microsoft.com/office/drawing/2014/main" val="10003"/>
                   </a:ext>
                 </a:extLst>
               </a:tr>
@@ -6034,6 +6378,151 @@
                         <a:defRPr/>
                       </a:pPr>
                       <a:r>
+                        <a:rPr lang="en-GB" sz="1000" i="0">
+                          <a:solidFill>
+                            <a:srgbClr val="000000"/>
+                          </a:solidFill>
+                          <a:latin typeface="Segoe UI" pitchFamily="34" charset="0"/>
+                          <a:cs typeface="Segoe UI" pitchFamily="34" charset="0"/>
+                        </a:rPr>
+                        <a:t>Usually</a:t>
+                      </a:r>
+                      <a:r>
+                        <a:rPr lang="en-GB" sz="1000" i="0" baseline="0">
+                          <a:solidFill>
+                            <a:srgbClr val="000000"/>
+                          </a:solidFill>
+                          <a:latin typeface="Segoe UI" pitchFamily="34" charset="0"/>
+                          <a:cs typeface="Segoe UI" pitchFamily="34" charset="0"/>
+                        </a:rPr>
+                        <a:t> uncertainty is underestimated. </a:t>
+                      </a:r>
+                    </a:p>
+                    <a:p>
+                      <a:pPr marL="0" marR="0" indent="0" algn="l" defTabSz="584200" rtl="0" eaLnBrk="1" fontAlgn="auto" latinLnBrk="0" hangingPunct="1">
+                        <a:lnSpc>
+                          <a:spcPct val="100000"/>
+                        </a:lnSpc>
+                        <a:spcBef>
+                          <a:spcPts val="0"/>
+                        </a:spcBef>
+                        <a:spcAft>
+                          <a:spcPts val="0"/>
+                        </a:spcAft>
+                        <a:buClrTx/>
+                        <a:buSzTx/>
+                        <a:buFontTx/>
+                        <a:buNone/>
+                        <a:tabLst/>
+                        <a:defRPr/>
+                      </a:pPr>
+                      <a:r>
+                        <a:rPr lang="en-GB" sz="1000" i="0" baseline="0">
+                          <a:solidFill>
+                            <a:srgbClr val="000000"/>
+                          </a:solidFill>
+                          <a:latin typeface="Segoe UI" pitchFamily="34" charset="0"/>
+                          <a:cs typeface="Segoe UI" pitchFamily="34" charset="0"/>
+                        </a:rPr>
+                        <a:t>    Simple remedy: Double range! </a:t>
+                      </a:r>
+                    </a:p>
+                    <a:p>
+                      <a:pPr marL="0" marR="0" indent="0" algn="l" defTabSz="584200" rtl="0" eaLnBrk="1" fontAlgn="auto" latinLnBrk="0" hangingPunct="1">
+                        <a:lnSpc>
+                          <a:spcPct val="100000"/>
+                        </a:lnSpc>
+                        <a:spcBef>
+                          <a:spcPts val="0"/>
+                        </a:spcBef>
+                        <a:spcAft>
+                          <a:spcPts val="0"/>
+                        </a:spcAft>
+                        <a:buClrTx/>
+                        <a:buSzTx/>
+                        <a:buFontTx/>
+                        <a:buNone/>
+                        <a:tabLst/>
+                        <a:defRPr/>
+                      </a:pPr>
+                      <a:r>
+                        <a:rPr lang="en-GB" sz="1000" i="0" baseline="0">
+                          <a:solidFill>
+                            <a:srgbClr val="000000"/>
+                          </a:solidFill>
+                          <a:latin typeface="Segoe UI" pitchFamily="34" charset="0"/>
+                          <a:cs typeface="Segoe UI" pitchFamily="34" charset="0"/>
+                        </a:rPr>
+                        <a:t>    Adv. remedy: Est. probs. of different factors Monte Carlo sim.</a:t>
+                      </a:r>
+                      <a:endParaRPr lang="en-GB" sz="1000" i="0">
+                        <a:solidFill>
+                          <a:srgbClr val="000000"/>
+                        </a:solidFill>
+                        <a:latin typeface="Segoe UI" pitchFamily="34" charset="0"/>
+                        <a:cs typeface="Segoe UI" pitchFamily="34" charset="0"/>
+                      </a:endParaRPr>
+                    </a:p>
+                  </a:txBody>
+                  <a:tcPr>
+                    <a:lnL w="6350" cap="flat" cmpd="sng" algn="ctr">
+                      <a:solidFill>
+                        <a:srgbClr val="000000"/>
+                      </a:solidFill>
+                      <a:prstDash val="solid"/>
+                      <a:round/>
+                      <a:headEnd type="none" w="med" len="med"/>
+                      <a:tailEnd type="none" w="med" len="med"/>
+                    </a:lnL>
+                    <a:lnR w="12700" cmpd="sng">
+                      <a:noFill/>
+                    </a:lnR>
+                    <a:lnT w="12700" cmpd="sng">
+                      <a:noFill/>
+                    </a:lnT>
+                    <a:lnB w="12700" cmpd="sng">
+                      <a:noFill/>
+                    </a:lnB>
+                    <a:lnTlToBr w="12700" cmpd="sng">
+                      <a:noFill/>
+                      <a:prstDash val="solid"/>
+                    </a:lnTlToBr>
+                    <a:lnBlToTr w="12700" cmpd="sng">
+                      <a:noFill/>
+                      <a:prstDash val="solid"/>
+                    </a:lnBlToTr>
+                  </a:tcPr>
+                </a:tc>
+                <a:extLst>
+                  <a:ext uri="{0D108BD9-81ED-4DB2-BD59-A6C34878D82A}">
+                    <a16:rowId xmlns="" xmlns:a16="http://schemas.microsoft.com/office/drawing/2014/main" val="10004"/>
+                  </a:ext>
+                </a:extLst>
+              </a:tr>
+              <a:tr h="260350">
+                <a:tc>
+                  <a:txBody>
+                    <a:bodyPr/>
+                    <a:lstStyle/>
+                    <a:p>
+                      <a:pPr marL="0" marR="0" indent="0" algn="l" defTabSz="584200" rtl="0" eaLnBrk="1" fontAlgn="auto" latinLnBrk="0" hangingPunct="1">
+                        <a:lnSpc>
+                          <a:spcPct val="100000"/>
+                        </a:lnSpc>
+                        <a:spcBef>
+                          <a:spcPts val="0"/>
+                        </a:spcBef>
+                        <a:spcAft>
+                          <a:spcPts val="0"/>
+                        </a:spcAft>
+                        <a:buClrTx/>
+                        <a:buSzTx/>
+                        <a:buFontTx/>
+                        <a:buNone/>
+                        <a:tabLst/>
+                        <a:defRPr/>
+                      </a:pPr>
+                      <a:r>
                         <a:rPr lang="en-GB" sz="1000" b="0" i="0" u="none" strike="noStrike" cap="none" spc="0" baseline="0">
                           <a:ln>
                             <a:noFill/>
@@ -6063,7 +6552,7 @@
                           <a:cs typeface="Segoe UI" pitchFamily="34" charset="0"/>
                           <a:sym typeface="Helvetica Light"/>
                         </a:rPr>
-                        <a:t>Business Forecasting p. 3</a:t>
+                        <a:t>Business Forecasting Ch. 1.1</a:t>
                       </a:r>
                       <a:endParaRPr lang="en-GB" sz="1000" b="0" i="0" u="none" strike="noStrike" cap="none" spc="0" baseline="0">
                         <a:ln>
@@ -6117,7 +6606,7 @@
                 </a:tc>
                 <a:extLst>
                   <a:ext uri="{0D108BD9-81ED-4DB2-BD59-A6C34878D82A}">
-                    <a16:rowId xmlns:a16="http://schemas.microsoft.com/office/drawing/2014/main" xmlns="" val="10006"/>
+                    <a16:rowId xmlns="" xmlns:a16="http://schemas.microsoft.com/office/drawing/2014/main" val="10007"/>
                   </a:ext>
                 </a:extLst>
               </a:tr>
@@ -6127,21 +6616,21 @@
       </p:graphicFrame>
       <p:graphicFrame>
         <p:nvGraphicFramePr>
-          <p:cNvPr id="29" name="Table 28"/>
+          <p:cNvPr id="30" name="Table 29"/>
           <p:cNvGraphicFramePr>
             <a:graphicFrameLocks noGrp="1"/>
           </p:cNvGraphicFramePr>
           <p:nvPr>
             <p:extLst>
               <p:ext uri="{D42A27DB-BD31-4B8C-83A1-F6EECF244321}">
-                <p14:modId xmlns:p14="http://schemas.microsoft.com/office/powerpoint/2010/main" val="1097634122"/>
+                <p14:modId xmlns:p14="http://schemas.microsoft.com/office/powerpoint/2010/main" val="262981891"/>
               </p:ext>
             </p:extLst>
           </p:nvPr>
         </p:nvGraphicFramePr>
         <p:xfrm>
-          <a:off x="410845" y="4394281"/>
-          <a:ext cx="3825875" cy="2808656"/>
+          <a:off x="356071" y="6268801"/>
+          <a:ext cx="3825875" cy="1586916"/>
         </p:xfrm>
         <a:graphic>
           <a:graphicData uri="http://schemas.openxmlformats.org/drawingml/2006/table">
@@ -6153,7 +6642,7 @@
                 <a:gridCol w="3825875">
                   <a:extLst>
                     <a:ext uri="{9D8B030D-6E8A-4147-A177-3AD203B41FA5}">
-                      <a16:colId xmlns:a16="http://schemas.microsoft.com/office/drawing/2014/main" xmlns="" val="20000"/>
+                      <a16:colId xmlns="" xmlns:a16="http://schemas.microsoft.com/office/drawing/2014/main" val="20000"/>
                     </a:ext>
                   </a:extLst>
                 </a:gridCol>
@@ -6173,7 +6662,7 @@
                           <a:latin typeface="Segoe UI" pitchFamily="34" charset="0"/>
                           <a:cs typeface="Segoe UI" pitchFamily="34" charset="0"/>
                         </a:rPr>
-                        <a:t>Uncertainty</a:t>
+                        <a:t>How to Communicate Uncertainty</a:t>
                       </a:r>
                     </a:p>
                   </a:txBody>
@@ -6226,7 +6715,7 @@
                 </a:tc>
                 <a:extLst>
                   <a:ext uri="{0D108BD9-81ED-4DB2-BD59-A6C34878D82A}">
-                    <a16:rowId xmlns:a16="http://schemas.microsoft.com/office/drawing/2014/main" xmlns="" val="10000"/>
+                    <a16:rowId xmlns="" xmlns:a16="http://schemas.microsoft.com/office/drawing/2014/main" val="10000"/>
                   </a:ext>
                 </a:extLst>
               </a:tr>
@@ -6261,7 +6750,7 @@
                           <a:latin typeface="Segoe UI" pitchFamily="34" charset="0"/>
                           <a:cs typeface="Segoe UI" pitchFamily="34" charset="0"/>
                         </a:rPr>
-                        <a:t>Communicating uncertainty leads to better decision making! p.</a:t>
+                        <a:t>Too</a:t>
                       </a:r>
                       <a:r>
                         <a:rPr lang="en-GB" sz="1000" i="0" baseline="0">
@@ -6271,7 +6760,7 @@
                           <a:latin typeface="Segoe UI" pitchFamily="34" charset="0"/>
                           <a:cs typeface="Segoe UI" pitchFamily="34" charset="0"/>
                         </a:rPr>
-                        <a:t> 6 for example.</a:t>
+                        <a:t> wide uncertainty interval is hard to sell to decision makers, even if it is accurate (eg. 90% pred. interval of 50 to 900 units).</a:t>
                       </a:r>
                       <a:endParaRPr lang="en-GB" sz="1000" i="0">
                         <a:solidFill>
@@ -6327,7 +6816,7 @@
                 </a:tc>
                 <a:extLst>
                   <a:ext uri="{0D108BD9-81ED-4DB2-BD59-A6C34878D82A}">
-                    <a16:rowId xmlns:a16="http://schemas.microsoft.com/office/drawing/2014/main" xmlns="" val="10001"/>
+                    <a16:rowId xmlns="" xmlns:a16="http://schemas.microsoft.com/office/drawing/2014/main" val="10001"/>
                   </a:ext>
                 </a:extLst>
               </a:tr>
@@ -6355,6 +6844,22 @@
                         <a:defRPr/>
                       </a:pPr>
                       <a:r>
+                        <a:rPr lang="en-GB" sz="1000" b="0" i="1" u="none" strike="noStrike" cap="none" spc="0" baseline="0">
+                          <a:ln>
+                            <a:noFill/>
+                          </a:ln>
+                          <a:solidFill>
+                            <a:srgbClr val="000000"/>
+                          </a:solidFill>
+                          <a:uFillTx/>
+                          <a:latin typeface="Segoe UI" pitchFamily="34" charset="0"/>
+                          <a:ea typeface="+mn-ea"/>
+                          <a:cs typeface="Segoe UI" pitchFamily="34" charset="0"/>
+                          <a:sym typeface="Helvetica Light"/>
+                        </a:rPr>
+                        <a:t>Fan</a:t>
+                      </a:r>
+                      <a:r>
                         <a:rPr lang="en-GB" sz="1000" b="0" i="0" u="none" strike="noStrike" cap="none" spc="0" baseline="0">
                           <a:ln>
                             <a:noFill/>
@@ -6368,7 +6873,71 @@
                           <a:cs typeface="Segoe UI" pitchFamily="34" charset="0"/>
                           <a:sym typeface="Helvetica Light"/>
                         </a:rPr>
-                        <a:t>Use probabilistic (100 ± 50) instead of point forecasts (100).</a:t>
+                        <a:t> and </a:t>
+                      </a:r>
+                      <a:r>
+                        <a:rPr lang="en-GB" sz="1000" b="0" i="1" u="none" strike="noStrike" cap="none" spc="0" baseline="0">
+                          <a:ln>
+                            <a:noFill/>
+                          </a:ln>
+                          <a:solidFill>
+                            <a:srgbClr val="000000"/>
+                          </a:solidFill>
+                          <a:uFillTx/>
+                          <a:latin typeface="Segoe UI" pitchFamily="34" charset="0"/>
+                          <a:ea typeface="+mn-ea"/>
+                          <a:cs typeface="Segoe UI" pitchFamily="34" charset="0"/>
+                          <a:sym typeface="Helvetica Light"/>
+                        </a:rPr>
+                        <a:t>density</a:t>
+                      </a:r>
+                      <a:r>
+                        <a:rPr lang="en-GB" sz="1000" b="0" i="0" u="none" strike="noStrike" cap="none" spc="0" baseline="0">
+                          <a:ln>
+                            <a:noFill/>
+                          </a:ln>
+                          <a:solidFill>
+                            <a:srgbClr val="000000"/>
+                          </a:solidFill>
+                          <a:uFillTx/>
+                          <a:latin typeface="Segoe UI" pitchFamily="34" charset="0"/>
+                          <a:ea typeface="+mn-ea"/>
+                          <a:cs typeface="Segoe UI" pitchFamily="34" charset="0"/>
+                          <a:sym typeface="Helvetica Light"/>
+                        </a:rPr>
+                        <a:t> </a:t>
+                      </a:r>
+                      <a:r>
+                        <a:rPr lang="en-GB" sz="1000" b="0" i="1" u="none" strike="noStrike" cap="none" spc="0" baseline="0">
+                          <a:ln>
+                            <a:noFill/>
+                          </a:ln>
+                          <a:solidFill>
+                            <a:srgbClr val="000000"/>
+                          </a:solidFill>
+                          <a:uFillTx/>
+                          <a:latin typeface="Segoe UI" pitchFamily="34" charset="0"/>
+                          <a:ea typeface="+mn-ea"/>
+                          <a:cs typeface="Segoe UI" pitchFamily="34" charset="0"/>
+                          <a:sym typeface="Helvetica Light"/>
+                        </a:rPr>
+                        <a:t>charts</a:t>
+                      </a:r>
+                      <a:r>
+                        <a:rPr lang="en-GB" sz="1000" b="0" i="0" u="none" strike="noStrike" cap="none" spc="0" baseline="0">
+                          <a:ln>
+                            <a:noFill/>
+                          </a:ln>
+                          <a:solidFill>
+                            <a:srgbClr val="000000"/>
+                          </a:solidFill>
+                          <a:uFillTx/>
+                          <a:latin typeface="Segoe UI" pitchFamily="34" charset="0"/>
+                          <a:ea typeface="+mn-ea"/>
+                          <a:cs typeface="Segoe UI" pitchFamily="34" charset="0"/>
+                          <a:sym typeface="Helvetica Light"/>
+                        </a:rPr>
+                        <a:t> are great.</a:t>
                       </a:r>
                     </a:p>
                   </a:txBody>
@@ -6411,7 +6980,7 @@
                 </a:tc>
                 <a:extLst>
                   <a:ext uri="{0D108BD9-81ED-4DB2-BD59-A6C34878D82A}">
-                    <a16:rowId xmlns:a16="http://schemas.microsoft.com/office/drawing/2014/main" xmlns="" val="10002"/>
+                    <a16:rowId xmlns="" xmlns:a16="http://schemas.microsoft.com/office/drawing/2014/main" val="10002"/>
                   </a:ext>
                 </a:extLst>
               </a:tr>
@@ -6446,7 +7015,7 @@
                           <a:latin typeface="Segoe UI" pitchFamily="34" charset="0"/>
                           <a:cs typeface="Segoe UI" pitchFamily="34" charset="0"/>
                         </a:rPr>
-                        <a:t>Forecast of 100 </a:t>
+                        <a:t>Increased trust if pred. intervals</a:t>
                       </a:r>
                       <a:r>
                         <a:rPr lang="en-GB" sz="1000" baseline="0">
@@ -6456,7 +7025,7 @@
                           <a:latin typeface="Segoe UI" pitchFamily="34" charset="0"/>
                           <a:cs typeface="Segoe UI" pitchFamily="34" charset="0"/>
                         </a:rPr>
-                        <a:t>± 10 may lead to a much different planning decision than a forecast of 100 ± 100. Eg. how much safety stock to hold.</a:t>
+                        <a:t> is expressed in everyday language (worst-case), or in scenarios/narratives.</a:t>
                       </a:r>
                       <a:endParaRPr lang="en-GB" sz="1000">
                         <a:solidFill>
@@ -6498,7 +7067,7 @@
                 </a:tc>
                 <a:extLst>
                   <a:ext uri="{0D108BD9-81ED-4DB2-BD59-A6C34878D82A}">
-                    <a16:rowId xmlns:a16="http://schemas.microsoft.com/office/drawing/2014/main" xmlns="" val="10003"/>
+                    <a16:rowId xmlns="" xmlns:a16="http://schemas.microsoft.com/office/drawing/2014/main" val="10003"/>
                   </a:ext>
                 </a:extLst>
               </a:tr>
@@ -6526,26 +7095,207 @@
                         <a:defRPr/>
                       </a:pPr>
                       <a:r>
-                        <a:rPr lang="en-GB" sz="1000" i="0">
-                          <a:solidFill>
-                            <a:srgbClr val="000000"/>
-                          </a:solidFill>
-                          <a:latin typeface="Segoe UI" pitchFamily="34" charset="0"/>
-                          <a:cs typeface="Segoe UI" pitchFamily="34" charset="0"/>
-                        </a:rPr>
-                        <a:t>Usually</a:t>
-                      </a:r>
-                      <a:r>
-                        <a:rPr lang="en-GB" sz="1000" i="0" baseline="0">
-                          <a:solidFill>
-                            <a:srgbClr val="000000"/>
-                          </a:solidFill>
-                          <a:latin typeface="Segoe UI" pitchFamily="34" charset="0"/>
-                          <a:cs typeface="Segoe UI" pitchFamily="34" charset="0"/>
-                        </a:rPr>
-                        <a:t> uncertainty is underestimated. </a:t>
-                      </a:r>
+                        <a:rPr lang="en-GB" sz="1000" b="0" i="0" u="none" strike="noStrike" cap="none" spc="0" baseline="0">
+                          <a:ln>
+                            <a:noFill/>
+                          </a:ln>
+                          <a:solidFill>
+                            <a:srgbClr val="000000"/>
+                          </a:solidFill>
+                          <a:uFillTx/>
+                          <a:latin typeface="Segoe UI" pitchFamily="34" charset="0"/>
+                          <a:ea typeface="+mn-ea"/>
+                          <a:cs typeface="Segoe UI" pitchFamily="34" charset="0"/>
+                          <a:sym typeface="Source Sans Pro"/>
+                        </a:rPr>
+                        <a:t>Source: </a:t>
+                      </a:r>
+                      <a:r>
+                        <a:rPr lang="en-GB" sz="1000" b="0" i="0" u="none" strike="noStrike" cap="none" spc="0" baseline="0">
+                          <a:ln>
+                            <a:noFill/>
+                          </a:ln>
+                          <a:solidFill>
+                            <a:srgbClr val="000000"/>
+                          </a:solidFill>
+                          <a:uFillTx/>
+                          <a:latin typeface="Segoe UI" pitchFamily="34" charset="0"/>
+                          <a:ea typeface="+mn-ea"/>
+                          <a:cs typeface="Segoe UI" pitchFamily="34" charset="0"/>
+                          <a:sym typeface="Helvetica Light"/>
+                        </a:rPr>
+                        <a:t>Business Forecasting Ch. 1.1</a:t>
+                      </a:r>
+                      <a:endParaRPr lang="en-GB" sz="1000" b="0" i="0" u="none" strike="noStrike" cap="none" spc="0" baseline="0">
+                        <a:ln>
+                          <a:noFill/>
+                        </a:ln>
+                        <a:solidFill>
+                          <a:srgbClr val="000000"/>
+                        </a:solidFill>
+                        <a:uFillTx/>
+                        <a:latin typeface="Segoe UI" pitchFamily="34" charset="0"/>
+                        <a:ea typeface="+mn-ea"/>
+                        <a:cs typeface="Segoe UI" pitchFamily="34" charset="0"/>
+                        <a:sym typeface="Source Sans Pro"/>
+                      </a:endParaRPr>
                     </a:p>
+                  </a:txBody>
+                  <a:tcPr>
+                    <a:lnL w="6350" cap="flat" cmpd="sng" algn="ctr">
+                      <a:solidFill>
+                        <a:srgbClr val="000000"/>
+                      </a:solidFill>
+                      <a:prstDash val="solid"/>
+                      <a:round/>
+                      <a:headEnd type="none" w="med" len="med"/>
+                      <a:tailEnd type="none" w="med" len="med"/>
+                    </a:lnL>
+                    <a:lnR w="12700" cmpd="sng">
+                      <a:noFill/>
+                    </a:lnR>
+                    <a:lnT w="12700" cmpd="sng">
+                      <a:noFill/>
+                    </a:lnT>
+                    <a:lnB w="6350" cap="flat" cmpd="sng" algn="ctr">
+                      <a:solidFill>
+                        <a:srgbClr val="000000"/>
+                      </a:solidFill>
+                      <a:prstDash val="solid"/>
+                      <a:round/>
+                      <a:headEnd type="none" w="med" len="med"/>
+                      <a:tailEnd type="none" w="med" len="med"/>
+                    </a:lnB>
+                    <a:lnTlToBr w="12700" cmpd="sng">
+                      <a:noFill/>
+                      <a:prstDash val="solid"/>
+                    </a:lnTlToBr>
+                    <a:lnBlToTr w="12700" cmpd="sng">
+                      <a:noFill/>
+                      <a:prstDash val="solid"/>
+                    </a:lnBlToTr>
+                  </a:tcPr>
+                </a:tc>
+                <a:extLst>
+                  <a:ext uri="{0D108BD9-81ED-4DB2-BD59-A6C34878D82A}">
+                    <a16:rowId xmlns="" xmlns:a16="http://schemas.microsoft.com/office/drawing/2014/main" val="10007"/>
+                  </a:ext>
+                </a:extLst>
+              </a:tr>
+            </a:tbl>
+          </a:graphicData>
+        </a:graphic>
+      </p:graphicFrame>
+      <p:graphicFrame>
+        <p:nvGraphicFramePr>
+          <p:cNvPr id="9" name="Table 8"/>
+          <p:cNvGraphicFramePr>
+            <a:graphicFrameLocks noGrp="1"/>
+          </p:cNvGraphicFramePr>
+          <p:nvPr>
+            <p:extLst>
+              <p:ext uri="{D42A27DB-BD31-4B8C-83A1-F6EECF244321}">
+                <p14:modId xmlns:p14="http://schemas.microsoft.com/office/powerpoint/2010/main" val="3867451306"/>
+              </p:ext>
+            </p:extLst>
+          </p:nvPr>
+        </p:nvGraphicFramePr>
+        <p:xfrm>
+          <a:off x="288925" y="8042356"/>
+          <a:ext cx="3825875" cy="2014220"/>
+        </p:xfrm>
+        <a:graphic>
+          <a:graphicData uri="http://schemas.openxmlformats.org/drawingml/2006/table">
+            <a:tbl>
+              <a:tblPr firstRow="1" bandRow="1">
+                <a:tableStyleId>{5940675A-B579-460E-94D1-54222C63F5DA}</a:tableStyleId>
+              </a:tblPr>
+              <a:tblGrid>
+                <a:gridCol w="3825875">
+                  <a:extLst>
+                    <a:ext uri="{9D8B030D-6E8A-4147-A177-3AD203B41FA5}">
+                      <a16:colId xmlns="" xmlns:a16="http://schemas.microsoft.com/office/drawing/2014/main" val="20000"/>
+                    </a:ext>
+                  </a:extLst>
+                </a:gridCol>
+              </a:tblGrid>
+              <a:tr h="260350">
+                <a:tc>
+                  <a:txBody>
+                    <a:bodyPr/>
+                    <a:lstStyle/>
+                    <a:p>
+                      <a:pPr algn="l"/>
+                      <a:r>
+                        <a:rPr lang="en-GB" sz="1000" b="1" baseline="0">
+                          <a:solidFill>
+                            <a:srgbClr val="000000"/>
+                          </a:solidFill>
+                          <a:latin typeface="Segoe UI" pitchFamily="34" charset="0"/>
+                          <a:cs typeface="Segoe UI" pitchFamily="34" charset="0"/>
+                        </a:rPr>
+                        <a:t>Forecastability</a:t>
+                      </a:r>
+                    </a:p>
+                  </a:txBody>
+                  <a:tcPr>
+                    <a:lnL w="6350" cap="flat" cmpd="sng" algn="ctr">
+                      <a:solidFill>
+                        <a:srgbClr val="000000"/>
+                      </a:solidFill>
+                      <a:prstDash val="solid"/>
+                      <a:round/>
+                      <a:headEnd type="none" w="med" len="med"/>
+                      <a:tailEnd type="none" w="med" len="med"/>
+                    </a:lnL>
+                    <a:lnR w="12700" cap="flat" cmpd="sng" algn="ctr">
+                      <a:solidFill>
+                        <a:schemeClr val="tx1"/>
+                      </a:solidFill>
+                      <a:prstDash val="solid"/>
+                      <a:round/>
+                      <a:headEnd type="none" w="med" len="med"/>
+                      <a:tailEnd type="none" w="med" len="med"/>
+                    </a:lnR>
+                    <a:lnT w="6350" cap="flat" cmpd="sng" algn="ctr">
+                      <a:solidFill>
+                        <a:srgbClr val="000000"/>
+                      </a:solidFill>
+                      <a:prstDash val="solid"/>
+                      <a:round/>
+                      <a:headEnd type="none" w="med" len="med"/>
+                      <a:tailEnd type="none" w="med" len="med"/>
+                    </a:lnT>
+                    <a:lnB w="6350" cap="flat" cmpd="sng" algn="ctr">
+                      <a:solidFill>
+                        <a:srgbClr val="000000"/>
+                      </a:solidFill>
+                      <a:prstDash val="solid"/>
+                      <a:round/>
+                      <a:headEnd type="none" w="med" len="med"/>
+                      <a:tailEnd type="none" w="med" len="med"/>
+                    </a:lnB>
+                    <a:lnTlToBr w="12700" cmpd="sng">
+                      <a:noFill/>
+                      <a:prstDash val="solid"/>
+                    </a:lnTlToBr>
+                    <a:lnBlToTr w="12700" cmpd="sng">
+                      <a:noFill/>
+                      <a:prstDash val="solid"/>
+                    </a:lnBlToTr>
+                  </a:tcPr>
+                </a:tc>
+                <a:extLst>
+                  <a:ext uri="{0D108BD9-81ED-4DB2-BD59-A6C34878D82A}">
+                    <a16:rowId xmlns="" xmlns:a16="http://schemas.microsoft.com/office/drawing/2014/main" val="10000"/>
+                  </a:ext>
+                </a:extLst>
+              </a:tr>
+              <a:tr h="273736">
+                <a:tc>
+                  <a:txBody>
+                    <a:bodyPr/>
+                    <a:lstStyle/>
                     <a:p>
                       <a:pPr marL="0" marR="0" indent="0" algn="l" defTabSz="584200" rtl="0" eaLnBrk="1" fontAlgn="auto" latinLnBrk="0" hangingPunct="1">
                         <a:lnSpc>
@@ -6565,6 +7315,16 @@
                         <a:defRPr/>
                       </a:pPr>
                       <a:r>
+                        <a:rPr lang="en-GB" sz="1000" i="0">
+                          <a:solidFill>
+                            <a:srgbClr val="000000"/>
+                          </a:solidFill>
+                          <a:latin typeface="Segoe UI" pitchFamily="34" charset="0"/>
+                          <a:cs typeface="Segoe UI" pitchFamily="34" charset="0"/>
+                        </a:rPr>
+                        <a:t>Range of forecast errors</a:t>
+                      </a:r>
+                      <a:r>
                         <a:rPr lang="en-GB" sz="1000" i="0" baseline="0">
                           <a:solidFill>
                             <a:srgbClr val="000000"/>
@@ -6572,9 +7332,73 @@
                           <a:latin typeface="Segoe UI" pitchFamily="34" charset="0"/>
                           <a:cs typeface="Segoe UI" pitchFamily="34" charset="0"/>
                         </a:rPr>
-                        <a:t>    Simple remedy: Double range! </a:t>
-                      </a:r>
+                        <a:t> that are achievable on average in the long run.</a:t>
+                      </a:r>
+                      <a:endParaRPr lang="en-GB" sz="1000" i="0">
+                        <a:solidFill>
+                          <a:srgbClr val="000000"/>
+                        </a:solidFill>
+                        <a:latin typeface="Segoe UI" pitchFamily="34" charset="0"/>
+                        <a:cs typeface="Segoe UI" pitchFamily="34" charset="0"/>
+                      </a:endParaRPr>
                     </a:p>
+                  </a:txBody>
+                  <a:tcPr>
+                    <a:lnL w="6350" cap="flat" cmpd="sng" algn="ctr">
+                      <a:solidFill>
+                        <a:srgbClr val="000000"/>
+                      </a:solidFill>
+                      <a:prstDash val="solid"/>
+                      <a:round/>
+                      <a:headEnd type="none" w="med" len="med"/>
+                      <a:tailEnd type="none" w="med" len="med"/>
+                    </a:lnL>
+                    <a:lnR w="12700" cap="flat" cmpd="sng" algn="ctr">
+                      <a:solidFill>
+                        <a:schemeClr val="tx1"/>
+                      </a:solidFill>
+                      <a:prstDash val="solid"/>
+                      <a:round/>
+                      <a:headEnd type="none" w="med" len="med"/>
+                      <a:tailEnd type="none" w="med" len="med"/>
+                    </a:lnR>
+                    <a:lnT w="6350" cap="flat" cmpd="sng" algn="ctr">
+                      <a:solidFill>
+                        <a:srgbClr val="000000"/>
+                      </a:solidFill>
+                      <a:prstDash val="solid"/>
+                      <a:round/>
+                      <a:headEnd type="none" w="med" len="med"/>
+                      <a:tailEnd type="none" w="med" len="med"/>
+                    </a:lnT>
+                    <a:lnB w="6350" cap="flat" cmpd="sng" algn="ctr">
+                      <a:noFill/>
+                      <a:prstDash val="solid"/>
+                      <a:round/>
+                      <a:headEnd type="none" w="med" len="med"/>
+                      <a:tailEnd type="none" w="med" len="med"/>
+                    </a:lnB>
+                    <a:lnTlToBr w="12700" cmpd="sng">
+                      <a:noFill/>
+                      <a:prstDash val="solid"/>
+                    </a:lnTlToBr>
+                    <a:lnBlToTr w="12700" cmpd="sng">
+                      <a:noFill/>
+                      <a:prstDash val="solid"/>
+                    </a:lnBlToTr>
+                  </a:tcPr>
+                </a:tc>
+                <a:extLst>
+                  <a:ext uri="{0D108BD9-81ED-4DB2-BD59-A6C34878D82A}">
+                    <a16:rowId xmlns="" xmlns:a16="http://schemas.microsoft.com/office/drawing/2014/main" val="10001"/>
+                  </a:ext>
+                </a:extLst>
+              </a:tr>
+              <a:tr h="273736">
+                <a:tc>
+                  <a:txBody>
+                    <a:bodyPr/>
+                    <a:lstStyle/>
                     <a:p>
                       <a:pPr marL="0" marR="0" indent="0" algn="l" defTabSz="584200" rtl="0" eaLnBrk="1" fontAlgn="auto" latinLnBrk="0" hangingPunct="1">
                         <a:lnSpc>
@@ -6594,22 +7418,21 @@
                         <a:defRPr/>
                       </a:pPr>
                       <a:r>
-                        <a:rPr lang="en-GB" sz="1000" i="0" baseline="0">
-                          <a:solidFill>
-                            <a:srgbClr val="000000"/>
-                          </a:solidFill>
-                          <a:latin typeface="Segoe UI" pitchFamily="34" charset="0"/>
-                          <a:cs typeface="Segoe UI" pitchFamily="34" charset="0"/>
-                        </a:rPr>
-                        <a:t>    Adv. remedy: Est. probs. of different factors Monte Carlo sim.</a:t>
-                      </a:r>
-                      <a:endParaRPr lang="en-GB" sz="1000" i="0">
-                        <a:solidFill>
-                          <a:srgbClr val="000000"/>
-                        </a:solidFill>
-                        <a:latin typeface="Segoe UI" pitchFamily="34" charset="0"/>
-                        <a:cs typeface="Segoe UI" pitchFamily="34" charset="0"/>
-                      </a:endParaRPr>
+                        <a:rPr lang="en-GB" sz="1000" b="0" i="0" u="none" strike="noStrike" cap="none" spc="0" baseline="0">
+                          <a:ln>
+                            <a:noFill/>
+                          </a:ln>
+                          <a:solidFill>
+                            <a:srgbClr val="000000"/>
+                          </a:solidFill>
+                          <a:uFillTx/>
+                          <a:latin typeface="Segoe UI" pitchFamily="34" charset="0"/>
+                          <a:ea typeface="+mn-ea"/>
+                          <a:cs typeface="Segoe UI" pitchFamily="34" charset="0"/>
+                          <a:sym typeface="Helvetica Light"/>
+                        </a:rPr>
+                        <a:t>The lower value of the range represents the lowest forecast error achievable.</a:t>
+                      </a:r>
                     </a:p>
                   </a:txBody>
                   <a:tcPr>
@@ -6622,11 +7445,21 @@
                       <a:headEnd type="none" w="med" len="med"/>
                       <a:tailEnd type="none" w="med" len="med"/>
                     </a:lnL>
-                    <a:lnR w="12700" cmpd="sng">
-                      <a:noFill/>
+                    <a:lnR w="12700" cap="flat" cmpd="sng" algn="ctr">
+                      <a:solidFill>
+                        <a:schemeClr val="tx1"/>
+                      </a:solidFill>
+                      <a:prstDash val="solid"/>
+                      <a:round/>
+                      <a:headEnd type="none" w="med" len="med"/>
+                      <a:tailEnd type="none" w="med" len="med"/>
                     </a:lnR>
-                    <a:lnT w="12700" cmpd="sng">
-                      <a:noFill/>
+                    <a:lnT w="6350" cap="flat" cmpd="sng" algn="ctr">
+                      <a:noFill/>
+                      <a:prstDash val="solid"/>
+                      <a:round/>
+                      <a:headEnd type="none" w="med" len="med"/>
+                      <a:tailEnd type="none" w="med" len="med"/>
                     </a:lnT>
                     <a:lnB w="12700" cmpd="sng">
                       <a:noFill/>
@@ -6643,7 +7476,7 @@
                 </a:tc>
                 <a:extLst>
                   <a:ext uri="{0D108BD9-81ED-4DB2-BD59-A6C34878D82A}">
-                    <a16:rowId xmlns:a16="http://schemas.microsoft.com/office/drawing/2014/main" xmlns="" val="10004"/>
+                    <a16:rowId xmlns="" xmlns:a16="http://schemas.microsoft.com/office/drawing/2014/main" val="10002"/>
                   </a:ext>
                 </a:extLst>
               </a:tr>
@@ -6670,7 +7503,27 @@
                         <a:tabLst/>
                         <a:defRPr/>
                       </a:pPr>
-                      <a:endParaRPr lang="en-GB" sz="1000" i="0">
+                      <a:r>
+                        <a:rPr lang="en-GB" sz="1000">
+                          <a:solidFill>
+                            <a:srgbClr val="000000"/>
+                          </a:solidFill>
+                          <a:latin typeface="Segoe UI" pitchFamily="34" charset="0"/>
+                          <a:cs typeface="Segoe UI" pitchFamily="34" charset="0"/>
+                        </a:rPr>
+                        <a:t>The upper value of the range represents</a:t>
+                      </a:r>
+                      <a:r>
+                        <a:rPr lang="en-GB" sz="1000" baseline="0">
+                          <a:solidFill>
+                            <a:srgbClr val="000000"/>
+                          </a:solidFill>
+                          <a:latin typeface="Segoe UI" pitchFamily="34" charset="0"/>
+                          <a:cs typeface="Segoe UI" pitchFamily="34" charset="0"/>
+                        </a:rPr>
+                        <a:t> an upper bound based on a very simple forecasting method. Eg. naïve, simple moving average (non-seasonal), or Winter’s exponential smoothing (seasonal data).</a:t>
+                      </a:r>
+                      <a:endParaRPr lang="en-GB" sz="1000">
                         <a:solidFill>
                           <a:srgbClr val="000000"/>
                         </a:solidFill>
@@ -6689,18 +7542,20 @@
                       <a:headEnd type="none" w="med" len="med"/>
                       <a:tailEnd type="none" w="med" len="med"/>
                     </a:lnL>
-                    <a:lnR w="12700" cmpd="sng">
-                      <a:noFill/>
+                    <a:lnR w="12700" cap="flat" cmpd="sng" algn="ctr">
+                      <a:solidFill>
+                        <a:schemeClr val="tx1"/>
+                      </a:solidFill>
+                      <a:prstDash val="solid"/>
+                      <a:round/>
+                      <a:headEnd type="none" w="med" len="med"/>
+                      <a:tailEnd type="none" w="med" len="med"/>
                     </a:lnR>
                     <a:lnT w="12700" cmpd="sng">
                       <a:noFill/>
                     </a:lnT>
-                    <a:lnB w="6350" cap="flat" cmpd="sng" algn="ctr">
-                      <a:noFill/>
-                      <a:prstDash val="solid"/>
-                      <a:round/>
-                      <a:headEnd type="none" w="med" len="med"/>
-                      <a:tailEnd type="none" w="med" len="med"/>
+                    <a:lnB w="12700" cmpd="sng">
+                      <a:noFill/>
                     </a:lnB>
                     <a:lnTlToBr w="12700" cmpd="sng">
                       <a:noFill/>
@@ -6714,7 +7569,7 @@
                 </a:tc>
                 <a:extLst>
                   <a:ext uri="{0D108BD9-81ED-4DB2-BD59-A6C34878D82A}">
-                    <a16:rowId xmlns:a16="http://schemas.microsoft.com/office/drawing/2014/main" xmlns="" val="10005"/>
+                    <a16:rowId xmlns="" xmlns:a16="http://schemas.microsoft.com/office/drawing/2014/main" val="10003"/>
                   </a:ext>
                 </a:extLst>
               </a:tr>
@@ -6741,6 +7596,38 @@
                         <a:tabLst/>
                         <a:defRPr/>
                       </a:pPr>
+                      <a:r>
+                        <a:rPr lang="en-GB" sz="1000" b="0" i="0" u="none" strike="noStrike" cap="none" spc="0" baseline="0">
+                          <a:ln>
+                            <a:noFill/>
+                          </a:ln>
+                          <a:solidFill>
+                            <a:srgbClr val="000000"/>
+                          </a:solidFill>
+                          <a:uFillTx/>
+                          <a:latin typeface="Segoe UI" pitchFamily="34" charset="0"/>
+                          <a:ea typeface="+mn-ea"/>
+                          <a:cs typeface="Segoe UI" pitchFamily="34" charset="0"/>
+                          <a:sym typeface="Source Sans Pro"/>
+                        </a:rPr>
+                        <a:t>Source: </a:t>
+                      </a:r>
+                      <a:r>
+                        <a:rPr lang="en-GB" sz="1000" b="0" i="0" u="none" strike="noStrike" cap="none" spc="0" baseline="0">
+                          <a:ln>
+                            <a:noFill/>
+                          </a:ln>
+                          <a:solidFill>
+                            <a:srgbClr val="000000"/>
+                          </a:solidFill>
+                          <a:uFillTx/>
+                          <a:latin typeface="Segoe UI" pitchFamily="34" charset="0"/>
+                          <a:ea typeface="+mn-ea"/>
+                          <a:cs typeface="Segoe UI" pitchFamily="34" charset="0"/>
+                          <a:sym typeface="Helvetica Light"/>
+                        </a:rPr>
+                        <a:t>Business Forecasting Ch. 1.3</a:t>
+                      </a:r>
                       <a:endParaRPr lang="en-GB" sz="1000" b="0" i="0" u="none" strike="noStrike" cap="none" spc="0" baseline="0">
                         <a:ln>
                           <a:noFill/>
@@ -6766,14 +7653,22 @@
                       <a:headEnd type="none" w="med" len="med"/>
                       <a:tailEnd type="none" w="med" len="med"/>
                     </a:lnL>
-                    <a:lnR w="12700" cmpd="sng">
-                      <a:noFill/>
+                    <a:lnR w="12700" cap="flat" cmpd="sng" algn="ctr">
+                      <a:solidFill>
+                        <a:schemeClr val="tx1"/>
+                      </a:solidFill>
+                      <a:prstDash val="solid"/>
+                      <a:round/>
+                      <a:headEnd type="none" w="med" len="med"/>
+                      <a:tailEnd type="none" w="med" len="med"/>
                     </a:lnR>
                     <a:lnT w="12700" cmpd="sng">
                       <a:noFill/>
                     </a:lnT>
                     <a:lnB w="6350" cap="flat" cmpd="sng" algn="ctr">
-                      <a:noFill/>
+                      <a:solidFill>
+                        <a:srgbClr val="000000"/>
+                      </a:solidFill>
                       <a:prstDash val="solid"/>
                       <a:round/>
                       <a:headEnd type="none" w="med" len="med"/>
@@ -6791,1413 +7686,7 @@
                 </a:tc>
                 <a:extLst>
                   <a:ext uri="{0D108BD9-81ED-4DB2-BD59-A6C34878D82A}">
-                    <a16:rowId xmlns:a16="http://schemas.microsoft.com/office/drawing/2014/main" xmlns="" val="10006"/>
-                  </a:ext>
-                </a:extLst>
-              </a:tr>
-              <a:tr h="260350">
-                <a:tc>
-                  <a:txBody>
-                    <a:bodyPr/>
-                    <a:lstStyle/>
-                    <a:p>
-                      <a:pPr marL="0" marR="0" indent="0" algn="l" defTabSz="584200" rtl="0" eaLnBrk="1" fontAlgn="auto" latinLnBrk="0" hangingPunct="1">
-                        <a:lnSpc>
-                          <a:spcPct val="100000"/>
-                        </a:lnSpc>
-                        <a:spcBef>
-                          <a:spcPts val="0"/>
-                        </a:spcBef>
-                        <a:spcAft>
-                          <a:spcPts val="0"/>
-                        </a:spcAft>
-                        <a:buClrTx/>
-                        <a:buSzTx/>
-                        <a:buFontTx/>
-                        <a:buNone/>
-                        <a:tabLst/>
-                        <a:defRPr/>
-                      </a:pPr>
-                      <a:r>
-                        <a:rPr lang="en-GB" sz="1000" b="0" i="0" u="none" strike="noStrike" cap="none" spc="0" baseline="0">
-                          <a:ln>
-                            <a:noFill/>
-                          </a:ln>
-                          <a:solidFill>
-                            <a:srgbClr val="000000"/>
-                          </a:solidFill>
-                          <a:uFillTx/>
-                          <a:latin typeface="Segoe UI" pitchFamily="34" charset="0"/>
-                          <a:ea typeface="+mn-ea"/>
-                          <a:cs typeface="Segoe UI" pitchFamily="34" charset="0"/>
-                          <a:sym typeface="Source Sans Pro"/>
-                        </a:rPr>
-                        <a:t>Source: </a:t>
-                      </a:r>
-                      <a:r>
-                        <a:rPr lang="en-GB" sz="1000" b="0" i="0" u="none" strike="noStrike" cap="none" spc="0" baseline="0">
-                          <a:ln>
-                            <a:noFill/>
-                          </a:ln>
-                          <a:solidFill>
-                            <a:srgbClr val="000000"/>
-                          </a:solidFill>
-                          <a:uFillTx/>
-                          <a:latin typeface="Segoe UI" pitchFamily="34" charset="0"/>
-                          <a:ea typeface="+mn-ea"/>
-                          <a:cs typeface="Segoe UI" pitchFamily="34" charset="0"/>
-                          <a:sym typeface="Helvetica Light"/>
-                        </a:rPr>
-                        <a:t>Business Forecasting Ch. 1.1</a:t>
-                      </a:r>
-                      <a:endParaRPr lang="en-GB" sz="1000" b="0" i="0" u="none" strike="noStrike" cap="none" spc="0" baseline="0">
-                        <a:ln>
-                          <a:noFill/>
-                        </a:ln>
-                        <a:solidFill>
-                          <a:srgbClr val="000000"/>
-                        </a:solidFill>
-                        <a:uFillTx/>
-                        <a:latin typeface="Segoe UI" pitchFamily="34" charset="0"/>
-                        <a:ea typeface="+mn-ea"/>
-                        <a:cs typeface="Segoe UI" pitchFamily="34" charset="0"/>
-                        <a:sym typeface="Source Sans Pro"/>
-                      </a:endParaRPr>
-                    </a:p>
-                  </a:txBody>
-                  <a:tcPr>
-                    <a:lnL w="6350" cap="flat" cmpd="sng" algn="ctr">
-                      <a:solidFill>
-                        <a:srgbClr val="000000"/>
-                      </a:solidFill>
-                      <a:prstDash val="solid"/>
-                      <a:round/>
-                      <a:headEnd type="none" w="med" len="med"/>
-                      <a:tailEnd type="none" w="med" len="med"/>
-                    </a:lnL>
-                    <a:lnR w="12700" cmpd="sng">
-                      <a:noFill/>
-                    </a:lnR>
-                    <a:lnT w="12700" cmpd="sng">
-                      <a:noFill/>
-                    </a:lnT>
-                    <a:lnB w="6350" cap="flat" cmpd="sng" algn="ctr">
-                      <a:solidFill>
-                        <a:srgbClr val="000000"/>
-                      </a:solidFill>
-                      <a:prstDash val="solid"/>
-                      <a:round/>
-                      <a:headEnd type="none" w="med" len="med"/>
-                      <a:tailEnd type="none" w="med" len="med"/>
-                    </a:lnB>
-                    <a:lnTlToBr w="12700" cmpd="sng">
-                      <a:noFill/>
-                      <a:prstDash val="solid"/>
-                    </a:lnTlToBr>
-                    <a:lnBlToTr w="12700" cmpd="sng">
-                      <a:noFill/>
-                      <a:prstDash val="solid"/>
-                    </a:lnBlToTr>
-                  </a:tcPr>
-                </a:tc>
-                <a:extLst>
-                  <a:ext uri="{0D108BD9-81ED-4DB2-BD59-A6C34878D82A}">
-                    <a16:rowId xmlns:a16="http://schemas.microsoft.com/office/drawing/2014/main" xmlns="" val="10007"/>
-                  </a:ext>
-                </a:extLst>
-              </a:tr>
-            </a:tbl>
-          </a:graphicData>
-        </a:graphic>
-      </p:graphicFrame>
-      <p:graphicFrame>
-        <p:nvGraphicFramePr>
-          <p:cNvPr id="30" name="Table 29"/>
-          <p:cNvGraphicFramePr>
-            <a:graphicFrameLocks noGrp="1"/>
-          </p:cNvGraphicFramePr>
-          <p:nvPr>
-            <p:extLst>
-              <p:ext uri="{D42A27DB-BD31-4B8C-83A1-F6EECF244321}">
-                <p14:modId xmlns:p14="http://schemas.microsoft.com/office/powerpoint/2010/main" val="298423407"/>
-              </p:ext>
-            </p:extLst>
-          </p:nvPr>
-        </p:nvGraphicFramePr>
-        <p:xfrm>
-          <a:off x="403225" y="7411801"/>
-          <a:ext cx="3825875" cy="2367966"/>
-        </p:xfrm>
-        <a:graphic>
-          <a:graphicData uri="http://schemas.openxmlformats.org/drawingml/2006/table">
-            <a:tbl>
-              <a:tblPr firstRow="1" bandRow="1">
-                <a:tableStyleId>{5940675A-B579-460E-94D1-54222C63F5DA}</a:tableStyleId>
-              </a:tblPr>
-              <a:tblGrid>
-                <a:gridCol w="3825875">
-                  <a:extLst>
-                    <a:ext uri="{9D8B030D-6E8A-4147-A177-3AD203B41FA5}">
-                      <a16:colId xmlns:a16="http://schemas.microsoft.com/office/drawing/2014/main" xmlns="" val="20000"/>
-                    </a:ext>
-                  </a:extLst>
-                </a:gridCol>
-              </a:tblGrid>
-              <a:tr h="260350">
-                <a:tc>
-                  <a:txBody>
-                    <a:bodyPr/>
-                    <a:lstStyle/>
-                    <a:p>
-                      <a:pPr algn="l"/>
-                      <a:r>
-                        <a:rPr lang="en-GB" sz="1000" b="1" baseline="0">
-                          <a:solidFill>
-                            <a:srgbClr val="000000"/>
-                          </a:solidFill>
-                          <a:latin typeface="Segoe UI" pitchFamily="34" charset="0"/>
-                          <a:cs typeface="Segoe UI" pitchFamily="34" charset="0"/>
-                        </a:rPr>
-                        <a:t>How to Communicate Uncertainty</a:t>
-                      </a:r>
-                    </a:p>
-                  </a:txBody>
-                  <a:tcPr>
-                    <a:lnL w="6350" cap="flat" cmpd="sng" algn="ctr">
-                      <a:solidFill>
-                        <a:srgbClr val="000000"/>
-                      </a:solidFill>
-                      <a:prstDash val="solid"/>
-                      <a:round/>
-                      <a:headEnd type="none" w="med" len="med"/>
-                      <a:tailEnd type="none" w="med" len="med"/>
-                    </a:lnL>
-                    <a:lnR w="6350" cap="flat" cmpd="sng" algn="ctr">
-                      <a:solidFill>
-                        <a:srgbClr val="000000"/>
-                      </a:solidFill>
-                      <a:prstDash val="solid"/>
-                      <a:round/>
-                      <a:headEnd type="none" w="med" len="med"/>
-                      <a:tailEnd type="none" w="med" len="med"/>
-                    </a:lnR>
-                    <a:lnT w="6350" cap="flat" cmpd="sng" algn="ctr">
-                      <a:solidFill>
-                        <a:srgbClr val="000000"/>
-                      </a:solidFill>
-                      <a:prstDash val="solid"/>
-                      <a:round/>
-                      <a:headEnd type="none" w="med" len="med"/>
-                      <a:tailEnd type="none" w="med" len="med"/>
-                    </a:lnT>
-                    <a:lnB w="6350" cap="flat" cmpd="sng" algn="ctr">
-                      <a:solidFill>
-                        <a:srgbClr val="000000"/>
-                      </a:solidFill>
-                      <a:prstDash val="solid"/>
-                      <a:round/>
-                      <a:headEnd type="none" w="med" len="med"/>
-                      <a:tailEnd type="none" w="med" len="med"/>
-                    </a:lnB>
-                    <a:lnTlToBr w="12700" cmpd="sng">
-                      <a:noFill/>
-                      <a:prstDash val="solid"/>
-                    </a:lnTlToBr>
-                    <a:lnBlToTr w="12700" cmpd="sng">
-                      <a:noFill/>
-                      <a:prstDash val="solid"/>
-                    </a:lnBlToTr>
-                  </a:tcPr>
-                </a:tc>
-                <a:extLst>
-                  <a:ext uri="{0D108BD9-81ED-4DB2-BD59-A6C34878D82A}">
-                    <a16:rowId xmlns:a16="http://schemas.microsoft.com/office/drawing/2014/main" xmlns="" val="10000"/>
-                  </a:ext>
-                </a:extLst>
-              </a:tr>
-              <a:tr h="273736">
-                <a:tc>
-                  <a:txBody>
-                    <a:bodyPr/>
-                    <a:lstStyle/>
-                    <a:p>
-                      <a:pPr marL="0" marR="0" indent="0" algn="l" defTabSz="584200" rtl="0" eaLnBrk="1" fontAlgn="auto" latinLnBrk="0" hangingPunct="1">
-                        <a:lnSpc>
-                          <a:spcPct val="100000"/>
-                        </a:lnSpc>
-                        <a:spcBef>
-                          <a:spcPts val="0"/>
-                        </a:spcBef>
-                        <a:spcAft>
-                          <a:spcPts val="0"/>
-                        </a:spcAft>
-                        <a:buClrTx/>
-                        <a:buSzTx/>
-                        <a:buFontTx/>
-                        <a:buNone/>
-                        <a:tabLst/>
-                        <a:defRPr/>
-                      </a:pPr>
-                      <a:r>
-                        <a:rPr lang="en-GB" sz="1000" i="0">
-                          <a:solidFill>
-                            <a:srgbClr val="000000"/>
-                          </a:solidFill>
-                          <a:latin typeface="Segoe UI" pitchFamily="34" charset="0"/>
-                          <a:cs typeface="Segoe UI" pitchFamily="34" charset="0"/>
-                        </a:rPr>
-                        <a:t>Too</a:t>
-                      </a:r>
-                      <a:r>
-                        <a:rPr lang="en-GB" sz="1000" i="0" baseline="0">
-                          <a:solidFill>
-                            <a:srgbClr val="000000"/>
-                          </a:solidFill>
-                          <a:latin typeface="Segoe UI" pitchFamily="34" charset="0"/>
-                          <a:cs typeface="Segoe UI" pitchFamily="34" charset="0"/>
-                        </a:rPr>
-                        <a:t> wide uncertainty interval is hard to sell to decision makers, even if it is accurate (eg. 90% pred. interval of 50 to 900 units).</a:t>
-                      </a:r>
-                      <a:endParaRPr lang="en-GB" sz="1000" i="0">
-                        <a:solidFill>
-                          <a:srgbClr val="000000"/>
-                        </a:solidFill>
-                        <a:latin typeface="Segoe UI" pitchFamily="34" charset="0"/>
-                        <a:cs typeface="Segoe UI" pitchFamily="34" charset="0"/>
-                      </a:endParaRPr>
-                    </a:p>
-                  </a:txBody>
-                  <a:tcPr>
-                    <a:lnL w="6350" cap="flat" cmpd="sng" algn="ctr">
-                      <a:solidFill>
-                        <a:srgbClr val="000000"/>
-                      </a:solidFill>
-                      <a:prstDash val="solid"/>
-                      <a:round/>
-                      <a:headEnd type="none" w="med" len="med"/>
-                      <a:tailEnd type="none" w="med" len="med"/>
-                    </a:lnL>
-                    <a:lnR w="12700" cap="flat" cmpd="sng" algn="ctr">
-                      <a:noFill/>
-                      <a:prstDash val="solid"/>
-                      <a:round/>
-                      <a:headEnd type="none" w="med" len="med"/>
-                      <a:tailEnd type="none" w="med" len="med"/>
-                    </a:lnR>
-                    <a:lnT w="6350" cap="flat" cmpd="sng" algn="ctr">
-                      <a:solidFill>
-                        <a:srgbClr val="000000"/>
-                      </a:solidFill>
-                      <a:prstDash val="solid"/>
-                      <a:round/>
-                      <a:headEnd type="none" w="med" len="med"/>
-                      <a:tailEnd type="none" w="med" len="med"/>
-                    </a:lnT>
-                    <a:lnB w="6350" cap="flat" cmpd="sng" algn="ctr">
-                      <a:noFill/>
-                      <a:prstDash val="solid"/>
-                      <a:round/>
-                      <a:headEnd type="none" w="med" len="med"/>
-                      <a:tailEnd type="none" w="med" len="med"/>
-                    </a:lnB>
-                    <a:lnTlToBr w="12700" cmpd="sng">
-                      <a:noFill/>
-                      <a:prstDash val="solid"/>
-                    </a:lnTlToBr>
-                    <a:lnBlToTr w="12700" cmpd="sng">
-                      <a:noFill/>
-                      <a:prstDash val="solid"/>
-                    </a:lnBlToTr>
-                  </a:tcPr>
-                </a:tc>
-                <a:extLst>
-                  <a:ext uri="{0D108BD9-81ED-4DB2-BD59-A6C34878D82A}">
-                    <a16:rowId xmlns:a16="http://schemas.microsoft.com/office/drawing/2014/main" xmlns="" val="10001"/>
-                  </a:ext>
-                </a:extLst>
-              </a:tr>
-              <a:tr h="273736">
-                <a:tc>
-                  <a:txBody>
-                    <a:bodyPr/>
-                    <a:lstStyle/>
-                    <a:p>
-                      <a:pPr marL="0" marR="0" indent="0" algn="l" defTabSz="584200" rtl="0" eaLnBrk="1" fontAlgn="auto" latinLnBrk="0" hangingPunct="1">
-                        <a:lnSpc>
-                          <a:spcPct val="100000"/>
-                        </a:lnSpc>
-                        <a:spcBef>
-                          <a:spcPts val="0"/>
-                        </a:spcBef>
-                        <a:spcAft>
-                          <a:spcPts val="0"/>
-                        </a:spcAft>
-                        <a:buClrTx/>
-                        <a:buSzTx/>
-                        <a:buFontTx/>
-                        <a:buNone/>
-                        <a:tabLst/>
-                        <a:defRPr/>
-                      </a:pPr>
-                      <a:r>
-                        <a:rPr lang="en-GB" sz="1000" b="0" i="1" u="none" strike="noStrike" cap="none" spc="0" baseline="0">
-                          <a:ln>
-                            <a:noFill/>
-                          </a:ln>
-                          <a:solidFill>
-                            <a:srgbClr val="000000"/>
-                          </a:solidFill>
-                          <a:uFillTx/>
-                          <a:latin typeface="Segoe UI" pitchFamily="34" charset="0"/>
-                          <a:ea typeface="+mn-ea"/>
-                          <a:cs typeface="Segoe UI" pitchFamily="34" charset="0"/>
-                          <a:sym typeface="Helvetica Light"/>
-                        </a:rPr>
-                        <a:t>Fan</a:t>
-                      </a:r>
-                      <a:r>
-                        <a:rPr lang="en-GB" sz="1000" b="0" i="0" u="none" strike="noStrike" cap="none" spc="0" baseline="0">
-                          <a:ln>
-                            <a:noFill/>
-                          </a:ln>
-                          <a:solidFill>
-                            <a:srgbClr val="000000"/>
-                          </a:solidFill>
-                          <a:uFillTx/>
-                          <a:latin typeface="Segoe UI" pitchFamily="34" charset="0"/>
-                          <a:ea typeface="+mn-ea"/>
-                          <a:cs typeface="Segoe UI" pitchFamily="34" charset="0"/>
-                          <a:sym typeface="Helvetica Light"/>
-                        </a:rPr>
-                        <a:t> and </a:t>
-                      </a:r>
-                      <a:r>
-                        <a:rPr lang="en-GB" sz="1000" b="0" i="1" u="none" strike="noStrike" cap="none" spc="0" baseline="0">
-                          <a:ln>
-                            <a:noFill/>
-                          </a:ln>
-                          <a:solidFill>
-                            <a:srgbClr val="000000"/>
-                          </a:solidFill>
-                          <a:uFillTx/>
-                          <a:latin typeface="Segoe UI" pitchFamily="34" charset="0"/>
-                          <a:ea typeface="+mn-ea"/>
-                          <a:cs typeface="Segoe UI" pitchFamily="34" charset="0"/>
-                          <a:sym typeface="Helvetica Light"/>
-                        </a:rPr>
-                        <a:t>density</a:t>
-                      </a:r>
-                      <a:r>
-                        <a:rPr lang="en-GB" sz="1000" b="0" i="0" u="none" strike="noStrike" cap="none" spc="0" baseline="0">
-                          <a:ln>
-                            <a:noFill/>
-                          </a:ln>
-                          <a:solidFill>
-                            <a:srgbClr val="000000"/>
-                          </a:solidFill>
-                          <a:uFillTx/>
-                          <a:latin typeface="Segoe UI" pitchFamily="34" charset="0"/>
-                          <a:ea typeface="+mn-ea"/>
-                          <a:cs typeface="Segoe UI" pitchFamily="34" charset="0"/>
-                          <a:sym typeface="Helvetica Light"/>
-                        </a:rPr>
-                        <a:t> </a:t>
-                      </a:r>
-                      <a:r>
-                        <a:rPr lang="en-GB" sz="1000" b="0" i="1" u="none" strike="noStrike" cap="none" spc="0" baseline="0">
-                          <a:ln>
-                            <a:noFill/>
-                          </a:ln>
-                          <a:solidFill>
-                            <a:srgbClr val="000000"/>
-                          </a:solidFill>
-                          <a:uFillTx/>
-                          <a:latin typeface="Segoe UI" pitchFamily="34" charset="0"/>
-                          <a:ea typeface="+mn-ea"/>
-                          <a:cs typeface="Segoe UI" pitchFamily="34" charset="0"/>
-                          <a:sym typeface="Helvetica Light"/>
-                        </a:rPr>
-                        <a:t>charts</a:t>
-                      </a:r>
-                      <a:r>
-                        <a:rPr lang="en-GB" sz="1000" b="0" i="0" u="none" strike="noStrike" cap="none" spc="0" baseline="0">
-                          <a:ln>
-                            <a:noFill/>
-                          </a:ln>
-                          <a:solidFill>
-                            <a:srgbClr val="000000"/>
-                          </a:solidFill>
-                          <a:uFillTx/>
-                          <a:latin typeface="Segoe UI" pitchFamily="34" charset="0"/>
-                          <a:ea typeface="+mn-ea"/>
-                          <a:cs typeface="Segoe UI" pitchFamily="34" charset="0"/>
-                          <a:sym typeface="Helvetica Light"/>
-                        </a:rPr>
-                        <a:t> are great.</a:t>
-                      </a:r>
-                    </a:p>
-                  </a:txBody>
-                  <a:tcPr>
-                    <a:lnL w="6350" cap="flat" cmpd="sng" algn="ctr">
-                      <a:solidFill>
-                        <a:srgbClr val="000000"/>
-                      </a:solidFill>
-                      <a:prstDash val="solid"/>
-                      <a:round/>
-                      <a:headEnd type="none" w="med" len="med"/>
-                      <a:tailEnd type="none" w="med" len="med"/>
-                    </a:lnL>
-                    <a:lnR w="12700" cap="flat" cmpd="sng" algn="ctr">
-                      <a:noFill/>
-                      <a:prstDash val="solid"/>
-                      <a:round/>
-                      <a:headEnd type="none" w="med" len="med"/>
-                      <a:tailEnd type="none" w="med" len="med"/>
-                    </a:lnR>
-                    <a:lnT w="6350" cap="flat" cmpd="sng" algn="ctr">
-                      <a:noFill/>
-                      <a:prstDash val="solid"/>
-                      <a:round/>
-                      <a:headEnd type="none" w="med" len="med"/>
-                      <a:tailEnd type="none" w="med" len="med"/>
-                    </a:lnT>
-                    <a:lnB w="12700" cmpd="sng">
-                      <a:noFill/>
-                    </a:lnB>
-                    <a:lnTlToBr w="12700" cmpd="sng">
-                      <a:noFill/>
-                      <a:prstDash val="solid"/>
-                    </a:lnTlToBr>
-                    <a:lnBlToTr w="12700" cmpd="sng">
-                      <a:noFill/>
-                      <a:prstDash val="solid"/>
-                    </a:lnBlToTr>
-                  </a:tcPr>
-                </a:tc>
-                <a:extLst>
-                  <a:ext uri="{0D108BD9-81ED-4DB2-BD59-A6C34878D82A}">
-                    <a16:rowId xmlns:a16="http://schemas.microsoft.com/office/drawing/2014/main" xmlns="" val="10002"/>
-                  </a:ext>
-                </a:extLst>
-              </a:tr>
-              <a:tr h="260350">
-                <a:tc>
-                  <a:txBody>
-                    <a:bodyPr/>
-                    <a:lstStyle/>
-                    <a:p>
-                      <a:pPr marL="0" marR="0" indent="0" algn="l" defTabSz="584200" rtl="0" eaLnBrk="1" fontAlgn="auto" latinLnBrk="0" hangingPunct="1">
-                        <a:lnSpc>
-                          <a:spcPct val="100000"/>
-                        </a:lnSpc>
-                        <a:spcBef>
-                          <a:spcPts val="0"/>
-                        </a:spcBef>
-                        <a:spcAft>
-                          <a:spcPts val="0"/>
-                        </a:spcAft>
-                        <a:buClrTx/>
-                        <a:buSzTx/>
-                        <a:buFontTx/>
-                        <a:buNone/>
-                        <a:tabLst/>
-                        <a:defRPr/>
-                      </a:pPr>
-                      <a:r>
-                        <a:rPr lang="en-GB" sz="1000">
-                          <a:solidFill>
-                            <a:srgbClr val="000000"/>
-                          </a:solidFill>
-                          <a:latin typeface="Segoe UI" pitchFamily="34" charset="0"/>
-                          <a:cs typeface="Segoe UI" pitchFamily="34" charset="0"/>
-                        </a:rPr>
-                        <a:t>Increased trust if pred. intervals</a:t>
-                      </a:r>
-                      <a:r>
-                        <a:rPr lang="en-GB" sz="1000" baseline="0">
-                          <a:solidFill>
-                            <a:srgbClr val="000000"/>
-                          </a:solidFill>
-                          <a:latin typeface="Segoe UI" pitchFamily="34" charset="0"/>
-                          <a:cs typeface="Segoe UI" pitchFamily="34" charset="0"/>
-                        </a:rPr>
-                        <a:t> is expressed in everyday language (worst-case), or in scenarios/narratives.</a:t>
-                      </a:r>
-                      <a:endParaRPr lang="en-GB" sz="1000">
-                        <a:solidFill>
-                          <a:srgbClr val="000000"/>
-                        </a:solidFill>
-                        <a:latin typeface="Segoe UI" pitchFamily="34" charset="0"/>
-                        <a:cs typeface="Segoe UI" pitchFamily="34" charset="0"/>
-                      </a:endParaRPr>
-                    </a:p>
-                  </a:txBody>
-                  <a:tcPr>
-                    <a:lnL w="6350" cap="flat" cmpd="sng" algn="ctr">
-                      <a:solidFill>
-                        <a:srgbClr val="000000"/>
-                      </a:solidFill>
-                      <a:prstDash val="solid"/>
-                      <a:round/>
-                      <a:headEnd type="none" w="med" len="med"/>
-                      <a:tailEnd type="none" w="med" len="med"/>
-                    </a:lnL>
-                    <a:lnR w="12700" cmpd="sng">
-                      <a:noFill/>
-                    </a:lnR>
-                    <a:lnT w="12700" cmpd="sng">
-                      <a:noFill/>
-                    </a:lnT>
-                    <a:lnB w="12700" cmpd="sng">
-                      <a:noFill/>
-                    </a:lnB>
-                    <a:lnTlToBr w="12700" cmpd="sng">
-                      <a:noFill/>
-                      <a:prstDash val="solid"/>
-                    </a:lnTlToBr>
-                    <a:lnBlToTr w="12700" cmpd="sng">
-                      <a:noFill/>
-                      <a:prstDash val="solid"/>
-                    </a:lnBlToTr>
-                  </a:tcPr>
-                </a:tc>
-                <a:extLst>
-                  <a:ext uri="{0D108BD9-81ED-4DB2-BD59-A6C34878D82A}">
-                    <a16:rowId xmlns:a16="http://schemas.microsoft.com/office/drawing/2014/main" xmlns="" val="10003"/>
-                  </a:ext>
-                </a:extLst>
-              </a:tr>
-              <a:tr h="260350">
-                <a:tc>
-                  <a:txBody>
-                    <a:bodyPr/>
-                    <a:lstStyle/>
-                    <a:p>
-                      <a:pPr marL="0" marR="0" indent="0" algn="l" defTabSz="584200" rtl="0" eaLnBrk="1" fontAlgn="auto" latinLnBrk="0" hangingPunct="1">
-                        <a:lnSpc>
-                          <a:spcPct val="100000"/>
-                        </a:lnSpc>
-                        <a:spcBef>
-                          <a:spcPts val="0"/>
-                        </a:spcBef>
-                        <a:spcAft>
-                          <a:spcPts val="0"/>
-                        </a:spcAft>
-                        <a:buClrTx/>
-                        <a:buSzTx/>
-                        <a:buFontTx/>
-                        <a:buNone/>
-                        <a:tabLst/>
-                        <a:defRPr/>
-                      </a:pPr>
-                      <a:endParaRPr lang="en-GB" sz="1000" i="0">
-                        <a:solidFill>
-                          <a:srgbClr val="000000"/>
-                        </a:solidFill>
-                        <a:latin typeface="Segoe UI" pitchFamily="34" charset="0"/>
-                        <a:cs typeface="Segoe UI" pitchFamily="34" charset="0"/>
-                      </a:endParaRPr>
-                    </a:p>
-                  </a:txBody>
-                  <a:tcPr>
-                    <a:lnL w="6350" cap="flat" cmpd="sng" algn="ctr">
-                      <a:solidFill>
-                        <a:srgbClr val="000000"/>
-                      </a:solidFill>
-                      <a:prstDash val="solid"/>
-                      <a:round/>
-                      <a:headEnd type="none" w="med" len="med"/>
-                      <a:tailEnd type="none" w="med" len="med"/>
-                    </a:lnL>
-                    <a:lnR w="12700" cmpd="sng">
-                      <a:noFill/>
-                    </a:lnR>
-                    <a:lnT w="12700" cmpd="sng">
-                      <a:noFill/>
-                    </a:lnT>
-                    <a:lnB w="12700" cmpd="sng">
-                      <a:noFill/>
-                    </a:lnB>
-                    <a:lnTlToBr w="12700" cmpd="sng">
-                      <a:noFill/>
-                      <a:prstDash val="solid"/>
-                    </a:lnTlToBr>
-                    <a:lnBlToTr w="12700" cmpd="sng">
-                      <a:noFill/>
-                      <a:prstDash val="solid"/>
-                    </a:lnBlToTr>
-                  </a:tcPr>
-                </a:tc>
-                <a:extLst>
-                  <a:ext uri="{0D108BD9-81ED-4DB2-BD59-A6C34878D82A}">
-                    <a16:rowId xmlns:a16="http://schemas.microsoft.com/office/drawing/2014/main" xmlns="" val="10004"/>
-                  </a:ext>
-                </a:extLst>
-              </a:tr>
-              <a:tr h="260350">
-                <a:tc>
-                  <a:txBody>
-                    <a:bodyPr/>
-                    <a:lstStyle/>
-                    <a:p>
-                      <a:pPr marL="0" marR="0" indent="0" algn="l" defTabSz="584200" rtl="0" eaLnBrk="1" fontAlgn="auto" latinLnBrk="0" hangingPunct="1">
-                        <a:lnSpc>
-                          <a:spcPct val="100000"/>
-                        </a:lnSpc>
-                        <a:spcBef>
-                          <a:spcPts val="0"/>
-                        </a:spcBef>
-                        <a:spcAft>
-                          <a:spcPts val="0"/>
-                        </a:spcAft>
-                        <a:buClrTx/>
-                        <a:buSzTx/>
-                        <a:buFontTx/>
-                        <a:buNone/>
-                        <a:tabLst/>
-                        <a:defRPr/>
-                      </a:pPr>
-                      <a:endParaRPr lang="en-GB" sz="1000" i="0">
-                        <a:solidFill>
-                          <a:srgbClr val="000000"/>
-                        </a:solidFill>
-                        <a:latin typeface="Segoe UI" pitchFamily="34" charset="0"/>
-                        <a:cs typeface="Segoe UI" pitchFamily="34" charset="0"/>
-                      </a:endParaRPr>
-                    </a:p>
-                  </a:txBody>
-                  <a:tcPr>
-                    <a:lnL w="6350" cap="flat" cmpd="sng" algn="ctr">
-                      <a:solidFill>
-                        <a:srgbClr val="000000"/>
-                      </a:solidFill>
-                      <a:prstDash val="solid"/>
-                      <a:round/>
-                      <a:headEnd type="none" w="med" len="med"/>
-                      <a:tailEnd type="none" w="med" len="med"/>
-                    </a:lnL>
-                    <a:lnR w="12700" cmpd="sng">
-                      <a:noFill/>
-                    </a:lnR>
-                    <a:lnT w="12700" cmpd="sng">
-                      <a:noFill/>
-                    </a:lnT>
-                    <a:lnB w="6350" cap="flat" cmpd="sng" algn="ctr">
-                      <a:noFill/>
-                      <a:prstDash val="solid"/>
-                      <a:round/>
-                      <a:headEnd type="none" w="med" len="med"/>
-                      <a:tailEnd type="none" w="med" len="med"/>
-                    </a:lnB>
-                    <a:lnTlToBr w="12700" cmpd="sng">
-                      <a:noFill/>
-                      <a:prstDash val="solid"/>
-                    </a:lnTlToBr>
-                    <a:lnBlToTr w="12700" cmpd="sng">
-                      <a:noFill/>
-                      <a:prstDash val="solid"/>
-                    </a:lnBlToTr>
-                  </a:tcPr>
-                </a:tc>
-                <a:extLst>
-                  <a:ext uri="{0D108BD9-81ED-4DB2-BD59-A6C34878D82A}">
-                    <a16:rowId xmlns:a16="http://schemas.microsoft.com/office/drawing/2014/main" xmlns="" val="10005"/>
-                  </a:ext>
-                </a:extLst>
-              </a:tr>
-              <a:tr h="260350">
-                <a:tc>
-                  <a:txBody>
-                    <a:bodyPr/>
-                    <a:lstStyle/>
-                    <a:p>
-                      <a:pPr marL="0" marR="0" indent="0" algn="l" defTabSz="584200" rtl="0" eaLnBrk="1" fontAlgn="auto" latinLnBrk="0" hangingPunct="1">
-                        <a:lnSpc>
-                          <a:spcPct val="100000"/>
-                        </a:lnSpc>
-                        <a:spcBef>
-                          <a:spcPts val="0"/>
-                        </a:spcBef>
-                        <a:spcAft>
-                          <a:spcPts val="0"/>
-                        </a:spcAft>
-                        <a:buClrTx/>
-                        <a:buSzTx/>
-                        <a:buFontTx/>
-                        <a:buNone/>
-                        <a:tabLst/>
-                        <a:defRPr/>
-                      </a:pPr>
-                      <a:endParaRPr lang="en-GB" sz="1000" b="0" i="0" u="none" strike="noStrike" cap="none" spc="0" baseline="0">
-                        <a:ln>
-                          <a:noFill/>
-                        </a:ln>
-                        <a:solidFill>
-                          <a:srgbClr val="000000"/>
-                        </a:solidFill>
-                        <a:uFillTx/>
-                        <a:latin typeface="Segoe UI" pitchFamily="34" charset="0"/>
-                        <a:ea typeface="+mn-ea"/>
-                        <a:cs typeface="Segoe UI" pitchFamily="34" charset="0"/>
-                        <a:sym typeface="Source Sans Pro"/>
-                      </a:endParaRPr>
-                    </a:p>
-                  </a:txBody>
-                  <a:tcPr>
-                    <a:lnL w="6350" cap="flat" cmpd="sng" algn="ctr">
-                      <a:solidFill>
-                        <a:srgbClr val="000000"/>
-                      </a:solidFill>
-                      <a:prstDash val="solid"/>
-                      <a:round/>
-                      <a:headEnd type="none" w="med" len="med"/>
-                      <a:tailEnd type="none" w="med" len="med"/>
-                    </a:lnL>
-                    <a:lnR w="12700" cmpd="sng">
-                      <a:noFill/>
-                    </a:lnR>
-                    <a:lnT w="12700" cmpd="sng">
-                      <a:noFill/>
-                    </a:lnT>
-                    <a:lnB w="6350" cap="flat" cmpd="sng" algn="ctr">
-                      <a:noFill/>
-                      <a:prstDash val="solid"/>
-                      <a:round/>
-                      <a:headEnd type="none" w="med" len="med"/>
-                      <a:tailEnd type="none" w="med" len="med"/>
-                    </a:lnB>
-                    <a:lnTlToBr w="12700" cmpd="sng">
-                      <a:noFill/>
-                      <a:prstDash val="solid"/>
-                    </a:lnTlToBr>
-                    <a:lnBlToTr w="12700" cmpd="sng">
-                      <a:noFill/>
-                      <a:prstDash val="solid"/>
-                    </a:lnBlToTr>
-                  </a:tcPr>
-                </a:tc>
-                <a:extLst>
-                  <a:ext uri="{0D108BD9-81ED-4DB2-BD59-A6C34878D82A}">
-                    <a16:rowId xmlns:a16="http://schemas.microsoft.com/office/drawing/2014/main" xmlns="" val="10006"/>
-                  </a:ext>
-                </a:extLst>
-              </a:tr>
-              <a:tr h="260350">
-                <a:tc>
-                  <a:txBody>
-                    <a:bodyPr/>
-                    <a:lstStyle/>
-                    <a:p>
-                      <a:pPr marL="0" marR="0" indent="0" algn="l" defTabSz="584200" rtl="0" eaLnBrk="1" fontAlgn="auto" latinLnBrk="0" hangingPunct="1">
-                        <a:lnSpc>
-                          <a:spcPct val="100000"/>
-                        </a:lnSpc>
-                        <a:spcBef>
-                          <a:spcPts val="0"/>
-                        </a:spcBef>
-                        <a:spcAft>
-                          <a:spcPts val="0"/>
-                        </a:spcAft>
-                        <a:buClrTx/>
-                        <a:buSzTx/>
-                        <a:buFontTx/>
-                        <a:buNone/>
-                        <a:tabLst/>
-                        <a:defRPr/>
-                      </a:pPr>
-                      <a:r>
-                        <a:rPr lang="en-GB" sz="1000" b="0" i="0" u="none" strike="noStrike" cap="none" spc="0" baseline="0">
-                          <a:ln>
-                            <a:noFill/>
-                          </a:ln>
-                          <a:solidFill>
-                            <a:srgbClr val="000000"/>
-                          </a:solidFill>
-                          <a:uFillTx/>
-                          <a:latin typeface="Segoe UI" pitchFamily="34" charset="0"/>
-                          <a:ea typeface="+mn-ea"/>
-                          <a:cs typeface="Segoe UI" pitchFamily="34" charset="0"/>
-                          <a:sym typeface="Source Sans Pro"/>
-                        </a:rPr>
-                        <a:t>Source: </a:t>
-                      </a:r>
-                      <a:r>
-                        <a:rPr lang="en-GB" sz="1000" b="0" i="0" u="none" strike="noStrike" cap="none" spc="0" baseline="0">
-                          <a:ln>
-                            <a:noFill/>
-                          </a:ln>
-                          <a:solidFill>
-                            <a:srgbClr val="000000"/>
-                          </a:solidFill>
-                          <a:uFillTx/>
-                          <a:latin typeface="Segoe UI" pitchFamily="34" charset="0"/>
-                          <a:ea typeface="+mn-ea"/>
-                          <a:cs typeface="Segoe UI" pitchFamily="34" charset="0"/>
-                          <a:sym typeface="Helvetica Light"/>
-                        </a:rPr>
-                        <a:t>Business Forecasting Ch. 1.1</a:t>
-                      </a:r>
-                      <a:endParaRPr lang="en-GB" sz="1000" b="0" i="0" u="none" strike="noStrike" cap="none" spc="0" baseline="0">
-                        <a:ln>
-                          <a:noFill/>
-                        </a:ln>
-                        <a:solidFill>
-                          <a:srgbClr val="000000"/>
-                        </a:solidFill>
-                        <a:uFillTx/>
-                        <a:latin typeface="Segoe UI" pitchFamily="34" charset="0"/>
-                        <a:ea typeface="+mn-ea"/>
-                        <a:cs typeface="Segoe UI" pitchFamily="34" charset="0"/>
-                        <a:sym typeface="Source Sans Pro"/>
-                      </a:endParaRPr>
-                    </a:p>
-                  </a:txBody>
-                  <a:tcPr>
-                    <a:lnL w="6350" cap="flat" cmpd="sng" algn="ctr">
-                      <a:solidFill>
-                        <a:srgbClr val="000000"/>
-                      </a:solidFill>
-                      <a:prstDash val="solid"/>
-                      <a:round/>
-                      <a:headEnd type="none" w="med" len="med"/>
-                      <a:tailEnd type="none" w="med" len="med"/>
-                    </a:lnL>
-                    <a:lnR w="12700" cmpd="sng">
-                      <a:noFill/>
-                    </a:lnR>
-                    <a:lnT w="12700" cmpd="sng">
-                      <a:noFill/>
-                    </a:lnT>
-                    <a:lnB w="6350" cap="flat" cmpd="sng" algn="ctr">
-                      <a:solidFill>
-                        <a:srgbClr val="000000"/>
-                      </a:solidFill>
-                      <a:prstDash val="solid"/>
-                      <a:round/>
-                      <a:headEnd type="none" w="med" len="med"/>
-                      <a:tailEnd type="none" w="med" len="med"/>
-                    </a:lnB>
-                    <a:lnTlToBr w="12700" cmpd="sng">
-                      <a:noFill/>
-                      <a:prstDash val="solid"/>
-                    </a:lnTlToBr>
-                    <a:lnBlToTr w="12700" cmpd="sng">
-                      <a:noFill/>
-                      <a:prstDash val="solid"/>
-                    </a:lnBlToTr>
-                  </a:tcPr>
-                </a:tc>
-                <a:extLst>
-                  <a:ext uri="{0D108BD9-81ED-4DB2-BD59-A6C34878D82A}">
-                    <a16:rowId xmlns:a16="http://schemas.microsoft.com/office/drawing/2014/main" xmlns="" val="10007"/>
-                  </a:ext>
-                </a:extLst>
-              </a:tr>
-            </a:tbl>
-          </a:graphicData>
-        </a:graphic>
-      </p:graphicFrame>
-      <p:graphicFrame>
-        <p:nvGraphicFramePr>
-          <p:cNvPr id="9" name="Table 8"/>
-          <p:cNvGraphicFramePr>
-            <a:graphicFrameLocks noGrp="1"/>
-          </p:cNvGraphicFramePr>
-          <p:nvPr>
-            <p:extLst>
-              <p:ext uri="{D42A27DB-BD31-4B8C-83A1-F6EECF244321}">
-                <p14:modId xmlns:p14="http://schemas.microsoft.com/office/powerpoint/2010/main" val="2908997296"/>
-              </p:ext>
-            </p:extLst>
-          </p:nvPr>
-        </p:nvGraphicFramePr>
-        <p:xfrm>
-          <a:off x="4506595" y="4099006"/>
-          <a:ext cx="3825875" cy="2014220"/>
-        </p:xfrm>
-        <a:graphic>
-          <a:graphicData uri="http://schemas.openxmlformats.org/drawingml/2006/table">
-            <a:tbl>
-              <a:tblPr firstRow="1" bandRow="1">
-                <a:tableStyleId>{5940675A-B579-460E-94D1-54222C63F5DA}</a:tableStyleId>
-              </a:tblPr>
-              <a:tblGrid>
-                <a:gridCol w="3825875">
-                  <a:extLst>
-                    <a:ext uri="{9D8B030D-6E8A-4147-A177-3AD203B41FA5}">
-                      <a16:colId xmlns:a16="http://schemas.microsoft.com/office/drawing/2014/main" xmlns="" val="20000"/>
-                    </a:ext>
-                  </a:extLst>
-                </a:gridCol>
-              </a:tblGrid>
-              <a:tr h="260350">
-                <a:tc>
-                  <a:txBody>
-                    <a:bodyPr/>
-                    <a:lstStyle/>
-                    <a:p>
-                      <a:pPr algn="l"/>
-                      <a:r>
-                        <a:rPr lang="en-GB" sz="1000" b="1" baseline="0">
-                          <a:solidFill>
-                            <a:srgbClr val="000000"/>
-                          </a:solidFill>
-                          <a:latin typeface="Segoe UI" pitchFamily="34" charset="0"/>
-                          <a:cs typeface="Segoe UI" pitchFamily="34" charset="0"/>
-                        </a:rPr>
-                        <a:t>Forecastability</a:t>
-                      </a:r>
-                    </a:p>
-                  </a:txBody>
-                  <a:tcPr>
-                    <a:lnL w="6350" cap="flat" cmpd="sng" algn="ctr">
-                      <a:solidFill>
-                        <a:srgbClr val="000000"/>
-                      </a:solidFill>
-                      <a:prstDash val="solid"/>
-                      <a:round/>
-                      <a:headEnd type="none" w="med" len="med"/>
-                      <a:tailEnd type="none" w="med" len="med"/>
-                    </a:lnL>
-                    <a:lnR w="12700" cap="flat" cmpd="sng" algn="ctr">
-                      <a:solidFill>
-                        <a:schemeClr val="tx1"/>
-                      </a:solidFill>
-                      <a:prstDash val="solid"/>
-                      <a:round/>
-                      <a:headEnd type="none" w="med" len="med"/>
-                      <a:tailEnd type="none" w="med" len="med"/>
-                    </a:lnR>
-                    <a:lnT w="6350" cap="flat" cmpd="sng" algn="ctr">
-                      <a:solidFill>
-                        <a:srgbClr val="000000"/>
-                      </a:solidFill>
-                      <a:prstDash val="solid"/>
-                      <a:round/>
-                      <a:headEnd type="none" w="med" len="med"/>
-                      <a:tailEnd type="none" w="med" len="med"/>
-                    </a:lnT>
-                    <a:lnB w="6350" cap="flat" cmpd="sng" algn="ctr">
-                      <a:solidFill>
-                        <a:srgbClr val="000000"/>
-                      </a:solidFill>
-                      <a:prstDash val="solid"/>
-                      <a:round/>
-                      <a:headEnd type="none" w="med" len="med"/>
-                      <a:tailEnd type="none" w="med" len="med"/>
-                    </a:lnB>
-                    <a:lnTlToBr w="12700" cmpd="sng">
-                      <a:noFill/>
-                      <a:prstDash val="solid"/>
-                    </a:lnTlToBr>
-                    <a:lnBlToTr w="12700" cmpd="sng">
-                      <a:noFill/>
-                      <a:prstDash val="solid"/>
-                    </a:lnBlToTr>
-                  </a:tcPr>
-                </a:tc>
-                <a:extLst>
-                  <a:ext uri="{0D108BD9-81ED-4DB2-BD59-A6C34878D82A}">
-                    <a16:rowId xmlns:a16="http://schemas.microsoft.com/office/drawing/2014/main" xmlns="" val="10000"/>
-                  </a:ext>
-                </a:extLst>
-              </a:tr>
-              <a:tr h="273736">
-                <a:tc>
-                  <a:txBody>
-                    <a:bodyPr/>
-                    <a:lstStyle/>
-                    <a:p>
-                      <a:pPr marL="0" marR="0" indent="0" algn="l" defTabSz="584200" rtl="0" eaLnBrk="1" fontAlgn="auto" latinLnBrk="0" hangingPunct="1">
-                        <a:lnSpc>
-                          <a:spcPct val="100000"/>
-                        </a:lnSpc>
-                        <a:spcBef>
-                          <a:spcPts val="0"/>
-                        </a:spcBef>
-                        <a:spcAft>
-                          <a:spcPts val="0"/>
-                        </a:spcAft>
-                        <a:buClrTx/>
-                        <a:buSzTx/>
-                        <a:buFontTx/>
-                        <a:buNone/>
-                        <a:tabLst/>
-                        <a:defRPr/>
-                      </a:pPr>
-                      <a:r>
-                        <a:rPr lang="en-GB" sz="1000" i="0">
-                          <a:solidFill>
-                            <a:srgbClr val="000000"/>
-                          </a:solidFill>
-                          <a:latin typeface="Segoe UI" pitchFamily="34" charset="0"/>
-                          <a:cs typeface="Segoe UI" pitchFamily="34" charset="0"/>
-                        </a:rPr>
-                        <a:t>Range of forecast errors</a:t>
-                      </a:r>
-                      <a:r>
-                        <a:rPr lang="en-GB" sz="1000" i="0" baseline="0">
-                          <a:solidFill>
-                            <a:srgbClr val="000000"/>
-                          </a:solidFill>
-                          <a:latin typeface="Segoe UI" pitchFamily="34" charset="0"/>
-                          <a:cs typeface="Segoe UI" pitchFamily="34" charset="0"/>
-                        </a:rPr>
-                        <a:t> that are achievable on average in the long run.</a:t>
-                      </a:r>
-                      <a:endParaRPr lang="en-GB" sz="1000" i="0">
-                        <a:solidFill>
-                          <a:srgbClr val="000000"/>
-                        </a:solidFill>
-                        <a:latin typeface="Segoe UI" pitchFamily="34" charset="0"/>
-                        <a:cs typeface="Segoe UI" pitchFamily="34" charset="0"/>
-                      </a:endParaRPr>
-                    </a:p>
-                  </a:txBody>
-                  <a:tcPr>
-                    <a:lnL w="6350" cap="flat" cmpd="sng" algn="ctr">
-                      <a:solidFill>
-                        <a:srgbClr val="000000"/>
-                      </a:solidFill>
-                      <a:prstDash val="solid"/>
-                      <a:round/>
-                      <a:headEnd type="none" w="med" len="med"/>
-                      <a:tailEnd type="none" w="med" len="med"/>
-                    </a:lnL>
-                    <a:lnR w="12700" cap="flat" cmpd="sng" algn="ctr">
-                      <a:solidFill>
-                        <a:schemeClr val="tx1"/>
-                      </a:solidFill>
-                      <a:prstDash val="solid"/>
-                      <a:round/>
-                      <a:headEnd type="none" w="med" len="med"/>
-                      <a:tailEnd type="none" w="med" len="med"/>
-                    </a:lnR>
-                    <a:lnT w="6350" cap="flat" cmpd="sng" algn="ctr">
-                      <a:solidFill>
-                        <a:srgbClr val="000000"/>
-                      </a:solidFill>
-                      <a:prstDash val="solid"/>
-                      <a:round/>
-                      <a:headEnd type="none" w="med" len="med"/>
-                      <a:tailEnd type="none" w="med" len="med"/>
-                    </a:lnT>
-                    <a:lnB w="6350" cap="flat" cmpd="sng" algn="ctr">
-                      <a:noFill/>
-                      <a:prstDash val="solid"/>
-                      <a:round/>
-                      <a:headEnd type="none" w="med" len="med"/>
-                      <a:tailEnd type="none" w="med" len="med"/>
-                    </a:lnB>
-                    <a:lnTlToBr w="12700" cmpd="sng">
-                      <a:noFill/>
-                      <a:prstDash val="solid"/>
-                    </a:lnTlToBr>
-                    <a:lnBlToTr w="12700" cmpd="sng">
-                      <a:noFill/>
-                      <a:prstDash val="solid"/>
-                    </a:lnBlToTr>
-                  </a:tcPr>
-                </a:tc>
-                <a:extLst>
-                  <a:ext uri="{0D108BD9-81ED-4DB2-BD59-A6C34878D82A}">
-                    <a16:rowId xmlns:a16="http://schemas.microsoft.com/office/drawing/2014/main" xmlns="" val="10001"/>
-                  </a:ext>
-                </a:extLst>
-              </a:tr>
-              <a:tr h="273736">
-                <a:tc>
-                  <a:txBody>
-                    <a:bodyPr/>
-                    <a:lstStyle/>
-                    <a:p>
-                      <a:pPr marL="0" marR="0" indent="0" algn="l" defTabSz="584200" rtl="0" eaLnBrk="1" fontAlgn="auto" latinLnBrk="0" hangingPunct="1">
-                        <a:lnSpc>
-                          <a:spcPct val="100000"/>
-                        </a:lnSpc>
-                        <a:spcBef>
-                          <a:spcPts val="0"/>
-                        </a:spcBef>
-                        <a:spcAft>
-                          <a:spcPts val="0"/>
-                        </a:spcAft>
-                        <a:buClrTx/>
-                        <a:buSzTx/>
-                        <a:buFontTx/>
-                        <a:buNone/>
-                        <a:tabLst/>
-                        <a:defRPr/>
-                      </a:pPr>
-                      <a:r>
-                        <a:rPr lang="en-GB" sz="1000" b="0" i="0" u="none" strike="noStrike" cap="none" spc="0" baseline="0">
-                          <a:ln>
-                            <a:noFill/>
-                          </a:ln>
-                          <a:solidFill>
-                            <a:srgbClr val="000000"/>
-                          </a:solidFill>
-                          <a:uFillTx/>
-                          <a:latin typeface="Segoe UI" pitchFamily="34" charset="0"/>
-                          <a:ea typeface="+mn-ea"/>
-                          <a:cs typeface="Segoe UI" pitchFamily="34" charset="0"/>
-                          <a:sym typeface="Helvetica Light"/>
-                        </a:rPr>
-                        <a:t>The lower value of the range represents the lowest forecast error achievable.</a:t>
-                      </a:r>
-                    </a:p>
-                  </a:txBody>
-                  <a:tcPr>
-                    <a:lnL w="6350" cap="flat" cmpd="sng" algn="ctr">
-                      <a:solidFill>
-                        <a:srgbClr val="000000"/>
-                      </a:solidFill>
-                      <a:prstDash val="solid"/>
-                      <a:round/>
-                      <a:headEnd type="none" w="med" len="med"/>
-                      <a:tailEnd type="none" w="med" len="med"/>
-                    </a:lnL>
-                    <a:lnR w="12700" cap="flat" cmpd="sng" algn="ctr">
-                      <a:solidFill>
-                        <a:schemeClr val="tx1"/>
-                      </a:solidFill>
-                      <a:prstDash val="solid"/>
-                      <a:round/>
-                      <a:headEnd type="none" w="med" len="med"/>
-                      <a:tailEnd type="none" w="med" len="med"/>
-                    </a:lnR>
-                    <a:lnT w="6350" cap="flat" cmpd="sng" algn="ctr">
-                      <a:noFill/>
-                      <a:prstDash val="solid"/>
-                      <a:round/>
-                      <a:headEnd type="none" w="med" len="med"/>
-                      <a:tailEnd type="none" w="med" len="med"/>
-                    </a:lnT>
-                    <a:lnB w="12700" cmpd="sng">
-                      <a:noFill/>
-                    </a:lnB>
-                    <a:lnTlToBr w="12700" cmpd="sng">
-                      <a:noFill/>
-                      <a:prstDash val="solid"/>
-                    </a:lnTlToBr>
-                    <a:lnBlToTr w="12700" cmpd="sng">
-                      <a:noFill/>
-                      <a:prstDash val="solid"/>
-                    </a:lnBlToTr>
-                  </a:tcPr>
-                </a:tc>
-                <a:extLst>
-                  <a:ext uri="{0D108BD9-81ED-4DB2-BD59-A6C34878D82A}">
-                    <a16:rowId xmlns:a16="http://schemas.microsoft.com/office/drawing/2014/main" xmlns="" val="10002"/>
-                  </a:ext>
-                </a:extLst>
-              </a:tr>
-              <a:tr h="260350">
-                <a:tc>
-                  <a:txBody>
-                    <a:bodyPr/>
-                    <a:lstStyle/>
-                    <a:p>
-                      <a:pPr marL="0" marR="0" indent="0" algn="l" defTabSz="584200" rtl="0" eaLnBrk="1" fontAlgn="auto" latinLnBrk="0" hangingPunct="1">
-                        <a:lnSpc>
-                          <a:spcPct val="100000"/>
-                        </a:lnSpc>
-                        <a:spcBef>
-                          <a:spcPts val="0"/>
-                        </a:spcBef>
-                        <a:spcAft>
-                          <a:spcPts val="0"/>
-                        </a:spcAft>
-                        <a:buClrTx/>
-                        <a:buSzTx/>
-                        <a:buFontTx/>
-                        <a:buNone/>
-                        <a:tabLst/>
-                        <a:defRPr/>
-                      </a:pPr>
-                      <a:r>
-                        <a:rPr lang="en-GB" sz="1000">
-                          <a:solidFill>
-                            <a:srgbClr val="000000"/>
-                          </a:solidFill>
-                          <a:latin typeface="Segoe UI" pitchFamily="34" charset="0"/>
-                          <a:cs typeface="Segoe UI" pitchFamily="34" charset="0"/>
-                        </a:rPr>
-                        <a:t>The upper value of the range represents</a:t>
-                      </a:r>
-                      <a:r>
-                        <a:rPr lang="en-GB" sz="1000" baseline="0">
-                          <a:solidFill>
-                            <a:srgbClr val="000000"/>
-                          </a:solidFill>
-                          <a:latin typeface="Segoe UI" pitchFamily="34" charset="0"/>
-                          <a:cs typeface="Segoe UI" pitchFamily="34" charset="0"/>
-                        </a:rPr>
-                        <a:t> an upper bound based on a very simple forecasting method. Eg. naïve, simple moving average (non-seasonal), or Winter’s exponential smoothing (seasonal data).</a:t>
-                      </a:r>
-                      <a:endParaRPr lang="en-GB" sz="1000">
-                        <a:solidFill>
-                          <a:srgbClr val="000000"/>
-                        </a:solidFill>
-                        <a:latin typeface="Segoe UI" pitchFamily="34" charset="0"/>
-                        <a:cs typeface="Segoe UI" pitchFamily="34" charset="0"/>
-                      </a:endParaRPr>
-                    </a:p>
-                  </a:txBody>
-                  <a:tcPr>
-                    <a:lnL w="6350" cap="flat" cmpd="sng" algn="ctr">
-                      <a:solidFill>
-                        <a:srgbClr val="000000"/>
-                      </a:solidFill>
-                      <a:prstDash val="solid"/>
-                      <a:round/>
-                      <a:headEnd type="none" w="med" len="med"/>
-                      <a:tailEnd type="none" w="med" len="med"/>
-                    </a:lnL>
-                    <a:lnR w="12700" cap="flat" cmpd="sng" algn="ctr">
-                      <a:solidFill>
-                        <a:schemeClr val="tx1"/>
-                      </a:solidFill>
-                      <a:prstDash val="solid"/>
-                      <a:round/>
-                      <a:headEnd type="none" w="med" len="med"/>
-                      <a:tailEnd type="none" w="med" len="med"/>
-                    </a:lnR>
-                    <a:lnT w="12700" cmpd="sng">
-                      <a:noFill/>
-                    </a:lnT>
-                    <a:lnB w="12700" cmpd="sng">
-                      <a:noFill/>
-                    </a:lnB>
-                    <a:lnTlToBr w="12700" cmpd="sng">
-                      <a:noFill/>
-                      <a:prstDash val="solid"/>
-                    </a:lnTlToBr>
-                    <a:lnBlToTr w="12700" cmpd="sng">
-                      <a:noFill/>
-                      <a:prstDash val="solid"/>
-                    </a:lnBlToTr>
-                  </a:tcPr>
-                </a:tc>
-                <a:extLst>
-                  <a:ext uri="{0D108BD9-81ED-4DB2-BD59-A6C34878D82A}">
-                    <a16:rowId xmlns:a16="http://schemas.microsoft.com/office/drawing/2014/main" xmlns="" val="10003"/>
-                  </a:ext>
-                </a:extLst>
-              </a:tr>
-              <a:tr h="260350">
-                <a:tc>
-                  <a:txBody>
-                    <a:bodyPr/>
-                    <a:lstStyle/>
-                    <a:p>
-                      <a:pPr marL="0" marR="0" indent="0" algn="l" defTabSz="584200" rtl="0" eaLnBrk="1" fontAlgn="auto" latinLnBrk="0" hangingPunct="1">
-                        <a:lnSpc>
-                          <a:spcPct val="100000"/>
-                        </a:lnSpc>
-                        <a:spcBef>
-                          <a:spcPts val="0"/>
-                        </a:spcBef>
-                        <a:spcAft>
-                          <a:spcPts val="0"/>
-                        </a:spcAft>
-                        <a:buClrTx/>
-                        <a:buSzTx/>
-                        <a:buFontTx/>
-                        <a:buNone/>
-                        <a:tabLst/>
-                        <a:defRPr/>
-                      </a:pPr>
-                      <a:r>
-                        <a:rPr lang="en-GB" sz="1000" b="0" i="0" u="none" strike="noStrike" cap="none" spc="0" baseline="0">
-                          <a:ln>
-                            <a:noFill/>
-                          </a:ln>
-                          <a:solidFill>
-                            <a:srgbClr val="000000"/>
-                          </a:solidFill>
-                          <a:uFillTx/>
-                          <a:latin typeface="Segoe UI" pitchFamily="34" charset="0"/>
-                          <a:ea typeface="+mn-ea"/>
-                          <a:cs typeface="Segoe UI" pitchFamily="34" charset="0"/>
-                          <a:sym typeface="Source Sans Pro"/>
-                        </a:rPr>
-                        <a:t>Source: </a:t>
-                      </a:r>
-                      <a:r>
-                        <a:rPr lang="en-GB" sz="1000" b="0" i="0" u="none" strike="noStrike" cap="none" spc="0" baseline="0">
-                          <a:ln>
-                            <a:noFill/>
-                          </a:ln>
-                          <a:solidFill>
-                            <a:srgbClr val="000000"/>
-                          </a:solidFill>
-                          <a:uFillTx/>
-                          <a:latin typeface="Segoe UI" pitchFamily="34" charset="0"/>
-                          <a:ea typeface="+mn-ea"/>
-                          <a:cs typeface="Segoe UI" pitchFamily="34" charset="0"/>
-                          <a:sym typeface="Helvetica Light"/>
-                        </a:rPr>
-                        <a:t>Business Forecasting Ch. 1.3</a:t>
-                      </a:r>
-                      <a:endParaRPr lang="en-GB" sz="1000" b="0" i="0" u="none" strike="noStrike" cap="none" spc="0" baseline="0">
-                        <a:ln>
-                          <a:noFill/>
-                        </a:ln>
-                        <a:solidFill>
-                          <a:srgbClr val="000000"/>
-                        </a:solidFill>
-                        <a:uFillTx/>
-                        <a:latin typeface="Segoe UI" pitchFamily="34" charset="0"/>
-                        <a:ea typeface="+mn-ea"/>
-                        <a:cs typeface="Segoe UI" pitchFamily="34" charset="0"/>
-                        <a:sym typeface="Source Sans Pro"/>
-                      </a:endParaRPr>
-                    </a:p>
-                  </a:txBody>
-                  <a:tcPr>
-                    <a:lnL w="6350" cap="flat" cmpd="sng" algn="ctr">
-                      <a:solidFill>
-                        <a:srgbClr val="000000"/>
-                      </a:solidFill>
-                      <a:prstDash val="solid"/>
-                      <a:round/>
-                      <a:headEnd type="none" w="med" len="med"/>
-                      <a:tailEnd type="none" w="med" len="med"/>
-                    </a:lnL>
-                    <a:lnR w="12700" cap="flat" cmpd="sng" algn="ctr">
-                      <a:solidFill>
-                        <a:schemeClr val="tx1"/>
-                      </a:solidFill>
-                      <a:prstDash val="solid"/>
-                      <a:round/>
-                      <a:headEnd type="none" w="med" len="med"/>
-                      <a:tailEnd type="none" w="med" len="med"/>
-                    </a:lnR>
-                    <a:lnT w="12700" cmpd="sng">
-                      <a:noFill/>
-                    </a:lnT>
-                    <a:lnB w="6350" cap="flat" cmpd="sng" algn="ctr">
-                      <a:solidFill>
-                        <a:srgbClr val="000000"/>
-                      </a:solidFill>
-                      <a:prstDash val="solid"/>
-                      <a:round/>
-                      <a:headEnd type="none" w="med" len="med"/>
-                      <a:tailEnd type="none" w="med" len="med"/>
-                    </a:lnB>
-                    <a:lnTlToBr w="12700" cmpd="sng">
-                      <a:noFill/>
-                      <a:prstDash val="solid"/>
-                    </a:lnTlToBr>
-                    <a:lnBlToTr w="12700" cmpd="sng">
-                      <a:noFill/>
-                      <a:prstDash val="solid"/>
-                    </a:lnBlToTr>
-                  </a:tcPr>
-                </a:tc>
-                <a:extLst>
-                  <a:ext uri="{0D108BD9-81ED-4DB2-BD59-A6C34878D82A}">
-                    <a16:rowId xmlns:a16="http://schemas.microsoft.com/office/drawing/2014/main" xmlns="" val="10007"/>
+                    <a16:rowId xmlns="" xmlns:a16="http://schemas.microsoft.com/office/drawing/2014/main" val="10007"/>
                   </a:ext>
                 </a:extLst>
               </a:tr>
@@ -8233,7 +7722,7 @@
                 <a:gridCol w="3825875">
                   <a:extLst>
                     <a:ext uri="{9D8B030D-6E8A-4147-A177-3AD203B41FA5}">
-                      <a16:colId xmlns:a16="http://schemas.microsoft.com/office/drawing/2014/main" xmlns="" val="20000"/>
+                      <a16:colId xmlns="" xmlns:a16="http://schemas.microsoft.com/office/drawing/2014/main" val="20000"/>
                     </a:ext>
                   </a:extLst>
                 </a:gridCol>
@@ -8306,7 +7795,7 @@
                 </a:tc>
                 <a:extLst>
                   <a:ext uri="{0D108BD9-81ED-4DB2-BD59-A6C34878D82A}">
-                    <a16:rowId xmlns:a16="http://schemas.microsoft.com/office/drawing/2014/main" xmlns="" val="10000"/>
+                    <a16:rowId xmlns="" xmlns:a16="http://schemas.microsoft.com/office/drawing/2014/main" val="10000"/>
                   </a:ext>
                 </a:extLst>
               </a:tr>
@@ -8409,7 +7898,7 @@
                 </a:tc>
                 <a:extLst>
                   <a:ext uri="{0D108BD9-81ED-4DB2-BD59-A6C34878D82A}">
-                    <a16:rowId xmlns:a16="http://schemas.microsoft.com/office/drawing/2014/main" xmlns="" val="10001"/>
+                    <a16:rowId xmlns="" xmlns:a16="http://schemas.microsoft.com/office/drawing/2014/main" val="10001"/>
                   </a:ext>
                 </a:extLst>
               </a:tr>
@@ -8495,7 +7984,7 @@
                 </a:tc>
                 <a:extLst>
                   <a:ext uri="{0D108BD9-81ED-4DB2-BD59-A6C34878D82A}">
-                    <a16:rowId xmlns:a16="http://schemas.microsoft.com/office/drawing/2014/main" xmlns="" val="10002"/>
+                    <a16:rowId xmlns="" xmlns:a16="http://schemas.microsoft.com/office/drawing/2014/main" val="10002"/>
                   </a:ext>
                 </a:extLst>
               </a:tr>
@@ -8588,7 +8077,7 @@
                 </a:tc>
                 <a:extLst>
                   <a:ext uri="{0D108BD9-81ED-4DB2-BD59-A6C34878D82A}">
-                    <a16:rowId xmlns:a16="http://schemas.microsoft.com/office/drawing/2014/main" xmlns="" val="10003"/>
+                    <a16:rowId xmlns="" xmlns:a16="http://schemas.microsoft.com/office/drawing/2014/main" val="10003"/>
                   </a:ext>
                 </a:extLst>
               </a:tr>
@@ -8681,7 +8170,7 @@
                 </a:tc>
                 <a:extLst>
                   <a:ext uri="{0D108BD9-81ED-4DB2-BD59-A6C34878D82A}">
-                    <a16:rowId xmlns:a16="http://schemas.microsoft.com/office/drawing/2014/main" xmlns="" val="10004"/>
+                    <a16:rowId xmlns="" xmlns:a16="http://schemas.microsoft.com/office/drawing/2014/main" val="10004"/>
                   </a:ext>
                 </a:extLst>
               </a:tr>
@@ -8778,7 +8267,7 @@
                 </a:tc>
                 <a:extLst>
                   <a:ext uri="{0D108BD9-81ED-4DB2-BD59-A6C34878D82A}">
-                    <a16:rowId xmlns:a16="http://schemas.microsoft.com/office/drawing/2014/main" xmlns="" val="10005"/>
+                    <a16:rowId xmlns="" xmlns:a16="http://schemas.microsoft.com/office/drawing/2014/main" val="10005"/>
                   </a:ext>
                 </a:extLst>
               </a:tr>
@@ -8864,7 +8353,7 @@
                 </a:tc>
                 <a:extLst>
                   <a:ext uri="{0D108BD9-81ED-4DB2-BD59-A6C34878D82A}">
-                    <a16:rowId xmlns:a16="http://schemas.microsoft.com/office/drawing/2014/main" xmlns="" val="10006"/>
+                    <a16:rowId xmlns="" xmlns:a16="http://schemas.microsoft.com/office/drawing/2014/main" val="10006"/>
                   </a:ext>
                 </a:extLst>
               </a:tr>
@@ -8997,7 +8486,7 @@
                 </a:tc>
                 <a:extLst>
                   <a:ext uri="{0D108BD9-81ED-4DB2-BD59-A6C34878D82A}">
-                    <a16:rowId xmlns:a16="http://schemas.microsoft.com/office/drawing/2014/main" xmlns="" val="10007"/>
+                    <a16:rowId xmlns="" xmlns:a16="http://schemas.microsoft.com/office/drawing/2014/main" val="10007"/>
                   </a:ext>
                 </a:extLst>
               </a:tr>
@@ -9014,13 +8503,13 @@
           <p:nvPr>
             <p:extLst>
               <p:ext uri="{D42A27DB-BD31-4B8C-83A1-F6EECF244321}">
-                <p14:modId xmlns:p14="http://schemas.microsoft.com/office/powerpoint/2010/main" val="2726194658"/>
+                <p14:modId xmlns:p14="http://schemas.microsoft.com/office/powerpoint/2010/main" val="1295561515"/>
               </p:ext>
             </p:extLst>
           </p:nvPr>
         </p:nvGraphicFramePr>
         <p:xfrm>
-          <a:off x="8630920" y="5984956"/>
+          <a:off x="8897620" y="5480131"/>
           <a:ext cx="3894455" cy="2531796"/>
         </p:xfrm>
         <a:graphic>
@@ -9033,7 +8522,7 @@
                 <a:gridCol w="3894455">
                   <a:extLst>
                     <a:ext uri="{9D8B030D-6E8A-4147-A177-3AD203B41FA5}">
-                      <a16:colId xmlns:a16="http://schemas.microsoft.com/office/drawing/2014/main" xmlns="" val="20000"/>
+                      <a16:colId xmlns="" xmlns:a16="http://schemas.microsoft.com/office/drawing/2014/main" val="20000"/>
                     </a:ext>
                   </a:extLst>
                 </a:gridCol>
@@ -9113,7 +8602,7 @@
                 </a:tc>
                 <a:extLst>
                   <a:ext uri="{0D108BD9-81ED-4DB2-BD59-A6C34878D82A}">
-                    <a16:rowId xmlns:a16="http://schemas.microsoft.com/office/drawing/2014/main" xmlns="" val="10000"/>
+                    <a16:rowId xmlns="" xmlns:a16="http://schemas.microsoft.com/office/drawing/2014/main" val="10000"/>
                   </a:ext>
                 </a:extLst>
               </a:tr>
@@ -9206,7 +8695,7 @@
                 </a:tc>
                 <a:extLst>
                   <a:ext uri="{0D108BD9-81ED-4DB2-BD59-A6C34878D82A}">
-                    <a16:rowId xmlns:a16="http://schemas.microsoft.com/office/drawing/2014/main" xmlns="" val="10001"/>
+                    <a16:rowId xmlns="" xmlns:a16="http://schemas.microsoft.com/office/drawing/2014/main" val="10001"/>
                   </a:ext>
                 </a:extLst>
               </a:tr>
@@ -9612,7 +9101,7 @@
                 </a:tc>
                 <a:extLst>
                   <a:ext uri="{0D108BD9-81ED-4DB2-BD59-A6C34878D82A}">
-                    <a16:rowId xmlns:a16="http://schemas.microsoft.com/office/drawing/2014/main" xmlns="" val="10002"/>
+                    <a16:rowId xmlns="" xmlns:a16="http://schemas.microsoft.com/office/drawing/2014/main" val="10002"/>
                   </a:ext>
                 </a:extLst>
               </a:tr>
@@ -9705,7 +9194,7 @@
                 </a:tc>
                 <a:extLst>
                   <a:ext uri="{0D108BD9-81ED-4DB2-BD59-A6C34878D82A}">
-                    <a16:rowId xmlns:a16="http://schemas.microsoft.com/office/drawing/2014/main" xmlns="" val="10003"/>
+                    <a16:rowId xmlns="" xmlns:a16="http://schemas.microsoft.com/office/drawing/2014/main" val="10003"/>
                   </a:ext>
                 </a:extLst>
               </a:tr>
@@ -9838,7 +9327,7 @@
                 </a:tc>
                 <a:extLst>
                   <a:ext uri="{0D108BD9-81ED-4DB2-BD59-A6C34878D82A}">
-                    <a16:rowId xmlns:a16="http://schemas.microsoft.com/office/drawing/2014/main" xmlns="" val="10007"/>
+                    <a16:rowId xmlns="" xmlns:a16="http://schemas.microsoft.com/office/drawing/2014/main" val="10007"/>
                   </a:ext>
                 </a:extLst>
               </a:tr>
@@ -9855,13 +9344,13 @@
           <p:nvPr>
             <p:extLst>
               <p:ext uri="{D42A27DB-BD31-4B8C-83A1-F6EECF244321}">
-                <p14:modId xmlns:p14="http://schemas.microsoft.com/office/powerpoint/2010/main" val="2149358955"/>
+                <p14:modId xmlns:p14="http://schemas.microsoft.com/office/powerpoint/2010/main" val="2256099324"/>
               </p:ext>
             </p:extLst>
           </p:nvPr>
         </p:nvGraphicFramePr>
         <p:xfrm>
-          <a:off x="4465320" y="6442156"/>
+          <a:off x="8903970" y="8147131"/>
           <a:ext cx="3894455" cy="1709420"/>
         </p:xfrm>
         <a:graphic>
@@ -9874,7 +9363,7 @@
                 <a:gridCol w="3894455">
                   <a:extLst>
                     <a:ext uri="{9D8B030D-6E8A-4147-A177-3AD203B41FA5}">
-                      <a16:colId xmlns:a16="http://schemas.microsoft.com/office/drawing/2014/main" xmlns="" val="20000"/>
+                      <a16:colId xmlns="" xmlns:a16="http://schemas.microsoft.com/office/drawing/2014/main" val="20000"/>
                     </a:ext>
                   </a:extLst>
                 </a:gridCol>
@@ -9954,7 +9443,7 @@
                 </a:tc>
                 <a:extLst>
                   <a:ext uri="{0D108BD9-81ED-4DB2-BD59-A6C34878D82A}">
-                    <a16:rowId xmlns:a16="http://schemas.microsoft.com/office/drawing/2014/main" xmlns="" val="10000"/>
+                    <a16:rowId xmlns="" xmlns:a16="http://schemas.microsoft.com/office/drawing/2014/main" val="10000"/>
                   </a:ext>
                 </a:extLst>
               </a:tr>
@@ -10077,7 +9566,7 @@
                 </a:tc>
                 <a:extLst>
                   <a:ext uri="{0D108BD9-81ED-4DB2-BD59-A6C34878D82A}">
-                    <a16:rowId xmlns:a16="http://schemas.microsoft.com/office/drawing/2014/main" xmlns="" val="10001"/>
+                    <a16:rowId xmlns="" xmlns:a16="http://schemas.microsoft.com/office/drawing/2014/main" val="10001"/>
                   </a:ext>
                 </a:extLst>
               </a:tr>
@@ -10448,7 +9937,7 @@
                 </a:tc>
                 <a:extLst>
                   <a:ext uri="{0D108BD9-81ED-4DB2-BD59-A6C34878D82A}">
-                    <a16:rowId xmlns:a16="http://schemas.microsoft.com/office/drawing/2014/main" xmlns="" val="10007"/>
+                    <a16:rowId xmlns="" xmlns:a16="http://schemas.microsoft.com/office/drawing/2014/main" val="10007"/>
                   </a:ext>
                 </a:extLst>
               </a:tr>
@@ -10465,13 +9954,13 @@
           <p:nvPr>
             <p:extLst>
               <p:ext uri="{D42A27DB-BD31-4B8C-83A1-F6EECF244321}">
-                <p14:modId xmlns:p14="http://schemas.microsoft.com/office/powerpoint/2010/main" val="2829081725"/>
+                <p14:modId xmlns:p14="http://schemas.microsoft.com/office/powerpoint/2010/main" val="2059931112"/>
               </p:ext>
             </p:extLst>
           </p:nvPr>
         </p:nvGraphicFramePr>
         <p:xfrm>
-          <a:off x="4684395" y="8470981"/>
+          <a:off x="4718714" y="9509760"/>
           <a:ext cx="3894455" cy="916940"/>
         </p:xfrm>
         <a:graphic>
@@ -10484,7 +9973,7 @@
                 <a:gridCol w="3894455">
                   <a:extLst>
                     <a:ext uri="{9D8B030D-6E8A-4147-A177-3AD203B41FA5}">
-                      <a16:colId xmlns:a16="http://schemas.microsoft.com/office/drawing/2014/main" xmlns="" val="20000"/>
+                      <a16:colId xmlns="" xmlns:a16="http://schemas.microsoft.com/office/drawing/2014/main" val="20000"/>
                     </a:ext>
                   </a:extLst>
                 </a:gridCol>
@@ -10564,7 +10053,7 @@
                 </a:tc>
                 <a:extLst>
                   <a:ext uri="{0D108BD9-81ED-4DB2-BD59-A6C34878D82A}">
-                    <a16:rowId xmlns:a16="http://schemas.microsoft.com/office/drawing/2014/main" xmlns="" val="10000"/>
+                    <a16:rowId xmlns="" xmlns:a16="http://schemas.microsoft.com/office/drawing/2014/main" val="10000"/>
                   </a:ext>
                 </a:extLst>
               </a:tr>
@@ -10667,7 +10156,7 @@
                 </a:tc>
                 <a:extLst>
                   <a:ext uri="{0D108BD9-81ED-4DB2-BD59-A6C34878D82A}">
-                    <a16:rowId xmlns:a16="http://schemas.microsoft.com/office/drawing/2014/main" xmlns="" val="10001"/>
+                    <a16:rowId xmlns="" xmlns:a16="http://schemas.microsoft.com/office/drawing/2014/main" val="10001"/>
                   </a:ext>
                 </a:extLst>
               </a:tr>
@@ -10800,7 +10289,1310 @@
                 </a:tc>
                 <a:extLst>
                   <a:ext uri="{0D108BD9-81ED-4DB2-BD59-A6C34878D82A}">
-                    <a16:rowId xmlns:a16="http://schemas.microsoft.com/office/drawing/2014/main" xmlns="" val="10007"/>
+                    <a16:rowId xmlns="" xmlns:a16="http://schemas.microsoft.com/office/drawing/2014/main" val="10007"/>
+                  </a:ext>
+                </a:extLst>
+              </a:tr>
+            </a:tbl>
+          </a:graphicData>
+        </a:graphic>
+      </p:graphicFrame>
+      <p:graphicFrame>
+        <p:nvGraphicFramePr>
+          <p:cNvPr id="15" name="Table 14"/>
+          <p:cNvGraphicFramePr>
+            <a:graphicFrameLocks noGrp="1"/>
+          </p:cNvGraphicFramePr>
+          <p:nvPr>
+            <p:extLst>
+              <p:ext uri="{D42A27DB-BD31-4B8C-83A1-F6EECF244321}">
+                <p14:modId xmlns:p14="http://schemas.microsoft.com/office/powerpoint/2010/main" val="2031210822"/>
+              </p:ext>
+            </p:extLst>
+          </p:nvPr>
+        </p:nvGraphicFramePr>
+        <p:xfrm>
+          <a:off x="4595495" y="1308181"/>
+          <a:ext cx="3825875" cy="6724650"/>
+        </p:xfrm>
+        <a:graphic>
+          <a:graphicData uri="http://schemas.openxmlformats.org/drawingml/2006/table">
+            <a:tbl>
+              <a:tblPr firstRow="1" bandRow="1">
+                <a:tableStyleId>{5940675A-B579-460E-94D1-54222C63F5DA}</a:tableStyleId>
+              </a:tblPr>
+              <a:tblGrid>
+                <a:gridCol w="3825875">
+                  <a:extLst>
+                    <a:ext uri="{9D8B030D-6E8A-4147-A177-3AD203B41FA5}">
+                      <a16:colId xmlns="" xmlns:a16="http://schemas.microsoft.com/office/drawing/2014/main" val="20000"/>
+                    </a:ext>
+                  </a:extLst>
+                </a:gridCol>
+              </a:tblGrid>
+              <a:tr h="260350">
+                <a:tc>
+                  <a:txBody>
+                    <a:bodyPr/>
+                    <a:lstStyle/>
+                    <a:p>
+                      <a:pPr algn="l"/>
+                      <a:r>
+                        <a:rPr lang="en-GB" sz="1000" b="1" baseline="0" smtClean="0">
+                          <a:solidFill>
+                            <a:srgbClr val="000000"/>
+                          </a:solidFill>
+                          <a:latin typeface="Segoe UI" pitchFamily="34" charset="0"/>
+                          <a:cs typeface="Segoe UI" pitchFamily="34" charset="0"/>
+                        </a:rPr>
+                        <a:t>Principles for Business Forecasting</a:t>
+                      </a:r>
+                      <a:endParaRPr lang="en-GB" sz="1000" b="1" baseline="0">
+                        <a:solidFill>
+                          <a:srgbClr val="000000"/>
+                        </a:solidFill>
+                        <a:latin typeface="Segoe UI" pitchFamily="34" charset="0"/>
+                        <a:cs typeface="Segoe UI" pitchFamily="34" charset="0"/>
+                      </a:endParaRPr>
+                    </a:p>
+                  </a:txBody>
+                  <a:tcPr>
+                    <a:lnL w="6350" cap="flat" cmpd="sng" algn="ctr">
+                      <a:solidFill>
+                        <a:srgbClr val="000000"/>
+                      </a:solidFill>
+                      <a:prstDash val="solid"/>
+                      <a:round/>
+                      <a:headEnd type="none" w="med" len="med"/>
+                      <a:tailEnd type="none" w="med" len="med"/>
+                    </a:lnL>
+                    <a:lnR w="12700" cap="flat" cmpd="sng" algn="ctr">
+                      <a:solidFill>
+                        <a:schemeClr val="tx1"/>
+                      </a:solidFill>
+                      <a:prstDash val="solid"/>
+                      <a:round/>
+                      <a:headEnd type="none" w="med" len="med"/>
+                      <a:tailEnd type="none" w="med" len="med"/>
+                    </a:lnR>
+                    <a:lnT w="6350" cap="flat" cmpd="sng" algn="ctr">
+                      <a:solidFill>
+                        <a:srgbClr val="000000"/>
+                      </a:solidFill>
+                      <a:prstDash val="solid"/>
+                      <a:round/>
+                      <a:headEnd type="none" w="med" len="med"/>
+                      <a:tailEnd type="none" w="med" len="med"/>
+                    </a:lnT>
+                    <a:lnB w="6350" cap="flat" cmpd="sng" algn="ctr">
+                      <a:solidFill>
+                        <a:srgbClr val="000000"/>
+                      </a:solidFill>
+                      <a:prstDash val="solid"/>
+                      <a:round/>
+                      <a:headEnd type="none" w="med" len="med"/>
+                      <a:tailEnd type="none" w="med" len="med"/>
+                    </a:lnB>
+                    <a:lnTlToBr w="12700" cmpd="sng">
+                      <a:noFill/>
+                      <a:prstDash val="solid"/>
+                    </a:lnTlToBr>
+                    <a:lnBlToTr w="12700" cmpd="sng">
+                      <a:noFill/>
+                      <a:prstDash val="solid"/>
+                    </a:lnBlToTr>
+                  </a:tcPr>
+                </a:tc>
+                <a:extLst>
+                  <a:ext uri="{0D108BD9-81ED-4DB2-BD59-A6C34878D82A}">
+                    <a16:rowId xmlns="" xmlns:a16="http://schemas.microsoft.com/office/drawing/2014/main" val="10000"/>
+                  </a:ext>
+                </a:extLst>
+              </a:tr>
+              <a:tr h="273736">
+                <a:tc>
+                  <a:txBody>
+                    <a:bodyPr/>
+                    <a:lstStyle/>
+                    <a:p>
+                      <a:pPr marL="0" marR="0" indent="0" algn="l" defTabSz="584200" rtl="0" eaLnBrk="1" fontAlgn="auto" latinLnBrk="0" hangingPunct="1">
+                        <a:lnSpc>
+                          <a:spcPct val="100000"/>
+                        </a:lnSpc>
+                        <a:spcBef>
+                          <a:spcPts val="0"/>
+                        </a:spcBef>
+                        <a:spcAft>
+                          <a:spcPts val="0"/>
+                        </a:spcAft>
+                        <a:buClrTx/>
+                        <a:buSzTx/>
+                        <a:buFontTx/>
+                        <a:buNone/>
+                        <a:tabLst/>
+                        <a:defRPr/>
+                      </a:pPr>
+                      <a:r>
+                        <a:rPr lang="en-GB" sz="1000" b="1" i="0" baseline="0" smtClean="0">
+                          <a:solidFill>
+                            <a:srgbClr val="000000"/>
+                          </a:solidFill>
+                          <a:latin typeface="Segoe UI" pitchFamily="34" charset="0"/>
+                          <a:cs typeface="Segoe UI" pitchFamily="34" charset="0"/>
+                        </a:rPr>
+                        <a:t>Purpose</a:t>
+                      </a:r>
+                    </a:p>
+                    <a:p>
+                      <a:pPr marL="228600" marR="0" indent="-228600" algn="l" defTabSz="584200" rtl="0" eaLnBrk="1" fontAlgn="auto" latinLnBrk="0" hangingPunct="1">
+                        <a:lnSpc>
+                          <a:spcPct val="100000"/>
+                        </a:lnSpc>
+                        <a:spcBef>
+                          <a:spcPts val="0"/>
+                        </a:spcBef>
+                        <a:spcAft>
+                          <a:spcPts val="0"/>
+                        </a:spcAft>
+                        <a:buClrTx/>
+                        <a:buSzTx/>
+                        <a:buFont typeface="+mj-lt"/>
+                        <a:buAutoNum type="arabicPeriod"/>
+                        <a:tabLst/>
+                        <a:defRPr/>
+                      </a:pPr>
+                      <a:r>
+                        <a:rPr lang="en-GB" sz="1000" i="0" baseline="0" smtClean="0">
+                          <a:solidFill>
+                            <a:srgbClr val="000000"/>
+                          </a:solidFill>
+                          <a:latin typeface="Segoe UI" pitchFamily="34" charset="0"/>
+                          <a:cs typeface="Segoe UI" pitchFamily="34" charset="0"/>
+                        </a:rPr>
+                        <a:t>A fast and good forecast is better than a perfect but late.</a:t>
+                      </a:r>
+                    </a:p>
+                    <a:p>
+                      <a:pPr marL="228600" marR="0" indent="-228600" algn="l" defTabSz="584200" rtl="0" eaLnBrk="1" fontAlgn="auto" latinLnBrk="0" hangingPunct="1">
+                        <a:lnSpc>
+                          <a:spcPct val="100000"/>
+                        </a:lnSpc>
+                        <a:spcBef>
+                          <a:spcPts val="0"/>
+                        </a:spcBef>
+                        <a:spcAft>
+                          <a:spcPts val="0"/>
+                        </a:spcAft>
+                        <a:buClrTx/>
+                        <a:buSzTx/>
+                        <a:buFont typeface="+mj-lt"/>
+                        <a:buAutoNum type="arabicPeriod"/>
+                        <a:tabLst/>
+                        <a:defRPr/>
+                      </a:pPr>
+                      <a:r>
+                        <a:rPr lang="en-GB" sz="1000" i="0" baseline="0" smtClean="0">
+                          <a:solidFill>
+                            <a:srgbClr val="000000"/>
+                          </a:solidFill>
+                          <a:latin typeface="Segoe UI" pitchFamily="34" charset="0"/>
+                          <a:cs typeface="Segoe UI" pitchFamily="34" charset="0"/>
+                        </a:rPr>
+                        <a:t>Should be actionable.</a:t>
+                      </a:r>
+                    </a:p>
+                    <a:p>
+                      <a:pPr marL="228600" marR="0" indent="-228600" algn="l" defTabSz="584200" rtl="0" eaLnBrk="1" fontAlgn="auto" latinLnBrk="0" hangingPunct="1">
+                        <a:lnSpc>
+                          <a:spcPct val="100000"/>
+                        </a:lnSpc>
+                        <a:spcBef>
+                          <a:spcPts val="0"/>
+                        </a:spcBef>
+                        <a:spcAft>
+                          <a:spcPts val="0"/>
+                        </a:spcAft>
+                        <a:buClrTx/>
+                        <a:buSzTx/>
+                        <a:buFont typeface="+mj-lt"/>
+                        <a:buAutoNum type="arabicPeriod"/>
+                        <a:tabLst/>
+                        <a:defRPr/>
+                      </a:pPr>
+                      <a:r>
+                        <a:rPr lang="en-GB" sz="1000" i="0" baseline="0" smtClean="0">
+                          <a:solidFill>
+                            <a:srgbClr val="000000"/>
+                          </a:solidFill>
+                          <a:latin typeface="Segoe UI" pitchFamily="34" charset="0"/>
+                          <a:cs typeface="Segoe UI" pitchFamily="34" charset="0"/>
+                        </a:rPr>
+                        <a:t>Should be reliable. Accurate enough for decision making. In practice – free from bias and with acceptable variation.</a:t>
+                      </a:r>
+                    </a:p>
+                    <a:p>
+                      <a:pPr marL="228600" marR="0" indent="-228600" algn="l" defTabSz="584200" rtl="0" eaLnBrk="1" fontAlgn="auto" latinLnBrk="0" hangingPunct="1">
+                        <a:lnSpc>
+                          <a:spcPct val="100000"/>
+                        </a:lnSpc>
+                        <a:spcBef>
+                          <a:spcPts val="0"/>
+                        </a:spcBef>
+                        <a:spcAft>
+                          <a:spcPts val="0"/>
+                        </a:spcAft>
+                        <a:buClrTx/>
+                        <a:buSzTx/>
+                        <a:buFont typeface="+mj-lt"/>
+                        <a:buAutoNum type="arabicPeriod"/>
+                        <a:tabLst/>
+                        <a:defRPr/>
+                      </a:pPr>
+                      <a:r>
+                        <a:rPr lang="en-GB" sz="1000" i="0" smtClean="0">
+                          <a:solidFill>
+                            <a:srgbClr val="000000"/>
+                          </a:solidFill>
+                          <a:latin typeface="Segoe UI" pitchFamily="34" charset="0"/>
+                          <a:cs typeface="Segoe UI" pitchFamily="34" charset="0"/>
+                        </a:rPr>
+                        <a:t>Should be aligned. Many businesses</a:t>
+                      </a:r>
+                      <a:r>
+                        <a:rPr lang="en-GB" sz="1000" i="0" baseline="0" smtClean="0">
+                          <a:solidFill>
+                            <a:srgbClr val="000000"/>
+                          </a:solidFill>
+                          <a:latin typeface="Segoe UI" pitchFamily="34" charset="0"/>
+                          <a:cs typeface="Segoe UI" pitchFamily="34" charset="0"/>
+                        </a:rPr>
+                        <a:t> have competing “versions of truth”.</a:t>
+                      </a:r>
+                    </a:p>
+                    <a:p>
+                      <a:pPr marL="228600" marR="0" indent="-228600" algn="l" defTabSz="584200" rtl="0" eaLnBrk="1" fontAlgn="auto" latinLnBrk="0" hangingPunct="1">
+                        <a:lnSpc>
+                          <a:spcPct val="100000"/>
+                        </a:lnSpc>
+                        <a:spcBef>
+                          <a:spcPts val="0"/>
+                        </a:spcBef>
+                        <a:spcAft>
+                          <a:spcPts val="0"/>
+                        </a:spcAft>
+                        <a:buClrTx/>
+                        <a:buSzTx/>
+                        <a:buFont typeface="+mj-lt"/>
+                        <a:buAutoNum type="arabicPeriod"/>
+                        <a:tabLst/>
+                        <a:defRPr/>
+                      </a:pPr>
+                      <a:r>
+                        <a:rPr lang="en-GB" sz="1000" i="0" baseline="0" smtClean="0">
+                          <a:solidFill>
+                            <a:srgbClr val="000000"/>
+                          </a:solidFill>
+                          <a:latin typeface="Segoe UI" pitchFamily="34" charset="0"/>
+                          <a:cs typeface="Segoe UI" pitchFamily="34" charset="0"/>
+                        </a:rPr>
+                        <a:t>Should be cost-effective.</a:t>
+                      </a:r>
+                      <a:endParaRPr lang="en-GB" sz="1000" i="0">
+                        <a:solidFill>
+                          <a:srgbClr val="000000"/>
+                        </a:solidFill>
+                        <a:latin typeface="Segoe UI" pitchFamily="34" charset="0"/>
+                        <a:cs typeface="Segoe UI" pitchFamily="34" charset="0"/>
+                      </a:endParaRPr>
+                    </a:p>
+                  </a:txBody>
+                  <a:tcPr>
+                    <a:lnL w="6350" cap="flat" cmpd="sng" algn="ctr">
+                      <a:solidFill>
+                        <a:srgbClr val="000000"/>
+                      </a:solidFill>
+                      <a:prstDash val="solid"/>
+                      <a:round/>
+                      <a:headEnd type="none" w="med" len="med"/>
+                      <a:tailEnd type="none" w="med" len="med"/>
+                    </a:lnL>
+                    <a:lnR w="12700" cap="flat" cmpd="sng" algn="ctr">
+                      <a:solidFill>
+                        <a:schemeClr val="tx1"/>
+                      </a:solidFill>
+                      <a:prstDash val="solid"/>
+                      <a:round/>
+                      <a:headEnd type="none" w="med" len="med"/>
+                      <a:tailEnd type="none" w="med" len="med"/>
+                    </a:lnR>
+                    <a:lnT w="6350" cap="flat" cmpd="sng" algn="ctr">
+                      <a:solidFill>
+                        <a:srgbClr val="000000"/>
+                      </a:solidFill>
+                      <a:prstDash val="solid"/>
+                      <a:round/>
+                      <a:headEnd type="none" w="med" len="med"/>
+                      <a:tailEnd type="none" w="med" len="med"/>
+                    </a:lnT>
+                    <a:lnB w="6350" cap="flat" cmpd="sng" algn="ctr">
+                      <a:noFill/>
+                      <a:prstDash val="solid"/>
+                      <a:round/>
+                      <a:headEnd type="none" w="med" len="med"/>
+                      <a:tailEnd type="none" w="med" len="med"/>
+                    </a:lnB>
+                    <a:lnTlToBr w="12700" cmpd="sng">
+                      <a:noFill/>
+                      <a:prstDash val="solid"/>
+                    </a:lnTlToBr>
+                    <a:lnBlToTr w="12700" cmpd="sng">
+                      <a:noFill/>
+                      <a:prstDash val="solid"/>
+                    </a:lnBlToTr>
+                  </a:tcPr>
+                </a:tc>
+                <a:extLst>
+                  <a:ext uri="{0D108BD9-81ED-4DB2-BD59-A6C34878D82A}">
+                    <a16:rowId xmlns="" xmlns:a16="http://schemas.microsoft.com/office/drawing/2014/main" val="10001"/>
+                  </a:ext>
+                </a:extLst>
+              </a:tr>
+              <a:tr h="273736">
+                <a:tc>
+                  <a:txBody>
+                    <a:bodyPr/>
+                    <a:lstStyle/>
+                    <a:p>
+                      <a:pPr marL="0" marR="0" indent="0" algn="l" defTabSz="584200" rtl="0" eaLnBrk="1" fontAlgn="auto" latinLnBrk="0" hangingPunct="1">
+                        <a:lnSpc>
+                          <a:spcPct val="100000"/>
+                        </a:lnSpc>
+                        <a:spcBef>
+                          <a:spcPts val="0"/>
+                        </a:spcBef>
+                        <a:spcAft>
+                          <a:spcPts val="0"/>
+                        </a:spcAft>
+                        <a:buClrTx/>
+                        <a:buSzTx/>
+                        <a:buFontTx/>
+                        <a:buNone/>
+                        <a:tabLst/>
+                        <a:defRPr/>
+                      </a:pPr>
+                      <a:r>
+                        <a:rPr lang="en-GB" sz="1000" b="1" i="0" u="none" strike="noStrike" cap="none" spc="0" baseline="0" smtClean="0">
+                          <a:ln>
+                            <a:noFill/>
+                          </a:ln>
+                          <a:solidFill>
+                            <a:srgbClr val="000000"/>
+                          </a:solidFill>
+                          <a:uFillTx/>
+                          <a:latin typeface="Segoe UI" pitchFamily="34" charset="0"/>
+                          <a:ea typeface="+mn-ea"/>
+                          <a:cs typeface="Segoe UI" pitchFamily="34" charset="0"/>
+                          <a:sym typeface="Helvetica Light"/>
+                        </a:rPr>
+                        <a:t>Time</a:t>
+                      </a:r>
+                    </a:p>
+                    <a:p>
+                      <a:pPr marL="0" marR="0" indent="0" algn="l" defTabSz="584200" rtl="0" eaLnBrk="1" fontAlgn="auto" latinLnBrk="0" hangingPunct="1">
+                        <a:lnSpc>
+                          <a:spcPct val="100000"/>
+                        </a:lnSpc>
+                        <a:spcBef>
+                          <a:spcPts val="0"/>
+                        </a:spcBef>
+                        <a:spcAft>
+                          <a:spcPts val="0"/>
+                        </a:spcAft>
+                        <a:buClrTx/>
+                        <a:buSzTx/>
+                        <a:buFontTx/>
+                        <a:buNone/>
+                        <a:tabLst/>
+                        <a:defRPr/>
+                      </a:pPr>
+                      <a:r>
+                        <a:rPr lang="en-GB" sz="1000" b="0" i="0" u="sng" strike="noStrike" cap="none" spc="0" baseline="0" smtClean="0">
+                          <a:ln>
+                            <a:noFill/>
+                          </a:ln>
+                          <a:solidFill>
+                            <a:srgbClr val="000000"/>
+                          </a:solidFill>
+                          <a:uFillTx/>
+                          <a:latin typeface="Segoe UI" pitchFamily="34" charset="0"/>
+                          <a:ea typeface="+mn-ea"/>
+                          <a:cs typeface="Segoe UI" pitchFamily="34" charset="0"/>
+                          <a:sym typeface="Helvetica Light"/>
+                        </a:rPr>
+                        <a:t>How far ahead </a:t>
+                      </a:r>
+                      <a:r>
+                        <a:rPr lang="en-GB" sz="1000" b="0" i="0" u="none" strike="noStrike" cap="none" spc="0" baseline="0" smtClean="0">
+                          <a:ln>
+                            <a:noFill/>
+                          </a:ln>
+                          <a:solidFill>
+                            <a:srgbClr val="000000"/>
+                          </a:solidFill>
+                          <a:uFillTx/>
+                          <a:latin typeface="Segoe UI" pitchFamily="34" charset="0"/>
+                          <a:ea typeface="+mn-ea"/>
+                          <a:cs typeface="Segoe UI" pitchFamily="34" charset="0"/>
+                          <a:sym typeface="Helvetica Light"/>
+                        </a:rPr>
+                        <a:t>do you need to forecast? Depends on how long it takes to enact a decision. E.g. supertanker needs three miles to be able to stop.</a:t>
+                      </a:r>
+                    </a:p>
+                    <a:p>
+                      <a:pPr marL="0" marR="0" indent="0" algn="l" defTabSz="584200" rtl="0" eaLnBrk="1" fontAlgn="auto" latinLnBrk="0" hangingPunct="1">
+                        <a:lnSpc>
+                          <a:spcPct val="100000"/>
+                        </a:lnSpc>
+                        <a:spcBef>
+                          <a:spcPts val="0"/>
+                        </a:spcBef>
+                        <a:spcAft>
+                          <a:spcPts val="0"/>
+                        </a:spcAft>
+                        <a:buClrTx/>
+                        <a:buSzTx/>
+                        <a:buFontTx/>
+                        <a:buNone/>
+                        <a:tabLst/>
+                        <a:defRPr/>
+                      </a:pPr>
+                      <a:r>
+                        <a:rPr lang="en-GB" sz="1000" b="0" i="0" u="sng" strike="noStrike" cap="none" spc="0" baseline="0" smtClean="0">
+                          <a:ln>
+                            <a:noFill/>
+                          </a:ln>
+                          <a:solidFill>
+                            <a:srgbClr val="000000"/>
+                          </a:solidFill>
+                          <a:uFillTx/>
+                          <a:latin typeface="Segoe UI" pitchFamily="34" charset="0"/>
+                          <a:ea typeface="+mn-ea"/>
+                          <a:cs typeface="Segoe UI" pitchFamily="34" charset="0"/>
+                          <a:sym typeface="Helvetica Light"/>
+                        </a:rPr>
+                        <a:t>How frequent </a:t>
+                      </a:r>
+                      <a:r>
+                        <a:rPr lang="en-GB" sz="1000" b="0" i="0" u="none" strike="noStrike" cap="none" spc="0" baseline="0" smtClean="0">
+                          <a:ln>
+                            <a:noFill/>
+                          </a:ln>
+                          <a:solidFill>
+                            <a:srgbClr val="000000"/>
+                          </a:solidFill>
+                          <a:uFillTx/>
+                          <a:latin typeface="Segoe UI" pitchFamily="34" charset="0"/>
+                          <a:ea typeface="+mn-ea"/>
+                          <a:cs typeface="Segoe UI" pitchFamily="34" charset="0"/>
+                          <a:sym typeface="Helvetica Light"/>
+                        </a:rPr>
+                        <a:t>should you forecast? Depends on how quickly things change.</a:t>
+                      </a:r>
+                      <a:endParaRPr lang="en-GB" sz="1000" b="0" i="0" u="none" strike="noStrike" cap="none" spc="0" baseline="0">
+                        <a:ln>
+                          <a:noFill/>
+                        </a:ln>
+                        <a:solidFill>
+                          <a:srgbClr val="000000"/>
+                        </a:solidFill>
+                        <a:uFillTx/>
+                        <a:latin typeface="Segoe UI" pitchFamily="34" charset="0"/>
+                        <a:ea typeface="+mn-ea"/>
+                        <a:cs typeface="Segoe UI" pitchFamily="34" charset="0"/>
+                        <a:sym typeface="Helvetica Light"/>
+                      </a:endParaRPr>
+                    </a:p>
+                  </a:txBody>
+                  <a:tcPr>
+                    <a:lnL w="6350" cap="flat" cmpd="sng" algn="ctr">
+                      <a:solidFill>
+                        <a:srgbClr val="000000"/>
+                      </a:solidFill>
+                      <a:prstDash val="solid"/>
+                      <a:round/>
+                      <a:headEnd type="none" w="med" len="med"/>
+                      <a:tailEnd type="none" w="med" len="med"/>
+                    </a:lnL>
+                    <a:lnR w="12700" cap="flat" cmpd="sng" algn="ctr">
+                      <a:solidFill>
+                        <a:schemeClr val="tx1"/>
+                      </a:solidFill>
+                      <a:prstDash val="solid"/>
+                      <a:round/>
+                      <a:headEnd type="none" w="med" len="med"/>
+                      <a:tailEnd type="none" w="med" len="med"/>
+                    </a:lnR>
+                    <a:lnT w="6350" cap="flat" cmpd="sng" algn="ctr">
+                      <a:noFill/>
+                      <a:prstDash val="solid"/>
+                      <a:round/>
+                      <a:headEnd type="none" w="med" len="med"/>
+                      <a:tailEnd type="none" w="med" len="med"/>
+                    </a:lnT>
+                    <a:lnB w="12700" cmpd="sng">
+                      <a:noFill/>
+                    </a:lnB>
+                    <a:lnTlToBr w="12700" cmpd="sng">
+                      <a:noFill/>
+                      <a:prstDash val="solid"/>
+                    </a:lnTlToBr>
+                    <a:lnBlToTr w="12700" cmpd="sng">
+                      <a:noFill/>
+                      <a:prstDash val="solid"/>
+                    </a:lnBlToTr>
+                  </a:tcPr>
+                </a:tc>
+                <a:extLst>
+                  <a:ext uri="{0D108BD9-81ED-4DB2-BD59-A6C34878D82A}">
+                    <a16:rowId xmlns="" xmlns:a16="http://schemas.microsoft.com/office/drawing/2014/main" val="10002"/>
+                  </a:ext>
+                </a:extLst>
+              </a:tr>
+              <a:tr h="260350">
+                <a:tc>
+                  <a:txBody>
+                    <a:bodyPr/>
+                    <a:lstStyle/>
+                    <a:p>
+                      <a:pPr marL="0" marR="0" indent="0" algn="l" defTabSz="584200" rtl="0" eaLnBrk="1" fontAlgn="auto" latinLnBrk="0" hangingPunct="1">
+                        <a:lnSpc>
+                          <a:spcPct val="100000"/>
+                        </a:lnSpc>
+                        <a:spcBef>
+                          <a:spcPts val="0"/>
+                        </a:spcBef>
+                        <a:spcAft>
+                          <a:spcPts val="0"/>
+                        </a:spcAft>
+                        <a:buClrTx/>
+                        <a:buSzTx/>
+                        <a:buFontTx/>
+                        <a:buNone/>
+                        <a:tabLst/>
+                        <a:defRPr/>
+                      </a:pPr>
+                      <a:r>
+                        <a:rPr lang="en-GB" sz="1000" b="1" smtClean="0">
+                          <a:solidFill>
+                            <a:srgbClr val="000000"/>
+                          </a:solidFill>
+                          <a:latin typeface="Segoe UI" pitchFamily="34" charset="0"/>
+                          <a:cs typeface="Segoe UI" pitchFamily="34" charset="0"/>
+                        </a:rPr>
+                        <a:t>Models</a:t>
+                      </a:r>
+                    </a:p>
+                    <a:p>
+                      <a:pPr marL="0" marR="0" indent="0" algn="l" defTabSz="584200" rtl="0" eaLnBrk="1" fontAlgn="auto" latinLnBrk="0" hangingPunct="1">
+                        <a:lnSpc>
+                          <a:spcPct val="100000"/>
+                        </a:lnSpc>
+                        <a:spcBef>
+                          <a:spcPts val="0"/>
+                        </a:spcBef>
+                        <a:spcAft>
+                          <a:spcPts val="0"/>
+                        </a:spcAft>
+                        <a:buClrTx/>
+                        <a:buSzTx/>
+                        <a:buFontTx/>
+                        <a:buNone/>
+                        <a:tabLst/>
+                        <a:defRPr/>
+                      </a:pPr>
+                      <a:r>
+                        <a:rPr lang="en-GB" sz="1000" smtClean="0">
+                          <a:solidFill>
+                            <a:srgbClr val="000000"/>
+                          </a:solidFill>
+                          <a:latin typeface="Segoe UI" pitchFamily="34" charset="0"/>
+                          <a:cs typeface="Segoe UI" pitchFamily="34" charset="0"/>
+                        </a:rPr>
+                        <a:t>World</a:t>
+                      </a:r>
+                      <a:r>
+                        <a:rPr lang="en-GB" sz="1000" baseline="0" smtClean="0">
+                          <a:solidFill>
+                            <a:srgbClr val="000000"/>
+                          </a:solidFill>
+                          <a:latin typeface="Segoe UI" pitchFamily="34" charset="0"/>
+                          <a:cs typeface="Segoe UI" pitchFamily="34" charset="0"/>
+                        </a:rPr>
+                        <a:t> too complex for advanced modeling. But human judgement are prone to bias. Test </a:t>
+                      </a:r>
+                      <a:r>
+                        <a:rPr lang="en-GB" sz="1000" u="sng" baseline="0" smtClean="0">
+                          <a:solidFill>
+                            <a:srgbClr val="000000"/>
+                          </a:solidFill>
+                          <a:latin typeface="Segoe UI" pitchFamily="34" charset="0"/>
+                          <a:cs typeface="Segoe UI" pitchFamily="34" charset="0"/>
+                        </a:rPr>
+                        <a:t>models for baseline </a:t>
+                      </a:r>
+                      <a:r>
+                        <a:rPr lang="en-GB" sz="1000" baseline="0" smtClean="0">
+                          <a:solidFill>
+                            <a:srgbClr val="000000"/>
+                          </a:solidFill>
+                          <a:latin typeface="Segoe UI" pitchFamily="34" charset="0"/>
+                          <a:cs typeface="Segoe UI" pitchFamily="34" charset="0"/>
+                        </a:rPr>
+                        <a:t>and </a:t>
+                      </a:r>
+                      <a:r>
+                        <a:rPr lang="en-GB" sz="1000" u="sng" baseline="0" smtClean="0">
+                          <a:solidFill>
+                            <a:srgbClr val="000000"/>
+                          </a:solidFill>
+                          <a:latin typeface="Segoe UI" pitchFamily="34" charset="0"/>
+                          <a:cs typeface="Segoe UI" pitchFamily="34" charset="0"/>
+                        </a:rPr>
+                        <a:t>judgement for adjustments</a:t>
+                      </a:r>
+                      <a:r>
+                        <a:rPr lang="en-GB" sz="1000" baseline="0" smtClean="0">
+                          <a:solidFill>
+                            <a:srgbClr val="000000"/>
+                          </a:solidFill>
+                          <a:latin typeface="Segoe UI" pitchFamily="34" charset="0"/>
+                          <a:cs typeface="Segoe UI" pitchFamily="34" charset="0"/>
+                        </a:rPr>
+                        <a:t>. But remember FVA.</a:t>
+                      </a:r>
+                      <a:endParaRPr lang="en-GB" sz="1000">
+                        <a:solidFill>
+                          <a:srgbClr val="000000"/>
+                        </a:solidFill>
+                        <a:latin typeface="Segoe UI" pitchFamily="34" charset="0"/>
+                        <a:cs typeface="Segoe UI" pitchFamily="34" charset="0"/>
+                      </a:endParaRPr>
+                    </a:p>
+                  </a:txBody>
+                  <a:tcPr>
+                    <a:lnL w="6350" cap="flat" cmpd="sng" algn="ctr">
+                      <a:solidFill>
+                        <a:srgbClr val="000000"/>
+                      </a:solidFill>
+                      <a:prstDash val="solid"/>
+                      <a:round/>
+                      <a:headEnd type="none" w="med" len="med"/>
+                      <a:tailEnd type="none" w="med" len="med"/>
+                    </a:lnL>
+                    <a:lnR w="12700" cap="flat" cmpd="sng" algn="ctr">
+                      <a:solidFill>
+                        <a:schemeClr val="tx1"/>
+                      </a:solidFill>
+                      <a:prstDash val="solid"/>
+                      <a:round/>
+                      <a:headEnd type="none" w="med" len="med"/>
+                      <a:tailEnd type="none" w="med" len="med"/>
+                    </a:lnR>
+                    <a:lnT w="12700" cmpd="sng">
+                      <a:noFill/>
+                    </a:lnT>
+                    <a:lnB w="12700" cmpd="sng">
+                      <a:noFill/>
+                    </a:lnB>
+                    <a:lnTlToBr w="12700" cmpd="sng">
+                      <a:noFill/>
+                      <a:prstDash val="solid"/>
+                    </a:lnTlToBr>
+                    <a:lnBlToTr w="12700" cmpd="sng">
+                      <a:noFill/>
+                      <a:prstDash val="solid"/>
+                    </a:lnBlToTr>
+                  </a:tcPr>
+                </a:tc>
+                <a:extLst>
+                  <a:ext uri="{0D108BD9-81ED-4DB2-BD59-A6C34878D82A}">
+                    <a16:rowId xmlns="" xmlns:a16="http://schemas.microsoft.com/office/drawing/2014/main" val="10003"/>
+                  </a:ext>
+                </a:extLst>
+              </a:tr>
+              <a:tr h="260350">
+                <a:tc>
+                  <a:txBody>
+                    <a:bodyPr/>
+                    <a:lstStyle/>
+                    <a:p>
+                      <a:pPr marL="0" marR="0" indent="0" algn="l" defTabSz="584200" rtl="0" eaLnBrk="1" fontAlgn="auto" latinLnBrk="0" hangingPunct="1">
+                        <a:lnSpc>
+                          <a:spcPct val="100000"/>
+                        </a:lnSpc>
+                        <a:spcBef>
+                          <a:spcPts val="0"/>
+                        </a:spcBef>
+                        <a:spcAft>
+                          <a:spcPts val="0"/>
+                        </a:spcAft>
+                        <a:buClrTx/>
+                        <a:buSzTx/>
+                        <a:buFontTx/>
+                        <a:buNone/>
+                        <a:tabLst/>
+                        <a:defRPr/>
+                      </a:pPr>
+                      <a:r>
+                        <a:rPr lang="en-GB" sz="1000" b="1" smtClean="0">
+                          <a:solidFill>
+                            <a:srgbClr val="000000"/>
+                          </a:solidFill>
+                          <a:latin typeface="Segoe UI" pitchFamily="34" charset="0"/>
+                          <a:cs typeface="Segoe UI" pitchFamily="34" charset="0"/>
+                        </a:rPr>
+                        <a:t>Measurement</a:t>
+                      </a:r>
+                    </a:p>
+                    <a:p>
+                      <a:pPr marL="228600" marR="0" indent="-228600" algn="l" defTabSz="584200" rtl="0" eaLnBrk="1" fontAlgn="auto" latinLnBrk="0" hangingPunct="1">
+                        <a:lnSpc>
+                          <a:spcPct val="100000"/>
+                        </a:lnSpc>
+                        <a:spcBef>
+                          <a:spcPts val="0"/>
+                        </a:spcBef>
+                        <a:spcAft>
+                          <a:spcPts val="0"/>
+                        </a:spcAft>
+                        <a:buClrTx/>
+                        <a:buSzTx/>
+                        <a:buFontTx/>
+                        <a:buAutoNum type="arabicPeriod"/>
+                        <a:tabLst/>
+                        <a:defRPr/>
+                      </a:pPr>
+                      <a:r>
+                        <a:rPr lang="en-GB" sz="1000" smtClean="0">
+                          <a:solidFill>
+                            <a:srgbClr val="000000"/>
+                          </a:solidFill>
+                          <a:latin typeface="Segoe UI" pitchFamily="34" charset="0"/>
+                          <a:cs typeface="Segoe UI" pitchFamily="34" charset="0"/>
+                        </a:rPr>
+                        <a:t>Few businesses monitor</a:t>
+                      </a:r>
+                      <a:r>
+                        <a:rPr lang="en-GB" sz="1000" baseline="0" smtClean="0">
+                          <a:solidFill>
+                            <a:srgbClr val="000000"/>
+                          </a:solidFill>
+                          <a:latin typeface="Segoe UI" pitchFamily="34" charset="0"/>
+                          <a:cs typeface="Segoe UI" pitchFamily="34" charset="0"/>
+                        </a:rPr>
+                        <a:t> processes for bias. </a:t>
+                      </a:r>
+                    </a:p>
+                    <a:p>
+                      <a:pPr marL="228600" marR="0" indent="-228600" algn="l" defTabSz="584200" rtl="0" eaLnBrk="1" fontAlgn="auto" latinLnBrk="0" hangingPunct="1">
+                        <a:lnSpc>
+                          <a:spcPct val="100000"/>
+                        </a:lnSpc>
+                        <a:spcBef>
+                          <a:spcPts val="0"/>
+                        </a:spcBef>
+                        <a:spcAft>
+                          <a:spcPts val="0"/>
+                        </a:spcAft>
+                        <a:buClrTx/>
+                        <a:buSzTx/>
+                        <a:buFontTx/>
+                        <a:buAutoNum type="arabicPeriod"/>
+                        <a:tabLst/>
+                        <a:defRPr/>
+                      </a:pPr>
+                      <a:r>
+                        <a:rPr lang="en-GB" sz="1000" baseline="0" smtClean="0">
+                          <a:solidFill>
+                            <a:srgbClr val="000000"/>
+                          </a:solidFill>
+                          <a:latin typeface="Segoe UI" pitchFamily="34" charset="0"/>
+                          <a:cs typeface="Segoe UI" pitchFamily="34" charset="0"/>
+                        </a:rPr>
+                        <a:t>Forecast errors needs to be measured over the short term, before decisions informed by forecast have taken effect.</a:t>
+                      </a:r>
+                    </a:p>
+                    <a:p>
+                      <a:pPr marL="228600" marR="0" indent="-228600" algn="l" defTabSz="584200" rtl="0" eaLnBrk="1" fontAlgn="auto" latinLnBrk="0" hangingPunct="1">
+                        <a:lnSpc>
+                          <a:spcPct val="100000"/>
+                        </a:lnSpc>
+                        <a:spcBef>
+                          <a:spcPts val="0"/>
+                        </a:spcBef>
+                        <a:spcAft>
+                          <a:spcPts val="0"/>
+                        </a:spcAft>
+                        <a:buClrTx/>
+                        <a:buSzTx/>
+                        <a:buFontTx/>
+                        <a:buAutoNum type="arabicPeriod"/>
+                        <a:tabLst/>
+                        <a:defRPr/>
+                      </a:pPr>
+                      <a:r>
+                        <a:rPr lang="en-GB" sz="1000" baseline="0" smtClean="0">
+                          <a:solidFill>
+                            <a:srgbClr val="000000"/>
+                          </a:solidFill>
+                          <a:latin typeface="Segoe UI" pitchFamily="34" charset="0"/>
+                          <a:cs typeface="Segoe UI" pitchFamily="34" charset="0"/>
+                        </a:rPr>
+                        <a:t>Forecasts need to be made frequently to separate bias from variance. Sequence of four errors with same sign means bias.</a:t>
+                      </a:r>
+                      <a:endParaRPr lang="en-GB" sz="1000">
+                        <a:solidFill>
+                          <a:srgbClr val="000000"/>
+                        </a:solidFill>
+                        <a:latin typeface="Segoe UI" pitchFamily="34" charset="0"/>
+                        <a:cs typeface="Segoe UI" pitchFamily="34" charset="0"/>
+                      </a:endParaRPr>
+                    </a:p>
+                  </a:txBody>
+                  <a:tcPr>
+                    <a:lnL w="6350" cap="flat" cmpd="sng" algn="ctr">
+                      <a:solidFill>
+                        <a:srgbClr val="000000"/>
+                      </a:solidFill>
+                      <a:prstDash val="solid"/>
+                      <a:round/>
+                      <a:headEnd type="none" w="med" len="med"/>
+                      <a:tailEnd type="none" w="med" len="med"/>
+                    </a:lnL>
+                    <a:lnR w="12700" cap="flat" cmpd="sng" algn="ctr">
+                      <a:solidFill>
+                        <a:schemeClr val="tx1"/>
+                      </a:solidFill>
+                      <a:prstDash val="solid"/>
+                      <a:round/>
+                      <a:headEnd type="none" w="med" len="med"/>
+                      <a:tailEnd type="none" w="med" len="med"/>
+                    </a:lnR>
+                    <a:lnT w="12700" cmpd="sng">
+                      <a:noFill/>
+                    </a:lnT>
+                    <a:lnB w="12700" cmpd="sng">
+                      <a:noFill/>
+                    </a:lnB>
+                    <a:lnTlToBr w="12700" cmpd="sng">
+                      <a:noFill/>
+                      <a:prstDash val="solid"/>
+                    </a:lnTlToBr>
+                    <a:lnBlToTr w="12700" cmpd="sng">
+                      <a:noFill/>
+                      <a:prstDash val="solid"/>
+                    </a:lnBlToTr>
+                  </a:tcPr>
+                </a:tc>
+              </a:tr>
+              <a:tr h="260350">
+                <a:tc>
+                  <a:txBody>
+                    <a:bodyPr/>
+                    <a:lstStyle/>
+                    <a:p>
+                      <a:pPr marL="0" marR="0" indent="0" algn="l" defTabSz="584200" rtl="0" eaLnBrk="1" fontAlgn="auto" latinLnBrk="0" hangingPunct="1">
+                        <a:lnSpc>
+                          <a:spcPct val="100000"/>
+                        </a:lnSpc>
+                        <a:spcBef>
+                          <a:spcPts val="0"/>
+                        </a:spcBef>
+                        <a:spcAft>
+                          <a:spcPts val="0"/>
+                        </a:spcAft>
+                        <a:buClrTx/>
+                        <a:buSzTx/>
+                        <a:buFontTx/>
+                        <a:buNone/>
+                        <a:tabLst/>
+                        <a:defRPr/>
+                      </a:pPr>
+                      <a:r>
+                        <a:rPr lang="en-GB" sz="1000" b="1" smtClean="0">
+                          <a:solidFill>
+                            <a:srgbClr val="000000"/>
+                          </a:solidFill>
+                          <a:latin typeface="Segoe UI" pitchFamily="34" charset="0"/>
+                          <a:cs typeface="Segoe UI" pitchFamily="34" charset="0"/>
+                        </a:rPr>
+                        <a:t>Risk</a:t>
+                      </a:r>
+                    </a:p>
+                  </a:txBody>
+                  <a:tcPr>
+                    <a:lnL w="6350" cap="flat" cmpd="sng" algn="ctr">
+                      <a:solidFill>
+                        <a:srgbClr val="000000"/>
+                      </a:solidFill>
+                      <a:prstDash val="solid"/>
+                      <a:round/>
+                      <a:headEnd type="none" w="med" len="med"/>
+                      <a:tailEnd type="none" w="med" len="med"/>
+                    </a:lnL>
+                    <a:lnR w="12700" cap="flat" cmpd="sng" algn="ctr">
+                      <a:solidFill>
+                        <a:schemeClr val="tx1"/>
+                      </a:solidFill>
+                      <a:prstDash val="solid"/>
+                      <a:round/>
+                      <a:headEnd type="none" w="med" len="med"/>
+                      <a:tailEnd type="none" w="med" len="med"/>
+                    </a:lnR>
+                    <a:lnT w="12700" cmpd="sng">
+                      <a:noFill/>
+                    </a:lnT>
+                    <a:lnB w="12700" cmpd="sng">
+                      <a:noFill/>
+                    </a:lnB>
+                    <a:lnTlToBr w="12700" cmpd="sng">
+                      <a:noFill/>
+                      <a:prstDash val="solid"/>
+                    </a:lnTlToBr>
+                    <a:lnBlToTr w="12700" cmpd="sng">
+                      <a:noFill/>
+                      <a:prstDash val="solid"/>
+                    </a:lnBlToTr>
+                  </a:tcPr>
+                </a:tc>
+              </a:tr>
+              <a:tr h="260350">
+                <a:tc>
+                  <a:txBody>
+                    <a:bodyPr/>
+                    <a:lstStyle/>
+                    <a:p>
+                      <a:pPr marL="0" marR="0" indent="0" algn="l" defTabSz="584200" rtl="0" eaLnBrk="1" fontAlgn="auto" latinLnBrk="0" hangingPunct="1">
+                        <a:lnSpc>
+                          <a:spcPct val="100000"/>
+                        </a:lnSpc>
+                        <a:spcBef>
+                          <a:spcPts val="0"/>
+                        </a:spcBef>
+                        <a:spcAft>
+                          <a:spcPts val="0"/>
+                        </a:spcAft>
+                        <a:buClrTx/>
+                        <a:buSzTx/>
+                        <a:buFontTx/>
+                        <a:buNone/>
+                        <a:tabLst/>
+                        <a:defRPr/>
+                      </a:pPr>
+                      <a:r>
+                        <a:rPr lang="en-GB" sz="1000" b="1" smtClean="0">
+                          <a:solidFill>
+                            <a:srgbClr val="000000"/>
+                          </a:solidFill>
+                          <a:latin typeface="Segoe UI" pitchFamily="34" charset="0"/>
+                          <a:cs typeface="Segoe UI" pitchFamily="34" charset="0"/>
+                        </a:rPr>
+                        <a:t>Process</a:t>
+                      </a:r>
+                    </a:p>
+                    <a:p>
+                      <a:pPr marL="0" marR="0" indent="0" algn="l" defTabSz="584200" rtl="0" eaLnBrk="1" fontAlgn="auto" latinLnBrk="0" hangingPunct="1">
+                        <a:lnSpc>
+                          <a:spcPct val="100000"/>
+                        </a:lnSpc>
+                        <a:spcBef>
+                          <a:spcPts val="0"/>
+                        </a:spcBef>
+                        <a:spcAft>
+                          <a:spcPts val="0"/>
+                        </a:spcAft>
+                        <a:buClrTx/>
+                        <a:buSzTx/>
+                        <a:buFontTx/>
+                        <a:buNone/>
+                        <a:tabLst/>
+                        <a:defRPr/>
+                      </a:pPr>
+                      <a:r>
+                        <a:rPr lang="en-GB" sz="1000" smtClean="0">
+                          <a:solidFill>
+                            <a:srgbClr val="000000"/>
+                          </a:solidFill>
+                          <a:latin typeface="Segoe UI" pitchFamily="34" charset="0"/>
+                          <a:cs typeface="Segoe UI" pitchFamily="34" charset="0"/>
+                        </a:rPr>
+                        <a:t>A good process produces</a:t>
+                      </a:r>
+                      <a:r>
+                        <a:rPr lang="en-GB" sz="1000" baseline="0" smtClean="0">
+                          <a:solidFill>
+                            <a:srgbClr val="000000"/>
+                          </a:solidFill>
+                          <a:latin typeface="Segoe UI" pitchFamily="34" charset="0"/>
+                          <a:cs typeface="Segoe UI" pitchFamily="34" charset="0"/>
+                        </a:rPr>
+                        <a:t> good results. Building a good process involves doing the right things in the right order over and over. Bias should be designed out of the process, results continuously monitored. </a:t>
+                      </a:r>
+                    </a:p>
+                    <a:p>
+                      <a:pPr marL="0" marR="0" indent="0" algn="l" defTabSz="584200" rtl="0" eaLnBrk="1" fontAlgn="auto" latinLnBrk="0" hangingPunct="1">
+                        <a:lnSpc>
+                          <a:spcPct val="100000"/>
+                        </a:lnSpc>
+                        <a:spcBef>
+                          <a:spcPts val="0"/>
+                        </a:spcBef>
+                        <a:spcAft>
+                          <a:spcPts val="0"/>
+                        </a:spcAft>
+                        <a:buClrTx/>
+                        <a:buSzTx/>
+                        <a:buFontTx/>
+                        <a:buNone/>
+                        <a:tabLst/>
+                        <a:defRPr/>
+                      </a:pPr>
+                      <a:r>
+                        <a:rPr lang="en-GB" sz="1000" baseline="0" smtClean="0">
+                          <a:solidFill>
+                            <a:srgbClr val="000000"/>
+                          </a:solidFill>
+                          <a:latin typeface="Segoe UI" pitchFamily="34" charset="0"/>
+                          <a:cs typeface="Segoe UI" pitchFamily="34" charset="0"/>
+                        </a:rPr>
+                        <a:t>Efforts to improve forecasting processes can be undermined by traditional budgeting.</a:t>
+                      </a:r>
+                    </a:p>
+                    <a:p>
+                      <a:pPr marL="228600" marR="0" indent="-228600" algn="l" defTabSz="584200" rtl="0" eaLnBrk="1" fontAlgn="auto" latinLnBrk="0" hangingPunct="1">
+                        <a:lnSpc>
+                          <a:spcPct val="100000"/>
+                        </a:lnSpc>
+                        <a:spcBef>
+                          <a:spcPts val="0"/>
+                        </a:spcBef>
+                        <a:spcAft>
+                          <a:spcPts val="0"/>
+                        </a:spcAft>
+                        <a:buClrTx/>
+                        <a:buSzTx/>
+                        <a:buFontTx/>
+                        <a:buAutoNum type="arabicPeriod"/>
+                        <a:tabLst/>
+                        <a:defRPr/>
+                      </a:pPr>
+                      <a:r>
+                        <a:rPr lang="en-GB" sz="1000" baseline="0" smtClean="0">
+                          <a:solidFill>
+                            <a:srgbClr val="000000"/>
+                          </a:solidFill>
+                          <a:latin typeface="Segoe UI" pitchFamily="34" charset="0"/>
+                          <a:cs typeface="Segoe UI" pitchFamily="34" charset="0"/>
+                        </a:rPr>
+                        <a:t>Budgeting does not distinguich between target and forecast. Bias in forecasting is often associated with desire not to show gaps between the two.</a:t>
+                      </a:r>
+                    </a:p>
+                    <a:p>
+                      <a:pPr marL="228600" marR="0" indent="-228600" algn="l" defTabSz="584200" rtl="0" eaLnBrk="1" fontAlgn="auto" latinLnBrk="0" hangingPunct="1">
+                        <a:lnSpc>
+                          <a:spcPct val="100000"/>
+                        </a:lnSpc>
+                        <a:spcBef>
+                          <a:spcPts val="0"/>
+                        </a:spcBef>
+                        <a:spcAft>
+                          <a:spcPts val="0"/>
+                        </a:spcAft>
+                        <a:buClrTx/>
+                        <a:buSzTx/>
+                        <a:buFontTx/>
+                        <a:buAutoNum type="arabicPeriod"/>
+                        <a:tabLst/>
+                        <a:defRPr/>
+                      </a:pPr>
+                      <a:r>
+                        <a:rPr lang="en-GB" sz="1000" baseline="0" smtClean="0">
+                          <a:solidFill>
+                            <a:srgbClr val="000000"/>
+                          </a:solidFill>
+                          <a:latin typeface="Segoe UI" pitchFamily="34" charset="0"/>
+                          <a:cs typeface="Segoe UI" pitchFamily="34" charset="0"/>
+                        </a:rPr>
+                        <a:t>Budgeting is incompatible with need for rolling horizons build around decision-making lead times.</a:t>
+                      </a:r>
+                    </a:p>
+                  </a:txBody>
+                  <a:tcPr>
+                    <a:lnL w="6350" cap="flat" cmpd="sng" algn="ctr">
+                      <a:solidFill>
+                        <a:srgbClr val="000000"/>
+                      </a:solidFill>
+                      <a:prstDash val="solid"/>
+                      <a:round/>
+                      <a:headEnd type="none" w="med" len="med"/>
+                      <a:tailEnd type="none" w="med" len="med"/>
+                    </a:lnL>
+                    <a:lnR w="12700" cap="flat" cmpd="sng" algn="ctr">
+                      <a:solidFill>
+                        <a:schemeClr val="tx1"/>
+                      </a:solidFill>
+                      <a:prstDash val="solid"/>
+                      <a:round/>
+                      <a:headEnd type="none" w="med" len="med"/>
+                      <a:tailEnd type="none" w="med" len="med"/>
+                    </a:lnR>
+                    <a:lnT w="12700" cmpd="sng">
+                      <a:noFill/>
+                    </a:lnT>
+                    <a:lnB w="12700" cmpd="sng">
+                      <a:noFill/>
+                    </a:lnB>
+                    <a:lnTlToBr w="12700" cmpd="sng">
+                      <a:noFill/>
+                      <a:prstDash val="solid"/>
+                    </a:lnTlToBr>
+                    <a:lnBlToTr w="12700" cmpd="sng">
+                      <a:noFill/>
+                      <a:prstDash val="solid"/>
+                    </a:lnBlToTr>
+                  </a:tcPr>
+                </a:tc>
+              </a:tr>
+              <a:tr h="260350">
+                <a:tc>
+                  <a:txBody>
+                    <a:bodyPr/>
+                    <a:lstStyle/>
+                    <a:p>
+                      <a:pPr marL="0" marR="0" indent="0" algn="l" defTabSz="584200" rtl="0" eaLnBrk="1" fontAlgn="auto" latinLnBrk="0" hangingPunct="1">
+                        <a:lnSpc>
+                          <a:spcPct val="100000"/>
+                        </a:lnSpc>
+                        <a:spcBef>
+                          <a:spcPts val="0"/>
+                        </a:spcBef>
+                        <a:spcAft>
+                          <a:spcPts val="0"/>
+                        </a:spcAft>
+                        <a:buClrTx/>
+                        <a:buSzTx/>
+                        <a:buFontTx/>
+                        <a:buNone/>
+                        <a:tabLst/>
+                        <a:defRPr/>
+                      </a:pPr>
+                      <a:r>
+                        <a:rPr lang="en-GB" sz="1000" b="0" i="0" u="none" strike="noStrike" cap="none" spc="0" baseline="0">
+                          <a:ln>
+                            <a:noFill/>
+                          </a:ln>
+                          <a:solidFill>
+                            <a:srgbClr val="000000"/>
+                          </a:solidFill>
+                          <a:uFillTx/>
+                          <a:latin typeface="Segoe UI" pitchFamily="34" charset="0"/>
+                          <a:ea typeface="+mn-ea"/>
+                          <a:cs typeface="Segoe UI" pitchFamily="34" charset="0"/>
+                          <a:sym typeface="Source Sans Pro"/>
+                        </a:rPr>
+                        <a:t>Source: </a:t>
+                      </a:r>
+                      <a:r>
+                        <a:rPr lang="en-GB" sz="1000" b="0" i="0" u="none" strike="noStrike" cap="none" spc="0" baseline="0">
+                          <a:ln>
+                            <a:noFill/>
+                          </a:ln>
+                          <a:solidFill>
+                            <a:srgbClr val="000000"/>
+                          </a:solidFill>
+                          <a:uFillTx/>
+                          <a:latin typeface="Segoe UI" pitchFamily="34" charset="0"/>
+                          <a:ea typeface="+mn-ea"/>
+                          <a:cs typeface="Segoe UI" pitchFamily="34" charset="0"/>
+                          <a:sym typeface="Helvetica Light"/>
+                        </a:rPr>
+                        <a:t>Business Forecasting Ch. </a:t>
+                      </a:r>
+                      <a:r>
+                        <a:rPr lang="en-GB" sz="1000" b="0" i="0" u="none" strike="noStrike" cap="none" spc="0" baseline="0" smtClean="0">
+                          <a:ln>
+                            <a:noFill/>
+                          </a:ln>
+                          <a:solidFill>
+                            <a:srgbClr val="000000"/>
+                          </a:solidFill>
+                          <a:uFillTx/>
+                          <a:latin typeface="Segoe UI" pitchFamily="34" charset="0"/>
+                          <a:ea typeface="+mn-ea"/>
+                          <a:cs typeface="Segoe UI" pitchFamily="34" charset="0"/>
+                          <a:sym typeface="Helvetica Light"/>
+                        </a:rPr>
+                        <a:t>1.9</a:t>
+                      </a:r>
+                      <a:endParaRPr lang="en-GB" sz="1000" b="0" i="0" u="none" strike="noStrike" cap="none" spc="0" baseline="0">
+                        <a:ln>
+                          <a:noFill/>
+                        </a:ln>
+                        <a:solidFill>
+                          <a:srgbClr val="000000"/>
+                        </a:solidFill>
+                        <a:uFillTx/>
+                        <a:latin typeface="Segoe UI" pitchFamily="34" charset="0"/>
+                        <a:ea typeface="+mn-ea"/>
+                        <a:cs typeface="Segoe UI" pitchFamily="34" charset="0"/>
+                        <a:sym typeface="Source Sans Pro"/>
+                      </a:endParaRPr>
+                    </a:p>
+                  </a:txBody>
+                  <a:tcPr>
+                    <a:lnL w="6350" cap="flat" cmpd="sng" algn="ctr">
+                      <a:solidFill>
+                        <a:srgbClr val="000000"/>
+                      </a:solidFill>
+                      <a:prstDash val="solid"/>
+                      <a:round/>
+                      <a:headEnd type="none" w="med" len="med"/>
+                      <a:tailEnd type="none" w="med" len="med"/>
+                    </a:lnL>
+                    <a:lnR w="12700" cap="flat" cmpd="sng" algn="ctr">
+                      <a:solidFill>
+                        <a:schemeClr val="tx1"/>
+                      </a:solidFill>
+                      <a:prstDash val="solid"/>
+                      <a:round/>
+                      <a:headEnd type="none" w="med" len="med"/>
+                      <a:tailEnd type="none" w="med" len="med"/>
+                    </a:lnR>
+                    <a:lnT w="12700" cmpd="sng">
+                      <a:noFill/>
+                    </a:lnT>
+                    <a:lnB w="6350" cap="flat" cmpd="sng" algn="ctr">
+                      <a:solidFill>
+                        <a:srgbClr val="000000"/>
+                      </a:solidFill>
+                      <a:prstDash val="solid"/>
+                      <a:round/>
+                      <a:headEnd type="none" w="med" len="med"/>
+                      <a:tailEnd type="none" w="med" len="med"/>
+                    </a:lnB>
+                    <a:lnTlToBr w="12700" cmpd="sng">
+                      <a:noFill/>
+                      <a:prstDash val="solid"/>
+                    </a:lnTlToBr>
+                    <a:lnBlToTr w="12700" cmpd="sng">
+                      <a:noFill/>
+                      <a:prstDash val="solid"/>
+                    </a:lnBlToTr>
+                  </a:tcPr>
+                </a:tc>
+                <a:extLst>
+                  <a:ext uri="{0D108BD9-81ED-4DB2-BD59-A6C34878D82A}">
+                    <a16:rowId xmlns="" xmlns:a16="http://schemas.microsoft.com/office/drawing/2014/main" val="10007"/>
                   </a:ext>
                 </a:extLst>
               </a:tr>
@@ -11120,7 +11912,7 @@
                 <a:gridCol w="3800476">
                   <a:extLst>
                     <a:ext uri="{9D8B030D-6E8A-4147-A177-3AD203B41FA5}">
-                      <a16:colId xmlns:a16="http://schemas.microsoft.com/office/drawing/2014/main" xmlns="" val="20000"/>
+                      <a16:colId xmlns="" xmlns:a16="http://schemas.microsoft.com/office/drawing/2014/main" val="20000"/>
                     </a:ext>
                   </a:extLst>
                 </a:gridCol>
@@ -11200,7 +11992,7 @@
                 </a:tc>
                 <a:extLst>
                   <a:ext uri="{0D108BD9-81ED-4DB2-BD59-A6C34878D82A}">
-                    <a16:rowId xmlns:a16="http://schemas.microsoft.com/office/drawing/2014/main" xmlns="" val="10000"/>
+                    <a16:rowId xmlns="" xmlns:a16="http://schemas.microsoft.com/office/drawing/2014/main" val="10000"/>
                   </a:ext>
                 </a:extLst>
               </a:tr>
@@ -11280,7 +12072,7 @@
                 </a:tc>
                 <a:extLst>
                   <a:ext uri="{0D108BD9-81ED-4DB2-BD59-A6C34878D82A}">
-                    <a16:rowId xmlns:a16="http://schemas.microsoft.com/office/drawing/2014/main" xmlns="" val="10001"/>
+                    <a16:rowId xmlns="" xmlns:a16="http://schemas.microsoft.com/office/drawing/2014/main" val="10001"/>
                   </a:ext>
                 </a:extLst>
               </a:tr>
@@ -11334,7 +12126,7 @@
                 </a:tc>
                 <a:extLst>
                   <a:ext uri="{0D108BD9-81ED-4DB2-BD59-A6C34878D82A}">
-                    <a16:rowId xmlns:a16="http://schemas.microsoft.com/office/drawing/2014/main" xmlns="" val="10002"/>
+                    <a16:rowId xmlns="" xmlns:a16="http://schemas.microsoft.com/office/drawing/2014/main" val="10002"/>
                   </a:ext>
                 </a:extLst>
               </a:tr>
@@ -11388,7 +12180,7 @@
                 </a:tc>
                 <a:extLst>
                   <a:ext uri="{0D108BD9-81ED-4DB2-BD59-A6C34878D82A}">
-                    <a16:rowId xmlns:a16="http://schemas.microsoft.com/office/drawing/2014/main" xmlns="" val="10003"/>
+                    <a16:rowId xmlns="" xmlns:a16="http://schemas.microsoft.com/office/drawing/2014/main" val="10003"/>
                   </a:ext>
                 </a:extLst>
               </a:tr>
@@ -11470,7 +12262,7 @@
                 </a:tc>
                 <a:extLst>
                   <a:ext uri="{0D108BD9-81ED-4DB2-BD59-A6C34878D82A}">
-                    <a16:rowId xmlns:a16="http://schemas.microsoft.com/office/drawing/2014/main" xmlns="" val="10004"/>
+                    <a16:rowId xmlns="" xmlns:a16="http://schemas.microsoft.com/office/drawing/2014/main" val="10004"/>
                   </a:ext>
                 </a:extLst>
               </a:tr>
@@ -11506,7 +12298,7 @@
                 <a:gridCol w="3825875">
                   <a:extLst>
                     <a:ext uri="{9D8B030D-6E8A-4147-A177-3AD203B41FA5}">
-                      <a16:colId xmlns:a16="http://schemas.microsoft.com/office/drawing/2014/main" xmlns="" val="20000"/>
+                      <a16:colId xmlns="" xmlns:a16="http://schemas.microsoft.com/office/drawing/2014/main" val="20000"/>
                     </a:ext>
                   </a:extLst>
                 </a:gridCol>
@@ -11599,7 +12391,7 @@
                 </a:tc>
                 <a:extLst>
                   <a:ext uri="{0D108BD9-81ED-4DB2-BD59-A6C34878D82A}">
-                    <a16:rowId xmlns:a16="http://schemas.microsoft.com/office/drawing/2014/main" xmlns="" val="10000"/>
+                    <a16:rowId xmlns="" xmlns:a16="http://schemas.microsoft.com/office/drawing/2014/main" val="10000"/>
                   </a:ext>
                 </a:extLst>
               </a:tr>
@@ -11699,7 +12491,7 @@
                 </a:tc>
                 <a:extLst>
                   <a:ext uri="{0D108BD9-81ED-4DB2-BD59-A6C34878D82A}">
-                    <a16:rowId xmlns:a16="http://schemas.microsoft.com/office/drawing/2014/main" xmlns="" val="10001"/>
+                    <a16:rowId xmlns="" xmlns:a16="http://schemas.microsoft.com/office/drawing/2014/main" val="10001"/>
                   </a:ext>
                 </a:extLst>
               </a:tr>
@@ -11795,7 +12587,7 @@
                 </a:tc>
                 <a:extLst>
                   <a:ext uri="{0D108BD9-81ED-4DB2-BD59-A6C34878D82A}">
-                    <a16:rowId xmlns:a16="http://schemas.microsoft.com/office/drawing/2014/main" xmlns="" val="10002"/>
+                    <a16:rowId xmlns="" xmlns:a16="http://schemas.microsoft.com/office/drawing/2014/main" val="10002"/>
                   </a:ext>
                 </a:extLst>
               </a:tr>
@@ -12067,7 +12859,7 @@
                 </a:tc>
                 <a:extLst>
                   <a:ext uri="{0D108BD9-81ED-4DB2-BD59-A6C34878D82A}">
-                    <a16:rowId xmlns:a16="http://schemas.microsoft.com/office/drawing/2014/main" xmlns="" val="10003"/>
+                    <a16:rowId xmlns="" xmlns:a16="http://schemas.microsoft.com/office/drawing/2014/main" val="10003"/>
                   </a:ext>
                 </a:extLst>
               </a:tr>
@@ -12168,7 +12960,7 @@
                 </a:tc>
                 <a:extLst>
                   <a:ext uri="{0D108BD9-81ED-4DB2-BD59-A6C34878D82A}">
-                    <a16:rowId xmlns:a16="http://schemas.microsoft.com/office/drawing/2014/main" xmlns="" val="10004"/>
+                    <a16:rowId xmlns="" xmlns:a16="http://schemas.microsoft.com/office/drawing/2014/main" val="10004"/>
                   </a:ext>
                 </a:extLst>
               </a:tr>
@@ -12204,7 +12996,7 @@
                 <a:gridCol w="3825875">
                   <a:extLst>
                     <a:ext uri="{9D8B030D-6E8A-4147-A177-3AD203B41FA5}">
-                      <a16:colId xmlns:a16="http://schemas.microsoft.com/office/drawing/2014/main" xmlns="" val="20000"/>
+                      <a16:colId xmlns="" xmlns:a16="http://schemas.microsoft.com/office/drawing/2014/main" val="20000"/>
                     </a:ext>
                   </a:extLst>
                 </a:gridCol>
@@ -12277,7 +13069,7 @@
                 </a:tc>
                 <a:extLst>
                   <a:ext uri="{0D108BD9-81ED-4DB2-BD59-A6C34878D82A}">
-                    <a16:rowId xmlns:a16="http://schemas.microsoft.com/office/drawing/2014/main" xmlns="" val="10000"/>
+                    <a16:rowId xmlns="" xmlns:a16="http://schemas.microsoft.com/office/drawing/2014/main" val="10000"/>
                   </a:ext>
                 </a:extLst>
               </a:tr>
@@ -12357,7 +13149,7 @@
                 </a:tc>
                 <a:extLst>
                   <a:ext uri="{0D108BD9-81ED-4DB2-BD59-A6C34878D82A}">
-                    <a16:rowId xmlns:a16="http://schemas.microsoft.com/office/drawing/2014/main" xmlns="" val="10001"/>
+                    <a16:rowId xmlns="" xmlns:a16="http://schemas.microsoft.com/office/drawing/2014/main" val="10001"/>
                   </a:ext>
                 </a:extLst>
               </a:tr>
@@ -12437,7 +13229,7 @@
                 </a:tc>
                 <a:extLst>
                   <a:ext uri="{0D108BD9-81ED-4DB2-BD59-A6C34878D82A}">
-                    <a16:rowId xmlns:a16="http://schemas.microsoft.com/office/drawing/2014/main" xmlns="" val="10002"/>
+                    <a16:rowId xmlns="" xmlns:a16="http://schemas.microsoft.com/office/drawing/2014/main" val="10002"/>
                   </a:ext>
                 </a:extLst>
               </a:tr>
@@ -12517,7 +13309,7 @@
                 </a:tc>
                 <a:extLst>
                   <a:ext uri="{0D108BD9-81ED-4DB2-BD59-A6C34878D82A}">
-                    <a16:rowId xmlns:a16="http://schemas.microsoft.com/office/drawing/2014/main" xmlns="" val="10003"/>
+                    <a16:rowId xmlns="" xmlns:a16="http://schemas.microsoft.com/office/drawing/2014/main" val="10003"/>
                   </a:ext>
                 </a:extLst>
               </a:tr>
@@ -12597,7 +13389,7 @@
                 </a:tc>
                 <a:extLst>
                   <a:ext uri="{0D108BD9-81ED-4DB2-BD59-A6C34878D82A}">
-                    <a16:rowId xmlns:a16="http://schemas.microsoft.com/office/drawing/2014/main" xmlns="" val="10004"/>
+                    <a16:rowId xmlns="" xmlns:a16="http://schemas.microsoft.com/office/drawing/2014/main" val="10004"/>
                   </a:ext>
                 </a:extLst>
               </a:tr>
@@ -12676,7 +13468,7 @@
                 </a:tc>
                 <a:extLst>
                   <a:ext uri="{0D108BD9-81ED-4DB2-BD59-A6C34878D82A}">
-                    <a16:rowId xmlns:a16="http://schemas.microsoft.com/office/drawing/2014/main" xmlns="" val="10005"/>
+                    <a16:rowId xmlns="" xmlns:a16="http://schemas.microsoft.com/office/drawing/2014/main" val="10005"/>
                   </a:ext>
                 </a:extLst>
               </a:tr>
@@ -12712,21 +13504,21 @@
                 <a:gridCol w="1333954">
                   <a:extLst>
                     <a:ext uri="{9D8B030D-6E8A-4147-A177-3AD203B41FA5}">
-                      <a16:colId xmlns:a16="http://schemas.microsoft.com/office/drawing/2014/main" xmlns="" val="20000"/>
+                      <a16:colId xmlns="" xmlns:a16="http://schemas.microsoft.com/office/drawing/2014/main" val="20000"/>
                     </a:ext>
                   </a:extLst>
                 </a:gridCol>
                 <a:gridCol w="380538">
                   <a:extLst>
                     <a:ext uri="{9D8B030D-6E8A-4147-A177-3AD203B41FA5}">
-                      <a16:colId xmlns:a16="http://schemas.microsoft.com/office/drawing/2014/main" xmlns="" val="20001"/>
+                      <a16:colId xmlns="" xmlns:a16="http://schemas.microsoft.com/office/drawing/2014/main" val="20001"/>
                     </a:ext>
                   </a:extLst>
                 </a:gridCol>
                 <a:gridCol w="1831568">
                   <a:extLst>
                     <a:ext uri="{9D8B030D-6E8A-4147-A177-3AD203B41FA5}">
-                      <a16:colId xmlns:a16="http://schemas.microsoft.com/office/drawing/2014/main" xmlns="" val="20002"/>
+                      <a16:colId xmlns="" xmlns:a16="http://schemas.microsoft.com/office/drawing/2014/main" val="20002"/>
                     </a:ext>
                   </a:extLst>
                 </a:gridCol>
@@ -12834,7 +13626,7 @@
                 </a:tc>
                 <a:extLst>
                   <a:ext uri="{0D108BD9-81ED-4DB2-BD59-A6C34878D82A}">
-                    <a16:rowId xmlns:a16="http://schemas.microsoft.com/office/drawing/2014/main" xmlns="" val="10000"/>
+                    <a16:rowId xmlns="" xmlns:a16="http://schemas.microsoft.com/office/drawing/2014/main" val="10000"/>
                   </a:ext>
                 </a:extLst>
               </a:tr>
@@ -13036,7 +13828,7 @@
                 </a:tc>
                 <a:extLst>
                   <a:ext uri="{0D108BD9-81ED-4DB2-BD59-A6C34878D82A}">
-                    <a16:rowId xmlns:a16="http://schemas.microsoft.com/office/drawing/2014/main" xmlns="" val="10001"/>
+                    <a16:rowId xmlns="" xmlns:a16="http://schemas.microsoft.com/office/drawing/2014/main" val="10001"/>
                   </a:ext>
                 </a:extLst>
               </a:tr>
@@ -13169,7 +13961,7 @@
                 </a:tc>
                 <a:extLst>
                   <a:ext uri="{0D108BD9-81ED-4DB2-BD59-A6C34878D82A}">
-                    <a16:rowId xmlns:a16="http://schemas.microsoft.com/office/drawing/2014/main" xmlns="" val="10002"/>
+                    <a16:rowId xmlns="" xmlns:a16="http://schemas.microsoft.com/office/drawing/2014/main" val="10002"/>
                   </a:ext>
                 </a:extLst>
               </a:tr>
@@ -13302,7 +14094,7 @@
                 </a:tc>
                 <a:extLst>
                   <a:ext uri="{0D108BD9-81ED-4DB2-BD59-A6C34878D82A}">
-                    <a16:rowId xmlns:a16="http://schemas.microsoft.com/office/drawing/2014/main" xmlns="" val="10003"/>
+                    <a16:rowId xmlns="" xmlns:a16="http://schemas.microsoft.com/office/drawing/2014/main" val="10003"/>
                   </a:ext>
                 </a:extLst>
               </a:tr>
@@ -13519,7 +14311,7 @@
                 </a:tc>
                 <a:extLst>
                   <a:ext uri="{0D108BD9-81ED-4DB2-BD59-A6C34878D82A}">
-                    <a16:rowId xmlns:a16="http://schemas.microsoft.com/office/drawing/2014/main" xmlns="" val="10004"/>
+                    <a16:rowId xmlns="" xmlns:a16="http://schemas.microsoft.com/office/drawing/2014/main" val="10004"/>
                   </a:ext>
                 </a:extLst>
               </a:tr>
@@ -13555,7 +14347,7 @@
                 <a:gridCol w="3800476">
                   <a:extLst>
                     <a:ext uri="{9D8B030D-6E8A-4147-A177-3AD203B41FA5}">
-                      <a16:colId xmlns:a16="http://schemas.microsoft.com/office/drawing/2014/main" xmlns="" val="20000"/>
+                      <a16:colId xmlns="" xmlns:a16="http://schemas.microsoft.com/office/drawing/2014/main" val="20000"/>
                     </a:ext>
                   </a:extLst>
                 </a:gridCol>
@@ -13635,7 +14427,7 @@
                 </a:tc>
                 <a:extLst>
                   <a:ext uri="{0D108BD9-81ED-4DB2-BD59-A6C34878D82A}">
-                    <a16:rowId xmlns:a16="http://schemas.microsoft.com/office/drawing/2014/main" xmlns="" val="10000"/>
+                    <a16:rowId xmlns="" xmlns:a16="http://schemas.microsoft.com/office/drawing/2014/main" val="10000"/>
                   </a:ext>
                 </a:extLst>
               </a:tr>
@@ -13735,7 +14527,7 @@
                 </a:tc>
                 <a:extLst>
                   <a:ext uri="{0D108BD9-81ED-4DB2-BD59-A6C34878D82A}">
-                    <a16:rowId xmlns:a16="http://schemas.microsoft.com/office/drawing/2014/main" xmlns="" val="10001"/>
+                    <a16:rowId xmlns="" xmlns:a16="http://schemas.microsoft.com/office/drawing/2014/main" val="10001"/>
                   </a:ext>
                 </a:extLst>
               </a:tr>
@@ -13844,7 +14636,7 @@
                 </a:tc>
                 <a:extLst>
                   <a:ext uri="{0D108BD9-81ED-4DB2-BD59-A6C34878D82A}">
-                    <a16:rowId xmlns:a16="http://schemas.microsoft.com/office/drawing/2014/main" xmlns="" val="10002"/>
+                    <a16:rowId xmlns="" xmlns:a16="http://schemas.microsoft.com/office/drawing/2014/main" val="10002"/>
                   </a:ext>
                 </a:extLst>
               </a:tr>
@@ -14161,7 +14953,7 @@
                 </a:tc>
                 <a:extLst>
                   <a:ext uri="{0D108BD9-81ED-4DB2-BD59-A6C34878D82A}">
-                    <a16:rowId xmlns:a16="http://schemas.microsoft.com/office/drawing/2014/main" xmlns="" val="10003"/>
+                    <a16:rowId xmlns="" xmlns:a16="http://schemas.microsoft.com/office/drawing/2014/main" val="10003"/>
                   </a:ext>
                 </a:extLst>
               </a:tr>
@@ -14273,7 +15065,7 @@
                 </a:tc>
                 <a:extLst>
                   <a:ext uri="{0D108BD9-81ED-4DB2-BD59-A6C34878D82A}">
-                    <a16:rowId xmlns:a16="http://schemas.microsoft.com/office/drawing/2014/main" xmlns="" val="10004"/>
+                    <a16:rowId xmlns="" xmlns:a16="http://schemas.microsoft.com/office/drawing/2014/main" val="10004"/>
                   </a:ext>
                 </a:extLst>
               </a:tr>
@@ -14433,7 +15225,7 @@
                 </a:tc>
                 <a:extLst>
                   <a:ext uri="{0D108BD9-81ED-4DB2-BD59-A6C34878D82A}">
-                    <a16:rowId xmlns:a16="http://schemas.microsoft.com/office/drawing/2014/main" xmlns="" val="10005"/>
+                    <a16:rowId xmlns="" xmlns:a16="http://schemas.microsoft.com/office/drawing/2014/main" val="10005"/>
                   </a:ext>
                 </a:extLst>
               </a:tr>
@@ -14561,7 +15353,7 @@
                 </a:tc>
                 <a:extLst>
                   <a:ext uri="{0D108BD9-81ED-4DB2-BD59-A6C34878D82A}">
-                    <a16:rowId xmlns:a16="http://schemas.microsoft.com/office/drawing/2014/main" xmlns="" val="10006"/>
+                    <a16:rowId xmlns="" xmlns:a16="http://schemas.microsoft.com/office/drawing/2014/main" val="10006"/>
                   </a:ext>
                 </a:extLst>
               </a:tr>
@@ -14638,7 +15430,7 @@
                 </a:tc>
                 <a:extLst>
                   <a:ext uri="{0D108BD9-81ED-4DB2-BD59-A6C34878D82A}">
-                    <a16:rowId xmlns:a16="http://schemas.microsoft.com/office/drawing/2014/main" xmlns="" val="10007"/>
+                    <a16:rowId xmlns="" xmlns:a16="http://schemas.microsoft.com/office/drawing/2014/main" val="10007"/>
                   </a:ext>
                 </a:extLst>
               </a:tr>
@@ -14720,7 +15512,7 @@
                 </a:tc>
                 <a:extLst>
                   <a:ext uri="{0D108BD9-81ED-4DB2-BD59-A6C34878D82A}">
-                    <a16:rowId xmlns:a16="http://schemas.microsoft.com/office/drawing/2014/main" xmlns="" val="10008"/>
+                    <a16:rowId xmlns="" xmlns:a16="http://schemas.microsoft.com/office/drawing/2014/main" val="10008"/>
                   </a:ext>
                 </a:extLst>
               </a:tr>
@@ -14756,7 +15548,7 @@
                 <a:gridCol w="3970655">
                   <a:extLst>
                     <a:ext uri="{9D8B030D-6E8A-4147-A177-3AD203B41FA5}">
-                      <a16:colId xmlns:a16="http://schemas.microsoft.com/office/drawing/2014/main" xmlns="" val="20000"/>
+                      <a16:colId xmlns="" xmlns:a16="http://schemas.microsoft.com/office/drawing/2014/main" val="20000"/>
                     </a:ext>
                   </a:extLst>
                 </a:gridCol>
@@ -14829,7 +15621,7 @@
                 </a:tc>
                 <a:extLst>
                   <a:ext uri="{0D108BD9-81ED-4DB2-BD59-A6C34878D82A}">
-                    <a16:rowId xmlns:a16="http://schemas.microsoft.com/office/drawing/2014/main" xmlns="" val="10000"/>
+                    <a16:rowId xmlns="" xmlns:a16="http://schemas.microsoft.com/office/drawing/2014/main" val="10000"/>
                   </a:ext>
                 </a:extLst>
               </a:tr>
@@ -14915,7 +15707,7 @@
                 </a:tc>
                 <a:extLst>
                   <a:ext uri="{0D108BD9-81ED-4DB2-BD59-A6C34878D82A}">
-                    <a16:rowId xmlns:a16="http://schemas.microsoft.com/office/drawing/2014/main" xmlns="" val="10001"/>
+                    <a16:rowId xmlns="" xmlns:a16="http://schemas.microsoft.com/office/drawing/2014/main" val="10001"/>
                   </a:ext>
                 </a:extLst>
               </a:tr>
@@ -15033,7 +15825,7 @@
                 </a:tc>
                 <a:extLst>
                   <a:ext uri="{0D108BD9-81ED-4DB2-BD59-A6C34878D82A}">
-                    <a16:rowId xmlns:a16="http://schemas.microsoft.com/office/drawing/2014/main" xmlns="" val="10002"/>
+                    <a16:rowId xmlns="" xmlns:a16="http://schemas.microsoft.com/office/drawing/2014/main" val="10002"/>
                   </a:ext>
                 </a:extLst>
               </a:tr>
@@ -15136,7 +15928,7 @@
                 </a:tc>
                 <a:extLst>
                   <a:ext uri="{0D108BD9-81ED-4DB2-BD59-A6C34878D82A}">
-                    <a16:rowId xmlns:a16="http://schemas.microsoft.com/office/drawing/2014/main" xmlns="" val="10003"/>
+                    <a16:rowId xmlns="" xmlns:a16="http://schemas.microsoft.com/office/drawing/2014/main" val="10003"/>
                   </a:ext>
                 </a:extLst>
               </a:tr>
@@ -15229,7 +16021,7 @@
                 </a:tc>
                 <a:extLst>
                   <a:ext uri="{0D108BD9-81ED-4DB2-BD59-A6C34878D82A}">
-                    <a16:rowId xmlns:a16="http://schemas.microsoft.com/office/drawing/2014/main" xmlns="" val="10004"/>
+                    <a16:rowId xmlns="" xmlns:a16="http://schemas.microsoft.com/office/drawing/2014/main" val="10004"/>
                   </a:ext>
                 </a:extLst>
               </a:tr>
@@ -15326,7 +16118,7 @@
                 </a:tc>
                 <a:extLst>
                   <a:ext uri="{0D108BD9-81ED-4DB2-BD59-A6C34878D82A}">
-                    <a16:rowId xmlns:a16="http://schemas.microsoft.com/office/drawing/2014/main" xmlns="" val="10005"/>
+                    <a16:rowId xmlns="" xmlns:a16="http://schemas.microsoft.com/office/drawing/2014/main" val="10005"/>
                   </a:ext>
                 </a:extLst>
               </a:tr>
@@ -15409,7 +16201,7 @@
                 </a:tc>
                 <a:extLst>
                   <a:ext uri="{0D108BD9-81ED-4DB2-BD59-A6C34878D82A}">
-                    <a16:rowId xmlns:a16="http://schemas.microsoft.com/office/drawing/2014/main" xmlns="" val="10006"/>
+                    <a16:rowId xmlns="" xmlns:a16="http://schemas.microsoft.com/office/drawing/2014/main" val="10006"/>
                   </a:ext>
                 </a:extLst>
               </a:tr>
@@ -15526,7 +16318,7 @@
                 </a:tc>
                 <a:extLst>
                   <a:ext uri="{0D108BD9-81ED-4DB2-BD59-A6C34878D82A}">
-                    <a16:rowId xmlns:a16="http://schemas.microsoft.com/office/drawing/2014/main" xmlns="" val="10007"/>
+                    <a16:rowId xmlns="" xmlns:a16="http://schemas.microsoft.com/office/drawing/2014/main" val="10007"/>
                   </a:ext>
                 </a:extLst>
               </a:tr>
@@ -15541,7 +16333,7 @@
               <p:cNvPr id="13" name="Table 12">
                 <a:extLst>
                   <a:ext uri="{FF2B5EF4-FFF2-40B4-BE49-F238E27FC236}">
-                    <a16:creationId xmlns:a16="http://schemas.microsoft.com/office/drawing/2014/main" xmlns="" id="{0494280A-AA93-4D6A-827A-BB7B609A7172}"/>
+                    <a16:creationId xmlns="" xmlns:a16="http://schemas.microsoft.com/office/drawing/2014/main" id="{0494280A-AA93-4D6A-827A-BB7B609A7172}"/>
                   </a:ext>
                 </a:extLst>
               </p:cNvPr>
@@ -15570,7 +16362,7 @@
                     <a:gridCol w="3970655">
                       <a:extLst>
                         <a:ext uri="{9D8B030D-6E8A-4147-A177-3AD203B41FA5}">
-                          <a16:colId xmlns:a16="http://schemas.microsoft.com/office/drawing/2014/main" xmlns="" val="20000"/>
+                          <a16:colId xmlns="" xmlns:a16="http://schemas.microsoft.com/office/drawing/2014/main" val="20000"/>
                         </a:ext>
                       </a:extLst>
                     </a:gridCol>
@@ -15643,7 +16435,7 @@
                     </a:tc>
                     <a:extLst>
                       <a:ext uri="{0D108BD9-81ED-4DB2-BD59-A6C34878D82A}">
-                        <a16:rowId xmlns:a16="http://schemas.microsoft.com/office/drawing/2014/main" xmlns="" val="10000"/>
+                        <a16:rowId xmlns="" xmlns:a16="http://schemas.microsoft.com/office/drawing/2014/main" val="10000"/>
                       </a:ext>
                     </a:extLst>
                   </a:tr>
@@ -15735,7 +16527,7 @@
                     </a:tc>
                     <a:extLst>
                       <a:ext uri="{0D108BD9-81ED-4DB2-BD59-A6C34878D82A}">
-                        <a16:rowId xmlns:a16="http://schemas.microsoft.com/office/drawing/2014/main" xmlns="" val="10006"/>
+                        <a16:rowId xmlns="" xmlns:a16="http://schemas.microsoft.com/office/drawing/2014/main" val="10006"/>
                       </a:ext>
                     </a:extLst>
                   </a:tr>
@@ -15821,7 +16613,7 @@
                     </a:tc>
                     <a:extLst>
                       <a:ext uri="{0D108BD9-81ED-4DB2-BD59-A6C34878D82A}">
-                        <a16:rowId xmlns:a16="http://schemas.microsoft.com/office/drawing/2014/main" xmlns="" val="2650464264"/>
+                        <a16:rowId xmlns="" xmlns:a16="http://schemas.microsoft.com/office/drawing/2014/main" val="2650464264"/>
                       </a:ext>
                     </a:extLst>
                   </a:tr>
@@ -15923,7 +16715,7 @@
                     </a:tc>
                     <a:extLst>
                       <a:ext uri="{0D108BD9-81ED-4DB2-BD59-A6C34878D82A}">
-                        <a16:rowId xmlns:a16="http://schemas.microsoft.com/office/drawing/2014/main" xmlns="" val="1708595694"/>
+                        <a16:rowId xmlns="" xmlns:a16="http://schemas.microsoft.com/office/drawing/2014/main" val="1708595694"/>
                       </a:ext>
                     </a:extLst>
                   </a:tr>
@@ -16323,7 +17115,7 @@
                     </a:tc>
                     <a:extLst>
                       <a:ext uri="{0D108BD9-81ED-4DB2-BD59-A6C34878D82A}">
-                        <a16:rowId xmlns:a16="http://schemas.microsoft.com/office/drawing/2014/main" xmlns="" val="348125559"/>
+                        <a16:rowId xmlns="" xmlns:a16="http://schemas.microsoft.com/office/drawing/2014/main" val="348125559"/>
                       </a:ext>
                     </a:extLst>
                   </a:tr>
@@ -16646,7 +17438,7 @@
                     </a:tc>
                     <a:extLst>
                       <a:ext uri="{0D108BD9-81ED-4DB2-BD59-A6C34878D82A}">
-                        <a16:rowId xmlns:a16="http://schemas.microsoft.com/office/drawing/2014/main" xmlns="" val="3295806164"/>
+                        <a16:rowId xmlns="" xmlns:a16="http://schemas.microsoft.com/office/drawing/2014/main" val="3295806164"/>
                       </a:ext>
                     </a:extLst>
                   </a:tr>
@@ -16829,7 +17621,7 @@
                     </a:tc>
                     <a:extLst>
                       <a:ext uri="{0D108BD9-81ED-4DB2-BD59-A6C34878D82A}">
-                        <a16:rowId xmlns:a16="http://schemas.microsoft.com/office/drawing/2014/main" xmlns="" val="1091225448"/>
+                        <a16:rowId xmlns="" xmlns:a16="http://schemas.microsoft.com/office/drawing/2014/main" val="1091225448"/>
                       </a:ext>
                     </a:extLst>
                   </a:tr>
@@ -16946,7 +17738,7 @@
                     </a:tc>
                     <a:extLst>
                       <a:ext uri="{0D108BD9-81ED-4DB2-BD59-A6C34878D82A}">
-                        <a16:rowId xmlns:a16="http://schemas.microsoft.com/office/drawing/2014/main" xmlns="" val="10007"/>
+                        <a16:rowId xmlns="" xmlns:a16="http://schemas.microsoft.com/office/drawing/2014/main" val="10007"/>
                       </a:ext>
                     </a:extLst>
                   </a:tr>
@@ -17655,7 +18447,7 @@
           <p:cNvPr id="14" name="Table 13">
             <a:extLst>
               <a:ext uri="{FF2B5EF4-FFF2-40B4-BE49-F238E27FC236}">
-                <a16:creationId xmlns:a16="http://schemas.microsoft.com/office/drawing/2014/main" xmlns="" id="{FE508E2A-6AF5-4306-B60F-B65C0B85CD38}"/>
+                <a16:creationId xmlns="" xmlns:a16="http://schemas.microsoft.com/office/drawing/2014/main" id="{FE508E2A-6AF5-4306-B60F-B65C0B85CD38}"/>
               </a:ext>
             </a:extLst>
           </p:cNvPr>
@@ -17684,7 +18476,7 @@
                 <a:gridCol w="3970655">
                   <a:extLst>
                     <a:ext uri="{9D8B030D-6E8A-4147-A177-3AD203B41FA5}">
-                      <a16:colId xmlns:a16="http://schemas.microsoft.com/office/drawing/2014/main" xmlns="" val="20000"/>
+                      <a16:colId xmlns="" xmlns:a16="http://schemas.microsoft.com/office/drawing/2014/main" val="20000"/>
                     </a:ext>
                   </a:extLst>
                 </a:gridCol>
@@ -17757,7 +18549,7 @@
                 </a:tc>
                 <a:extLst>
                   <a:ext uri="{0D108BD9-81ED-4DB2-BD59-A6C34878D82A}">
-                    <a16:rowId xmlns:a16="http://schemas.microsoft.com/office/drawing/2014/main" xmlns="" val="10000"/>
+                    <a16:rowId xmlns="" xmlns:a16="http://schemas.microsoft.com/office/drawing/2014/main" val="10000"/>
                   </a:ext>
                 </a:extLst>
               </a:tr>
@@ -17849,7 +18641,7 @@
                 </a:tc>
                 <a:extLst>
                   <a:ext uri="{0D108BD9-81ED-4DB2-BD59-A6C34878D82A}">
-                    <a16:rowId xmlns:a16="http://schemas.microsoft.com/office/drawing/2014/main" xmlns="" val="10006"/>
+                    <a16:rowId xmlns="" xmlns:a16="http://schemas.microsoft.com/office/drawing/2014/main" val="10006"/>
                   </a:ext>
                 </a:extLst>
               </a:tr>
@@ -17935,7 +18727,7 @@
                 </a:tc>
                 <a:extLst>
                   <a:ext uri="{0D108BD9-81ED-4DB2-BD59-A6C34878D82A}">
-                    <a16:rowId xmlns:a16="http://schemas.microsoft.com/office/drawing/2014/main" xmlns="" val="2650464264"/>
+                    <a16:rowId xmlns="" xmlns:a16="http://schemas.microsoft.com/office/drawing/2014/main" val="2650464264"/>
                   </a:ext>
                 </a:extLst>
               </a:tr>
@@ -18018,7 +18810,7 @@
                 </a:tc>
                 <a:extLst>
                   <a:ext uri="{0D108BD9-81ED-4DB2-BD59-A6C34878D82A}">
-                    <a16:rowId xmlns:a16="http://schemas.microsoft.com/office/drawing/2014/main" xmlns="" val="1708595694"/>
+                    <a16:rowId xmlns="" xmlns:a16="http://schemas.microsoft.com/office/drawing/2014/main" val="1708595694"/>
                   </a:ext>
                 </a:extLst>
               </a:tr>
@@ -18135,7 +18927,7 @@
                 </a:tc>
                 <a:extLst>
                   <a:ext uri="{0D108BD9-81ED-4DB2-BD59-A6C34878D82A}">
-                    <a16:rowId xmlns:a16="http://schemas.microsoft.com/office/drawing/2014/main" xmlns="" val="10007"/>
+                    <a16:rowId xmlns="" xmlns:a16="http://schemas.microsoft.com/office/drawing/2014/main" val="10007"/>
                   </a:ext>
                 </a:extLst>
               </a:tr>

--- a/Forecasting.pptx
+++ b/Forecasting.pptx
@@ -5,15 +5,17 @@
     <p:sldMasterId id="2147483648" r:id="rId1"/>
   </p:sldMasterIdLst>
   <p:notesMasterIdLst>
-    <p:notesMasterId r:id="rId5"/>
+    <p:notesMasterId r:id="rId7"/>
   </p:notesMasterIdLst>
   <p:handoutMasterIdLst>
-    <p:handoutMasterId r:id="rId6"/>
+    <p:handoutMasterId r:id="rId8"/>
   </p:handoutMasterIdLst>
   <p:sldIdLst>
     <p:sldId id="256" r:id="rId2"/>
     <p:sldId id="257" r:id="rId3"/>
-    <p:sldId id="258" r:id="rId4"/>
+    <p:sldId id="259" r:id="rId4"/>
+    <p:sldId id="260" r:id="rId5"/>
+    <p:sldId id="258" r:id="rId6"/>
   </p:sldIdLst>
   <p:sldSz cx="13970000" cy="10795000"/>
   <p:notesSz cx="9931400" cy="14363700"/>
@@ -317,7 +319,7 @@
   </p:defaultTextStyle>
   <p:extLst>
     <p:ext uri="{EFAFB233-063F-42B5-8137-9DF3F51BA10A}">
-      <p15:sldGuideLst xmlns="" xmlns:p15="http://schemas.microsoft.com/office/powerpoint/2012/main">
+      <p15:sldGuideLst xmlns:p15="http://schemas.microsoft.com/office/powerpoint/2012/main" xmlns="">
         <p15:guide id="1" orient="horz" pos="3400">
           <p15:clr>
             <a:srgbClr val="A4A3A4"/>
@@ -427,7 +429,7 @@
           <a:p>
             <a:fld id="{37C50D7F-5172-434D-9E20-E71FDF806C79}" type="datetimeFigureOut">
               <a:rPr lang="en-GB" smtClean="0"/>
-              <a:t>06/09/2019</a:t>
+              <a:t>03/12/2019</a:t>
             </a:fld>
             <a:endParaRPr lang="en-GB"/>
           </a:p>
@@ -823,6 +825,128 @@
 </file>
 
 <file path=ppt/notesSlides/notesSlide3.xml><?xml version="1.0" encoding="utf-8"?>
+<p:notes xmlns:a="http://schemas.openxmlformats.org/drawingml/2006/main" xmlns:r="http://schemas.openxmlformats.org/officeDocument/2006/relationships" xmlns:p="http://schemas.openxmlformats.org/presentationml/2006/main">
+  <p:cSld>
+    <p:spTree>
+      <p:nvGrpSpPr>
+        <p:cNvPr id="1" name=""/>
+        <p:cNvGrpSpPr/>
+        <p:nvPr/>
+      </p:nvGrpSpPr>
+      <p:grpSpPr>
+        <a:xfrm>
+          <a:off x="0" y="0"/>
+          <a:ext cx="0" cy="0"/>
+          <a:chOff x="0" y="0"/>
+          <a:chExt cx="0" cy="0"/>
+        </a:xfrm>
+      </p:grpSpPr>
+      <p:sp>
+        <p:nvSpPr>
+          <p:cNvPr id="2" name="Slide Image Placeholder 1"/>
+          <p:cNvSpPr>
+            <a:spLocks noGrp="1" noRot="1" noChangeAspect="1"/>
+          </p:cNvSpPr>
+          <p:nvPr>
+            <p:ph type="sldImg"/>
+          </p:nvPr>
+        </p:nvSpPr>
+        <p:spPr/>
+      </p:sp>
+      <p:sp>
+        <p:nvSpPr>
+          <p:cNvPr id="3" name="Notes Placeholder 2"/>
+          <p:cNvSpPr>
+            <a:spLocks noGrp="1"/>
+          </p:cNvSpPr>
+          <p:nvPr>
+            <p:ph type="body" idx="1"/>
+          </p:nvPr>
+        </p:nvSpPr>
+        <p:spPr/>
+        <p:txBody>
+          <a:bodyPr/>
+          <a:lstStyle/>
+          <a:p>
+            <a:endParaRPr lang="en-GB" dirty="0"/>
+          </a:p>
+        </p:txBody>
+      </p:sp>
+    </p:spTree>
+    <p:extLst>
+      <p:ext uri="{BB962C8B-B14F-4D97-AF65-F5344CB8AC3E}">
+        <p14:creationId xmlns:p14="http://schemas.microsoft.com/office/powerpoint/2010/main" val="3933566834"/>
+      </p:ext>
+    </p:extLst>
+  </p:cSld>
+  <p:clrMapOvr>
+    <a:masterClrMapping/>
+  </p:clrMapOvr>
+</p:notes>
+</file>
+
+<file path=ppt/notesSlides/notesSlide4.xml><?xml version="1.0" encoding="utf-8"?>
+<p:notes xmlns:a="http://schemas.openxmlformats.org/drawingml/2006/main" xmlns:r="http://schemas.openxmlformats.org/officeDocument/2006/relationships" xmlns:p="http://schemas.openxmlformats.org/presentationml/2006/main">
+  <p:cSld>
+    <p:spTree>
+      <p:nvGrpSpPr>
+        <p:cNvPr id="1" name=""/>
+        <p:cNvGrpSpPr/>
+        <p:nvPr/>
+      </p:nvGrpSpPr>
+      <p:grpSpPr>
+        <a:xfrm>
+          <a:off x="0" y="0"/>
+          <a:ext cx="0" cy="0"/>
+          <a:chOff x="0" y="0"/>
+          <a:chExt cx="0" cy="0"/>
+        </a:xfrm>
+      </p:grpSpPr>
+      <p:sp>
+        <p:nvSpPr>
+          <p:cNvPr id="2" name="Slide Image Placeholder 1"/>
+          <p:cNvSpPr>
+            <a:spLocks noGrp="1" noRot="1" noChangeAspect="1"/>
+          </p:cNvSpPr>
+          <p:nvPr>
+            <p:ph type="sldImg"/>
+          </p:nvPr>
+        </p:nvSpPr>
+        <p:spPr/>
+      </p:sp>
+      <p:sp>
+        <p:nvSpPr>
+          <p:cNvPr id="3" name="Notes Placeholder 2"/>
+          <p:cNvSpPr>
+            <a:spLocks noGrp="1"/>
+          </p:cNvSpPr>
+          <p:nvPr>
+            <p:ph type="body" idx="1"/>
+          </p:nvPr>
+        </p:nvSpPr>
+        <p:spPr/>
+        <p:txBody>
+          <a:bodyPr/>
+          <a:lstStyle/>
+          <a:p>
+            <a:endParaRPr lang="en-GB" dirty="0"/>
+          </a:p>
+        </p:txBody>
+      </p:sp>
+    </p:spTree>
+    <p:extLst>
+      <p:ext uri="{BB962C8B-B14F-4D97-AF65-F5344CB8AC3E}">
+        <p14:creationId xmlns:p14="http://schemas.microsoft.com/office/powerpoint/2010/main" val="3933566834"/>
+      </p:ext>
+    </p:extLst>
+  </p:cSld>
+  <p:clrMapOvr>
+    <a:masterClrMapping/>
+  </p:clrMapOvr>
+</p:notes>
+</file>
+
+<file path=ppt/notesSlides/notesSlide5.xml><?xml version="1.0" encoding="utf-8"?>
 <p:notes xmlns:a="http://schemas.openxmlformats.org/drawingml/2006/main" xmlns:r="http://schemas.openxmlformats.org/officeDocument/2006/relationships" xmlns:p="http://schemas.openxmlformats.org/presentationml/2006/main">
   <p:cSld>
     <p:spTree>
@@ -2518,7 +2642,7 @@
           </a:ln>
           <a:extLst>
             <a:ext uri="{C572A759-6A51-4108-AA02-DFA0A04FC94B}">
-              <ma14:wrappingTextBoxFlag xmlns="" xmlns:m="http://schemas.openxmlformats.org/officeDocument/2006/math" xmlns:a14="http://schemas.microsoft.com/office/drawing/2010/main" xmlns:ma14="http://schemas.microsoft.com/office/mac/drawingml/2011/main" val="1"/>
+              <ma14:wrappingTextBoxFlag xmlns:ma14="http://schemas.microsoft.com/office/mac/drawingml/2011/main" xmlns:a14="http://schemas.microsoft.com/office/drawing/2010/main" xmlns:m="http://schemas.openxmlformats.org/officeDocument/2006/math" xmlns="" val="1"/>
             </a:ext>
           </a:extLst>
         </p:spPr>
@@ -2557,7 +2681,7 @@
           </a:ln>
           <a:extLst>
             <a:ext uri="{C572A759-6A51-4108-AA02-DFA0A04FC94B}">
-              <ma14:wrappingTextBoxFlag xmlns="" xmlns:m="http://schemas.openxmlformats.org/officeDocument/2006/math" xmlns:a14="http://schemas.microsoft.com/office/drawing/2010/main" xmlns:ma14="http://schemas.microsoft.com/office/mac/drawingml/2011/main" val="1"/>
+              <ma14:wrappingTextBoxFlag xmlns:ma14="http://schemas.microsoft.com/office/mac/drawingml/2011/main" xmlns:a14="http://schemas.microsoft.com/office/drawing/2010/main" xmlns:m="http://schemas.openxmlformats.org/officeDocument/2006/math" xmlns="" val="1"/>
             </a:ext>
           </a:extLst>
         </p:spPr>
@@ -3769,7 +3893,7 @@
                 <a:gridCol w="3825875">
                   <a:extLst>
                     <a:ext uri="{9D8B030D-6E8A-4147-A177-3AD203B41FA5}">
-                      <a16:colId xmlns="" xmlns:a16="http://schemas.microsoft.com/office/drawing/2014/main" val="20000"/>
+                      <a16:colId xmlns:a16="http://schemas.microsoft.com/office/drawing/2014/main" xmlns="" val="20000"/>
                     </a:ext>
                   </a:extLst>
                 </a:gridCol>
@@ -3842,7 +3966,7 @@
                 </a:tc>
                 <a:extLst>
                   <a:ext uri="{0D108BD9-81ED-4DB2-BD59-A6C34878D82A}">
-                    <a16:rowId xmlns="" xmlns:a16="http://schemas.microsoft.com/office/drawing/2014/main" val="10000"/>
+                    <a16:rowId xmlns:a16="http://schemas.microsoft.com/office/drawing/2014/main" xmlns="" val="10000"/>
                   </a:ext>
                 </a:extLst>
               </a:tr>
@@ -3959,7 +4083,7 @@
                 </a:tc>
                 <a:extLst>
                   <a:ext uri="{0D108BD9-81ED-4DB2-BD59-A6C34878D82A}">
-                    <a16:rowId xmlns="" xmlns:a16="http://schemas.microsoft.com/office/drawing/2014/main" val="10001"/>
+                    <a16:rowId xmlns:a16="http://schemas.microsoft.com/office/drawing/2014/main" xmlns="" val="10001"/>
                   </a:ext>
                 </a:extLst>
               </a:tr>
@@ -4030,7 +4154,7 @@
                 </a:tc>
                 <a:extLst>
                   <a:ext uri="{0D108BD9-81ED-4DB2-BD59-A6C34878D82A}">
-                    <a16:rowId xmlns="" xmlns:a16="http://schemas.microsoft.com/office/drawing/2014/main" val="10002"/>
+                    <a16:rowId xmlns:a16="http://schemas.microsoft.com/office/drawing/2014/main" xmlns="" val="10002"/>
                   </a:ext>
                 </a:extLst>
               </a:tr>
@@ -4117,7 +4241,7 @@
                 </a:tc>
                 <a:extLst>
                   <a:ext uri="{0D108BD9-81ED-4DB2-BD59-A6C34878D82A}">
-                    <a16:rowId xmlns="" xmlns:a16="http://schemas.microsoft.com/office/drawing/2014/main" val="10003"/>
+                    <a16:rowId xmlns:a16="http://schemas.microsoft.com/office/drawing/2014/main" xmlns="" val="10003"/>
                   </a:ext>
                 </a:extLst>
               </a:tr>
@@ -4188,7 +4312,7 @@
                 </a:tc>
                 <a:extLst>
                   <a:ext uri="{0D108BD9-81ED-4DB2-BD59-A6C34878D82A}">
-                    <a16:rowId xmlns="" xmlns:a16="http://schemas.microsoft.com/office/drawing/2014/main" val="10004"/>
+                    <a16:rowId xmlns:a16="http://schemas.microsoft.com/office/drawing/2014/main" xmlns="" val="10004"/>
                   </a:ext>
                 </a:extLst>
               </a:tr>
@@ -4265,7 +4389,7 @@
                 </a:tc>
                 <a:extLst>
                   <a:ext uri="{0D108BD9-81ED-4DB2-BD59-A6C34878D82A}">
-                    <a16:rowId xmlns="" xmlns:a16="http://schemas.microsoft.com/office/drawing/2014/main" val="10005"/>
+                    <a16:rowId xmlns:a16="http://schemas.microsoft.com/office/drawing/2014/main" xmlns="" val="10005"/>
                   </a:ext>
                 </a:extLst>
               </a:tr>
@@ -4366,7 +4490,7 @@
                 </a:tc>
                 <a:extLst>
                   <a:ext uri="{0D108BD9-81ED-4DB2-BD59-A6C34878D82A}">
-                    <a16:rowId xmlns="" xmlns:a16="http://schemas.microsoft.com/office/drawing/2014/main" val="10006"/>
+                    <a16:rowId xmlns:a16="http://schemas.microsoft.com/office/drawing/2014/main" xmlns="" val="10006"/>
                   </a:ext>
                 </a:extLst>
               </a:tr>
@@ -4402,7 +4526,7 @@
                 <a:gridCol w="3825875">
                   <a:extLst>
                     <a:ext uri="{9D8B030D-6E8A-4147-A177-3AD203B41FA5}">
-                      <a16:colId xmlns="" xmlns:a16="http://schemas.microsoft.com/office/drawing/2014/main" val="20000"/>
+                      <a16:colId xmlns:a16="http://schemas.microsoft.com/office/drawing/2014/main" xmlns="" val="20000"/>
                     </a:ext>
                   </a:extLst>
                 </a:gridCol>
@@ -4475,7 +4599,7 @@
                 </a:tc>
                 <a:extLst>
                   <a:ext uri="{0D108BD9-81ED-4DB2-BD59-A6C34878D82A}">
-                    <a16:rowId xmlns="" xmlns:a16="http://schemas.microsoft.com/office/drawing/2014/main" val="10000"/>
+                    <a16:rowId xmlns:a16="http://schemas.microsoft.com/office/drawing/2014/main" xmlns="" val="10000"/>
                   </a:ext>
                 </a:extLst>
               </a:tr>
@@ -4572,7 +4696,7 @@
                 </a:tc>
                 <a:extLst>
                   <a:ext uri="{0D108BD9-81ED-4DB2-BD59-A6C34878D82A}">
-                    <a16:rowId xmlns="" xmlns:a16="http://schemas.microsoft.com/office/drawing/2014/main" val="10001"/>
+                    <a16:rowId xmlns:a16="http://schemas.microsoft.com/office/drawing/2014/main" xmlns="" val="10001"/>
                   </a:ext>
                 </a:extLst>
               </a:tr>
@@ -4643,7 +4767,7 @@
                 </a:tc>
                 <a:extLst>
                   <a:ext uri="{0D108BD9-81ED-4DB2-BD59-A6C34878D82A}">
-                    <a16:rowId xmlns="" xmlns:a16="http://schemas.microsoft.com/office/drawing/2014/main" val="10002"/>
+                    <a16:rowId xmlns:a16="http://schemas.microsoft.com/office/drawing/2014/main" xmlns="" val="10002"/>
                   </a:ext>
                 </a:extLst>
               </a:tr>
@@ -4694,7 +4818,7 @@
                 </a:tc>
                 <a:extLst>
                   <a:ext uri="{0D108BD9-81ED-4DB2-BD59-A6C34878D82A}">
-                    <a16:rowId xmlns="" xmlns:a16="http://schemas.microsoft.com/office/drawing/2014/main" val="10003"/>
+                    <a16:rowId xmlns:a16="http://schemas.microsoft.com/office/drawing/2014/main" xmlns="" val="10003"/>
                   </a:ext>
                 </a:extLst>
               </a:tr>
@@ -4771,7 +4895,7 @@
                 </a:tc>
                 <a:extLst>
                   <a:ext uri="{0D108BD9-81ED-4DB2-BD59-A6C34878D82A}">
-                    <a16:rowId xmlns="" xmlns:a16="http://schemas.microsoft.com/office/drawing/2014/main" val="10004"/>
+                    <a16:rowId xmlns:a16="http://schemas.microsoft.com/office/drawing/2014/main" xmlns="" val="10004"/>
                   </a:ext>
                 </a:extLst>
               </a:tr>
@@ -4848,7 +4972,7 @@
                 </a:tc>
                 <a:extLst>
                   <a:ext uri="{0D108BD9-81ED-4DB2-BD59-A6C34878D82A}">
-                    <a16:rowId xmlns="" xmlns:a16="http://schemas.microsoft.com/office/drawing/2014/main" val="10005"/>
+                    <a16:rowId xmlns:a16="http://schemas.microsoft.com/office/drawing/2014/main" xmlns="" val="10005"/>
                   </a:ext>
                 </a:extLst>
               </a:tr>
@@ -4949,7 +5073,7 @@
                 </a:tc>
                 <a:extLst>
                   <a:ext uri="{0D108BD9-81ED-4DB2-BD59-A6C34878D82A}">
-                    <a16:rowId xmlns="" xmlns:a16="http://schemas.microsoft.com/office/drawing/2014/main" val="10006"/>
+                    <a16:rowId xmlns:a16="http://schemas.microsoft.com/office/drawing/2014/main" xmlns="" val="10006"/>
                   </a:ext>
                 </a:extLst>
               </a:tr>
@@ -5264,7 +5388,7 @@
                 <a:gridCol w="3825875">
                   <a:extLst>
                     <a:ext uri="{9D8B030D-6E8A-4147-A177-3AD203B41FA5}">
-                      <a16:colId xmlns="" xmlns:a16="http://schemas.microsoft.com/office/drawing/2014/main" val="20000"/>
+                      <a16:colId xmlns:a16="http://schemas.microsoft.com/office/drawing/2014/main" xmlns="" val="20000"/>
                     </a:ext>
                   </a:extLst>
                 </a:gridCol>
@@ -5337,7 +5461,7 @@
                 </a:tc>
                 <a:extLst>
                   <a:ext uri="{0D108BD9-81ED-4DB2-BD59-A6C34878D82A}">
-                    <a16:rowId xmlns="" xmlns:a16="http://schemas.microsoft.com/office/drawing/2014/main" val="10000"/>
+                    <a16:rowId xmlns:a16="http://schemas.microsoft.com/office/drawing/2014/main" xmlns="" val="10000"/>
                   </a:ext>
                 </a:extLst>
               </a:tr>
@@ -5425,7 +5549,7 @@
                 </a:tc>
                 <a:extLst>
                   <a:ext uri="{0D108BD9-81ED-4DB2-BD59-A6C34878D82A}">
-                    <a16:rowId xmlns="" xmlns:a16="http://schemas.microsoft.com/office/drawing/2014/main" val="10001"/>
+                    <a16:rowId xmlns:a16="http://schemas.microsoft.com/office/drawing/2014/main" xmlns="" val="10001"/>
                   </a:ext>
                 </a:extLst>
               </a:tr>
@@ -5461,7 +5585,7 @@
                 <a:gridCol w="3825875">
                   <a:extLst>
                     <a:ext uri="{9D8B030D-6E8A-4147-A177-3AD203B41FA5}">
-                      <a16:colId xmlns="" xmlns:a16="http://schemas.microsoft.com/office/drawing/2014/main" val="20000"/>
+                      <a16:colId xmlns:a16="http://schemas.microsoft.com/office/drawing/2014/main" xmlns="" val="20000"/>
                     </a:ext>
                   </a:extLst>
                 </a:gridCol>
@@ -5534,7 +5658,7 @@
                 </a:tc>
                 <a:extLst>
                   <a:ext uri="{0D108BD9-81ED-4DB2-BD59-A6C34878D82A}">
-                    <a16:rowId xmlns="" xmlns:a16="http://schemas.microsoft.com/office/drawing/2014/main" val="10000"/>
+                    <a16:rowId xmlns:a16="http://schemas.microsoft.com/office/drawing/2014/main" xmlns="" val="10000"/>
                   </a:ext>
                 </a:extLst>
               </a:tr>
@@ -5634,7 +5758,7 @@
                 </a:tc>
                 <a:extLst>
                   <a:ext uri="{0D108BD9-81ED-4DB2-BD59-A6C34878D82A}">
-                    <a16:rowId xmlns="" xmlns:a16="http://schemas.microsoft.com/office/drawing/2014/main" val="10001"/>
+                    <a16:rowId xmlns:a16="http://schemas.microsoft.com/office/drawing/2014/main" xmlns="" val="10001"/>
                   </a:ext>
                 </a:extLst>
               </a:tr>
@@ -5728,7 +5852,7 @@
                 </a:tc>
                 <a:extLst>
                   <a:ext uri="{0D108BD9-81ED-4DB2-BD59-A6C34878D82A}">
-                    <a16:rowId xmlns="" xmlns:a16="http://schemas.microsoft.com/office/drawing/2014/main" val="10002"/>
+                    <a16:rowId xmlns:a16="http://schemas.microsoft.com/office/drawing/2014/main" xmlns="" val="10002"/>
                   </a:ext>
                 </a:extLst>
               </a:tr>
@@ -5858,7 +5982,7 @@
                 </a:tc>
                 <a:extLst>
                   <a:ext uri="{0D108BD9-81ED-4DB2-BD59-A6C34878D82A}">
-                    <a16:rowId xmlns="" xmlns:a16="http://schemas.microsoft.com/office/drawing/2014/main" val="10003"/>
+                    <a16:rowId xmlns:a16="http://schemas.microsoft.com/office/drawing/2014/main" xmlns="" val="10003"/>
                   </a:ext>
                 </a:extLst>
               </a:tr>
@@ -5969,7 +6093,7 @@
                 </a:tc>
                 <a:extLst>
                   <a:ext uri="{0D108BD9-81ED-4DB2-BD59-A6C34878D82A}">
-                    <a16:rowId xmlns="" xmlns:a16="http://schemas.microsoft.com/office/drawing/2014/main" val="10006"/>
+                    <a16:rowId xmlns:a16="http://schemas.microsoft.com/office/drawing/2014/main" xmlns="" val="10006"/>
                   </a:ext>
                 </a:extLst>
               </a:tr>
@@ -6005,7 +6129,7 @@
                 <a:gridCol w="3825875">
                   <a:extLst>
                     <a:ext uri="{9D8B030D-6E8A-4147-A177-3AD203B41FA5}">
-                      <a16:colId xmlns="" xmlns:a16="http://schemas.microsoft.com/office/drawing/2014/main" val="20000"/>
+                      <a16:colId xmlns:a16="http://schemas.microsoft.com/office/drawing/2014/main" xmlns="" val="20000"/>
                     </a:ext>
                   </a:extLst>
                 </a:gridCol>
@@ -6078,7 +6202,7 @@
                 </a:tc>
                 <a:extLst>
                   <a:ext uri="{0D108BD9-81ED-4DB2-BD59-A6C34878D82A}">
-                    <a16:rowId xmlns="" xmlns:a16="http://schemas.microsoft.com/office/drawing/2014/main" val="10000"/>
+                    <a16:rowId xmlns:a16="http://schemas.microsoft.com/office/drawing/2014/main" xmlns="" val="10000"/>
                   </a:ext>
                 </a:extLst>
               </a:tr>
@@ -6179,7 +6303,7 @@
                 </a:tc>
                 <a:extLst>
                   <a:ext uri="{0D108BD9-81ED-4DB2-BD59-A6C34878D82A}">
-                    <a16:rowId xmlns="" xmlns:a16="http://schemas.microsoft.com/office/drawing/2014/main" val="10001"/>
+                    <a16:rowId xmlns:a16="http://schemas.microsoft.com/office/drawing/2014/main" xmlns="" val="10001"/>
                   </a:ext>
                 </a:extLst>
               </a:tr>
@@ -6263,7 +6387,7 @@
                 </a:tc>
                 <a:extLst>
                   <a:ext uri="{0D108BD9-81ED-4DB2-BD59-A6C34878D82A}">
-                    <a16:rowId xmlns="" xmlns:a16="http://schemas.microsoft.com/office/drawing/2014/main" val="10002"/>
+                    <a16:rowId xmlns:a16="http://schemas.microsoft.com/office/drawing/2014/main" xmlns="" val="10002"/>
                   </a:ext>
                 </a:extLst>
               </a:tr>
@@ -6350,7 +6474,7 @@
                 </a:tc>
                 <a:extLst>
                   <a:ext uri="{0D108BD9-81ED-4DB2-BD59-A6C34878D82A}">
-                    <a16:rowId xmlns="" xmlns:a16="http://schemas.microsoft.com/office/drawing/2014/main" val="10003"/>
+                    <a16:rowId xmlns:a16="http://schemas.microsoft.com/office/drawing/2014/main" xmlns="" val="10003"/>
                   </a:ext>
                 </a:extLst>
               </a:tr>
@@ -6495,7 +6619,7 @@
                 </a:tc>
                 <a:extLst>
                   <a:ext uri="{0D108BD9-81ED-4DB2-BD59-A6C34878D82A}">
-                    <a16:rowId xmlns="" xmlns:a16="http://schemas.microsoft.com/office/drawing/2014/main" val="10004"/>
+                    <a16:rowId xmlns:a16="http://schemas.microsoft.com/office/drawing/2014/main" xmlns="" val="10004"/>
                   </a:ext>
                 </a:extLst>
               </a:tr>
@@ -6606,7 +6730,7 @@
                 </a:tc>
                 <a:extLst>
                   <a:ext uri="{0D108BD9-81ED-4DB2-BD59-A6C34878D82A}">
-                    <a16:rowId xmlns="" xmlns:a16="http://schemas.microsoft.com/office/drawing/2014/main" val="10007"/>
+                    <a16:rowId xmlns:a16="http://schemas.microsoft.com/office/drawing/2014/main" xmlns="" val="10007"/>
                   </a:ext>
                 </a:extLst>
               </a:tr>
@@ -6642,7 +6766,7 @@
                 <a:gridCol w="3825875">
                   <a:extLst>
                     <a:ext uri="{9D8B030D-6E8A-4147-A177-3AD203B41FA5}">
-                      <a16:colId xmlns="" xmlns:a16="http://schemas.microsoft.com/office/drawing/2014/main" val="20000"/>
+                      <a16:colId xmlns:a16="http://schemas.microsoft.com/office/drawing/2014/main" xmlns="" val="20000"/>
                     </a:ext>
                   </a:extLst>
                 </a:gridCol>
@@ -6715,7 +6839,7 @@
                 </a:tc>
                 <a:extLst>
                   <a:ext uri="{0D108BD9-81ED-4DB2-BD59-A6C34878D82A}">
-                    <a16:rowId xmlns="" xmlns:a16="http://schemas.microsoft.com/office/drawing/2014/main" val="10000"/>
+                    <a16:rowId xmlns:a16="http://schemas.microsoft.com/office/drawing/2014/main" xmlns="" val="10000"/>
                   </a:ext>
                 </a:extLst>
               </a:tr>
@@ -6816,7 +6940,7 @@
                 </a:tc>
                 <a:extLst>
                   <a:ext uri="{0D108BD9-81ED-4DB2-BD59-A6C34878D82A}">
-                    <a16:rowId xmlns="" xmlns:a16="http://schemas.microsoft.com/office/drawing/2014/main" val="10001"/>
+                    <a16:rowId xmlns:a16="http://schemas.microsoft.com/office/drawing/2014/main" xmlns="" val="10001"/>
                   </a:ext>
                 </a:extLst>
               </a:tr>
@@ -6980,7 +7104,7 @@
                 </a:tc>
                 <a:extLst>
                   <a:ext uri="{0D108BD9-81ED-4DB2-BD59-A6C34878D82A}">
-                    <a16:rowId xmlns="" xmlns:a16="http://schemas.microsoft.com/office/drawing/2014/main" val="10002"/>
+                    <a16:rowId xmlns:a16="http://schemas.microsoft.com/office/drawing/2014/main" xmlns="" val="10002"/>
                   </a:ext>
                 </a:extLst>
               </a:tr>
@@ -7067,7 +7191,7 @@
                 </a:tc>
                 <a:extLst>
                   <a:ext uri="{0D108BD9-81ED-4DB2-BD59-A6C34878D82A}">
-                    <a16:rowId xmlns="" xmlns:a16="http://schemas.microsoft.com/office/drawing/2014/main" val="10003"/>
+                    <a16:rowId xmlns:a16="http://schemas.microsoft.com/office/drawing/2014/main" xmlns="" val="10003"/>
                   </a:ext>
                 </a:extLst>
               </a:tr>
@@ -7178,7 +7302,7 @@
                 </a:tc>
                 <a:extLst>
                   <a:ext uri="{0D108BD9-81ED-4DB2-BD59-A6C34878D82A}">
-                    <a16:rowId xmlns="" xmlns:a16="http://schemas.microsoft.com/office/drawing/2014/main" val="10007"/>
+                    <a16:rowId xmlns:a16="http://schemas.microsoft.com/office/drawing/2014/main" xmlns="" val="10007"/>
                   </a:ext>
                 </a:extLst>
               </a:tr>
@@ -7214,7 +7338,7 @@
                 <a:gridCol w="3825875">
                   <a:extLst>
                     <a:ext uri="{9D8B030D-6E8A-4147-A177-3AD203B41FA5}">
-                      <a16:colId xmlns="" xmlns:a16="http://schemas.microsoft.com/office/drawing/2014/main" val="20000"/>
+                      <a16:colId xmlns:a16="http://schemas.microsoft.com/office/drawing/2014/main" xmlns="" val="20000"/>
                     </a:ext>
                   </a:extLst>
                 </a:gridCol>
@@ -7287,7 +7411,7 @@
                 </a:tc>
                 <a:extLst>
                   <a:ext uri="{0D108BD9-81ED-4DB2-BD59-A6C34878D82A}">
-                    <a16:rowId xmlns="" xmlns:a16="http://schemas.microsoft.com/office/drawing/2014/main" val="10000"/>
+                    <a16:rowId xmlns:a16="http://schemas.microsoft.com/office/drawing/2014/main" xmlns="" val="10000"/>
                   </a:ext>
                 </a:extLst>
               </a:tr>
@@ -7390,7 +7514,7 @@
                 </a:tc>
                 <a:extLst>
                   <a:ext uri="{0D108BD9-81ED-4DB2-BD59-A6C34878D82A}">
-                    <a16:rowId xmlns="" xmlns:a16="http://schemas.microsoft.com/office/drawing/2014/main" val="10001"/>
+                    <a16:rowId xmlns:a16="http://schemas.microsoft.com/office/drawing/2014/main" xmlns="" val="10001"/>
                   </a:ext>
                 </a:extLst>
               </a:tr>
@@ -7476,7 +7600,7 @@
                 </a:tc>
                 <a:extLst>
                   <a:ext uri="{0D108BD9-81ED-4DB2-BD59-A6C34878D82A}">
-                    <a16:rowId xmlns="" xmlns:a16="http://schemas.microsoft.com/office/drawing/2014/main" val="10002"/>
+                    <a16:rowId xmlns:a16="http://schemas.microsoft.com/office/drawing/2014/main" xmlns="" val="10002"/>
                   </a:ext>
                 </a:extLst>
               </a:tr>
@@ -7569,7 +7693,7 @@
                 </a:tc>
                 <a:extLst>
                   <a:ext uri="{0D108BD9-81ED-4DB2-BD59-A6C34878D82A}">
-                    <a16:rowId xmlns="" xmlns:a16="http://schemas.microsoft.com/office/drawing/2014/main" val="10003"/>
+                    <a16:rowId xmlns:a16="http://schemas.microsoft.com/office/drawing/2014/main" xmlns="" val="10003"/>
                   </a:ext>
                 </a:extLst>
               </a:tr>
@@ -7686,7 +7810,7 @@
                 </a:tc>
                 <a:extLst>
                   <a:ext uri="{0D108BD9-81ED-4DB2-BD59-A6C34878D82A}">
-                    <a16:rowId xmlns="" xmlns:a16="http://schemas.microsoft.com/office/drawing/2014/main" val="10007"/>
+                    <a16:rowId xmlns:a16="http://schemas.microsoft.com/office/drawing/2014/main" xmlns="" val="10007"/>
                   </a:ext>
                 </a:extLst>
               </a:tr>
@@ -7722,7 +7846,7 @@
                 <a:gridCol w="3825875">
                   <a:extLst>
                     <a:ext uri="{9D8B030D-6E8A-4147-A177-3AD203B41FA5}">
-                      <a16:colId xmlns="" xmlns:a16="http://schemas.microsoft.com/office/drawing/2014/main" val="20000"/>
+                      <a16:colId xmlns:a16="http://schemas.microsoft.com/office/drawing/2014/main" xmlns="" val="20000"/>
                     </a:ext>
                   </a:extLst>
                 </a:gridCol>
@@ -7795,7 +7919,7 @@
                 </a:tc>
                 <a:extLst>
                   <a:ext uri="{0D108BD9-81ED-4DB2-BD59-A6C34878D82A}">
-                    <a16:rowId xmlns="" xmlns:a16="http://schemas.microsoft.com/office/drawing/2014/main" val="10000"/>
+                    <a16:rowId xmlns:a16="http://schemas.microsoft.com/office/drawing/2014/main" xmlns="" val="10000"/>
                   </a:ext>
                 </a:extLst>
               </a:tr>
@@ -7898,7 +8022,7 @@
                 </a:tc>
                 <a:extLst>
                   <a:ext uri="{0D108BD9-81ED-4DB2-BD59-A6C34878D82A}">
-                    <a16:rowId xmlns="" xmlns:a16="http://schemas.microsoft.com/office/drawing/2014/main" val="10001"/>
+                    <a16:rowId xmlns:a16="http://schemas.microsoft.com/office/drawing/2014/main" xmlns="" val="10001"/>
                   </a:ext>
                 </a:extLst>
               </a:tr>
@@ -7984,7 +8108,7 @@
                 </a:tc>
                 <a:extLst>
                   <a:ext uri="{0D108BD9-81ED-4DB2-BD59-A6C34878D82A}">
-                    <a16:rowId xmlns="" xmlns:a16="http://schemas.microsoft.com/office/drawing/2014/main" val="10002"/>
+                    <a16:rowId xmlns:a16="http://schemas.microsoft.com/office/drawing/2014/main" xmlns="" val="10002"/>
                   </a:ext>
                 </a:extLst>
               </a:tr>
@@ -8077,7 +8201,7 @@
                 </a:tc>
                 <a:extLst>
                   <a:ext uri="{0D108BD9-81ED-4DB2-BD59-A6C34878D82A}">
-                    <a16:rowId xmlns="" xmlns:a16="http://schemas.microsoft.com/office/drawing/2014/main" val="10003"/>
+                    <a16:rowId xmlns:a16="http://schemas.microsoft.com/office/drawing/2014/main" xmlns="" val="10003"/>
                   </a:ext>
                 </a:extLst>
               </a:tr>
@@ -8170,7 +8294,7 @@
                 </a:tc>
                 <a:extLst>
                   <a:ext uri="{0D108BD9-81ED-4DB2-BD59-A6C34878D82A}">
-                    <a16:rowId xmlns="" xmlns:a16="http://schemas.microsoft.com/office/drawing/2014/main" val="10004"/>
+                    <a16:rowId xmlns:a16="http://schemas.microsoft.com/office/drawing/2014/main" xmlns="" val="10004"/>
                   </a:ext>
                 </a:extLst>
               </a:tr>
@@ -8267,7 +8391,7 @@
                 </a:tc>
                 <a:extLst>
                   <a:ext uri="{0D108BD9-81ED-4DB2-BD59-A6C34878D82A}">
-                    <a16:rowId xmlns="" xmlns:a16="http://schemas.microsoft.com/office/drawing/2014/main" val="10005"/>
+                    <a16:rowId xmlns:a16="http://schemas.microsoft.com/office/drawing/2014/main" xmlns="" val="10005"/>
                   </a:ext>
                 </a:extLst>
               </a:tr>
@@ -8353,7 +8477,7 @@
                 </a:tc>
                 <a:extLst>
                   <a:ext uri="{0D108BD9-81ED-4DB2-BD59-A6C34878D82A}">
-                    <a16:rowId xmlns="" xmlns:a16="http://schemas.microsoft.com/office/drawing/2014/main" val="10006"/>
+                    <a16:rowId xmlns:a16="http://schemas.microsoft.com/office/drawing/2014/main" xmlns="" val="10006"/>
                   </a:ext>
                 </a:extLst>
               </a:tr>
@@ -8486,7 +8610,7 @@
                 </a:tc>
                 <a:extLst>
                   <a:ext uri="{0D108BD9-81ED-4DB2-BD59-A6C34878D82A}">
-                    <a16:rowId xmlns="" xmlns:a16="http://schemas.microsoft.com/office/drawing/2014/main" val="10007"/>
+                    <a16:rowId xmlns:a16="http://schemas.microsoft.com/office/drawing/2014/main" xmlns="" val="10007"/>
                   </a:ext>
                 </a:extLst>
               </a:tr>
@@ -8522,7 +8646,7 @@
                 <a:gridCol w="3894455">
                   <a:extLst>
                     <a:ext uri="{9D8B030D-6E8A-4147-A177-3AD203B41FA5}">
-                      <a16:colId xmlns="" xmlns:a16="http://schemas.microsoft.com/office/drawing/2014/main" val="20000"/>
+                      <a16:colId xmlns:a16="http://schemas.microsoft.com/office/drawing/2014/main" xmlns="" val="20000"/>
                     </a:ext>
                   </a:extLst>
                 </a:gridCol>
@@ -8602,7 +8726,7 @@
                 </a:tc>
                 <a:extLst>
                   <a:ext uri="{0D108BD9-81ED-4DB2-BD59-A6C34878D82A}">
-                    <a16:rowId xmlns="" xmlns:a16="http://schemas.microsoft.com/office/drawing/2014/main" val="10000"/>
+                    <a16:rowId xmlns:a16="http://schemas.microsoft.com/office/drawing/2014/main" xmlns="" val="10000"/>
                   </a:ext>
                 </a:extLst>
               </a:tr>
@@ -8695,7 +8819,7 @@
                 </a:tc>
                 <a:extLst>
                   <a:ext uri="{0D108BD9-81ED-4DB2-BD59-A6C34878D82A}">
-                    <a16:rowId xmlns="" xmlns:a16="http://schemas.microsoft.com/office/drawing/2014/main" val="10001"/>
+                    <a16:rowId xmlns:a16="http://schemas.microsoft.com/office/drawing/2014/main" xmlns="" val="10001"/>
                   </a:ext>
                 </a:extLst>
               </a:tr>
@@ -9101,7 +9225,7 @@
                 </a:tc>
                 <a:extLst>
                   <a:ext uri="{0D108BD9-81ED-4DB2-BD59-A6C34878D82A}">
-                    <a16:rowId xmlns="" xmlns:a16="http://schemas.microsoft.com/office/drawing/2014/main" val="10002"/>
+                    <a16:rowId xmlns:a16="http://schemas.microsoft.com/office/drawing/2014/main" xmlns="" val="10002"/>
                   </a:ext>
                 </a:extLst>
               </a:tr>
@@ -9194,7 +9318,7 @@
                 </a:tc>
                 <a:extLst>
                   <a:ext uri="{0D108BD9-81ED-4DB2-BD59-A6C34878D82A}">
-                    <a16:rowId xmlns="" xmlns:a16="http://schemas.microsoft.com/office/drawing/2014/main" val="10003"/>
+                    <a16:rowId xmlns:a16="http://schemas.microsoft.com/office/drawing/2014/main" xmlns="" val="10003"/>
                   </a:ext>
                 </a:extLst>
               </a:tr>
@@ -9327,7 +9451,7 @@
                 </a:tc>
                 <a:extLst>
                   <a:ext uri="{0D108BD9-81ED-4DB2-BD59-A6C34878D82A}">
-                    <a16:rowId xmlns="" xmlns:a16="http://schemas.microsoft.com/office/drawing/2014/main" val="10007"/>
+                    <a16:rowId xmlns:a16="http://schemas.microsoft.com/office/drawing/2014/main" xmlns="" val="10007"/>
                   </a:ext>
                 </a:extLst>
               </a:tr>
@@ -9363,7 +9487,7 @@
                 <a:gridCol w="3894455">
                   <a:extLst>
                     <a:ext uri="{9D8B030D-6E8A-4147-A177-3AD203B41FA5}">
-                      <a16:colId xmlns="" xmlns:a16="http://schemas.microsoft.com/office/drawing/2014/main" val="20000"/>
+                      <a16:colId xmlns:a16="http://schemas.microsoft.com/office/drawing/2014/main" xmlns="" val="20000"/>
                     </a:ext>
                   </a:extLst>
                 </a:gridCol>
@@ -9443,7 +9567,7 @@
                 </a:tc>
                 <a:extLst>
                   <a:ext uri="{0D108BD9-81ED-4DB2-BD59-A6C34878D82A}">
-                    <a16:rowId xmlns="" xmlns:a16="http://schemas.microsoft.com/office/drawing/2014/main" val="10000"/>
+                    <a16:rowId xmlns:a16="http://schemas.microsoft.com/office/drawing/2014/main" xmlns="" val="10000"/>
                   </a:ext>
                 </a:extLst>
               </a:tr>
@@ -9566,7 +9690,7 @@
                 </a:tc>
                 <a:extLst>
                   <a:ext uri="{0D108BD9-81ED-4DB2-BD59-A6C34878D82A}">
-                    <a16:rowId xmlns="" xmlns:a16="http://schemas.microsoft.com/office/drawing/2014/main" val="10001"/>
+                    <a16:rowId xmlns:a16="http://schemas.microsoft.com/office/drawing/2014/main" xmlns="" val="10001"/>
                   </a:ext>
                 </a:extLst>
               </a:tr>
@@ -9937,7 +10061,7 @@
                 </a:tc>
                 <a:extLst>
                   <a:ext uri="{0D108BD9-81ED-4DB2-BD59-A6C34878D82A}">
-                    <a16:rowId xmlns="" xmlns:a16="http://schemas.microsoft.com/office/drawing/2014/main" val="10007"/>
+                    <a16:rowId xmlns:a16="http://schemas.microsoft.com/office/drawing/2014/main" xmlns="" val="10007"/>
                   </a:ext>
                 </a:extLst>
               </a:tr>
@@ -9973,7 +10097,7 @@
                 <a:gridCol w="3894455">
                   <a:extLst>
                     <a:ext uri="{9D8B030D-6E8A-4147-A177-3AD203B41FA5}">
-                      <a16:colId xmlns="" xmlns:a16="http://schemas.microsoft.com/office/drawing/2014/main" val="20000"/>
+                      <a16:colId xmlns:a16="http://schemas.microsoft.com/office/drawing/2014/main" xmlns="" val="20000"/>
                     </a:ext>
                   </a:extLst>
                 </a:gridCol>
@@ -10053,7 +10177,7 @@
                 </a:tc>
                 <a:extLst>
                   <a:ext uri="{0D108BD9-81ED-4DB2-BD59-A6C34878D82A}">
-                    <a16:rowId xmlns="" xmlns:a16="http://schemas.microsoft.com/office/drawing/2014/main" val="10000"/>
+                    <a16:rowId xmlns:a16="http://schemas.microsoft.com/office/drawing/2014/main" xmlns="" val="10000"/>
                   </a:ext>
                 </a:extLst>
               </a:tr>
@@ -10156,7 +10280,7 @@
                 </a:tc>
                 <a:extLst>
                   <a:ext uri="{0D108BD9-81ED-4DB2-BD59-A6C34878D82A}">
-                    <a16:rowId xmlns="" xmlns:a16="http://schemas.microsoft.com/office/drawing/2014/main" val="10001"/>
+                    <a16:rowId xmlns:a16="http://schemas.microsoft.com/office/drawing/2014/main" xmlns="" val="10001"/>
                   </a:ext>
                 </a:extLst>
               </a:tr>
@@ -10289,7 +10413,7 @@
                 </a:tc>
                 <a:extLst>
                   <a:ext uri="{0D108BD9-81ED-4DB2-BD59-A6C34878D82A}">
-                    <a16:rowId xmlns="" xmlns:a16="http://schemas.microsoft.com/office/drawing/2014/main" val="10007"/>
+                    <a16:rowId xmlns:a16="http://schemas.microsoft.com/office/drawing/2014/main" xmlns="" val="10007"/>
                   </a:ext>
                 </a:extLst>
               </a:tr>
@@ -10325,7 +10449,7 @@
                 <a:gridCol w="3825875">
                   <a:extLst>
                     <a:ext uri="{9D8B030D-6E8A-4147-A177-3AD203B41FA5}">
-                      <a16:colId xmlns="" xmlns:a16="http://schemas.microsoft.com/office/drawing/2014/main" val="20000"/>
+                      <a16:colId xmlns:a16="http://schemas.microsoft.com/office/drawing/2014/main" xmlns="" val="20000"/>
                     </a:ext>
                   </a:extLst>
                 </a:gridCol>
@@ -10405,7 +10529,7 @@
                 </a:tc>
                 <a:extLst>
                   <a:ext uri="{0D108BD9-81ED-4DB2-BD59-A6C34878D82A}">
-                    <a16:rowId xmlns="" xmlns:a16="http://schemas.microsoft.com/office/drawing/2014/main" val="10000"/>
+                    <a16:rowId xmlns:a16="http://schemas.microsoft.com/office/drawing/2014/main" xmlns="" val="10000"/>
                   </a:ext>
                 </a:extLst>
               </a:tr>
@@ -10653,7 +10777,7 @@
                 </a:tc>
                 <a:extLst>
                   <a:ext uri="{0D108BD9-81ED-4DB2-BD59-A6C34878D82A}">
-                    <a16:rowId xmlns="" xmlns:a16="http://schemas.microsoft.com/office/drawing/2014/main" val="10001"/>
+                    <a16:rowId xmlns:a16="http://schemas.microsoft.com/office/drawing/2014/main" xmlns="" val="10001"/>
                   </a:ext>
                 </a:extLst>
               </a:tr>
@@ -10854,7 +10978,7 @@
                 </a:tc>
                 <a:extLst>
                   <a:ext uri="{0D108BD9-81ED-4DB2-BD59-A6C34878D82A}">
-                    <a16:rowId xmlns="" xmlns:a16="http://schemas.microsoft.com/office/drawing/2014/main" val="10002"/>
+                    <a16:rowId xmlns:a16="http://schemas.microsoft.com/office/drawing/2014/main" xmlns="" val="10002"/>
                   </a:ext>
                 </a:extLst>
               </a:tr>
@@ -11016,7 +11140,7 @@
                 </a:tc>
                 <a:extLst>
                   <a:ext uri="{0D108BD9-81ED-4DB2-BD59-A6C34878D82A}">
-                    <a16:rowId xmlns="" xmlns:a16="http://schemas.microsoft.com/office/drawing/2014/main" val="10003"/>
+                    <a16:rowId xmlns:a16="http://schemas.microsoft.com/office/drawing/2014/main" xmlns="" val="10003"/>
                   </a:ext>
                 </a:extLst>
               </a:tr>
@@ -11592,7 +11716,7 @@
                 </a:tc>
                 <a:extLst>
                   <a:ext uri="{0D108BD9-81ED-4DB2-BD59-A6C34878D82A}">
-                    <a16:rowId xmlns="" xmlns:a16="http://schemas.microsoft.com/office/drawing/2014/main" val="10007"/>
+                    <a16:rowId xmlns:a16="http://schemas.microsoft.com/office/drawing/2014/main" xmlns="" val="10007"/>
                   </a:ext>
                 </a:extLst>
               </a:tr>
@@ -11615,6 +11739,6063 @@
 </file>
 
 <file path=ppt/slides/slide3.xml><?xml version="1.0" encoding="utf-8"?>
+<p:sld xmlns:a="http://schemas.openxmlformats.org/drawingml/2006/main" xmlns:r="http://schemas.openxmlformats.org/officeDocument/2006/relationships" xmlns:p="http://schemas.openxmlformats.org/presentationml/2006/main">
+  <p:cSld>
+    <p:spTree>
+      <p:nvGrpSpPr>
+        <p:cNvPr id="1" name=""/>
+        <p:cNvGrpSpPr/>
+        <p:nvPr/>
+      </p:nvGrpSpPr>
+      <p:grpSpPr>
+        <a:xfrm>
+          <a:off x="0" y="0"/>
+          <a:ext cx="0" cy="0"/>
+          <a:chOff x="0" y="0"/>
+          <a:chExt cx="0" cy="0"/>
+        </a:xfrm>
+      </p:grpSpPr>
+      <p:sp>
+        <p:nvSpPr>
+          <p:cNvPr id="792" name="Rectangle 791"/>
+          <p:cNvSpPr/>
+          <p:nvPr/>
+        </p:nvSpPr>
+        <p:spPr>
+          <a:xfrm>
+            <a:off x="288925" y="414064"/>
+            <a:ext cx="11033023" cy="319177"/>
+          </a:xfrm>
+          <a:prstGeom prst="rect">
+            <a:avLst/>
+          </a:prstGeom>
+          <a:noFill/>
+          <a:ln w="0">
+            <a:noFill/>
+          </a:ln>
+          <a:effectLst>
+            <a:outerShdw dir="5400000" sx="1000" sy="1000" algn="ctr" rotWithShape="0">
+              <a:schemeClr val="bg1"/>
+            </a:outerShdw>
+          </a:effectLst>
+        </p:spPr>
+        <p:style>
+          <a:lnRef idx="2">
+            <a:schemeClr val="dk1"/>
+          </a:lnRef>
+          <a:fillRef idx="1">
+            <a:schemeClr val="lt1"/>
+          </a:fillRef>
+          <a:effectRef idx="0">
+            <a:schemeClr val="dk1"/>
+          </a:effectRef>
+          <a:fontRef idx="minor">
+            <a:schemeClr val="dk1"/>
+          </a:fontRef>
+        </p:style>
+        <p:txBody>
+          <a:bodyPr rot="0" spcFirstLastPara="1" vertOverflow="overflow" horzOverflow="overflow" vert="horz" wrap="square" lIns="36000" tIns="36000" rIns="36000" bIns="36000" numCol="1" spcCol="38100" rtlCol="0" anchor="t" anchorCtr="0">
+            <a:noAutofit/>
+          </a:bodyPr>
+          <a:lstStyle/>
+          <a:p>
+            <a:pPr marL="0" marR="0" indent="0" algn="l" defTabSz="584200" rtl="0" fontAlgn="auto" latinLnBrk="0" hangingPunct="0">
+              <a:lnSpc>
+                <a:spcPts val="1500"/>
+              </a:lnSpc>
+              <a:spcBef>
+                <a:spcPts val="0"/>
+              </a:spcBef>
+              <a:spcAft>
+                <a:spcPts val="0"/>
+              </a:spcAft>
+              <a:buClrTx/>
+              <a:buSzTx/>
+              <a:buFontTx/>
+              <a:buNone/>
+              <a:tabLst/>
+            </a:pPr>
+            <a:r>
+              <a:rPr kumimoji="0" lang="en-GB" sz="3600" b="0" i="0" u="none" strike="noStrike" cap="none" spc="0" normalizeH="0" baseline="0">
+                <a:ln>
+                  <a:noFill/>
+                </a:ln>
+                <a:solidFill>
+                  <a:srgbClr val="000000"/>
+                </a:solidFill>
+                <a:effectLst/>
+                <a:uFillTx/>
+                <a:latin typeface="Segoe UI" pitchFamily="34" charset="0"/>
+                <a:ea typeface="Verdana" pitchFamily="34" charset="0"/>
+                <a:cs typeface="Segoe UI" pitchFamily="34" charset="0"/>
+                <a:sym typeface="Source Sans Pro"/>
+              </a:rPr>
+              <a:t>Forecasting</a:t>
+            </a:r>
+          </a:p>
+        </p:txBody>
+      </p:sp>
+      <p:sp>
+        <p:nvSpPr>
+          <p:cNvPr id="793" name="Rectangle 792"/>
+          <p:cNvSpPr/>
+          <p:nvPr/>
+        </p:nvSpPr>
+        <p:spPr>
+          <a:xfrm>
+            <a:off x="272456" y="781918"/>
+            <a:ext cx="5532980" cy="234082"/>
+          </a:xfrm>
+          <a:prstGeom prst="rect">
+            <a:avLst/>
+          </a:prstGeom>
+          <a:noFill/>
+          <a:ln w="0">
+            <a:noFill/>
+          </a:ln>
+          <a:effectLst>
+            <a:outerShdw dir="5400000" sx="1000" sy="1000" algn="ctr" rotWithShape="0">
+              <a:schemeClr val="bg1"/>
+            </a:outerShdw>
+          </a:effectLst>
+        </p:spPr>
+        <p:style>
+          <a:lnRef idx="2">
+            <a:schemeClr val="dk1"/>
+          </a:lnRef>
+          <a:fillRef idx="1">
+            <a:schemeClr val="lt1"/>
+          </a:fillRef>
+          <a:effectRef idx="0">
+            <a:schemeClr val="dk1"/>
+          </a:effectRef>
+          <a:fontRef idx="minor">
+            <a:schemeClr val="dk1"/>
+          </a:fontRef>
+        </p:style>
+        <p:txBody>
+          <a:bodyPr rot="0" spcFirstLastPara="1" vertOverflow="overflow" horzOverflow="overflow" vert="horz" wrap="square" lIns="36000" tIns="36000" rIns="36000" bIns="36000" numCol="1" spcCol="38100" rtlCol="0" anchor="t" anchorCtr="0">
+            <a:noAutofit/>
+          </a:bodyPr>
+          <a:lstStyle/>
+          <a:p>
+            <a:pPr marL="0" marR="0" indent="0" algn="l" defTabSz="584200" rtl="0" fontAlgn="auto" latinLnBrk="0" hangingPunct="0">
+              <a:lnSpc>
+                <a:spcPts val="1500"/>
+              </a:lnSpc>
+              <a:spcBef>
+                <a:spcPts val="0"/>
+              </a:spcBef>
+              <a:spcAft>
+                <a:spcPts val="0"/>
+              </a:spcAft>
+              <a:buClrTx/>
+              <a:buSzTx/>
+              <a:buFontTx/>
+              <a:buNone/>
+              <a:tabLst/>
+            </a:pPr>
+            <a:r>
+              <a:rPr lang="en-GB" sz="1000" b="0">
+                <a:solidFill>
+                  <a:srgbClr val="000000"/>
+                </a:solidFill>
+                <a:latin typeface="Segoe UI" pitchFamily="34" charset="0"/>
+                <a:ea typeface="Verdana" pitchFamily="34" charset="0"/>
+                <a:cs typeface="Segoe UI" pitchFamily="34" charset="0"/>
+              </a:rPr>
+              <a:t>Excel &gt; Data &gt; </a:t>
+            </a:r>
+            <a:r>
+              <a:rPr kumimoji="0" lang="en-GB" sz="1000" b="0" i="0" u="none" strike="noStrike" cap="none" spc="0" normalizeH="0" baseline="0">
+                <a:ln>
+                  <a:noFill/>
+                </a:ln>
+                <a:solidFill>
+                  <a:srgbClr val="000000"/>
+                </a:solidFill>
+                <a:effectLst/>
+                <a:uFillTx/>
+                <a:latin typeface="Segoe UI" pitchFamily="34" charset="0"/>
+                <a:ea typeface="Verdana" pitchFamily="34" charset="0"/>
+                <a:cs typeface="Segoe UI" pitchFamily="34" charset="0"/>
+                <a:sym typeface="Source Sans Pro"/>
+              </a:rPr>
+              <a:t>From Other Sources &gt; </a:t>
+            </a:r>
+            <a:r>
+              <a:rPr lang="en-GB" sz="1000" b="0">
+                <a:solidFill>
+                  <a:srgbClr val="000000"/>
+                </a:solidFill>
+                <a:latin typeface="Segoe UI" pitchFamily="34" charset="0"/>
+                <a:ea typeface="Verdana" pitchFamily="34" charset="0"/>
+                <a:cs typeface="Segoe UI" pitchFamily="34" charset="0"/>
+              </a:rPr>
+              <a:t>From Analysis Services &gt; Server name: </a:t>
+            </a:r>
+            <a:r>
+              <a:rPr lang="en-GB" sz="1000" b="0" i="1" u="sng">
+                <a:solidFill>
+                  <a:srgbClr val="000000"/>
+                </a:solidFill>
+                <a:latin typeface="Segoe UI" pitchFamily="34" charset="0"/>
+                <a:ea typeface="Verdana" pitchFamily="34" charset="0"/>
+                <a:cs typeface="Segoe UI" pitchFamily="34" charset="0"/>
+              </a:rPr>
+              <a:t>SSAS</a:t>
+            </a:r>
+            <a:r>
+              <a:rPr lang="en-GB" sz="1000" b="0">
+                <a:solidFill>
+                  <a:srgbClr val="000000"/>
+                </a:solidFill>
+                <a:latin typeface="Segoe UI" pitchFamily="34" charset="0"/>
+                <a:ea typeface="Verdana" pitchFamily="34" charset="0"/>
+                <a:cs typeface="Segoe UI" pitchFamily="34" charset="0"/>
+              </a:rPr>
+              <a:t> &gt; </a:t>
+            </a:r>
+            <a:r>
+              <a:rPr lang="en-GB" sz="1000" b="0" i="1" u="sng">
+                <a:solidFill>
+                  <a:srgbClr val="000000"/>
+                </a:solidFill>
+                <a:latin typeface="Segoe UI" pitchFamily="34" charset="0"/>
+                <a:ea typeface="Verdana" pitchFamily="34" charset="0"/>
+                <a:cs typeface="Segoe UI" pitchFamily="34" charset="0"/>
+              </a:rPr>
+              <a:t>ProductCube</a:t>
+            </a:r>
+          </a:p>
+        </p:txBody>
+      </p:sp>
+      <p:cxnSp>
+        <p:nvCxnSpPr>
+          <p:cNvPr id="5" name="Straight Connector 4"/>
+          <p:cNvCxnSpPr/>
+          <p:nvPr/>
+        </p:nvCxnSpPr>
+        <p:spPr>
+          <a:xfrm>
+            <a:off x="280492" y="767751"/>
+            <a:ext cx="13456701" cy="0"/>
+          </a:xfrm>
+          <a:prstGeom prst="line">
+            <a:avLst/>
+          </a:prstGeom>
+          <a:noFill/>
+          <a:ln w="12700" cap="flat">
+            <a:solidFill>
+              <a:srgbClr val="24292E"/>
+            </a:solidFill>
+            <a:prstDash val="solid"/>
+            <a:miter lim="400000"/>
+          </a:ln>
+          <a:effectLst/>
+          <a:sp3d/>
+        </p:spPr>
+        <p:style>
+          <a:lnRef idx="0">
+            <a:scrgbClr r="0" g="0" b="0"/>
+          </a:lnRef>
+          <a:fillRef idx="0">
+            <a:scrgbClr r="0" g="0" b="0"/>
+          </a:fillRef>
+          <a:effectRef idx="0">
+            <a:scrgbClr r="0" g="0" b="0"/>
+          </a:effectRef>
+          <a:fontRef idx="none"/>
+        </p:style>
+      </p:cxnSp>
+      <p:graphicFrame>
+        <p:nvGraphicFramePr>
+          <p:cNvPr id="26" name="Table 25"/>
+          <p:cNvGraphicFramePr>
+            <a:graphicFrameLocks noGrp="1"/>
+          </p:cNvGraphicFramePr>
+          <p:nvPr>
+            <p:extLst>
+              <p:ext uri="{D42A27DB-BD31-4B8C-83A1-F6EECF244321}">
+                <p14:modId xmlns:p14="http://schemas.microsoft.com/office/powerpoint/2010/main" val="1421917498"/>
+              </p:ext>
+            </p:extLst>
+          </p:nvPr>
+        </p:nvGraphicFramePr>
+        <p:xfrm>
+          <a:off x="9911318" y="10033081"/>
+          <a:ext cx="3825875" cy="520700"/>
+        </p:xfrm>
+        <a:graphic>
+          <a:graphicData uri="http://schemas.openxmlformats.org/drawingml/2006/table">
+            <a:tbl>
+              <a:tblPr firstRow="1" bandRow="1">
+                <a:tableStyleId>{5940675A-B579-460E-94D1-54222C63F5DA}</a:tableStyleId>
+              </a:tblPr>
+              <a:tblGrid>
+                <a:gridCol w="3825875">
+                  <a:extLst>
+                    <a:ext uri="{9D8B030D-6E8A-4147-A177-3AD203B41FA5}">
+                      <a16:colId xmlns:a16="http://schemas.microsoft.com/office/drawing/2014/main" xmlns="" val="20000"/>
+                    </a:ext>
+                  </a:extLst>
+                </a:gridCol>
+              </a:tblGrid>
+              <a:tr h="260350">
+                <a:tc>
+                  <a:txBody>
+                    <a:bodyPr/>
+                    <a:lstStyle/>
+                    <a:p>
+                      <a:pPr algn="l"/>
+                      <a:r>
+                        <a:rPr lang="en-GB" sz="1000" b="1" baseline="0">
+                          <a:solidFill>
+                            <a:srgbClr val="000000"/>
+                          </a:solidFill>
+                          <a:latin typeface="Segoe UI" pitchFamily="34" charset="0"/>
+                          <a:cs typeface="Segoe UI" pitchFamily="34" charset="0"/>
+                        </a:rPr>
+                        <a:t>Source</a:t>
+                      </a:r>
+                    </a:p>
+                  </a:txBody>
+                  <a:tcPr>
+                    <a:lnL w="6350" cap="flat" cmpd="sng" algn="ctr">
+                      <a:solidFill>
+                        <a:srgbClr val="000000"/>
+                      </a:solidFill>
+                      <a:prstDash val="solid"/>
+                      <a:round/>
+                      <a:headEnd type="none" w="med" len="med"/>
+                      <a:tailEnd type="none" w="med" len="med"/>
+                    </a:lnL>
+                    <a:lnR w="6350" cap="flat" cmpd="sng" algn="ctr">
+                      <a:solidFill>
+                        <a:srgbClr val="000000"/>
+                      </a:solidFill>
+                      <a:prstDash val="solid"/>
+                      <a:round/>
+                      <a:headEnd type="none" w="med" len="med"/>
+                      <a:tailEnd type="none" w="med" len="med"/>
+                    </a:lnR>
+                    <a:lnT w="6350" cap="flat" cmpd="sng" algn="ctr">
+                      <a:solidFill>
+                        <a:srgbClr val="000000"/>
+                      </a:solidFill>
+                      <a:prstDash val="solid"/>
+                      <a:round/>
+                      <a:headEnd type="none" w="med" len="med"/>
+                      <a:tailEnd type="none" w="med" len="med"/>
+                    </a:lnT>
+                    <a:lnB w="6350" cap="flat" cmpd="sng" algn="ctr">
+                      <a:solidFill>
+                        <a:srgbClr val="000000"/>
+                      </a:solidFill>
+                      <a:prstDash val="solid"/>
+                      <a:round/>
+                      <a:headEnd type="none" w="med" len="med"/>
+                      <a:tailEnd type="none" w="med" len="med"/>
+                    </a:lnB>
+                    <a:lnTlToBr w="12700" cmpd="sng">
+                      <a:noFill/>
+                      <a:prstDash val="solid"/>
+                    </a:lnTlToBr>
+                    <a:lnBlToTr w="12700" cmpd="sng">
+                      <a:noFill/>
+                      <a:prstDash val="solid"/>
+                    </a:lnBlToTr>
+                  </a:tcPr>
+                </a:tc>
+                <a:extLst>
+                  <a:ext uri="{0D108BD9-81ED-4DB2-BD59-A6C34878D82A}">
+                    <a16:rowId xmlns:a16="http://schemas.microsoft.com/office/drawing/2014/main" xmlns="" val="10000"/>
+                  </a:ext>
+                </a:extLst>
+              </a:tr>
+              <a:tr h="260350">
+                <a:tc>
+                  <a:txBody>
+                    <a:bodyPr/>
+                    <a:lstStyle/>
+                    <a:p>
+                      <a:pPr marL="0" marR="0" indent="0" algn="l" defTabSz="584200" rtl="0" eaLnBrk="1" fontAlgn="auto" latinLnBrk="0" hangingPunct="1">
+                        <a:lnSpc>
+                          <a:spcPct val="100000"/>
+                        </a:lnSpc>
+                        <a:spcBef>
+                          <a:spcPts val="0"/>
+                        </a:spcBef>
+                        <a:spcAft>
+                          <a:spcPts val="0"/>
+                        </a:spcAft>
+                        <a:buClrTx/>
+                        <a:buSzTx/>
+                        <a:buFontTx/>
+                        <a:buNone/>
+                        <a:tabLst/>
+                        <a:defRPr/>
+                      </a:pPr>
+                      <a:r>
+                        <a:rPr lang="en-GB" sz="1000" b="0" i="0" u="none" strike="noStrike" cap="none" spc="0" baseline="0">
+                          <a:ln>
+                            <a:noFill/>
+                          </a:ln>
+                          <a:solidFill>
+                            <a:srgbClr val="000000"/>
+                          </a:solidFill>
+                          <a:uFillTx/>
+                          <a:latin typeface="Segoe UI" pitchFamily="34" charset="0"/>
+                          <a:ea typeface="+mn-ea"/>
+                          <a:cs typeface="Segoe UI" pitchFamily="34" charset="0"/>
+                          <a:sym typeface="Source Sans Pro"/>
+                        </a:rPr>
+                        <a:t>Business Forecasting: Practical Problems and Solutions</a:t>
+                      </a:r>
+                    </a:p>
+                  </a:txBody>
+                  <a:tcPr>
+                    <a:lnL w="6350" cap="flat" cmpd="sng" algn="ctr">
+                      <a:solidFill>
+                        <a:srgbClr val="000000"/>
+                      </a:solidFill>
+                      <a:prstDash val="solid"/>
+                      <a:round/>
+                      <a:headEnd type="none" w="med" len="med"/>
+                      <a:tailEnd type="none" w="med" len="med"/>
+                    </a:lnL>
+                    <a:lnR w="12700" cmpd="sng">
+                      <a:noFill/>
+                    </a:lnR>
+                    <a:lnT w="6350" cap="flat" cmpd="sng" algn="ctr">
+                      <a:solidFill>
+                        <a:srgbClr val="000000"/>
+                      </a:solidFill>
+                      <a:prstDash val="solid"/>
+                      <a:round/>
+                      <a:headEnd type="none" w="med" len="med"/>
+                      <a:tailEnd type="none" w="med" len="med"/>
+                    </a:lnT>
+                    <a:lnB w="6350" cap="flat" cmpd="sng" algn="ctr">
+                      <a:solidFill>
+                        <a:srgbClr val="000000"/>
+                      </a:solidFill>
+                      <a:prstDash val="solid"/>
+                      <a:round/>
+                      <a:headEnd type="none" w="med" len="med"/>
+                      <a:tailEnd type="none" w="med" len="med"/>
+                    </a:lnB>
+                    <a:lnTlToBr w="12700" cmpd="sng">
+                      <a:noFill/>
+                      <a:prstDash val="solid"/>
+                    </a:lnTlToBr>
+                    <a:lnBlToTr w="12700" cmpd="sng">
+                      <a:noFill/>
+                      <a:prstDash val="solid"/>
+                    </a:lnBlToTr>
+                  </a:tcPr>
+                </a:tc>
+                <a:extLst>
+                  <a:ext uri="{0D108BD9-81ED-4DB2-BD59-A6C34878D82A}">
+                    <a16:rowId xmlns:a16="http://schemas.microsoft.com/office/drawing/2014/main" xmlns="" val="10001"/>
+                  </a:ext>
+                </a:extLst>
+              </a:tr>
+            </a:tbl>
+          </a:graphicData>
+        </a:graphic>
+      </p:graphicFrame>
+      <p:graphicFrame>
+        <p:nvGraphicFramePr>
+          <p:cNvPr id="28" name="Table 27"/>
+          <p:cNvGraphicFramePr>
+            <a:graphicFrameLocks noGrp="1"/>
+          </p:cNvGraphicFramePr>
+          <p:nvPr>
+            <p:extLst>
+              <p:ext uri="{D42A27DB-BD31-4B8C-83A1-F6EECF244321}">
+                <p14:modId xmlns:p14="http://schemas.microsoft.com/office/powerpoint/2010/main" val="3684585337"/>
+              </p:ext>
+            </p:extLst>
+          </p:nvPr>
+        </p:nvGraphicFramePr>
+        <p:xfrm>
+          <a:off x="366944" y="1369141"/>
+          <a:ext cx="3825875" cy="1711376"/>
+        </p:xfrm>
+        <a:graphic>
+          <a:graphicData uri="http://schemas.openxmlformats.org/drawingml/2006/table">
+            <a:tbl>
+              <a:tblPr firstRow="1" bandRow="1">
+                <a:tableStyleId>{5940675A-B579-460E-94D1-54222C63F5DA}</a:tableStyleId>
+              </a:tblPr>
+              <a:tblGrid>
+                <a:gridCol w="3825875">
+                  <a:extLst>
+                    <a:ext uri="{9D8B030D-6E8A-4147-A177-3AD203B41FA5}">
+                      <a16:colId xmlns:a16="http://schemas.microsoft.com/office/drawing/2014/main" xmlns="" val="20000"/>
+                    </a:ext>
+                  </a:extLst>
+                </a:gridCol>
+              </a:tblGrid>
+              <a:tr h="260350">
+                <a:tc>
+                  <a:txBody>
+                    <a:bodyPr/>
+                    <a:lstStyle/>
+                    <a:p>
+                      <a:pPr algn="l"/>
+                      <a:r>
+                        <a:rPr lang="en-GB" sz="1000" b="1" baseline="0" smtClean="0">
+                          <a:solidFill>
+                            <a:srgbClr val="000000"/>
+                          </a:solidFill>
+                          <a:latin typeface="Segoe UI" pitchFamily="34" charset="0"/>
+                          <a:cs typeface="Segoe UI" pitchFamily="34" charset="0"/>
+                        </a:rPr>
+                        <a:t>Outliers</a:t>
+                      </a:r>
+                      <a:endParaRPr lang="en-GB" sz="1000" b="1" baseline="0">
+                        <a:solidFill>
+                          <a:srgbClr val="000000"/>
+                        </a:solidFill>
+                        <a:latin typeface="Segoe UI" pitchFamily="34" charset="0"/>
+                        <a:cs typeface="Segoe UI" pitchFamily="34" charset="0"/>
+                      </a:endParaRPr>
+                    </a:p>
+                  </a:txBody>
+                  <a:tcPr>
+                    <a:lnL w="6350" cap="flat" cmpd="sng" algn="ctr">
+                      <a:solidFill>
+                        <a:srgbClr val="000000"/>
+                      </a:solidFill>
+                      <a:prstDash val="solid"/>
+                      <a:round/>
+                      <a:headEnd type="none" w="med" len="med"/>
+                      <a:tailEnd type="none" w="med" len="med"/>
+                    </a:lnL>
+                    <a:lnR w="12700" cap="flat" cmpd="sng" algn="ctr">
+                      <a:solidFill>
+                        <a:schemeClr val="tx1"/>
+                      </a:solidFill>
+                      <a:prstDash val="solid"/>
+                      <a:round/>
+                      <a:headEnd type="none" w="med" len="med"/>
+                      <a:tailEnd type="none" w="med" len="med"/>
+                    </a:lnR>
+                    <a:lnT w="6350" cap="flat" cmpd="sng" algn="ctr">
+                      <a:solidFill>
+                        <a:srgbClr val="000000"/>
+                      </a:solidFill>
+                      <a:prstDash val="solid"/>
+                      <a:round/>
+                      <a:headEnd type="none" w="med" len="med"/>
+                      <a:tailEnd type="none" w="med" len="med"/>
+                    </a:lnT>
+                    <a:lnB w="6350" cap="flat" cmpd="sng" algn="ctr">
+                      <a:solidFill>
+                        <a:srgbClr val="000000"/>
+                      </a:solidFill>
+                      <a:prstDash val="solid"/>
+                      <a:round/>
+                      <a:headEnd type="none" w="med" len="med"/>
+                      <a:tailEnd type="none" w="med" len="med"/>
+                    </a:lnB>
+                    <a:lnTlToBr w="12700" cmpd="sng">
+                      <a:noFill/>
+                      <a:prstDash val="solid"/>
+                    </a:lnTlToBr>
+                    <a:lnBlToTr w="12700" cmpd="sng">
+                      <a:noFill/>
+                      <a:prstDash val="solid"/>
+                    </a:lnBlToTr>
+                  </a:tcPr>
+                </a:tc>
+                <a:extLst>
+                  <a:ext uri="{0D108BD9-81ED-4DB2-BD59-A6C34878D82A}">
+                    <a16:rowId xmlns:a16="http://schemas.microsoft.com/office/drawing/2014/main" xmlns="" val="10000"/>
+                  </a:ext>
+                </a:extLst>
+              </a:tr>
+              <a:tr h="273736">
+                <a:tc>
+                  <a:txBody>
+                    <a:bodyPr/>
+                    <a:lstStyle/>
+                    <a:p>
+                      <a:pPr marL="0" marR="0" indent="0" algn="l" defTabSz="584200" rtl="0" eaLnBrk="1" fontAlgn="auto" latinLnBrk="0" hangingPunct="1">
+                        <a:lnSpc>
+                          <a:spcPct val="100000"/>
+                        </a:lnSpc>
+                        <a:spcBef>
+                          <a:spcPts val="0"/>
+                        </a:spcBef>
+                        <a:spcAft>
+                          <a:spcPts val="0"/>
+                        </a:spcAft>
+                        <a:buClrTx/>
+                        <a:buSzTx/>
+                        <a:buFontTx/>
+                        <a:buNone/>
+                        <a:tabLst/>
+                        <a:defRPr/>
+                      </a:pPr>
+                      <a:r>
+                        <a:rPr lang="en-GB" sz="1000" smtClean="0">
+                          <a:solidFill>
+                            <a:srgbClr val="000000"/>
+                          </a:solidFill>
+                          <a:latin typeface="Segoe UI" pitchFamily="34" charset="0"/>
+                          <a:cs typeface="Segoe UI" pitchFamily="34" charset="0"/>
+                        </a:rPr>
+                        <a:t>Option 1. Outlier correction</a:t>
+                      </a:r>
+                      <a:endParaRPr lang="en-GB" sz="1000">
+                        <a:solidFill>
+                          <a:srgbClr val="000000"/>
+                        </a:solidFill>
+                        <a:latin typeface="Segoe UI" pitchFamily="34" charset="0"/>
+                        <a:cs typeface="Segoe UI" pitchFamily="34" charset="0"/>
+                      </a:endParaRPr>
+                    </a:p>
+                  </a:txBody>
+                  <a:tcPr>
+                    <a:lnL w="6350" cap="flat" cmpd="sng" algn="ctr">
+                      <a:solidFill>
+                        <a:srgbClr val="000000"/>
+                      </a:solidFill>
+                      <a:prstDash val="solid"/>
+                      <a:round/>
+                      <a:headEnd type="none" w="med" len="med"/>
+                      <a:tailEnd type="none" w="med" len="med"/>
+                    </a:lnL>
+                    <a:lnR w="12700" cap="flat" cmpd="sng" algn="ctr">
+                      <a:solidFill>
+                        <a:schemeClr val="tx1"/>
+                      </a:solidFill>
+                      <a:prstDash val="solid"/>
+                      <a:round/>
+                      <a:headEnd type="none" w="med" len="med"/>
+                      <a:tailEnd type="none" w="med" len="med"/>
+                    </a:lnR>
+                    <a:lnT w="6350" cap="flat" cmpd="sng" algn="ctr">
+                      <a:solidFill>
+                        <a:srgbClr val="000000"/>
+                      </a:solidFill>
+                      <a:prstDash val="solid"/>
+                      <a:round/>
+                      <a:headEnd type="none" w="med" len="med"/>
+                      <a:tailEnd type="none" w="med" len="med"/>
+                    </a:lnT>
+                    <a:lnB w="6350" cap="flat" cmpd="sng" algn="ctr">
+                      <a:noFill/>
+                      <a:prstDash val="solid"/>
+                      <a:round/>
+                      <a:headEnd type="none" w="med" len="med"/>
+                      <a:tailEnd type="none" w="med" len="med"/>
+                    </a:lnB>
+                    <a:lnTlToBr w="12700" cmpd="sng">
+                      <a:noFill/>
+                      <a:prstDash val="solid"/>
+                    </a:lnTlToBr>
+                    <a:lnBlToTr w="12700" cmpd="sng">
+                      <a:noFill/>
+                      <a:prstDash val="solid"/>
+                    </a:lnBlToTr>
+                  </a:tcPr>
+                </a:tc>
+              </a:tr>
+              <a:tr h="273736">
+                <a:tc>
+                  <a:txBody>
+                    <a:bodyPr/>
+                    <a:lstStyle/>
+                    <a:p>
+                      <a:pPr marL="0" marR="0" indent="0" algn="l" defTabSz="584200" rtl="0" eaLnBrk="1" fontAlgn="auto" latinLnBrk="0" hangingPunct="1">
+                        <a:lnSpc>
+                          <a:spcPct val="100000"/>
+                        </a:lnSpc>
+                        <a:spcBef>
+                          <a:spcPts val="0"/>
+                        </a:spcBef>
+                        <a:spcAft>
+                          <a:spcPts val="0"/>
+                        </a:spcAft>
+                        <a:buClrTx/>
+                        <a:buSzTx/>
+                        <a:buFontTx/>
+                        <a:buNone/>
+                        <a:tabLst/>
+                        <a:defRPr/>
+                      </a:pPr>
+                      <a:r>
+                        <a:rPr lang="en-GB" sz="1000" smtClean="0">
+                          <a:solidFill>
+                            <a:srgbClr val="000000"/>
+                          </a:solidFill>
+                          <a:latin typeface="Segoe UI" pitchFamily="34" charset="0"/>
+                          <a:cs typeface="Segoe UI" pitchFamily="34" charset="0"/>
+                        </a:rPr>
+                        <a:t>Option 1. Replace outlier with typical value prior to forecasting.</a:t>
+                      </a:r>
+                      <a:br>
+                        <a:rPr lang="en-GB" sz="1000" smtClean="0">
+                          <a:solidFill>
+                            <a:srgbClr val="000000"/>
+                          </a:solidFill>
+                          <a:latin typeface="Segoe UI" pitchFamily="34" charset="0"/>
+                          <a:cs typeface="Segoe UI" pitchFamily="34" charset="0"/>
+                        </a:rPr>
+                      </a:br>
+                      <a:r>
+                        <a:rPr lang="en-GB" sz="1000" smtClean="0">
+                          <a:solidFill>
+                            <a:srgbClr val="000000"/>
+                          </a:solidFill>
+                          <a:latin typeface="Segoe UI" pitchFamily="34" charset="0"/>
+                          <a:cs typeface="Segoe UI" pitchFamily="34" charset="0"/>
+                        </a:rPr>
+                        <a:t>=&gt;</a:t>
+                      </a:r>
+                      <a:r>
+                        <a:rPr lang="en-GB" sz="1000" baseline="0" smtClean="0">
+                          <a:solidFill>
+                            <a:srgbClr val="000000"/>
+                          </a:solidFill>
+                          <a:latin typeface="Segoe UI" pitchFamily="34" charset="0"/>
+                          <a:cs typeface="Segoe UI" pitchFamily="34" charset="0"/>
+                        </a:rPr>
+                        <a:t> “Improves” forecast, but unrealistic confidence interval.</a:t>
+                      </a:r>
+                      <a:endParaRPr lang="en-GB" sz="1000">
+                        <a:solidFill>
+                          <a:srgbClr val="000000"/>
+                        </a:solidFill>
+                        <a:latin typeface="Segoe UI" pitchFamily="34" charset="0"/>
+                        <a:cs typeface="Segoe UI" pitchFamily="34" charset="0"/>
+                      </a:endParaRPr>
+                    </a:p>
+                  </a:txBody>
+                  <a:tcPr>
+                    <a:lnL w="6350" cap="flat" cmpd="sng" algn="ctr">
+                      <a:noFill/>
+                      <a:prstDash val="solid"/>
+                      <a:round/>
+                      <a:headEnd type="none" w="med" len="med"/>
+                      <a:tailEnd type="none" w="med" len="med"/>
+                    </a:lnL>
+                    <a:lnR w="12700" cap="flat" cmpd="sng" algn="ctr">
+                      <a:noFill/>
+                      <a:prstDash val="solid"/>
+                      <a:round/>
+                      <a:headEnd type="none" w="med" len="med"/>
+                      <a:tailEnd type="none" w="med" len="med"/>
+                    </a:lnR>
+                    <a:lnT w="6350" cap="flat" cmpd="sng" algn="ctr">
+                      <a:noFill/>
+                      <a:prstDash val="solid"/>
+                      <a:round/>
+                      <a:headEnd type="none" w="med" len="med"/>
+                      <a:tailEnd type="none" w="med" len="med"/>
+                    </a:lnT>
+                    <a:lnB w="12700" cmpd="sng">
+                      <a:noFill/>
+                    </a:lnB>
+                    <a:lnTlToBr w="12700" cmpd="sng">
+                      <a:noFill/>
+                      <a:prstDash val="solid"/>
+                    </a:lnTlToBr>
+                    <a:lnBlToTr w="12700" cmpd="sng">
+                      <a:noFill/>
+                      <a:prstDash val="solid"/>
+                    </a:lnBlToTr>
+                  </a:tcPr>
+                </a:tc>
+                <a:extLst>
+                  <a:ext uri="{0D108BD9-81ED-4DB2-BD59-A6C34878D82A}">
+                    <a16:rowId xmlns:a16="http://schemas.microsoft.com/office/drawing/2014/main" xmlns="" val="10001"/>
+                  </a:ext>
+                </a:extLst>
+              </a:tr>
+              <a:tr h="260350">
+                <a:tc>
+                  <a:txBody>
+                    <a:bodyPr/>
+                    <a:lstStyle/>
+                    <a:p>
+                      <a:pPr algn="l"/>
+                      <a:endParaRPr lang="en-GB" sz="1000">
+                        <a:solidFill>
+                          <a:srgbClr val="000000"/>
+                        </a:solidFill>
+                        <a:latin typeface="Segoe UI" pitchFamily="34" charset="0"/>
+                        <a:cs typeface="Segoe UI" pitchFamily="34" charset="0"/>
+                      </a:endParaRPr>
+                    </a:p>
+                  </a:txBody>
+                  <a:tcPr>
+                    <a:lnL w="6350" cap="flat" cmpd="sng" algn="ctr">
+                      <a:solidFill>
+                        <a:srgbClr val="000000"/>
+                      </a:solidFill>
+                      <a:prstDash val="solid"/>
+                      <a:round/>
+                      <a:headEnd type="none" w="med" len="med"/>
+                      <a:tailEnd type="none" w="med" len="med"/>
+                    </a:lnL>
+                    <a:lnR w="12700" cap="flat" cmpd="sng" algn="ctr">
+                      <a:solidFill>
+                        <a:schemeClr val="tx1"/>
+                      </a:solidFill>
+                      <a:prstDash val="solid"/>
+                      <a:round/>
+                      <a:headEnd type="none" w="med" len="med"/>
+                      <a:tailEnd type="none" w="med" len="med"/>
+                    </a:lnR>
+                    <a:lnT w="12700" cmpd="sng">
+                      <a:noFill/>
+                    </a:lnT>
+                    <a:lnB w="12700" cmpd="sng">
+                      <a:noFill/>
+                    </a:lnB>
+                    <a:lnTlToBr w="12700" cmpd="sng">
+                      <a:noFill/>
+                      <a:prstDash val="solid"/>
+                    </a:lnTlToBr>
+                    <a:lnBlToTr w="12700" cmpd="sng">
+                      <a:noFill/>
+                      <a:prstDash val="solid"/>
+                    </a:lnBlToTr>
+                  </a:tcPr>
+                </a:tc>
+                <a:extLst>
+                  <a:ext uri="{0D108BD9-81ED-4DB2-BD59-A6C34878D82A}">
+                    <a16:rowId xmlns:a16="http://schemas.microsoft.com/office/drawing/2014/main" xmlns="" val="10002"/>
+                  </a:ext>
+                </a:extLst>
+              </a:tr>
+              <a:tr h="260350">
+                <a:tc>
+                  <a:txBody>
+                    <a:bodyPr/>
+                    <a:lstStyle/>
+                    <a:p>
+                      <a:pPr marL="0" marR="0" indent="0" algn="l" defTabSz="584200" rtl="0" eaLnBrk="1" fontAlgn="auto" latinLnBrk="0" hangingPunct="1">
+                        <a:lnSpc>
+                          <a:spcPct val="100000"/>
+                        </a:lnSpc>
+                        <a:spcBef>
+                          <a:spcPts val="0"/>
+                        </a:spcBef>
+                        <a:spcAft>
+                          <a:spcPts val="0"/>
+                        </a:spcAft>
+                        <a:buClrTx/>
+                        <a:buSzTx/>
+                        <a:buFontTx/>
+                        <a:buNone/>
+                        <a:tabLst/>
+                        <a:defRPr/>
+                      </a:pPr>
+                      <a:endParaRPr lang="en-GB" sz="1000" i="0">
+                        <a:solidFill>
+                          <a:srgbClr val="000000"/>
+                        </a:solidFill>
+                        <a:latin typeface="Segoe UI" pitchFamily="34" charset="0"/>
+                        <a:cs typeface="Segoe UI" pitchFamily="34" charset="0"/>
+                      </a:endParaRPr>
+                    </a:p>
+                  </a:txBody>
+                  <a:tcPr>
+                    <a:lnL w="6350" cap="flat" cmpd="sng" algn="ctr">
+                      <a:solidFill>
+                        <a:srgbClr val="000000"/>
+                      </a:solidFill>
+                      <a:prstDash val="solid"/>
+                      <a:round/>
+                      <a:headEnd type="none" w="med" len="med"/>
+                      <a:tailEnd type="none" w="med" len="med"/>
+                    </a:lnL>
+                    <a:lnR w="12700" cap="flat" cmpd="sng" algn="ctr">
+                      <a:solidFill>
+                        <a:schemeClr val="tx1"/>
+                      </a:solidFill>
+                      <a:prstDash val="solid"/>
+                      <a:round/>
+                      <a:headEnd type="none" w="med" len="med"/>
+                      <a:tailEnd type="none" w="med" len="med"/>
+                    </a:lnR>
+                    <a:lnT w="12700" cmpd="sng">
+                      <a:noFill/>
+                    </a:lnT>
+                    <a:lnB w="12700" cmpd="sng">
+                      <a:noFill/>
+                    </a:lnB>
+                    <a:lnTlToBr w="12700" cmpd="sng">
+                      <a:noFill/>
+                      <a:prstDash val="solid"/>
+                    </a:lnTlToBr>
+                    <a:lnBlToTr w="12700" cmpd="sng">
+                      <a:noFill/>
+                      <a:prstDash val="solid"/>
+                    </a:lnBlToTr>
+                  </a:tcPr>
+                </a:tc>
+                <a:extLst>
+                  <a:ext uri="{0D108BD9-81ED-4DB2-BD59-A6C34878D82A}">
+                    <a16:rowId xmlns:a16="http://schemas.microsoft.com/office/drawing/2014/main" xmlns="" val="10003"/>
+                  </a:ext>
+                </a:extLst>
+              </a:tr>
+              <a:tr h="260350">
+                <a:tc>
+                  <a:txBody>
+                    <a:bodyPr/>
+                    <a:lstStyle/>
+                    <a:p>
+                      <a:pPr marL="0" marR="0" indent="0" algn="l" defTabSz="584200" rtl="0" eaLnBrk="1" fontAlgn="auto" latinLnBrk="0" hangingPunct="1">
+                        <a:lnSpc>
+                          <a:spcPct val="100000"/>
+                        </a:lnSpc>
+                        <a:spcBef>
+                          <a:spcPts val="0"/>
+                        </a:spcBef>
+                        <a:spcAft>
+                          <a:spcPts val="0"/>
+                        </a:spcAft>
+                        <a:buClrTx/>
+                        <a:buSzTx/>
+                        <a:buFontTx/>
+                        <a:buNone/>
+                        <a:tabLst/>
+                        <a:defRPr/>
+                      </a:pPr>
+                      <a:r>
+                        <a:rPr lang="en-GB" sz="1000" b="0" i="0" u="none" strike="noStrike" cap="none" spc="0" baseline="0">
+                          <a:ln>
+                            <a:noFill/>
+                          </a:ln>
+                          <a:solidFill>
+                            <a:srgbClr val="000000"/>
+                          </a:solidFill>
+                          <a:uFillTx/>
+                          <a:latin typeface="Segoe UI" pitchFamily="34" charset="0"/>
+                          <a:ea typeface="+mn-ea"/>
+                          <a:cs typeface="Segoe UI" pitchFamily="34" charset="0"/>
+                          <a:sym typeface="Source Sans Pro"/>
+                        </a:rPr>
+                        <a:t>Source: </a:t>
+                      </a:r>
+                      <a:r>
+                        <a:rPr lang="en-GB" sz="1000" b="0" i="0" u="none" strike="noStrike" cap="none" spc="0" baseline="0">
+                          <a:ln>
+                            <a:noFill/>
+                          </a:ln>
+                          <a:solidFill>
+                            <a:srgbClr val="000000"/>
+                          </a:solidFill>
+                          <a:uFillTx/>
+                          <a:latin typeface="Segoe UI" pitchFamily="34" charset="0"/>
+                          <a:ea typeface="+mn-ea"/>
+                          <a:cs typeface="Segoe UI" pitchFamily="34" charset="0"/>
+                          <a:sym typeface="Helvetica Light"/>
+                        </a:rPr>
+                        <a:t>Business Forecasting </a:t>
+                      </a:r>
+                      <a:r>
+                        <a:rPr lang="en-GB" sz="1000" b="0" i="0" u="none" strike="noStrike" cap="none" spc="0" baseline="0" smtClean="0">
+                          <a:ln>
+                            <a:noFill/>
+                          </a:ln>
+                          <a:solidFill>
+                            <a:srgbClr val="000000"/>
+                          </a:solidFill>
+                          <a:uFillTx/>
+                          <a:latin typeface="Segoe UI" pitchFamily="34" charset="0"/>
+                          <a:ea typeface="+mn-ea"/>
+                          <a:cs typeface="Segoe UI" pitchFamily="34" charset="0"/>
+                          <a:sym typeface="Helvetica Light"/>
+                        </a:rPr>
+                        <a:t>Ch. 2.3</a:t>
+                      </a:r>
+                      <a:endParaRPr lang="en-GB" sz="1000" b="0" i="0" u="none" strike="noStrike" cap="none" spc="0" baseline="0">
+                        <a:ln>
+                          <a:noFill/>
+                        </a:ln>
+                        <a:solidFill>
+                          <a:srgbClr val="000000"/>
+                        </a:solidFill>
+                        <a:uFillTx/>
+                        <a:latin typeface="Segoe UI" pitchFamily="34" charset="0"/>
+                        <a:ea typeface="+mn-ea"/>
+                        <a:cs typeface="Segoe UI" pitchFamily="34" charset="0"/>
+                        <a:sym typeface="Source Sans Pro"/>
+                      </a:endParaRPr>
+                    </a:p>
+                  </a:txBody>
+                  <a:tcPr>
+                    <a:lnL w="6350" cap="flat" cmpd="sng" algn="ctr">
+                      <a:solidFill>
+                        <a:srgbClr val="000000"/>
+                      </a:solidFill>
+                      <a:prstDash val="solid"/>
+                      <a:round/>
+                      <a:headEnd type="none" w="med" len="med"/>
+                      <a:tailEnd type="none" w="med" len="med"/>
+                    </a:lnL>
+                    <a:lnR w="12700" cap="flat" cmpd="sng" algn="ctr">
+                      <a:solidFill>
+                        <a:schemeClr val="tx1"/>
+                      </a:solidFill>
+                      <a:prstDash val="solid"/>
+                      <a:round/>
+                      <a:headEnd type="none" w="med" len="med"/>
+                      <a:tailEnd type="none" w="med" len="med"/>
+                    </a:lnR>
+                    <a:lnT w="12700" cmpd="sng">
+                      <a:noFill/>
+                    </a:lnT>
+                    <a:lnB w="6350" cap="flat" cmpd="sng" algn="ctr">
+                      <a:solidFill>
+                        <a:srgbClr val="000000"/>
+                      </a:solidFill>
+                      <a:prstDash val="solid"/>
+                      <a:round/>
+                      <a:headEnd type="none" w="med" len="med"/>
+                      <a:tailEnd type="none" w="med" len="med"/>
+                    </a:lnB>
+                    <a:lnTlToBr w="12700" cmpd="sng">
+                      <a:noFill/>
+                      <a:prstDash val="solid"/>
+                    </a:lnTlToBr>
+                    <a:lnBlToTr w="12700" cmpd="sng">
+                      <a:noFill/>
+                      <a:prstDash val="solid"/>
+                    </a:lnBlToTr>
+                  </a:tcPr>
+                </a:tc>
+                <a:extLst>
+                  <a:ext uri="{0D108BD9-81ED-4DB2-BD59-A6C34878D82A}">
+                    <a16:rowId xmlns:a16="http://schemas.microsoft.com/office/drawing/2014/main" xmlns="" val="10006"/>
+                  </a:ext>
+                </a:extLst>
+              </a:tr>
+            </a:tbl>
+          </a:graphicData>
+        </a:graphic>
+      </p:graphicFrame>
+      <p:graphicFrame>
+        <p:nvGraphicFramePr>
+          <p:cNvPr id="16" name="Table 15"/>
+          <p:cNvGraphicFramePr>
+            <a:graphicFrameLocks noGrp="1"/>
+          </p:cNvGraphicFramePr>
+          <p:nvPr>
+            <p:extLst>
+              <p:ext uri="{D42A27DB-BD31-4B8C-83A1-F6EECF244321}">
+                <p14:modId xmlns:p14="http://schemas.microsoft.com/office/powerpoint/2010/main" val="4059315620"/>
+              </p:ext>
+            </p:extLst>
+          </p:nvPr>
+        </p:nvGraphicFramePr>
+        <p:xfrm>
+          <a:off x="4424311" y="7188916"/>
+          <a:ext cx="3825875" cy="1315136"/>
+        </p:xfrm>
+        <a:graphic>
+          <a:graphicData uri="http://schemas.openxmlformats.org/drawingml/2006/table">
+            <a:tbl>
+              <a:tblPr firstRow="1" bandRow="1">
+                <a:tableStyleId>{5940675A-B579-460E-94D1-54222C63F5DA}</a:tableStyleId>
+              </a:tblPr>
+              <a:tblGrid>
+                <a:gridCol w="3825875">
+                  <a:extLst>
+                    <a:ext uri="{9D8B030D-6E8A-4147-A177-3AD203B41FA5}">
+                      <a16:colId xmlns:a16="http://schemas.microsoft.com/office/drawing/2014/main" xmlns="" val="20000"/>
+                    </a:ext>
+                  </a:extLst>
+                </a:gridCol>
+              </a:tblGrid>
+              <a:tr h="260350">
+                <a:tc>
+                  <a:txBody>
+                    <a:bodyPr/>
+                    <a:lstStyle/>
+                    <a:p>
+                      <a:pPr algn="l"/>
+                      <a:r>
+                        <a:rPr lang="en-GB" sz="1000" b="1" baseline="0" smtClean="0">
+                          <a:solidFill>
+                            <a:srgbClr val="000000"/>
+                          </a:solidFill>
+                          <a:latin typeface="Segoe UI" pitchFamily="34" charset="0"/>
+                          <a:cs typeface="Segoe UI" pitchFamily="34" charset="0"/>
+                        </a:rPr>
+                        <a:t>title</a:t>
+                      </a:r>
+                      <a:endParaRPr lang="en-GB" sz="1000" b="1" baseline="0">
+                        <a:solidFill>
+                          <a:srgbClr val="000000"/>
+                        </a:solidFill>
+                        <a:latin typeface="Segoe UI" pitchFamily="34" charset="0"/>
+                        <a:cs typeface="Segoe UI" pitchFamily="34" charset="0"/>
+                      </a:endParaRPr>
+                    </a:p>
+                  </a:txBody>
+                  <a:tcPr>
+                    <a:lnL w="6350" cap="flat" cmpd="sng" algn="ctr">
+                      <a:solidFill>
+                        <a:srgbClr val="000000"/>
+                      </a:solidFill>
+                      <a:prstDash val="solid"/>
+                      <a:round/>
+                      <a:headEnd type="none" w="med" len="med"/>
+                      <a:tailEnd type="none" w="med" len="med"/>
+                    </a:lnL>
+                    <a:lnR w="12700" cap="flat" cmpd="sng" algn="ctr">
+                      <a:solidFill>
+                        <a:schemeClr val="tx1"/>
+                      </a:solidFill>
+                      <a:prstDash val="solid"/>
+                      <a:round/>
+                      <a:headEnd type="none" w="med" len="med"/>
+                      <a:tailEnd type="none" w="med" len="med"/>
+                    </a:lnR>
+                    <a:lnT w="6350" cap="flat" cmpd="sng" algn="ctr">
+                      <a:solidFill>
+                        <a:srgbClr val="000000"/>
+                      </a:solidFill>
+                      <a:prstDash val="solid"/>
+                      <a:round/>
+                      <a:headEnd type="none" w="med" len="med"/>
+                      <a:tailEnd type="none" w="med" len="med"/>
+                    </a:lnT>
+                    <a:lnB w="6350" cap="flat" cmpd="sng" algn="ctr">
+                      <a:solidFill>
+                        <a:srgbClr val="000000"/>
+                      </a:solidFill>
+                      <a:prstDash val="solid"/>
+                      <a:round/>
+                      <a:headEnd type="none" w="med" len="med"/>
+                      <a:tailEnd type="none" w="med" len="med"/>
+                    </a:lnB>
+                    <a:lnTlToBr w="12700" cmpd="sng">
+                      <a:noFill/>
+                      <a:prstDash val="solid"/>
+                    </a:lnTlToBr>
+                    <a:lnBlToTr w="12700" cmpd="sng">
+                      <a:noFill/>
+                      <a:prstDash val="solid"/>
+                    </a:lnBlToTr>
+                  </a:tcPr>
+                </a:tc>
+                <a:extLst>
+                  <a:ext uri="{0D108BD9-81ED-4DB2-BD59-A6C34878D82A}">
+                    <a16:rowId xmlns:a16="http://schemas.microsoft.com/office/drawing/2014/main" xmlns="" val="10000"/>
+                  </a:ext>
+                </a:extLst>
+              </a:tr>
+              <a:tr h="273736">
+                <a:tc>
+                  <a:txBody>
+                    <a:bodyPr/>
+                    <a:lstStyle/>
+                    <a:p>
+                      <a:pPr marL="0" marR="0" indent="0" algn="l" defTabSz="584200" rtl="0" eaLnBrk="1" fontAlgn="auto" latinLnBrk="0" hangingPunct="1">
+                        <a:lnSpc>
+                          <a:spcPct val="100000"/>
+                        </a:lnSpc>
+                        <a:spcBef>
+                          <a:spcPts val="0"/>
+                        </a:spcBef>
+                        <a:spcAft>
+                          <a:spcPts val="0"/>
+                        </a:spcAft>
+                        <a:buClrTx/>
+                        <a:buSzTx/>
+                        <a:buFontTx/>
+                        <a:buNone/>
+                        <a:tabLst/>
+                        <a:defRPr/>
+                      </a:pPr>
+                      <a:endParaRPr lang="en-GB" sz="1000">
+                        <a:solidFill>
+                          <a:srgbClr val="000000"/>
+                        </a:solidFill>
+                        <a:latin typeface="Segoe UI" pitchFamily="34" charset="0"/>
+                        <a:cs typeface="Segoe UI" pitchFamily="34" charset="0"/>
+                      </a:endParaRPr>
+                    </a:p>
+                  </a:txBody>
+                  <a:tcPr>
+                    <a:lnL w="6350" cap="flat" cmpd="sng" algn="ctr">
+                      <a:solidFill>
+                        <a:srgbClr val="000000"/>
+                      </a:solidFill>
+                      <a:prstDash val="solid"/>
+                      <a:round/>
+                      <a:headEnd type="none" w="med" len="med"/>
+                      <a:tailEnd type="none" w="med" len="med"/>
+                    </a:lnL>
+                    <a:lnR w="12700" cap="flat" cmpd="sng" algn="ctr">
+                      <a:solidFill>
+                        <a:schemeClr val="tx1"/>
+                      </a:solidFill>
+                      <a:prstDash val="solid"/>
+                      <a:round/>
+                      <a:headEnd type="none" w="med" len="med"/>
+                      <a:tailEnd type="none" w="med" len="med"/>
+                    </a:lnR>
+                    <a:lnT w="6350" cap="flat" cmpd="sng" algn="ctr">
+                      <a:solidFill>
+                        <a:srgbClr val="000000"/>
+                      </a:solidFill>
+                      <a:prstDash val="solid"/>
+                      <a:round/>
+                      <a:headEnd type="none" w="med" len="med"/>
+                      <a:tailEnd type="none" w="med" len="med"/>
+                    </a:lnT>
+                    <a:lnB w="12700" cmpd="sng">
+                      <a:noFill/>
+                    </a:lnB>
+                    <a:lnTlToBr w="12700" cmpd="sng">
+                      <a:noFill/>
+                      <a:prstDash val="solid"/>
+                    </a:lnTlToBr>
+                    <a:lnBlToTr w="12700" cmpd="sng">
+                      <a:noFill/>
+                      <a:prstDash val="solid"/>
+                    </a:lnBlToTr>
+                  </a:tcPr>
+                </a:tc>
+                <a:extLst>
+                  <a:ext uri="{0D108BD9-81ED-4DB2-BD59-A6C34878D82A}">
+                    <a16:rowId xmlns:a16="http://schemas.microsoft.com/office/drawing/2014/main" xmlns="" val="10001"/>
+                  </a:ext>
+                </a:extLst>
+              </a:tr>
+              <a:tr h="260350">
+                <a:tc>
+                  <a:txBody>
+                    <a:bodyPr/>
+                    <a:lstStyle/>
+                    <a:p>
+                      <a:pPr algn="l"/>
+                      <a:endParaRPr lang="en-GB" sz="1000">
+                        <a:solidFill>
+                          <a:srgbClr val="000000"/>
+                        </a:solidFill>
+                        <a:latin typeface="Segoe UI" pitchFamily="34" charset="0"/>
+                        <a:cs typeface="Segoe UI" pitchFamily="34" charset="0"/>
+                      </a:endParaRPr>
+                    </a:p>
+                  </a:txBody>
+                  <a:tcPr>
+                    <a:lnL w="6350" cap="flat" cmpd="sng" algn="ctr">
+                      <a:solidFill>
+                        <a:srgbClr val="000000"/>
+                      </a:solidFill>
+                      <a:prstDash val="solid"/>
+                      <a:round/>
+                      <a:headEnd type="none" w="med" len="med"/>
+                      <a:tailEnd type="none" w="med" len="med"/>
+                    </a:lnL>
+                    <a:lnR w="12700" cap="flat" cmpd="sng" algn="ctr">
+                      <a:solidFill>
+                        <a:schemeClr val="tx1"/>
+                      </a:solidFill>
+                      <a:prstDash val="solid"/>
+                      <a:round/>
+                      <a:headEnd type="none" w="med" len="med"/>
+                      <a:tailEnd type="none" w="med" len="med"/>
+                    </a:lnR>
+                    <a:lnT w="12700" cmpd="sng">
+                      <a:noFill/>
+                    </a:lnT>
+                    <a:lnB w="12700" cmpd="sng">
+                      <a:noFill/>
+                    </a:lnB>
+                    <a:lnTlToBr w="12700" cmpd="sng">
+                      <a:noFill/>
+                      <a:prstDash val="solid"/>
+                    </a:lnTlToBr>
+                    <a:lnBlToTr w="12700" cmpd="sng">
+                      <a:noFill/>
+                      <a:prstDash val="solid"/>
+                    </a:lnBlToTr>
+                  </a:tcPr>
+                </a:tc>
+                <a:extLst>
+                  <a:ext uri="{0D108BD9-81ED-4DB2-BD59-A6C34878D82A}">
+                    <a16:rowId xmlns:a16="http://schemas.microsoft.com/office/drawing/2014/main" xmlns="" val="10002"/>
+                  </a:ext>
+                </a:extLst>
+              </a:tr>
+              <a:tr h="260350">
+                <a:tc>
+                  <a:txBody>
+                    <a:bodyPr/>
+                    <a:lstStyle/>
+                    <a:p>
+                      <a:pPr marL="0" marR="0" indent="0" algn="l" defTabSz="584200" rtl="0" eaLnBrk="1" fontAlgn="auto" latinLnBrk="0" hangingPunct="1">
+                        <a:lnSpc>
+                          <a:spcPct val="100000"/>
+                        </a:lnSpc>
+                        <a:spcBef>
+                          <a:spcPts val="0"/>
+                        </a:spcBef>
+                        <a:spcAft>
+                          <a:spcPts val="0"/>
+                        </a:spcAft>
+                        <a:buClrTx/>
+                        <a:buSzTx/>
+                        <a:buFontTx/>
+                        <a:buNone/>
+                        <a:tabLst/>
+                        <a:defRPr/>
+                      </a:pPr>
+                      <a:endParaRPr lang="en-GB" sz="1000" i="0">
+                        <a:solidFill>
+                          <a:srgbClr val="000000"/>
+                        </a:solidFill>
+                        <a:latin typeface="Segoe UI" pitchFamily="34" charset="0"/>
+                        <a:cs typeface="Segoe UI" pitchFamily="34" charset="0"/>
+                      </a:endParaRPr>
+                    </a:p>
+                  </a:txBody>
+                  <a:tcPr>
+                    <a:lnL w="6350" cap="flat" cmpd="sng" algn="ctr">
+                      <a:solidFill>
+                        <a:srgbClr val="000000"/>
+                      </a:solidFill>
+                      <a:prstDash val="solid"/>
+                      <a:round/>
+                      <a:headEnd type="none" w="med" len="med"/>
+                      <a:tailEnd type="none" w="med" len="med"/>
+                    </a:lnL>
+                    <a:lnR w="12700" cap="flat" cmpd="sng" algn="ctr">
+                      <a:solidFill>
+                        <a:schemeClr val="tx1"/>
+                      </a:solidFill>
+                      <a:prstDash val="solid"/>
+                      <a:round/>
+                      <a:headEnd type="none" w="med" len="med"/>
+                      <a:tailEnd type="none" w="med" len="med"/>
+                    </a:lnR>
+                    <a:lnT w="12700" cmpd="sng">
+                      <a:noFill/>
+                    </a:lnT>
+                    <a:lnB w="12700" cmpd="sng">
+                      <a:noFill/>
+                    </a:lnB>
+                    <a:lnTlToBr w="12700" cmpd="sng">
+                      <a:noFill/>
+                      <a:prstDash val="solid"/>
+                    </a:lnTlToBr>
+                    <a:lnBlToTr w="12700" cmpd="sng">
+                      <a:noFill/>
+                      <a:prstDash val="solid"/>
+                    </a:lnBlToTr>
+                  </a:tcPr>
+                </a:tc>
+                <a:extLst>
+                  <a:ext uri="{0D108BD9-81ED-4DB2-BD59-A6C34878D82A}">
+                    <a16:rowId xmlns:a16="http://schemas.microsoft.com/office/drawing/2014/main" xmlns="" val="10003"/>
+                  </a:ext>
+                </a:extLst>
+              </a:tr>
+              <a:tr h="260350">
+                <a:tc>
+                  <a:txBody>
+                    <a:bodyPr/>
+                    <a:lstStyle/>
+                    <a:p>
+                      <a:pPr marL="0" marR="0" indent="0" algn="l" defTabSz="584200" rtl="0" eaLnBrk="1" fontAlgn="auto" latinLnBrk="0" hangingPunct="1">
+                        <a:lnSpc>
+                          <a:spcPct val="100000"/>
+                        </a:lnSpc>
+                        <a:spcBef>
+                          <a:spcPts val="0"/>
+                        </a:spcBef>
+                        <a:spcAft>
+                          <a:spcPts val="0"/>
+                        </a:spcAft>
+                        <a:buClrTx/>
+                        <a:buSzTx/>
+                        <a:buFontTx/>
+                        <a:buNone/>
+                        <a:tabLst/>
+                        <a:defRPr/>
+                      </a:pPr>
+                      <a:r>
+                        <a:rPr lang="en-GB" sz="1000" b="0" i="0" u="none" strike="noStrike" cap="none" spc="0" baseline="0">
+                          <a:ln>
+                            <a:noFill/>
+                          </a:ln>
+                          <a:solidFill>
+                            <a:srgbClr val="000000"/>
+                          </a:solidFill>
+                          <a:uFillTx/>
+                          <a:latin typeface="Segoe UI" pitchFamily="34" charset="0"/>
+                          <a:ea typeface="+mn-ea"/>
+                          <a:cs typeface="Segoe UI" pitchFamily="34" charset="0"/>
+                          <a:sym typeface="Source Sans Pro"/>
+                        </a:rPr>
+                        <a:t>Source: </a:t>
+                      </a:r>
+                      <a:r>
+                        <a:rPr lang="en-GB" sz="1000" b="0" i="0" u="none" strike="noStrike" cap="none" spc="0" baseline="0">
+                          <a:ln>
+                            <a:noFill/>
+                          </a:ln>
+                          <a:solidFill>
+                            <a:srgbClr val="000000"/>
+                          </a:solidFill>
+                          <a:uFillTx/>
+                          <a:latin typeface="Segoe UI" pitchFamily="34" charset="0"/>
+                          <a:ea typeface="+mn-ea"/>
+                          <a:cs typeface="Segoe UI" pitchFamily="34" charset="0"/>
+                          <a:sym typeface="Helvetica Light"/>
+                        </a:rPr>
+                        <a:t>Business Forecasting p. </a:t>
+                      </a:r>
+                      <a:r>
+                        <a:rPr lang="en-GB" sz="1000" b="0" i="0" u="none" strike="noStrike" cap="none" spc="0" baseline="0" smtClean="0">
+                          <a:ln>
+                            <a:noFill/>
+                          </a:ln>
+                          <a:solidFill>
+                            <a:srgbClr val="000000"/>
+                          </a:solidFill>
+                          <a:uFillTx/>
+                          <a:latin typeface="Segoe UI" pitchFamily="34" charset="0"/>
+                          <a:ea typeface="+mn-ea"/>
+                          <a:cs typeface="Segoe UI" pitchFamily="34" charset="0"/>
+                          <a:sym typeface="Helvetica Light"/>
+                        </a:rPr>
+                        <a:t>x</a:t>
+                      </a:r>
+                      <a:endParaRPr lang="en-GB" sz="1000" b="0" i="0" u="none" strike="noStrike" cap="none" spc="0" baseline="0">
+                        <a:ln>
+                          <a:noFill/>
+                        </a:ln>
+                        <a:solidFill>
+                          <a:srgbClr val="000000"/>
+                        </a:solidFill>
+                        <a:uFillTx/>
+                        <a:latin typeface="Segoe UI" pitchFamily="34" charset="0"/>
+                        <a:ea typeface="+mn-ea"/>
+                        <a:cs typeface="Segoe UI" pitchFamily="34" charset="0"/>
+                        <a:sym typeface="Source Sans Pro"/>
+                      </a:endParaRPr>
+                    </a:p>
+                  </a:txBody>
+                  <a:tcPr>
+                    <a:lnL w="6350" cap="flat" cmpd="sng" algn="ctr">
+                      <a:solidFill>
+                        <a:srgbClr val="000000"/>
+                      </a:solidFill>
+                      <a:prstDash val="solid"/>
+                      <a:round/>
+                      <a:headEnd type="none" w="med" len="med"/>
+                      <a:tailEnd type="none" w="med" len="med"/>
+                    </a:lnL>
+                    <a:lnR w="12700" cap="flat" cmpd="sng" algn="ctr">
+                      <a:solidFill>
+                        <a:schemeClr val="tx1"/>
+                      </a:solidFill>
+                      <a:prstDash val="solid"/>
+                      <a:round/>
+                      <a:headEnd type="none" w="med" len="med"/>
+                      <a:tailEnd type="none" w="med" len="med"/>
+                    </a:lnR>
+                    <a:lnT w="12700" cmpd="sng">
+                      <a:noFill/>
+                    </a:lnT>
+                    <a:lnB w="6350" cap="flat" cmpd="sng" algn="ctr">
+                      <a:solidFill>
+                        <a:srgbClr val="000000"/>
+                      </a:solidFill>
+                      <a:prstDash val="solid"/>
+                      <a:round/>
+                      <a:headEnd type="none" w="med" len="med"/>
+                      <a:tailEnd type="none" w="med" len="med"/>
+                    </a:lnB>
+                    <a:lnTlToBr w="12700" cmpd="sng">
+                      <a:noFill/>
+                      <a:prstDash val="solid"/>
+                    </a:lnTlToBr>
+                    <a:lnBlToTr w="12700" cmpd="sng">
+                      <a:noFill/>
+                      <a:prstDash val="solid"/>
+                    </a:lnBlToTr>
+                  </a:tcPr>
+                </a:tc>
+                <a:extLst>
+                  <a:ext uri="{0D108BD9-81ED-4DB2-BD59-A6C34878D82A}">
+                    <a16:rowId xmlns:a16="http://schemas.microsoft.com/office/drawing/2014/main" xmlns="" val="10006"/>
+                  </a:ext>
+                </a:extLst>
+              </a:tr>
+            </a:tbl>
+          </a:graphicData>
+        </a:graphic>
+      </p:graphicFrame>
+      <p:graphicFrame>
+        <p:nvGraphicFramePr>
+          <p:cNvPr id="17" name="Table 16"/>
+          <p:cNvGraphicFramePr>
+            <a:graphicFrameLocks noGrp="1"/>
+          </p:cNvGraphicFramePr>
+          <p:nvPr>
+            <p:extLst>
+              <p:ext uri="{D42A27DB-BD31-4B8C-83A1-F6EECF244321}">
+                <p14:modId xmlns:p14="http://schemas.microsoft.com/office/powerpoint/2010/main" val="1873145992"/>
+              </p:ext>
+            </p:extLst>
+          </p:nvPr>
+        </p:nvGraphicFramePr>
+        <p:xfrm>
+          <a:off x="582844" y="8468441"/>
+          <a:ext cx="3825875" cy="1315136"/>
+        </p:xfrm>
+        <a:graphic>
+          <a:graphicData uri="http://schemas.openxmlformats.org/drawingml/2006/table">
+            <a:tbl>
+              <a:tblPr firstRow="1" bandRow="1">
+                <a:tableStyleId>{5940675A-B579-460E-94D1-54222C63F5DA}</a:tableStyleId>
+              </a:tblPr>
+              <a:tblGrid>
+                <a:gridCol w="3825875">
+                  <a:extLst>
+                    <a:ext uri="{9D8B030D-6E8A-4147-A177-3AD203B41FA5}">
+                      <a16:colId xmlns:a16="http://schemas.microsoft.com/office/drawing/2014/main" xmlns="" val="20000"/>
+                    </a:ext>
+                  </a:extLst>
+                </a:gridCol>
+              </a:tblGrid>
+              <a:tr h="260350">
+                <a:tc>
+                  <a:txBody>
+                    <a:bodyPr/>
+                    <a:lstStyle/>
+                    <a:p>
+                      <a:pPr algn="l"/>
+                      <a:r>
+                        <a:rPr lang="en-GB" sz="1000" b="1" baseline="0" smtClean="0">
+                          <a:solidFill>
+                            <a:srgbClr val="000000"/>
+                          </a:solidFill>
+                          <a:latin typeface="Segoe UI" pitchFamily="34" charset="0"/>
+                          <a:cs typeface="Segoe UI" pitchFamily="34" charset="0"/>
+                        </a:rPr>
+                        <a:t>title</a:t>
+                      </a:r>
+                      <a:endParaRPr lang="en-GB" sz="1000" b="1" baseline="0">
+                        <a:solidFill>
+                          <a:srgbClr val="000000"/>
+                        </a:solidFill>
+                        <a:latin typeface="Segoe UI" pitchFamily="34" charset="0"/>
+                        <a:cs typeface="Segoe UI" pitchFamily="34" charset="0"/>
+                      </a:endParaRPr>
+                    </a:p>
+                  </a:txBody>
+                  <a:tcPr>
+                    <a:lnL w="6350" cap="flat" cmpd="sng" algn="ctr">
+                      <a:solidFill>
+                        <a:srgbClr val="000000"/>
+                      </a:solidFill>
+                      <a:prstDash val="solid"/>
+                      <a:round/>
+                      <a:headEnd type="none" w="med" len="med"/>
+                      <a:tailEnd type="none" w="med" len="med"/>
+                    </a:lnL>
+                    <a:lnR w="12700" cap="flat" cmpd="sng" algn="ctr">
+                      <a:solidFill>
+                        <a:schemeClr val="tx1"/>
+                      </a:solidFill>
+                      <a:prstDash val="solid"/>
+                      <a:round/>
+                      <a:headEnd type="none" w="med" len="med"/>
+                      <a:tailEnd type="none" w="med" len="med"/>
+                    </a:lnR>
+                    <a:lnT w="6350" cap="flat" cmpd="sng" algn="ctr">
+                      <a:solidFill>
+                        <a:srgbClr val="000000"/>
+                      </a:solidFill>
+                      <a:prstDash val="solid"/>
+                      <a:round/>
+                      <a:headEnd type="none" w="med" len="med"/>
+                      <a:tailEnd type="none" w="med" len="med"/>
+                    </a:lnT>
+                    <a:lnB w="6350" cap="flat" cmpd="sng" algn="ctr">
+                      <a:solidFill>
+                        <a:srgbClr val="000000"/>
+                      </a:solidFill>
+                      <a:prstDash val="solid"/>
+                      <a:round/>
+                      <a:headEnd type="none" w="med" len="med"/>
+                      <a:tailEnd type="none" w="med" len="med"/>
+                    </a:lnB>
+                    <a:lnTlToBr w="12700" cmpd="sng">
+                      <a:noFill/>
+                      <a:prstDash val="solid"/>
+                    </a:lnTlToBr>
+                    <a:lnBlToTr w="12700" cmpd="sng">
+                      <a:noFill/>
+                      <a:prstDash val="solid"/>
+                    </a:lnBlToTr>
+                  </a:tcPr>
+                </a:tc>
+                <a:extLst>
+                  <a:ext uri="{0D108BD9-81ED-4DB2-BD59-A6C34878D82A}">
+                    <a16:rowId xmlns:a16="http://schemas.microsoft.com/office/drawing/2014/main" xmlns="" val="10000"/>
+                  </a:ext>
+                </a:extLst>
+              </a:tr>
+              <a:tr h="273736">
+                <a:tc>
+                  <a:txBody>
+                    <a:bodyPr/>
+                    <a:lstStyle/>
+                    <a:p>
+                      <a:pPr marL="0" marR="0" indent="0" algn="l" defTabSz="584200" rtl="0" eaLnBrk="1" fontAlgn="auto" latinLnBrk="0" hangingPunct="1">
+                        <a:lnSpc>
+                          <a:spcPct val="100000"/>
+                        </a:lnSpc>
+                        <a:spcBef>
+                          <a:spcPts val="0"/>
+                        </a:spcBef>
+                        <a:spcAft>
+                          <a:spcPts val="0"/>
+                        </a:spcAft>
+                        <a:buClrTx/>
+                        <a:buSzTx/>
+                        <a:buFontTx/>
+                        <a:buNone/>
+                        <a:tabLst/>
+                        <a:defRPr/>
+                      </a:pPr>
+                      <a:endParaRPr lang="en-GB" sz="1000">
+                        <a:solidFill>
+                          <a:srgbClr val="000000"/>
+                        </a:solidFill>
+                        <a:latin typeface="Segoe UI" pitchFamily="34" charset="0"/>
+                        <a:cs typeface="Segoe UI" pitchFamily="34" charset="0"/>
+                      </a:endParaRPr>
+                    </a:p>
+                  </a:txBody>
+                  <a:tcPr>
+                    <a:lnL w="6350" cap="flat" cmpd="sng" algn="ctr">
+                      <a:solidFill>
+                        <a:srgbClr val="000000"/>
+                      </a:solidFill>
+                      <a:prstDash val="solid"/>
+                      <a:round/>
+                      <a:headEnd type="none" w="med" len="med"/>
+                      <a:tailEnd type="none" w="med" len="med"/>
+                    </a:lnL>
+                    <a:lnR w="12700" cap="flat" cmpd="sng" algn="ctr">
+                      <a:solidFill>
+                        <a:schemeClr val="tx1"/>
+                      </a:solidFill>
+                      <a:prstDash val="solid"/>
+                      <a:round/>
+                      <a:headEnd type="none" w="med" len="med"/>
+                      <a:tailEnd type="none" w="med" len="med"/>
+                    </a:lnR>
+                    <a:lnT w="6350" cap="flat" cmpd="sng" algn="ctr">
+                      <a:solidFill>
+                        <a:srgbClr val="000000"/>
+                      </a:solidFill>
+                      <a:prstDash val="solid"/>
+                      <a:round/>
+                      <a:headEnd type="none" w="med" len="med"/>
+                      <a:tailEnd type="none" w="med" len="med"/>
+                    </a:lnT>
+                    <a:lnB w="12700" cmpd="sng">
+                      <a:noFill/>
+                    </a:lnB>
+                    <a:lnTlToBr w="12700" cmpd="sng">
+                      <a:noFill/>
+                      <a:prstDash val="solid"/>
+                    </a:lnTlToBr>
+                    <a:lnBlToTr w="12700" cmpd="sng">
+                      <a:noFill/>
+                      <a:prstDash val="solid"/>
+                    </a:lnBlToTr>
+                  </a:tcPr>
+                </a:tc>
+                <a:extLst>
+                  <a:ext uri="{0D108BD9-81ED-4DB2-BD59-A6C34878D82A}">
+                    <a16:rowId xmlns:a16="http://schemas.microsoft.com/office/drawing/2014/main" xmlns="" val="10001"/>
+                  </a:ext>
+                </a:extLst>
+              </a:tr>
+              <a:tr h="260350">
+                <a:tc>
+                  <a:txBody>
+                    <a:bodyPr/>
+                    <a:lstStyle/>
+                    <a:p>
+                      <a:pPr algn="l"/>
+                      <a:endParaRPr lang="en-GB" sz="1000">
+                        <a:solidFill>
+                          <a:srgbClr val="000000"/>
+                        </a:solidFill>
+                        <a:latin typeface="Segoe UI" pitchFamily="34" charset="0"/>
+                        <a:cs typeface="Segoe UI" pitchFamily="34" charset="0"/>
+                      </a:endParaRPr>
+                    </a:p>
+                  </a:txBody>
+                  <a:tcPr>
+                    <a:lnL w="6350" cap="flat" cmpd="sng" algn="ctr">
+                      <a:solidFill>
+                        <a:srgbClr val="000000"/>
+                      </a:solidFill>
+                      <a:prstDash val="solid"/>
+                      <a:round/>
+                      <a:headEnd type="none" w="med" len="med"/>
+                      <a:tailEnd type="none" w="med" len="med"/>
+                    </a:lnL>
+                    <a:lnR w="12700" cap="flat" cmpd="sng" algn="ctr">
+                      <a:solidFill>
+                        <a:schemeClr val="tx1"/>
+                      </a:solidFill>
+                      <a:prstDash val="solid"/>
+                      <a:round/>
+                      <a:headEnd type="none" w="med" len="med"/>
+                      <a:tailEnd type="none" w="med" len="med"/>
+                    </a:lnR>
+                    <a:lnT w="12700" cmpd="sng">
+                      <a:noFill/>
+                    </a:lnT>
+                    <a:lnB w="12700" cmpd="sng">
+                      <a:noFill/>
+                    </a:lnB>
+                    <a:lnTlToBr w="12700" cmpd="sng">
+                      <a:noFill/>
+                      <a:prstDash val="solid"/>
+                    </a:lnTlToBr>
+                    <a:lnBlToTr w="12700" cmpd="sng">
+                      <a:noFill/>
+                      <a:prstDash val="solid"/>
+                    </a:lnBlToTr>
+                  </a:tcPr>
+                </a:tc>
+                <a:extLst>
+                  <a:ext uri="{0D108BD9-81ED-4DB2-BD59-A6C34878D82A}">
+                    <a16:rowId xmlns:a16="http://schemas.microsoft.com/office/drawing/2014/main" xmlns="" val="10002"/>
+                  </a:ext>
+                </a:extLst>
+              </a:tr>
+              <a:tr h="260350">
+                <a:tc>
+                  <a:txBody>
+                    <a:bodyPr/>
+                    <a:lstStyle/>
+                    <a:p>
+                      <a:pPr marL="0" marR="0" indent="0" algn="l" defTabSz="584200" rtl="0" eaLnBrk="1" fontAlgn="auto" latinLnBrk="0" hangingPunct="1">
+                        <a:lnSpc>
+                          <a:spcPct val="100000"/>
+                        </a:lnSpc>
+                        <a:spcBef>
+                          <a:spcPts val="0"/>
+                        </a:spcBef>
+                        <a:spcAft>
+                          <a:spcPts val="0"/>
+                        </a:spcAft>
+                        <a:buClrTx/>
+                        <a:buSzTx/>
+                        <a:buFontTx/>
+                        <a:buNone/>
+                        <a:tabLst/>
+                        <a:defRPr/>
+                      </a:pPr>
+                      <a:endParaRPr lang="en-GB" sz="1000" i="0">
+                        <a:solidFill>
+                          <a:srgbClr val="000000"/>
+                        </a:solidFill>
+                        <a:latin typeface="Segoe UI" pitchFamily="34" charset="0"/>
+                        <a:cs typeface="Segoe UI" pitchFamily="34" charset="0"/>
+                      </a:endParaRPr>
+                    </a:p>
+                  </a:txBody>
+                  <a:tcPr>
+                    <a:lnL w="6350" cap="flat" cmpd="sng" algn="ctr">
+                      <a:solidFill>
+                        <a:srgbClr val="000000"/>
+                      </a:solidFill>
+                      <a:prstDash val="solid"/>
+                      <a:round/>
+                      <a:headEnd type="none" w="med" len="med"/>
+                      <a:tailEnd type="none" w="med" len="med"/>
+                    </a:lnL>
+                    <a:lnR w="12700" cap="flat" cmpd="sng" algn="ctr">
+                      <a:solidFill>
+                        <a:schemeClr val="tx1"/>
+                      </a:solidFill>
+                      <a:prstDash val="solid"/>
+                      <a:round/>
+                      <a:headEnd type="none" w="med" len="med"/>
+                      <a:tailEnd type="none" w="med" len="med"/>
+                    </a:lnR>
+                    <a:lnT w="12700" cmpd="sng">
+                      <a:noFill/>
+                    </a:lnT>
+                    <a:lnB w="12700" cmpd="sng">
+                      <a:noFill/>
+                    </a:lnB>
+                    <a:lnTlToBr w="12700" cmpd="sng">
+                      <a:noFill/>
+                      <a:prstDash val="solid"/>
+                    </a:lnTlToBr>
+                    <a:lnBlToTr w="12700" cmpd="sng">
+                      <a:noFill/>
+                      <a:prstDash val="solid"/>
+                    </a:lnBlToTr>
+                  </a:tcPr>
+                </a:tc>
+                <a:extLst>
+                  <a:ext uri="{0D108BD9-81ED-4DB2-BD59-A6C34878D82A}">
+                    <a16:rowId xmlns:a16="http://schemas.microsoft.com/office/drawing/2014/main" xmlns="" val="10003"/>
+                  </a:ext>
+                </a:extLst>
+              </a:tr>
+              <a:tr h="260350">
+                <a:tc>
+                  <a:txBody>
+                    <a:bodyPr/>
+                    <a:lstStyle/>
+                    <a:p>
+                      <a:pPr marL="0" marR="0" indent="0" algn="l" defTabSz="584200" rtl="0" eaLnBrk="1" fontAlgn="auto" latinLnBrk="0" hangingPunct="1">
+                        <a:lnSpc>
+                          <a:spcPct val="100000"/>
+                        </a:lnSpc>
+                        <a:spcBef>
+                          <a:spcPts val="0"/>
+                        </a:spcBef>
+                        <a:spcAft>
+                          <a:spcPts val="0"/>
+                        </a:spcAft>
+                        <a:buClrTx/>
+                        <a:buSzTx/>
+                        <a:buFontTx/>
+                        <a:buNone/>
+                        <a:tabLst/>
+                        <a:defRPr/>
+                      </a:pPr>
+                      <a:r>
+                        <a:rPr lang="en-GB" sz="1000" b="0" i="0" u="none" strike="noStrike" cap="none" spc="0" baseline="0">
+                          <a:ln>
+                            <a:noFill/>
+                          </a:ln>
+                          <a:solidFill>
+                            <a:srgbClr val="000000"/>
+                          </a:solidFill>
+                          <a:uFillTx/>
+                          <a:latin typeface="Segoe UI" pitchFamily="34" charset="0"/>
+                          <a:ea typeface="+mn-ea"/>
+                          <a:cs typeface="Segoe UI" pitchFamily="34" charset="0"/>
+                          <a:sym typeface="Source Sans Pro"/>
+                        </a:rPr>
+                        <a:t>Source: </a:t>
+                      </a:r>
+                      <a:r>
+                        <a:rPr lang="en-GB" sz="1000" b="0" i="0" u="none" strike="noStrike" cap="none" spc="0" baseline="0">
+                          <a:ln>
+                            <a:noFill/>
+                          </a:ln>
+                          <a:solidFill>
+                            <a:srgbClr val="000000"/>
+                          </a:solidFill>
+                          <a:uFillTx/>
+                          <a:latin typeface="Segoe UI" pitchFamily="34" charset="0"/>
+                          <a:ea typeface="+mn-ea"/>
+                          <a:cs typeface="Segoe UI" pitchFamily="34" charset="0"/>
+                          <a:sym typeface="Helvetica Light"/>
+                        </a:rPr>
+                        <a:t>Business Forecasting p. </a:t>
+                      </a:r>
+                      <a:r>
+                        <a:rPr lang="en-GB" sz="1000" b="0" i="0" u="none" strike="noStrike" cap="none" spc="0" baseline="0" smtClean="0">
+                          <a:ln>
+                            <a:noFill/>
+                          </a:ln>
+                          <a:solidFill>
+                            <a:srgbClr val="000000"/>
+                          </a:solidFill>
+                          <a:uFillTx/>
+                          <a:latin typeface="Segoe UI" pitchFamily="34" charset="0"/>
+                          <a:ea typeface="+mn-ea"/>
+                          <a:cs typeface="Segoe UI" pitchFamily="34" charset="0"/>
+                          <a:sym typeface="Helvetica Light"/>
+                        </a:rPr>
+                        <a:t>x</a:t>
+                      </a:r>
+                      <a:endParaRPr lang="en-GB" sz="1000" b="0" i="0" u="none" strike="noStrike" cap="none" spc="0" baseline="0">
+                        <a:ln>
+                          <a:noFill/>
+                        </a:ln>
+                        <a:solidFill>
+                          <a:srgbClr val="000000"/>
+                        </a:solidFill>
+                        <a:uFillTx/>
+                        <a:latin typeface="Segoe UI" pitchFamily="34" charset="0"/>
+                        <a:ea typeface="+mn-ea"/>
+                        <a:cs typeface="Segoe UI" pitchFamily="34" charset="0"/>
+                        <a:sym typeface="Source Sans Pro"/>
+                      </a:endParaRPr>
+                    </a:p>
+                  </a:txBody>
+                  <a:tcPr>
+                    <a:lnL w="6350" cap="flat" cmpd="sng" algn="ctr">
+                      <a:solidFill>
+                        <a:srgbClr val="000000"/>
+                      </a:solidFill>
+                      <a:prstDash val="solid"/>
+                      <a:round/>
+                      <a:headEnd type="none" w="med" len="med"/>
+                      <a:tailEnd type="none" w="med" len="med"/>
+                    </a:lnL>
+                    <a:lnR w="12700" cap="flat" cmpd="sng" algn="ctr">
+                      <a:solidFill>
+                        <a:schemeClr val="tx1"/>
+                      </a:solidFill>
+                      <a:prstDash val="solid"/>
+                      <a:round/>
+                      <a:headEnd type="none" w="med" len="med"/>
+                      <a:tailEnd type="none" w="med" len="med"/>
+                    </a:lnR>
+                    <a:lnT w="12700" cmpd="sng">
+                      <a:noFill/>
+                    </a:lnT>
+                    <a:lnB w="6350" cap="flat" cmpd="sng" algn="ctr">
+                      <a:solidFill>
+                        <a:srgbClr val="000000"/>
+                      </a:solidFill>
+                      <a:prstDash val="solid"/>
+                      <a:round/>
+                      <a:headEnd type="none" w="med" len="med"/>
+                      <a:tailEnd type="none" w="med" len="med"/>
+                    </a:lnB>
+                    <a:lnTlToBr w="12700" cmpd="sng">
+                      <a:noFill/>
+                      <a:prstDash val="solid"/>
+                    </a:lnTlToBr>
+                    <a:lnBlToTr w="12700" cmpd="sng">
+                      <a:noFill/>
+                      <a:prstDash val="solid"/>
+                    </a:lnBlToTr>
+                  </a:tcPr>
+                </a:tc>
+                <a:extLst>
+                  <a:ext uri="{0D108BD9-81ED-4DB2-BD59-A6C34878D82A}">
+                    <a16:rowId xmlns:a16="http://schemas.microsoft.com/office/drawing/2014/main" xmlns="" val="10006"/>
+                  </a:ext>
+                </a:extLst>
+              </a:tr>
+            </a:tbl>
+          </a:graphicData>
+        </a:graphic>
+      </p:graphicFrame>
+      <p:graphicFrame>
+        <p:nvGraphicFramePr>
+          <p:cNvPr id="18" name="Table 17"/>
+          <p:cNvGraphicFramePr>
+            <a:graphicFrameLocks noGrp="1"/>
+          </p:cNvGraphicFramePr>
+          <p:nvPr>
+            <p:extLst>
+              <p:ext uri="{D42A27DB-BD31-4B8C-83A1-F6EECF244321}">
+                <p14:modId xmlns:p14="http://schemas.microsoft.com/office/powerpoint/2010/main" val="933218042"/>
+              </p:ext>
+            </p:extLst>
+          </p:nvPr>
+        </p:nvGraphicFramePr>
+        <p:xfrm>
+          <a:off x="179619" y="3184606"/>
+          <a:ext cx="3825875" cy="2776220"/>
+        </p:xfrm>
+        <a:graphic>
+          <a:graphicData uri="http://schemas.openxmlformats.org/drawingml/2006/table">
+            <a:tbl>
+              <a:tblPr firstRow="1" bandRow="1">
+                <a:tableStyleId>{5940675A-B579-460E-94D1-54222C63F5DA}</a:tableStyleId>
+              </a:tblPr>
+              <a:tblGrid>
+                <a:gridCol w="3825875">
+                  <a:extLst>
+                    <a:ext uri="{9D8B030D-6E8A-4147-A177-3AD203B41FA5}">
+                      <a16:colId xmlns:a16="http://schemas.microsoft.com/office/drawing/2014/main" xmlns="" val="20000"/>
+                    </a:ext>
+                  </a:extLst>
+                </a:gridCol>
+              </a:tblGrid>
+              <a:tr h="260350">
+                <a:tc>
+                  <a:txBody>
+                    <a:bodyPr/>
+                    <a:lstStyle/>
+                    <a:p>
+                      <a:pPr algn="l"/>
+                      <a:r>
+                        <a:rPr lang="en-GB" sz="1000" b="1" baseline="0" smtClean="0">
+                          <a:solidFill>
+                            <a:srgbClr val="000000"/>
+                          </a:solidFill>
+                          <a:latin typeface="Segoe UI" pitchFamily="34" charset="0"/>
+                          <a:cs typeface="Segoe UI" pitchFamily="34" charset="0"/>
+                        </a:rPr>
+                        <a:t>Forecasting Level</a:t>
+                      </a:r>
+                      <a:endParaRPr lang="en-GB" sz="1000" b="1" baseline="0">
+                        <a:solidFill>
+                          <a:srgbClr val="000000"/>
+                        </a:solidFill>
+                        <a:latin typeface="Segoe UI" pitchFamily="34" charset="0"/>
+                        <a:cs typeface="Segoe UI" pitchFamily="34" charset="0"/>
+                      </a:endParaRPr>
+                    </a:p>
+                  </a:txBody>
+                  <a:tcPr>
+                    <a:lnL w="6350" cap="flat" cmpd="sng" algn="ctr">
+                      <a:solidFill>
+                        <a:srgbClr val="000000"/>
+                      </a:solidFill>
+                      <a:prstDash val="solid"/>
+                      <a:round/>
+                      <a:headEnd type="none" w="med" len="med"/>
+                      <a:tailEnd type="none" w="med" len="med"/>
+                    </a:lnL>
+                    <a:lnR w="12700" cap="flat" cmpd="sng" algn="ctr">
+                      <a:solidFill>
+                        <a:schemeClr val="tx1"/>
+                      </a:solidFill>
+                      <a:prstDash val="solid"/>
+                      <a:round/>
+                      <a:headEnd type="none" w="med" len="med"/>
+                      <a:tailEnd type="none" w="med" len="med"/>
+                    </a:lnR>
+                    <a:lnT w="6350" cap="flat" cmpd="sng" algn="ctr">
+                      <a:solidFill>
+                        <a:srgbClr val="000000"/>
+                      </a:solidFill>
+                      <a:prstDash val="solid"/>
+                      <a:round/>
+                      <a:headEnd type="none" w="med" len="med"/>
+                      <a:tailEnd type="none" w="med" len="med"/>
+                    </a:lnT>
+                    <a:lnB w="6350" cap="flat" cmpd="sng" algn="ctr">
+                      <a:solidFill>
+                        <a:srgbClr val="000000"/>
+                      </a:solidFill>
+                      <a:prstDash val="solid"/>
+                      <a:round/>
+                      <a:headEnd type="none" w="med" len="med"/>
+                      <a:tailEnd type="none" w="med" len="med"/>
+                    </a:lnB>
+                    <a:lnTlToBr w="12700" cmpd="sng">
+                      <a:noFill/>
+                      <a:prstDash val="solid"/>
+                    </a:lnTlToBr>
+                    <a:lnBlToTr w="12700" cmpd="sng">
+                      <a:noFill/>
+                      <a:prstDash val="solid"/>
+                    </a:lnBlToTr>
+                  </a:tcPr>
+                </a:tc>
+                <a:extLst>
+                  <a:ext uri="{0D108BD9-81ED-4DB2-BD59-A6C34878D82A}">
+                    <a16:rowId xmlns:a16="http://schemas.microsoft.com/office/drawing/2014/main" xmlns="" val="10000"/>
+                  </a:ext>
+                </a:extLst>
+              </a:tr>
+              <a:tr h="273736">
+                <a:tc>
+                  <a:txBody>
+                    <a:bodyPr/>
+                    <a:lstStyle/>
+                    <a:p>
+                      <a:pPr marL="0" marR="0" indent="0" algn="l" defTabSz="584200" rtl="0" eaLnBrk="1" fontAlgn="auto" latinLnBrk="0" hangingPunct="1">
+                        <a:lnSpc>
+                          <a:spcPct val="100000"/>
+                        </a:lnSpc>
+                        <a:spcBef>
+                          <a:spcPts val="0"/>
+                        </a:spcBef>
+                        <a:spcAft>
+                          <a:spcPts val="0"/>
+                        </a:spcAft>
+                        <a:buClrTx/>
+                        <a:buSzTx/>
+                        <a:buFontTx/>
+                        <a:buNone/>
+                        <a:tabLst/>
+                        <a:defRPr/>
+                      </a:pPr>
+                      <a:r>
+                        <a:rPr lang="en-GB" sz="1000" b="1" smtClean="0">
+                          <a:solidFill>
+                            <a:srgbClr val="000000"/>
+                          </a:solidFill>
+                          <a:latin typeface="Segoe UI" pitchFamily="34" charset="0"/>
+                          <a:cs typeface="Segoe UI" pitchFamily="34" charset="0"/>
+                        </a:rPr>
+                        <a:t>Can it be simpler?</a:t>
+                      </a:r>
+                      <a:r>
+                        <a:rPr lang="en-GB" sz="1000" smtClean="0">
+                          <a:solidFill>
+                            <a:srgbClr val="000000"/>
+                          </a:solidFill>
+                          <a:latin typeface="Segoe UI" pitchFamily="34" charset="0"/>
+                          <a:cs typeface="Segoe UI" pitchFamily="34" charset="0"/>
+                        </a:rPr>
+                        <a:t/>
+                      </a:r>
+                      <a:br>
+                        <a:rPr lang="en-GB" sz="1000" smtClean="0">
+                          <a:solidFill>
+                            <a:srgbClr val="000000"/>
+                          </a:solidFill>
+                          <a:latin typeface="Segoe UI" pitchFamily="34" charset="0"/>
+                          <a:cs typeface="Segoe UI" pitchFamily="34" charset="0"/>
+                        </a:rPr>
+                      </a:br>
+                      <a:r>
+                        <a:rPr lang="en-GB" sz="1000" smtClean="0">
+                          <a:solidFill>
+                            <a:srgbClr val="000000"/>
+                          </a:solidFill>
+                          <a:latin typeface="Segoe UI" pitchFamily="34" charset="0"/>
+                          <a:cs typeface="Segoe UI" pitchFamily="34" charset="0"/>
+                        </a:rPr>
+                        <a:t>Can forecasting hierarchy be simplified? If a forecasting level</a:t>
+                      </a:r>
+                      <a:r>
+                        <a:rPr lang="en-GB" sz="1000" baseline="0" smtClean="0">
+                          <a:solidFill>
+                            <a:srgbClr val="000000"/>
+                          </a:solidFill>
+                          <a:latin typeface="Segoe UI" pitchFamily="34" charset="0"/>
+                          <a:cs typeface="Segoe UI" pitchFamily="34" charset="0"/>
+                        </a:rPr>
+                        <a:t> is not strictly required, it should not be included in your forecasting hierarchy. Your goal is to always keep your forecasting hierarcy as simple as possible, while still getting the job done.</a:t>
+                      </a:r>
+                      <a:endParaRPr lang="en-GB" sz="1000">
+                        <a:solidFill>
+                          <a:srgbClr val="000000"/>
+                        </a:solidFill>
+                        <a:latin typeface="Segoe UI" pitchFamily="34" charset="0"/>
+                        <a:cs typeface="Segoe UI" pitchFamily="34" charset="0"/>
+                      </a:endParaRPr>
+                    </a:p>
+                  </a:txBody>
+                  <a:tcPr>
+                    <a:lnL w="6350" cap="flat" cmpd="sng" algn="ctr">
+                      <a:solidFill>
+                        <a:srgbClr val="000000"/>
+                      </a:solidFill>
+                      <a:prstDash val="solid"/>
+                      <a:round/>
+                      <a:headEnd type="none" w="med" len="med"/>
+                      <a:tailEnd type="none" w="med" len="med"/>
+                    </a:lnL>
+                    <a:lnR w="12700" cap="flat" cmpd="sng" algn="ctr">
+                      <a:solidFill>
+                        <a:schemeClr val="tx1"/>
+                      </a:solidFill>
+                      <a:prstDash val="solid"/>
+                      <a:round/>
+                      <a:headEnd type="none" w="med" len="med"/>
+                      <a:tailEnd type="none" w="med" len="med"/>
+                    </a:lnR>
+                    <a:lnT w="6350" cap="flat" cmpd="sng" algn="ctr">
+                      <a:solidFill>
+                        <a:srgbClr val="000000"/>
+                      </a:solidFill>
+                      <a:prstDash val="solid"/>
+                      <a:round/>
+                      <a:headEnd type="none" w="med" len="med"/>
+                      <a:tailEnd type="none" w="med" len="med"/>
+                    </a:lnT>
+                    <a:lnB w="12700" cmpd="sng">
+                      <a:noFill/>
+                    </a:lnB>
+                    <a:lnTlToBr w="12700" cmpd="sng">
+                      <a:noFill/>
+                      <a:prstDash val="solid"/>
+                    </a:lnTlToBr>
+                    <a:lnBlToTr w="12700" cmpd="sng">
+                      <a:noFill/>
+                      <a:prstDash val="solid"/>
+                    </a:lnBlToTr>
+                  </a:tcPr>
+                </a:tc>
+                <a:extLst>
+                  <a:ext uri="{0D108BD9-81ED-4DB2-BD59-A6C34878D82A}">
+                    <a16:rowId xmlns:a16="http://schemas.microsoft.com/office/drawing/2014/main" xmlns="" val="10001"/>
+                  </a:ext>
+                </a:extLst>
+              </a:tr>
+              <a:tr h="260350">
+                <a:tc>
+                  <a:txBody>
+                    <a:bodyPr/>
+                    <a:lstStyle/>
+                    <a:p>
+                      <a:pPr algn="l"/>
+                      <a:r>
+                        <a:rPr lang="en-GB" sz="1000" b="1" smtClean="0">
+                          <a:solidFill>
+                            <a:srgbClr val="000000"/>
+                          </a:solidFill>
+                          <a:latin typeface="Segoe UI" pitchFamily="34" charset="0"/>
+                          <a:cs typeface="Segoe UI" pitchFamily="34" charset="0"/>
+                        </a:rPr>
+                        <a:t>Do you have enough structure?</a:t>
+                      </a:r>
+                      <a:br>
+                        <a:rPr lang="en-GB" sz="1000" b="1" smtClean="0">
+                          <a:solidFill>
+                            <a:srgbClr val="000000"/>
+                          </a:solidFill>
+                          <a:latin typeface="Segoe UI" pitchFamily="34" charset="0"/>
+                          <a:cs typeface="Segoe UI" pitchFamily="34" charset="0"/>
+                        </a:rPr>
+                      </a:br>
+                      <a:r>
+                        <a:rPr lang="en-GB" sz="1000" smtClean="0">
+                          <a:solidFill>
+                            <a:srgbClr val="000000"/>
+                          </a:solidFill>
+                          <a:latin typeface="Segoe UI" pitchFamily="34" charset="0"/>
+                          <a:cs typeface="Segoe UI" pitchFamily="34" charset="0"/>
+                        </a:rPr>
+                        <a:t>At</a:t>
+                      </a:r>
+                      <a:r>
+                        <a:rPr lang="en-GB" sz="1000" baseline="0" smtClean="0">
+                          <a:solidFill>
+                            <a:srgbClr val="000000"/>
+                          </a:solidFill>
+                          <a:latin typeface="Segoe UI" pitchFamily="34" charset="0"/>
+                          <a:cs typeface="Segoe UI" pitchFamily="34" charset="0"/>
+                        </a:rPr>
+                        <a:t> higher level you may have more structure to the data, e.g. seasonal pattern, less noise, longer history.</a:t>
+                      </a:r>
+                      <a:endParaRPr lang="en-GB" sz="1000">
+                        <a:solidFill>
+                          <a:srgbClr val="000000"/>
+                        </a:solidFill>
+                        <a:latin typeface="Segoe UI" pitchFamily="34" charset="0"/>
+                        <a:cs typeface="Segoe UI" pitchFamily="34" charset="0"/>
+                      </a:endParaRPr>
+                    </a:p>
+                  </a:txBody>
+                  <a:tcPr>
+                    <a:lnL w="6350" cap="flat" cmpd="sng" algn="ctr">
+                      <a:solidFill>
+                        <a:srgbClr val="000000"/>
+                      </a:solidFill>
+                      <a:prstDash val="solid"/>
+                      <a:round/>
+                      <a:headEnd type="none" w="med" len="med"/>
+                      <a:tailEnd type="none" w="med" len="med"/>
+                    </a:lnL>
+                    <a:lnR w="12700" cap="flat" cmpd="sng" algn="ctr">
+                      <a:solidFill>
+                        <a:schemeClr val="tx1"/>
+                      </a:solidFill>
+                      <a:prstDash val="solid"/>
+                      <a:round/>
+                      <a:headEnd type="none" w="med" len="med"/>
+                      <a:tailEnd type="none" w="med" len="med"/>
+                    </a:lnR>
+                    <a:lnT w="12700" cmpd="sng">
+                      <a:noFill/>
+                    </a:lnT>
+                    <a:lnB w="12700" cmpd="sng">
+                      <a:noFill/>
+                    </a:lnB>
+                    <a:lnTlToBr w="12700" cmpd="sng">
+                      <a:noFill/>
+                      <a:prstDash val="solid"/>
+                    </a:lnTlToBr>
+                    <a:lnBlToTr w="12700" cmpd="sng">
+                      <a:noFill/>
+                      <a:prstDash val="solid"/>
+                    </a:lnBlToTr>
+                  </a:tcPr>
+                </a:tc>
+                <a:extLst>
+                  <a:ext uri="{0D108BD9-81ED-4DB2-BD59-A6C34878D82A}">
+                    <a16:rowId xmlns:a16="http://schemas.microsoft.com/office/drawing/2014/main" xmlns="" val="10002"/>
+                  </a:ext>
+                </a:extLst>
+              </a:tr>
+              <a:tr h="260350">
+                <a:tc>
+                  <a:txBody>
+                    <a:bodyPr/>
+                    <a:lstStyle/>
+                    <a:p>
+                      <a:pPr marL="0" marR="0" indent="0" algn="l" defTabSz="584200" rtl="0" eaLnBrk="1" fontAlgn="auto" latinLnBrk="0" hangingPunct="1">
+                        <a:lnSpc>
+                          <a:spcPct val="100000"/>
+                        </a:lnSpc>
+                        <a:spcBef>
+                          <a:spcPts val="0"/>
+                        </a:spcBef>
+                        <a:spcAft>
+                          <a:spcPts val="0"/>
+                        </a:spcAft>
+                        <a:buClrTx/>
+                        <a:buSzTx/>
+                        <a:buFontTx/>
+                        <a:buNone/>
+                        <a:tabLst/>
+                        <a:defRPr/>
+                      </a:pPr>
+                      <a:r>
+                        <a:rPr lang="en-GB" sz="1000" b="1" i="0" smtClean="0">
+                          <a:solidFill>
+                            <a:srgbClr val="000000"/>
+                          </a:solidFill>
+                          <a:latin typeface="Segoe UI" pitchFamily="34" charset="0"/>
+                          <a:cs typeface="Segoe UI" pitchFamily="34" charset="0"/>
+                        </a:rPr>
+                        <a:t>Are the</a:t>
+                      </a:r>
+                      <a:r>
+                        <a:rPr lang="en-GB" sz="1000" b="1" i="0" baseline="0" smtClean="0">
+                          <a:solidFill>
+                            <a:srgbClr val="000000"/>
+                          </a:solidFill>
+                          <a:latin typeface="Segoe UI" pitchFamily="34" charset="0"/>
+                          <a:cs typeface="Segoe UI" pitchFamily="34" charset="0"/>
+                        </a:rPr>
+                        <a:t> relationships between levels changing in time?</a:t>
+                      </a:r>
+                      <a:r>
+                        <a:rPr lang="en-GB" sz="1000" b="1" i="0" smtClean="0">
+                          <a:solidFill>
+                            <a:srgbClr val="000000"/>
+                          </a:solidFill>
+                          <a:latin typeface="Segoe UI" pitchFamily="34" charset="0"/>
+                          <a:cs typeface="Segoe UI" pitchFamily="34" charset="0"/>
+                        </a:rPr>
+                        <a:t/>
+                      </a:r>
+                      <a:br>
+                        <a:rPr lang="en-GB" sz="1000" b="1" i="0" smtClean="0">
+                          <a:solidFill>
+                            <a:srgbClr val="000000"/>
+                          </a:solidFill>
+                          <a:latin typeface="Segoe UI" pitchFamily="34" charset="0"/>
+                          <a:cs typeface="Segoe UI" pitchFamily="34" charset="0"/>
+                        </a:rPr>
+                      </a:br>
+                      <a:r>
+                        <a:rPr lang="en-GB" sz="1000" i="0" smtClean="0">
+                          <a:solidFill>
+                            <a:srgbClr val="000000"/>
+                          </a:solidFill>
+                          <a:latin typeface="Segoe UI" pitchFamily="34" charset="0"/>
+                          <a:cs typeface="Segoe UI" pitchFamily="34" charset="0"/>
+                        </a:rPr>
+                        <a:t>If there is a relationship between two levels of your hierarchy that is time independent (e.g.</a:t>
+                      </a:r>
+                      <a:r>
+                        <a:rPr lang="en-GB" sz="1000" i="0" baseline="0" smtClean="0">
+                          <a:solidFill>
+                            <a:srgbClr val="000000"/>
+                          </a:solidFill>
+                          <a:latin typeface="Segoe UI" pitchFamily="34" charset="0"/>
+                          <a:cs typeface="Segoe UI" pitchFamily="34" charset="0"/>
+                        </a:rPr>
+                        <a:t> different shoe sizes)</a:t>
+                      </a:r>
+                      <a:r>
+                        <a:rPr lang="en-GB" sz="1000" i="0" smtClean="0">
+                          <a:solidFill>
+                            <a:srgbClr val="000000"/>
+                          </a:solidFill>
+                          <a:latin typeface="Segoe UI" pitchFamily="34" charset="0"/>
+                          <a:cs typeface="Segoe UI" pitchFamily="34" charset="0"/>
+                        </a:rPr>
+                        <a:t>, then you may be able to define an</a:t>
+                      </a:r>
+                      <a:r>
+                        <a:rPr lang="en-GB" sz="1000" i="0" baseline="0" smtClean="0">
+                          <a:solidFill>
+                            <a:srgbClr val="000000"/>
+                          </a:solidFill>
+                          <a:latin typeface="Segoe UI" pitchFamily="34" charset="0"/>
+                          <a:cs typeface="Segoe UI" pitchFamily="34" charset="0"/>
+                        </a:rPr>
+                        <a:t> allocation sheme to forecast the lower level rather than trying to forecast it based on history.</a:t>
+                      </a:r>
+                      <a:endParaRPr lang="en-GB" sz="1000" i="0">
+                        <a:solidFill>
+                          <a:srgbClr val="000000"/>
+                        </a:solidFill>
+                        <a:latin typeface="Segoe UI" pitchFamily="34" charset="0"/>
+                        <a:cs typeface="Segoe UI" pitchFamily="34" charset="0"/>
+                      </a:endParaRPr>
+                    </a:p>
+                  </a:txBody>
+                  <a:tcPr>
+                    <a:lnL w="6350" cap="flat" cmpd="sng" algn="ctr">
+                      <a:solidFill>
+                        <a:srgbClr val="000000"/>
+                      </a:solidFill>
+                      <a:prstDash val="solid"/>
+                      <a:round/>
+                      <a:headEnd type="none" w="med" len="med"/>
+                      <a:tailEnd type="none" w="med" len="med"/>
+                    </a:lnL>
+                    <a:lnR w="12700" cap="flat" cmpd="sng" algn="ctr">
+                      <a:solidFill>
+                        <a:schemeClr val="tx1"/>
+                      </a:solidFill>
+                      <a:prstDash val="solid"/>
+                      <a:round/>
+                      <a:headEnd type="none" w="med" len="med"/>
+                      <a:tailEnd type="none" w="med" len="med"/>
+                    </a:lnR>
+                    <a:lnT w="12700" cmpd="sng">
+                      <a:noFill/>
+                    </a:lnT>
+                    <a:lnB w="12700" cmpd="sng">
+                      <a:noFill/>
+                    </a:lnB>
+                    <a:lnTlToBr w="12700" cmpd="sng">
+                      <a:noFill/>
+                      <a:prstDash val="solid"/>
+                    </a:lnTlToBr>
+                    <a:lnBlToTr w="12700" cmpd="sng">
+                      <a:noFill/>
+                      <a:prstDash val="solid"/>
+                    </a:lnBlToTr>
+                  </a:tcPr>
+                </a:tc>
+                <a:extLst>
+                  <a:ext uri="{0D108BD9-81ED-4DB2-BD59-A6C34878D82A}">
+                    <a16:rowId xmlns:a16="http://schemas.microsoft.com/office/drawing/2014/main" xmlns="" val="10003"/>
+                  </a:ext>
+                </a:extLst>
+              </a:tr>
+              <a:tr h="260350">
+                <a:tc>
+                  <a:txBody>
+                    <a:bodyPr/>
+                    <a:lstStyle/>
+                    <a:p>
+                      <a:pPr marL="0" marR="0" indent="0" algn="l" defTabSz="584200" rtl="0" eaLnBrk="1" fontAlgn="auto" latinLnBrk="0" hangingPunct="1">
+                        <a:lnSpc>
+                          <a:spcPct val="100000"/>
+                        </a:lnSpc>
+                        <a:spcBef>
+                          <a:spcPts val="0"/>
+                        </a:spcBef>
+                        <a:spcAft>
+                          <a:spcPts val="0"/>
+                        </a:spcAft>
+                        <a:buClrTx/>
+                        <a:buSzTx/>
+                        <a:buFontTx/>
+                        <a:buNone/>
+                        <a:tabLst/>
+                        <a:defRPr/>
+                      </a:pPr>
+                      <a:r>
+                        <a:rPr lang="en-GB" sz="1000" b="0" i="0" u="none" strike="noStrike" cap="none" spc="0" baseline="0">
+                          <a:ln>
+                            <a:noFill/>
+                          </a:ln>
+                          <a:solidFill>
+                            <a:srgbClr val="000000"/>
+                          </a:solidFill>
+                          <a:uFillTx/>
+                          <a:latin typeface="Segoe UI" pitchFamily="34" charset="0"/>
+                          <a:ea typeface="+mn-ea"/>
+                          <a:cs typeface="Segoe UI" pitchFamily="34" charset="0"/>
+                          <a:sym typeface="Source Sans Pro"/>
+                        </a:rPr>
+                        <a:t>Source: </a:t>
+                      </a:r>
+                      <a:r>
+                        <a:rPr lang="en-GB" sz="1000" b="0" i="0" u="none" strike="noStrike" cap="none" spc="0" baseline="0">
+                          <a:ln>
+                            <a:noFill/>
+                          </a:ln>
+                          <a:solidFill>
+                            <a:srgbClr val="000000"/>
+                          </a:solidFill>
+                          <a:uFillTx/>
+                          <a:latin typeface="Segoe UI" pitchFamily="34" charset="0"/>
+                          <a:ea typeface="+mn-ea"/>
+                          <a:cs typeface="Segoe UI" pitchFamily="34" charset="0"/>
+                          <a:sym typeface="Helvetica Light"/>
+                        </a:rPr>
+                        <a:t>Business Forecasting </a:t>
+                      </a:r>
+                      <a:r>
+                        <a:rPr lang="en-GB" sz="1000" b="0" i="0" u="none" strike="noStrike" cap="none" spc="0" baseline="0" smtClean="0">
+                          <a:ln>
+                            <a:noFill/>
+                          </a:ln>
+                          <a:solidFill>
+                            <a:srgbClr val="000000"/>
+                          </a:solidFill>
+                          <a:uFillTx/>
+                          <a:latin typeface="Segoe UI" pitchFamily="34" charset="0"/>
+                          <a:ea typeface="+mn-ea"/>
+                          <a:cs typeface="Segoe UI" pitchFamily="34" charset="0"/>
+                          <a:sym typeface="Helvetica Light"/>
+                        </a:rPr>
+                        <a:t>Ch. 2.4</a:t>
+                      </a:r>
+                      <a:endParaRPr lang="en-GB" sz="1000" b="0" i="0" u="none" strike="noStrike" cap="none" spc="0" baseline="0">
+                        <a:ln>
+                          <a:noFill/>
+                        </a:ln>
+                        <a:solidFill>
+                          <a:srgbClr val="000000"/>
+                        </a:solidFill>
+                        <a:uFillTx/>
+                        <a:latin typeface="Segoe UI" pitchFamily="34" charset="0"/>
+                        <a:ea typeface="+mn-ea"/>
+                        <a:cs typeface="Segoe UI" pitchFamily="34" charset="0"/>
+                        <a:sym typeface="Source Sans Pro"/>
+                      </a:endParaRPr>
+                    </a:p>
+                  </a:txBody>
+                  <a:tcPr>
+                    <a:lnL w="6350" cap="flat" cmpd="sng" algn="ctr">
+                      <a:solidFill>
+                        <a:srgbClr val="000000"/>
+                      </a:solidFill>
+                      <a:prstDash val="solid"/>
+                      <a:round/>
+                      <a:headEnd type="none" w="med" len="med"/>
+                      <a:tailEnd type="none" w="med" len="med"/>
+                    </a:lnL>
+                    <a:lnR w="12700" cap="flat" cmpd="sng" algn="ctr">
+                      <a:solidFill>
+                        <a:schemeClr val="tx1"/>
+                      </a:solidFill>
+                      <a:prstDash val="solid"/>
+                      <a:round/>
+                      <a:headEnd type="none" w="med" len="med"/>
+                      <a:tailEnd type="none" w="med" len="med"/>
+                    </a:lnR>
+                    <a:lnT w="12700" cmpd="sng">
+                      <a:noFill/>
+                    </a:lnT>
+                    <a:lnB w="6350" cap="flat" cmpd="sng" algn="ctr">
+                      <a:solidFill>
+                        <a:srgbClr val="000000"/>
+                      </a:solidFill>
+                      <a:prstDash val="solid"/>
+                      <a:round/>
+                      <a:headEnd type="none" w="med" len="med"/>
+                      <a:tailEnd type="none" w="med" len="med"/>
+                    </a:lnB>
+                    <a:lnTlToBr w="12700" cmpd="sng">
+                      <a:noFill/>
+                      <a:prstDash val="solid"/>
+                    </a:lnTlToBr>
+                    <a:lnBlToTr w="12700" cmpd="sng">
+                      <a:noFill/>
+                      <a:prstDash val="solid"/>
+                    </a:lnBlToTr>
+                  </a:tcPr>
+                </a:tc>
+                <a:extLst>
+                  <a:ext uri="{0D108BD9-81ED-4DB2-BD59-A6C34878D82A}">
+                    <a16:rowId xmlns:a16="http://schemas.microsoft.com/office/drawing/2014/main" xmlns="" val="10006"/>
+                  </a:ext>
+                </a:extLst>
+              </a:tr>
+            </a:tbl>
+          </a:graphicData>
+        </a:graphic>
+      </p:graphicFrame>
+      <p:graphicFrame>
+        <p:nvGraphicFramePr>
+          <p:cNvPr id="19" name="Table 18"/>
+          <p:cNvGraphicFramePr>
+            <a:graphicFrameLocks noGrp="1"/>
+          </p:cNvGraphicFramePr>
+          <p:nvPr>
+            <p:extLst>
+              <p:ext uri="{D42A27DB-BD31-4B8C-83A1-F6EECF244321}">
+                <p14:modId xmlns:p14="http://schemas.microsoft.com/office/powerpoint/2010/main" val="4133657642"/>
+              </p:ext>
+            </p:extLst>
+          </p:nvPr>
+        </p:nvGraphicFramePr>
+        <p:xfrm>
+          <a:off x="191684" y="6153231"/>
+          <a:ext cx="3825875" cy="2166620"/>
+        </p:xfrm>
+        <a:graphic>
+          <a:graphicData uri="http://schemas.openxmlformats.org/drawingml/2006/table">
+            <a:tbl>
+              <a:tblPr firstRow="1" bandRow="1">
+                <a:tableStyleId>{5940675A-B579-460E-94D1-54222C63F5DA}</a:tableStyleId>
+              </a:tblPr>
+              <a:tblGrid>
+                <a:gridCol w="3825875">
+                  <a:extLst>
+                    <a:ext uri="{9D8B030D-6E8A-4147-A177-3AD203B41FA5}">
+                      <a16:colId xmlns:a16="http://schemas.microsoft.com/office/drawing/2014/main" xmlns="" val="20000"/>
+                    </a:ext>
+                  </a:extLst>
+                </a:gridCol>
+              </a:tblGrid>
+              <a:tr h="260350">
+                <a:tc>
+                  <a:txBody>
+                    <a:bodyPr/>
+                    <a:lstStyle/>
+                    <a:p>
+                      <a:pPr algn="l"/>
+                      <a:r>
+                        <a:rPr lang="en-GB" sz="1000" b="1" baseline="0" smtClean="0">
+                          <a:solidFill>
+                            <a:srgbClr val="000000"/>
+                          </a:solidFill>
+                          <a:latin typeface="Segoe UI" pitchFamily="34" charset="0"/>
+                          <a:cs typeface="Segoe UI" pitchFamily="34" charset="0"/>
+                        </a:rPr>
+                        <a:t>Flat-line Forecast</a:t>
+                      </a:r>
+                      <a:endParaRPr lang="en-GB" sz="1000" b="1" baseline="0">
+                        <a:solidFill>
+                          <a:srgbClr val="000000"/>
+                        </a:solidFill>
+                        <a:latin typeface="Segoe UI" pitchFamily="34" charset="0"/>
+                        <a:cs typeface="Segoe UI" pitchFamily="34" charset="0"/>
+                      </a:endParaRPr>
+                    </a:p>
+                  </a:txBody>
+                  <a:tcPr>
+                    <a:lnL w="6350" cap="flat" cmpd="sng" algn="ctr">
+                      <a:solidFill>
+                        <a:srgbClr val="000000"/>
+                      </a:solidFill>
+                      <a:prstDash val="solid"/>
+                      <a:round/>
+                      <a:headEnd type="none" w="med" len="med"/>
+                      <a:tailEnd type="none" w="med" len="med"/>
+                    </a:lnL>
+                    <a:lnR w="12700" cap="flat" cmpd="sng" algn="ctr">
+                      <a:solidFill>
+                        <a:schemeClr val="tx1"/>
+                      </a:solidFill>
+                      <a:prstDash val="solid"/>
+                      <a:round/>
+                      <a:headEnd type="none" w="med" len="med"/>
+                      <a:tailEnd type="none" w="med" len="med"/>
+                    </a:lnR>
+                    <a:lnT w="6350" cap="flat" cmpd="sng" algn="ctr">
+                      <a:solidFill>
+                        <a:srgbClr val="000000"/>
+                      </a:solidFill>
+                      <a:prstDash val="solid"/>
+                      <a:round/>
+                      <a:headEnd type="none" w="med" len="med"/>
+                      <a:tailEnd type="none" w="med" len="med"/>
+                    </a:lnT>
+                    <a:lnB w="6350" cap="flat" cmpd="sng" algn="ctr">
+                      <a:solidFill>
+                        <a:srgbClr val="000000"/>
+                      </a:solidFill>
+                      <a:prstDash val="solid"/>
+                      <a:round/>
+                      <a:headEnd type="none" w="med" len="med"/>
+                      <a:tailEnd type="none" w="med" len="med"/>
+                    </a:lnB>
+                    <a:lnTlToBr w="12700" cmpd="sng">
+                      <a:noFill/>
+                      <a:prstDash val="solid"/>
+                    </a:lnTlToBr>
+                    <a:lnBlToTr w="12700" cmpd="sng">
+                      <a:noFill/>
+                      <a:prstDash val="solid"/>
+                    </a:lnBlToTr>
+                  </a:tcPr>
+                </a:tc>
+                <a:extLst>
+                  <a:ext uri="{0D108BD9-81ED-4DB2-BD59-A6C34878D82A}">
+                    <a16:rowId xmlns:a16="http://schemas.microsoft.com/office/drawing/2014/main" xmlns="" val="10000"/>
+                  </a:ext>
+                </a:extLst>
+              </a:tr>
+              <a:tr h="273736">
+                <a:tc>
+                  <a:txBody>
+                    <a:bodyPr/>
+                    <a:lstStyle/>
+                    <a:p>
+                      <a:pPr marL="0" marR="0" indent="0" algn="l" defTabSz="584200" rtl="0" eaLnBrk="1" fontAlgn="auto" latinLnBrk="0" hangingPunct="1">
+                        <a:lnSpc>
+                          <a:spcPct val="100000"/>
+                        </a:lnSpc>
+                        <a:spcBef>
+                          <a:spcPts val="0"/>
+                        </a:spcBef>
+                        <a:spcAft>
+                          <a:spcPts val="0"/>
+                        </a:spcAft>
+                        <a:buClrTx/>
+                        <a:buSzTx/>
+                        <a:buFontTx/>
+                        <a:buNone/>
+                        <a:tabLst/>
+                        <a:defRPr/>
+                      </a:pPr>
+                      <a:r>
+                        <a:rPr lang="en-GB" sz="1000" smtClean="0">
+                          <a:solidFill>
+                            <a:srgbClr val="000000"/>
+                          </a:solidFill>
+                          <a:latin typeface="Segoe UI" pitchFamily="34" charset="0"/>
+                          <a:cs typeface="Segoe UI" pitchFamily="34" charset="0"/>
+                        </a:rPr>
+                        <a:t>Use when no trend or seasonality is detected</a:t>
+                      </a:r>
+                      <a:r>
+                        <a:rPr lang="en-GB" sz="1000" baseline="0" smtClean="0">
+                          <a:solidFill>
+                            <a:srgbClr val="000000"/>
+                          </a:solidFill>
+                          <a:latin typeface="Segoe UI" pitchFamily="34" charset="0"/>
+                          <a:cs typeface="Segoe UI" pitchFamily="34" charset="0"/>
+                        </a:rPr>
+                        <a:t> in time-series data, and all ups and downs of history is treated as random noise.</a:t>
+                      </a:r>
+                      <a:endParaRPr lang="en-GB" sz="1000">
+                        <a:solidFill>
+                          <a:srgbClr val="000000"/>
+                        </a:solidFill>
+                        <a:latin typeface="Segoe UI" pitchFamily="34" charset="0"/>
+                        <a:cs typeface="Segoe UI" pitchFamily="34" charset="0"/>
+                      </a:endParaRPr>
+                    </a:p>
+                  </a:txBody>
+                  <a:tcPr>
+                    <a:lnL w="6350" cap="flat" cmpd="sng" algn="ctr">
+                      <a:solidFill>
+                        <a:srgbClr val="000000"/>
+                      </a:solidFill>
+                      <a:prstDash val="solid"/>
+                      <a:round/>
+                      <a:headEnd type="none" w="med" len="med"/>
+                      <a:tailEnd type="none" w="med" len="med"/>
+                    </a:lnL>
+                    <a:lnR w="12700" cap="flat" cmpd="sng" algn="ctr">
+                      <a:solidFill>
+                        <a:schemeClr val="tx1"/>
+                      </a:solidFill>
+                      <a:prstDash val="solid"/>
+                      <a:round/>
+                      <a:headEnd type="none" w="med" len="med"/>
+                      <a:tailEnd type="none" w="med" len="med"/>
+                    </a:lnR>
+                    <a:lnT w="6350" cap="flat" cmpd="sng" algn="ctr">
+                      <a:solidFill>
+                        <a:srgbClr val="000000"/>
+                      </a:solidFill>
+                      <a:prstDash val="solid"/>
+                      <a:round/>
+                      <a:headEnd type="none" w="med" len="med"/>
+                      <a:tailEnd type="none" w="med" len="med"/>
+                    </a:lnT>
+                    <a:lnB w="12700" cmpd="sng">
+                      <a:noFill/>
+                    </a:lnB>
+                    <a:lnTlToBr w="12700" cmpd="sng">
+                      <a:noFill/>
+                      <a:prstDash val="solid"/>
+                    </a:lnTlToBr>
+                    <a:lnBlToTr w="12700" cmpd="sng">
+                      <a:noFill/>
+                      <a:prstDash val="solid"/>
+                    </a:lnBlToTr>
+                  </a:tcPr>
+                </a:tc>
+                <a:extLst>
+                  <a:ext uri="{0D108BD9-81ED-4DB2-BD59-A6C34878D82A}">
+                    <a16:rowId xmlns:a16="http://schemas.microsoft.com/office/drawing/2014/main" xmlns="" val="10001"/>
+                  </a:ext>
+                </a:extLst>
+              </a:tr>
+              <a:tr h="260350">
+                <a:tc>
+                  <a:txBody>
+                    <a:bodyPr/>
+                    <a:lstStyle/>
+                    <a:p>
+                      <a:pPr algn="l"/>
+                      <a:r>
+                        <a:rPr lang="en-GB" sz="1000" smtClean="0">
+                          <a:solidFill>
+                            <a:srgbClr val="000000"/>
+                          </a:solidFill>
+                          <a:latin typeface="Segoe UI" pitchFamily="34" charset="0"/>
+                          <a:cs typeface="Segoe UI" pitchFamily="34" charset="0"/>
+                        </a:rPr>
+                        <a:t>To make such</a:t>
+                      </a:r>
+                      <a:r>
+                        <a:rPr lang="en-GB" sz="1000" baseline="0" smtClean="0">
+                          <a:solidFill>
+                            <a:srgbClr val="000000"/>
+                          </a:solidFill>
+                          <a:latin typeface="Segoe UI" pitchFamily="34" charset="0"/>
+                          <a:cs typeface="Segoe UI" pitchFamily="34" charset="0"/>
+                        </a:rPr>
+                        <a:t> forecasts acceptable to management (can be hard to sell such forecats) and improve their usefulness for planning, confidence limits can be added to show the expected range of fluctuation.</a:t>
+                      </a:r>
+                      <a:endParaRPr lang="en-GB" sz="1000">
+                        <a:solidFill>
+                          <a:srgbClr val="000000"/>
+                        </a:solidFill>
+                        <a:latin typeface="Segoe UI" pitchFamily="34" charset="0"/>
+                        <a:cs typeface="Segoe UI" pitchFamily="34" charset="0"/>
+                      </a:endParaRPr>
+                    </a:p>
+                  </a:txBody>
+                  <a:tcPr>
+                    <a:lnL w="6350" cap="flat" cmpd="sng" algn="ctr">
+                      <a:solidFill>
+                        <a:srgbClr val="000000"/>
+                      </a:solidFill>
+                      <a:prstDash val="solid"/>
+                      <a:round/>
+                      <a:headEnd type="none" w="med" len="med"/>
+                      <a:tailEnd type="none" w="med" len="med"/>
+                    </a:lnL>
+                    <a:lnR w="12700" cap="flat" cmpd="sng" algn="ctr">
+                      <a:solidFill>
+                        <a:schemeClr val="tx1"/>
+                      </a:solidFill>
+                      <a:prstDash val="solid"/>
+                      <a:round/>
+                      <a:headEnd type="none" w="med" len="med"/>
+                      <a:tailEnd type="none" w="med" len="med"/>
+                    </a:lnR>
+                    <a:lnT w="12700" cmpd="sng">
+                      <a:noFill/>
+                    </a:lnT>
+                    <a:lnB w="12700" cmpd="sng">
+                      <a:noFill/>
+                    </a:lnB>
+                    <a:lnTlToBr w="12700" cmpd="sng">
+                      <a:noFill/>
+                      <a:prstDash val="solid"/>
+                    </a:lnTlToBr>
+                    <a:lnBlToTr w="12700" cmpd="sng">
+                      <a:noFill/>
+                      <a:prstDash val="solid"/>
+                    </a:lnBlToTr>
+                  </a:tcPr>
+                </a:tc>
+                <a:extLst>
+                  <a:ext uri="{0D108BD9-81ED-4DB2-BD59-A6C34878D82A}">
+                    <a16:rowId xmlns:a16="http://schemas.microsoft.com/office/drawing/2014/main" xmlns="" val="10002"/>
+                  </a:ext>
+                </a:extLst>
+              </a:tr>
+              <a:tr h="260350">
+                <a:tc>
+                  <a:txBody>
+                    <a:bodyPr/>
+                    <a:lstStyle/>
+                    <a:p>
+                      <a:pPr marL="0" marR="0" indent="0" algn="l" defTabSz="584200" rtl="0" eaLnBrk="1" fontAlgn="auto" latinLnBrk="0" hangingPunct="1">
+                        <a:lnSpc>
+                          <a:spcPct val="100000"/>
+                        </a:lnSpc>
+                        <a:spcBef>
+                          <a:spcPts val="0"/>
+                        </a:spcBef>
+                        <a:spcAft>
+                          <a:spcPts val="0"/>
+                        </a:spcAft>
+                        <a:buClrTx/>
+                        <a:buSzTx/>
+                        <a:buFontTx/>
+                        <a:buNone/>
+                        <a:tabLst/>
+                        <a:defRPr/>
+                      </a:pPr>
+                      <a:r>
+                        <a:rPr lang="en-GB" sz="1000" i="0" smtClean="0">
+                          <a:solidFill>
+                            <a:srgbClr val="000000"/>
+                          </a:solidFill>
+                          <a:latin typeface="Segoe UI" pitchFamily="34" charset="0"/>
+                          <a:cs typeface="Segoe UI" pitchFamily="34" charset="0"/>
+                        </a:rPr>
+                        <a:t>“If we are trying to estimate expected revenue , we can take our flat-line</a:t>
+                      </a:r>
+                      <a:r>
+                        <a:rPr lang="en-GB" sz="1000" i="0" baseline="0" smtClean="0">
+                          <a:solidFill>
+                            <a:srgbClr val="000000"/>
+                          </a:solidFill>
+                          <a:latin typeface="Segoe UI" pitchFamily="34" charset="0"/>
+                          <a:cs typeface="Segoe UI" pitchFamily="34" charset="0"/>
+                        </a:rPr>
+                        <a:t> forecast of demand and multiply with with selling price and this would be a correct expected revenue”.</a:t>
+                      </a:r>
+                      <a:endParaRPr lang="en-GB" sz="1000" i="0">
+                        <a:solidFill>
+                          <a:srgbClr val="000000"/>
+                        </a:solidFill>
+                        <a:latin typeface="Segoe UI" pitchFamily="34" charset="0"/>
+                        <a:cs typeface="Segoe UI" pitchFamily="34" charset="0"/>
+                      </a:endParaRPr>
+                    </a:p>
+                  </a:txBody>
+                  <a:tcPr>
+                    <a:lnL w="6350" cap="flat" cmpd="sng" algn="ctr">
+                      <a:solidFill>
+                        <a:srgbClr val="000000"/>
+                      </a:solidFill>
+                      <a:prstDash val="solid"/>
+                      <a:round/>
+                      <a:headEnd type="none" w="med" len="med"/>
+                      <a:tailEnd type="none" w="med" len="med"/>
+                    </a:lnL>
+                    <a:lnR w="12700" cap="flat" cmpd="sng" algn="ctr">
+                      <a:solidFill>
+                        <a:schemeClr val="tx1"/>
+                      </a:solidFill>
+                      <a:prstDash val="solid"/>
+                      <a:round/>
+                      <a:headEnd type="none" w="med" len="med"/>
+                      <a:tailEnd type="none" w="med" len="med"/>
+                    </a:lnR>
+                    <a:lnT w="12700" cmpd="sng">
+                      <a:noFill/>
+                    </a:lnT>
+                    <a:lnB w="12700" cmpd="sng">
+                      <a:noFill/>
+                    </a:lnB>
+                    <a:lnTlToBr w="12700" cmpd="sng">
+                      <a:noFill/>
+                      <a:prstDash val="solid"/>
+                    </a:lnTlToBr>
+                    <a:lnBlToTr w="12700" cmpd="sng">
+                      <a:noFill/>
+                      <a:prstDash val="solid"/>
+                    </a:lnBlToTr>
+                  </a:tcPr>
+                </a:tc>
+                <a:extLst>
+                  <a:ext uri="{0D108BD9-81ED-4DB2-BD59-A6C34878D82A}">
+                    <a16:rowId xmlns:a16="http://schemas.microsoft.com/office/drawing/2014/main" xmlns="" val="10003"/>
+                  </a:ext>
+                </a:extLst>
+              </a:tr>
+              <a:tr h="260350">
+                <a:tc>
+                  <a:txBody>
+                    <a:bodyPr/>
+                    <a:lstStyle/>
+                    <a:p>
+                      <a:pPr marL="0" marR="0" indent="0" algn="l" defTabSz="584200" rtl="0" eaLnBrk="1" fontAlgn="auto" latinLnBrk="0" hangingPunct="1">
+                        <a:lnSpc>
+                          <a:spcPct val="100000"/>
+                        </a:lnSpc>
+                        <a:spcBef>
+                          <a:spcPts val="0"/>
+                        </a:spcBef>
+                        <a:spcAft>
+                          <a:spcPts val="0"/>
+                        </a:spcAft>
+                        <a:buClrTx/>
+                        <a:buSzTx/>
+                        <a:buFontTx/>
+                        <a:buNone/>
+                        <a:tabLst/>
+                        <a:defRPr/>
+                      </a:pPr>
+                      <a:r>
+                        <a:rPr lang="en-GB" sz="1000" b="0" i="0" u="none" strike="noStrike" cap="none" spc="0" baseline="0">
+                          <a:ln>
+                            <a:noFill/>
+                          </a:ln>
+                          <a:solidFill>
+                            <a:srgbClr val="000000"/>
+                          </a:solidFill>
+                          <a:uFillTx/>
+                          <a:latin typeface="Segoe UI" pitchFamily="34" charset="0"/>
+                          <a:ea typeface="+mn-ea"/>
+                          <a:cs typeface="Segoe UI" pitchFamily="34" charset="0"/>
+                          <a:sym typeface="Source Sans Pro"/>
+                        </a:rPr>
+                        <a:t>Source: </a:t>
+                      </a:r>
+                      <a:r>
+                        <a:rPr lang="en-GB" sz="1000" b="0" i="0" u="none" strike="noStrike" cap="none" spc="0" baseline="0">
+                          <a:ln>
+                            <a:noFill/>
+                          </a:ln>
+                          <a:solidFill>
+                            <a:srgbClr val="000000"/>
+                          </a:solidFill>
+                          <a:uFillTx/>
+                          <a:latin typeface="Segoe UI" pitchFamily="34" charset="0"/>
+                          <a:ea typeface="+mn-ea"/>
+                          <a:cs typeface="Segoe UI" pitchFamily="34" charset="0"/>
+                          <a:sym typeface="Helvetica Light"/>
+                        </a:rPr>
+                        <a:t>Business Forecasting </a:t>
+                      </a:r>
+                      <a:r>
+                        <a:rPr lang="en-GB" sz="1000" b="0" i="0" u="none" strike="noStrike" cap="none" spc="0" baseline="0" smtClean="0">
+                          <a:ln>
+                            <a:noFill/>
+                          </a:ln>
+                          <a:solidFill>
+                            <a:srgbClr val="000000"/>
+                          </a:solidFill>
+                          <a:uFillTx/>
+                          <a:latin typeface="Segoe UI" pitchFamily="34" charset="0"/>
+                          <a:ea typeface="+mn-ea"/>
+                          <a:cs typeface="Segoe UI" pitchFamily="34" charset="0"/>
+                          <a:sym typeface="Helvetica Light"/>
+                        </a:rPr>
+                        <a:t>Ch. 2.5</a:t>
+                      </a:r>
+                      <a:endParaRPr lang="en-GB" sz="1000" b="0" i="0" u="none" strike="noStrike" cap="none" spc="0" baseline="0">
+                        <a:ln>
+                          <a:noFill/>
+                        </a:ln>
+                        <a:solidFill>
+                          <a:srgbClr val="000000"/>
+                        </a:solidFill>
+                        <a:uFillTx/>
+                        <a:latin typeface="Segoe UI" pitchFamily="34" charset="0"/>
+                        <a:ea typeface="+mn-ea"/>
+                        <a:cs typeface="Segoe UI" pitchFamily="34" charset="0"/>
+                        <a:sym typeface="Source Sans Pro"/>
+                      </a:endParaRPr>
+                    </a:p>
+                  </a:txBody>
+                  <a:tcPr>
+                    <a:lnL w="6350" cap="flat" cmpd="sng" algn="ctr">
+                      <a:solidFill>
+                        <a:srgbClr val="000000"/>
+                      </a:solidFill>
+                      <a:prstDash val="solid"/>
+                      <a:round/>
+                      <a:headEnd type="none" w="med" len="med"/>
+                      <a:tailEnd type="none" w="med" len="med"/>
+                    </a:lnL>
+                    <a:lnR w="12700" cap="flat" cmpd="sng" algn="ctr">
+                      <a:solidFill>
+                        <a:schemeClr val="tx1"/>
+                      </a:solidFill>
+                      <a:prstDash val="solid"/>
+                      <a:round/>
+                      <a:headEnd type="none" w="med" len="med"/>
+                      <a:tailEnd type="none" w="med" len="med"/>
+                    </a:lnR>
+                    <a:lnT w="12700" cmpd="sng">
+                      <a:noFill/>
+                    </a:lnT>
+                    <a:lnB w="6350" cap="flat" cmpd="sng" algn="ctr">
+                      <a:solidFill>
+                        <a:srgbClr val="000000"/>
+                      </a:solidFill>
+                      <a:prstDash val="solid"/>
+                      <a:round/>
+                      <a:headEnd type="none" w="med" len="med"/>
+                      <a:tailEnd type="none" w="med" len="med"/>
+                    </a:lnB>
+                    <a:lnTlToBr w="12700" cmpd="sng">
+                      <a:noFill/>
+                      <a:prstDash val="solid"/>
+                    </a:lnTlToBr>
+                    <a:lnBlToTr w="12700" cmpd="sng">
+                      <a:noFill/>
+                      <a:prstDash val="solid"/>
+                    </a:lnBlToTr>
+                  </a:tcPr>
+                </a:tc>
+                <a:extLst>
+                  <a:ext uri="{0D108BD9-81ED-4DB2-BD59-A6C34878D82A}">
+                    <a16:rowId xmlns:a16="http://schemas.microsoft.com/office/drawing/2014/main" xmlns="" val="10006"/>
+                  </a:ext>
+                </a:extLst>
+              </a:tr>
+            </a:tbl>
+          </a:graphicData>
+        </a:graphic>
+      </p:graphicFrame>
+      <p:graphicFrame>
+        <p:nvGraphicFramePr>
+          <p:cNvPr id="20" name="Table 19"/>
+          <p:cNvGraphicFramePr>
+            <a:graphicFrameLocks noGrp="1"/>
+          </p:cNvGraphicFramePr>
+          <p:nvPr>
+            <p:extLst>
+              <p:ext uri="{D42A27DB-BD31-4B8C-83A1-F6EECF244321}">
+                <p14:modId xmlns:p14="http://schemas.microsoft.com/office/powerpoint/2010/main" val="3546255991"/>
+              </p:ext>
+            </p:extLst>
+          </p:nvPr>
+        </p:nvGraphicFramePr>
+        <p:xfrm>
+          <a:off x="8300986" y="816843"/>
+          <a:ext cx="3825875" cy="6555156"/>
+        </p:xfrm>
+        <a:graphic>
+          <a:graphicData uri="http://schemas.openxmlformats.org/drawingml/2006/table">
+            <a:tbl>
+              <a:tblPr firstRow="1" bandRow="1">
+                <a:tableStyleId>{5940675A-B579-460E-94D1-54222C63F5DA}</a:tableStyleId>
+              </a:tblPr>
+              <a:tblGrid>
+                <a:gridCol w="3825875">
+                  <a:extLst>
+                    <a:ext uri="{9D8B030D-6E8A-4147-A177-3AD203B41FA5}">
+                      <a16:colId xmlns:a16="http://schemas.microsoft.com/office/drawing/2014/main" xmlns="" val="20000"/>
+                    </a:ext>
+                  </a:extLst>
+                </a:gridCol>
+              </a:tblGrid>
+              <a:tr h="260350">
+                <a:tc>
+                  <a:txBody>
+                    <a:bodyPr/>
+                    <a:lstStyle/>
+                    <a:p>
+                      <a:pPr algn="l"/>
+                      <a:r>
+                        <a:rPr lang="en-GB" sz="1000" b="1" baseline="0" smtClean="0">
+                          <a:solidFill>
+                            <a:srgbClr val="000000"/>
+                          </a:solidFill>
+                          <a:latin typeface="Segoe UI" pitchFamily="34" charset="0"/>
+                          <a:cs typeface="Segoe UI" pitchFamily="34" charset="0"/>
+                        </a:rPr>
+                        <a:t>Taboos in Forecast Accuracy Measurement</a:t>
+                      </a:r>
+                      <a:endParaRPr lang="en-GB" sz="1000" b="1" baseline="0">
+                        <a:solidFill>
+                          <a:srgbClr val="000000"/>
+                        </a:solidFill>
+                        <a:latin typeface="Segoe UI" pitchFamily="34" charset="0"/>
+                        <a:cs typeface="Segoe UI" pitchFamily="34" charset="0"/>
+                      </a:endParaRPr>
+                    </a:p>
+                  </a:txBody>
+                  <a:tcPr>
+                    <a:lnL w="6350" cap="flat" cmpd="sng" algn="ctr">
+                      <a:solidFill>
+                        <a:srgbClr val="000000"/>
+                      </a:solidFill>
+                      <a:prstDash val="solid"/>
+                      <a:round/>
+                      <a:headEnd type="none" w="med" len="med"/>
+                      <a:tailEnd type="none" w="med" len="med"/>
+                    </a:lnL>
+                    <a:lnR w="12700" cap="flat" cmpd="sng" algn="ctr">
+                      <a:solidFill>
+                        <a:schemeClr val="tx1"/>
+                      </a:solidFill>
+                      <a:prstDash val="solid"/>
+                      <a:round/>
+                      <a:headEnd type="none" w="med" len="med"/>
+                      <a:tailEnd type="none" w="med" len="med"/>
+                    </a:lnR>
+                    <a:lnT w="6350" cap="flat" cmpd="sng" algn="ctr">
+                      <a:solidFill>
+                        <a:srgbClr val="000000"/>
+                      </a:solidFill>
+                      <a:prstDash val="solid"/>
+                      <a:round/>
+                      <a:headEnd type="none" w="med" len="med"/>
+                      <a:tailEnd type="none" w="med" len="med"/>
+                    </a:lnT>
+                    <a:lnB w="6350" cap="flat" cmpd="sng" algn="ctr">
+                      <a:solidFill>
+                        <a:srgbClr val="000000"/>
+                      </a:solidFill>
+                      <a:prstDash val="solid"/>
+                      <a:round/>
+                      <a:headEnd type="none" w="med" len="med"/>
+                      <a:tailEnd type="none" w="med" len="med"/>
+                    </a:lnB>
+                    <a:lnTlToBr w="12700" cmpd="sng">
+                      <a:noFill/>
+                      <a:prstDash val="solid"/>
+                    </a:lnTlToBr>
+                    <a:lnBlToTr w="12700" cmpd="sng">
+                      <a:noFill/>
+                      <a:prstDash val="solid"/>
+                    </a:lnBlToTr>
+                  </a:tcPr>
+                </a:tc>
+                <a:extLst>
+                  <a:ext uri="{0D108BD9-81ED-4DB2-BD59-A6C34878D82A}">
+                    <a16:rowId xmlns:a16="http://schemas.microsoft.com/office/drawing/2014/main" xmlns="" val="10000"/>
+                  </a:ext>
+                </a:extLst>
+              </a:tr>
+              <a:tr h="273736">
+                <a:tc>
+                  <a:txBody>
+                    <a:bodyPr/>
+                    <a:lstStyle/>
+                    <a:p>
+                      <a:pPr marL="0" marR="0" indent="0" algn="l" defTabSz="584200" rtl="0" eaLnBrk="1" fontAlgn="auto" latinLnBrk="0" hangingPunct="1">
+                        <a:lnSpc>
+                          <a:spcPct val="100000"/>
+                        </a:lnSpc>
+                        <a:spcBef>
+                          <a:spcPts val="0"/>
+                        </a:spcBef>
+                        <a:spcAft>
+                          <a:spcPts val="0"/>
+                        </a:spcAft>
+                        <a:buClrTx/>
+                        <a:buSzTx/>
+                        <a:buFontTx/>
+                        <a:buNone/>
+                        <a:tabLst/>
+                        <a:defRPr/>
+                      </a:pPr>
+                      <a:r>
+                        <a:rPr lang="en-GB" sz="1000" smtClean="0">
+                          <a:solidFill>
+                            <a:srgbClr val="000000"/>
+                          </a:solidFill>
+                          <a:latin typeface="Segoe UI" pitchFamily="34" charset="0"/>
+                          <a:cs typeface="Segoe UI" pitchFamily="34" charset="0"/>
+                        </a:rPr>
+                        <a:t>Measuring in-sample</a:t>
+                      </a:r>
+                      <a:r>
+                        <a:rPr lang="en-GB" sz="1000" baseline="0" smtClean="0">
+                          <a:solidFill>
+                            <a:srgbClr val="000000"/>
+                          </a:solidFill>
+                          <a:latin typeface="Segoe UI" pitchFamily="34" charset="0"/>
+                          <a:cs typeface="Segoe UI" pitchFamily="34" charset="0"/>
+                        </a:rPr>
+                        <a:t> accuracy, but reporting the results as indicators of forecasting accuracy.</a:t>
+                      </a:r>
+                      <a:endParaRPr lang="en-GB" sz="1000">
+                        <a:solidFill>
+                          <a:srgbClr val="000000"/>
+                        </a:solidFill>
+                        <a:latin typeface="Segoe UI" pitchFamily="34" charset="0"/>
+                        <a:cs typeface="Segoe UI" pitchFamily="34" charset="0"/>
+                      </a:endParaRPr>
+                    </a:p>
+                  </a:txBody>
+                  <a:tcPr>
+                    <a:lnL w="6350" cap="flat" cmpd="sng" algn="ctr">
+                      <a:solidFill>
+                        <a:srgbClr val="000000"/>
+                      </a:solidFill>
+                      <a:prstDash val="solid"/>
+                      <a:round/>
+                      <a:headEnd type="none" w="med" len="med"/>
+                      <a:tailEnd type="none" w="med" len="med"/>
+                    </a:lnL>
+                    <a:lnR w="12700" cap="flat" cmpd="sng" algn="ctr">
+                      <a:solidFill>
+                        <a:schemeClr val="tx1"/>
+                      </a:solidFill>
+                      <a:prstDash val="solid"/>
+                      <a:round/>
+                      <a:headEnd type="none" w="med" len="med"/>
+                      <a:tailEnd type="none" w="med" len="med"/>
+                    </a:lnR>
+                    <a:lnT w="6350" cap="flat" cmpd="sng" algn="ctr">
+                      <a:solidFill>
+                        <a:srgbClr val="000000"/>
+                      </a:solidFill>
+                      <a:prstDash val="solid"/>
+                      <a:round/>
+                      <a:headEnd type="none" w="med" len="med"/>
+                      <a:tailEnd type="none" w="med" len="med"/>
+                    </a:lnT>
+                    <a:lnB w="12700" cmpd="sng">
+                      <a:noFill/>
+                    </a:lnB>
+                    <a:lnTlToBr w="12700" cmpd="sng">
+                      <a:noFill/>
+                      <a:prstDash val="solid"/>
+                    </a:lnTlToBr>
+                    <a:lnBlToTr w="12700" cmpd="sng">
+                      <a:noFill/>
+                      <a:prstDash val="solid"/>
+                    </a:lnBlToTr>
+                  </a:tcPr>
+                </a:tc>
+                <a:extLst>
+                  <a:ext uri="{0D108BD9-81ED-4DB2-BD59-A6C34878D82A}">
+                    <a16:rowId xmlns:a16="http://schemas.microsoft.com/office/drawing/2014/main" xmlns="" val="10001"/>
+                  </a:ext>
+                </a:extLst>
+              </a:tr>
+              <a:tr h="273736">
+                <a:tc>
+                  <a:txBody>
+                    <a:bodyPr/>
+                    <a:lstStyle/>
+                    <a:p>
+                      <a:pPr marL="0" marR="0" indent="0" algn="l" defTabSz="584200" rtl="0" eaLnBrk="1" fontAlgn="auto" latinLnBrk="0" hangingPunct="1">
+                        <a:lnSpc>
+                          <a:spcPct val="100000"/>
+                        </a:lnSpc>
+                        <a:spcBef>
+                          <a:spcPts val="0"/>
+                        </a:spcBef>
+                        <a:spcAft>
+                          <a:spcPts val="0"/>
+                        </a:spcAft>
+                        <a:buClrTx/>
+                        <a:buSzTx/>
+                        <a:buFontTx/>
+                        <a:buNone/>
+                        <a:tabLst/>
+                        <a:defRPr/>
+                      </a:pPr>
+                      <a:r>
+                        <a:rPr lang="en-GB" sz="1000" smtClean="0">
+                          <a:solidFill>
+                            <a:srgbClr val="000000"/>
+                          </a:solidFill>
+                          <a:latin typeface="Segoe UI" pitchFamily="34" charset="0"/>
+                          <a:cs typeface="Segoe UI" pitchFamily="34" charset="0"/>
+                        </a:rPr>
+                        <a:t>Failing to specify the critical lead-time when assessing forecast accuracy.</a:t>
+                      </a:r>
+                      <a:endParaRPr lang="en-GB" sz="1000">
+                        <a:solidFill>
+                          <a:srgbClr val="000000"/>
+                        </a:solidFill>
+                        <a:latin typeface="Segoe UI" pitchFamily="34" charset="0"/>
+                        <a:cs typeface="Segoe UI" pitchFamily="34" charset="0"/>
+                      </a:endParaRPr>
+                    </a:p>
+                  </a:txBody>
+                  <a:tcPr>
+                    <a:lnL w="6350" cap="flat" cmpd="sng" algn="ctr">
+                      <a:solidFill>
+                        <a:srgbClr val="000000"/>
+                      </a:solidFill>
+                      <a:prstDash val="solid"/>
+                      <a:round/>
+                      <a:headEnd type="none" w="med" len="med"/>
+                      <a:tailEnd type="none" w="med" len="med"/>
+                    </a:lnL>
+                    <a:lnR w="12700" cap="flat" cmpd="sng" algn="ctr">
+                      <a:solidFill>
+                        <a:schemeClr val="tx1"/>
+                      </a:solidFill>
+                      <a:prstDash val="solid"/>
+                      <a:round/>
+                      <a:headEnd type="none" w="med" len="med"/>
+                      <a:tailEnd type="none" w="med" len="med"/>
+                    </a:lnR>
+                    <a:lnT w="6350" cap="flat" cmpd="sng" algn="ctr">
+                      <a:noFill/>
+                      <a:prstDash val="solid"/>
+                      <a:round/>
+                      <a:headEnd type="none" w="med" len="med"/>
+                      <a:tailEnd type="none" w="med" len="med"/>
+                    </a:lnT>
+                    <a:lnB w="12700" cmpd="sng">
+                      <a:noFill/>
+                    </a:lnB>
+                    <a:lnTlToBr w="12700" cmpd="sng">
+                      <a:noFill/>
+                      <a:prstDash val="solid"/>
+                    </a:lnTlToBr>
+                    <a:lnBlToTr w="12700" cmpd="sng">
+                      <a:noFill/>
+                      <a:prstDash val="solid"/>
+                    </a:lnBlToTr>
+                  </a:tcPr>
+                </a:tc>
+              </a:tr>
+              <a:tr h="273736">
+                <a:tc>
+                  <a:txBody>
+                    <a:bodyPr/>
+                    <a:lstStyle/>
+                    <a:p>
+                      <a:pPr marL="0" marR="0" indent="0" algn="l" defTabSz="584200" rtl="0" eaLnBrk="1" fontAlgn="auto" latinLnBrk="0" hangingPunct="1">
+                        <a:lnSpc>
+                          <a:spcPct val="100000"/>
+                        </a:lnSpc>
+                        <a:spcBef>
+                          <a:spcPts val="0"/>
+                        </a:spcBef>
+                        <a:spcAft>
+                          <a:spcPts val="0"/>
+                        </a:spcAft>
+                        <a:buClrTx/>
+                        <a:buSzTx/>
+                        <a:buFontTx/>
+                        <a:buNone/>
+                        <a:tabLst/>
+                        <a:defRPr/>
+                      </a:pPr>
+                      <a:r>
+                        <a:rPr lang="en-GB" sz="1000" smtClean="0">
+                          <a:solidFill>
+                            <a:srgbClr val="000000"/>
+                          </a:solidFill>
+                          <a:latin typeface="Segoe UI" pitchFamily="34" charset="0"/>
+                          <a:cs typeface="Segoe UI" pitchFamily="34" charset="0"/>
+                        </a:rPr>
+                        <a:t>Basing model selection on the</a:t>
+                      </a:r>
+                      <a:r>
+                        <a:rPr lang="en-GB" sz="1000" baseline="0" smtClean="0">
+                          <a:solidFill>
+                            <a:srgbClr val="000000"/>
+                          </a:solidFill>
+                          <a:latin typeface="Segoe UI" pitchFamily="34" charset="0"/>
+                          <a:cs typeface="Segoe UI" pitchFamily="34" charset="0"/>
+                        </a:rPr>
+                        <a:t> holdout sample.</a:t>
+                      </a:r>
+                      <a:endParaRPr lang="en-GB" sz="1000">
+                        <a:solidFill>
+                          <a:srgbClr val="000000"/>
+                        </a:solidFill>
+                        <a:latin typeface="Segoe UI" pitchFamily="34" charset="0"/>
+                        <a:cs typeface="Segoe UI" pitchFamily="34" charset="0"/>
+                      </a:endParaRPr>
+                    </a:p>
+                  </a:txBody>
+                  <a:tcPr>
+                    <a:lnL w="6350" cap="flat" cmpd="sng" algn="ctr">
+                      <a:solidFill>
+                        <a:srgbClr val="000000"/>
+                      </a:solidFill>
+                      <a:prstDash val="solid"/>
+                      <a:round/>
+                      <a:headEnd type="none" w="med" len="med"/>
+                      <a:tailEnd type="none" w="med" len="med"/>
+                    </a:lnL>
+                    <a:lnR w="12700" cap="flat" cmpd="sng" algn="ctr">
+                      <a:solidFill>
+                        <a:schemeClr val="tx1"/>
+                      </a:solidFill>
+                      <a:prstDash val="solid"/>
+                      <a:round/>
+                      <a:headEnd type="none" w="med" len="med"/>
+                      <a:tailEnd type="none" w="med" len="med"/>
+                    </a:lnR>
+                    <a:lnT w="6350" cap="flat" cmpd="sng" algn="ctr">
+                      <a:noFill/>
+                      <a:prstDash val="solid"/>
+                      <a:round/>
+                      <a:headEnd type="none" w="med" len="med"/>
+                      <a:tailEnd type="none" w="med" len="med"/>
+                    </a:lnT>
+                    <a:lnB w="12700" cmpd="sng">
+                      <a:noFill/>
+                    </a:lnB>
+                    <a:lnTlToBr w="12700" cmpd="sng">
+                      <a:noFill/>
+                      <a:prstDash val="solid"/>
+                    </a:lnTlToBr>
+                    <a:lnBlToTr w="12700" cmpd="sng">
+                      <a:noFill/>
+                      <a:prstDash val="solid"/>
+                    </a:lnBlToTr>
+                  </a:tcPr>
+                </a:tc>
+              </a:tr>
+              <a:tr h="273736">
+                <a:tc>
+                  <a:txBody>
+                    <a:bodyPr/>
+                    <a:lstStyle/>
+                    <a:p>
+                      <a:pPr marL="0" marR="0" indent="0" algn="l" defTabSz="584200" rtl="0" eaLnBrk="1" fontAlgn="auto" latinLnBrk="0" hangingPunct="1">
+                        <a:lnSpc>
+                          <a:spcPct val="100000"/>
+                        </a:lnSpc>
+                        <a:spcBef>
+                          <a:spcPts val="0"/>
+                        </a:spcBef>
+                        <a:spcAft>
+                          <a:spcPts val="0"/>
+                        </a:spcAft>
+                        <a:buClrTx/>
+                        <a:buSzTx/>
+                        <a:buFontTx/>
+                        <a:buNone/>
+                        <a:tabLst/>
+                        <a:defRPr/>
+                      </a:pPr>
+                      <a:r>
+                        <a:rPr lang="en-GB" sz="1000" smtClean="0">
+                          <a:solidFill>
+                            <a:srgbClr val="000000"/>
+                          </a:solidFill>
+                          <a:latin typeface="Segoe UI" pitchFamily="34" charset="0"/>
+                          <a:cs typeface="Segoe UI" pitchFamily="34" charset="0"/>
+                        </a:rPr>
+                        <a:t>Calculating a forecast error metric by</a:t>
+                      </a:r>
+                      <a:r>
+                        <a:rPr lang="en-GB" sz="1000" baseline="0" smtClean="0">
+                          <a:solidFill>
+                            <a:srgbClr val="000000"/>
+                          </a:solidFill>
+                          <a:latin typeface="Segoe UI" pitchFamily="34" charset="0"/>
+                          <a:cs typeface="Segoe UI" pitchFamily="34" charset="0"/>
+                        </a:rPr>
+                        <a:t> averaging errors at different lead-times.</a:t>
+                      </a:r>
+                      <a:endParaRPr lang="en-GB" sz="1000">
+                        <a:solidFill>
+                          <a:srgbClr val="000000"/>
+                        </a:solidFill>
+                        <a:latin typeface="Segoe UI" pitchFamily="34" charset="0"/>
+                        <a:cs typeface="Segoe UI" pitchFamily="34" charset="0"/>
+                      </a:endParaRPr>
+                    </a:p>
+                  </a:txBody>
+                  <a:tcPr>
+                    <a:lnL w="6350" cap="flat" cmpd="sng" algn="ctr">
+                      <a:solidFill>
+                        <a:srgbClr val="000000"/>
+                      </a:solidFill>
+                      <a:prstDash val="solid"/>
+                      <a:round/>
+                      <a:headEnd type="none" w="med" len="med"/>
+                      <a:tailEnd type="none" w="med" len="med"/>
+                    </a:lnL>
+                    <a:lnR w="12700" cap="flat" cmpd="sng" algn="ctr">
+                      <a:solidFill>
+                        <a:schemeClr val="tx1"/>
+                      </a:solidFill>
+                      <a:prstDash val="solid"/>
+                      <a:round/>
+                      <a:headEnd type="none" w="med" len="med"/>
+                      <a:tailEnd type="none" w="med" len="med"/>
+                    </a:lnR>
+                    <a:lnT w="6350" cap="flat" cmpd="sng" algn="ctr">
+                      <a:noFill/>
+                      <a:prstDash val="solid"/>
+                      <a:round/>
+                      <a:headEnd type="none" w="med" len="med"/>
+                      <a:tailEnd type="none" w="med" len="med"/>
+                    </a:lnT>
+                    <a:lnB w="12700" cmpd="sng">
+                      <a:noFill/>
+                    </a:lnB>
+                    <a:lnTlToBr w="12700" cmpd="sng">
+                      <a:noFill/>
+                      <a:prstDash val="solid"/>
+                    </a:lnTlToBr>
+                    <a:lnBlToTr w="12700" cmpd="sng">
+                      <a:noFill/>
+                      <a:prstDash val="solid"/>
+                    </a:lnBlToTr>
+                  </a:tcPr>
+                </a:tc>
+              </a:tr>
+              <a:tr h="273736">
+                <a:tc>
+                  <a:txBody>
+                    <a:bodyPr/>
+                    <a:lstStyle/>
+                    <a:p>
+                      <a:pPr marL="0" marR="0" indent="0" algn="l" defTabSz="584200" rtl="0" eaLnBrk="1" fontAlgn="auto" latinLnBrk="0" hangingPunct="1">
+                        <a:lnSpc>
+                          <a:spcPct val="100000"/>
+                        </a:lnSpc>
+                        <a:spcBef>
+                          <a:spcPts val="0"/>
+                        </a:spcBef>
+                        <a:spcAft>
+                          <a:spcPts val="0"/>
+                        </a:spcAft>
+                        <a:buClrTx/>
+                        <a:buSzTx/>
+                        <a:buFontTx/>
+                        <a:buNone/>
+                        <a:tabLst/>
+                        <a:defRPr/>
+                      </a:pPr>
+                      <a:r>
+                        <a:rPr lang="en-GB" sz="1000" smtClean="0">
+                          <a:solidFill>
+                            <a:srgbClr val="000000"/>
+                          </a:solidFill>
+                          <a:latin typeface="Segoe UI" pitchFamily="34" charset="0"/>
+                          <a:cs typeface="Segoe UI" pitchFamily="34" charset="0"/>
+                        </a:rPr>
+                        <a:t>Failing to distinguish</a:t>
+                      </a:r>
+                      <a:r>
+                        <a:rPr lang="en-GB" sz="1000" baseline="0" smtClean="0">
+                          <a:solidFill>
+                            <a:srgbClr val="000000"/>
+                          </a:solidFill>
+                          <a:latin typeface="Segoe UI" pitchFamily="34" charset="0"/>
+                          <a:cs typeface="Segoe UI" pitchFamily="34" charset="0"/>
+                        </a:rPr>
+                        <a:t> bias from accuracy, thus confounding error size with error direction.</a:t>
+                      </a:r>
+                      <a:endParaRPr lang="en-GB" sz="1000">
+                        <a:solidFill>
+                          <a:srgbClr val="000000"/>
+                        </a:solidFill>
+                        <a:latin typeface="Segoe UI" pitchFamily="34" charset="0"/>
+                        <a:cs typeface="Segoe UI" pitchFamily="34" charset="0"/>
+                      </a:endParaRPr>
+                    </a:p>
+                  </a:txBody>
+                  <a:tcPr>
+                    <a:lnL w="6350" cap="flat" cmpd="sng" algn="ctr">
+                      <a:solidFill>
+                        <a:srgbClr val="000000"/>
+                      </a:solidFill>
+                      <a:prstDash val="solid"/>
+                      <a:round/>
+                      <a:headEnd type="none" w="med" len="med"/>
+                      <a:tailEnd type="none" w="med" len="med"/>
+                    </a:lnL>
+                    <a:lnR w="12700" cap="flat" cmpd="sng" algn="ctr">
+                      <a:solidFill>
+                        <a:schemeClr val="tx1"/>
+                      </a:solidFill>
+                      <a:prstDash val="solid"/>
+                      <a:round/>
+                      <a:headEnd type="none" w="med" len="med"/>
+                      <a:tailEnd type="none" w="med" len="med"/>
+                    </a:lnR>
+                    <a:lnT w="6350" cap="flat" cmpd="sng" algn="ctr">
+                      <a:noFill/>
+                      <a:prstDash val="solid"/>
+                      <a:round/>
+                      <a:headEnd type="none" w="med" len="med"/>
+                      <a:tailEnd type="none" w="med" len="med"/>
+                    </a:lnT>
+                    <a:lnB w="12700" cmpd="sng">
+                      <a:noFill/>
+                    </a:lnB>
+                    <a:lnTlToBr w="12700" cmpd="sng">
+                      <a:noFill/>
+                      <a:prstDash val="solid"/>
+                    </a:lnTlToBr>
+                    <a:lnBlToTr w="12700" cmpd="sng">
+                      <a:noFill/>
+                      <a:prstDash val="solid"/>
+                    </a:lnBlToTr>
+                  </a:tcPr>
+                </a:tc>
+              </a:tr>
+              <a:tr h="273736">
+                <a:tc>
+                  <a:txBody>
+                    <a:bodyPr/>
+                    <a:lstStyle/>
+                    <a:p>
+                      <a:pPr marL="0" marR="0" indent="0" algn="l" defTabSz="584200" rtl="0" eaLnBrk="1" fontAlgn="auto" latinLnBrk="0" hangingPunct="1">
+                        <a:lnSpc>
+                          <a:spcPct val="100000"/>
+                        </a:lnSpc>
+                        <a:spcBef>
+                          <a:spcPts val="0"/>
+                        </a:spcBef>
+                        <a:spcAft>
+                          <a:spcPts val="0"/>
+                        </a:spcAft>
+                        <a:buClrTx/>
+                        <a:buSzTx/>
+                        <a:buFontTx/>
+                        <a:buNone/>
+                        <a:tabLst/>
+                        <a:defRPr/>
+                      </a:pPr>
+                      <a:r>
+                        <a:rPr lang="en-GB" sz="1000" smtClean="0">
+                          <a:solidFill>
+                            <a:srgbClr val="000000"/>
+                          </a:solidFill>
+                          <a:latin typeface="Segoe UI" pitchFamily="34" charset="0"/>
+                          <a:cs typeface="Segoe UI" pitchFamily="34" charset="0"/>
+                        </a:rPr>
+                        <a:t>Failing to calculate</a:t>
+                      </a:r>
+                      <a:r>
+                        <a:rPr lang="en-GB" sz="1000" baseline="0" smtClean="0">
+                          <a:solidFill>
+                            <a:srgbClr val="000000"/>
+                          </a:solidFill>
+                          <a:latin typeface="Segoe UI" pitchFamily="34" charset="0"/>
+                          <a:cs typeface="Segoe UI" pitchFamily="34" charset="0"/>
+                        </a:rPr>
+                        <a:t> the absolute (or squared) values of the errors, inadvertently allowing negative errors to cancel positve errors.</a:t>
+                      </a:r>
+                      <a:endParaRPr lang="en-GB" sz="1000">
+                        <a:solidFill>
+                          <a:srgbClr val="000000"/>
+                        </a:solidFill>
+                        <a:latin typeface="Segoe UI" pitchFamily="34" charset="0"/>
+                        <a:cs typeface="Segoe UI" pitchFamily="34" charset="0"/>
+                      </a:endParaRPr>
+                    </a:p>
+                  </a:txBody>
+                  <a:tcPr>
+                    <a:lnL w="6350" cap="flat" cmpd="sng" algn="ctr">
+                      <a:solidFill>
+                        <a:srgbClr val="000000"/>
+                      </a:solidFill>
+                      <a:prstDash val="solid"/>
+                      <a:round/>
+                      <a:headEnd type="none" w="med" len="med"/>
+                      <a:tailEnd type="none" w="med" len="med"/>
+                    </a:lnL>
+                    <a:lnR w="12700" cap="flat" cmpd="sng" algn="ctr">
+                      <a:solidFill>
+                        <a:schemeClr val="tx1"/>
+                      </a:solidFill>
+                      <a:prstDash val="solid"/>
+                      <a:round/>
+                      <a:headEnd type="none" w="med" len="med"/>
+                      <a:tailEnd type="none" w="med" len="med"/>
+                    </a:lnR>
+                    <a:lnT w="6350" cap="flat" cmpd="sng" algn="ctr">
+                      <a:noFill/>
+                      <a:prstDash val="solid"/>
+                      <a:round/>
+                      <a:headEnd type="none" w="med" len="med"/>
+                      <a:tailEnd type="none" w="med" len="med"/>
+                    </a:lnT>
+                    <a:lnB w="12700" cmpd="sng">
+                      <a:noFill/>
+                    </a:lnB>
+                    <a:lnTlToBr w="12700" cmpd="sng">
+                      <a:noFill/>
+                      <a:prstDash val="solid"/>
+                    </a:lnTlToBr>
+                    <a:lnBlToTr w="12700" cmpd="sng">
+                      <a:noFill/>
+                      <a:prstDash val="solid"/>
+                    </a:lnBlToTr>
+                  </a:tcPr>
+                </a:tc>
+              </a:tr>
+              <a:tr h="273736">
+                <a:tc>
+                  <a:txBody>
+                    <a:bodyPr/>
+                    <a:lstStyle/>
+                    <a:p>
+                      <a:pPr marL="0" marR="0" indent="0" algn="l" defTabSz="584200" rtl="0" eaLnBrk="1" fontAlgn="auto" latinLnBrk="0" hangingPunct="1">
+                        <a:lnSpc>
+                          <a:spcPct val="100000"/>
+                        </a:lnSpc>
+                        <a:spcBef>
+                          <a:spcPts val="0"/>
+                        </a:spcBef>
+                        <a:spcAft>
+                          <a:spcPts val="0"/>
+                        </a:spcAft>
+                        <a:buClrTx/>
+                        <a:buSzTx/>
+                        <a:buFontTx/>
+                        <a:buNone/>
+                        <a:tabLst/>
+                        <a:defRPr/>
+                      </a:pPr>
+                      <a:r>
+                        <a:rPr lang="en-GB" sz="1000" smtClean="0">
+                          <a:solidFill>
+                            <a:srgbClr val="000000"/>
+                          </a:solidFill>
+                          <a:latin typeface="Segoe UI" pitchFamily="34" charset="0"/>
+                          <a:cs typeface="Segoe UI" pitchFamily="34" charset="0"/>
+                        </a:rPr>
+                        <a:t>Reporting a</a:t>
+                      </a:r>
+                      <a:r>
+                        <a:rPr lang="en-GB" sz="1000" baseline="0" smtClean="0">
+                          <a:solidFill>
+                            <a:srgbClr val="000000"/>
+                          </a:solidFill>
+                          <a:latin typeface="Segoe UI" pitchFamily="34" charset="0"/>
+                          <a:cs typeface="Segoe UI" pitchFamily="34" charset="0"/>
+                        </a:rPr>
+                        <a:t> MAPE for intermittent data as well as for other situations in which this metric is problematic.</a:t>
+                      </a:r>
+                      <a:br>
+                        <a:rPr lang="en-GB" sz="1000" baseline="0" smtClean="0">
+                          <a:solidFill>
+                            <a:srgbClr val="000000"/>
+                          </a:solidFill>
+                          <a:latin typeface="Segoe UI" pitchFamily="34" charset="0"/>
+                          <a:cs typeface="Segoe UI" pitchFamily="34" charset="0"/>
+                        </a:rPr>
+                      </a:br>
+                      <a:r>
+                        <a:rPr lang="en-GB" sz="1000" i="1" u="sng" baseline="0" smtClean="0">
+                          <a:solidFill>
+                            <a:srgbClr val="000000"/>
+                          </a:solidFill>
+                          <a:latin typeface="Segoe UI" pitchFamily="34" charset="0"/>
+                          <a:cs typeface="Segoe UI" pitchFamily="34" charset="0"/>
+                        </a:rPr>
+                        <a:t>Use MAD (mean absolute deviation) for original units and MAD//MEAN for relative errors.</a:t>
+                      </a:r>
+                      <a:endParaRPr lang="en-GB" sz="1000" i="1" u="sng">
+                        <a:solidFill>
+                          <a:srgbClr val="000000"/>
+                        </a:solidFill>
+                        <a:latin typeface="Segoe UI" pitchFamily="34" charset="0"/>
+                        <a:cs typeface="Segoe UI" pitchFamily="34" charset="0"/>
+                      </a:endParaRPr>
+                    </a:p>
+                  </a:txBody>
+                  <a:tcPr>
+                    <a:lnL w="6350" cap="flat" cmpd="sng" algn="ctr">
+                      <a:solidFill>
+                        <a:srgbClr val="000000"/>
+                      </a:solidFill>
+                      <a:prstDash val="solid"/>
+                      <a:round/>
+                      <a:headEnd type="none" w="med" len="med"/>
+                      <a:tailEnd type="none" w="med" len="med"/>
+                    </a:lnL>
+                    <a:lnR w="12700" cap="flat" cmpd="sng" algn="ctr">
+                      <a:solidFill>
+                        <a:schemeClr val="tx1"/>
+                      </a:solidFill>
+                      <a:prstDash val="solid"/>
+                      <a:round/>
+                      <a:headEnd type="none" w="med" len="med"/>
+                      <a:tailEnd type="none" w="med" len="med"/>
+                    </a:lnR>
+                    <a:lnT w="6350" cap="flat" cmpd="sng" algn="ctr">
+                      <a:noFill/>
+                      <a:prstDash val="solid"/>
+                      <a:round/>
+                      <a:headEnd type="none" w="med" len="med"/>
+                      <a:tailEnd type="none" w="med" len="med"/>
+                    </a:lnT>
+                    <a:lnB w="12700" cmpd="sng">
+                      <a:noFill/>
+                    </a:lnB>
+                    <a:lnTlToBr w="12700" cmpd="sng">
+                      <a:noFill/>
+                      <a:prstDash val="solid"/>
+                    </a:lnTlToBr>
+                    <a:lnBlToTr w="12700" cmpd="sng">
+                      <a:noFill/>
+                      <a:prstDash val="solid"/>
+                    </a:lnBlToTr>
+                  </a:tcPr>
+                </a:tc>
+              </a:tr>
+              <a:tr h="273736">
+                <a:tc>
+                  <a:txBody>
+                    <a:bodyPr/>
+                    <a:lstStyle/>
+                    <a:p>
+                      <a:pPr marL="0" marR="0" indent="0" algn="l" defTabSz="584200" rtl="0" eaLnBrk="1" fontAlgn="auto" latinLnBrk="0" hangingPunct="1">
+                        <a:lnSpc>
+                          <a:spcPct val="100000"/>
+                        </a:lnSpc>
+                        <a:spcBef>
+                          <a:spcPts val="0"/>
+                        </a:spcBef>
+                        <a:spcAft>
+                          <a:spcPts val="0"/>
+                        </a:spcAft>
+                        <a:buClrTx/>
+                        <a:buSzTx/>
+                        <a:buFontTx/>
+                        <a:buNone/>
+                        <a:tabLst/>
+                        <a:defRPr/>
+                      </a:pPr>
+                      <a:r>
+                        <a:rPr lang="en-GB" sz="1000" smtClean="0">
+                          <a:solidFill>
+                            <a:srgbClr val="000000"/>
+                          </a:solidFill>
+                          <a:latin typeface="Segoe UI" pitchFamily="34" charset="0"/>
+                          <a:cs typeface="Segoe UI" pitchFamily="34" charset="0"/>
+                        </a:rPr>
+                        <a:t>Failing to report a relative error metric and hence offering no perspective</a:t>
+                      </a:r>
+                      <a:r>
+                        <a:rPr lang="en-GB" sz="1000" baseline="0" smtClean="0">
+                          <a:solidFill>
+                            <a:srgbClr val="000000"/>
+                          </a:solidFill>
+                          <a:latin typeface="Segoe UI" pitchFamily="34" charset="0"/>
+                          <a:cs typeface="Segoe UI" pitchFamily="34" charset="0"/>
+                        </a:rPr>
+                        <a:t> on the degree to which you forecasting method improves on an appropriate benchmark.</a:t>
+                      </a:r>
+                      <a:endParaRPr lang="en-GB" sz="1000">
+                        <a:solidFill>
+                          <a:srgbClr val="000000"/>
+                        </a:solidFill>
+                        <a:latin typeface="Segoe UI" pitchFamily="34" charset="0"/>
+                        <a:cs typeface="Segoe UI" pitchFamily="34" charset="0"/>
+                      </a:endParaRPr>
+                    </a:p>
+                  </a:txBody>
+                  <a:tcPr>
+                    <a:lnL w="6350" cap="flat" cmpd="sng" algn="ctr">
+                      <a:solidFill>
+                        <a:srgbClr val="000000"/>
+                      </a:solidFill>
+                      <a:prstDash val="solid"/>
+                      <a:round/>
+                      <a:headEnd type="none" w="med" len="med"/>
+                      <a:tailEnd type="none" w="med" len="med"/>
+                    </a:lnL>
+                    <a:lnR w="12700" cap="flat" cmpd="sng" algn="ctr">
+                      <a:solidFill>
+                        <a:schemeClr val="tx1"/>
+                      </a:solidFill>
+                      <a:prstDash val="solid"/>
+                      <a:round/>
+                      <a:headEnd type="none" w="med" len="med"/>
+                      <a:tailEnd type="none" w="med" len="med"/>
+                    </a:lnR>
+                    <a:lnT w="6350" cap="flat" cmpd="sng" algn="ctr">
+                      <a:noFill/>
+                      <a:prstDash val="solid"/>
+                      <a:round/>
+                      <a:headEnd type="none" w="med" len="med"/>
+                      <a:tailEnd type="none" w="med" len="med"/>
+                    </a:lnT>
+                    <a:lnB w="12700" cmpd="sng">
+                      <a:noFill/>
+                    </a:lnB>
+                    <a:lnTlToBr w="12700" cmpd="sng">
+                      <a:noFill/>
+                      <a:prstDash val="solid"/>
+                    </a:lnTlToBr>
+                    <a:lnBlToTr w="12700" cmpd="sng">
+                      <a:noFill/>
+                      <a:prstDash val="solid"/>
+                    </a:lnBlToTr>
+                  </a:tcPr>
+                </a:tc>
+              </a:tr>
+              <a:tr h="273736">
+                <a:tc>
+                  <a:txBody>
+                    <a:bodyPr/>
+                    <a:lstStyle/>
+                    <a:p>
+                      <a:pPr marL="0" marR="0" indent="0" algn="l" defTabSz="584200" rtl="0" eaLnBrk="1" fontAlgn="auto" latinLnBrk="0" hangingPunct="1">
+                        <a:lnSpc>
+                          <a:spcPct val="100000"/>
+                        </a:lnSpc>
+                        <a:spcBef>
+                          <a:spcPts val="0"/>
+                        </a:spcBef>
+                        <a:spcAft>
+                          <a:spcPts val="0"/>
+                        </a:spcAft>
+                        <a:buClrTx/>
+                        <a:buSzTx/>
+                        <a:buFontTx/>
+                        <a:buNone/>
+                        <a:tabLst/>
+                        <a:defRPr/>
+                      </a:pPr>
+                      <a:r>
+                        <a:rPr lang="en-GB" sz="1000" smtClean="0">
+                          <a:solidFill>
+                            <a:srgbClr val="000000"/>
+                          </a:solidFill>
+                          <a:latin typeface="Segoe UI" pitchFamily="34" charset="0"/>
+                          <a:cs typeface="Segoe UI" pitchFamily="34" charset="0"/>
+                        </a:rPr>
+                        <a:t>Relying on benchmarks from external</a:t>
+                      </a:r>
+                      <a:r>
+                        <a:rPr lang="en-GB" sz="1000" baseline="0" smtClean="0">
+                          <a:solidFill>
+                            <a:srgbClr val="000000"/>
+                          </a:solidFill>
+                          <a:latin typeface="Segoe UI" pitchFamily="34" charset="0"/>
+                          <a:cs typeface="Segoe UI" pitchFamily="34" charset="0"/>
+                        </a:rPr>
+                        <a:t> surveys without giving detailed attention to the possible areas of incomparability.</a:t>
+                      </a:r>
+                      <a:endParaRPr lang="en-GB" sz="1000">
+                        <a:solidFill>
+                          <a:srgbClr val="000000"/>
+                        </a:solidFill>
+                        <a:latin typeface="Segoe UI" pitchFamily="34" charset="0"/>
+                        <a:cs typeface="Segoe UI" pitchFamily="34" charset="0"/>
+                      </a:endParaRPr>
+                    </a:p>
+                  </a:txBody>
+                  <a:tcPr>
+                    <a:lnL w="6350" cap="flat" cmpd="sng" algn="ctr">
+                      <a:solidFill>
+                        <a:srgbClr val="000000"/>
+                      </a:solidFill>
+                      <a:prstDash val="solid"/>
+                      <a:round/>
+                      <a:headEnd type="none" w="med" len="med"/>
+                      <a:tailEnd type="none" w="med" len="med"/>
+                    </a:lnL>
+                    <a:lnR w="12700" cap="flat" cmpd="sng" algn="ctr">
+                      <a:solidFill>
+                        <a:schemeClr val="tx1"/>
+                      </a:solidFill>
+                      <a:prstDash val="solid"/>
+                      <a:round/>
+                      <a:headEnd type="none" w="med" len="med"/>
+                      <a:tailEnd type="none" w="med" len="med"/>
+                    </a:lnR>
+                    <a:lnT w="6350" cap="flat" cmpd="sng" algn="ctr">
+                      <a:noFill/>
+                      <a:prstDash val="solid"/>
+                      <a:round/>
+                      <a:headEnd type="none" w="med" len="med"/>
+                      <a:tailEnd type="none" w="med" len="med"/>
+                    </a:lnT>
+                    <a:lnB w="12700" cmpd="sng">
+                      <a:noFill/>
+                    </a:lnB>
+                    <a:lnTlToBr w="12700" cmpd="sng">
+                      <a:noFill/>
+                      <a:prstDash val="solid"/>
+                    </a:lnTlToBr>
+                    <a:lnBlToTr w="12700" cmpd="sng">
+                      <a:noFill/>
+                      <a:prstDash val="solid"/>
+                    </a:lnBlToTr>
+                  </a:tcPr>
+                </a:tc>
+              </a:tr>
+              <a:tr h="273736">
+                <a:tc>
+                  <a:txBody>
+                    <a:bodyPr/>
+                    <a:lstStyle/>
+                    <a:p>
+                      <a:pPr marL="0" marR="0" indent="0" algn="l" defTabSz="584200" rtl="0" eaLnBrk="1" fontAlgn="auto" latinLnBrk="0" hangingPunct="1">
+                        <a:lnSpc>
+                          <a:spcPct val="100000"/>
+                        </a:lnSpc>
+                        <a:spcBef>
+                          <a:spcPts val="0"/>
+                        </a:spcBef>
+                        <a:spcAft>
+                          <a:spcPts val="0"/>
+                        </a:spcAft>
+                        <a:buClrTx/>
+                        <a:buSzTx/>
+                        <a:buFontTx/>
+                        <a:buNone/>
+                        <a:tabLst/>
+                        <a:defRPr/>
+                      </a:pPr>
+                      <a:r>
+                        <a:rPr lang="en-GB" sz="1000" smtClean="0">
+                          <a:solidFill>
+                            <a:srgbClr val="000000"/>
+                          </a:solidFill>
+                          <a:latin typeface="Segoe UI" pitchFamily="34" charset="0"/>
+                          <a:cs typeface="Segoe UI" pitchFamily="34" charset="0"/>
+                        </a:rPr>
+                        <a:t>Faling to create a process for tracking forecast accuracy changes over time.</a:t>
+                      </a:r>
+                      <a:endParaRPr lang="en-GB" sz="1000">
+                        <a:solidFill>
+                          <a:srgbClr val="000000"/>
+                        </a:solidFill>
+                        <a:latin typeface="Segoe UI" pitchFamily="34" charset="0"/>
+                        <a:cs typeface="Segoe UI" pitchFamily="34" charset="0"/>
+                      </a:endParaRPr>
+                    </a:p>
+                  </a:txBody>
+                  <a:tcPr>
+                    <a:lnL w="6350" cap="flat" cmpd="sng" algn="ctr">
+                      <a:solidFill>
+                        <a:srgbClr val="000000"/>
+                      </a:solidFill>
+                      <a:prstDash val="solid"/>
+                      <a:round/>
+                      <a:headEnd type="none" w="med" len="med"/>
+                      <a:tailEnd type="none" w="med" len="med"/>
+                    </a:lnL>
+                    <a:lnR w="12700" cap="flat" cmpd="sng" algn="ctr">
+                      <a:solidFill>
+                        <a:schemeClr val="tx1"/>
+                      </a:solidFill>
+                      <a:prstDash val="solid"/>
+                      <a:round/>
+                      <a:headEnd type="none" w="med" len="med"/>
+                      <a:tailEnd type="none" w="med" len="med"/>
+                    </a:lnR>
+                    <a:lnT w="6350" cap="flat" cmpd="sng" algn="ctr">
+                      <a:noFill/>
+                      <a:prstDash val="solid"/>
+                      <a:round/>
+                      <a:headEnd type="none" w="med" len="med"/>
+                      <a:tailEnd type="none" w="med" len="med"/>
+                    </a:lnT>
+                    <a:lnB w="12700" cmpd="sng">
+                      <a:noFill/>
+                    </a:lnB>
+                    <a:lnTlToBr w="12700" cmpd="sng">
+                      <a:noFill/>
+                      <a:prstDash val="solid"/>
+                    </a:lnTlToBr>
+                    <a:lnBlToTr w="12700" cmpd="sng">
+                      <a:noFill/>
+                      <a:prstDash val="solid"/>
+                    </a:lnBlToTr>
+                  </a:tcPr>
+                </a:tc>
+              </a:tr>
+              <a:tr h="260350">
+                <a:tc>
+                  <a:txBody>
+                    <a:bodyPr/>
+                    <a:lstStyle/>
+                    <a:p>
+                      <a:pPr algn="l"/>
+                      <a:r>
+                        <a:rPr lang="en-GB" sz="1000" smtClean="0">
+                          <a:solidFill>
+                            <a:srgbClr val="000000"/>
+                          </a:solidFill>
+                          <a:latin typeface="Segoe UI" pitchFamily="34" charset="0"/>
+                          <a:cs typeface="Segoe UI" pitchFamily="34" charset="0"/>
+                        </a:rPr>
+                        <a:t>Assessing forecastability on the basis of the coefficient of variation (i.e. SD/MEAN). </a:t>
+                      </a:r>
+                      <a:r>
+                        <a:rPr lang="en-GB" sz="1000" i="1" u="sng" smtClean="0">
+                          <a:solidFill>
+                            <a:srgbClr val="000000"/>
+                          </a:solidFill>
+                          <a:latin typeface="Segoe UI" pitchFamily="34" charset="0"/>
+                          <a:cs typeface="Segoe UI" pitchFamily="34" charset="0"/>
+                        </a:rPr>
+                        <a:t>Approximate entropy</a:t>
+                      </a:r>
+                      <a:r>
+                        <a:rPr lang="en-GB" sz="1000" i="0" u="none" smtClean="0">
+                          <a:solidFill>
+                            <a:srgbClr val="000000"/>
+                          </a:solidFill>
+                          <a:latin typeface="Segoe UI" pitchFamily="34" charset="0"/>
+                          <a:cs typeface="Segoe UI" pitchFamily="34" charset="0"/>
+                        </a:rPr>
+                        <a:t> </a:t>
+                      </a:r>
+                      <a:r>
+                        <a:rPr lang="en-GB" sz="1000" smtClean="0">
+                          <a:solidFill>
+                            <a:srgbClr val="000000"/>
+                          </a:solidFill>
+                          <a:latin typeface="Segoe UI" pitchFamily="34" charset="0"/>
+                          <a:cs typeface="Segoe UI" pitchFamily="34" charset="0"/>
+                        </a:rPr>
+                        <a:t>is better.</a:t>
+                      </a:r>
+                      <a:endParaRPr lang="en-GB" sz="1000">
+                        <a:solidFill>
+                          <a:srgbClr val="000000"/>
+                        </a:solidFill>
+                        <a:latin typeface="Segoe UI" pitchFamily="34" charset="0"/>
+                        <a:cs typeface="Segoe UI" pitchFamily="34" charset="0"/>
+                      </a:endParaRPr>
+                    </a:p>
+                  </a:txBody>
+                  <a:tcPr>
+                    <a:lnL w="6350" cap="flat" cmpd="sng" algn="ctr">
+                      <a:solidFill>
+                        <a:srgbClr val="000000"/>
+                      </a:solidFill>
+                      <a:prstDash val="solid"/>
+                      <a:round/>
+                      <a:headEnd type="none" w="med" len="med"/>
+                      <a:tailEnd type="none" w="med" len="med"/>
+                    </a:lnL>
+                    <a:lnR w="12700" cap="flat" cmpd="sng" algn="ctr">
+                      <a:solidFill>
+                        <a:schemeClr val="tx1"/>
+                      </a:solidFill>
+                      <a:prstDash val="solid"/>
+                      <a:round/>
+                      <a:headEnd type="none" w="med" len="med"/>
+                      <a:tailEnd type="none" w="med" len="med"/>
+                    </a:lnR>
+                    <a:lnT w="12700" cmpd="sng">
+                      <a:noFill/>
+                    </a:lnT>
+                    <a:lnB w="12700" cmpd="sng">
+                      <a:noFill/>
+                    </a:lnB>
+                    <a:lnTlToBr w="12700" cmpd="sng">
+                      <a:noFill/>
+                      <a:prstDash val="solid"/>
+                    </a:lnTlToBr>
+                    <a:lnBlToTr w="12700" cmpd="sng">
+                      <a:noFill/>
+                      <a:prstDash val="solid"/>
+                    </a:lnBlToTr>
+                  </a:tcPr>
+                </a:tc>
+                <a:extLst>
+                  <a:ext uri="{0D108BD9-81ED-4DB2-BD59-A6C34878D82A}">
+                    <a16:rowId xmlns:a16="http://schemas.microsoft.com/office/drawing/2014/main" xmlns="" val="10002"/>
+                  </a:ext>
+                </a:extLst>
+              </a:tr>
+              <a:tr h="260350">
+                <a:tc>
+                  <a:txBody>
+                    <a:bodyPr/>
+                    <a:lstStyle/>
+                    <a:p>
+                      <a:pPr marL="0" marR="0" indent="0" algn="l" defTabSz="584200" rtl="0" eaLnBrk="1" fontAlgn="auto" latinLnBrk="0" hangingPunct="1">
+                        <a:lnSpc>
+                          <a:spcPct val="100000"/>
+                        </a:lnSpc>
+                        <a:spcBef>
+                          <a:spcPts val="0"/>
+                        </a:spcBef>
+                        <a:spcAft>
+                          <a:spcPts val="0"/>
+                        </a:spcAft>
+                        <a:buClrTx/>
+                        <a:buSzTx/>
+                        <a:buFontTx/>
+                        <a:buNone/>
+                        <a:tabLst/>
+                        <a:defRPr/>
+                      </a:pPr>
+                      <a:r>
+                        <a:rPr lang="en-GB" sz="1000" i="0" smtClean="0">
+                          <a:solidFill>
+                            <a:srgbClr val="000000"/>
+                          </a:solidFill>
+                          <a:latin typeface="Segoe UI" pitchFamily="34" charset="0"/>
+                          <a:cs typeface="Segoe UI" pitchFamily="34" charset="0"/>
+                        </a:rPr>
+                        <a:t>Failing to seek more forecastable</a:t>
+                      </a:r>
+                      <a:r>
+                        <a:rPr lang="en-GB" sz="1000" i="0" baseline="0" smtClean="0">
+                          <a:solidFill>
+                            <a:srgbClr val="000000"/>
+                          </a:solidFill>
+                          <a:latin typeface="Segoe UI" pitchFamily="34" charset="0"/>
+                          <a:cs typeface="Segoe UI" pitchFamily="34" charset="0"/>
+                        </a:rPr>
+                        <a:t> series, especially when forecast errors on the product in question are high.</a:t>
+                      </a:r>
+                      <a:endParaRPr lang="en-GB" sz="1000" i="0">
+                        <a:solidFill>
+                          <a:srgbClr val="000000"/>
+                        </a:solidFill>
+                        <a:latin typeface="Segoe UI" pitchFamily="34" charset="0"/>
+                        <a:cs typeface="Segoe UI" pitchFamily="34" charset="0"/>
+                      </a:endParaRPr>
+                    </a:p>
+                  </a:txBody>
+                  <a:tcPr>
+                    <a:lnL w="6350" cap="flat" cmpd="sng" algn="ctr">
+                      <a:solidFill>
+                        <a:srgbClr val="000000"/>
+                      </a:solidFill>
+                      <a:prstDash val="solid"/>
+                      <a:round/>
+                      <a:headEnd type="none" w="med" len="med"/>
+                      <a:tailEnd type="none" w="med" len="med"/>
+                    </a:lnL>
+                    <a:lnR w="12700" cap="flat" cmpd="sng" algn="ctr">
+                      <a:solidFill>
+                        <a:schemeClr val="tx1"/>
+                      </a:solidFill>
+                      <a:prstDash val="solid"/>
+                      <a:round/>
+                      <a:headEnd type="none" w="med" len="med"/>
+                      <a:tailEnd type="none" w="med" len="med"/>
+                    </a:lnR>
+                    <a:lnT w="12700" cmpd="sng">
+                      <a:noFill/>
+                    </a:lnT>
+                    <a:lnB w="12700" cmpd="sng">
+                      <a:noFill/>
+                    </a:lnB>
+                    <a:lnTlToBr w="12700" cmpd="sng">
+                      <a:noFill/>
+                      <a:prstDash val="solid"/>
+                    </a:lnTlToBr>
+                    <a:lnBlToTr w="12700" cmpd="sng">
+                      <a:noFill/>
+                      <a:prstDash val="solid"/>
+                    </a:lnBlToTr>
+                  </a:tcPr>
+                </a:tc>
+                <a:extLst>
+                  <a:ext uri="{0D108BD9-81ED-4DB2-BD59-A6C34878D82A}">
+                    <a16:rowId xmlns:a16="http://schemas.microsoft.com/office/drawing/2014/main" xmlns="" val="10003"/>
+                  </a:ext>
+                </a:extLst>
+              </a:tr>
+              <a:tr h="260350">
+                <a:tc>
+                  <a:txBody>
+                    <a:bodyPr/>
+                    <a:lstStyle/>
+                    <a:p>
+                      <a:pPr marL="0" marR="0" indent="0" algn="l" defTabSz="584200" rtl="0" eaLnBrk="1" fontAlgn="auto" latinLnBrk="0" hangingPunct="1">
+                        <a:lnSpc>
+                          <a:spcPct val="100000"/>
+                        </a:lnSpc>
+                        <a:spcBef>
+                          <a:spcPts val="0"/>
+                        </a:spcBef>
+                        <a:spcAft>
+                          <a:spcPts val="0"/>
+                        </a:spcAft>
+                        <a:buClrTx/>
+                        <a:buSzTx/>
+                        <a:buFontTx/>
+                        <a:buNone/>
+                        <a:tabLst/>
+                        <a:defRPr/>
+                      </a:pPr>
+                      <a:r>
+                        <a:rPr lang="en-GB" sz="1000" i="0" smtClean="0">
+                          <a:solidFill>
+                            <a:srgbClr val="000000"/>
+                          </a:solidFill>
+                          <a:latin typeface="Segoe UI" pitchFamily="34" charset="0"/>
+                          <a:cs typeface="Segoe UI" pitchFamily="34" charset="0"/>
+                        </a:rPr>
+                        <a:t>Making server-level, safety-stock,</a:t>
+                      </a:r>
+                      <a:r>
+                        <a:rPr lang="en-GB" sz="1000" i="0" baseline="0" smtClean="0">
+                          <a:solidFill>
+                            <a:srgbClr val="000000"/>
+                          </a:solidFill>
+                          <a:latin typeface="Segoe UI" pitchFamily="34" charset="0"/>
+                          <a:cs typeface="Segoe UI" pitchFamily="34" charset="0"/>
+                        </a:rPr>
+                        <a:t> and systems-upgrade decisions without a careful calculation of the cost of forecast error.</a:t>
+                      </a:r>
+                      <a:endParaRPr lang="en-GB" sz="1000" i="0">
+                        <a:solidFill>
+                          <a:srgbClr val="000000"/>
+                        </a:solidFill>
+                        <a:latin typeface="Segoe UI" pitchFamily="34" charset="0"/>
+                        <a:cs typeface="Segoe UI" pitchFamily="34" charset="0"/>
+                      </a:endParaRPr>
+                    </a:p>
+                  </a:txBody>
+                  <a:tcPr>
+                    <a:lnL w="6350" cap="flat" cmpd="sng" algn="ctr">
+                      <a:solidFill>
+                        <a:srgbClr val="000000"/>
+                      </a:solidFill>
+                      <a:prstDash val="solid"/>
+                      <a:round/>
+                      <a:headEnd type="none" w="med" len="med"/>
+                      <a:tailEnd type="none" w="med" len="med"/>
+                    </a:lnL>
+                    <a:lnR w="12700" cap="flat" cmpd="sng" algn="ctr">
+                      <a:solidFill>
+                        <a:schemeClr val="tx1"/>
+                      </a:solidFill>
+                      <a:prstDash val="solid"/>
+                      <a:round/>
+                      <a:headEnd type="none" w="med" len="med"/>
+                      <a:tailEnd type="none" w="med" len="med"/>
+                    </a:lnR>
+                    <a:lnT w="12700" cmpd="sng">
+                      <a:noFill/>
+                    </a:lnT>
+                    <a:lnB w="12700" cmpd="sng">
+                      <a:noFill/>
+                    </a:lnB>
+                    <a:lnTlToBr w="12700" cmpd="sng">
+                      <a:noFill/>
+                      <a:prstDash val="solid"/>
+                    </a:lnTlToBr>
+                    <a:lnBlToTr w="12700" cmpd="sng">
+                      <a:noFill/>
+                      <a:prstDash val="solid"/>
+                    </a:lnBlToTr>
+                  </a:tcPr>
+                </a:tc>
+              </a:tr>
+              <a:tr h="260350">
+                <a:tc>
+                  <a:txBody>
+                    <a:bodyPr/>
+                    <a:lstStyle/>
+                    <a:p>
+                      <a:pPr marL="0" marR="0" indent="0" algn="l" defTabSz="584200" rtl="0" eaLnBrk="1" fontAlgn="auto" latinLnBrk="0" hangingPunct="1">
+                        <a:lnSpc>
+                          <a:spcPct val="100000"/>
+                        </a:lnSpc>
+                        <a:spcBef>
+                          <a:spcPts val="0"/>
+                        </a:spcBef>
+                        <a:spcAft>
+                          <a:spcPts val="0"/>
+                        </a:spcAft>
+                        <a:buClrTx/>
+                        <a:buSzTx/>
+                        <a:buFontTx/>
+                        <a:buNone/>
+                        <a:tabLst/>
+                        <a:defRPr/>
+                      </a:pPr>
+                      <a:r>
+                        <a:rPr lang="en-GB" sz="1000" i="0" smtClean="0">
+                          <a:solidFill>
+                            <a:srgbClr val="000000"/>
+                          </a:solidFill>
+                          <a:latin typeface="Segoe UI" pitchFamily="34" charset="0"/>
+                          <a:cs typeface="Segoe UI" pitchFamily="34" charset="0"/>
+                        </a:rPr>
+                        <a:t>Relying exclusively on normal distributions to optimize</a:t>
+                      </a:r>
+                      <a:r>
+                        <a:rPr lang="en-GB" sz="1000" i="0" baseline="0" smtClean="0">
+                          <a:solidFill>
+                            <a:srgbClr val="000000"/>
+                          </a:solidFill>
+                          <a:latin typeface="Segoe UI" pitchFamily="34" charset="0"/>
+                          <a:cs typeface="Segoe UI" pitchFamily="34" charset="0"/>
+                        </a:rPr>
+                        <a:t> inventory levels and calculate the CFE.</a:t>
+                      </a:r>
+                      <a:endParaRPr lang="en-GB" sz="1000" i="0">
+                        <a:solidFill>
+                          <a:srgbClr val="000000"/>
+                        </a:solidFill>
+                        <a:latin typeface="Segoe UI" pitchFamily="34" charset="0"/>
+                        <a:cs typeface="Segoe UI" pitchFamily="34" charset="0"/>
+                      </a:endParaRPr>
+                    </a:p>
+                  </a:txBody>
+                  <a:tcPr>
+                    <a:lnL w="6350" cap="flat" cmpd="sng" algn="ctr">
+                      <a:solidFill>
+                        <a:srgbClr val="000000"/>
+                      </a:solidFill>
+                      <a:prstDash val="solid"/>
+                      <a:round/>
+                      <a:headEnd type="none" w="med" len="med"/>
+                      <a:tailEnd type="none" w="med" len="med"/>
+                    </a:lnL>
+                    <a:lnR w="12700" cap="flat" cmpd="sng" algn="ctr">
+                      <a:solidFill>
+                        <a:schemeClr val="tx1"/>
+                      </a:solidFill>
+                      <a:prstDash val="solid"/>
+                      <a:round/>
+                      <a:headEnd type="none" w="med" len="med"/>
+                      <a:tailEnd type="none" w="med" len="med"/>
+                    </a:lnR>
+                    <a:lnT w="12700" cmpd="sng">
+                      <a:noFill/>
+                    </a:lnT>
+                    <a:lnB w="12700" cmpd="sng">
+                      <a:noFill/>
+                    </a:lnB>
+                    <a:lnTlToBr w="12700" cmpd="sng">
+                      <a:noFill/>
+                      <a:prstDash val="solid"/>
+                    </a:lnTlToBr>
+                    <a:lnBlToTr w="12700" cmpd="sng">
+                      <a:noFill/>
+                      <a:prstDash val="solid"/>
+                    </a:lnBlToTr>
+                  </a:tcPr>
+                </a:tc>
+              </a:tr>
+              <a:tr h="260350">
+                <a:tc>
+                  <a:txBody>
+                    <a:bodyPr/>
+                    <a:lstStyle/>
+                    <a:p>
+                      <a:pPr marL="0" marR="0" indent="0" algn="l" defTabSz="584200" rtl="0" eaLnBrk="1" fontAlgn="auto" latinLnBrk="0" hangingPunct="1">
+                        <a:lnSpc>
+                          <a:spcPct val="100000"/>
+                        </a:lnSpc>
+                        <a:spcBef>
+                          <a:spcPts val="0"/>
+                        </a:spcBef>
+                        <a:spcAft>
+                          <a:spcPts val="0"/>
+                        </a:spcAft>
+                        <a:buClrTx/>
+                        <a:buSzTx/>
+                        <a:buFontTx/>
+                        <a:buNone/>
+                        <a:tabLst/>
+                        <a:defRPr/>
+                      </a:pPr>
+                      <a:r>
+                        <a:rPr lang="en-GB" sz="1000" b="0" i="0" u="none" strike="noStrike" cap="none" spc="0" baseline="0">
+                          <a:ln>
+                            <a:noFill/>
+                          </a:ln>
+                          <a:solidFill>
+                            <a:srgbClr val="000000"/>
+                          </a:solidFill>
+                          <a:uFillTx/>
+                          <a:latin typeface="Segoe UI" pitchFamily="34" charset="0"/>
+                          <a:ea typeface="+mn-ea"/>
+                          <a:cs typeface="Segoe UI" pitchFamily="34" charset="0"/>
+                          <a:sym typeface="Source Sans Pro"/>
+                        </a:rPr>
+                        <a:t>Source: </a:t>
+                      </a:r>
+                      <a:r>
+                        <a:rPr lang="en-GB" sz="1000" b="0" i="0" u="none" strike="noStrike" cap="none" spc="0" baseline="0">
+                          <a:ln>
+                            <a:noFill/>
+                          </a:ln>
+                          <a:solidFill>
+                            <a:srgbClr val="000000"/>
+                          </a:solidFill>
+                          <a:uFillTx/>
+                          <a:latin typeface="Segoe UI" pitchFamily="34" charset="0"/>
+                          <a:ea typeface="+mn-ea"/>
+                          <a:cs typeface="Segoe UI" pitchFamily="34" charset="0"/>
+                          <a:sym typeface="Helvetica Light"/>
+                        </a:rPr>
+                        <a:t>Business Forecasting </a:t>
+                      </a:r>
+                      <a:r>
+                        <a:rPr lang="en-GB" sz="1000" b="0" i="0" u="none" strike="noStrike" cap="none" spc="0" baseline="0" smtClean="0">
+                          <a:ln>
+                            <a:noFill/>
+                          </a:ln>
+                          <a:solidFill>
+                            <a:srgbClr val="000000"/>
+                          </a:solidFill>
+                          <a:uFillTx/>
+                          <a:latin typeface="Segoe UI" pitchFamily="34" charset="0"/>
+                          <a:ea typeface="+mn-ea"/>
+                          <a:cs typeface="Segoe UI" pitchFamily="34" charset="0"/>
+                          <a:sym typeface="Helvetica Light"/>
+                        </a:rPr>
+                        <a:t>Ch. 3.1</a:t>
+                      </a:r>
+                      <a:endParaRPr lang="en-GB" sz="1000" b="0" i="0" u="none" strike="noStrike" cap="none" spc="0" baseline="0">
+                        <a:ln>
+                          <a:noFill/>
+                        </a:ln>
+                        <a:solidFill>
+                          <a:srgbClr val="000000"/>
+                        </a:solidFill>
+                        <a:uFillTx/>
+                        <a:latin typeface="Segoe UI" pitchFamily="34" charset="0"/>
+                        <a:ea typeface="+mn-ea"/>
+                        <a:cs typeface="Segoe UI" pitchFamily="34" charset="0"/>
+                        <a:sym typeface="Source Sans Pro"/>
+                      </a:endParaRPr>
+                    </a:p>
+                  </a:txBody>
+                  <a:tcPr>
+                    <a:lnL w="6350" cap="flat" cmpd="sng" algn="ctr">
+                      <a:solidFill>
+                        <a:srgbClr val="000000"/>
+                      </a:solidFill>
+                      <a:prstDash val="solid"/>
+                      <a:round/>
+                      <a:headEnd type="none" w="med" len="med"/>
+                      <a:tailEnd type="none" w="med" len="med"/>
+                    </a:lnL>
+                    <a:lnR w="12700" cap="flat" cmpd="sng" algn="ctr">
+                      <a:solidFill>
+                        <a:schemeClr val="tx1"/>
+                      </a:solidFill>
+                      <a:prstDash val="solid"/>
+                      <a:round/>
+                      <a:headEnd type="none" w="med" len="med"/>
+                      <a:tailEnd type="none" w="med" len="med"/>
+                    </a:lnR>
+                    <a:lnT w="12700" cmpd="sng">
+                      <a:noFill/>
+                    </a:lnT>
+                    <a:lnB w="6350" cap="flat" cmpd="sng" algn="ctr">
+                      <a:solidFill>
+                        <a:srgbClr val="000000"/>
+                      </a:solidFill>
+                      <a:prstDash val="solid"/>
+                      <a:round/>
+                      <a:headEnd type="none" w="med" len="med"/>
+                      <a:tailEnd type="none" w="med" len="med"/>
+                    </a:lnB>
+                    <a:lnTlToBr w="12700" cmpd="sng">
+                      <a:noFill/>
+                      <a:prstDash val="solid"/>
+                    </a:lnTlToBr>
+                    <a:lnBlToTr w="12700" cmpd="sng">
+                      <a:noFill/>
+                      <a:prstDash val="solid"/>
+                    </a:lnBlToTr>
+                  </a:tcPr>
+                </a:tc>
+                <a:extLst>
+                  <a:ext uri="{0D108BD9-81ED-4DB2-BD59-A6C34878D82A}">
+                    <a16:rowId xmlns:a16="http://schemas.microsoft.com/office/drawing/2014/main" xmlns="" val="10006"/>
+                  </a:ext>
+                </a:extLst>
+              </a:tr>
+            </a:tbl>
+          </a:graphicData>
+        </a:graphic>
+      </p:graphicFrame>
+      <p:graphicFrame>
+        <p:nvGraphicFramePr>
+          <p:cNvPr id="21" name="Table 20"/>
+          <p:cNvGraphicFramePr>
+            <a:graphicFrameLocks noGrp="1"/>
+          </p:cNvGraphicFramePr>
+          <p:nvPr>
+            <p:extLst>
+              <p:ext uri="{D42A27DB-BD31-4B8C-83A1-F6EECF244321}">
+                <p14:modId xmlns:p14="http://schemas.microsoft.com/office/powerpoint/2010/main" val="4131094985"/>
+              </p:ext>
+            </p:extLst>
+          </p:nvPr>
+        </p:nvGraphicFramePr>
+        <p:xfrm>
+          <a:off x="4361094" y="5525216"/>
+          <a:ext cx="3825875" cy="1315136"/>
+        </p:xfrm>
+        <a:graphic>
+          <a:graphicData uri="http://schemas.openxmlformats.org/drawingml/2006/table">
+            <a:tbl>
+              <a:tblPr firstRow="1" bandRow="1">
+                <a:tableStyleId>{5940675A-B579-460E-94D1-54222C63F5DA}</a:tableStyleId>
+              </a:tblPr>
+              <a:tblGrid>
+                <a:gridCol w="3825875">
+                  <a:extLst>
+                    <a:ext uri="{9D8B030D-6E8A-4147-A177-3AD203B41FA5}">
+                      <a16:colId xmlns:a16="http://schemas.microsoft.com/office/drawing/2014/main" xmlns="" val="20000"/>
+                    </a:ext>
+                  </a:extLst>
+                </a:gridCol>
+              </a:tblGrid>
+              <a:tr h="260350">
+                <a:tc>
+                  <a:txBody>
+                    <a:bodyPr/>
+                    <a:lstStyle/>
+                    <a:p>
+                      <a:pPr algn="l"/>
+                      <a:r>
+                        <a:rPr lang="en-GB" sz="1000" b="1" baseline="0" smtClean="0">
+                          <a:solidFill>
+                            <a:srgbClr val="000000"/>
+                          </a:solidFill>
+                          <a:latin typeface="Segoe UI" pitchFamily="34" charset="0"/>
+                          <a:cs typeface="Segoe UI" pitchFamily="34" charset="0"/>
+                        </a:rPr>
+                        <a:t>title</a:t>
+                      </a:r>
+                      <a:endParaRPr lang="en-GB" sz="1000" b="1" baseline="0">
+                        <a:solidFill>
+                          <a:srgbClr val="000000"/>
+                        </a:solidFill>
+                        <a:latin typeface="Segoe UI" pitchFamily="34" charset="0"/>
+                        <a:cs typeface="Segoe UI" pitchFamily="34" charset="0"/>
+                      </a:endParaRPr>
+                    </a:p>
+                  </a:txBody>
+                  <a:tcPr>
+                    <a:lnL w="6350" cap="flat" cmpd="sng" algn="ctr">
+                      <a:solidFill>
+                        <a:srgbClr val="000000"/>
+                      </a:solidFill>
+                      <a:prstDash val="solid"/>
+                      <a:round/>
+                      <a:headEnd type="none" w="med" len="med"/>
+                      <a:tailEnd type="none" w="med" len="med"/>
+                    </a:lnL>
+                    <a:lnR w="12700" cap="flat" cmpd="sng" algn="ctr">
+                      <a:solidFill>
+                        <a:schemeClr val="tx1"/>
+                      </a:solidFill>
+                      <a:prstDash val="solid"/>
+                      <a:round/>
+                      <a:headEnd type="none" w="med" len="med"/>
+                      <a:tailEnd type="none" w="med" len="med"/>
+                    </a:lnR>
+                    <a:lnT w="6350" cap="flat" cmpd="sng" algn="ctr">
+                      <a:solidFill>
+                        <a:srgbClr val="000000"/>
+                      </a:solidFill>
+                      <a:prstDash val="solid"/>
+                      <a:round/>
+                      <a:headEnd type="none" w="med" len="med"/>
+                      <a:tailEnd type="none" w="med" len="med"/>
+                    </a:lnT>
+                    <a:lnB w="6350" cap="flat" cmpd="sng" algn="ctr">
+                      <a:solidFill>
+                        <a:srgbClr val="000000"/>
+                      </a:solidFill>
+                      <a:prstDash val="solid"/>
+                      <a:round/>
+                      <a:headEnd type="none" w="med" len="med"/>
+                      <a:tailEnd type="none" w="med" len="med"/>
+                    </a:lnB>
+                    <a:lnTlToBr w="12700" cmpd="sng">
+                      <a:noFill/>
+                      <a:prstDash val="solid"/>
+                    </a:lnTlToBr>
+                    <a:lnBlToTr w="12700" cmpd="sng">
+                      <a:noFill/>
+                      <a:prstDash val="solid"/>
+                    </a:lnBlToTr>
+                  </a:tcPr>
+                </a:tc>
+                <a:extLst>
+                  <a:ext uri="{0D108BD9-81ED-4DB2-BD59-A6C34878D82A}">
+                    <a16:rowId xmlns:a16="http://schemas.microsoft.com/office/drawing/2014/main" xmlns="" val="10000"/>
+                  </a:ext>
+                </a:extLst>
+              </a:tr>
+              <a:tr h="273736">
+                <a:tc>
+                  <a:txBody>
+                    <a:bodyPr/>
+                    <a:lstStyle/>
+                    <a:p>
+                      <a:pPr marL="0" marR="0" indent="0" algn="l" defTabSz="584200" rtl="0" eaLnBrk="1" fontAlgn="auto" latinLnBrk="0" hangingPunct="1">
+                        <a:lnSpc>
+                          <a:spcPct val="100000"/>
+                        </a:lnSpc>
+                        <a:spcBef>
+                          <a:spcPts val="0"/>
+                        </a:spcBef>
+                        <a:spcAft>
+                          <a:spcPts val="0"/>
+                        </a:spcAft>
+                        <a:buClrTx/>
+                        <a:buSzTx/>
+                        <a:buFontTx/>
+                        <a:buNone/>
+                        <a:tabLst/>
+                        <a:defRPr/>
+                      </a:pPr>
+                      <a:endParaRPr lang="en-GB" sz="1000">
+                        <a:solidFill>
+                          <a:srgbClr val="000000"/>
+                        </a:solidFill>
+                        <a:latin typeface="Segoe UI" pitchFamily="34" charset="0"/>
+                        <a:cs typeface="Segoe UI" pitchFamily="34" charset="0"/>
+                      </a:endParaRPr>
+                    </a:p>
+                  </a:txBody>
+                  <a:tcPr>
+                    <a:lnL w="6350" cap="flat" cmpd="sng" algn="ctr">
+                      <a:solidFill>
+                        <a:srgbClr val="000000"/>
+                      </a:solidFill>
+                      <a:prstDash val="solid"/>
+                      <a:round/>
+                      <a:headEnd type="none" w="med" len="med"/>
+                      <a:tailEnd type="none" w="med" len="med"/>
+                    </a:lnL>
+                    <a:lnR w="12700" cap="flat" cmpd="sng" algn="ctr">
+                      <a:solidFill>
+                        <a:schemeClr val="tx1"/>
+                      </a:solidFill>
+                      <a:prstDash val="solid"/>
+                      <a:round/>
+                      <a:headEnd type="none" w="med" len="med"/>
+                      <a:tailEnd type="none" w="med" len="med"/>
+                    </a:lnR>
+                    <a:lnT w="6350" cap="flat" cmpd="sng" algn="ctr">
+                      <a:solidFill>
+                        <a:srgbClr val="000000"/>
+                      </a:solidFill>
+                      <a:prstDash val="solid"/>
+                      <a:round/>
+                      <a:headEnd type="none" w="med" len="med"/>
+                      <a:tailEnd type="none" w="med" len="med"/>
+                    </a:lnT>
+                    <a:lnB w="12700" cmpd="sng">
+                      <a:noFill/>
+                    </a:lnB>
+                    <a:lnTlToBr w="12700" cmpd="sng">
+                      <a:noFill/>
+                      <a:prstDash val="solid"/>
+                    </a:lnTlToBr>
+                    <a:lnBlToTr w="12700" cmpd="sng">
+                      <a:noFill/>
+                      <a:prstDash val="solid"/>
+                    </a:lnBlToTr>
+                  </a:tcPr>
+                </a:tc>
+                <a:extLst>
+                  <a:ext uri="{0D108BD9-81ED-4DB2-BD59-A6C34878D82A}">
+                    <a16:rowId xmlns:a16="http://schemas.microsoft.com/office/drawing/2014/main" xmlns="" val="10001"/>
+                  </a:ext>
+                </a:extLst>
+              </a:tr>
+              <a:tr h="260350">
+                <a:tc>
+                  <a:txBody>
+                    <a:bodyPr/>
+                    <a:lstStyle/>
+                    <a:p>
+                      <a:pPr algn="l"/>
+                      <a:endParaRPr lang="en-GB" sz="1000">
+                        <a:solidFill>
+                          <a:srgbClr val="000000"/>
+                        </a:solidFill>
+                        <a:latin typeface="Segoe UI" pitchFamily="34" charset="0"/>
+                        <a:cs typeface="Segoe UI" pitchFamily="34" charset="0"/>
+                      </a:endParaRPr>
+                    </a:p>
+                  </a:txBody>
+                  <a:tcPr>
+                    <a:lnL w="6350" cap="flat" cmpd="sng" algn="ctr">
+                      <a:solidFill>
+                        <a:srgbClr val="000000"/>
+                      </a:solidFill>
+                      <a:prstDash val="solid"/>
+                      <a:round/>
+                      <a:headEnd type="none" w="med" len="med"/>
+                      <a:tailEnd type="none" w="med" len="med"/>
+                    </a:lnL>
+                    <a:lnR w="12700" cap="flat" cmpd="sng" algn="ctr">
+                      <a:solidFill>
+                        <a:schemeClr val="tx1"/>
+                      </a:solidFill>
+                      <a:prstDash val="solid"/>
+                      <a:round/>
+                      <a:headEnd type="none" w="med" len="med"/>
+                      <a:tailEnd type="none" w="med" len="med"/>
+                    </a:lnR>
+                    <a:lnT w="12700" cmpd="sng">
+                      <a:noFill/>
+                    </a:lnT>
+                    <a:lnB w="12700" cmpd="sng">
+                      <a:noFill/>
+                    </a:lnB>
+                    <a:lnTlToBr w="12700" cmpd="sng">
+                      <a:noFill/>
+                      <a:prstDash val="solid"/>
+                    </a:lnTlToBr>
+                    <a:lnBlToTr w="12700" cmpd="sng">
+                      <a:noFill/>
+                      <a:prstDash val="solid"/>
+                    </a:lnBlToTr>
+                  </a:tcPr>
+                </a:tc>
+                <a:extLst>
+                  <a:ext uri="{0D108BD9-81ED-4DB2-BD59-A6C34878D82A}">
+                    <a16:rowId xmlns:a16="http://schemas.microsoft.com/office/drawing/2014/main" xmlns="" val="10002"/>
+                  </a:ext>
+                </a:extLst>
+              </a:tr>
+              <a:tr h="260350">
+                <a:tc>
+                  <a:txBody>
+                    <a:bodyPr/>
+                    <a:lstStyle/>
+                    <a:p>
+                      <a:pPr marL="0" marR="0" indent="0" algn="l" defTabSz="584200" rtl="0" eaLnBrk="1" fontAlgn="auto" latinLnBrk="0" hangingPunct="1">
+                        <a:lnSpc>
+                          <a:spcPct val="100000"/>
+                        </a:lnSpc>
+                        <a:spcBef>
+                          <a:spcPts val="0"/>
+                        </a:spcBef>
+                        <a:spcAft>
+                          <a:spcPts val="0"/>
+                        </a:spcAft>
+                        <a:buClrTx/>
+                        <a:buSzTx/>
+                        <a:buFontTx/>
+                        <a:buNone/>
+                        <a:tabLst/>
+                        <a:defRPr/>
+                      </a:pPr>
+                      <a:endParaRPr lang="en-GB" sz="1000" i="0">
+                        <a:solidFill>
+                          <a:srgbClr val="000000"/>
+                        </a:solidFill>
+                        <a:latin typeface="Segoe UI" pitchFamily="34" charset="0"/>
+                        <a:cs typeface="Segoe UI" pitchFamily="34" charset="0"/>
+                      </a:endParaRPr>
+                    </a:p>
+                  </a:txBody>
+                  <a:tcPr>
+                    <a:lnL w="6350" cap="flat" cmpd="sng" algn="ctr">
+                      <a:solidFill>
+                        <a:srgbClr val="000000"/>
+                      </a:solidFill>
+                      <a:prstDash val="solid"/>
+                      <a:round/>
+                      <a:headEnd type="none" w="med" len="med"/>
+                      <a:tailEnd type="none" w="med" len="med"/>
+                    </a:lnL>
+                    <a:lnR w="12700" cap="flat" cmpd="sng" algn="ctr">
+                      <a:solidFill>
+                        <a:schemeClr val="tx1"/>
+                      </a:solidFill>
+                      <a:prstDash val="solid"/>
+                      <a:round/>
+                      <a:headEnd type="none" w="med" len="med"/>
+                      <a:tailEnd type="none" w="med" len="med"/>
+                    </a:lnR>
+                    <a:lnT w="12700" cmpd="sng">
+                      <a:noFill/>
+                    </a:lnT>
+                    <a:lnB w="12700" cmpd="sng">
+                      <a:noFill/>
+                    </a:lnB>
+                    <a:lnTlToBr w="12700" cmpd="sng">
+                      <a:noFill/>
+                      <a:prstDash val="solid"/>
+                    </a:lnTlToBr>
+                    <a:lnBlToTr w="12700" cmpd="sng">
+                      <a:noFill/>
+                      <a:prstDash val="solid"/>
+                    </a:lnBlToTr>
+                  </a:tcPr>
+                </a:tc>
+                <a:extLst>
+                  <a:ext uri="{0D108BD9-81ED-4DB2-BD59-A6C34878D82A}">
+                    <a16:rowId xmlns:a16="http://schemas.microsoft.com/office/drawing/2014/main" xmlns="" val="10003"/>
+                  </a:ext>
+                </a:extLst>
+              </a:tr>
+              <a:tr h="260350">
+                <a:tc>
+                  <a:txBody>
+                    <a:bodyPr/>
+                    <a:lstStyle/>
+                    <a:p>
+                      <a:pPr marL="0" marR="0" indent="0" algn="l" defTabSz="584200" rtl="0" eaLnBrk="1" fontAlgn="auto" latinLnBrk="0" hangingPunct="1">
+                        <a:lnSpc>
+                          <a:spcPct val="100000"/>
+                        </a:lnSpc>
+                        <a:spcBef>
+                          <a:spcPts val="0"/>
+                        </a:spcBef>
+                        <a:spcAft>
+                          <a:spcPts val="0"/>
+                        </a:spcAft>
+                        <a:buClrTx/>
+                        <a:buSzTx/>
+                        <a:buFontTx/>
+                        <a:buNone/>
+                        <a:tabLst/>
+                        <a:defRPr/>
+                      </a:pPr>
+                      <a:r>
+                        <a:rPr lang="en-GB" sz="1000" b="0" i="0" u="none" strike="noStrike" cap="none" spc="0" baseline="0">
+                          <a:ln>
+                            <a:noFill/>
+                          </a:ln>
+                          <a:solidFill>
+                            <a:srgbClr val="000000"/>
+                          </a:solidFill>
+                          <a:uFillTx/>
+                          <a:latin typeface="Segoe UI" pitchFamily="34" charset="0"/>
+                          <a:ea typeface="+mn-ea"/>
+                          <a:cs typeface="Segoe UI" pitchFamily="34" charset="0"/>
+                          <a:sym typeface="Source Sans Pro"/>
+                        </a:rPr>
+                        <a:t>Source: </a:t>
+                      </a:r>
+                      <a:r>
+                        <a:rPr lang="en-GB" sz="1000" b="0" i="0" u="none" strike="noStrike" cap="none" spc="0" baseline="0">
+                          <a:ln>
+                            <a:noFill/>
+                          </a:ln>
+                          <a:solidFill>
+                            <a:srgbClr val="000000"/>
+                          </a:solidFill>
+                          <a:uFillTx/>
+                          <a:latin typeface="Segoe UI" pitchFamily="34" charset="0"/>
+                          <a:ea typeface="+mn-ea"/>
+                          <a:cs typeface="Segoe UI" pitchFamily="34" charset="0"/>
+                          <a:sym typeface="Helvetica Light"/>
+                        </a:rPr>
+                        <a:t>Business Forecasting p. </a:t>
+                      </a:r>
+                      <a:r>
+                        <a:rPr lang="en-GB" sz="1000" b="0" i="0" u="none" strike="noStrike" cap="none" spc="0" baseline="0" smtClean="0">
+                          <a:ln>
+                            <a:noFill/>
+                          </a:ln>
+                          <a:solidFill>
+                            <a:srgbClr val="000000"/>
+                          </a:solidFill>
+                          <a:uFillTx/>
+                          <a:latin typeface="Segoe UI" pitchFamily="34" charset="0"/>
+                          <a:ea typeface="+mn-ea"/>
+                          <a:cs typeface="Segoe UI" pitchFamily="34" charset="0"/>
+                          <a:sym typeface="Helvetica Light"/>
+                        </a:rPr>
+                        <a:t>x</a:t>
+                      </a:r>
+                      <a:endParaRPr lang="en-GB" sz="1000" b="0" i="0" u="none" strike="noStrike" cap="none" spc="0" baseline="0">
+                        <a:ln>
+                          <a:noFill/>
+                        </a:ln>
+                        <a:solidFill>
+                          <a:srgbClr val="000000"/>
+                        </a:solidFill>
+                        <a:uFillTx/>
+                        <a:latin typeface="Segoe UI" pitchFamily="34" charset="0"/>
+                        <a:ea typeface="+mn-ea"/>
+                        <a:cs typeface="Segoe UI" pitchFamily="34" charset="0"/>
+                        <a:sym typeface="Source Sans Pro"/>
+                      </a:endParaRPr>
+                    </a:p>
+                  </a:txBody>
+                  <a:tcPr>
+                    <a:lnL w="6350" cap="flat" cmpd="sng" algn="ctr">
+                      <a:solidFill>
+                        <a:srgbClr val="000000"/>
+                      </a:solidFill>
+                      <a:prstDash val="solid"/>
+                      <a:round/>
+                      <a:headEnd type="none" w="med" len="med"/>
+                      <a:tailEnd type="none" w="med" len="med"/>
+                    </a:lnL>
+                    <a:lnR w="12700" cap="flat" cmpd="sng" algn="ctr">
+                      <a:solidFill>
+                        <a:schemeClr val="tx1"/>
+                      </a:solidFill>
+                      <a:prstDash val="solid"/>
+                      <a:round/>
+                      <a:headEnd type="none" w="med" len="med"/>
+                      <a:tailEnd type="none" w="med" len="med"/>
+                    </a:lnR>
+                    <a:lnT w="12700" cmpd="sng">
+                      <a:noFill/>
+                    </a:lnT>
+                    <a:lnB w="6350" cap="flat" cmpd="sng" algn="ctr">
+                      <a:solidFill>
+                        <a:srgbClr val="000000"/>
+                      </a:solidFill>
+                      <a:prstDash val="solid"/>
+                      <a:round/>
+                      <a:headEnd type="none" w="med" len="med"/>
+                      <a:tailEnd type="none" w="med" len="med"/>
+                    </a:lnB>
+                    <a:lnTlToBr w="12700" cmpd="sng">
+                      <a:noFill/>
+                      <a:prstDash val="solid"/>
+                    </a:lnTlToBr>
+                    <a:lnBlToTr w="12700" cmpd="sng">
+                      <a:noFill/>
+                      <a:prstDash val="solid"/>
+                    </a:lnBlToTr>
+                  </a:tcPr>
+                </a:tc>
+                <a:extLst>
+                  <a:ext uri="{0D108BD9-81ED-4DB2-BD59-A6C34878D82A}">
+                    <a16:rowId xmlns:a16="http://schemas.microsoft.com/office/drawing/2014/main" xmlns="" val="10006"/>
+                  </a:ext>
+                </a:extLst>
+              </a:tr>
+            </a:tbl>
+          </a:graphicData>
+        </a:graphic>
+      </p:graphicFrame>
+    </p:spTree>
+    <p:extLst>
+      <p:ext uri="{BB962C8B-B14F-4D97-AF65-F5344CB8AC3E}">
+        <p14:creationId xmlns:p14="http://schemas.microsoft.com/office/powerpoint/2010/main" val="233571207"/>
+      </p:ext>
+    </p:extLst>
+  </p:cSld>
+  <p:clrMapOvr>
+    <a:masterClrMapping/>
+  </p:clrMapOvr>
+  <p:transition spd="med"/>
+</p:sld>
+</file>
+
+<file path=ppt/slides/slide4.xml><?xml version="1.0" encoding="utf-8"?>
+<p:sld xmlns:a="http://schemas.openxmlformats.org/drawingml/2006/main" xmlns:r="http://schemas.openxmlformats.org/officeDocument/2006/relationships" xmlns:p="http://schemas.openxmlformats.org/presentationml/2006/main">
+  <p:cSld>
+    <p:spTree>
+      <p:nvGrpSpPr>
+        <p:cNvPr id="1" name=""/>
+        <p:cNvGrpSpPr/>
+        <p:nvPr/>
+      </p:nvGrpSpPr>
+      <p:grpSpPr>
+        <a:xfrm>
+          <a:off x="0" y="0"/>
+          <a:ext cx="0" cy="0"/>
+          <a:chOff x="0" y="0"/>
+          <a:chExt cx="0" cy="0"/>
+        </a:xfrm>
+      </p:grpSpPr>
+      <p:sp>
+        <p:nvSpPr>
+          <p:cNvPr id="792" name="Rectangle 791"/>
+          <p:cNvSpPr/>
+          <p:nvPr/>
+        </p:nvSpPr>
+        <p:spPr>
+          <a:xfrm>
+            <a:off x="288925" y="414064"/>
+            <a:ext cx="11033023" cy="319177"/>
+          </a:xfrm>
+          <a:prstGeom prst="rect">
+            <a:avLst/>
+          </a:prstGeom>
+          <a:noFill/>
+          <a:ln w="0">
+            <a:noFill/>
+          </a:ln>
+          <a:effectLst>
+            <a:outerShdw dir="5400000" sx="1000" sy="1000" algn="ctr" rotWithShape="0">
+              <a:schemeClr val="bg1"/>
+            </a:outerShdw>
+          </a:effectLst>
+        </p:spPr>
+        <p:style>
+          <a:lnRef idx="2">
+            <a:schemeClr val="dk1"/>
+          </a:lnRef>
+          <a:fillRef idx="1">
+            <a:schemeClr val="lt1"/>
+          </a:fillRef>
+          <a:effectRef idx="0">
+            <a:schemeClr val="dk1"/>
+          </a:effectRef>
+          <a:fontRef idx="minor">
+            <a:schemeClr val="dk1"/>
+          </a:fontRef>
+        </p:style>
+        <p:txBody>
+          <a:bodyPr rot="0" spcFirstLastPara="1" vertOverflow="overflow" horzOverflow="overflow" vert="horz" wrap="square" lIns="36000" tIns="36000" rIns="36000" bIns="36000" numCol="1" spcCol="38100" rtlCol="0" anchor="t" anchorCtr="0">
+            <a:noAutofit/>
+          </a:bodyPr>
+          <a:lstStyle/>
+          <a:p>
+            <a:pPr marL="0" marR="0" indent="0" algn="l" defTabSz="584200" rtl="0" fontAlgn="auto" latinLnBrk="0" hangingPunct="0">
+              <a:lnSpc>
+                <a:spcPts val="1500"/>
+              </a:lnSpc>
+              <a:spcBef>
+                <a:spcPts val="0"/>
+              </a:spcBef>
+              <a:spcAft>
+                <a:spcPts val="0"/>
+              </a:spcAft>
+              <a:buClrTx/>
+              <a:buSzTx/>
+              <a:buFontTx/>
+              <a:buNone/>
+              <a:tabLst/>
+            </a:pPr>
+            <a:r>
+              <a:rPr kumimoji="0" lang="en-GB" sz="3600" b="0" i="0" u="none" strike="noStrike" cap="none" spc="0" normalizeH="0" baseline="0">
+                <a:ln>
+                  <a:noFill/>
+                </a:ln>
+                <a:solidFill>
+                  <a:srgbClr val="000000"/>
+                </a:solidFill>
+                <a:effectLst/>
+                <a:uFillTx/>
+                <a:latin typeface="Segoe UI" pitchFamily="34" charset="0"/>
+                <a:ea typeface="Verdana" pitchFamily="34" charset="0"/>
+                <a:cs typeface="Segoe UI" pitchFamily="34" charset="0"/>
+                <a:sym typeface="Source Sans Pro"/>
+              </a:rPr>
+              <a:t>Forecasting</a:t>
+            </a:r>
+          </a:p>
+        </p:txBody>
+      </p:sp>
+      <p:sp>
+        <p:nvSpPr>
+          <p:cNvPr id="793" name="Rectangle 792"/>
+          <p:cNvSpPr/>
+          <p:nvPr/>
+        </p:nvSpPr>
+        <p:spPr>
+          <a:xfrm>
+            <a:off x="272456" y="781918"/>
+            <a:ext cx="5532980" cy="234082"/>
+          </a:xfrm>
+          <a:prstGeom prst="rect">
+            <a:avLst/>
+          </a:prstGeom>
+          <a:noFill/>
+          <a:ln w="0">
+            <a:noFill/>
+          </a:ln>
+          <a:effectLst>
+            <a:outerShdw dir="5400000" sx="1000" sy="1000" algn="ctr" rotWithShape="0">
+              <a:schemeClr val="bg1"/>
+            </a:outerShdw>
+          </a:effectLst>
+        </p:spPr>
+        <p:style>
+          <a:lnRef idx="2">
+            <a:schemeClr val="dk1"/>
+          </a:lnRef>
+          <a:fillRef idx="1">
+            <a:schemeClr val="lt1"/>
+          </a:fillRef>
+          <a:effectRef idx="0">
+            <a:schemeClr val="dk1"/>
+          </a:effectRef>
+          <a:fontRef idx="minor">
+            <a:schemeClr val="dk1"/>
+          </a:fontRef>
+        </p:style>
+        <p:txBody>
+          <a:bodyPr rot="0" spcFirstLastPara="1" vertOverflow="overflow" horzOverflow="overflow" vert="horz" wrap="square" lIns="36000" tIns="36000" rIns="36000" bIns="36000" numCol="1" spcCol="38100" rtlCol="0" anchor="t" anchorCtr="0">
+            <a:noAutofit/>
+          </a:bodyPr>
+          <a:lstStyle/>
+          <a:p>
+            <a:pPr marL="0" marR="0" indent="0" algn="l" defTabSz="584200" rtl="0" fontAlgn="auto" latinLnBrk="0" hangingPunct="0">
+              <a:lnSpc>
+                <a:spcPts val="1500"/>
+              </a:lnSpc>
+              <a:spcBef>
+                <a:spcPts val="0"/>
+              </a:spcBef>
+              <a:spcAft>
+                <a:spcPts val="0"/>
+              </a:spcAft>
+              <a:buClrTx/>
+              <a:buSzTx/>
+              <a:buFontTx/>
+              <a:buNone/>
+              <a:tabLst/>
+            </a:pPr>
+            <a:r>
+              <a:rPr lang="en-GB" sz="1000" b="0">
+                <a:solidFill>
+                  <a:srgbClr val="000000"/>
+                </a:solidFill>
+                <a:latin typeface="Segoe UI" pitchFamily="34" charset="0"/>
+                <a:ea typeface="Verdana" pitchFamily="34" charset="0"/>
+                <a:cs typeface="Segoe UI" pitchFamily="34" charset="0"/>
+              </a:rPr>
+              <a:t>Excel &gt; Data &gt; </a:t>
+            </a:r>
+            <a:r>
+              <a:rPr kumimoji="0" lang="en-GB" sz="1000" b="0" i="0" u="none" strike="noStrike" cap="none" spc="0" normalizeH="0" baseline="0">
+                <a:ln>
+                  <a:noFill/>
+                </a:ln>
+                <a:solidFill>
+                  <a:srgbClr val="000000"/>
+                </a:solidFill>
+                <a:effectLst/>
+                <a:uFillTx/>
+                <a:latin typeface="Segoe UI" pitchFamily="34" charset="0"/>
+                <a:ea typeface="Verdana" pitchFamily="34" charset="0"/>
+                <a:cs typeface="Segoe UI" pitchFamily="34" charset="0"/>
+                <a:sym typeface="Source Sans Pro"/>
+              </a:rPr>
+              <a:t>From Other Sources &gt; </a:t>
+            </a:r>
+            <a:r>
+              <a:rPr lang="en-GB" sz="1000" b="0">
+                <a:solidFill>
+                  <a:srgbClr val="000000"/>
+                </a:solidFill>
+                <a:latin typeface="Segoe UI" pitchFamily="34" charset="0"/>
+                <a:ea typeface="Verdana" pitchFamily="34" charset="0"/>
+                <a:cs typeface="Segoe UI" pitchFamily="34" charset="0"/>
+              </a:rPr>
+              <a:t>From Analysis Services &gt; Server name: </a:t>
+            </a:r>
+            <a:r>
+              <a:rPr lang="en-GB" sz="1000" b="0" i="1" u="sng">
+                <a:solidFill>
+                  <a:srgbClr val="000000"/>
+                </a:solidFill>
+                <a:latin typeface="Segoe UI" pitchFamily="34" charset="0"/>
+                <a:ea typeface="Verdana" pitchFamily="34" charset="0"/>
+                <a:cs typeface="Segoe UI" pitchFamily="34" charset="0"/>
+              </a:rPr>
+              <a:t>SSAS</a:t>
+            </a:r>
+            <a:r>
+              <a:rPr lang="en-GB" sz="1000" b="0">
+                <a:solidFill>
+                  <a:srgbClr val="000000"/>
+                </a:solidFill>
+                <a:latin typeface="Segoe UI" pitchFamily="34" charset="0"/>
+                <a:ea typeface="Verdana" pitchFamily="34" charset="0"/>
+                <a:cs typeface="Segoe UI" pitchFamily="34" charset="0"/>
+              </a:rPr>
+              <a:t> &gt; </a:t>
+            </a:r>
+            <a:r>
+              <a:rPr lang="en-GB" sz="1000" b="0" i="1" u="sng">
+                <a:solidFill>
+                  <a:srgbClr val="000000"/>
+                </a:solidFill>
+                <a:latin typeface="Segoe UI" pitchFamily="34" charset="0"/>
+                <a:ea typeface="Verdana" pitchFamily="34" charset="0"/>
+                <a:cs typeface="Segoe UI" pitchFamily="34" charset="0"/>
+              </a:rPr>
+              <a:t>ProductCube</a:t>
+            </a:r>
+          </a:p>
+        </p:txBody>
+      </p:sp>
+      <p:cxnSp>
+        <p:nvCxnSpPr>
+          <p:cNvPr id="5" name="Straight Connector 4"/>
+          <p:cNvCxnSpPr/>
+          <p:nvPr/>
+        </p:nvCxnSpPr>
+        <p:spPr>
+          <a:xfrm>
+            <a:off x="280492" y="767751"/>
+            <a:ext cx="13456701" cy="0"/>
+          </a:xfrm>
+          <a:prstGeom prst="line">
+            <a:avLst/>
+          </a:prstGeom>
+          <a:noFill/>
+          <a:ln w="12700" cap="flat">
+            <a:solidFill>
+              <a:srgbClr val="24292E"/>
+            </a:solidFill>
+            <a:prstDash val="solid"/>
+            <a:miter lim="400000"/>
+          </a:ln>
+          <a:effectLst/>
+          <a:sp3d/>
+        </p:spPr>
+        <p:style>
+          <a:lnRef idx="0">
+            <a:scrgbClr r="0" g="0" b="0"/>
+          </a:lnRef>
+          <a:fillRef idx="0">
+            <a:scrgbClr r="0" g="0" b="0"/>
+          </a:fillRef>
+          <a:effectRef idx="0">
+            <a:scrgbClr r="0" g="0" b="0"/>
+          </a:effectRef>
+          <a:fontRef idx="none"/>
+        </p:style>
+      </p:cxnSp>
+      <p:graphicFrame>
+        <p:nvGraphicFramePr>
+          <p:cNvPr id="26" name="Table 25"/>
+          <p:cNvGraphicFramePr>
+            <a:graphicFrameLocks noGrp="1"/>
+          </p:cNvGraphicFramePr>
+          <p:nvPr>
+            <p:extLst>
+              <p:ext uri="{D42A27DB-BD31-4B8C-83A1-F6EECF244321}">
+                <p14:modId xmlns:p14="http://schemas.microsoft.com/office/powerpoint/2010/main" val="2185588416"/>
+              </p:ext>
+            </p:extLst>
+          </p:nvPr>
+        </p:nvGraphicFramePr>
+        <p:xfrm>
+          <a:off x="9911318" y="10033081"/>
+          <a:ext cx="3825875" cy="520700"/>
+        </p:xfrm>
+        <a:graphic>
+          <a:graphicData uri="http://schemas.openxmlformats.org/drawingml/2006/table">
+            <a:tbl>
+              <a:tblPr firstRow="1" bandRow="1">
+                <a:tableStyleId>{5940675A-B579-460E-94D1-54222C63F5DA}</a:tableStyleId>
+              </a:tblPr>
+              <a:tblGrid>
+                <a:gridCol w="3825875">
+                  <a:extLst>
+                    <a:ext uri="{9D8B030D-6E8A-4147-A177-3AD203B41FA5}">
+                      <a16:colId xmlns:a16="http://schemas.microsoft.com/office/drawing/2014/main" xmlns="" val="20000"/>
+                    </a:ext>
+                  </a:extLst>
+                </a:gridCol>
+              </a:tblGrid>
+              <a:tr h="260350">
+                <a:tc>
+                  <a:txBody>
+                    <a:bodyPr/>
+                    <a:lstStyle/>
+                    <a:p>
+                      <a:pPr algn="l"/>
+                      <a:r>
+                        <a:rPr lang="en-GB" sz="1000" b="1" baseline="0">
+                          <a:solidFill>
+                            <a:srgbClr val="000000"/>
+                          </a:solidFill>
+                          <a:latin typeface="Segoe UI" pitchFamily="34" charset="0"/>
+                          <a:cs typeface="Segoe UI" pitchFamily="34" charset="0"/>
+                        </a:rPr>
+                        <a:t>Source</a:t>
+                      </a:r>
+                    </a:p>
+                  </a:txBody>
+                  <a:tcPr>
+                    <a:lnL w="6350" cap="flat" cmpd="sng" algn="ctr">
+                      <a:solidFill>
+                        <a:srgbClr val="000000"/>
+                      </a:solidFill>
+                      <a:prstDash val="solid"/>
+                      <a:round/>
+                      <a:headEnd type="none" w="med" len="med"/>
+                      <a:tailEnd type="none" w="med" len="med"/>
+                    </a:lnL>
+                    <a:lnR w="6350" cap="flat" cmpd="sng" algn="ctr">
+                      <a:solidFill>
+                        <a:srgbClr val="000000"/>
+                      </a:solidFill>
+                      <a:prstDash val="solid"/>
+                      <a:round/>
+                      <a:headEnd type="none" w="med" len="med"/>
+                      <a:tailEnd type="none" w="med" len="med"/>
+                    </a:lnR>
+                    <a:lnT w="6350" cap="flat" cmpd="sng" algn="ctr">
+                      <a:solidFill>
+                        <a:srgbClr val="000000"/>
+                      </a:solidFill>
+                      <a:prstDash val="solid"/>
+                      <a:round/>
+                      <a:headEnd type="none" w="med" len="med"/>
+                      <a:tailEnd type="none" w="med" len="med"/>
+                    </a:lnT>
+                    <a:lnB w="6350" cap="flat" cmpd="sng" algn="ctr">
+                      <a:solidFill>
+                        <a:srgbClr val="000000"/>
+                      </a:solidFill>
+                      <a:prstDash val="solid"/>
+                      <a:round/>
+                      <a:headEnd type="none" w="med" len="med"/>
+                      <a:tailEnd type="none" w="med" len="med"/>
+                    </a:lnB>
+                    <a:lnTlToBr w="12700" cmpd="sng">
+                      <a:noFill/>
+                      <a:prstDash val="solid"/>
+                    </a:lnTlToBr>
+                    <a:lnBlToTr w="12700" cmpd="sng">
+                      <a:noFill/>
+                      <a:prstDash val="solid"/>
+                    </a:lnBlToTr>
+                  </a:tcPr>
+                </a:tc>
+                <a:extLst>
+                  <a:ext uri="{0D108BD9-81ED-4DB2-BD59-A6C34878D82A}">
+                    <a16:rowId xmlns:a16="http://schemas.microsoft.com/office/drawing/2014/main" xmlns="" val="10000"/>
+                  </a:ext>
+                </a:extLst>
+              </a:tr>
+              <a:tr h="260350">
+                <a:tc>
+                  <a:txBody>
+                    <a:bodyPr/>
+                    <a:lstStyle/>
+                    <a:p>
+                      <a:pPr marL="0" marR="0" indent="0" algn="l" defTabSz="584200" rtl="0" eaLnBrk="1" fontAlgn="auto" latinLnBrk="0" hangingPunct="1">
+                        <a:lnSpc>
+                          <a:spcPct val="100000"/>
+                        </a:lnSpc>
+                        <a:spcBef>
+                          <a:spcPts val="0"/>
+                        </a:spcBef>
+                        <a:spcAft>
+                          <a:spcPts val="0"/>
+                        </a:spcAft>
+                        <a:buClrTx/>
+                        <a:buSzTx/>
+                        <a:buFontTx/>
+                        <a:buNone/>
+                        <a:tabLst/>
+                        <a:defRPr/>
+                      </a:pPr>
+                      <a:r>
+                        <a:rPr lang="en-GB" sz="1000" b="0" i="0" u="none" strike="noStrike" cap="none" spc="0" baseline="0">
+                          <a:ln>
+                            <a:noFill/>
+                          </a:ln>
+                          <a:solidFill>
+                            <a:srgbClr val="000000"/>
+                          </a:solidFill>
+                          <a:uFillTx/>
+                          <a:latin typeface="Segoe UI" pitchFamily="34" charset="0"/>
+                          <a:ea typeface="+mn-ea"/>
+                          <a:cs typeface="Segoe UI" pitchFamily="34" charset="0"/>
+                          <a:sym typeface="Source Sans Pro"/>
+                        </a:rPr>
+                        <a:t>Business Forecasting: Practical Problems and Solutions</a:t>
+                      </a:r>
+                    </a:p>
+                  </a:txBody>
+                  <a:tcPr>
+                    <a:lnL w="6350" cap="flat" cmpd="sng" algn="ctr">
+                      <a:solidFill>
+                        <a:srgbClr val="000000"/>
+                      </a:solidFill>
+                      <a:prstDash val="solid"/>
+                      <a:round/>
+                      <a:headEnd type="none" w="med" len="med"/>
+                      <a:tailEnd type="none" w="med" len="med"/>
+                    </a:lnL>
+                    <a:lnR w="12700" cmpd="sng">
+                      <a:noFill/>
+                    </a:lnR>
+                    <a:lnT w="6350" cap="flat" cmpd="sng" algn="ctr">
+                      <a:solidFill>
+                        <a:srgbClr val="000000"/>
+                      </a:solidFill>
+                      <a:prstDash val="solid"/>
+                      <a:round/>
+                      <a:headEnd type="none" w="med" len="med"/>
+                      <a:tailEnd type="none" w="med" len="med"/>
+                    </a:lnT>
+                    <a:lnB w="6350" cap="flat" cmpd="sng" algn="ctr">
+                      <a:solidFill>
+                        <a:srgbClr val="000000"/>
+                      </a:solidFill>
+                      <a:prstDash val="solid"/>
+                      <a:round/>
+                      <a:headEnd type="none" w="med" len="med"/>
+                      <a:tailEnd type="none" w="med" len="med"/>
+                    </a:lnB>
+                    <a:lnTlToBr w="12700" cmpd="sng">
+                      <a:noFill/>
+                      <a:prstDash val="solid"/>
+                    </a:lnTlToBr>
+                    <a:lnBlToTr w="12700" cmpd="sng">
+                      <a:noFill/>
+                      <a:prstDash val="solid"/>
+                    </a:lnBlToTr>
+                  </a:tcPr>
+                </a:tc>
+                <a:extLst>
+                  <a:ext uri="{0D108BD9-81ED-4DB2-BD59-A6C34878D82A}">
+                    <a16:rowId xmlns:a16="http://schemas.microsoft.com/office/drawing/2014/main" xmlns="" val="10001"/>
+                  </a:ext>
+                </a:extLst>
+              </a:tr>
+            </a:tbl>
+          </a:graphicData>
+        </a:graphic>
+      </p:graphicFrame>
+      <p:graphicFrame>
+        <p:nvGraphicFramePr>
+          <p:cNvPr id="28" name="Table 27"/>
+          <p:cNvGraphicFramePr>
+            <a:graphicFrameLocks noGrp="1"/>
+          </p:cNvGraphicFramePr>
+          <p:nvPr>
+            <p:extLst>
+              <p:ext uri="{D42A27DB-BD31-4B8C-83A1-F6EECF244321}">
+                <p14:modId xmlns:p14="http://schemas.microsoft.com/office/powerpoint/2010/main" val="476978114"/>
+              </p:ext>
+            </p:extLst>
+          </p:nvPr>
+        </p:nvGraphicFramePr>
+        <p:xfrm>
+          <a:off x="366944" y="1369141"/>
+          <a:ext cx="3825875" cy="1315136"/>
+        </p:xfrm>
+        <a:graphic>
+          <a:graphicData uri="http://schemas.openxmlformats.org/drawingml/2006/table">
+            <a:tbl>
+              <a:tblPr firstRow="1" bandRow="1">
+                <a:tableStyleId>{5940675A-B579-460E-94D1-54222C63F5DA}</a:tableStyleId>
+              </a:tblPr>
+              <a:tblGrid>
+                <a:gridCol w="3825875">
+                  <a:extLst>
+                    <a:ext uri="{9D8B030D-6E8A-4147-A177-3AD203B41FA5}">
+                      <a16:colId xmlns:a16="http://schemas.microsoft.com/office/drawing/2014/main" xmlns="" val="20000"/>
+                    </a:ext>
+                  </a:extLst>
+                </a:gridCol>
+              </a:tblGrid>
+              <a:tr h="260350">
+                <a:tc>
+                  <a:txBody>
+                    <a:bodyPr/>
+                    <a:lstStyle/>
+                    <a:p>
+                      <a:pPr algn="l"/>
+                      <a:r>
+                        <a:rPr lang="en-GB" sz="1000" b="1" baseline="0" smtClean="0">
+                          <a:solidFill>
+                            <a:srgbClr val="000000"/>
+                          </a:solidFill>
+                          <a:latin typeface="Segoe UI" pitchFamily="34" charset="0"/>
+                          <a:cs typeface="Segoe UI" pitchFamily="34" charset="0"/>
+                        </a:rPr>
+                        <a:t>title</a:t>
+                      </a:r>
+                      <a:endParaRPr lang="en-GB" sz="1000" b="1" baseline="0">
+                        <a:solidFill>
+                          <a:srgbClr val="000000"/>
+                        </a:solidFill>
+                        <a:latin typeface="Segoe UI" pitchFamily="34" charset="0"/>
+                        <a:cs typeface="Segoe UI" pitchFamily="34" charset="0"/>
+                      </a:endParaRPr>
+                    </a:p>
+                  </a:txBody>
+                  <a:tcPr>
+                    <a:lnL w="6350" cap="flat" cmpd="sng" algn="ctr">
+                      <a:solidFill>
+                        <a:srgbClr val="000000"/>
+                      </a:solidFill>
+                      <a:prstDash val="solid"/>
+                      <a:round/>
+                      <a:headEnd type="none" w="med" len="med"/>
+                      <a:tailEnd type="none" w="med" len="med"/>
+                    </a:lnL>
+                    <a:lnR w="12700" cap="flat" cmpd="sng" algn="ctr">
+                      <a:solidFill>
+                        <a:schemeClr val="tx1"/>
+                      </a:solidFill>
+                      <a:prstDash val="solid"/>
+                      <a:round/>
+                      <a:headEnd type="none" w="med" len="med"/>
+                      <a:tailEnd type="none" w="med" len="med"/>
+                    </a:lnR>
+                    <a:lnT w="6350" cap="flat" cmpd="sng" algn="ctr">
+                      <a:solidFill>
+                        <a:srgbClr val="000000"/>
+                      </a:solidFill>
+                      <a:prstDash val="solid"/>
+                      <a:round/>
+                      <a:headEnd type="none" w="med" len="med"/>
+                      <a:tailEnd type="none" w="med" len="med"/>
+                    </a:lnT>
+                    <a:lnB w="6350" cap="flat" cmpd="sng" algn="ctr">
+                      <a:solidFill>
+                        <a:srgbClr val="000000"/>
+                      </a:solidFill>
+                      <a:prstDash val="solid"/>
+                      <a:round/>
+                      <a:headEnd type="none" w="med" len="med"/>
+                      <a:tailEnd type="none" w="med" len="med"/>
+                    </a:lnB>
+                    <a:lnTlToBr w="12700" cmpd="sng">
+                      <a:noFill/>
+                      <a:prstDash val="solid"/>
+                    </a:lnTlToBr>
+                    <a:lnBlToTr w="12700" cmpd="sng">
+                      <a:noFill/>
+                      <a:prstDash val="solid"/>
+                    </a:lnBlToTr>
+                  </a:tcPr>
+                </a:tc>
+                <a:extLst>
+                  <a:ext uri="{0D108BD9-81ED-4DB2-BD59-A6C34878D82A}">
+                    <a16:rowId xmlns:a16="http://schemas.microsoft.com/office/drawing/2014/main" xmlns="" val="10000"/>
+                  </a:ext>
+                </a:extLst>
+              </a:tr>
+              <a:tr h="273736">
+                <a:tc>
+                  <a:txBody>
+                    <a:bodyPr/>
+                    <a:lstStyle/>
+                    <a:p>
+                      <a:pPr marL="0" marR="0" indent="0" algn="l" defTabSz="584200" rtl="0" eaLnBrk="1" fontAlgn="auto" latinLnBrk="0" hangingPunct="1">
+                        <a:lnSpc>
+                          <a:spcPct val="100000"/>
+                        </a:lnSpc>
+                        <a:spcBef>
+                          <a:spcPts val="0"/>
+                        </a:spcBef>
+                        <a:spcAft>
+                          <a:spcPts val="0"/>
+                        </a:spcAft>
+                        <a:buClrTx/>
+                        <a:buSzTx/>
+                        <a:buFontTx/>
+                        <a:buNone/>
+                        <a:tabLst/>
+                        <a:defRPr/>
+                      </a:pPr>
+                      <a:endParaRPr lang="en-GB" sz="1000">
+                        <a:solidFill>
+                          <a:srgbClr val="000000"/>
+                        </a:solidFill>
+                        <a:latin typeface="Segoe UI" pitchFamily="34" charset="0"/>
+                        <a:cs typeface="Segoe UI" pitchFamily="34" charset="0"/>
+                      </a:endParaRPr>
+                    </a:p>
+                  </a:txBody>
+                  <a:tcPr>
+                    <a:lnL w="6350" cap="flat" cmpd="sng" algn="ctr">
+                      <a:solidFill>
+                        <a:srgbClr val="000000"/>
+                      </a:solidFill>
+                      <a:prstDash val="solid"/>
+                      <a:round/>
+                      <a:headEnd type="none" w="med" len="med"/>
+                      <a:tailEnd type="none" w="med" len="med"/>
+                    </a:lnL>
+                    <a:lnR w="12700" cap="flat" cmpd="sng" algn="ctr">
+                      <a:solidFill>
+                        <a:schemeClr val="tx1"/>
+                      </a:solidFill>
+                      <a:prstDash val="solid"/>
+                      <a:round/>
+                      <a:headEnd type="none" w="med" len="med"/>
+                      <a:tailEnd type="none" w="med" len="med"/>
+                    </a:lnR>
+                    <a:lnT w="6350" cap="flat" cmpd="sng" algn="ctr">
+                      <a:solidFill>
+                        <a:srgbClr val="000000"/>
+                      </a:solidFill>
+                      <a:prstDash val="solid"/>
+                      <a:round/>
+                      <a:headEnd type="none" w="med" len="med"/>
+                      <a:tailEnd type="none" w="med" len="med"/>
+                    </a:lnT>
+                    <a:lnB w="12700" cmpd="sng">
+                      <a:noFill/>
+                    </a:lnB>
+                    <a:lnTlToBr w="12700" cmpd="sng">
+                      <a:noFill/>
+                      <a:prstDash val="solid"/>
+                    </a:lnTlToBr>
+                    <a:lnBlToTr w="12700" cmpd="sng">
+                      <a:noFill/>
+                      <a:prstDash val="solid"/>
+                    </a:lnBlToTr>
+                  </a:tcPr>
+                </a:tc>
+                <a:extLst>
+                  <a:ext uri="{0D108BD9-81ED-4DB2-BD59-A6C34878D82A}">
+                    <a16:rowId xmlns:a16="http://schemas.microsoft.com/office/drawing/2014/main" xmlns="" val="10001"/>
+                  </a:ext>
+                </a:extLst>
+              </a:tr>
+              <a:tr h="260350">
+                <a:tc>
+                  <a:txBody>
+                    <a:bodyPr/>
+                    <a:lstStyle/>
+                    <a:p>
+                      <a:pPr algn="l"/>
+                      <a:endParaRPr lang="en-GB" sz="1000">
+                        <a:solidFill>
+                          <a:srgbClr val="000000"/>
+                        </a:solidFill>
+                        <a:latin typeface="Segoe UI" pitchFamily="34" charset="0"/>
+                        <a:cs typeface="Segoe UI" pitchFamily="34" charset="0"/>
+                      </a:endParaRPr>
+                    </a:p>
+                  </a:txBody>
+                  <a:tcPr>
+                    <a:lnL w="6350" cap="flat" cmpd="sng" algn="ctr">
+                      <a:solidFill>
+                        <a:srgbClr val="000000"/>
+                      </a:solidFill>
+                      <a:prstDash val="solid"/>
+                      <a:round/>
+                      <a:headEnd type="none" w="med" len="med"/>
+                      <a:tailEnd type="none" w="med" len="med"/>
+                    </a:lnL>
+                    <a:lnR w="12700" cap="flat" cmpd="sng" algn="ctr">
+                      <a:solidFill>
+                        <a:schemeClr val="tx1"/>
+                      </a:solidFill>
+                      <a:prstDash val="solid"/>
+                      <a:round/>
+                      <a:headEnd type="none" w="med" len="med"/>
+                      <a:tailEnd type="none" w="med" len="med"/>
+                    </a:lnR>
+                    <a:lnT w="12700" cmpd="sng">
+                      <a:noFill/>
+                    </a:lnT>
+                    <a:lnB w="12700" cmpd="sng">
+                      <a:noFill/>
+                    </a:lnB>
+                    <a:lnTlToBr w="12700" cmpd="sng">
+                      <a:noFill/>
+                      <a:prstDash val="solid"/>
+                    </a:lnTlToBr>
+                    <a:lnBlToTr w="12700" cmpd="sng">
+                      <a:noFill/>
+                      <a:prstDash val="solid"/>
+                    </a:lnBlToTr>
+                  </a:tcPr>
+                </a:tc>
+                <a:extLst>
+                  <a:ext uri="{0D108BD9-81ED-4DB2-BD59-A6C34878D82A}">
+                    <a16:rowId xmlns:a16="http://schemas.microsoft.com/office/drawing/2014/main" xmlns="" val="10002"/>
+                  </a:ext>
+                </a:extLst>
+              </a:tr>
+              <a:tr h="260350">
+                <a:tc>
+                  <a:txBody>
+                    <a:bodyPr/>
+                    <a:lstStyle/>
+                    <a:p>
+                      <a:pPr marL="0" marR="0" indent="0" algn="l" defTabSz="584200" rtl="0" eaLnBrk="1" fontAlgn="auto" latinLnBrk="0" hangingPunct="1">
+                        <a:lnSpc>
+                          <a:spcPct val="100000"/>
+                        </a:lnSpc>
+                        <a:spcBef>
+                          <a:spcPts val="0"/>
+                        </a:spcBef>
+                        <a:spcAft>
+                          <a:spcPts val="0"/>
+                        </a:spcAft>
+                        <a:buClrTx/>
+                        <a:buSzTx/>
+                        <a:buFontTx/>
+                        <a:buNone/>
+                        <a:tabLst/>
+                        <a:defRPr/>
+                      </a:pPr>
+                      <a:endParaRPr lang="en-GB" sz="1000" i="0">
+                        <a:solidFill>
+                          <a:srgbClr val="000000"/>
+                        </a:solidFill>
+                        <a:latin typeface="Segoe UI" pitchFamily="34" charset="0"/>
+                        <a:cs typeface="Segoe UI" pitchFamily="34" charset="0"/>
+                      </a:endParaRPr>
+                    </a:p>
+                  </a:txBody>
+                  <a:tcPr>
+                    <a:lnL w="6350" cap="flat" cmpd="sng" algn="ctr">
+                      <a:solidFill>
+                        <a:srgbClr val="000000"/>
+                      </a:solidFill>
+                      <a:prstDash val="solid"/>
+                      <a:round/>
+                      <a:headEnd type="none" w="med" len="med"/>
+                      <a:tailEnd type="none" w="med" len="med"/>
+                    </a:lnL>
+                    <a:lnR w="12700" cap="flat" cmpd="sng" algn="ctr">
+                      <a:solidFill>
+                        <a:schemeClr val="tx1"/>
+                      </a:solidFill>
+                      <a:prstDash val="solid"/>
+                      <a:round/>
+                      <a:headEnd type="none" w="med" len="med"/>
+                      <a:tailEnd type="none" w="med" len="med"/>
+                    </a:lnR>
+                    <a:lnT w="12700" cmpd="sng">
+                      <a:noFill/>
+                    </a:lnT>
+                    <a:lnB w="12700" cmpd="sng">
+                      <a:noFill/>
+                    </a:lnB>
+                    <a:lnTlToBr w="12700" cmpd="sng">
+                      <a:noFill/>
+                      <a:prstDash val="solid"/>
+                    </a:lnTlToBr>
+                    <a:lnBlToTr w="12700" cmpd="sng">
+                      <a:noFill/>
+                      <a:prstDash val="solid"/>
+                    </a:lnBlToTr>
+                  </a:tcPr>
+                </a:tc>
+                <a:extLst>
+                  <a:ext uri="{0D108BD9-81ED-4DB2-BD59-A6C34878D82A}">
+                    <a16:rowId xmlns:a16="http://schemas.microsoft.com/office/drawing/2014/main" xmlns="" val="10003"/>
+                  </a:ext>
+                </a:extLst>
+              </a:tr>
+              <a:tr h="260350">
+                <a:tc>
+                  <a:txBody>
+                    <a:bodyPr/>
+                    <a:lstStyle/>
+                    <a:p>
+                      <a:pPr marL="0" marR="0" indent="0" algn="l" defTabSz="584200" rtl="0" eaLnBrk="1" fontAlgn="auto" latinLnBrk="0" hangingPunct="1">
+                        <a:lnSpc>
+                          <a:spcPct val="100000"/>
+                        </a:lnSpc>
+                        <a:spcBef>
+                          <a:spcPts val="0"/>
+                        </a:spcBef>
+                        <a:spcAft>
+                          <a:spcPts val="0"/>
+                        </a:spcAft>
+                        <a:buClrTx/>
+                        <a:buSzTx/>
+                        <a:buFontTx/>
+                        <a:buNone/>
+                        <a:tabLst/>
+                        <a:defRPr/>
+                      </a:pPr>
+                      <a:r>
+                        <a:rPr lang="en-GB" sz="1000" b="0" i="0" u="none" strike="noStrike" cap="none" spc="0" baseline="0">
+                          <a:ln>
+                            <a:noFill/>
+                          </a:ln>
+                          <a:solidFill>
+                            <a:srgbClr val="000000"/>
+                          </a:solidFill>
+                          <a:uFillTx/>
+                          <a:latin typeface="Segoe UI" pitchFamily="34" charset="0"/>
+                          <a:ea typeface="+mn-ea"/>
+                          <a:cs typeface="Segoe UI" pitchFamily="34" charset="0"/>
+                          <a:sym typeface="Source Sans Pro"/>
+                        </a:rPr>
+                        <a:t>Source: </a:t>
+                      </a:r>
+                      <a:r>
+                        <a:rPr lang="en-GB" sz="1000" b="0" i="0" u="none" strike="noStrike" cap="none" spc="0" baseline="0">
+                          <a:ln>
+                            <a:noFill/>
+                          </a:ln>
+                          <a:solidFill>
+                            <a:srgbClr val="000000"/>
+                          </a:solidFill>
+                          <a:uFillTx/>
+                          <a:latin typeface="Segoe UI" pitchFamily="34" charset="0"/>
+                          <a:ea typeface="+mn-ea"/>
+                          <a:cs typeface="Segoe UI" pitchFamily="34" charset="0"/>
+                          <a:sym typeface="Helvetica Light"/>
+                        </a:rPr>
+                        <a:t>Business Forecasting p. </a:t>
+                      </a:r>
+                      <a:r>
+                        <a:rPr lang="en-GB" sz="1000" b="0" i="0" u="none" strike="noStrike" cap="none" spc="0" baseline="0" smtClean="0">
+                          <a:ln>
+                            <a:noFill/>
+                          </a:ln>
+                          <a:solidFill>
+                            <a:srgbClr val="000000"/>
+                          </a:solidFill>
+                          <a:uFillTx/>
+                          <a:latin typeface="Segoe UI" pitchFamily="34" charset="0"/>
+                          <a:ea typeface="+mn-ea"/>
+                          <a:cs typeface="Segoe UI" pitchFamily="34" charset="0"/>
+                          <a:sym typeface="Helvetica Light"/>
+                        </a:rPr>
+                        <a:t>x</a:t>
+                      </a:r>
+                      <a:endParaRPr lang="en-GB" sz="1000" b="0" i="0" u="none" strike="noStrike" cap="none" spc="0" baseline="0">
+                        <a:ln>
+                          <a:noFill/>
+                        </a:ln>
+                        <a:solidFill>
+                          <a:srgbClr val="000000"/>
+                        </a:solidFill>
+                        <a:uFillTx/>
+                        <a:latin typeface="Segoe UI" pitchFamily="34" charset="0"/>
+                        <a:ea typeface="+mn-ea"/>
+                        <a:cs typeface="Segoe UI" pitchFamily="34" charset="0"/>
+                        <a:sym typeface="Source Sans Pro"/>
+                      </a:endParaRPr>
+                    </a:p>
+                  </a:txBody>
+                  <a:tcPr>
+                    <a:lnL w="6350" cap="flat" cmpd="sng" algn="ctr">
+                      <a:solidFill>
+                        <a:srgbClr val="000000"/>
+                      </a:solidFill>
+                      <a:prstDash val="solid"/>
+                      <a:round/>
+                      <a:headEnd type="none" w="med" len="med"/>
+                      <a:tailEnd type="none" w="med" len="med"/>
+                    </a:lnL>
+                    <a:lnR w="12700" cap="flat" cmpd="sng" algn="ctr">
+                      <a:solidFill>
+                        <a:schemeClr val="tx1"/>
+                      </a:solidFill>
+                      <a:prstDash val="solid"/>
+                      <a:round/>
+                      <a:headEnd type="none" w="med" len="med"/>
+                      <a:tailEnd type="none" w="med" len="med"/>
+                    </a:lnR>
+                    <a:lnT w="12700" cmpd="sng">
+                      <a:noFill/>
+                    </a:lnT>
+                    <a:lnB w="6350" cap="flat" cmpd="sng" algn="ctr">
+                      <a:solidFill>
+                        <a:srgbClr val="000000"/>
+                      </a:solidFill>
+                      <a:prstDash val="solid"/>
+                      <a:round/>
+                      <a:headEnd type="none" w="med" len="med"/>
+                      <a:tailEnd type="none" w="med" len="med"/>
+                    </a:lnB>
+                    <a:lnTlToBr w="12700" cmpd="sng">
+                      <a:noFill/>
+                      <a:prstDash val="solid"/>
+                    </a:lnTlToBr>
+                    <a:lnBlToTr w="12700" cmpd="sng">
+                      <a:noFill/>
+                      <a:prstDash val="solid"/>
+                    </a:lnBlToTr>
+                  </a:tcPr>
+                </a:tc>
+                <a:extLst>
+                  <a:ext uri="{0D108BD9-81ED-4DB2-BD59-A6C34878D82A}">
+                    <a16:rowId xmlns:a16="http://schemas.microsoft.com/office/drawing/2014/main" xmlns="" val="10006"/>
+                  </a:ext>
+                </a:extLst>
+              </a:tr>
+            </a:tbl>
+          </a:graphicData>
+        </a:graphic>
+      </p:graphicFrame>
+    </p:spTree>
+    <p:extLst>
+      <p:ext uri="{BB962C8B-B14F-4D97-AF65-F5344CB8AC3E}">
+        <p14:creationId xmlns:p14="http://schemas.microsoft.com/office/powerpoint/2010/main" val="260403568"/>
+      </p:ext>
+    </p:extLst>
+  </p:cSld>
+  <p:clrMapOvr>
+    <a:masterClrMapping/>
+  </p:clrMapOvr>
+  <p:transition spd="med"/>
+</p:sld>
+</file>
+
+<file path=ppt/slides/slide5.xml><?xml version="1.0" encoding="utf-8"?>
 <p:sld xmlns:a="http://schemas.openxmlformats.org/drawingml/2006/main" xmlns:r="http://schemas.openxmlformats.org/officeDocument/2006/relationships" xmlns:p="http://schemas.openxmlformats.org/presentationml/2006/main">
   <p:cSld>
     <p:spTree>
@@ -11912,7 +18093,7 @@
                 <a:gridCol w="3800476">
                   <a:extLst>
                     <a:ext uri="{9D8B030D-6E8A-4147-A177-3AD203B41FA5}">
-                      <a16:colId xmlns="" xmlns:a16="http://schemas.microsoft.com/office/drawing/2014/main" val="20000"/>
+                      <a16:colId xmlns:a16="http://schemas.microsoft.com/office/drawing/2014/main" xmlns="" val="20000"/>
                     </a:ext>
                   </a:extLst>
                 </a:gridCol>
@@ -11992,7 +18173,7 @@
                 </a:tc>
                 <a:extLst>
                   <a:ext uri="{0D108BD9-81ED-4DB2-BD59-A6C34878D82A}">
-                    <a16:rowId xmlns="" xmlns:a16="http://schemas.microsoft.com/office/drawing/2014/main" val="10000"/>
+                    <a16:rowId xmlns:a16="http://schemas.microsoft.com/office/drawing/2014/main" xmlns="" val="10000"/>
                   </a:ext>
                 </a:extLst>
               </a:tr>
@@ -12072,7 +18253,7 @@
                 </a:tc>
                 <a:extLst>
                   <a:ext uri="{0D108BD9-81ED-4DB2-BD59-A6C34878D82A}">
-                    <a16:rowId xmlns="" xmlns:a16="http://schemas.microsoft.com/office/drawing/2014/main" val="10001"/>
+                    <a16:rowId xmlns:a16="http://schemas.microsoft.com/office/drawing/2014/main" xmlns="" val="10001"/>
                   </a:ext>
                 </a:extLst>
               </a:tr>
@@ -12126,7 +18307,7 @@
                 </a:tc>
                 <a:extLst>
                   <a:ext uri="{0D108BD9-81ED-4DB2-BD59-A6C34878D82A}">
-                    <a16:rowId xmlns="" xmlns:a16="http://schemas.microsoft.com/office/drawing/2014/main" val="10002"/>
+                    <a16:rowId xmlns:a16="http://schemas.microsoft.com/office/drawing/2014/main" xmlns="" val="10002"/>
                   </a:ext>
                 </a:extLst>
               </a:tr>
@@ -12180,7 +18361,7 @@
                 </a:tc>
                 <a:extLst>
                   <a:ext uri="{0D108BD9-81ED-4DB2-BD59-A6C34878D82A}">
-                    <a16:rowId xmlns="" xmlns:a16="http://schemas.microsoft.com/office/drawing/2014/main" val="10003"/>
+                    <a16:rowId xmlns:a16="http://schemas.microsoft.com/office/drawing/2014/main" xmlns="" val="10003"/>
                   </a:ext>
                 </a:extLst>
               </a:tr>
@@ -12262,7 +18443,7 @@
                 </a:tc>
                 <a:extLst>
                   <a:ext uri="{0D108BD9-81ED-4DB2-BD59-A6C34878D82A}">
-                    <a16:rowId xmlns="" xmlns:a16="http://schemas.microsoft.com/office/drawing/2014/main" val="10004"/>
+                    <a16:rowId xmlns:a16="http://schemas.microsoft.com/office/drawing/2014/main" xmlns="" val="10004"/>
                   </a:ext>
                 </a:extLst>
               </a:tr>
@@ -12298,7 +18479,7 @@
                 <a:gridCol w="3825875">
                   <a:extLst>
                     <a:ext uri="{9D8B030D-6E8A-4147-A177-3AD203B41FA5}">
-                      <a16:colId xmlns="" xmlns:a16="http://schemas.microsoft.com/office/drawing/2014/main" val="20000"/>
+                      <a16:colId xmlns:a16="http://schemas.microsoft.com/office/drawing/2014/main" xmlns="" val="20000"/>
                     </a:ext>
                   </a:extLst>
                 </a:gridCol>
@@ -12391,7 +18572,7 @@
                 </a:tc>
                 <a:extLst>
                   <a:ext uri="{0D108BD9-81ED-4DB2-BD59-A6C34878D82A}">
-                    <a16:rowId xmlns="" xmlns:a16="http://schemas.microsoft.com/office/drawing/2014/main" val="10000"/>
+                    <a16:rowId xmlns:a16="http://schemas.microsoft.com/office/drawing/2014/main" xmlns="" val="10000"/>
                   </a:ext>
                 </a:extLst>
               </a:tr>
@@ -12491,7 +18672,7 @@
                 </a:tc>
                 <a:extLst>
                   <a:ext uri="{0D108BD9-81ED-4DB2-BD59-A6C34878D82A}">
-                    <a16:rowId xmlns="" xmlns:a16="http://schemas.microsoft.com/office/drawing/2014/main" val="10001"/>
+                    <a16:rowId xmlns:a16="http://schemas.microsoft.com/office/drawing/2014/main" xmlns="" val="10001"/>
                   </a:ext>
                 </a:extLst>
               </a:tr>
@@ -12587,7 +18768,7 @@
                 </a:tc>
                 <a:extLst>
                   <a:ext uri="{0D108BD9-81ED-4DB2-BD59-A6C34878D82A}">
-                    <a16:rowId xmlns="" xmlns:a16="http://schemas.microsoft.com/office/drawing/2014/main" val="10002"/>
+                    <a16:rowId xmlns:a16="http://schemas.microsoft.com/office/drawing/2014/main" xmlns="" val="10002"/>
                   </a:ext>
                 </a:extLst>
               </a:tr>
@@ -12859,7 +19040,7 @@
                 </a:tc>
                 <a:extLst>
                   <a:ext uri="{0D108BD9-81ED-4DB2-BD59-A6C34878D82A}">
-                    <a16:rowId xmlns="" xmlns:a16="http://schemas.microsoft.com/office/drawing/2014/main" val="10003"/>
+                    <a16:rowId xmlns:a16="http://schemas.microsoft.com/office/drawing/2014/main" xmlns="" val="10003"/>
                   </a:ext>
                 </a:extLst>
               </a:tr>
@@ -12960,7 +19141,7 @@
                 </a:tc>
                 <a:extLst>
                   <a:ext uri="{0D108BD9-81ED-4DB2-BD59-A6C34878D82A}">
-                    <a16:rowId xmlns="" xmlns:a16="http://schemas.microsoft.com/office/drawing/2014/main" val="10004"/>
+                    <a16:rowId xmlns:a16="http://schemas.microsoft.com/office/drawing/2014/main" xmlns="" val="10004"/>
                   </a:ext>
                 </a:extLst>
               </a:tr>
@@ -12977,14 +19158,14 @@
           <p:nvPr>
             <p:extLst>
               <p:ext uri="{D42A27DB-BD31-4B8C-83A1-F6EECF244321}">
-                <p14:modId xmlns:p14="http://schemas.microsoft.com/office/powerpoint/2010/main" val="2517886497"/>
+                <p14:modId xmlns:p14="http://schemas.microsoft.com/office/powerpoint/2010/main" val="3177610498"/>
               </p:ext>
             </p:extLst>
           </p:nvPr>
         </p:nvGraphicFramePr>
         <p:xfrm>
-          <a:off x="4746625" y="3754078"/>
-          <a:ext cx="3825875" cy="1986280"/>
+          <a:off x="4289425" y="3708358"/>
+          <a:ext cx="3825875" cy="2534920"/>
         </p:xfrm>
         <a:graphic>
           <a:graphicData uri="http://schemas.openxmlformats.org/drawingml/2006/table">
@@ -12996,7 +19177,7 @@
                 <a:gridCol w="3825875">
                   <a:extLst>
                     <a:ext uri="{9D8B030D-6E8A-4147-A177-3AD203B41FA5}">
-                      <a16:colId xmlns="" xmlns:a16="http://schemas.microsoft.com/office/drawing/2014/main" val="20000"/>
+                      <a16:colId xmlns:a16="http://schemas.microsoft.com/office/drawing/2014/main" xmlns="" val="20000"/>
                     </a:ext>
                   </a:extLst>
                 </a:gridCol>
@@ -13069,7 +19250,7 @@
                 </a:tc>
                 <a:extLst>
                   <a:ext uri="{0D108BD9-81ED-4DB2-BD59-A6C34878D82A}">
-                    <a16:rowId xmlns="" xmlns:a16="http://schemas.microsoft.com/office/drawing/2014/main" val="10000"/>
+                    <a16:rowId xmlns:a16="http://schemas.microsoft.com/office/drawing/2014/main" xmlns="" val="10000"/>
                   </a:ext>
                 </a:extLst>
               </a:tr>
@@ -13149,7 +19330,7 @@
                 </a:tc>
                 <a:extLst>
                   <a:ext uri="{0D108BD9-81ED-4DB2-BD59-A6C34878D82A}">
-                    <a16:rowId xmlns="" xmlns:a16="http://schemas.microsoft.com/office/drawing/2014/main" val="10001"/>
+                    <a16:rowId xmlns:a16="http://schemas.microsoft.com/office/drawing/2014/main" xmlns="" val="10001"/>
                   </a:ext>
                 </a:extLst>
               </a:tr>
@@ -13177,6 +19358,81 @@
                         <a:defRPr/>
                       </a:pPr>
                       <a:r>
+                        <a:rPr lang="en-GB" sz="1000" b="0" i="0" u="none" strike="noStrike" cap="none" spc="0" baseline="0" smtClean="0">
+                          <a:ln>
+                            <a:noFill/>
+                          </a:ln>
+                          <a:solidFill>
+                            <a:srgbClr val="000000"/>
+                          </a:solidFill>
+                          <a:uFillTx/>
+                          <a:latin typeface="Segoe UI" pitchFamily="34" charset="0"/>
+                          <a:ea typeface="+mn-ea"/>
+                          <a:cs typeface="Segoe UI" pitchFamily="34" charset="0"/>
+                          <a:sym typeface="Source Sans Pro"/>
+                        </a:rPr>
+                        <a:t>Exploratory - (EDA) Summarize a data sets main characteristics, often with visual methods. A statistical model can be used or not.</a:t>
+                      </a:r>
+                    </a:p>
+                  </a:txBody>
+                  <a:tcPr>
+                    <a:lnL w="6350" cap="flat" cmpd="sng" algn="ctr">
+                      <a:solidFill>
+                        <a:srgbClr val="000000"/>
+                      </a:solidFill>
+                      <a:prstDash val="solid"/>
+                      <a:round/>
+                      <a:headEnd type="none" w="med" len="med"/>
+                      <a:tailEnd type="none" w="med" len="med"/>
+                    </a:lnL>
+                    <a:lnR w="12700" cmpd="sng">
+                      <a:noFill/>
+                    </a:lnR>
+                    <a:lnT w="12700" cmpd="sng">
+                      <a:noFill/>
+                    </a:lnT>
+                    <a:lnB w="6350" cap="flat" cmpd="sng" algn="ctr">
+                      <a:noFill/>
+                      <a:prstDash val="solid"/>
+                      <a:round/>
+                      <a:headEnd type="none" w="med" len="med"/>
+                      <a:tailEnd type="none" w="med" len="med"/>
+                    </a:lnB>
+                    <a:lnTlToBr w="12700" cmpd="sng">
+                      <a:noFill/>
+                      <a:prstDash val="solid"/>
+                    </a:lnTlToBr>
+                    <a:lnBlToTr w="12700" cmpd="sng">
+                      <a:noFill/>
+                      <a:prstDash val="solid"/>
+                    </a:lnBlToTr>
+                  </a:tcPr>
+                </a:tc>
+              </a:tr>
+              <a:tr h="260350">
+                <a:tc>
+                  <a:txBody>
+                    <a:bodyPr/>
+                    <a:lstStyle/>
+                    <a:p>
+                      <a:pPr marL="0" marR="0" indent="0" algn="l" defTabSz="584200" rtl="0" eaLnBrk="1" fontAlgn="auto" latinLnBrk="0" hangingPunct="1">
+                        <a:lnSpc>
+                          <a:spcPct val="100000"/>
+                        </a:lnSpc>
+                        <a:spcBef>
+                          <a:spcPts val="0"/>
+                        </a:spcBef>
+                        <a:spcAft>
+                          <a:spcPts val="0"/>
+                        </a:spcAft>
+                        <a:buClrTx/>
+                        <a:buSzTx/>
+                        <a:buFontTx/>
+                        <a:buNone/>
+                        <a:tabLst/>
+                        <a:defRPr/>
+                      </a:pPr>
+                      <a:r>
                         <a:rPr lang="en-GB" sz="1000" b="0" i="0" u="none" strike="noStrike" cap="none" spc="0" baseline="0">
                           <a:ln>
                             <a:noFill/>
@@ -13229,7 +19485,7 @@
                 </a:tc>
                 <a:extLst>
                   <a:ext uri="{0D108BD9-81ED-4DB2-BD59-A6C34878D82A}">
-                    <a16:rowId xmlns="" xmlns:a16="http://schemas.microsoft.com/office/drawing/2014/main" val="10002"/>
+                    <a16:rowId xmlns:a16="http://schemas.microsoft.com/office/drawing/2014/main" xmlns="" val="10002"/>
                   </a:ext>
                 </a:extLst>
               </a:tr>
@@ -13309,7 +19565,7 @@
                 </a:tc>
                 <a:extLst>
                   <a:ext uri="{0D108BD9-81ED-4DB2-BD59-A6C34878D82A}">
-                    <a16:rowId xmlns="" xmlns:a16="http://schemas.microsoft.com/office/drawing/2014/main" val="10003"/>
+                    <a16:rowId xmlns:a16="http://schemas.microsoft.com/office/drawing/2014/main" xmlns="" val="10003"/>
                   </a:ext>
                 </a:extLst>
               </a:tr>
@@ -13337,7 +19593,7 @@
                         <a:defRPr/>
                       </a:pPr>
                       <a:r>
-                        <a:rPr lang="en-GB" sz="1000" b="0" i="0" u="none" strike="noStrike" cap="none" spc="0" baseline="0">
+                        <a:rPr lang="en-GB" sz="1000" b="0" i="0" u="none" strike="noStrike" cap="none" spc="0" baseline="0" smtClean="0">
                           <a:ln>
                             <a:noFill/>
                           </a:ln>
@@ -13350,8 +19606,21 @@
                           <a:cs typeface="Segoe UI" pitchFamily="34" charset="0"/>
                           <a:sym typeface="Source Sans Pro"/>
                         </a:rPr>
-                        <a:t>Exploratory - (EDA) Summarize a data sets main characteristics, often with visual methods. A statistical model can be used or not.</a:t>
-                      </a:r>
+                        <a:t>Forecasting - A subset of predictive modeling. Its distinguishing feature is that the available data are in the form of time series (Business Forecasting p. 120).</a:t>
+                      </a:r>
+                      <a:endParaRPr lang="en-GB" sz="1000" b="0" i="0" u="none" strike="noStrike" cap="none" spc="0" baseline="0">
+                        <a:ln>
+                          <a:noFill/>
+                        </a:ln>
+                        <a:solidFill>
+                          <a:srgbClr val="000000"/>
+                        </a:solidFill>
+                        <a:uFillTx/>
+                        <a:latin typeface="Segoe UI" pitchFamily="34" charset="0"/>
+                        <a:ea typeface="+mn-ea"/>
+                        <a:cs typeface="Segoe UI" pitchFamily="34" charset="0"/>
+                        <a:sym typeface="Source Sans Pro"/>
+                      </a:endParaRPr>
                     </a:p>
                   </a:txBody>
                   <a:tcPr>
@@ -13389,7 +19658,7 @@
                 </a:tc>
                 <a:extLst>
                   <a:ext uri="{0D108BD9-81ED-4DB2-BD59-A6C34878D82A}">
-                    <a16:rowId xmlns="" xmlns:a16="http://schemas.microsoft.com/office/drawing/2014/main" val="10004"/>
+                    <a16:rowId xmlns:a16="http://schemas.microsoft.com/office/drawing/2014/main" xmlns="" val="10004"/>
                   </a:ext>
                 </a:extLst>
               </a:tr>
@@ -13468,7 +19737,7 @@
                 </a:tc>
                 <a:extLst>
                   <a:ext uri="{0D108BD9-81ED-4DB2-BD59-A6C34878D82A}">
-                    <a16:rowId xmlns="" xmlns:a16="http://schemas.microsoft.com/office/drawing/2014/main" val="10005"/>
+                    <a16:rowId xmlns:a16="http://schemas.microsoft.com/office/drawing/2014/main" xmlns="" val="10005"/>
                   </a:ext>
                 </a:extLst>
               </a:tr>
@@ -13504,21 +19773,21 @@
                 <a:gridCol w="1333954">
                   <a:extLst>
                     <a:ext uri="{9D8B030D-6E8A-4147-A177-3AD203B41FA5}">
-                      <a16:colId xmlns="" xmlns:a16="http://schemas.microsoft.com/office/drawing/2014/main" val="20000"/>
+                      <a16:colId xmlns:a16="http://schemas.microsoft.com/office/drawing/2014/main" xmlns="" val="20000"/>
                     </a:ext>
                   </a:extLst>
                 </a:gridCol>
                 <a:gridCol w="380538">
                   <a:extLst>
                     <a:ext uri="{9D8B030D-6E8A-4147-A177-3AD203B41FA5}">
-                      <a16:colId xmlns="" xmlns:a16="http://schemas.microsoft.com/office/drawing/2014/main" val="20001"/>
+                      <a16:colId xmlns:a16="http://schemas.microsoft.com/office/drawing/2014/main" xmlns="" val="20001"/>
                     </a:ext>
                   </a:extLst>
                 </a:gridCol>
                 <a:gridCol w="1831568">
                   <a:extLst>
                     <a:ext uri="{9D8B030D-6E8A-4147-A177-3AD203B41FA5}">
-                      <a16:colId xmlns="" xmlns:a16="http://schemas.microsoft.com/office/drawing/2014/main" val="20002"/>
+                      <a16:colId xmlns:a16="http://schemas.microsoft.com/office/drawing/2014/main" xmlns="" val="20002"/>
                     </a:ext>
                   </a:extLst>
                 </a:gridCol>
@@ -13626,7 +19895,7 @@
                 </a:tc>
                 <a:extLst>
                   <a:ext uri="{0D108BD9-81ED-4DB2-BD59-A6C34878D82A}">
-                    <a16:rowId xmlns="" xmlns:a16="http://schemas.microsoft.com/office/drawing/2014/main" val="10000"/>
+                    <a16:rowId xmlns:a16="http://schemas.microsoft.com/office/drawing/2014/main" xmlns="" val="10000"/>
                   </a:ext>
                 </a:extLst>
               </a:tr>
@@ -13828,7 +20097,7 @@
                 </a:tc>
                 <a:extLst>
                   <a:ext uri="{0D108BD9-81ED-4DB2-BD59-A6C34878D82A}">
-                    <a16:rowId xmlns="" xmlns:a16="http://schemas.microsoft.com/office/drawing/2014/main" val="10001"/>
+                    <a16:rowId xmlns:a16="http://schemas.microsoft.com/office/drawing/2014/main" xmlns="" val="10001"/>
                   </a:ext>
                 </a:extLst>
               </a:tr>
@@ -13961,7 +20230,7 @@
                 </a:tc>
                 <a:extLst>
                   <a:ext uri="{0D108BD9-81ED-4DB2-BD59-A6C34878D82A}">
-                    <a16:rowId xmlns="" xmlns:a16="http://schemas.microsoft.com/office/drawing/2014/main" val="10002"/>
+                    <a16:rowId xmlns:a16="http://schemas.microsoft.com/office/drawing/2014/main" xmlns="" val="10002"/>
                   </a:ext>
                 </a:extLst>
               </a:tr>
@@ -14094,7 +20363,7 @@
                 </a:tc>
                 <a:extLst>
                   <a:ext uri="{0D108BD9-81ED-4DB2-BD59-A6C34878D82A}">
-                    <a16:rowId xmlns="" xmlns:a16="http://schemas.microsoft.com/office/drawing/2014/main" val="10003"/>
+                    <a16:rowId xmlns:a16="http://schemas.microsoft.com/office/drawing/2014/main" xmlns="" val="10003"/>
                   </a:ext>
                 </a:extLst>
               </a:tr>
@@ -14311,7 +20580,7 @@
                 </a:tc>
                 <a:extLst>
                   <a:ext uri="{0D108BD9-81ED-4DB2-BD59-A6C34878D82A}">
-                    <a16:rowId xmlns="" xmlns:a16="http://schemas.microsoft.com/office/drawing/2014/main" val="10004"/>
+                    <a16:rowId xmlns:a16="http://schemas.microsoft.com/office/drawing/2014/main" xmlns="" val="10004"/>
                   </a:ext>
                 </a:extLst>
               </a:tr>
@@ -14347,7 +20616,7 @@
                 <a:gridCol w="3800476">
                   <a:extLst>
                     <a:ext uri="{9D8B030D-6E8A-4147-A177-3AD203B41FA5}">
-                      <a16:colId xmlns="" xmlns:a16="http://schemas.microsoft.com/office/drawing/2014/main" val="20000"/>
+                      <a16:colId xmlns:a16="http://schemas.microsoft.com/office/drawing/2014/main" xmlns="" val="20000"/>
                     </a:ext>
                   </a:extLst>
                 </a:gridCol>
@@ -14427,7 +20696,7 @@
                 </a:tc>
                 <a:extLst>
                   <a:ext uri="{0D108BD9-81ED-4DB2-BD59-A6C34878D82A}">
-                    <a16:rowId xmlns="" xmlns:a16="http://schemas.microsoft.com/office/drawing/2014/main" val="10000"/>
+                    <a16:rowId xmlns:a16="http://schemas.microsoft.com/office/drawing/2014/main" xmlns="" val="10000"/>
                   </a:ext>
                 </a:extLst>
               </a:tr>
@@ -14527,7 +20796,7 @@
                 </a:tc>
                 <a:extLst>
                   <a:ext uri="{0D108BD9-81ED-4DB2-BD59-A6C34878D82A}">
-                    <a16:rowId xmlns="" xmlns:a16="http://schemas.microsoft.com/office/drawing/2014/main" val="10001"/>
+                    <a16:rowId xmlns:a16="http://schemas.microsoft.com/office/drawing/2014/main" xmlns="" val="10001"/>
                   </a:ext>
                 </a:extLst>
               </a:tr>
@@ -14636,7 +20905,7 @@
                 </a:tc>
                 <a:extLst>
                   <a:ext uri="{0D108BD9-81ED-4DB2-BD59-A6C34878D82A}">
-                    <a16:rowId xmlns="" xmlns:a16="http://schemas.microsoft.com/office/drawing/2014/main" val="10002"/>
+                    <a16:rowId xmlns:a16="http://schemas.microsoft.com/office/drawing/2014/main" xmlns="" val="10002"/>
                   </a:ext>
                 </a:extLst>
               </a:tr>
@@ -14953,7 +21222,7 @@
                 </a:tc>
                 <a:extLst>
                   <a:ext uri="{0D108BD9-81ED-4DB2-BD59-A6C34878D82A}">
-                    <a16:rowId xmlns="" xmlns:a16="http://schemas.microsoft.com/office/drawing/2014/main" val="10003"/>
+                    <a16:rowId xmlns:a16="http://schemas.microsoft.com/office/drawing/2014/main" xmlns="" val="10003"/>
                   </a:ext>
                 </a:extLst>
               </a:tr>
@@ -15065,7 +21334,7 @@
                 </a:tc>
                 <a:extLst>
                   <a:ext uri="{0D108BD9-81ED-4DB2-BD59-A6C34878D82A}">
-                    <a16:rowId xmlns="" xmlns:a16="http://schemas.microsoft.com/office/drawing/2014/main" val="10004"/>
+                    <a16:rowId xmlns:a16="http://schemas.microsoft.com/office/drawing/2014/main" xmlns="" val="10004"/>
                   </a:ext>
                 </a:extLst>
               </a:tr>
@@ -15225,7 +21494,7 @@
                 </a:tc>
                 <a:extLst>
                   <a:ext uri="{0D108BD9-81ED-4DB2-BD59-A6C34878D82A}">
-                    <a16:rowId xmlns="" xmlns:a16="http://schemas.microsoft.com/office/drawing/2014/main" val="10005"/>
+                    <a16:rowId xmlns:a16="http://schemas.microsoft.com/office/drawing/2014/main" xmlns="" val="10005"/>
                   </a:ext>
                 </a:extLst>
               </a:tr>
@@ -15353,7 +21622,7 @@
                 </a:tc>
                 <a:extLst>
                   <a:ext uri="{0D108BD9-81ED-4DB2-BD59-A6C34878D82A}">
-                    <a16:rowId xmlns="" xmlns:a16="http://schemas.microsoft.com/office/drawing/2014/main" val="10006"/>
+                    <a16:rowId xmlns:a16="http://schemas.microsoft.com/office/drawing/2014/main" xmlns="" val="10006"/>
                   </a:ext>
                 </a:extLst>
               </a:tr>
@@ -15430,7 +21699,7 @@
                 </a:tc>
                 <a:extLst>
                   <a:ext uri="{0D108BD9-81ED-4DB2-BD59-A6C34878D82A}">
-                    <a16:rowId xmlns="" xmlns:a16="http://schemas.microsoft.com/office/drawing/2014/main" val="10007"/>
+                    <a16:rowId xmlns:a16="http://schemas.microsoft.com/office/drawing/2014/main" xmlns="" val="10007"/>
                   </a:ext>
                 </a:extLst>
               </a:tr>
@@ -15512,7 +21781,7 @@
                 </a:tc>
                 <a:extLst>
                   <a:ext uri="{0D108BD9-81ED-4DB2-BD59-A6C34878D82A}">
-                    <a16:rowId xmlns="" xmlns:a16="http://schemas.microsoft.com/office/drawing/2014/main" val="10008"/>
+                    <a16:rowId xmlns:a16="http://schemas.microsoft.com/office/drawing/2014/main" xmlns="" val="10008"/>
                   </a:ext>
                 </a:extLst>
               </a:tr>
@@ -15548,7 +21817,7 @@
                 <a:gridCol w="3970655">
                   <a:extLst>
                     <a:ext uri="{9D8B030D-6E8A-4147-A177-3AD203B41FA5}">
-                      <a16:colId xmlns="" xmlns:a16="http://schemas.microsoft.com/office/drawing/2014/main" val="20000"/>
+                      <a16:colId xmlns:a16="http://schemas.microsoft.com/office/drawing/2014/main" xmlns="" val="20000"/>
                     </a:ext>
                   </a:extLst>
                 </a:gridCol>
@@ -15621,7 +21890,7 @@
                 </a:tc>
                 <a:extLst>
                   <a:ext uri="{0D108BD9-81ED-4DB2-BD59-A6C34878D82A}">
-                    <a16:rowId xmlns="" xmlns:a16="http://schemas.microsoft.com/office/drawing/2014/main" val="10000"/>
+                    <a16:rowId xmlns:a16="http://schemas.microsoft.com/office/drawing/2014/main" xmlns="" val="10000"/>
                   </a:ext>
                 </a:extLst>
               </a:tr>
@@ -15707,7 +21976,7 @@
                 </a:tc>
                 <a:extLst>
                   <a:ext uri="{0D108BD9-81ED-4DB2-BD59-A6C34878D82A}">
-                    <a16:rowId xmlns="" xmlns:a16="http://schemas.microsoft.com/office/drawing/2014/main" val="10001"/>
+                    <a16:rowId xmlns:a16="http://schemas.microsoft.com/office/drawing/2014/main" xmlns="" val="10001"/>
                   </a:ext>
                 </a:extLst>
               </a:tr>
@@ -15825,7 +22094,7 @@
                 </a:tc>
                 <a:extLst>
                   <a:ext uri="{0D108BD9-81ED-4DB2-BD59-A6C34878D82A}">
-                    <a16:rowId xmlns="" xmlns:a16="http://schemas.microsoft.com/office/drawing/2014/main" val="10002"/>
+                    <a16:rowId xmlns:a16="http://schemas.microsoft.com/office/drawing/2014/main" xmlns="" val="10002"/>
                   </a:ext>
                 </a:extLst>
               </a:tr>
@@ -15928,7 +22197,7 @@
                 </a:tc>
                 <a:extLst>
                   <a:ext uri="{0D108BD9-81ED-4DB2-BD59-A6C34878D82A}">
-                    <a16:rowId xmlns="" xmlns:a16="http://schemas.microsoft.com/office/drawing/2014/main" val="10003"/>
+                    <a16:rowId xmlns:a16="http://schemas.microsoft.com/office/drawing/2014/main" xmlns="" val="10003"/>
                   </a:ext>
                 </a:extLst>
               </a:tr>
@@ -16021,7 +22290,7 @@
                 </a:tc>
                 <a:extLst>
                   <a:ext uri="{0D108BD9-81ED-4DB2-BD59-A6C34878D82A}">
-                    <a16:rowId xmlns="" xmlns:a16="http://schemas.microsoft.com/office/drawing/2014/main" val="10004"/>
+                    <a16:rowId xmlns:a16="http://schemas.microsoft.com/office/drawing/2014/main" xmlns="" val="10004"/>
                   </a:ext>
                 </a:extLst>
               </a:tr>
@@ -16118,7 +22387,7 @@
                 </a:tc>
                 <a:extLst>
                   <a:ext uri="{0D108BD9-81ED-4DB2-BD59-A6C34878D82A}">
-                    <a16:rowId xmlns="" xmlns:a16="http://schemas.microsoft.com/office/drawing/2014/main" val="10005"/>
+                    <a16:rowId xmlns:a16="http://schemas.microsoft.com/office/drawing/2014/main" xmlns="" val="10005"/>
                   </a:ext>
                 </a:extLst>
               </a:tr>
@@ -16201,7 +22470,7 @@
                 </a:tc>
                 <a:extLst>
                   <a:ext uri="{0D108BD9-81ED-4DB2-BD59-A6C34878D82A}">
-                    <a16:rowId xmlns="" xmlns:a16="http://schemas.microsoft.com/office/drawing/2014/main" val="10006"/>
+                    <a16:rowId xmlns:a16="http://schemas.microsoft.com/office/drawing/2014/main" xmlns="" val="10006"/>
                   </a:ext>
                 </a:extLst>
               </a:tr>
@@ -16318,7 +22587,7 @@
                 </a:tc>
                 <a:extLst>
                   <a:ext uri="{0D108BD9-81ED-4DB2-BD59-A6C34878D82A}">
-                    <a16:rowId xmlns="" xmlns:a16="http://schemas.microsoft.com/office/drawing/2014/main" val="10007"/>
+                    <a16:rowId xmlns:a16="http://schemas.microsoft.com/office/drawing/2014/main" xmlns="" val="10007"/>
                   </a:ext>
                 </a:extLst>
               </a:tr>
@@ -16333,7 +22602,7 @@
               <p:cNvPr id="13" name="Table 12">
                 <a:extLst>
                   <a:ext uri="{FF2B5EF4-FFF2-40B4-BE49-F238E27FC236}">
-                    <a16:creationId xmlns="" xmlns:a16="http://schemas.microsoft.com/office/drawing/2014/main" id="{0494280A-AA93-4D6A-827A-BB7B609A7172}"/>
+                    <a16:creationId xmlns:a16="http://schemas.microsoft.com/office/drawing/2014/main" xmlns="" id="{0494280A-AA93-4D6A-827A-BB7B609A7172}"/>
                   </a:ext>
                 </a:extLst>
               </p:cNvPr>
@@ -16362,7 +22631,7 @@
                     <a:gridCol w="3970655">
                       <a:extLst>
                         <a:ext uri="{9D8B030D-6E8A-4147-A177-3AD203B41FA5}">
-                          <a16:colId xmlns="" xmlns:a16="http://schemas.microsoft.com/office/drawing/2014/main" val="20000"/>
+                          <a16:colId xmlns:a16="http://schemas.microsoft.com/office/drawing/2014/main" xmlns="" val="20000"/>
                         </a:ext>
                       </a:extLst>
                     </a:gridCol>
@@ -16435,7 +22704,7 @@
                     </a:tc>
                     <a:extLst>
                       <a:ext uri="{0D108BD9-81ED-4DB2-BD59-A6C34878D82A}">
-                        <a16:rowId xmlns="" xmlns:a16="http://schemas.microsoft.com/office/drawing/2014/main" val="10000"/>
+                        <a16:rowId xmlns:a16="http://schemas.microsoft.com/office/drawing/2014/main" xmlns="" val="10000"/>
                       </a:ext>
                     </a:extLst>
                   </a:tr>
@@ -16527,7 +22796,7 @@
                     </a:tc>
                     <a:extLst>
                       <a:ext uri="{0D108BD9-81ED-4DB2-BD59-A6C34878D82A}">
-                        <a16:rowId xmlns="" xmlns:a16="http://schemas.microsoft.com/office/drawing/2014/main" val="10006"/>
+                        <a16:rowId xmlns:a16="http://schemas.microsoft.com/office/drawing/2014/main" xmlns="" val="10006"/>
                       </a:ext>
                     </a:extLst>
                   </a:tr>
@@ -16613,7 +22882,7 @@
                     </a:tc>
                     <a:extLst>
                       <a:ext uri="{0D108BD9-81ED-4DB2-BD59-A6C34878D82A}">
-                        <a16:rowId xmlns="" xmlns:a16="http://schemas.microsoft.com/office/drawing/2014/main" val="2650464264"/>
+                        <a16:rowId xmlns:a16="http://schemas.microsoft.com/office/drawing/2014/main" xmlns="" val="2650464264"/>
                       </a:ext>
                     </a:extLst>
                   </a:tr>
@@ -16715,7 +22984,7 @@
                     </a:tc>
                     <a:extLst>
                       <a:ext uri="{0D108BD9-81ED-4DB2-BD59-A6C34878D82A}">
-                        <a16:rowId xmlns="" xmlns:a16="http://schemas.microsoft.com/office/drawing/2014/main" val="1708595694"/>
+                        <a16:rowId xmlns:a16="http://schemas.microsoft.com/office/drawing/2014/main" xmlns="" val="1708595694"/>
                       </a:ext>
                     </a:extLst>
                   </a:tr>
@@ -17115,7 +23384,7 @@
                     </a:tc>
                     <a:extLst>
                       <a:ext uri="{0D108BD9-81ED-4DB2-BD59-A6C34878D82A}">
-                        <a16:rowId xmlns="" xmlns:a16="http://schemas.microsoft.com/office/drawing/2014/main" val="348125559"/>
+                        <a16:rowId xmlns:a16="http://schemas.microsoft.com/office/drawing/2014/main" xmlns="" val="348125559"/>
                       </a:ext>
                     </a:extLst>
                   </a:tr>
@@ -17438,7 +23707,7 @@
                     </a:tc>
                     <a:extLst>
                       <a:ext uri="{0D108BD9-81ED-4DB2-BD59-A6C34878D82A}">
-                        <a16:rowId xmlns="" xmlns:a16="http://schemas.microsoft.com/office/drawing/2014/main" val="3295806164"/>
+                        <a16:rowId xmlns:a16="http://schemas.microsoft.com/office/drawing/2014/main" xmlns="" val="3295806164"/>
                       </a:ext>
                     </a:extLst>
                   </a:tr>
@@ -17621,7 +23890,7 @@
                     </a:tc>
                     <a:extLst>
                       <a:ext uri="{0D108BD9-81ED-4DB2-BD59-A6C34878D82A}">
-                        <a16:rowId xmlns="" xmlns:a16="http://schemas.microsoft.com/office/drawing/2014/main" val="1091225448"/>
+                        <a16:rowId xmlns:a16="http://schemas.microsoft.com/office/drawing/2014/main" xmlns="" val="1091225448"/>
                       </a:ext>
                     </a:extLst>
                   </a:tr>
@@ -17738,7 +24007,7 @@
                     </a:tc>
                     <a:extLst>
                       <a:ext uri="{0D108BD9-81ED-4DB2-BD59-A6C34878D82A}">
-                        <a16:rowId xmlns="" xmlns:a16="http://schemas.microsoft.com/office/drawing/2014/main" val="10007"/>
+                        <a16:rowId xmlns:a16="http://schemas.microsoft.com/office/drawing/2014/main" xmlns="" val="10007"/>
                       </a:ext>
                     </a:extLst>
                   </a:tr>
@@ -18447,7 +24716,7 @@
           <p:cNvPr id="14" name="Table 13">
             <a:extLst>
               <a:ext uri="{FF2B5EF4-FFF2-40B4-BE49-F238E27FC236}">
-                <a16:creationId xmlns="" xmlns:a16="http://schemas.microsoft.com/office/drawing/2014/main" id="{FE508E2A-6AF5-4306-B60F-B65C0B85CD38}"/>
+                <a16:creationId xmlns:a16="http://schemas.microsoft.com/office/drawing/2014/main" xmlns="" id="{FE508E2A-6AF5-4306-B60F-B65C0B85CD38}"/>
               </a:ext>
             </a:extLst>
           </p:cNvPr>
@@ -18476,7 +24745,7 @@
                 <a:gridCol w="3970655">
                   <a:extLst>
                     <a:ext uri="{9D8B030D-6E8A-4147-A177-3AD203B41FA5}">
-                      <a16:colId xmlns="" xmlns:a16="http://schemas.microsoft.com/office/drawing/2014/main" val="20000"/>
+                      <a16:colId xmlns:a16="http://schemas.microsoft.com/office/drawing/2014/main" xmlns="" val="20000"/>
                     </a:ext>
                   </a:extLst>
                 </a:gridCol>
@@ -18549,7 +24818,7 @@
                 </a:tc>
                 <a:extLst>
                   <a:ext uri="{0D108BD9-81ED-4DB2-BD59-A6C34878D82A}">
-                    <a16:rowId xmlns="" xmlns:a16="http://schemas.microsoft.com/office/drawing/2014/main" val="10000"/>
+                    <a16:rowId xmlns:a16="http://schemas.microsoft.com/office/drawing/2014/main" xmlns="" val="10000"/>
                   </a:ext>
                 </a:extLst>
               </a:tr>
@@ -18641,7 +24910,7 @@
                 </a:tc>
                 <a:extLst>
                   <a:ext uri="{0D108BD9-81ED-4DB2-BD59-A6C34878D82A}">
-                    <a16:rowId xmlns="" xmlns:a16="http://schemas.microsoft.com/office/drawing/2014/main" val="10006"/>
+                    <a16:rowId xmlns:a16="http://schemas.microsoft.com/office/drawing/2014/main" xmlns="" val="10006"/>
                   </a:ext>
                 </a:extLst>
               </a:tr>
@@ -18727,7 +24996,7 @@
                 </a:tc>
                 <a:extLst>
                   <a:ext uri="{0D108BD9-81ED-4DB2-BD59-A6C34878D82A}">
-                    <a16:rowId xmlns="" xmlns:a16="http://schemas.microsoft.com/office/drawing/2014/main" val="2650464264"/>
+                    <a16:rowId xmlns:a16="http://schemas.microsoft.com/office/drawing/2014/main" xmlns="" val="2650464264"/>
                   </a:ext>
                 </a:extLst>
               </a:tr>
@@ -18810,7 +25079,7 @@
                 </a:tc>
                 <a:extLst>
                   <a:ext uri="{0D108BD9-81ED-4DB2-BD59-A6C34878D82A}">
-                    <a16:rowId xmlns="" xmlns:a16="http://schemas.microsoft.com/office/drawing/2014/main" val="1708595694"/>
+                    <a16:rowId xmlns:a16="http://schemas.microsoft.com/office/drawing/2014/main" xmlns="" val="1708595694"/>
                   </a:ext>
                 </a:extLst>
               </a:tr>
@@ -18927,7 +25196,7 @@
                 </a:tc>
                 <a:extLst>
                   <a:ext uri="{0D108BD9-81ED-4DB2-BD59-A6C34878D82A}">
-                    <a16:rowId xmlns="" xmlns:a16="http://schemas.microsoft.com/office/drawing/2014/main" val="10007"/>
+                    <a16:rowId xmlns:a16="http://schemas.microsoft.com/office/drawing/2014/main" xmlns="" val="10007"/>
                   </a:ext>
                 </a:extLst>
               </a:tr>
